--- a/Documentation/01 - Design Document.pptx
+++ b/Documentation/01 - Design Document.pptx
@@ -265,7 +265,7 @@
       </p15:sldGuideLst>
     </p:ext>
     <p:ext uri="GoogleSlidesCustomDataVersion2">
-      <go:slidesCustomData xmlns="" xmlns:mc="http://schemas.openxmlformats.org/markup-compatibility/2006" xmlns:mv="urn:schemas-microsoft-com:mac:vml" xmlns:c="http://schemas.openxmlformats.org/drawingml/2006/chart" xmlns:dgm="http://schemas.openxmlformats.org/drawingml/2006/diagram" xmlns:o="urn:schemas-microsoft-com:office:office" xmlns:v="urn:schemas-microsoft-com:vml" xmlns:pvml="urn:schemas-microsoft-com:office:powerpoint" xmlns:com="http://schemas.openxmlformats.org/drawingml/2006/compatibility" xmlns:p14="http://schemas.microsoft.com/office/powerpoint/2010/main" xmlns:p15="http://schemas.microsoft.com/office/powerpoint/2012/main" xmlns:ahyp="http://schemas.microsoft.com/office/drawing/2018/hyperlinkcolor" xmlns:go="http://customooxmlschemas.google.com/" r:id="rId19" roundtripDataSignature="AMtx7mhsZi6FLtTjXW9fiwvxuzOukkacyg=="/>
+      <go:slidesCustomData xmlns:go="http://customooxmlschemas.google.com/" xmlns:ahyp="http://schemas.microsoft.com/office/drawing/2018/hyperlinkcolor" xmlns:p15="http://schemas.microsoft.com/office/powerpoint/2012/main" xmlns:p14="http://schemas.microsoft.com/office/powerpoint/2010/main" xmlns:com="http://schemas.openxmlformats.org/drawingml/2006/compatibility" xmlns:pvml="urn:schemas-microsoft-com:office:powerpoint" xmlns:v="urn:schemas-microsoft-com:vml" xmlns:o="urn:schemas-microsoft-com:office:office" xmlns:dgm="http://schemas.openxmlformats.org/drawingml/2006/diagram" xmlns:c="http://schemas.openxmlformats.org/drawingml/2006/chart" xmlns:mv="urn:schemas-microsoft-com:mac:vml" xmlns:mc="http://schemas.openxmlformats.org/markup-compatibility/2006" xmlns="" r:id="rId19" roundtripDataSignature="AMtx7mhsZi6FLtTjXW9fiwvxuzOukkacyg=="/>
     </p:ext>
   </p:extLst>
 </p:presentation>

--- a/Documentation/01 - Design Document.pptx
+++ b/Documentation/01 - Design Document.pptx
@@ -5,7 +5,7 @@
     <p:sldMasterId id="2147483648" r:id="rId1"/>
   </p:sldMasterIdLst>
   <p:notesMasterIdLst>
-    <p:notesMasterId r:id="rId11"/>
+    <p:notesMasterId r:id="rId10"/>
   </p:notesMasterIdLst>
   <p:sldIdLst>
     <p:sldId id="256" r:id="rId2"/>
@@ -14,9 +14,8 @@
     <p:sldId id="259" r:id="rId5"/>
     <p:sldId id="260" r:id="rId6"/>
     <p:sldId id="261" r:id="rId7"/>
-    <p:sldId id="262" r:id="rId8"/>
-    <p:sldId id="263" r:id="rId9"/>
-    <p:sldId id="264" r:id="rId10"/>
+    <p:sldId id="263" r:id="rId8"/>
+    <p:sldId id="264" r:id="rId9"/>
   </p:sldIdLst>
   <p:sldSz cx="6858000" cy="9906000" type="A4"/>
   <p:notesSz cx="6858000" cy="9144000"/>
@@ -265,7 +264,7 @@
       </p15:sldGuideLst>
     </p:ext>
     <p:ext uri="GoogleSlidesCustomDataVersion2">
-      <go:slidesCustomData xmlns:go="http://customooxmlschemas.google.com/" xmlns:ahyp="http://schemas.microsoft.com/office/drawing/2018/hyperlinkcolor" xmlns:p15="http://schemas.microsoft.com/office/powerpoint/2012/main" xmlns:p14="http://schemas.microsoft.com/office/powerpoint/2010/main" xmlns:com="http://schemas.openxmlformats.org/drawingml/2006/compatibility" xmlns:pvml="urn:schemas-microsoft-com:office:powerpoint" xmlns:v="urn:schemas-microsoft-com:vml" xmlns:o="urn:schemas-microsoft-com:office:office" xmlns:dgm="http://schemas.openxmlformats.org/drawingml/2006/diagram" xmlns:c="http://schemas.openxmlformats.org/drawingml/2006/chart" xmlns:mv="urn:schemas-microsoft-com:mac:vml" xmlns:mc="http://schemas.openxmlformats.org/markup-compatibility/2006" xmlns="" r:id="rId19" roundtripDataSignature="AMtx7mhsZi6FLtTjXW9fiwvxuzOukkacyg=="/>
+      <go:slidesCustomData xmlns="" xmlns:mc="http://schemas.openxmlformats.org/markup-compatibility/2006" xmlns:mv="urn:schemas-microsoft-com:mac:vml" xmlns:c="http://schemas.openxmlformats.org/drawingml/2006/chart" xmlns:dgm="http://schemas.openxmlformats.org/drawingml/2006/diagram" xmlns:o="urn:schemas-microsoft-com:office:office" xmlns:v="urn:schemas-microsoft-com:vml" xmlns:pvml="urn:schemas-microsoft-com:office:powerpoint" xmlns:com="http://schemas.openxmlformats.org/drawingml/2006/compatibility" xmlns:p14="http://schemas.microsoft.com/office/powerpoint/2010/main" xmlns:p15="http://schemas.microsoft.com/office/powerpoint/2012/main" xmlns:ahyp="http://schemas.microsoft.com/office/drawing/2018/hyperlinkcolor" xmlns:go="http://customooxmlschemas.google.com/" r:id="rId19" roundtripDataSignature="AMtx7mhsZi6FLtTjXW9fiwvxuzOukkacyg=="/>
     </p:ext>
   </p:extLst>
 </p:presentation>
@@ -2393,170 +2392,6 @@
   <p:cSld>
     <p:spTree>
       <p:nvGrpSpPr>
-        <p:cNvPr id="1" name="Shape 235"/>
-        <p:cNvGrpSpPr/>
-        <p:nvPr/>
-      </p:nvGrpSpPr>
-      <p:grpSpPr>
-        <a:xfrm>
-          <a:off x="0" y="0"/>
-          <a:ext cx="0" cy="0"/>
-          <a:chOff x="0" y="0"/>
-          <a:chExt cx="0" cy="0"/>
-        </a:xfrm>
-      </p:grpSpPr>
-      <p:sp>
-        <p:nvSpPr>
-          <p:cNvPr id="236" name="Google Shape;236;g21bc3c53028_0_291:notes"/>
-          <p:cNvSpPr>
-            <a:spLocks noGrp="1" noRot="1" noChangeAspect="1"/>
-          </p:cNvSpPr>
-          <p:nvPr>
-            <p:ph type="sldImg" idx="2"/>
-          </p:nvPr>
-        </p:nvSpPr>
-        <p:spPr>
-          <a:xfrm>
-            <a:off x="2360613" y="1143000"/>
-            <a:ext cx="2136775" cy="3086100"/>
-          </a:xfrm>
-          <a:custGeom>
-            <a:avLst/>
-            <a:gdLst/>
-            <a:ahLst/>
-            <a:cxnLst/>
-            <a:rect l="l" t="t" r="r" b="b"/>
-            <a:pathLst>
-              <a:path w="120000" h="120000" extrusionOk="0">
-                <a:moveTo>
-                  <a:pt x="0" y="0"/>
-                </a:moveTo>
-                <a:lnTo>
-                  <a:pt x="120000" y="0"/>
-                </a:lnTo>
-                <a:lnTo>
-                  <a:pt x="120000" y="120000"/>
-                </a:lnTo>
-                <a:lnTo>
-                  <a:pt x="0" y="120000"/>
-                </a:lnTo>
-                <a:close/>
-              </a:path>
-            </a:pathLst>
-          </a:custGeom>
-          <a:noFill/>
-          <a:ln w="12700" cap="flat" cmpd="sng">
-            <a:solidFill>
-              <a:srgbClr val="000000"/>
-            </a:solidFill>
-            <a:prstDash val="solid"/>
-            <a:round/>
-            <a:headEnd type="none" w="sm" len="sm"/>
-            <a:tailEnd type="none" w="sm" len="sm"/>
-          </a:ln>
-        </p:spPr>
-      </p:sp>
-      <p:sp>
-        <p:nvSpPr>
-          <p:cNvPr id="237" name="Google Shape;237;g21bc3c53028_0_291:notes"/>
-          <p:cNvSpPr txBox="1">
-            <a:spLocks noGrp="1"/>
-          </p:cNvSpPr>
-          <p:nvPr>
-            <p:ph type="body" idx="1"/>
-          </p:nvPr>
-        </p:nvSpPr>
-        <p:spPr>
-          <a:xfrm>
-            <a:off x="685800" y="4400550"/>
-            <a:ext cx="5486400" cy="3600600"/>
-          </a:xfrm>
-          <a:prstGeom prst="rect">
-            <a:avLst/>
-          </a:prstGeom>
-          <a:noFill/>
-          <a:ln>
-            <a:noFill/>
-          </a:ln>
-        </p:spPr>
-        <p:txBody>
-          <a:bodyPr spcFirstLastPara="1" wrap="square" lIns="91425" tIns="45700" rIns="91425" bIns="45700" anchor="t" anchorCtr="0">
-            <a:noAutofit/>
-          </a:bodyPr>
-          <a:lstStyle/>
-          <a:p>
-            <a:pPr marL="0" lvl="0" indent="0" algn="l" rtl="0">
-              <a:spcBef>
-                <a:spcPts val="0"/>
-              </a:spcBef>
-              <a:spcAft>
-                <a:spcPts val="0"/>
-              </a:spcAft>
-              <a:buNone/>
-            </a:pPr>
-            <a:endParaRPr/>
-          </a:p>
-        </p:txBody>
-      </p:sp>
-      <p:sp>
-        <p:nvSpPr>
-          <p:cNvPr id="238" name="Google Shape;238;g21bc3c53028_0_291:notes"/>
-          <p:cNvSpPr txBox="1">
-            <a:spLocks noGrp="1"/>
-          </p:cNvSpPr>
-          <p:nvPr>
-            <p:ph type="sldNum" idx="12"/>
-          </p:nvPr>
-        </p:nvSpPr>
-        <p:spPr>
-          <a:xfrm>
-            <a:off x="3884613" y="8685213"/>
-            <a:ext cx="2971800" cy="458700"/>
-          </a:xfrm>
-          <a:prstGeom prst="rect">
-            <a:avLst/>
-          </a:prstGeom>
-          <a:noFill/>
-          <a:ln>
-            <a:noFill/>
-          </a:ln>
-        </p:spPr>
-        <p:txBody>
-          <a:bodyPr spcFirstLastPara="1" wrap="square" lIns="91425" tIns="45700" rIns="91425" bIns="45700" anchor="b" anchorCtr="0">
-            <a:noAutofit/>
-          </a:bodyPr>
-          <a:lstStyle/>
-          <a:p>
-            <a:pPr marL="0" lvl="0" indent="0" algn="r" rtl="0">
-              <a:spcBef>
-                <a:spcPts val="0"/>
-              </a:spcBef>
-              <a:spcAft>
-                <a:spcPts val="0"/>
-              </a:spcAft>
-              <a:buNone/>
-            </a:pPr>
-            <a:fld id="{00000000-1234-1234-1234-123412341234}" type="slidenum">
-              <a:rPr lang="en-US"/>
-              <a:t>7</a:t>
-            </a:fld>
-            <a:endParaRPr/>
-          </a:p>
-        </p:txBody>
-      </p:sp>
-    </p:spTree>
-  </p:cSld>
-  <p:clrMapOvr>
-    <a:masterClrMapping/>
-  </p:clrMapOvr>
-</p:notes>
-</file>
-
-<file path=ppt/notesSlides/notesSlide8.xml><?xml version="1.0" encoding="utf-8"?>
-<p:notes xmlns:a="http://schemas.openxmlformats.org/drawingml/2006/main" xmlns:r="http://schemas.openxmlformats.org/officeDocument/2006/relationships" xmlns:p="http://schemas.openxmlformats.org/presentationml/2006/main" showMasterSp="0" showMasterPhAnim="0">
-  <p:cSld>
-    <p:spTree>
-      <p:nvGrpSpPr>
         <p:cNvPr id="1" name="Shape 293"/>
         <p:cNvGrpSpPr/>
         <p:nvPr/>
@@ -2582,7 +2417,7 @@
         <p:spPr>
           <a:xfrm>
             <a:off x="2360613" y="1143000"/>
-            <a:ext cx="2136900" cy="3086100"/>
+            <a:ext cx="2136775" cy="3086100"/>
           </a:xfrm>
           <a:custGeom>
             <a:avLst/>
@@ -2702,7 +2537,7 @@
             </a:pPr>
             <a:fld id="{00000000-1234-1234-1234-123412341234}" type="slidenum">
               <a:rPr lang="en-US"/>
-              <a:t>8</a:t>
+              <a:t>7</a:t>
             </a:fld>
             <a:endParaRPr/>
           </a:p>
@@ -2716,7 +2551,7 @@
 </p:notes>
 </file>
 
-<file path=ppt/notesSlides/notesSlide9.xml><?xml version="1.0" encoding="utf-8"?>
+<file path=ppt/notesSlides/notesSlide8.xml><?xml version="1.0" encoding="utf-8"?>
 <p:notes xmlns:a="http://schemas.openxmlformats.org/drawingml/2006/main" xmlns:r="http://schemas.openxmlformats.org/officeDocument/2006/relationships" xmlns:p="http://schemas.openxmlformats.org/presentationml/2006/main" showMasterSp="0" showMasterPhAnim="0">
   <p:cSld>
     <p:spTree>
@@ -2866,7 +2701,7 @@
             </a:pPr>
             <a:fld id="{00000000-1234-1234-1234-123412341234}" type="slidenum">
               <a:rPr lang="en-US"/>
-              <a:t>9</a:t>
+              <a:t>8</a:t>
             </a:fld>
             <a:endParaRPr/>
           </a:p>
@@ -16266,1038 +16101,6 @@
           </a:p>
         </p:txBody>
       </p:sp>
-      <p:sp>
-        <p:nvSpPr>
-          <p:cNvPr id="148" name="Google Shape;148;p5"/>
-          <p:cNvSpPr/>
-          <p:nvPr/>
-        </p:nvSpPr>
-        <p:spPr>
-          <a:xfrm>
-            <a:off x="3517311" y="2884547"/>
-            <a:ext cx="862283" cy="282521"/>
-          </a:xfrm>
-          <a:custGeom>
-            <a:avLst/>
-            <a:gdLst/>
-            <a:ahLst/>
-            <a:cxnLst/>
-            <a:rect l="l" t="t" r="r" b="b"/>
-            <a:pathLst>
-              <a:path w="1007806" h="252000" extrusionOk="0">
-                <a:moveTo>
-                  <a:pt x="42001" y="0"/>
-                </a:moveTo>
-                <a:lnTo>
-                  <a:pt x="965805" y="0"/>
-                </a:lnTo>
-                <a:cubicBezTo>
-                  <a:pt x="989002" y="0"/>
-                  <a:pt x="1007806" y="18804"/>
-                  <a:pt x="1007806" y="42001"/>
-                </a:cubicBezTo>
-                <a:lnTo>
-                  <a:pt x="1007806" y="209999"/>
-                </a:lnTo>
-                <a:cubicBezTo>
-                  <a:pt x="1007806" y="233196"/>
-                  <a:pt x="989002" y="252000"/>
-                  <a:pt x="965805" y="252000"/>
-                </a:cubicBezTo>
-                <a:lnTo>
-                  <a:pt x="42001" y="252000"/>
-                </a:lnTo>
-                <a:cubicBezTo>
-                  <a:pt x="18804" y="252000"/>
-                  <a:pt x="0" y="233196"/>
-                  <a:pt x="0" y="209999"/>
-                </a:cubicBezTo>
-                <a:lnTo>
-                  <a:pt x="0" y="42001"/>
-                </a:lnTo>
-                <a:cubicBezTo>
-                  <a:pt x="0" y="18804"/>
-                  <a:pt x="18804" y="0"/>
-                  <a:pt x="42001" y="0"/>
-                </a:cubicBezTo>
-                <a:close/>
-              </a:path>
-            </a:pathLst>
-          </a:custGeom>
-          <a:solidFill>
-            <a:schemeClr val="accent4">
-              <a:alpha val="40000"/>
-            </a:schemeClr>
-          </a:solidFill>
-          <a:ln>
-            <a:noFill/>
-          </a:ln>
-        </p:spPr>
-        <p:txBody>
-          <a:bodyPr spcFirstLastPara="1" wrap="square" lIns="91425" tIns="45700" rIns="91425" bIns="45700" anchor="ctr" anchorCtr="0">
-            <a:noAutofit/>
-          </a:bodyPr>
-          <a:lstStyle/>
-          <a:p>
-            <a:pPr marL="0" marR="0" lvl="0" indent="0" algn="ctr" rtl="0">
-              <a:spcBef>
-                <a:spcPts val="0"/>
-              </a:spcBef>
-              <a:spcAft>
-                <a:spcPts val="0"/>
-              </a:spcAft>
-              <a:buNone/>
-            </a:pPr>
-            <a:endParaRPr sz="1800">
-              <a:solidFill>
-                <a:schemeClr val="lt1"/>
-              </a:solidFill>
-              <a:latin typeface="Calibri"/>
-              <a:ea typeface="Calibri"/>
-              <a:cs typeface="Calibri"/>
-              <a:sym typeface="Calibri"/>
-            </a:endParaRPr>
-          </a:p>
-        </p:txBody>
-      </p:sp>
-      <p:sp>
-        <p:nvSpPr>
-          <p:cNvPr id="149" name="Google Shape;149;p5"/>
-          <p:cNvSpPr/>
-          <p:nvPr/>
-        </p:nvSpPr>
-        <p:spPr>
-          <a:xfrm>
-            <a:off x="3454975" y="4013832"/>
-            <a:ext cx="1354667" cy="180868"/>
-          </a:xfrm>
-          <a:prstGeom prst="roundRect">
-            <a:avLst>
-              <a:gd name="adj" fmla="val 0"/>
-            </a:avLst>
-          </a:prstGeom>
-          <a:solidFill>
-            <a:schemeClr val="lt1"/>
-          </a:solidFill>
-          <a:ln w="12700" cap="flat" cmpd="sng">
-            <a:solidFill>
-              <a:schemeClr val="dk1"/>
-            </a:solidFill>
-            <a:prstDash val="solid"/>
-            <a:miter lim="800000"/>
-            <a:headEnd type="none" w="sm" len="sm"/>
-            <a:tailEnd type="none" w="sm" len="sm"/>
-          </a:ln>
-        </p:spPr>
-        <p:txBody>
-          <a:bodyPr spcFirstLastPara="1" wrap="square" lIns="91425" tIns="45700" rIns="91425" bIns="45700" anchor="ctr" anchorCtr="0">
-            <a:noAutofit/>
-          </a:bodyPr>
-          <a:lstStyle/>
-          <a:p>
-            <a:pPr marL="0" marR="0" lvl="0" indent="0" algn="ctr" rtl="0">
-              <a:spcBef>
-                <a:spcPts val="0"/>
-              </a:spcBef>
-              <a:spcAft>
-                <a:spcPts val="0"/>
-              </a:spcAft>
-              <a:buNone/>
-            </a:pPr>
-            <a:r>
-              <a:rPr lang="en-US" sz="1200">
-                <a:solidFill>
-                  <a:schemeClr val="dk1"/>
-                </a:solidFill>
-                <a:latin typeface="Calibri"/>
-                <a:ea typeface="Calibri"/>
-                <a:cs typeface="Calibri"/>
-                <a:sym typeface="Calibri"/>
-              </a:rPr>
-              <a:t>P1 Attacks</a:t>
-            </a:r>
-            <a:endParaRPr/>
-          </a:p>
-        </p:txBody>
-      </p:sp>
-      <p:cxnSp>
-        <p:nvCxnSpPr>
-          <p:cNvPr id="150" name="Google Shape;150;p5"/>
-          <p:cNvCxnSpPr>
-            <a:stCxn id="149" idx="0"/>
-          </p:cNvCxnSpPr>
-          <p:nvPr/>
-        </p:nvCxnSpPr>
-        <p:spPr>
-          <a:xfrm rot="10800000">
-            <a:off x="4132309" y="3155832"/>
-            <a:ext cx="0" cy="858000"/>
-          </a:xfrm>
-          <a:prstGeom prst="straightConnector1">
-            <a:avLst/>
-          </a:prstGeom>
-          <a:noFill/>
-          <a:ln w="19050" cap="flat" cmpd="sng">
-            <a:solidFill>
-              <a:schemeClr val="dk1"/>
-            </a:solidFill>
-            <a:prstDash val="solid"/>
-            <a:miter lim="800000"/>
-            <a:headEnd type="none" w="sm" len="sm"/>
-            <a:tailEnd type="triangle" w="med" len="med"/>
-          </a:ln>
-        </p:spPr>
-      </p:cxnSp>
-      <p:sp>
-        <p:nvSpPr>
-          <p:cNvPr id="151" name="Google Shape;151;p5"/>
-          <p:cNvSpPr/>
-          <p:nvPr/>
-        </p:nvSpPr>
-        <p:spPr>
-          <a:xfrm>
-            <a:off x="3454975" y="4237586"/>
-            <a:ext cx="1354667" cy="180868"/>
-          </a:xfrm>
-          <a:prstGeom prst="roundRect">
-            <a:avLst>
-              <a:gd name="adj" fmla="val 0"/>
-            </a:avLst>
-          </a:prstGeom>
-          <a:solidFill>
-            <a:schemeClr val="lt1"/>
-          </a:solidFill>
-          <a:ln w="12700" cap="flat" cmpd="sng">
-            <a:solidFill>
-              <a:schemeClr val="dk1"/>
-            </a:solidFill>
-            <a:prstDash val="solid"/>
-            <a:miter lim="800000"/>
-            <a:headEnd type="none" w="sm" len="sm"/>
-            <a:tailEnd type="none" w="sm" len="sm"/>
-          </a:ln>
-        </p:spPr>
-        <p:txBody>
-          <a:bodyPr spcFirstLastPara="1" wrap="square" lIns="91425" tIns="45700" rIns="91425" bIns="45700" anchor="ctr" anchorCtr="0">
-            <a:noAutofit/>
-          </a:bodyPr>
-          <a:lstStyle/>
-          <a:p>
-            <a:pPr marL="0" marR="0" lvl="0" indent="0" algn="ctr" rtl="0">
-              <a:spcBef>
-                <a:spcPts val="0"/>
-              </a:spcBef>
-              <a:spcAft>
-                <a:spcPts val="0"/>
-              </a:spcAft>
-              <a:buNone/>
-            </a:pPr>
-            <a:r>
-              <a:rPr lang="en-US" sz="1200">
-                <a:solidFill>
-                  <a:schemeClr val="dk1"/>
-                </a:solidFill>
-                <a:latin typeface="Calibri"/>
-                <a:ea typeface="Calibri"/>
-                <a:cs typeface="Calibri"/>
-                <a:sym typeface="Calibri"/>
-              </a:rPr>
-              <a:t>U – Light Punch </a:t>
-            </a:r>
-            <a:endParaRPr/>
-          </a:p>
-        </p:txBody>
-      </p:sp>
-      <p:sp>
-        <p:nvSpPr>
-          <p:cNvPr id="152" name="Google Shape;152;p5"/>
-          <p:cNvSpPr/>
-          <p:nvPr/>
-        </p:nvSpPr>
-        <p:spPr>
-          <a:xfrm>
-            <a:off x="3454975" y="4444279"/>
-            <a:ext cx="1354667" cy="180868"/>
-          </a:xfrm>
-          <a:prstGeom prst="roundRect">
-            <a:avLst>
-              <a:gd name="adj" fmla="val 0"/>
-            </a:avLst>
-          </a:prstGeom>
-          <a:solidFill>
-            <a:schemeClr val="lt1"/>
-          </a:solidFill>
-          <a:ln w="12700" cap="flat" cmpd="sng">
-            <a:solidFill>
-              <a:schemeClr val="dk1"/>
-            </a:solidFill>
-            <a:prstDash val="solid"/>
-            <a:miter lim="800000"/>
-            <a:headEnd type="none" w="sm" len="sm"/>
-            <a:tailEnd type="none" w="sm" len="sm"/>
-          </a:ln>
-        </p:spPr>
-        <p:txBody>
-          <a:bodyPr spcFirstLastPara="1" wrap="square" lIns="91425" tIns="45700" rIns="91425" bIns="45700" anchor="ctr" anchorCtr="0">
-            <a:noAutofit/>
-          </a:bodyPr>
-          <a:lstStyle/>
-          <a:p>
-            <a:pPr marL="0" marR="0" lvl="0" indent="0" algn="ctr" rtl="0">
-              <a:spcBef>
-                <a:spcPts val="0"/>
-              </a:spcBef>
-              <a:spcAft>
-                <a:spcPts val="0"/>
-              </a:spcAft>
-              <a:buNone/>
-            </a:pPr>
-            <a:r>
-              <a:rPr lang="en-US" sz="1200">
-                <a:solidFill>
-                  <a:schemeClr val="dk1"/>
-                </a:solidFill>
-                <a:latin typeface="Calibri"/>
-                <a:ea typeface="Calibri"/>
-                <a:cs typeface="Calibri"/>
-                <a:sym typeface="Calibri"/>
-              </a:rPr>
-              <a:t>I – Medium Punch</a:t>
-            </a:r>
-            <a:endParaRPr/>
-          </a:p>
-        </p:txBody>
-      </p:sp>
-      <p:sp>
-        <p:nvSpPr>
-          <p:cNvPr id="153" name="Google Shape;153;p5"/>
-          <p:cNvSpPr/>
-          <p:nvPr/>
-        </p:nvSpPr>
-        <p:spPr>
-          <a:xfrm>
-            <a:off x="3454975" y="4652588"/>
-            <a:ext cx="1354667" cy="180868"/>
-          </a:xfrm>
-          <a:prstGeom prst="roundRect">
-            <a:avLst>
-              <a:gd name="adj" fmla="val 0"/>
-            </a:avLst>
-          </a:prstGeom>
-          <a:solidFill>
-            <a:schemeClr val="lt1"/>
-          </a:solidFill>
-          <a:ln w="12700" cap="flat" cmpd="sng">
-            <a:solidFill>
-              <a:schemeClr val="dk1"/>
-            </a:solidFill>
-            <a:prstDash val="solid"/>
-            <a:miter lim="800000"/>
-            <a:headEnd type="none" w="sm" len="sm"/>
-            <a:tailEnd type="none" w="sm" len="sm"/>
-          </a:ln>
-        </p:spPr>
-        <p:txBody>
-          <a:bodyPr spcFirstLastPara="1" wrap="square" lIns="91425" tIns="45700" rIns="91425" bIns="45700" anchor="ctr" anchorCtr="0">
-            <a:noAutofit/>
-          </a:bodyPr>
-          <a:lstStyle/>
-          <a:p>
-            <a:pPr marL="0" marR="0" lvl="0" indent="0" algn="ctr" rtl="0">
-              <a:spcBef>
-                <a:spcPts val="0"/>
-              </a:spcBef>
-              <a:spcAft>
-                <a:spcPts val="0"/>
-              </a:spcAft>
-              <a:buNone/>
-            </a:pPr>
-            <a:r>
-              <a:rPr lang="en-US" sz="1200">
-                <a:solidFill>
-                  <a:schemeClr val="dk1"/>
-                </a:solidFill>
-                <a:latin typeface="Calibri"/>
-                <a:ea typeface="Calibri"/>
-                <a:cs typeface="Calibri"/>
-                <a:sym typeface="Calibri"/>
-              </a:rPr>
-              <a:t>O – Heavy Punch</a:t>
-            </a:r>
-            <a:endParaRPr/>
-          </a:p>
-        </p:txBody>
-      </p:sp>
-      <p:sp>
-        <p:nvSpPr>
-          <p:cNvPr id="154" name="Google Shape;154;p5"/>
-          <p:cNvSpPr/>
-          <p:nvPr/>
-        </p:nvSpPr>
-        <p:spPr>
-          <a:xfrm>
-            <a:off x="3454975" y="2607679"/>
-            <a:ext cx="862283" cy="282521"/>
-          </a:xfrm>
-          <a:custGeom>
-            <a:avLst/>
-            <a:gdLst/>
-            <a:ahLst/>
-            <a:cxnLst/>
-            <a:rect l="l" t="t" r="r" b="b"/>
-            <a:pathLst>
-              <a:path w="1007806" h="252000" extrusionOk="0">
-                <a:moveTo>
-                  <a:pt x="42001" y="0"/>
-                </a:moveTo>
-                <a:lnTo>
-                  <a:pt x="965805" y="0"/>
-                </a:lnTo>
-                <a:cubicBezTo>
-                  <a:pt x="989002" y="0"/>
-                  <a:pt x="1007806" y="18804"/>
-                  <a:pt x="1007806" y="42001"/>
-                </a:cubicBezTo>
-                <a:lnTo>
-                  <a:pt x="1007806" y="209999"/>
-                </a:lnTo>
-                <a:cubicBezTo>
-                  <a:pt x="1007806" y="233196"/>
-                  <a:pt x="989002" y="252000"/>
-                  <a:pt x="965805" y="252000"/>
-                </a:cubicBezTo>
-                <a:lnTo>
-                  <a:pt x="42001" y="252000"/>
-                </a:lnTo>
-                <a:cubicBezTo>
-                  <a:pt x="18804" y="252000"/>
-                  <a:pt x="0" y="233196"/>
-                  <a:pt x="0" y="209999"/>
-                </a:cubicBezTo>
-                <a:lnTo>
-                  <a:pt x="0" y="42001"/>
-                </a:lnTo>
-                <a:cubicBezTo>
-                  <a:pt x="0" y="18804"/>
-                  <a:pt x="18804" y="0"/>
-                  <a:pt x="42001" y="0"/>
-                </a:cubicBezTo>
-                <a:close/>
-              </a:path>
-            </a:pathLst>
-          </a:custGeom>
-          <a:solidFill>
-            <a:schemeClr val="accent4">
-              <a:alpha val="40000"/>
-            </a:schemeClr>
-          </a:solidFill>
-          <a:ln>
-            <a:noFill/>
-          </a:ln>
-        </p:spPr>
-        <p:txBody>
-          <a:bodyPr spcFirstLastPara="1" wrap="square" lIns="91425" tIns="45700" rIns="91425" bIns="45700" anchor="ctr" anchorCtr="0">
-            <a:noAutofit/>
-          </a:bodyPr>
-          <a:lstStyle/>
-          <a:p>
-            <a:pPr marL="0" marR="0" lvl="0" indent="0" algn="ctr" rtl="0">
-              <a:spcBef>
-                <a:spcPts val="0"/>
-              </a:spcBef>
-              <a:spcAft>
-                <a:spcPts val="0"/>
-              </a:spcAft>
-              <a:buNone/>
-            </a:pPr>
-            <a:endParaRPr sz="1800">
-              <a:solidFill>
-                <a:schemeClr val="lt1"/>
-              </a:solidFill>
-              <a:latin typeface="Calibri"/>
-              <a:ea typeface="Calibri"/>
-              <a:cs typeface="Calibri"/>
-              <a:sym typeface="Calibri"/>
-            </a:endParaRPr>
-          </a:p>
-        </p:txBody>
-      </p:sp>
-      <p:sp>
-        <p:nvSpPr>
-          <p:cNvPr id="155" name="Google Shape;155;p5"/>
-          <p:cNvSpPr/>
-          <p:nvPr/>
-        </p:nvSpPr>
-        <p:spPr>
-          <a:xfrm>
-            <a:off x="3454975" y="4859027"/>
-            <a:ext cx="1354667" cy="180868"/>
-          </a:xfrm>
-          <a:prstGeom prst="roundRect">
-            <a:avLst>
-              <a:gd name="adj" fmla="val 0"/>
-            </a:avLst>
-          </a:prstGeom>
-          <a:solidFill>
-            <a:schemeClr val="lt1"/>
-          </a:solidFill>
-          <a:ln w="12700" cap="flat" cmpd="sng">
-            <a:solidFill>
-              <a:schemeClr val="dk1"/>
-            </a:solidFill>
-            <a:prstDash val="solid"/>
-            <a:miter lim="800000"/>
-            <a:headEnd type="none" w="sm" len="sm"/>
-            <a:tailEnd type="none" w="sm" len="sm"/>
-          </a:ln>
-        </p:spPr>
-        <p:txBody>
-          <a:bodyPr spcFirstLastPara="1" wrap="square" lIns="91425" tIns="45700" rIns="91425" bIns="45700" anchor="ctr" anchorCtr="0">
-            <a:noAutofit/>
-          </a:bodyPr>
-          <a:lstStyle/>
-          <a:p>
-            <a:pPr marL="0" marR="0" lvl="0" indent="0" algn="ctr" rtl="0">
-              <a:spcBef>
-                <a:spcPts val="0"/>
-              </a:spcBef>
-              <a:spcAft>
-                <a:spcPts val="0"/>
-              </a:spcAft>
-              <a:buNone/>
-            </a:pPr>
-            <a:r>
-              <a:rPr lang="en-US" sz="1200">
-                <a:solidFill>
-                  <a:schemeClr val="dk1"/>
-                </a:solidFill>
-                <a:latin typeface="Calibri"/>
-                <a:ea typeface="Calibri"/>
-                <a:cs typeface="Calibri"/>
-                <a:sym typeface="Calibri"/>
-              </a:rPr>
-              <a:t>J – Light Kick </a:t>
-            </a:r>
-            <a:endParaRPr/>
-          </a:p>
-        </p:txBody>
-      </p:sp>
-      <p:sp>
-        <p:nvSpPr>
-          <p:cNvPr id="156" name="Google Shape;156;p5"/>
-          <p:cNvSpPr/>
-          <p:nvPr/>
-        </p:nvSpPr>
-        <p:spPr>
-          <a:xfrm>
-            <a:off x="3454975" y="5065720"/>
-            <a:ext cx="1354667" cy="180868"/>
-          </a:xfrm>
-          <a:prstGeom prst="roundRect">
-            <a:avLst>
-              <a:gd name="adj" fmla="val 0"/>
-            </a:avLst>
-          </a:prstGeom>
-          <a:solidFill>
-            <a:schemeClr val="lt1"/>
-          </a:solidFill>
-          <a:ln w="12700" cap="flat" cmpd="sng">
-            <a:solidFill>
-              <a:schemeClr val="dk1"/>
-            </a:solidFill>
-            <a:prstDash val="solid"/>
-            <a:miter lim="800000"/>
-            <a:headEnd type="none" w="sm" len="sm"/>
-            <a:tailEnd type="none" w="sm" len="sm"/>
-          </a:ln>
-        </p:spPr>
-        <p:txBody>
-          <a:bodyPr spcFirstLastPara="1" wrap="square" lIns="91425" tIns="45700" rIns="91425" bIns="45700" anchor="ctr" anchorCtr="0">
-            <a:noAutofit/>
-          </a:bodyPr>
-          <a:lstStyle/>
-          <a:p>
-            <a:pPr marL="0" marR="0" lvl="0" indent="0" algn="ctr" rtl="0">
-              <a:spcBef>
-                <a:spcPts val="0"/>
-              </a:spcBef>
-              <a:spcAft>
-                <a:spcPts val="0"/>
-              </a:spcAft>
-              <a:buNone/>
-            </a:pPr>
-            <a:r>
-              <a:rPr lang="en-US" sz="1200">
-                <a:solidFill>
-                  <a:schemeClr val="dk1"/>
-                </a:solidFill>
-                <a:latin typeface="Calibri"/>
-                <a:ea typeface="Calibri"/>
-                <a:cs typeface="Calibri"/>
-                <a:sym typeface="Calibri"/>
-              </a:rPr>
-              <a:t>K – Medium Kick</a:t>
-            </a:r>
-            <a:endParaRPr/>
-          </a:p>
-        </p:txBody>
-      </p:sp>
-      <p:sp>
-        <p:nvSpPr>
-          <p:cNvPr id="157" name="Google Shape;157;p5"/>
-          <p:cNvSpPr/>
-          <p:nvPr/>
-        </p:nvSpPr>
-        <p:spPr>
-          <a:xfrm>
-            <a:off x="3454975" y="5274029"/>
-            <a:ext cx="1354667" cy="180868"/>
-          </a:xfrm>
-          <a:prstGeom prst="roundRect">
-            <a:avLst>
-              <a:gd name="adj" fmla="val 0"/>
-            </a:avLst>
-          </a:prstGeom>
-          <a:solidFill>
-            <a:schemeClr val="lt1"/>
-          </a:solidFill>
-          <a:ln w="12700" cap="flat" cmpd="sng">
-            <a:solidFill>
-              <a:schemeClr val="dk1"/>
-            </a:solidFill>
-            <a:prstDash val="solid"/>
-            <a:miter lim="800000"/>
-            <a:headEnd type="none" w="sm" len="sm"/>
-            <a:tailEnd type="none" w="sm" len="sm"/>
-          </a:ln>
-        </p:spPr>
-        <p:txBody>
-          <a:bodyPr spcFirstLastPara="1" wrap="square" lIns="91425" tIns="45700" rIns="91425" bIns="45700" anchor="ctr" anchorCtr="0">
-            <a:noAutofit/>
-          </a:bodyPr>
-          <a:lstStyle/>
-          <a:p>
-            <a:pPr marL="0" marR="0" lvl="0" indent="0" algn="ctr" rtl="0">
-              <a:spcBef>
-                <a:spcPts val="0"/>
-              </a:spcBef>
-              <a:spcAft>
-                <a:spcPts val="0"/>
-              </a:spcAft>
-              <a:buNone/>
-            </a:pPr>
-            <a:r>
-              <a:rPr lang="en-US" sz="1200">
-                <a:solidFill>
-                  <a:schemeClr val="dk1"/>
-                </a:solidFill>
-                <a:latin typeface="Calibri"/>
-                <a:ea typeface="Calibri"/>
-                <a:cs typeface="Calibri"/>
-                <a:sym typeface="Calibri"/>
-              </a:rPr>
-              <a:t>L – Heavy Kick</a:t>
-            </a:r>
-            <a:endParaRPr/>
-          </a:p>
-        </p:txBody>
-      </p:sp>
-      <p:sp>
-        <p:nvSpPr>
-          <p:cNvPr id="158" name="Google Shape;158;p5"/>
-          <p:cNvSpPr/>
-          <p:nvPr/>
-        </p:nvSpPr>
-        <p:spPr>
-          <a:xfrm>
-            <a:off x="3454900" y="5640557"/>
-            <a:ext cx="1354800" cy="180900"/>
-          </a:xfrm>
-          <a:prstGeom prst="roundRect">
-            <a:avLst>
-              <a:gd name="adj" fmla="val 0"/>
-            </a:avLst>
-          </a:prstGeom>
-          <a:solidFill>
-            <a:schemeClr val="lt1"/>
-          </a:solidFill>
-          <a:ln w="12700" cap="flat" cmpd="sng">
-            <a:solidFill>
-              <a:schemeClr val="dk1"/>
-            </a:solidFill>
-            <a:prstDash val="solid"/>
-            <a:miter lim="800000"/>
-            <a:headEnd type="none" w="sm" len="sm"/>
-            <a:tailEnd type="none" w="sm" len="sm"/>
-          </a:ln>
-        </p:spPr>
-        <p:txBody>
-          <a:bodyPr spcFirstLastPara="1" wrap="square" lIns="91425" tIns="45700" rIns="91425" bIns="45700" anchor="ctr" anchorCtr="0">
-            <a:noAutofit/>
-          </a:bodyPr>
-          <a:lstStyle/>
-          <a:p>
-            <a:pPr marL="0" marR="0" lvl="0" indent="0" algn="ctr" rtl="0">
-              <a:spcBef>
-                <a:spcPts val="0"/>
-              </a:spcBef>
-              <a:spcAft>
-                <a:spcPts val="0"/>
-              </a:spcAft>
-              <a:buNone/>
-            </a:pPr>
-            <a:r>
-              <a:rPr lang="en-US" sz="1200">
-                <a:solidFill>
-                  <a:schemeClr val="dk1"/>
-                </a:solidFill>
-                <a:latin typeface="Calibri"/>
-                <a:ea typeface="Calibri"/>
-                <a:cs typeface="Calibri"/>
-                <a:sym typeface="Calibri"/>
-              </a:rPr>
-              <a:t>P1 Actions</a:t>
-            </a:r>
-            <a:endParaRPr/>
-          </a:p>
-        </p:txBody>
-      </p:sp>
-      <p:sp>
-        <p:nvSpPr>
-          <p:cNvPr id="159" name="Google Shape;159;p5"/>
-          <p:cNvSpPr/>
-          <p:nvPr/>
-        </p:nvSpPr>
-        <p:spPr>
-          <a:xfrm>
-            <a:off x="3454900" y="5864311"/>
-            <a:ext cx="1354800" cy="180900"/>
-          </a:xfrm>
-          <a:prstGeom prst="roundRect">
-            <a:avLst>
-              <a:gd name="adj" fmla="val 0"/>
-            </a:avLst>
-          </a:prstGeom>
-          <a:solidFill>
-            <a:schemeClr val="lt1"/>
-          </a:solidFill>
-          <a:ln w="12700" cap="flat" cmpd="sng">
-            <a:solidFill>
-              <a:schemeClr val="dk1"/>
-            </a:solidFill>
-            <a:prstDash val="solid"/>
-            <a:miter lim="800000"/>
-            <a:headEnd type="none" w="sm" len="sm"/>
-            <a:tailEnd type="none" w="sm" len="sm"/>
-          </a:ln>
-        </p:spPr>
-        <p:txBody>
-          <a:bodyPr spcFirstLastPara="1" wrap="square" lIns="91425" tIns="45700" rIns="91425" bIns="45700" anchor="ctr" anchorCtr="0">
-            <a:noAutofit/>
-          </a:bodyPr>
-          <a:lstStyle/>
-          <a:p>
-            <a:pPr marL="0" marR="0" lvl="0" indent="0" algn="ctr" rtl="0">
-              <a:spcBef>
-                <a:spcPts val="0"/>
-              </a:spcBef>
-              <a:spcAft>
-                <a:spcPts val="0"/>
-              </a:spcAft>
-              <a:buNone/>
-            </a:pPr>
-            <a:r>
-              <a:rPr lang="en-US" sz="1200">
-                <a:solidFill>
-                  <a:schemeClr val="dk1"/>
-                </a:solidFill>
-                <a:latin typeface="Calibri"/>
-                <a:ea typeface="Calibri"/>
-                <a:cs typeface="Calibri"/>
-                <a:sym typeface="Calibri"/>
-              </a:rPr>
-              <a:t>Y – Grab</a:t>
-            </a:r>
-            <a:endParaRPr/>
-          </a:p>
-        </p:txBody>
-      </p:sp>
-      <p:sp>
-        <p:nvSpPr>
-          <p:cNvPr id="160" name="Google Shape;160;p5"/>
-          <p:cNvSpPr/>
-          <p:nvPr/>
-        </p:nvSpPr>
-        <p:spPr>
-          <a:xfrm>
-            <a:off x="3454900" y="6071004"/>
-            <a:ext cx="1354800" cy="180900"/>
-          </a:xfrm>
-          <a:prstGeom prst="roundRect">
-            <a:avLst>
-              <a:gd name="adj" fmla="val 0"/>
-            </a:avLst>
-          </a:prstGeom>
-          <a:solidFill>
-            <a:schemeClr val="lt1"/>
-          </a:solidFill>
-          <a:ln w="12700" cap="flat" cmpd="sng">
-            <a:solidFill>
-              <a:schemeClr val="dk1"/>
-            </a:solidFill>
-            <a:prstDash val="solid"/>
-            <a:miter lim="800000"/>
-            <a:headEnd type="none" w="sm" len="sm"/>
-            <a:tailEnd type="none" w="sm" len="sm"/>
-          </a:ln>
-        </p:spPr>
-        <p:txBody>
-          <a:bodyPr spcFirstLastPara="1" wrap="square" lIns="91425" tIns="45700" rIns="91425" bIns="45700" anchor="ctr" anchorCtr="0">
-            <a:noAutofit/>
-          </a:bodyPr>
-          <a:lstStyle/>
-          <a:p>
-            <a:pPr marL="0" marR="0" lvl="0" indent="0" algn="ctr" rtl="0">
-              <a:spcBef>
-                <a:spcPts val="0"/>
-              </a:spcBef>
-              <a:spcAft>
-                <a:spcPts val="0"/>
-              </a:spcAft>
-              <a:buNone/>
-            </a:pPr>
-            <a:r>
-              <a:rPr lang="en-US" sz="1200">
-                <a:solidFill>
-                  <a:schemeClr val="dk1"/>
-                </a:solidFill>
-                <a:latin typeface="Calibri"/>
-                <a:ea typeface="Calibri"/>
-                <a:cs typeface="Calibri"/>
-                <a:sym typeface="Calibri"/>
-              </a:rPr>
-              <a:t>H – Block</a:t>
-            </a:r>
-            <a:endParaRPr/>
-          </a:p>
-        </p:txBody>
-      </p:sp>
-      <p:sp>
-        <p:nvSpPr>
-          <p:cNvPr id="161" name="Google Shape;161;p5"/>
-          <p:cNvSpPr/>
-          <p:nvPr/>
-        </p:nvSpPr>
-        <p:spPr>
-          <a:xfrm>
-            <a:off x="3163225" y="2607825"/>
-            <a:ext cx="292264" cy="282240"/>
-          </a:xfrm>
-          <a:custGeom>
-            <a:avLst/>
-            <a:gdLst/>
-            <a:ahLst/>
-            <a:cxnLst/>
-            <a:rect l="l" t="t" r="r" b="b"/>
-            <a:pathLst>
-              <a:path w="1007806" h="252000" extrusionOk="0">
-                <a:moveTo>
-                  <a:pt x="42001" y="0"/>
-                </a:moveTo>
-                <a:lnTo>
-                  <a:pt x="965805" y="0"/>
-                </a:lnTo>
-                <a:cubicBezTo>
-                  <a:pt x="989002" y="0"/>
-                  <a:pt x="1007806" y="18804"/>
-                  <a:pt x="1007806" y="42001"/>
-                </a:cubicBezTo>
-                <a:lnTo>
-                  <a:pt x="1007806" y="209999"/>
-                </a:lnTo>
-                <a:cubicBezTo>
-                  <a:pt x="1007806" y="233196"/>
-                  <a:pt x="989002" y="252000"/>
-                  <a:pt x="965805" y="252000"/>
-                </a:cubicBezTo>
-                <a:lnTo>
-                  <a:pt x="42001" y="252000"/>
-                </a:lnTo>
-                <a:cubicBezTo>
-                  <a:pt x="18804" y="252000"/>
-                  <a:pt x="0" y="233196"/>
-                  <a:pt x="0" y="209999"/>
-                </a:cubicBezTo>
-                <a:lnTo>
-                  <a:pt x="0" y="42001"/>
-                </a:lnTo>
-                <a:cubicBezTo>
-                  <a:pt x="0" y="18804"/>
-                  <a:pt x="18804" y="0"/>
-                  <a:pt x="42001" y="0"/>
-                </a:cubicBezTo>
-                <a:close/>
-              </a:path>
-            </a:pathLst>
-          </a:custGeom>
-          <a:solidFill>
-            <a:srgbClr val="0091C0">
-              <a:alpha val="40000"/>
-            </a:srgbClr>
-          </a:solidFill>
-          <a:ln>
-            <a:noFill/>
-          </a:ln>
-        </p:spPr>
-        <p:txBody>
-          <a:bodyPr spcFirstLastPara="1" wrap="square" lIns="91425" tIns="45700" rIns="91425" bIns="45700" anchor="ctr" anchorCtr="0">
-            <a:noAutofit/>
-          </a:bodyPr>
-          <a:lstStyle/>
-          <a:p>
-            <a:pPr marL="0" marR="0" lvl="0" indent="0" algn="ctr" rtl="0">
-              <a:spcBef>
-                <a:spcPts val="0"/>
-              </a:spcBef>
-              <a:spcAft>
-                <a:spcPts val="0"/>
-              </a:spcAft>
-              <a:buNone/>
-            </a:pPr>
-            <a:endParaRPr sz="1800">
-              <a:solidFill>
-                <a:schemeClr val="lt1"/>
-              </a:solidFill>
-              <a:latin typeface="Calibri"/>
-              <a:ea typeface="Calibri"/>
-              <a:cs typeface="Calibri"/>
-              <a:sym typeface="Calibri"/>
-            </a:endParaRPr>
-          </a:p>
-        </p:txBody>
-      </p:sp>
-      <p:sp>
-        <p:nvSpPr>
-          <p:cNvPr id="162" name="Google Shape;162;p5"/>
-          <p:cNvSpPr/>
-          <p:nvPr/>
-        </p:nvSpPr>
-        <p:spPr>
-          <a:xfrm>
-            <a:off x="3225025" y="2884688"/>
-            <a:ext cx="292264" cy="282240"/>
-          </a:xfrm>
-          <a:custGeom>
-            <a:avLst/>
-            <a:gdLst/>
-            <a:ahLst/>
-            <a:cxnLst/>
-            <a:rect l="l" t="t" r="r" b="b"/>
-            <a:pathLst>
-              <a:path w="1007806" h="252000" extrusionOk="0">
-                <a:moveTo>
-                  <a:pt x="42001" y="0"/>
-                </a:moveTo>
-                <a:lnTo>
-                  <a:pt x="965805" y="0"/>
-                </a:lnTo>
-                <a:cubicBezTo>
-                  <a:pt x="989002" y="0"/>
-                  <a:pt x="1007806" y="18804"/>
-                  <a:pt x="1007806" y="42001"/>
-                </a:cubicBezTo>
-                <a:lnTo>
-                  <a:pt x="1007806" y="209999"/>
-                </a:lnTo>
-                <a:cubicBezTo>
-                  <a:pt x="1007806" y="233196"/>
-                  <a:pt x="989002" y="252000"/>
-                  <a:pt x="965805" y="252000"/>
-                </a:cubicBezTo>
-                <a:lnTo>
-                  <a:pt x="42001" y="252000"/>
-                </a:lnTo>
-                <a:cubicBezTo>
-                  <a:pt x="18804" y="252000"/>
-                  <a:pt x="0" y="233196"/>
-                  <a:pt x="0" y="209999"/>
-                </a:cubicBezTo>
-                <a:lnTo>
-                  <a:pt x="0" y="42001"/>
-                </a:lnTo>
-                <a:cubicBezTo>
-                  <a:pt x="0" y="18804"/>
-                  <a:pt x="18804" y="0"/>
-                  <a:pt x="42001" y="0"/>
-                </a:cubicBezTo>
-                <a:close/>
-              </a:path>
-            </a:pathLst>
-          </a:custGeom>
-          <a:solidFill>
-            <a:srgbClr val="0091C0">
-              <a:alpha val="40000"/>
-            </a:srgbClr>
-          </a:solidFill>
-          <a:ln>
-            <a:noFill/>
-          </a:ln>
-        </p:spPr>
-        <p:txBody>
-          <a:bodyPr spcFirstLastPara="1" wrap="square" lIns="91425" tIns="45700" rIns="91425" bIns="45700" anchor="ctr" anchorCtr="0">
-            <a:noAutofit/>
-          </a:bodyPr>
-          <a:lstStyle/>
-          <a:p>
-            <a:pPr marL="0" marR="0" lvl="0" indent="0" algn="ctr" rtl="0">
-              <a:spcBef>
-                <a:spcPts val="0"/>
-              </a:spcBef>
-              <a:spcAft>
-                <a:spcPts val="0"/>
-              </a:spcAft>
-              <a:buNone/>
-            </a:pPr>
-            <a:endParaRPr sz="1800">
-              <a:solidFill>
-                <a:schemeClr val="lt1"/>
-              </a:solidFill>
-              <a:latin typeface="Calibri"/>
-              <a:ea typeface="Calibri"/>
-              <a:cs typeface="Calibri"/>
-              <a:sym typeface="Calibri"/>
-            </a:endParaRPr>
-          </a:p>
-        </p:txBody>
-      </p:sp>
-      <p:cxnSp>
-        <p:nvCxnSpPr>
-          <p:cNvPr id="163" name="Google Shape;163;p5"/>
-          <p:cNvCxnSpPr>
-            <a:endCxn id="158" idx="1"/>
-          </p:cNvCxnSpPr>
-          <p:nvPr/>
-        </p:nvCxnSpPr>
-        <p:spPr>
-          <a:xfrm rot="-5400000" flipH="1">
-            <a:off x="2119900" y="4396007"/>
-            <a:ext cx="2573100" cy="96900"/>
-          </a:xfrm>
-          <a:prstGeom prst="bentConnector2">
-            <a:avLst/>
-          </a:prstGeom>
-          <a:noFill/>
-          <a:ln w="19050" cap="flat" cmpd="sng">
-            <a:solidFill>
-              <a:schemeClr val="dk1"/>
-            </a:solidFill>
-            <a:prstDash val="solid"/>
-            <a:round/>
-            <a:headEnd type="triangle" w="med" len="med"/>
-            <a:tailEnd type="none" w="med" len="med"/>
-          </a:ln>
-        </p:spPr>
-      </p:cxnSp>
     </p:spTree>
   </p:cSld>
   <p:clrMapOvr>
@@ -17323,110 +16126,6 @@
           <a:chExt cx="0" cy="0"/>
         </a:xfrm>
       </p:grpSpPr>
-      <p:sp>
-        <p:nvSpPr>
-          <p:cNvPr id="169" name="Google Shape;169;g21bc01ef45b_0_801"/>
-          <p:cNvSpPr/>
-          <p:nvPr/>
-        </p:nvSpPr>
-        <p:spPr>
-          <a:xfrm>
-            <a:off x="3468447" y="4449510"/>
-            <a:ext cx="2052000" cy="1080000"/>
-          </a:xfrm>
-          <a:prstGeom prst="rect">
-            <a:avLst/>
-          </a:prstGeom>
-          <a:noFill/>
-          <a:ln w="28575" cap="flat" cmpd="sng">
-            <a:solidFill>
-              <a:schemeClr val="dk1"/>
-            </a:solidFill>
-            <a:prstDash val="solid"/>
-            <a:miter lim="800000"/>
-            <a:headEnd type="none" w="sm" len="sm"/>
-            <a:tailEnd type="none" w="sm" len="sm"/>
-          </a:ln>
-        </p:spPr>
-        <p:txBody>
-          <a:bodyPr spcFirstLastPara="1" wrap="square" lIns="91425" tIns="45700" rIns="91425" bIns="45700" anchor="ctr" anchorCtr="0">
-            <a:noAutofit/>
-          </a:bodyPr>
-          <a:lstStyle/>
-          <a:p>
-            <a:pPr marL="0" marR="0" lvl="0" indent="0" algn="just" rtl="0">
-              <a:spcBef>
-                <a:spcPts val="0"/>
-              </a:spcBef>
-              <a:spcAft>
-                <a:spcPts val="0"/>
-              </a:spcAft>
-              <a:buNone/>
-            </a:pPr>
-            <a:endParaRPr sz="1400">
-              <a:solidFill>
-                <a:schemeClr val="dk1"/>
-              </a:solidFill>
-              <a:latin typeface="Arial"/>
-              <a:ea typeface="Arial"/>
-              <a:cs typeface="Arial"/>
-              <a:sym typeface="Arial"/>
-            </a:endParaRPr>
-          </a:p>
-        </p:txBody>
-      </p:sp>
-      <p:sp>
-        <p:nvSpPr>
-          <p:cNvPr id="170" name="Google Shape;170;g21bc01ef45b_0_801"/>
-          <p:cNvSpPr/>
-          <p:nvPr/>
-        </p:nvSpPr>
-        <p:spPr>
-          <a:xfrm>
-            <a:off x="1345196" y="4449510"/>
-            <a:ext cx="2052000" cy="1080000"/>
-          </a:xfrm>
-          <a:prstGeom prst="rect">
-            <a:avLst/>
-          </a:prstGeom>
-          <a:noFill/>
-          <a:ln w="28575" cap="flat" cmpd="sng">
-            <a:solidFill>
-              <a:schemeClr val="dk1"/>
-            </a:solidFill>
-            <a:prstDash val="solid"/>
-            <a:miter lim="800000"/>
-            <a:headEnd type="none" w="sm" len="sm"/>
-            <a:tailEnd type="none" w="sm" len="sm"/>
-          </a:ln>
-        </p:spPr>
-        <p:txBody>
-          <a:bodyPr spcFirstLastPara="1" wrap="square" lIns="91425" tIns="45700" rIns="91425" bIns="45700" anchor="ctr" anchorCtr="0">
-            <a:noAutofit/>
-          </a:bodyPr>
-          <a:lstStyle/>
-          <a:p>
-            <a:pPr marL="0" marR="0" lvl="0" indent="0" algn="just" rtl="0">
-              <a:spcBef>
-                <a:spcPts val="0"/>
-              </a:spcBef>
-              <a:spcAft>
-                <a:spcPts val="0"/>
-              </a:spcAft>
-              <a:buNone/>
-            </a:pPr>
-            <a:endParaRPr sz="1400">
-              <a:solidFill>
-                <a:schemeClr val="dk1"/>
-              </a:solidFill>
-              <a:latin typeface="Arial"/>
-              <a:ea typeface="Arial"/>
-              <a:cs typeface="Arial"/>
-              <a:sym typeface="Arial"/>
-            </a:endParaRPr>
-          </a:p>
-        </p:txBody>
-      </p:sp>
       <p:sp>
         <p:nvSpPr>
           <p:cNvPr id="171" name="Google Shape;171;g21bc01ef45b_0_801"/>
@@ -18021,1072 +16720,6 @@
           </a:p>
         </p:txBody>
       </p:sp>
-      <p:sp>
-        <p:nvSpPr>
-          <p:cNvPr id="181" name="Google Shape;181;g21bc01ef45b_0_801"/>
-          <p:cNvSpPr txBox="1"/>
-          <p:nvPr/>
-        </p:nvSpPr>
-        <p:spPr>
-          <a:xfrm>
-            <a:off x="369000" y="3992483"/>
-            <a:ext cx="6120000" cy="458355"/>
-          </a:xfrm>
-          <a:prstGeom prst="rect">
-            <a:avLst/>
-          </a:prstGeom>
-          <a:noFill/>
-          <a:ln>
-            <a:noFill/>
-          </a:ln>
-        </p:spPr>
-        <p:txBody>
-          <a:bodyPr spcFirstLastPara="1" wrap="square" lIns="91425" tIns="45700" rIns="91425" bIns="45700" anchor="t" anchorCtr="0">
-            <a:spAutoFit/>
-          </a:bodyPr>
-          <a:lstStyle/>
-          <a:p>
-            <a:pPr marL="0" marR="0" lvl="0" indent="0" algn="just" rtl="0">
-              <a:lnSpc>
-                <a:spcPct val="107000"/>
-              </a:lnSpc>
-              <a:spcBef>
-                <a:spcPts val="800"/>
-              </a:spcBef>
-              <a:spcAft>
-                <a:spcPts val="0"/>
-              </a:spcAft>
-              <a:buNone/>
-            </a:pPr>
-            <a:r>
-              <a:rPr lang="en-US" sz="1600" b="1" dirty="0">
-                <a:solidFill>
-                  <a:schemeClr val="dk1"/>
-                </a:solidFill>
-                <a:latin typeface="Arial"/>
-                <a:ea typeface="Arial"/>
-                <a:cs typeface="Arial"/>
-                <a:sym typeface="Arial"/>
-              </a:rPr>
-              <a:t>	</a:t>
-            </a:r>
-            <a:r>
-              <a:rPr lang="en-US" sz="1600" b="1" u="sng" dirty="0">
-                <a:solidFill>
-                  <a:schemeClr val="dk1"/>
-                </a:solidFill>
-              </a:rPr>
-              <a:t>Advance Movement</a:t>
-            </a:r>
-            <a:endParaRPr sz="1600" u="sng" dirty="0">
-              <a:solidFill>
-                <a:schemeClr val="dk1"/>
-              </a:solidFill>
-              <a:latin typeface="Arial"/>
-              <a:ea typeface="Arial"/>
-              <a:cs typeface="Arial"/>
-              <a:sym typeface="Arial"/>
-            </a:endParaRPr>
-          </a:p>
-        </p:txBody>
-      </p:sp>
-      <p:sp>
-        <p:nvSpPr>
-          <p:cNvPr id="182" name="Google Shape;182;g21bc01ef45b_0_801"/>
-          <p:cNvSpPr/>
-          <p:nvPr/>
-        </p:nvSpPr>
-        <p:spPr>
-          <a:xfrm>
-            <a:off x="1337465" y="4449511"/>
-            <a:ext cx="2059800" cy="266700"/>
-          </a:xfrm>
-          <a:prstGeom prst="rect">
-            <a:avLst/>
-          </a:prstGeom>
-          <a:solidFill>
-            <a:schemeClr val="dk1"/>
-          </a:solidFill>
-          <a:ln>
-            <a:noFill/>
-          </a:ln>
-        </p:spPr>
-        <p:txBody>
-          <a:bodyPr spcFirstLastPara="1" wrap="square" lIns="91425" tIns="45700" rIns="91425" bIns="45700" anchor="ctr" anchorCtr="0">
-            <a:noAutofit/>
-          </a:bodyPr>
-          <a:lstStyle/>
-          <a:p>
-            <a:pPr marL="0" marR="0" lvl="0" indent="0" algn="ctr" rtl="0">
-              <a:spcBef>
-                <a:spcPts val="0"/>
-              </a:spcBef>
-              <a:spcAft>
-                <a:spcPts val="0"/>
-              </a:spcAft>
-              <a:buNone/>
-            </a:pPr>
-            <a:r>
-              <a:rPr lang="en-US">
-                <a:solidFill>
-                  <a:schemeClr val="lt1"/>
-                </a:solidFill>
-                <a:latin typeface="Calibri"/>
-                <a:ea typeface="Calibri"/>
-                <a:cs typeface="Calibri"/>
-                <a:sym typeface="Calibri"/>
-              </a:rPr>
-              <a:t>Forward Dash</a:t>
-            </a:r>
-            <a:endParaRPr/>
-          </a:p>
-        </p:txBody>
-      </p:sp>
-      <p:sp>
-        <p:nvSpPr>
-          <p:cNvPr id="183" name="Google Shape;183;g21bc01ef45b_0_801"/>
-          <p:cNvSpPr/>
-          <p:nvPr/>
-        </p:nvSpPr>
-        <p:spPr>
-          <a:xfrm>
-            <a:off x="3460716" y="4449511"/>
-            <a:ext cx="2059800" cy="266700"/>
-          </a:xfrm>
-          <a:prstGeom prst="rect">
-            <a:avLst/>
-          </a:prstGeom>
-          <a:solidFill>
-            <a:schemeClr val="dk1"/>
-          </a:solidFill>
-          <a:ln>
-            <a:noFill/>
-          </a:ln>
-        </p:spPr>
-        <p:txBody>
-          <a:bodyPr spcFirstLastPara="1" wrap="square" lIns="91425" tIns="45700" rIns="91425" bIns="45700" anchor="ctr" anchorCtr="0">
-            <a:noAutofit/>
-          </a:bodyPr>
-          <a:lstStyle/>
-          <a:p>
-            <a:pPr marL="0" marR="0" lvl="0" indent="0" algn="ctr" rtl="0">
-              <a:spcBef>
-                <a:spcPts val="0"/>
-              </a:spcBef>
-              <a:spcAft>
-                <a:spcPts val="0"/>
-              </a:spcAft>
-              <a:buNone/>
-            </a:pPr>
-            <a:r>
-              <a:rPr lang="en-US">
-                <a:solidFill>
-                  <a:schemeClr val="lt1"/>
-                </a:solidFill>
-                <a:latin typeface="Calibri"/>
-                <a:ea typeface="Calibri"/>
-                <a:cs typeface="Calibri"/>
-                <a:sym typeface="Calibri"/>
-              </a:rPr>
-              <a:t>Backward Dash</a:t>
-            </a:r>
-            <a:endParaRPr/>
-          </a:p>
-        </p:txBody>
-      </p:sp>
-      <p:sp>
-        <p:nvSpPr>
-          <p:cNvPr id="184" name="Google Shape;184;g21bc01ef45b_0_801"/>
-          <p:cNvSpPr txBox="1"/>
-          <p:nvPr/>
-        </p:nvSpPr>
-        <p:spPr>
-          <a:xfrm>
-            <a:off x="369000" y="5541883"/>
-            <a:ext cx="6120000" cy="458355"/>
-          </a:xfrm>
-          <a:prstGeom prst="rect">
-            <a:avLst/>
-          </a:prstGeom>
-          <a:noFill/>
-          <a:ln>
-            <a:noFill/>
-          </a:ln>
-        </p:spPr>
-        <p:txBody>
-          <a:bodyPr spcFirstLastPara="1" wrap="square" lIns="91425" tIns="45700" rIns="91425" bIns="45700" anchor="t" anchorCtr="0">
-            <a:spAutoFit/>
-          </a:bodyPr>
-          <a:lstStyle/>
-          <a:p>
-            <a:pPr marL="0" marR="0" lvl="0" indent="0" algn="just" rtl="0">
-              <a:lnSpc>
-                <a:spcPct val="107000"/>
-              </a:lnSpc>
-              <a:spcBef>
-                <a:spcPts val="800"/>
-              </a:spcBef>
-              <a:spcAft>
-                <a:spcPts val="0"/>
-              </a:spcAft>
-              <a:buNone/>
-            </a:pPr>
-            <a:r>
-              <a:rPr lang="en-US" sz="1600" b="1" dirty="0">
-                <a:solidFill>
-                  <a:schemeClr val="dk1"/>
-                </a:solidFill>
-                <a:latin typeface="Arial"/>
-                <a:ea typeface="Arial"/>
-                <a:cs typeface="Arial"/>
-                <a:sym typeface="Arial"/>
-              </a:rPr>
-              <a:t>	</a:t>
-            </a:r>
-            <a:r>
-              <a:rPr lang="en-US" sz="1600" b="1" u="sng" dirty="0">
-                <a:solidFill>
-                  <a:schemeClr val="dk1"/>
-                </a:solidFill>
-              </a:rPr>
-              <a:t>Attacks</a:t>
-            </a:r>
-            <a:endParaRPr sz="1600" u="sng" dirty="0">
-              <a:solidFill>
-                <a:schemeClr val="dk1"/>
-              </a:solidFill>
-              <a:latin typeface="Arial"/>
-              <a:ea typeface="Arial"/>
-              <a:cs typeface="Arial"/>
-              <a:sym typeface="Arial"/>
-            </a:endParaRPr>
-          </a:p>
-        </p:txBody>
-      </p:sp>
-      <p:sp>
-        <p:nvSpPr>
-          <p:cNvPr id="185" name="Google Shape;185;g21bc01ef45b_0_801"/>
-          <p:cNvSpPr/>
-          <p:nvPr/>
-        </p:nvSpPr>
-        <p:spPr>
-          <a:xfrm>
-            <a:off x="298113" y="5997078"/>
-            <a:ext cx="2052000" cy="1080000"/>
-          </a:xfrm>
-          <a:prstGeom prst="rect">
-            <a:avLst/>
-          </a:prstGeom>
-          <a:noFill/>
-          <a:ln w="28575" cap="flat" cmpd="sng">
-            <a:solidFill>
-              <a:schemeClr val="dk1"/>
-            </a:solidFill>
-            <a:prstDash val="solid"/>
-            <a:miter lim="800000"/>
-            <a:headEnd type="none" w="sm" len="sm"/>
-            <a:tailEnd type="none" w="sm" len="sm"/>
-          </a:ln>
-        </p:spPr>
-        <p:txBody>
-          <a:bodyPr spcFirstLastPara="1" wrap="square" lIns="91425" tIns="45700" rIns="91425" bIns="45700" anchor="ctr" anchorCtr="0">
-            <a:noAutofit/>
-          </a:bodyPr>
-          <a:lstStyle/>
-          <a:p>
-            <a:pPr marL="0" marR="0" lvl="0" indent="0" algn="just" rtl="0">
-              <a:spcBef>
-                <a:spcPts val="0"/>
-              </a:spcBef>
-              <a:spcAft>
-                <a:spcPts val="0"/>
-              </a:spcAft>
-              <a:buNone/>
-            </a:pPr>
-            <a:endParaRPr sz="1400">
-              <a:solidFill>
-                <a:schemeClr val="dk1"/>
-              </a:solidFill>
-              <a:latin typeface="Arial"/>
-              <a:ea typeface="Arial"/>
-              <a:cs typeface="Arial"/>
-              <a:sym typeface="Arial"/>
-            </a:endParaRPr>
-          </a:p>
-        </p:txBody>
-      </p:sp>
-      <p:sp>
-        <p:nvSpPr>
-          <p:cNvPr id="186" name="Google Shape;186;g21bc01ef45b_0_801"/>
-          <p:cNvSpPr/>
-          <p:nvPr/>
-        </p:nvSpPr>
-        <p:spPr>
-          <a:xfrm>
-            <a:off x="290382" y="5997079"/>
-            <a:ext cx="2059800" cy="266700"/>
-          </a:xfrm>
-          <a:prstGeom prst="rect">
-            <a:avLst/>
-          </a:prstGeom>
-          <a:solidFill>
-            <a:schemeClr val="dk1"/>
-          </a:solidFill>
-          <a:ln>
-            <a:noFill/>
-          </a:ln>
-        </p:spPr>
-        <p:txBody>
-          <a:bodyPr spcFirstLastPara="1" wrap="square" lIns="91425" tIns="45700" rIns="91425" bIns="45700" anchor="ctr" anchorCtr="0">
-            <a:noAutofit/>
-          </a:bodyPr>
-          <a:lstStyle/>
-          <a:p>
-            <a:pPr marL="0" marR="0" lvl="0" indent="0" algn="ctr" rtl="0">
-              <a:spcBef>
-                <a:spcPts val="0"/>
-              </a:spcBef>
-              <a:spcAft>
-                <a:spcPts val="0"/>
-              </a:spcAft>
-              <a:buNone/>
-            </a:pPr>
-            <a:r>
-              <a:rPr lang="en-US">
-                <a:solidFill>
-                  <a:schemeClr val="lt1"/>
-                </a:solidFill>
-                <a:latin typeface="Calibri"/>
-                <a:ea typeface="Calibri"/>
-                <a:cs typeface="Calibri"/>
-                <a:sym typeface="Calibri"/>
-              </a:rPr>
-              <a:t>Light Punch</a:t>
-            </a:r>
-            <a:endParaRPr sz="1400">
-              <a:solidFill>
-                <a:schemeClr val="lt1"/>
-              </a:solidFill>
-              <a:latin typeface="Calibri"/>
-              <a:ea typeface="Calibri"/>
-              <a:cs typeface="Calibri"/>
-              <a:sym typeface="Calibri"/>
-            </a:endParaRPr>
-          </a:p>
-        </p:txBody>
-      </p:sp>
-      <p:sp>
-        <p:nvSpPr>
-          <p:cNvPr id="187" name="Google Shape;187;g21bc01ef45b_0_801"/>
-          <p:cNvSpPr/>
-          <p:nvPr/>
-        </p:nvSpPr>
-        <p:spPr>
-          <a:xfrm>
-            <a:off x="2421364" y="5997078"/>
-            <a:ext cx="2052000" cy="1080000"/>
-          </a:xfrm>
-          <a:prstGeom prst="rect">
-            <a:avLst/>
-          </a:prstGeom>
-          <a:noFill/>
-          <a:ln w="28575" cap="flat" cmpd="sng">
-            <a:solidFill>
-              <a:schemeClr val="dk1"/>
-            </a:solidFill>
-            <a:prstDash val="solid"/>
-            <a:miter lim="800000"/>
-            <a:headEnd type="none" w="sm" len="sm"/>
-            <a:tailEnd type="none" w="sm" len="sm"/>
-          </a:ln>
-        </p:spPr>
-        <p:txBody>
-          <a:bodyPr spcFirstLastPara="1" wrap="square" lIns="91425" tIns="45700" rIns="91425" bIns="45700" anchor="ctr" anchorCtr="0">
-            <a:noAutofit/>
-          </a:bodyPr>
-          <a:lstStyle/>
-          <a:p>
-            <a:pPr marL="0" marR="0" lvl="0" indent="0" algn="just" rtl="0">
-              <a:spcBef>
-                <a:spcPts val="0"/>
-              </a:spcBef>
-              <a:spcAft>
-                <a:spcPts val="0"/>
-              </a:spcAft>
-              <a:buNone/>
-            </a:pPr>
-            <a:endParaRPr sz="1400">
-              <a:solidFill>
-                <a:schemeClr val="dk1"/>
-              </a:solidFill>
-              <a:latin typeface="Arial"/>
-              <a:ea typeface="Arial"/>
-              <a:cs typeface="Arial"/>
-              <a:sym typeface="Arial"/>
-            </a:endParaRPr>
-          </a:p>
-        </p:txBody>
-      </p:sp>
-      <p:sp>
-        <p:nvSpPr>
-          <p:cNvPr id="188" name="Google Shape;188;g21bc01ef45b_0_801"/>
-          <p:cNvSpPr/>
-          <p:nvPr/>
-        </p:nvSpPr>
-        <p:spPr>
-          <a:xfrm>
-            <a:off x="2413633" y="5997079"/>
-            <a:ext cx="2059800" cy="266700"/>
-          </a:xfrm>
-          <a:prstGeom prst="rect">
-            <a:avLst/>
-          </a:prstGeom>
-          <a:solidFill>
-            <a:schemeClr val="dk1"/>
-          </a:solidFill>
-          <a:ln>
-            <a:noFill/>
-          </a:ln>
-        </p:spPr>
-        <p:txBody>
-          <a:bodyPr spcFirstLastPara="1" wrap="square" lIns="91425" tIns="45700" rIns="91425" bIns="45700" anchor="ctr" anchorCtr="0">
-            <a:noAutofit/>
-          </a:bodyPr>
-          <a:lstStyle/>
-          <a:p>
-            <a:pPr marL="0" marR="0" lvl="0" indent="0" algn="ctr" rtl="0">
-              <a:spcBef>
-                <a:spcPts val="0"/>
-              </a:spcBef>
-              <a:spcAft>
-                <a:spcPts val="0"/>
-              </a:spcAft>
-              <a:buNone/>
-            </a:pPr>
-            <a:r>
-              <a:rPr lang="en-US">
-                <a:solidFill>
-                  <a:schemeClr val="lt1"/>
-                </a:solidFill>
-                <a:latin typeface="Calibri"/>
-                <a:ea typeface="Calibri"/>
-                <a:cs typeface="Calibri"/>
-                <a:sym typeface="Calibri"/>
-              </a:rPr>
-              <a:t>Medium Punch</a:t>
-            </a:r>
-            <a:endParaRPr/>
-          </a:p>
-        </p:txBody>
-      </p:sp>
-      <p:sp>
-        <p:nvSpPr>
-          <p:cNvPr id="189" name="Google Shape;189;g21bc01ef45b_0_801"/>
-          <p:cNvSpPr/>
-          <p:nvPr/>
-        </p:nvSpPr>
-        <p:spPr>
-          <a:xfrm>
-            <a:off x="4536884" y="5997078"/>
-            <a:ext cx="2052000" cy="1080000"/>
-          </a:xfrm>
-          <a:prstGeom prst="rect">
-            <a:avLst/>
-          </a:prstGeom>
-          <a:noFill/>
-          <a:ln w="28575" cap="flat" cmpd="sng">
-            <a:solidFill>
-              <a:schemeClr val="dk1"/>
-            </a:solidFill>
-            <a:prstDash val="solid"/>
-            <a:miter lim="800000"/>
-            <a:headEnd type="none" w="sm" len="sm"/>
-            <a:tailEnd type="none" w="sm" len="sm"/>
-          </a:ln>
-        </p:spPr>
-        <p:txBody>
-          <a:bodyPr spcFirstLastPara="1" wrap="square" lIns="91425" tIns="45700" rIns="91425" bIns="45700" anchor="ctr" anchorCtr="0">
-            <a:noAutofit/>
-          </a:bodyPr>
-          <a:lstStyle/>
-          <a:p>
-            <a:pPr marL="0" marR="0" lvl="0" indent="0" algn="just" rtl="0">
-              <a:spcBef>
-                <a:spcPts val="0"/>
-              </a:spcBef>
-              <a:spcAft>
-                <a:spcPts val="0"/>
-              </a:spcAft>
-              <a:buNone/>
-            </a:pPr>
-            <a:endParaRPr sz="1400">
-              <a:solidFill>
-                <a:schemeClr val="dk1"/>
-              </a:solidFill>
-              <a:latin typeface="Arial"/>
-              <a:ea typeface="Arial"/>
-              <a:cs typeface="Arial"/>
-              <a:sym typeface="Arial"/>
-            </a:endParaRPr>
-          </a:p>
-        </p:txBody>
-      </p:sp>
-      <p:sp>
-        <p:nvSpPr>
-          <p:cNvPr id="190" name="Google Shape;190;g21bc01ef45b_0_801"/>
-          <p:cNvSpPr/>
-          <p:nvPr/>
-        </p:nvSpPr>
-        <p:spPr>
-          <a:xfrm>
-            <a:off x="4529153" y="5997079"/>
-            <a:ext cx="2059800" cy="266700"/>
-          </a:xfrm>
-          <a:prstGeom prst="rect">
-            <a:avLst/>
-          </a:prstGeom>
-          <a:solidFill>
-            <a:schemeClr val="dk1"/>
-          </a:solidFill>
-          <a:ln>
-            <a:noFill/>
-          </a:ln>
-        </p:spPr>
-        <p:txBody>
-          <a:bodyPr spcFirstLastPara="1" wrap="square" lIns="91425" tIns="45700" rIns="91425" bIns="45700" anchor="ctr" anchorCtr="0">
-            <a:noAutofit/>
-          </a:bodyPr>
-          <a:lstStyle/>
-          <a:p>
-            <a:pPr marL="0" marR="0" lvl="0" indent="0" algn="ctr" rtl="0">
-              <a:spcBef>
-                <a:spcPts val="0"/>
-              </a:spcBef>
-              <a:spcAft>
-                <a:spcPts val="0"/>
-              </a:spcAft>
-              <a:buNone/>
-            </a:pPr>
-            <a:r>
-              <a:rPr lang="en-US">
-                <a:solidFill>
-                  <a:schemeClr val="lt1"/>
-                </a:solidFill>
-                <a:latin typeface="Calibri"/>
-                <a:ea typeface="Calibri"/>
-                <a:cs typeface="Calibri"/>
-                <a:sym typeface="Calibri"/>
-              </a:rPr>
-              <a:t>Heavy Punch</a:t>
-            </a:r>
-            <a:endParaRPr/>
-          </a:p>
-        </p:txBody>
-      </p:sp>
-      <p:sp>
-        <p:nvSpPr>
-          <p:cNvPr id="191" name="Google Shape;191;g21bc01ef45b_0_801"/>
-          <p:cNvSpPr/>
-          <p:nvPr/>
-        </p:nvSpPr>
-        <p:spPr>
-          <a:xfrm>
-            <a:off x="296319" y="7132566"/>
-            <a:ext cx="2052000" cy="1080600"/>
-          </a:xfrm>
-          <a:prstGeom prst="rect">
-            <a:avLst/>
-          </a:prstGeom>
-          <a:noFill/>
-          <a:ln w="28575" cap="flat" cmpd="sng">
-            <a:solidFill>
-              <a:schemeClr val="dk1"/>
-            </a:solidFill>
-            <a:prstDash val="solid"/>
-            <a:miter lim="800000"/>
-            <a:headEnd type="none" w="sm" len="sm"/>
-            <a:tailEnd type="none" w="sm" len="sm"/>
-          </a:ln>
-        </p:spPr>
-        <p:txBody>
-          <a:bodyPr spcFirstLastPara="1" wrap="square" lIns="91425" tIns="45700" rIns="91425" bIns="45700" anchor="ctr" anchorCtr="0">
-            <a:noAutofit/>
-          </a:bodyPr>
-          <a:lstStyle/>
-          <a:p>
-            <a:pPr marL="0" marR="0" lvl="0" indent="0" algn="just" rtl="0">
-              <a:spcBef>
-                <a:spcPts val="0"/>
-              </a:spcBef>
-              <a:spcAft>
-                <a:spcPts val="0"/>
-              </a:spcAft>
-              <a:buNone/>
-            </a:pPr>
-            <a:endParaRPr sz="1400">
-              <a:solidFill>
-                <a:schemeClr val="dk1"/>
-              </a:solidFill>
-              <a:latin typeface="Arial"/>
-              <a:ea typeface="Arial"/>
-              <a:cs typeface="Arial"/>
-              <a:sym typeface="Arial"/>
-            </a:endParaRPr>
-          </a:p>
-        </p:txBody>
-      </p:sp>
-      <p:sp>
-        <p:nvSpPr>
-          <p:cNvPr id="192" name="Google Shape;192;g21bc01ef45b_0_801"/>
-          <p:cNvSpPr/>
-          <p:nvPr/>
-        </p:nvSpPr>
-        <p:spPr>
-          <a:xfrm>
-            <a:off x="288588" y="7133121"/>
-            <a:ext cx="2059800" cy="266700"/>
-          </a:xfrm>
-          <a:prstGeom prst="rect">
-            <a:avLst/>
-          </a:prstGeom>
-          <a:solidFill>
-            <a:schemeClr val="dk1"/>
-          </a:solidFill>
-          <a:ln>
-            <a:noFill/>
-          </a:ln>
-        </p:spPr>
-        <p:txBody>
-          <a:bodyPr spcFirstLastPara="1" wrap="square" lIns="91425" tIns="45700" rIns="91425" bIns="45700" anchor="ctr" anchorCtr="0">
-            <a:noAutofit/>
-          </a:bodyPr>
-          <a:lstStyle/>
-          <a:p>
-            <a:pPr marL="0" lvl="0" indent="0" algn="ctr" rtl="0">
-              <a:spcBef>
-                <a:spcPts val="0"/>
-              </a:spcBef>
-              <a:spcAft>
-                <a:spcPts val="0"/>
-              </a:spcAft>
-              <a:buNone/>
-            </a:pPr>
-            <a:r>
-              <a:rPr lang="en-US">
-                <a:solidFill>
-                  <a:schemeClr val="lt1"/>
-                </a:solidFill>
-                <a:latin typeface="Calibri"/>
-                <a:ea typeface="Calibri"/>
-                <a:cs typeface="Calibri"/>
-                <a:sym typeface="Calibri"/>
-              </a:rPr>
-              <a:t>Light Kick</a:t>
-            </a:r>
-            <a:endParaRPr>
-              <a:solidFill>
-                <a:schemeClr val="lt1"/>
-              </a:solidFill>
-              <a:latin typeface="Calibri"/>
-              <a:ea typeface="Calibri"/>
-              <a:cs typeface="Calibri"/>
-              <a:sym typeface="Calibri"/>
-            </a:endParaRPr>
-          </a:p>
-        </p:txBody>
-      </p:sp>
-      <p:sp>
-        <p:nvSpPr>
-          <p:cNvPr id="193" name="Google Shape;193;g21bc01ef45b_0_801"/>
-          <p:cNvSpPr/>
-          <p:nvPr/>
-        </p:nvSpPr>
-        <p:spPr>
-          <a:xfrm>
-            <a:off x="2419570" y="7133120"/>
-            <a:ext cx="2052000" cy="1080000"/>
-          </a:xfrm>
-          <a:prstGeom prst="rect">
-            <a:avLst/>
-          </a:prstGeom>
-          <a:noFill/>
-          <a:ln w="28575" cap="flat" cmpd="sng">
-            <a:solidFill>
-              <a:schemeClr val="dk1"/>
-            </a:solidFill>
-            <a:prstDash val="solid"/>
-            <a:miter lim="800000"/>
-            <a:headEnd type="none" w="sm" len="sm"/>
-            <a:tailEnd type="none" w="sm" len="sm"/>
-          </a:ln>
-        </p:spPr>
-        <p:txBody>
-          <a:bodyPr spcFirstLastPara="1" wrap="square" lIns="91425" tIns="45700" rIns="91425" bIns="45700" anchor="ctr" anchorCtr="0">
-            <a:noAutofit/>
-          </a:bodyPr>
-          <a:lstStyle/>
-          <a:p>
-            <a:pPr marL="0" marR="0" lvl="0" indent="0" algn="just" rtl="0">
-              <a:spcBef>
-                <a:spcPts val="0"/>
-              </a:spcBef>
-              <a:spcAft>
-                <a:spcPts val="0"/>
-              </a:spcAft>
-              <a:buNone/>
-            </a:pPr>
-            <a:endParaRPr sz="1400">
-              <a:solidFill>
-                <a:schemeClr val="dk1"/>
-              </a:solidFill>
-              <a:latin typeface="Arial"/>
-              <a:ea typeface="Arial"/>
-              <a:cs typeface="Arial"/>
-              <a:sym typeface="Arial"/>
-            </a:endParaRPr>
-          </a:p>
-        </p:txBody>
-      </p:sp>
-      <p:sp>
-        <p:nvSpPr>
-          <p:cNvPr id="194" name="Google Shape;194;g21bc01ef45b_0_801"/>
-          <p:cNvSpPr/>
-          <p:nvPr/>
-        </p:nvSpPr>
-        <p:spPr>
-          <a:xfrm>
-            <a:off x="2411839" y="7133121"/>
-            <a:ext cx="2059800" cy="266700"/>
-          </a:xfrm>
-          <a:prstGeom prst="rect">
-            <a:avLst/>
-          </a:prstGeom>
-          <a:solidFill>
-            <a:schemeClr val="dk1"/>
-          </a:solidFill>
-          <a:ln>
-            <a:noFill/>
-          </a:ln>
-        </p:spPr>
-        <p:txBody>
-          <a:bodyPr spcFirstLastPara="1" wrap="square" lIns="91425" tIns="45700" rIns="91425" bIns="45700" anchor="ctr" anchorCtr="0">
-            <a:noAutofit/>
-          </a:bodyPr>
-          <a:lstStyle/>
-          <a:p>
-            <a:pPr marL="0" lvl="0" indent="0" algn="ctr" rtl="0">
-              <a:spcBef>
-                <a:spcPts val="0"/>
-              </a:spcBef>
-              <a:spcAft>
-                <a:spcPts val="0"/>
-              </a:spcAft>
-              <a:buNone/>
-            </a:pPr>
-            <a:r>
-              <a:rPr lang="en-US">
-                <a:solidFill>
-                  <a:schemeClr val="lt1"/>
-                </a:solidFill>
-                <a:latin typeface="Calibri"/>
-                <a:ea typeface="Calibri"/>
-                <a:cs typeface="Calibri"/>
-                <a:sym typeface="Calibri"/>
-              </a:rPr>
-              <a:t>Medium Kick</a:t>
-            </a:r>
-            <a:endParaRPr>
-              <a:solidFill>
-                <a:schemeClr val="lt1"/>
-              </a:solidFill>
-              <a:latin typeface="Calibri"/>
-              <a:ea typeface="Calibri"/>
-              <a:cs typeface="Calibri"/>
-              <a:sym typeface="Calibri"/>
-            </a:endParaRPr>
-          </a:p>
-        </p:txBody>
-      </p:sp>
-      <p:sp>
-        <p:nvSpPr>
-          <p:cNvPr id="195" name="Google Shape;195;g21bc01ef45b_0_801"/>
-          <p:cNvSpPr/>
-          <p:nvPr/>
-        </p:nvSpPr>
-        <p:spPr>
-          <a:xfrm>
-            <a:off x="4535090" y="7133120"/>
-            <a:ext cx="2052000" cy="1080000"/>
-          </a:xfrm>
-          <a:prstGeom prst="rect">
-            <a:avLst/>
-          </a:prstGeom>
-          <a:noFill/>
-          <a:ln w="28575" cap="flat" cmpd="sng">
-            <a:solidFill>
-              <a:schemeClr val="dk1"/>
-            </a:solidFill>
-            <a:prstDash val="solid"/>
-            <a:miter lim="800000"/>
-            <a:headEnd type="none" w="sm" len="sm"/>
-            <a:tailEnd type="none" w="sm" len="sm"/>
-          </a:ln>
-        </p:spPr>
-        <p:txBody>
-          <a:bodyPr spcFirstLastPara="1" wrap="square" lIns="91425" tIns="45700" rIns="91425" bIns="45700" anchor="ctr" anchorCtr="0">
-            <a:noAutofit/>
-          </a:bodyPr>
-          <a:lstStyle/>
-          <a:p>
-            <a:pPr marL="0" marR="0" lvl="0" indent="0" algn="just" rtl="0">
-              <a:spcBef>
-                <a:spcPts val="0"/>
-              </a:spcBef>
-              <a:spcAft>
-                <a:spcPts val="0"/>
-              </a:spcAft>
-              <a:buNone/>
-            </a:pPr>
-            <a:endParaRPr sz="1400">
-              <a:solidFill>
-                <a:schemeClr val="dk1"/>
-              </a:solidFill>
-              <a:latin typeface="Arial"/>
-              <a:ea typeface="Arial"/>
-              <a:cs typeface="Arial"/>
-              <a:sym typeface="Arial"/>
-            </a:endParaRPr>
-          </a:p>
-        </p:txBody>
-      </p:sp>
-      <p:sp>
-        <p:nvSpPr>
-          <p:cNvPr id="196" name="Google Shape;196;g21bc01ef45b_0_801"/>
-          <p:cNvSpPr/>
-          <p:nvPr/>
-        </p:nvSpPr>
-        <p:spPr>
-          <a:xfrm>
-            <a:off x="4527359" y="7133121"/>
-            <a:ext cx="2059800" cy="266700"/>
-          </a:xfrm>
-          <a:prstGeom prst="rect">
-            <a:avLst/>
-          </a:prstGeom>
-          <a:solidFill>
-            <a:schemeClr val="dk1"/>
-          </a:solidFill>
-          <a:ln>
-            <a:noFill/>
-          </a:ln>
-        </p:spPr>
-        <p:txBody>
-          <a:bodyPr spcFirstLastPara="1" wrap="square" lIns="91425" tIns="45700" rIns="91425" bIns="45700" anchor="ctr" anchorCtr="0">
-            <a:noAutofit/>
-          </a:bodyPr>
-          <a:lstStyle/>
-          <a:p>
-            <a:pPr marL="0" lvl="0" indent="0" algn="ctr" rtl="0">
-              <a:spcBef>
-                <a:spcPts val="0"/>
-              </a:spcBef>
-              <a:spcAft>
-                <a:spcPts val="0"/>
-              </a:spcAft>
-              <a:buNone/>
-            </a:pPr>
-            <a:r>
-              <a:rPr lang="en-US">
-                <a:solidFill>
-                  <a:schemeClr val="lt1"/>
-                </a:solidFill>
-                <a:latin typeface="Calibri"/>
-                <a:ea typeface="Calibri"/>
-                <a:cs typeface="Calibri"/>
-                <a:sym typeface="Calibri"/>
-              </a:rPr>
-              <a:t>Heavy Kick</a:t>
-            </a:r>
-            <a:endParaRPr>
-              <a:solidFill>
-                <a:schemeClr val="lt1"/>
-              </a:solidFill>
-              <a:latin typeface="Calibri"/>
-              <a:ea typeface="Calibri"/>
-              <a:cs typeface="Calibri"/>
-              <a:sym typeface="Calibri"/>
-            </a:endParaRPr>
-          </a:p>
-        </p:txBody>
-      </p:sp>
-      <p:pic>
-        <p:nvPicPr>
-          <p:cNvPr id="197" name="Google Shape;197;g21bc01ef45b_0_801"/>
-          <p:cNvPicPr preferRelativeResize="0"/>
-          <p:nvPr/>
-        </p:nvPicPr>
-        <p:blipFill>
-          <a:blip r:embed="rId3">
-            <a:alphaModFix/>
-          </a:blip>
-          <a:stretch>
-            <a:fillRect/>
-          </a:stretch>
-        </p:blipFill>
-        <p:spPr>
-          <a:xfrm>
-            <a:off x="966075" y="6303916"/>
-            <a:ext cx="704850" cy="704850"/>
-          </a:xfrm>
-          <a:prstGeom prst="rect">
-            <a:avLst/>
-          </a:prstGeom>
-          <a:noFill/>
-          <a:ln>
-            <a:noFill/>
-          </a:ln>
-        </p:spPr>
-      </p:pic>
-      <p:pic>
-        <p:nvPicPr>
-          <p:cNvPr id="198" name="Google Shape;198;g21bc01ef45b_0_801"/>
-          <p:cNvPicPr preferRelativeResize="0"/>
-          <p:nvPr/>
-        </p:nvPicPr>
-        <p:blipFill>
-          <a:blip r:embed="rId4">
-            <a:alphaModFix/>
-          </a:blip>
-          <a:stretch>
-            <a:fillRect/>
-          </a:stretch>
-        </p:blipFill>
-        <p:spPr>
-          <a:xfrm>
-            <a:off x="3094950" y="6303916"/>
-            <a:ext cx="704850" cy="704850"/>
-          </a:xfrm>
-          <a:prstGeom prst="rect">
-            <a:avLst/>
-          </a:prstGeom>
-          <a:noFill/>
-          <a:ln>
-            <a:noFill/>
-          </a:ln>
-        </p:spPr>
-      </p:pic>
-      <p:pic>
-        <p:nvPicPr>
-          <p:cNvPr id="199" name="Google Shape;199;g21bc01ef45b_0_801"/>
-          <p:cNvPicPr preferRelativeResize="0"/>
-          <p:nvPr/>
-        </p:nvPicPr>
-        <p:blipFill>
-          <a:blip r:embed="rId5">
-            <a:alphaModFix/>
-          </a:blip>
-          <a:stretch>
-            <a:fillRect/>
-          </a:stretch>
-        </p:blipFill>
-        <p:spPr>
-          <a:xfrm>
-            <a:off x="5204825" y="6303925"/>
-            <a:ext cx="704850" cy="704850"/>
-          </a:xfrm>
-          <a:prstGeom prst="rect">
-            <a:avLst/>
-          </a:prstGeom>
-          <a:noFill/>
-          <a:ln>
-            <a:noFill/>
-          </a:ln>
-        </p:spPr>
-      </p:pic>
-      <p:pic>
-        <p:nvPicPr>
-          <p:cNvPr id="200" name="Google Shape;200;g21bc01ef45b_0_801"/>
-          <p:cNvPicPr preferRelativeResize="0"/>
-          <p:nvPr/>
-        </p:nvPicPr>
-        <p:blipFill>
-          <a:blip r:embed="rId6">
-            <a:alphaModFix/>
-          </a:blip>
-          <a:stretch>
-            <a:fillRect/>
-          </a:stretch>
-        </p:blipFill>
-        <p:spPr>
-          <a:xfrm>
-            <a:off x="962175" y="7436625"/>
-            <a:ext cx="723900" cy="723900"/>
-          </a:xfrm>
-          <a:prstGeom prst="rect">
-            <a:avLst/>
-          </a:prstGeom>
-          <a:noFill/>
-          <a:ln>
-            <a:noFill/>
-          </a:ln>
-        </p:spPr>
-      </p:pic>
-      <p:pic>
-        <p:nvPicPr>
-          <p:cNvPr id="201" name="Google Shape;201;g21bc01ef45b_0_801"/>
-          <p:cNvPicPr preferRelativeResize="0"/>
-          <p:nvPr/>
-        </p:nvPicPr>
-        <p:blipFill>
-          <a:blip r:embed="rId7">
-            <a:alphaModFix/>
-          </a:blip>
-          <a:stretch>
-            <a:fillRect/>
-          </a:stretch>
-        </p:blipFill>
-        <p:spPr>
-          <a:xfrm>
-            <a:off x="3067050" y="7436625"/>
-            <a:ext cx="723900" cy="723900"/>
-          </a:xfrm>
-          <a:prstGeom prst="rect">
-            <a:avLst/>
-          </a:prstGeom>
-          <a:noFill/>
-          <a:ln>
-            <a:noFill/>
-          </a:ln>
-        </p:spPr>
-      </p:pic>
-      <p:pic>
-        <p:nvPicPr>
-          <p:cNvPr id="202" name="Google Shape;202;g21bc01ef45b_0_801"/>
-          <p:cNvPicPr preferRelativeResize="0"/>
-          <p:nvPr/>
-        </p:nvPicPr>
-        <p:blipFill>
-          <a:blip r:embed="rId8">
-            <a:alphaModFix/>
-          </a:blip>
-          <a:stretch>
-            <a:fillRect/>
-          </a:stretch>
-        </p:blipFill>
-        <p:spPr>
-          <a:xfrm>
-            <a:off x="5205075" y="7455875"/>
-            <a:ext cx="723900" cy="723900"/>
-          </a:xfrm>
-          <a:prstGeom prst="rect">
-            <a:avLst/>
-          </a:prstGeom>
-          <a:noFill/>
-          <a:ln>
-            <a:noFill/>
-          </a:ln>
-        </p:spPr>
-      </p:pic>
       <p:grpSp>
         <p:nvGrpSpPr>
           <p:cNvPr id="203" name="Google Shape;203;g21bc01ef45b_0_801"/>
@@ -19108,7 +16741,7 @@
             <p:nvPr/>
           </p:nvPicPr>
           <p:blipFill>
-            <a:blip r:embed="rId9">
+            <a:blip r:embed="rId3">
               <a:alphaModFix/>
             </a:blip>
             <a:stretch>
@@ -19136,7 +16769,7 @@
             <p:nvPr/>
           </p:nvPicPr>
           <p:blipFill>
-            <a:blip r:embed="rId9">
+            <a:blip r:embed="rId3">
               <a:alphaModFix/>
             </a:blip>
             <a:stretch>
@@ -19218,7 +16851,7 @@
           <p:nvPr/>
         </p:nvPicPr>
         <p:blipFill>
-          <a:blip r:embed="rId9">
+          <a:blip r:embed="rId3">
             <a:alphaModFix/>
           </a:blip>
           <a:stretch>
@@ -19246,7 +16879,7 @@
           <p:nvPr/>
         </p:nvPicPr>
         <p:blipFill>
-          <a:blip r:embed="rId10">
+          <a:blip r:embed="rId4">
             <a:alphaModFix/>
           </a:blip>
           <a:stretch>
@@ -19373,148 +17006,6 @@
           </a:p>
         </p:txBody>
       </p:sp>
-      <p:grpSp>
-        <p:nvGrpSpPr>
-          <p:cNvPr id="211" name="Google Shape;211;g21bc01ef45b_0_801"/>
-          <p:cNvGrpSpPr/>
-          <p:nvPr/>
-        </p:nvGrpSpPr>
-        <p:grpSpPr>
-          <a:xfrm>
-            <a:off x="1715126" y="4837327"/>
-            <a:ext cx="1304466" cy="503208"/>
-            <a:chOff x="1829426" y="4900027"/>
-            <a:chExt cx="1304466" cy="503208"/>
-          </a:xfrm>
-        </p:grpSpPr>
-        <p:pic>
-          <p:nvPicPr>
-            <p:cNvPr id="212" name="Google Shape;212;g21bc01ef45b_0_801"/>
-            <p:cNvPicPr preferRelativeResize="0"/>
-            <p:nvPr/>
-          </p:nvPicPr>
-          <p:blipFill>
-            <a:blip r:embed="rId9">
-              <a:alphaModFix/>
-            </a:blip>
-            <a:stretch>
-              <a:fillRect/>
-            </a:stretch>
-          </p:blipFill>
-          <p:spPr>
-            <a:xfrm flipH="1">
-              <a:off x="1829426" y="4900027"/>
-              <a:ext cx="624951" cy="503208"/>
-            </a:xfrm>
-            <a:prstGeom prst="rect">
-              <a:avLst/>
-            </a:prstGeom>
-            <a:noFill/>
-            <a:ln>
-              <a:noFill/>
-            </a:ln>
-          </p:spPr>
-        </p:pic>
-        <p:pic>
-          <p:nvPicPr>
-            <p:cNvPr id="213" name="Google Shape;213;g21bc01ef45b_0_801"/>
-            <p:cNvPicPr preferRelativeResize="0"/>
-            <p:nvPr/>
-          </p:nvPicPr>
-          <p:blipFill>
-            <a:blip r:embed="rId9">
-              <a:alphaModFix/>
-            </a:blip>
-            <a:stretch>
-              <a:fillRect/>
-            </a:stretch>
-          </p:blipFill>
-          <p:spPr>
-            <a:xfrm flipH="1">
-              <a:off x="2508941" y="4900027"/>
-              <a:ext cx="624951" cy="503208"/>
-            </a:xfrm>
-            <a:prstGeom prst="rect">
-              <a:avLst/>
-            </a:prstGeom>
-            <a:noFill/>
-            <a:ln>
-              <a:noFill/>
-            </a:ln>
-          </p:spPr>
-        </p:pic>
-      </p:grpSp>
-      <p:grpSp>
-        <p:nvGrpSpPr>
-          <p:cNvPr id="214" name="Google Shape;214;g21bc01ef45b_0_801"/>
-          <p:cNvGrpSpPr/>
-          <p:nvPr/>
-        </p:nvGrpSpPr>
-        <p:grpSpPr>
-          <a:xfrm flipH="1">
-            <a:off x="3838388" y="4837314"/>
-            <a:ext cx="1304466" cy="503208"/>
-            <a:chOff x="1829426" y="4900027"/>
-            <a:chExt cx="1304466" cy="503208"/>
-          </a:xfrm>
-        </p:grpSpPr>
-        <p:pic>
-          <p:nvPicPr>
-            <p:cNvPr id="215" name="Google Shape;215;g21bc01ef45b_0_801"/>
-            <p:cNvPicPr preferRelativeResize="0"/>
-            <p:nvPr/>
-          </p:nvPicPr>
-          <p:blipFill>
-            <a:blip r:embed="rId9">
-              <a:alphaModFix/>
-            </a:blip>
-            <a:stretch>
-              <a:fillRect/>
-            </a:stretch>
-          </p:blipFill>
-          <p:spPr>
-            <a:xfrm flipH="1">
-              <a:off x="1829426" y="4900027"/>
-              <a:ext cx="624951" cy="503208"/>
-            </a:xfrm>
-            <a:prstGeom prst="rect">
-              <a:avLst/>
-            </a:prstGeom>
-            <a:noFill/>
-            <a:ln>
-              <a:noFill/>
-            </a:ln>
-          </p:spPr>
-        </p:pic>
-        <p:pic>
-          <p:nvPicPr>
-            <p:cNvPr id="216" name="Google Shape;216;g21bc01ef45b_0_801"/>
-            <p:cNvPicPr preferRelativeResize="0"/>
-            <p:nvPr/>
-          </p:nvPicPr>
-          <p:blipFill>
-            <a:blip r:embed="rId9">
-              <a:alphaModFix/>
-            </a:blip>
-            <a:stretch>
-              <a:fillRect/>
-            </a:stretch>
-          </p:blipFill>
-          <p:spPr>
-            <a:xfrm flipH="1">
-              <a:off x="2508941" y="4900027"/>
-              <a:ext cx="624951" cy="503208"/>
-            </a:xfrm>
-            <a:prstGeom prst="rect">
-              <a:avLst/>
-            </a:prstGeom>
-            <a:noFill/>
-            <a:ln>
-              <a:noFill/>
-            </a:ln>
-          </p:spPr>
-        </p:pic>
-      </p:grpSp>
       <p:grpSp>
         <p:nvGrpSpPr>
           <p:cNvPr id="217" name="Google Shape;217;g21bc01ef45b_0_801"/>
@@ -19589,7 +17080,7 @@
             <p:nvPr/>
           </p:nvPicPr>
           <p:blipFill>
-            <a:blip r:embed="rId11">
+            <a:blip r:embed="rId5">
               <a:alphaModFix/>
             </a:blip>
             <a:stretch>
@@ -19617,7 +17108,7 @@
             <p:nvPr/>
           </p:nvPicPr>
           <p:blipFill>
-            <a:blip r:embed="rId11">
+            <a:blip r:embed="rId5">
               <a:alphaModFix/>
             </a:blip>
             <a:stretch>
@@ -19639,586 +17130,6 @@
           </p:spPr>
         </p:pic>
       </p:grpSp>
-      <p:sp>
-        <p:nvSpPr>
-          <p:cNvPr id="221" name="Google Shape;221;g21bc01ef45b_0_801"/>
-          <p:cNvSpPr txBox="1"/>
-          <p:nvPr/>
-        </p:nvSpPr>
-        <p:spPr>
-          <a:xfrm>
-            <a:off x="369000" y="8246983"/>
-            <a:ext cx="6120000" cy="458355"/>
-          </a:xfrm>
-          <a:prstGeom prst="rect">
-            <a:avLst/>
-          </a:prstGeom>
-          <a:noFill/>
-          <a:ln>
-            <a:noFill/>
-          </a:ln>
-        </p:spPr>
-        <p:txBody>
-          <a:bodyPr spcFirstLastPara="1" wrap="square" lIns="91425" tIns="45700" rIns="91425" bIns="45700" anchor="t" anchorCtr="0">
-            <a:spAutoFit/>
-          </a:bodyPr>
-          <a:lstStyle/>
-          <a:p>
-            <a:pPr marL="0" marR="0" lvl="0" indent="0" algn="just" rtl="0">
-              <a:lnSpc>
-                <a:spcPct val="107000"/>
-              </a:lnSpc>
-              <a:spcBef>
-                <a:spcPts val="800"/>
-              </a:spcBef>
-              <a:spcAft>
-                <a:spcPts val="0"/>
-              </a:spcAft>
-              <a:buNone/>
-            </a:pPr>
-            <a:r>
-              <a:rPr lang="en-US" sz="1600" b="1" dirty="0">
-                <a:solidFill>
-                  <a:schemeClr val="dk1"/>
-                </a:solidFill>
-                <a:latin typeface="Arial"/>
-                <a:ea typeface="Arial"/>
-                <a:cs typeface="Arial"/>
-                <a:sym typeface="Arial"/>
-              </a:rPr>
-              <a:t>	</a:t>
-            </a:r>
-            <a:r>
-              <a:rPr lang="en-US" sz="1600" b="1" u="sng" dirty="0">
-                <a:solidFill>
-                  <a:schemeClr val="dk1"/>
-                </a:solidFill>
-              </a:rPr>
-              <a:t>Command Inputs</a:t>
-            </a:r>
-            <a:endParaRPr sz="1600" u="sng" dirty="0">
-              <a:solidFill>
-                <a:schemeClr val="dk1"/>
-              </a:solidFill>
-              <a:latin typeface="Arial"/>
-              <a:ea typeface="Arial"/>
-              <a:cs typeface="Arial"/>
-              <a:sym typeface="Arial"/>
-            </a:endParaRPr>
-          </a:p>
-        </p:txBody>
-      </p:sp>
-      <p:sp>
-        <p:nvSpPr>
-          <p:cNvPr id="222" name="Google Shape;222;g21bc01ef45b_0_801"/>
-          <p:cNvSpPr/>
-          <p:nvPr/>
-        </p:nvSpPr>
-        <p:spPr>
-          <a:xfrm>
-            <a:off x="1363569" y="8725366"/>
-            <a:ext cx="2052000" cy="1080600"/>
-          </a:xfrm>
-          <a:prstGeom prst="rect">
-            <a:avLst/>
-          </a:prstGeom>
-          <a:noFill/>
-          <a:ln w="28575" cap="flat" cmpd="sng">
-            <a:solidFill>
-              <a:schemeClr val="dk1"/>
-            </a:solidFill>
-            <a:prstDash val="solid"/>
-            <a:miter lim="800000"/>
-            <a:headEnd type="none" w="sm" len="sm"/>
-            <a:tailEnd type="none" w="sm" len="sm"/>
-          </a:ln>
-        </p:spPr>
-        <p:txBody>
-          <a:bodyPr spcFirstLastPara="1" wrap="square" lIns="91425" tIns="45700" rIns="91425" bIns="45700" anchor="ctr" anchorCtr="0">
-            <a:noAutofit/>
-          </a:bodyPr>
-          <a:lstStyle/>
-          <a:p>
-            <a:pPr marL="0" marR="0" lvl="0" indent="0" algn="just" rtl="0">
-              <a:spcBef>
-                <a:spcPts val="0"/>
-              </a:spcBef>
-              <a:spcAft>
-                <a:spcPts val="0"/>
-              </a:spcAft>
-              <a:buNone/>
-            </a:pPr>
-            <a:endParaRPr sz="1400">
-              <a:solidFill>
-                <a:schemeClr val="dk1"/>
-              </a:solidFill>
-              <a:latin typeface="Arial"/>
-              <a:ea typeface="Arial"/>
-              <a:cs typeface="Arial"/>
-              <a:sym typeface="Arial"/>
-            </a:endParaRPr>
-          </a:p>
-        </p:txBody>
-      </p:sp>
-      <p:sp>
-        <p:nvSpPr>
-          <p:cNvPr id="223" name="Google Shape;223;g21bc01ef45b_0_801"/>
-          <p:cNvSpPr/>
-          <p:nvPr/>
-        </p:nvSpPr>
-        <p:spPr>
-          <a:xfrm>
-            <a:off x="1355838" y="8700521"/>
-            <a:ext cx="2059800" cy="266700"/>
-          </a:xfrm>
-          <a:prstGeom prst="rect">
-            <a:avLst/>
-          </a:prstGeom>
-          <a:solidFill>
-            <a:schemeClr val="dk1"/>
-          </a:solidFill>
-          <a:ln>
-            <a:noFill/>
-          </a:ln>
-        </p:spPr>
-        <p:txBody>
-          <a:bodyPr spcFirstLastPara="1" wrap="square" lIns="91425" tIns="45700" rIns="91425" bIns="45700" anchor="ctr" anchorCtr="0">
-            <a:noAutofit/>
-          </a:bodyPr>
-          <a:lstStyle/>
-          <a:p>
-            <a:pPr marL="0" lvl="0" indent="0" algn="ctr" rtl="0">
-              <a:spcBef>
-                <a:spcPts val="0"/>
-              </a:spcBef>
-              <a:spcAft>
-                <a:spcPts val="0"/>
-              </a:spcAft>
-              <a:buNone/>
-            </a:pPr>
-            <a:r>
-              <a:rPr lang="en-US">
-                <a:solidFill>
-                  <a:schemeClr val="lt1"/>
-                </a:solidFill>
-                <a:latin typeface="Calibri"/>
-                <a:ea typeface="Calibri"/>
-                <a:cs typeface="Calibri"/>
-                <a:sym typeface="Calibri"/>
-              </a:rPr>
-              <a:t>Command Normal</a:t>
-            </a:r>
-            <a:endParaRPr>
-              <a:solidFill>
-                <a:schemeClr val="lt1"/>
-              </a:solidFill>
-              <a:latin typeface="Calibri"/>
-              <a:ea typeface="Calibri"/>
-              <a:cs typeface="Calibri"/>
-              <a:sym typeface="Calibri"/>
-            </a:endParaRPr>
-          </a:p>
-        </p:txBody>
-      </p:sp>
-      <p:sp>
-        <p:nvSpPr>
-          <p:cNvPr id="224" name="Google Shape;224;g21bc01ef45b_0_801"/>
-          <p:cNvSpPr/>
-          <p:nvPr/>
-        </p:nvSpPr>
-        <p:spPr>
-          <a:xfrm>
-            <a:off x="3486820" y="8725920"/>
-            <a:ext cx="2052000" cy="1080000"/>
-          </a:xfrm>
-          <a:prstGeom prst="rect">
-            <a:avLst/>
-          </a:prstGeom>
-          <a:noFill/>
-          <a:ln w="28575" cap="flat" cmpd="sng">
-            <a:solidFill>
-              <a:schemeClr val="dk1"/>
-            </a:solidFill>
-            <a:prstDash val="solid"/>
-            <a:miter lim="800000"/>
-            <a:headEnd type="none" w="sm" len="sm"/>
-            <a:tailEnd type="none" w="sm" len="sm"/>
-          </a:ln>
-        </p:spPr>
-        <p:txBody>
-          <a:bodyPr spcFirstLastPara="1" wrap="square" lIns="91425" tIns="45700" rIns="91425" bIns="45700" anchor="ctr" anchorCtr="0">
-            <a:noAutofit/>
-          </a:bodyPr>
-          <a:lstStyle/>
-          <a:p>
-            <a:pPr marL="0" marR="0" lvl="0" indent="0" algn="just" rtl="0">
-              <a:spcBef>
-                <a:spcPts val="0"/>
-              </a:spcBef>
-              <a:spcAft>
-                <a:spcPts val="0"/>
-              </a:spcAft>
-              <a:buNone/>
-            </a:pPr>
-            <a:endParaRPr sz="1400">
-              <a:solidFill>
-                <a:schemeClr val="dk1"/>
-              </a:solidFill>
-              <a:latin typeface="Arial"/>
-              <a:ea typeface="Arial"/>
-              <a:cs typeface="Arial"/>
-              <a:sym typeface="Arial"/>
-            </a:endParaRPr>
-          </a:p>
-        </p:txBody>
-      </p:sp>
-      <p:sp>
-        <p:nvSpPr>
-          <p:cNvPr id="225" name="Google Shape;225;g21bc01ef45b_0_801"/>
-          <p:cNvSpPr/>
-          <p:nvPr/>
-        </p:nvSpPr>
-        <p:spPr>
-          <a:xfrm>
-            <a:off x="3479089" y="8700521"/>
-            <a:ext cx="2059800" cy="266700"/>
-          </a:xfrm>
-          <a:prstGeom prst="rect">
-            <a:avLst/>
-          </a:prstGeom>
-          <a:solidFill>
-            <a:schemeClr val="dk1"/>
-          </a:solidFill>
-          <a:ln>
-            <a:noFill/>
-          </a:ln>
-        </p:spPr>
-        <p:txBody>
-          <a:bodyPr spcFirstLastPara="1" wrap="square" lIns="91425" tIns="45700" rIns="91425" bIns="45700" anchor="ctr" anchorCtr="0">
-            <a:noAutofit/>
-          </a:bodyPr>
-          <a:lstStyle/>
-          <a:p>
-            <a:pPr marL="0" lvl="0" indent="0" algn="ctr" rtl="0">
-              <a:spcBef>
-                <a:spcPts val="0"/>
-              </a:spcBef>
-              <a:spcAft>
-                <a:spcPts val="0"/>
-              </a:spcAft>
-              <a:buNone/>
-            </a:pPr>
-            <a:r>
-              <a:rPr lang="en-US">
-                <a:solidFill>
-                  <a:schemeClr val="lt1"/>
-                </a:solidFill>
-                <a:latin typeface="Calibri"/>
-                <a:ea typeface="Calibri"/>
-                <a:cs typeface="Calibri"/>
-                <a:sym typeface="Calibri"/>
-              </a:rPr>
-              <a:t>Command Special</a:t>
-            </a:r>
-            <a:endParaRPr>
-              <a:solidFill>
-                <a:schemeClr val="lt1"/>
-              </a:solidFill>
-              <a:latin typeface="Calibri"/>
-              <a:ea typeface="Calibri"/>
-              <a:cs typeface="Calibri"/>
-              <a:sym typeface="Calibri"/>
-            </a:endParaRPr>
-          </a:p>
-        </p:txBody>
-      </p:sp>
-      <p:sp>
-        <p:nvSpPr>
-          <p:cNvPr id="226" name="Google Shape;226;g21bc01ef45b_0_801"/>
-          <p:cNvSpPr txBox="1"/>
-          <p:nvPr/>
-        </p:nvSpPr>
-        <p:spPr>
-          <a:xfrm>
-            <a:off x="2188200" y="9103600"/>
-            <a:ext cx="421200" cy="523200"/>
-          </a:xfrm>
-          <a:prstGeom prst="rect">
-            <a:avLst/>
-          </a:prstGeom>
-          <a:noFill/>
-          <a:ln>
-            <a:noFill/>
-          </a:ln>
-        </p:spPr>
-        <p:txBody>
-          <a:bodyPr spcFirstLastPara="1" wrap="square" lIns="91425" tIns="91425" rIns="91425" bIns="91425" anchor="t" anchorCtr="0">
-            <a:spAutoFit/>
-          </a:bodyPr>
-          <a:lstStyle/>
-          <a:p>
-            <a:pPr marL="0" lvl="0" indent="0" algn="ctr" rtl="0">
-              <a:lnSpc>
-                <a:spcPct val="107000"/>
-              </a:lnSpc>
-              <a:spcBef>
-                <a:spcPts val="800"/>
-              </a:spcBef>
-              <a:spcAft>
-                <a:spcPts val="0"/>
-              </a:spcAft>
-              <a:buNone/>
-            </a:pPr>
-            <a:r>
-              <a:rPr lang="en-US" sz="2200" b="1">
-                <a:solidFill>
-                  <a:schemeClr val="dk1"/>
-                </a:solidFill>
-              </a:rPr>
-              <a:t>+</a:t>
-            </a:r>
-            <a:endParaRPr sz="2200" u="sng">
-              <a:solidFill>
-                <a:schemeClr val="dk1"/>
-              </a:solidFill>
-            </a:endParaRPr>
-          </a:p>
-        </p:txBody>
-      </p:sp>
-      <p:pic>
-        <p:nvPicPr>
-          <p:cNvPr id="227" name="Google Shape;227;g21bc01ef45b_0_801"/>
-          <p:cNvPicPr preferRelativeResize="0"/>
-          <p:nvPr/>
-        </p:nvPicPr>
-        <p:blipFill>
-          <a:blip r:embed="rId9">
-            <a:alphaModFix/>
-          </a:blip>
-          <a:stretch>
-            <a:fillRect/>
-          </a:stretch>
-        </p:blipFill>
-        <p:spPr>
-          <a:xfrm flipH="1">
-            <a:off x="2589441" y="9123127"/>
-            <a:ext cx="624951" cy="503208"/>
-          </a:xfrm>
-          <a:prstGeom prst="rect">
-            <a:avLst/>
-          </a:prstGeom>
-          <a:noFill/>
-          <a:ln>
-            <a:noFill/>
-          </a:ln>
-        </p:spPr>
-      </p:pic>
-      <p:grpSp>
-        <p:nvGrpSpPr>
-          <p:cNvPr id="228" name="Google Shape;228;g21bc01ef45b_0_801"/>
-          <p:cNvGrpSpPr/>
-          <p:nvPr/>
-        </p:nvGrpSpPr>
-        <p:grpSpPr>
-          <a:xfrm>
-            <a:off x="3522357" y="9113100"/>
-            <a:ext cx="1466121" cy="523235"/>
-            <a:chOff x="2474649" y="8782658"/>
-            <a:chExt cx="2028390" cy="723900"/>
-          </a:xfrm>
-        </p:grpSpPr>
-        <p:sp>
-          <p:nvSpPr>
-            <p:cNvPr id="229" name="Google Shape;229;g21bc01ef45b_0_801"/>
-            <p:cNvSpPr txBox="1"/>
-            <p:nvPr/>
-          </p:nvSpPr>
-          <p:spPr>
-            <a:xfrm>
-              <a:off x="4081840" y="8782658"/>
-              <a:ext cx="421200" cy="723900"/>
-            </a:xfrm>
-            <a:prstGeom prst="rect">
-              <a:avLst/>
-            </a:prstGeom>
-            <a:noFill/>
-            <a:ln>
-              <a:noFill/>
-            </a:ln>
-          </p:spPr>
-          <p:txBody>
-            <a:bodyPr spcFirstLastPara="1" wrap="square" lIns="91425" tIns="91425" rIns="91425" bIns="91425" anchor="t" anchorCtr="0">
-              <a:spAutoFit/>
-            </a:bodyPr>
-            <a:lstStyle/>
-            <a:p>
-              <a:pPr marL="0" lvl="0" indent="0" algn="ctr" rtl="0">
-                <a:lnSpc>
-                  <a:spcPct val="107000"/>
-                </a:lnSpc>
-                <a:spcBef>
-                  <a:spcPts val="800"/>
-                </a:spcBef>
-                <a:spcAft>
-                  <a:spcPts val="0"/>
-                </a:spcAft>
-                <a:buNone/>
-              </a:pPr>
-              <a:r>
-                <a:rPr lang="en-US" sz="2200" b="1">
-                  <a:solidFill>
-                    <a:schemeClr val="dk1"/>
-                  </a:solidFill>
-                </a:rPr>
-                <a:t>+</a:t>
-              </a:r>
-              <a:endParaRPr sz="2200" u="sng">
-                <a:solidFill>
-                  <a:schemeClr val="dk1"/>
-                </a:solidFill>
-              </a:endParaRPr>
-            </a:p>
-          </p:txBody>
-        </p:sp>
-        <p:pic>
-          <p:nvPicPr>
-            <p:cNvPr id="230" name="Google Shape;230;g21bc01ef45b_0_801"/>
-            <p:cNvPicPr preferRelativeResize="0"/>
-            <p:nvPr/>
-          </p:nvPicPr>
-          <p:blipFill rotWithShape="1">
-            <a:blip r:embed="rId10">
-              <a:alphaModFix/>
-            </a:blip>
-            <a:srcRect l="71262"/>
-            <a:stretch/>
-          </p:blipFill>
-          <p:spPr>
-            <a:xfrm rot="10800000" flipH="1">
-              <a:off x="2972901" y="8833600"/>
-              <a:ext cx="550425" cy="616800"/>
-            </a:xfrm>
-            <a:prstGeom prst="rect">
-              <a:avLst/>
-            </a:prstGeom>
-            <a:noFill/>
-            <a:ln>
-              <a:noFill/>
-            </a:ln>
-          </p:spPr>
-        </p:pic>
-        <p:pic>
-          <p:nvPicPr>
-            <p:cNvPr id="231" name="Google Shape;231;g21bc01ef45b_0_801"/>
-            <p:cNvPicPr preferRelativeResize="0"/>
-            <p:nvPr/>
-          </p:nvPicPr>
-          <p:blipFill>
-            <a:blip r:embed="rId9">
-              <a:alphaModFix/>
-            </a:blip>
-            <a:stretch>
-              <a:fillRect/>
-            </a:stretch>
-          </p:blipFill>
-          <p:spPr>
-            <a:xfrm flipH="1">
-              <a:off x="3535316" y="8890402"/>
-              <a:ext cx="624951" cy="503208"/>
-            </a:xfrm>
-            <a:prstGeom prst="rect">
-              <a:avLst/>
-            </a:prstGeom>
-            <a:noFill/>
-            <a:ln>
-              <a:noFill/>
-            </a:ln>
-          </p:spPr>
-        </p:pic>
-        <p:pic>
-          <p:nvPicPr>
-            <p:cNvPr id="232" name="Google Shape;232;g21bc01ef45b_0_801"/>
-            <p:cNvPicPr preferRelativeResize="0"/>
-            <p:nvPr/>
-          </p:nvPicPr>
-          <p:blipFill rotWithShape="1">
-            <a:blip r:embed="rId10">
-              <a:alphaModFix/>
-            </a:blip>
-            <a:srcRect l="36665" r="36994"/>
-            <a:stretch/>
-          </p:blipFill>
-          <p:spPr>
-            <a:xfrm rot="10800000" flipH="1">
-              <a:off x="2474649" y="8833600"/>
-              <a:ext cx="504500" cy="616800"/>
-            </a:xfrm>
-            <a:prstGeom prst="rect">
-              <a:avLst/>
-            </a:prstGeom>
-            <a:noFill/>
-            <a:ln>
-              <a:noFill/>
-            </a:ln>
-          </p:spPr>
-        </p:pic>
-      </p:grpSp>
-      <p:pic>
-        <p:nvPicPr>
-          <p:cNvPr id="233" name="Google Shape;233;g21bc01ef45b_0_801"/>
-          <p:cNvPicPr preferRelativeResize="0"/>
-          <p:nvPr/>
-        </p:nvPicPr>
-        <p:blipFill>
-          <a:blip r:embed="rId12">
-            <a:alphaModFix/>
-          </a:blip>
-          <a:stretch>
-            <a:fillRect/>
-          </a:stretch>
-        </p:blipFill>
-        <p:spPr>
-          <a:xfrm>
-            <a:off x="1547575" y="9003250"/>
-            <a:ext cx="723900" cy="723900"/>
-          </a:xfrm>
-          <a:prstGeom prst="rect">
-            <a:avLst/>
-          </a:prstGeom>
-          <a:noFill/>
-          <a:ln>
-            <a:noFill/>
-          </a:ln>
-        </p:spPr>
-      </p:pic>
-      <p:pic>
-        <p:nvPicPr>
-          <p:cNvPr id="234" name="Google Shape;234;g21bc01ef45b_0_801"/>
-          <p:cNvPicPr preferRelativeResize="0"/>
-          <p:nvPr/>
-        </p:nvPicPr>
-        <p:blipFill>
-          <a:blip r:embed="rId12">
-            <a:alphaModFix/>
-          </a:blip>
-          <a:stretch>
-            <a:fillRect/>
-          </a:stretch>
-        </p:blipFill>
-        <p:spPr>
-          <a:xfrm>
-            <a:off x="4951900" y="9097975"/>
-            <a:ext cx="553500" cy="553500"/>
-          </a:xfrm>
-          <a:prstGeom prst="rect">
-            <a:avLst/>
-          </a:prstGeom>
-          <a:noFill/>
-          <a:ln>
-            <a:noFill/>
-          </a:ln>
-        </p:spPr>
-      </p:pic>
     </p:spTree>
   </p:cSld>
   <p:clrMapOvr>
@@ -20228,2512 +17139,6 @@
 </file>
 
 <file path=ppt/slides/slide7.xml><?xml version="1.0" encoding="utf-8"?>
-<p:sld xmlns:a="http://schemas.openxmlformats.org/drawingml/2006/main" xmlns:r="http://schemas.openxmlformats.org/officeDocument/2006/relationships" xmlns:p="http://schemas.openxmlformats.org/presentationml/2006/main">
-  <p:cSld>
-    <p:spTree>
-      <p:nvGrpSpPr>
-        <p:cNvPr id="1" name="Shape 239"/>
-        <p:cNvGrpSpPr/>
-        <p:nvPr/>
-      </p:nvGrpSpPr>
-      <p:grpSpPr>
-        <a:xfrm>
-          <a:off x="0" y="0"/>
-          <a:ext cx="0" cy="0"/>
-          <a:chOff x="0" y="0"/>
-          <a:chExt cx="0" cy="0"/>
-        </a:xfrm>
-      </p:grpSpPr>
-      <p:sp>
-        <p:nvSpPr>
-          <p:cNvPr id="240" name="Google Shape;240;g21bc3c53028_0_291"/>
-          <p:cNvSpPr/>
-          <p:nvPr/>
-        </p:nvSpPr>
-        <p:spPr>
-          <a:xfrm>
-            <a:off x="0" y="135722"/>
-            <a:ext cx="5400000" cy="720000"/>
-          </a:xfrm>
-          <a:prstGeom prst="homePlate">
-            <a:avLst>
-              <a:gd name="adj" fmla="val 50000"/>
-            </a:avLst>
-          </a:prstGeom>
-          <a:solidFill>
-            <a:schemeClr val="dk1"/>
-          </a:solidFill>
-          <a:ln>
-            <a:noFill/>
-          </a:ln>
-        </p:spPr>
-        <p:txBody>
-          <a:bodyPr spcFirstLastPara="1" wrap="square" lIns="91425" tIns="45700" rIns="91425" bIns="45700" anchor="ctr" anchorCtr="0">
-            <a:noAutofit/>
-          </a:bodyPr>
-          <a:lstStyle/>
-          <a:p>
-            <a:pPr marL="0" marR="0" lvl="0" indent="0" algn="ctr" rtl="0">
-              <a:spcBef>
-                <a:spcPts val="0"/>
-              </a:spcBef>
-              <a:spcAft>
-                <a:spcPts val="0"/>
-              </a:spcAft>
-              <a:buNone/>
-            </a:pPr>
-            <a:r>
-              <a:rPr lang="en-US" sz="4800" i="1">
-                <a:solidFill>
-                  <a:schemeClr val="lt1"/>
-                </a:solidFill>
-                <a:latin typeface="Arial"/>
-                <a:ea typeface="Arial"/>
-                <a:cs typeface="Arial"/>
-                <a:sym typeface="Arial"/>
-              </a:rPr>
-              <a:t>GAMEPLAY</a:t>
-            </a:r>
-            <a:endParaRPr sz="4800" i="1">
-              <a:solidFill>
-                <a:schemeClr val="lt1"/>
-              </a:solidFill>
-              <a:latin typeface="Arial"/>
-              <a:ea typeface="Arial"/>
-              <a:cs typeface="Arial"/>
-              <a:sym typeface="Arial"/>
-            </a:endParaRPr>
-          </a:p>
-        </p:txBody>
-      </p:sp>
-      <p:sp>
-        <p:nvSpPr>
-          <p:cNvPr id="241" name="Google Shape;241;g21bc3c53028_0_291"/>
-          <p:cNvSpPr txBox="1"/>
-          <p:nvPr/>
-        </p:nvSpPr>
-        <p:spPr>
-          <a:xfrm>
-            <a:off x="369000" y="915183"/>
-            <a:ext cx="6120000" cy="754718"/>
-          </a:xfrm>
-          <a:prstGeom prst="rect">
-            <a:avLst/>
-          </a:prstGeom>
-          <a:noFill/>
-          <a:ln>
-            <a:noFill/>
-          </a:ln>
-        </p:spPr>
-        <p:txBody>
-          <a:bodyPr spcFirstLastPara="1" wrap="square" lIns="91425" tIns="45700" rIns="91425" bIns="45700" anchor="t" anchorCtr="0">
-            <a:spAutoFit/>
-          </a:bodyPr>
-          <a:lstStyle/>
-          <a:p>
-            <a:pPr marL="0" marR="0" lvl="0" indent="0" algn="just" rtl="0">
-              <a:lnSpc>
-                <a:spcPct val="107000"/>
-              </a:lnSpc>
-              <a:spcBef>
-                <a:spcPts val="0"/>
-              </a:spcBef>
-              <a:spcAft>
-                <a:spcPts val="0"/>
-              </a:spcAft>
-              <a:buNone/>
-            </a:pPr>
-            <a:r>
-              <a:rPr lang="en-US" sz="1800" b="1" dirty="0">
-                <a:solidFill>
-                  <a:schemeClr val="dk1"/>
-                </a:solidFill>
-                <a:latin typeface="Arial"/>
-                <a:ea typeface="Arial"/>
-                <a:cs typeface="Arial"/>
-                <a:sym typeface="Arial"/>
-              </a:rPr>
-              <a:t>3.3. </a:t>
-            </a:r>
-            <a:r>
-              <a:rPr lang="en-US" sz="1800" b="1" dirty="0">
-                <a:solidFill>
-                  <a:schemeClr val="dk1"/>
-                </a:solidFill>
-              </a:rPr>
-              <a:t>Actions</a:t>
-            </a:r>
-            <a:endParaRPr dirty="0"/>
-          </a:p>
-          <a:p>
-            <a:pPr marL="0" marR="0" lvl="0" indent="0" algn="just" rtl="0">
-              <a:lnSpc>
-                <a:spcPct val="107000"/>
-              </a:lnSpc>
-              <a:spcBef>
-                <a:spcPts val="800"/>
-              </a:spcBef>
-              <a:spcAft>
-                <a:spcPts val="0"/>
-              </a:spcAft>
-              <a:buNone/>
-            </a:pPr>
-            <a:r>
-              <a:rPr lang="en-US" sz="1600" b="1" dirty="0">
-                <a:solidFill>
-                  <a:schemeClr val="dk1"/>
-                </a:solidFill>
-                <a:latin typeface="Arial"/>
-                <a:ea typeface="Arial"/>
-                <a:cs typeface="Arial"/>
-                <a:sym typeface="Arial"/>
-              </a:rPr>
-              <a:t>	</a:t>
-            </a:r>
-            <a:r>
-              <a:rPr lang="en-US" sz="1600" b="1" u="sng" dirty="0">
-                <a:solidFill>
-                  <a:schemeClr val="dk1"/>
-                </a:solidFill>
-              </a:rPr>
-              <a:t>Grabs and Throws</a:t>
-            </a:r>
-            <a:endParaRPr sz="1600" u="sng" dirty="0">
-              <a:solidFill>
-                <a:schemeClr val="dk1"/>
-              </a:solidFill>
-              <a:latin typeface="Arial"/>
-              <a:ea typeface="Arial"/>
-              <a:cs typeface="Arial"/>
-              <a:sym typeface="Arial"/>
-            </a:endParaRPr>
-          </a:p>
-        </p:txBody>
-      </p:sp>
-      <p:sp>
-        <p:nvSpPr>
-          <p:cNvPr id="242" name="Google Shape;242;g21bc3c53028_0_291"/>
-          <p:cNvSpPr/>
-          <p:nvPr/>
-        </p:nvSpPr>
-        <p:spPr>
-          <a:xfrm>
-            <a:off x="1345196" y="1740510"/>
-            <a:ext cx="2052000" cy="1080000"/>
-          </a:xfrm>
-          <a:prstGeom prst="rect">
-            <a:avLst/>
-          </a:prstGeom>
-          <a:noFill/>
-          <a:ln w="28575" cap="flat" cmpd="sng">
-            <a:solidFill>
-              <a:schemeClr val="dk1"/>
-            </a:solidFill>
-            <a:prstDash val="solid"/>
-            <a:miter lim="800000"/>
-            <a:headEnd type="none" w="sm" len="sm"/>
-            <a:tailEnd type="none" w="sm" len="sm"/>
-          </a:ln>
-        </p:spPr>
-        <p:txBody>
-          <a:bodyPr spcFirstLastPara="1" wrap="square" lIns="91425" tIns="45700" rIns="91425" bIns="45700" anchor="ctr" anchorCtr="0">
-            <a:noAutofit/>
-          </a:bodyPr>
-          <a:lstStyle/>
-          <a:p>
-            <a:pPr marL="0" marR="0" lvl="0" indent="0" algn="just" rtl="0">
-              <a:spcBef>
-                <a:spcPts val="0"/>
-              </a:spcBef>
-              <a:spcAft>
-                <a:spcPts val="0"/>
-              </a:spcAft>
-              <a:buNone/>
-            </a:pPr>
-            <a:endParaRPr sz="1400">
-              <a:solidFill>
-                <a:schemeClr val="dk1"/>
-              </a:solidFill>
-              <a:latin typeface="Arial"/>
-              <a:ea typeface="Arial"/>
-              <a:cs typeface="Arial"/>
-              <a:sym typeface="Arial"/>
-            </a:endParaRPr>
-          </a:p>
-        </p:txBody>
-      </p:sp>
-      <p:sp>
-        <p:nvSpPr>
-          <p:cNvPr id="243" name="Google Shape;243;g21bc3c53028_0_291"/>
-          <p:cNvSpPr/>
-          <p:nvPr/>
-        </p:nvSpPr>
-        <p:spPr>
-          <a:xfrm>
-            <a:off x="1337465" y="1740511"/>
-            <a:ext cx="2059800" cy="266700"/>
-          </a:xfrm>
-          <a:prstGeom prst="rect">
-            <a:avLst/>
-          </a:prstGeom>
-          <a:solidFill>
-            <a:schemeClr val="dk1"/>
-          </a:solidFill>
-          <a:ln>
-            <a:noFill/>
-          </a:ln>
-        </p:spPr>
-        <p:txBody>
-          <a:bodyPr spcFirstLastPara="1" wrap="square" lIns="91425" tIns="45700" rIns="91425" bIns="45700" anchor="ctr" anchorCtr="0">
-            <a:noAutofit/>
-          </a:bodyPr>
-          <a:lstStyle/>
-          <a:p>
-            <a:pPr marL="0" marR="0" lvl="0" indent="0" algn="ctr" rtl="0">
-              <a:spcBef>
-                <a:spcPts val="0"/>
-              </a:spcBef>
-              <a:spcAft>
-                <a:spcPts val="0"/>
-              </a:spcAft>
-              <a:buNone/>
-            </a:pPr>
-            <a:r>
-              <a:rPr lang="en-US">
-                <a:solidFill>
-                  <a:schemeClr val="lt1"/>
-                </a:solidFill>
-                <a:latin typeface="Calibri"/>
-                <a:ea typeface="Calibri"/>
-                <a:cs typeface="Calibri"/>
-                <a:sym typeface="Calibri"/>
-              </a:rPr>
-              <a:t>Forward Throw</a:t>
-            </a:r>
-            <a:endParaRPr/>
-          </a:p>
-        </p:txBody>
-      </p:sp>
-      <p:sp>
-        <p:nvSpPr>
-          <p:cNvPr id="244" name="Google Shape;244;g21bc3c53028_0_291"/>
-          <p:cNvSpPr/>
-          <p:nvPr/>
-        </p:nvSpPr>
-        <p:spPr>
-          <a:xfrm>
-            <a:off x="3468447" y="1740510"/>
-            <a:ext cx="2052000" cy="1080000"/>
-          </a:xfrm>
-          <a:prstGeom prst="rect">
-            <a:avLst/>
-          </a:prstGeom>
-          <a:noFill/>
-          <a:ln w="28575" cap="flat" cmpd="sng">
-            <a:solidFill>
-              <a:schemeClr val="dk1"/>
-            </a:solidFill>
-            <a:prstDash val="solid"/>
-            <a:miter lim="800000"/>
-            <a:headEnd type="none" w="sm" len="sm"/>
-            <a:tailEnd type="none" w="sm" len="sm"/>
-          </a:ln>
-        </p:spPr>
-        <p:txBody>
-          <a:bodyPr spcFirstLastPara="1" wrap="square" lIns="91425" tIns="45700" rIns="91425" bIns="45700" anchor="ctr" anchorCtr="0">
-            <a:noAutofit/>
-          </a:bodyPr>
-          <a:lstStyle/>
-          <a:p>
-            <a:pPr marL="0" marR="0" lvl="0" indent="0" algn="just" rtl="0">
-              <a:spcBef>
-                <a:spcPts val="0"/>
-              </a:spcBef>
-              <a:spcAft>
-                <a:spcPts val="0"/>
-              </a:spcAft>
-              <a:buNone/>
-            </a:pPr>
-            <a:endParaRPr sz="1400">
-              <a:solidFill>
-                <a:schemeClr val="dk1"/>
-              </a:solidFill>
-              <a:latin typeface="Arial"/>
-              <a:ea typeface="Arial"/>
-              <a:cs typeface="Arial"/>
-              <a:sym typeface="Arial"/>
-            </a:endParaRPr>
-          </a:p>
-        </p:txBody>
-      </p:sp>
-      <p:sp>
-        <p:nvSpPr>
-          <p:cNvPr id="245" name="Google Shape;245;g21bc3c53028_0_291"/>
-          <p:cNvSpPr/>
-          <p:nvPr/>
-        </p:nvSpPr>
-        <p:spPr>
-          <a:xfrm>
-            <a:off x="3460716" y="1740511"/>
-            <a:ext cx="2059800" cy="266700"/>
-          </a:xfrm>
-          <a:prstGeom prst="rect">
-            <a:avLst/>
-          </a:prstGeom>
-          <a:solidFill>
-            <a:schemeClr val="dk1"/>
-          </a:solidFill>
-          <a:ln>
-            <a:noFill/>
-          </a:ln>
-        </p:spPr>
-        <p:txBody>
-          <a:bodyPr spcFirstLastPara="1" wrap="square" lIns="91425" tIns="45700" rIns="91425" bIns="45700" anchor="ctr" anchorCtr="0">
-            <a:noAutofit/>
-          </a:bodyPr>
-          <a:lstStyle/>
-          <a:p>
-            <a:pPr marL="0" marR="0" lvl="0" indent="0" algn="ctr" rtl="0">
-              <a:spcBef>
-                <a:spcPts val="0"/>
-              </a:spcBef>
-              <a:spcAft>
-                <a:spcPts val="0"/>
-              </a:spcAft>
-              <a:buNone/>
-            </a:pPr>
-            <a:r>
-              <a:rPr lang="en-US">
-                <a:solidFill>
-                  <a:schemeClr val="lt1"/>
-                </a:solidFill>
-                <a:latin typeface="Calibri"/>
-                <a:ea typeface="Calibri"/>
-                <a:cs typeface="Calibri"/>
-                <a:sym typeface="Calibri"/>
-              </a:rPr>
-              <a:t>Back Throw</a:t>
-            </a:r>
-            <a:endParaRPr/>
-          </a:p>
-        </p:txBody>
-      </p:sp>
-      <p:sp>
-        <p:nvSpPr>
-          <p:cNvPr id="246" name="Google Shape;246;g21bc3c53028_0_291"/>
-          <p:cNvSpPr txBox="1"/>
-          <p:nvPr/>
-        </p:nvSpPr>
-        <p:spPr>
-          <a:xfrm>
-            <a:off x="2165338" y="2174725"/>
-            <a:ext cx="421200" cy="523200"/>
-          </a:xfrm>
-          <a:prstGeom prst="rect">
-            <a:avLst/>
-          </a:prstGeom>
-          <a:noFill/>
-          <a:ln>
-            <a:noFill/>
-          </a:ln>
-        </p:spPr>
-        <p:txBody>
-          <a:bodyPr spcFirstLastPara="1" wrap="square" lIns="91425" tIns="91425" rIns="91425" bIns="91425" anchor="t" anchorCtr="0">
-            <a:spAutoFit/>
-          </a:bodyPr>
-          <a:lstStyle/>
-          <a:p>
-            <a:pPr marL="0" lvl="0" indent="0" algn="ctr" rtl="0">
-              <a:lnSpc>
-                <a:spcPct val="107000"/>
-              </a:lnSpc>
-              <a:spcBef>
-                <a:spcPts val="800"/>
-              </a:spcBef>
-              <a:spcAft>
-                <a:spcPts val="0"/>
-              </a:spcAft>
-              <a:buNone/>
-            </a:pPr>
-            <a:r>
-              <a:rPr lang="en-US" sz="2200" b="1">
-                <a:solidFill>
-                  <a:schemeClr val="dk1"/>
-                </a:solidFill>
-              </a:rPr>
-              <a:t>+</a:t>
-            </a:r>
-            <a:endParaRPr sz="2200" u="sng">
-              <a:solidFill>
-                <a:schemeClr val="dk1"/>
-              </a:solidFill>
-            </a:endParaRPr>
-          </a:p>
-        </p:txBody>
-      </p:sp>
-      <p:sp>
-        <p:nvSpPr>
-          <p:cNvPr id="247" name="Google Shape;247;g21bc3c53028_0_291"/>
-          <p:cNvSpPr txBox="1"/>
-          <p:nvPr/>
-        </p:nvSpPr>
-        <p:spPr>
-          <a:xfrm>
-            <a:off x="4288588" y="2174725"/>
-            <a:ext cx="421200" cy="523200"/>
-          </a:xfrm>
-          <a:prstGeom prst="rect">
-            <a:avLst/>
-          </a:prstGeom>
-          <a:noFill/>
-          <a:ln>
-            <a:noFill/>
-          </a:ln>
-        </p:spPr>
-        <p:txBody>
-          <a:bodyPr spcFirstLastPara="1" wrap="square" lIns="91425" tIns="91425" rIns="91425" bIns="91425" anchor="t" anchorCtr="0">
-            <a:spAutoFit/>
-          </a:bodyPr>
-          <a:lstStyle/>
-          <a:p>
-            <a:pPr marL="0" lvl="0" indent="0" algn="ctr" rtl="0">
-              <a:lnSpc>
-                <a:spcPct val="107000"/>
-              </a:lnSpc>
-              <a:spcBef>
-                <a:spcPts val="800"/>
-              </a:spcBef>
-              <a:spcAft>
-                <a:spcPts val="0"/>
-              </a:spcAft>
-              <a:buNone/>
-            </a:pPr>
-            <a:r>
-              <a:rPr lang="en-US" sz="2200" b="1">
-                <a:solidFill>
-                  <a:schemeClr val="dk1"/>
-                </a:solidFill>
-              </a:rPr>
-              <a:t>+</a:t>
-            </a:r>
-            <a:endParaRPr sz="2200" u="sng">
-              <a:solidFill>
-                <a:schemeClr val="dk1"/>
-              </a:solidFill>
-            </a:endParaRPr>
-          </a:p>
-        </p:txBody>
-      </p:sp>
-      <p:pic>
-        <p:nvPicPr>
-          <p:cNvPr id="248" name="Google Shape;248;g21bc3c53028_0_291"/>
-          <p:cNvPicPr preferRelativeResize="0"/>
-          <p:nvPr/>
-        </p:nvPicPr>
-        <p:blipFill>
-          <a:blip r:embed="rId3">
-            <a:alphaModFix/>
-          </a:blip>
-          <a:stretch>
-            <a:fillRect/>
-          </a:stretch>
-        </p:blipFill>
-        <p:spPr>
-          <a:xfrm>
-            <a:off x="1543213" y="2051510"/>
-            <a:ext cx="723900" cy="723900"/>
-          </a:xfrm>
-          <a:prstGeom prst="rect">
-            <a:avLst/>
-          </a:prstGeom>
-          <a:noFill/>
-          <a:ln>
-            <a:noFill/>
-          </a:ln>
-        </p:spPr>
-      </p:pic>
-      <p:pic>
-        <p:nvPicPr>
-          <p:cNvPr id="249" name="Google Shape;249;g21bc3c53028_0_291"/>
-          <p:cNvPicPr preferRelativeResize="0"/>
-          <p:nvPr/>
-        </p:nvPicPr>
-        <p:blipFill>
-          <a:blip r:embed="rId4">
-            <a:alphaModFix/>
-          </a:blip>
-          <a:stretch>
-            <a:fillRect/>
-          </a:stretch>
-        </p:blipFill>
-        <p:spPr>
-          <a:xfrm flipH="1">
-            <a:off x="2566578" y="2194252"/>
-            <a:ext cx="624951" cy="503208"/>
-          </a:xfrm>
-          <a:prstGeom prst="rect">
-            <a:avLst/>
-          </a:prstGeom>
-          <a:noFill/>
-          <a:ln>
-            <a:noFill/>
-          </a:ln>
-        </p:spPr>
-      </p:pic>
-      <p:pic>
-        <p:nvPicPr>
-          <p:cNvPr id="250" name="Google Shape;250;g21bc3c53028_0_291"/>
-          <p:cNvPicPr preferRelativeResize="0"/>
-          <p:nvPr/>
-        </p:nvPicPr>
-        <p:blipFill>
-          <a:blip r:embed="rId4">
-            <a:alphaModFix/>
-          </a:blip>
-          <a:stretch>
-            <a:fillRect/>
-          </a:stretch>
-        </p:blipFill>
-        <p:spPr>
-          <a:xfrm>
-            <a:off x="4618128" y="2184727"/>
-            <a:ext cx="624951" cy="503208"/>
-          </a:xfrm>
-          <a:prstGeom prst="rect">
-            <a:avLst/>
-          </a:prstGeom>
-          <a:noFill/>
-          <a:ln>
-            <a:noFill/>
-          </a:ln>
-        </p:spPr>
-      </p:pic>
-      <p:pic>
-        <p:nvPicPr>
-          <p:cNvPr id="251" name="Google Shape;251;g21bc3c53028_0_291"/>
-          <p:cNvPicPr preferRelativeResize="0"/>
-          <p:nvPr/>
-        </p:nvPicPr>
-        <p:blipFill>
-          <a:blip r:embed="rId3">
-            <a:alphaModFix/>
-          </a:blip>
-          <a:stretch>
-            <a:fillRect/>
-          </a:stretch>
-        </p:blipFill>
-        <p:spPr>
-          <a:xfrm>
-            <a:off x="3666463" y="2051510"/>
-            <a:ext cx="723900" cy="723900"/>
-          </a:xfrm>
-          <a:prstGeom prst="rect">
-            <a:avLst/>
-          </a:prstGeom>
-          <a:noFill/>
-          <a:ln>
-            <a:noFill/>
-          </a:ln>
-        </p:spPr>
-      </p:pic>
-      <p:sp>
-        <p:nvSpPr>
-          <p:cNvPr id="252" name="Google Shape;252;g21bc3c53028_0_291"/>
-          <p:cNvSpPr txBox="1"/>
-          <p:nvPr/>
-        </p:nvSpPr>
-        <p:spPr>
-          <a:xfrm>
-            <a:off x="369000" y="2849483"/>
-            <a:ext cx="6120000" cy="458355"/>
-          </a:xfrm>
-          <a:prstGeom prst="rect">
-            <a:avLst/>
-          </a:prstGeom>
-          <a:noFill/>
-          <a:ln>
-            <a:noFill/>
-          </a:ln>
-        </p:spPr>
-        <p:txBody>
-          <a:bodyPr spcFirstLastPara="1" wrap="square" lIns="91425" tIns="45700" rIns="91425" bIns="45700" anchor="t" anchorCtr="0">
-            <a:spAutoFit/>
-          </a:bodyPr>
-          <a:lstStyle/>
-          <a:p>
-            <a:pPr marL="0" marR="0" lvl="0" indent="0" algn="just" rtl="0">
-              <a:lnSpc>
-                <a:spcPct val="107000"/>
-              </a:lnSpc>
-              <a:spcBef>
-                <a:spcPts val="800"/>
-              </a:spcBef>
-              <a:spcAft>
-                <a:spcPts val="0"/>
-              </a:spcAft>
-              <a:buNone/>
-            </a:pPr>
-            <a:r>
-              <a:rPr lang="en-US" sz="1600" b="1">
-                <a:solidFill>
-                  <a:schemeClr val="dk1"/>
-                </a:solidFill>
-                <a:latin typeface="Arial"/>
-                <a:ea typeface="Arial"/>
-                <a:cs typeface="Arial"/>
-                <a:sym typeface="Arial"/>
-              </a:rPr>
-              <a:t>	</a:t>
-            </a:r>
-            <a:r>
-              <a:rPr lang="en-US" sz="1600" b="1" u="sng">
-                <a:solidFill>
-                  <a:schemeClr val="dk1"/>
-                </a:solidFill>
-              </a:rPr>
-              <a:t>Defense</a:t>
-            </a:r>
-            <a:endParaRPr sz="1600" u="sng">
-              <a:solidFill>
-                <a:schemeClr val="dk1"/>
-              </a:solidFill>
-              <a:latin typeface="Arial"/>
-              <a:ea typeface="Arial"/>
-              <a:cs typeface="Arial"/>
-              <a:sym typeface="Arial"/>
-            </a:endParaRPr>
-          </a:p>
-        </p:txBody>
-      </p:sp>
-      <p:sp>
-        <p:nvSpPr>
-          <p:cNvPr id="253" name="Google Shape;253;g21bc3c53028_0_291"/>
-          <p:cNvSpPr/>
-          <p:nvPr/>
-        </p:nvSpPr>
-        <p:spPr>
-          <a:xfrm>
-            <a:off x="298113" y="3304678"/>
-            <a:ext cx="2052000" cy="1080000"/>
-          </a:xfrm>
-          <a:prstGeom prst="rect">
-            <a:avLst/>
-          </a:prstGeom>
-          <a:noFill/>
-          <a:ln w="28575" cap="flat" cmpd="sng">
-            <a:solidFill>
-              <a:schemeClr val="dk1"/>
-            </a:solidFill>
-            <a:prstDash val="solid"/>
-            <a:miter lim="800000"/>
-            <a:headEnd type="none" w="sm" len="sm"/>
-            <a:tailEnd type="none" w="sm" len="sm"/>
-          </a:ln>
-        </p:spPr>
-        <p:txBody>
-          <a:bodyPr spcFirstLastPara="1" wrap="square" lIns="91425" tIns="45700" rIns="91425" bIns="45700" anchor="ctr" anchorCtr="0">
-            <a:noAutofit/>
-          </a:bodyPr>
-          <a:lstStyle/>
-          <a:p>
-            <a:pPr marL="0" marR="0" lvl="0" indent="0" algn="just" rtl="0">
-              <a:spcBef>
-                <a:spcPts val="0"/>
-              </a:spcBef>
-              <a:spcAft>
-                <a:spcPts val="0"/>
-              </a:spcAft>
-              <a:buNone/>
-            </a:pPr>
-            <a:endParaRPr sz="1400">
-              <a:solidFill>
-                <a:schemeClr val="dk1"/>
-              </a:solidFill>
-              <a:latin typeface="Arial"/>
-              <a:ea typeface="Arial"/>
-              <a:cs typeface="Arial"/>
-              <a:sym typeface="Arial"/>
-            </a:endParaRPr>
-          </a:p>
-        </p:txBody>
-      </p:sp>
-      <p:sp>
-        <p:nvSpPr>
-          <p:cNvPr id="254" name="Google Shape;254;g21bc3c53028_0_291"/>
-          <p:cNvSpPr/>
-          <p:nvPr/>
-        </p:nvSpPr>
-        <p:spPr>
-          <a:xfrm>
-            <a:off x="290382" y="3304679"/>
-            <a:ext cx="2059800" cy="266700"/>
-          </a:xfrm>
-          <a:prstGeom prst="rect">
-            <a:avLst/>
-          </a:prstGeom>
-          <a:solidFill>
-            <a:schemeClr val="dk1"/>
-          </a:solidFill>
-          <a:ln>
-            <a:noFill/>
-          </a:ln>
-        </p:spPr>
-        <p:txBody>
-          <a:bodyPr spcFirstLastPara="1" wrap="square" lIns="91425" tIns="45700" rIns="91425" bIns="45700" anchor="ctr" anchorCtr="0">
-            <a:noAutofit/>
-          </a:bodyPr>
-          <a:lstStyle/>
-          <a:p>
-            <a:pPr marL="0" marR="0" lvl="0" indent="0" algn="ctr" rtl="0">
-              <a:spcBef>
-                <a:spcPts val="0"/>
-              </a:spcBef>
-              <a:spcAft>
-                <a:spcPts val="0"/>
-              </a:spcAft>
-              <a:buNone/>
-            </a:pPr>
-            <a:r>
-              <a:rPr lang="en-US">
-                <a:solidFill>
-                  <a:schemeClr val="lt1"/>
-                </a:solidFill>
-                <a:latin typeface="Calibri"/>
-                <a:ea typeface="Calibri"/>
-                <a:cs typeface="Calibri"/>
-                <a:sym typeface="Calibri"/>
-              </a:rPr>
-              <a:t>Block</a:t>
-            </a:r>
-            <a:endParaRPr sz="1400">
-              <a:solidFill>
-                <a:schemeClr val="lt1"/>
-              </a:solidFill>
-              <a:latin typeface="Calibri"/>
-              <a:ea typeface="Calibri"/>
-              <a:cs typeface="Calibri"/>
-              <a:sym typeface="Calibri"/>
-            </a:endParaRPr>
-          </a:p>
-        </p:txBody>
-      </p:sp>
-      <p:sp>
-        <p:nvSpPr>
-          <p:cNvPr id="255" name="Google Shape;255;g21bc3c53028_0_291"/>
-          <p:cNvSpPr/>
-          <p:nvPr/>
-        </p:nvSpPr>
-        <p:spPr>
-          <a:xfrm>
-            <a:off x="2421364" y="3304678"/>
-            <a:ext cx="2052000" cy="1080000"/>
-          </a:xfrm>
-          <a:prstGeom prst="rect">
-            <a:avLst/>
-          </a:prstGeom>
-          <a:noFill/>
-          <a:ln w="28575" cap="flat" cmpd="sng">
-            <a:solidFill>
-              <a:schemeClr val="dk1"/>
-            </a:solidFill>
-            <a:prstDash val="solid"/>
-            <a:miter lim="800000"/>
-            <a:headEnd type="none" w="sm" len="sm"/>
-            <a:tailEnd type="none" w="sm" len="sm"/>
-          </a:ln>
-        </p:spPr>
-        <p:txBody>
-          <a:bodyPr spcFirstLastPara="1" wrap="square" lIns="91425" tIns="45700" rIns="91425" bIns="45700" anchor="ctr" anchorCtr="0">
-            <a:noAutofit/>
-          </a:bodyPr>
-          <a:lstStyle/>
-          <a:p>
-            <a:pPr marL="0" marR="0" lvl="0" indent="0" algn="just" rtl="0">
-              <a:spcBef>
-                <a:spcPts val="0"/>
-              </a:spcBef>
-              <a:spcAft>
-                <a:spcPts val="0"/>
-              </a:spcAft>
-              <a:buNone/>
-            </a:pPr>
-            <a:endParaRPr sz="1400">
-              <a:solidFill>
-                <a:schemeClr val="dk1"/>
-              </a:solidFill>
-              <a:latin typeface="Arial"/>
-              <a:ea typeface="Arial"/>
-              <a:cs typeface="Arial"/>
-              <a:sym typeface="Arial"/>
-            </a:endParaRPr>
-          </a:p>
-        </p:txBody>
-      </p:sp>
-      <p:sp>
-        <p:nvSpPr>
-          <p:cNvPr id="256" name="Google Shape;256;g21bc3c53028_0_291"/>
-          <p:cNvSpPr/>
-          <p:nvPr/>
-        </p:nvSpPr>
-        <p:spPr>
-          <a:xfrm>
-            <a:off x="2413633" y="3304679"/>
-            <a:ext cx="2059800" cy="266700"/>
-          </a:xfrm>
-          <a:prstGeom prst="rect">
-            <a:avLst/>
-          </a:prstGeom>
-          <a:solidFill>
-            <a:schemeClr val="dk1"/>
-          </a:solidFill>
-          <a:ln>
-            <a:noFill/>
-          </a:ln>
-        </p:spPr>
-        <p:txBody>
-          <a:bodyPr spcFirstLastPara="1" wrap="square" lIns="91425" tIns="45700" rIns="91425" bIns="45700" anchor="ctr" anchorCtr="0">
-            <a:noAutofit/>
-          </a:bodyPr>
-          <a:lstStyle/>
-          <a:p>
-            <a:pPr marL="0" marR="0" lvl="0" indent="0" algn="ctr" rtl="0">
-              <a:spcBef>
-                <a:spcPts val="0"/>
-              </a:spcBef>
-              <a:spcAft>
-                <a:spcPts val="0"/>
-              </a:spcAft>
-              <a:buNone/>
-            </a:pPr>
-            <a:r>
-              <a:rPr lang="en-US">
-                <a:solidFill>
-                  <a:schemeClr val="lt1"/>
-                </a:solidFill>
-                <a:latin typeface="Calibri"/>
-                <a:ea typeface="Calibri"/>
-                <a:cs typeface="Calibri"/>
-                <a:sym typeface="Calibri"/>
-              </a:rPr>
-              <a:t>Parry</a:t>
-            </a:r>
-            <a:endParaRPr/>
-          </a:p>
-        </p:txBody>
-      </p:sp>
-      <p:sp>
-        <p:nvSpPr>
-          <p:cNvPr id="257" name="Google Shape;257;g21bc3c53028_0_291"/>
-          <p:cNvSpPr/>
-          <p:nvPr/>
-        </p:nvSpPr>
-        <p:spPr>
-          <a:xfrm>
-            <a:off x="4536884" y="3304678"/>
-            <a:ext cx="2052000" cy="1080000"/>
-          </a:xfrm>
-          <a:prstGeom prst="rect">
-            <a:avLst/>
-          </a:prstGeom>
-          <a:noFill/>
-          <a:ln w="28575" cap="flat" cmpd="sng">
-            <a:solidFill>
-              <a:schemeClr val="dk1"/>
-            </a:solidFill>
-            <a:prstDash val="solid"/>
-            <a:miter lim="800000"/>
-            <a:headEnd type="none" w="sm" len="sm"/>
-            <a:tailEnd type="none" w="sm" len="sm"/>
-          </a:ln>
-        </p:spPr>
-        <p:txBody>
-          <a:bodyPr spcFirstLastPara="1" wrap="square" lIns="91425" tIns="45700" rIns="91425" bIns="45700" anchor="ctr" anchorCtr="0">
-            <a:noAutofit/>
-          </a:bodyPr>
-          <a:lstStyle/>
-          <a:p>
-            <a:pPr marL="0" marR="0" lvl="0" indent="0" algn="just" rtl="0">
-              <a:spcBef>
-                <a:spcPts val="0"/>
-              </a:spcBef>
-              <a:spcAft>
-                <a:spcPts val="0"/>
-              </a:spcAft>
-              <a:buNone/>
-            </a:pPr>
-            <a:endParaRPr sz="1400">
-              <a:solidFill>
-                <a:schemeClr val="dk1"/>
-              </a:solidFill>
-              <a:latin typeface="Arial"/>
-              <a:ea typeface="Arial"/>
-              <a:cs typeface="Arial"/>
-              <a:sym typeface="Arial"/>
-            </a:endParaRPr>
-          </a:p>
-        </p:txBody>
-      </p:sp>
-      <p:sp>
-        <p:nvSpPr>
-          <p:cNvPr id="258" name="Google Shape;258;g21bc3c53028_0_291"/>
-          <p:cNvSpPr/>
-          <p:nvPr/>
-        </p:nvSpPr>
-        <p:spPr>
-          <a:xfrm>
-            <a:off x="4529153" y="3304679"/>
-            <a:ext cx="2059800" cy="266700"/>
-          </a:xfrm>
-          <a:prstGeom prst="rect">
-            <a:avLst/>
-          </a:prstGeom>
-          <a:solidFill>
-            <a:schemeClr val="dk1"/>
-          </a:solidFill>
-          <a:ln>
-            <a:noFill/>
-          </a:ln>
-        </p:spPr>
-        <p:txBody>
-          <a:bodyPr spcFirstLastPara="1" wrap="square" lIns="91425" tIns="45700" rIns="91425" bIns="45700" anchor="ctr" anchorCtr="0">
-            <a:noAutofit/>
-          </a:bodyPr>
-          <a:lstStyle/>
-          <a:p>
-            <a:pPr marL="0" marR="0" lvl="0" indent="0" algn="ctr" rtl="0">
-              <a:spcBef>
-                <a:spcPts val="0"/>
-              </a:spcBef>
-              <a:spcAft>
-                <a:spcPts val="0"/>
-              </a:spcAft>
-              <a:buNone/>
-            </a:pPr>
-            <a:r>
-              <a:rPr lang="en-US">
-                <a:solidFill>
-                  <a:schemeClr val="lt1"/>
-                </a:solidFill>
-                <a:latin typeface="Calibri"/>
-                <a:ea typeface="Calibri"/>
-                <a:cs typeface="Calibri"/>
-                <a:sym typeface="Calibri"/>
-              </a:rPr>
-              <a:t>Counter</a:t>
-            </a:r>
-            <a:endParaRPr/>
-          </a:p>
-        </p:txBody>
-      </p:sp>
-      <p:pic>
-        <p:nvPicPr>
-          <p:cNvPr id="259" name="Google Shape;259;g21bc3c53028_0_291"/>
-          <p:cNvPicPr preferRelativeResize="0"/>
-          <p:nvPr/>
-        </p:nvPicPr>
-        <p:blipFill>
-          <a:blip r:embed="rId5">
-            <a:alphaModFix/>
-          </a:blip>
-          <a:stretch>
-            <a:fillRect/>
-          </a:stretch>
-        </p:blipFill>
-        <p:spPr>
-          <a:xfrm>
-            <a:off x="972613" y="3617428"/>
-            <a:ext cx="695325" cy="695325"/>
-          </a:xfrm>
-          <a:prstGeom prst="rect">
-            <a:avLst/>
-          </a:prstGeom>
-          <a:noFill/>
-          <a:ln>
-            <a:noFill/>
-          </a:ln>
-        </p:spPr>
-      </p:pic>
-      <p:sp>
-        <p:nvSpPr>
-          <p:cNvPr id="260" name="Google Shape;260;g21bc3c53028_0_291"/>
-          <p:cNvSpPr txBox="1"/>
-          <p:nvPr/>
-        </p:nvSpPr>
-        <p:spPr>
-          <a:xfrm>
-            <a:off x="3530825" y="3650325"/>
-            <a:ext cx="894900" cy="619800"/>
-          </a:xfrm>
-          <a:prstGeom prst="rect">
-            <a:avLst/>
-          </a:prstGeom>
-          <a:noFill/>
-          <a:ln>
-            <a:noFill/>
-          </a:ln>
-        </p:spPr>
-        <p:txBody>
-          <a:bodyPr spcFirstLastPara="1" wrap="square" lIns="91425" tIns="91425" rIns="91425" bIns="91425" anchor="t" anchorCtr="0">
-            <a:spAutoFit/>
-          </a:bodyPr>
-          <a:lstStyle/>
-          <a:p>
-            <a:pPr marL="0" lvl="0" indent="0" algn="ctr" rtl="0">
-              <a:lnSpc>
-                <a:spcPct val="107000"/>
-              </a:lnSpc>
-              <a:spcBef>
-                <a:spcPts val="800"/>
-              </a:spcBef>
-              <a:spcAft>
-                <a:spcPts val="0"/>
-              </a:spcAft>
-              <a:buNone/>
-            </a:pPr>
-            <a:r>
-              <a:rPr lang="en-US" sz="900" b="1">
-                <a:solidFill>
-                  <a:schemeClr val="dk1"/>
-                </a:solidFill>
-              </a:rPr>
-              <a:t>(While connecting to an attack)</a:t>
-            </a:r>
-            <a:endParaRPr sz="900" u="sng">
-              <a:solidFill>
-                <a:schemeClr val="dk1"/>
-              </a:solidFill>
-            </a:endParaRPr>
-          </a:p>
-        </p:txBody>
-      </p:sp>
-      <p:sp>
-        <p:nvSpPr>
-          <p:cNvPr id="261" name="Google Shape;261;g21bc3c53028_0_291"/>
-          <p:cNvSpPr txBox="1"/>
-          <p:nvPr/>
-        </p:nvSpPr>
-        <p:spPr>
-          <a:xfrm>
-            <a:off x="3245338" y="3726363"/>
-            <a:ext cx="421200" cy="523200"/>
-          </a:xfrm>
-          <a:prstGeom prst="rect">
-            <a:avLst/>
-          </a:prstGeom>
-          <a:noFill/>
-          <a:ln>
-            <a:noFill/>
-          </a:ln>
-        </p:spPr>
-        <p:txBody>
-          <a:bodyPr spcFirstLastPara="1" wrap="square" lIns="91425" tIns="91425" rIns="91425" bIns="91425" anchor="t" anchorCtr="0">
-            <a:spAutoFit/>
-          </a:bodyPr>
-          <a:lstStyle/>
-          <a:p>
-            <a:pPr marL="0" lvl="0" indent="0" algn="ctr" rtl="0">
-              <a:lnSpc>
-                <a:spcPct val="107000"/>
-              </a:lnSpc>
-              <a:spcBef>
-                <a:spcPts val="800"/>
-              </a:spcBef>
-              <a:spcAft>
-                <a:spcPts val="0"/>
-              </a:spcAft>
-              <a:buNone/>
-            </a:pPr>
-            <a:r>
-              <a:rPr lang="en-US" sz="2200" b="1">
-                <a:solidFill>
-                  <a:schemeClr val="dk1"/>
-                </a:solidFill>
-              </a:rPr>
-              <a:t>+</a:t>
-            </a:r>
-            <a:endParaRPr sz="2200" u="sng">
-              <a:solidFill>
-                <a:schemeClr val="dk1"/>
-              </a:solidFill>
-            </a:endParaRPr>
-          </a:p>
-        </p:txBody>
-      </p:sp>
-      <p:pic>
-        <p:nvPicPr>
-          <p:cNvPr id="262" name="Google Shape;262;g21bc3c53028_0_291"/>
-          <p:cNvPicPr preferRelativeResize="0"/>
-          <p:nvPr/>
-        </p:nvPicPr>
-        <p:blipFill>
-          <a:blip r:embed="rId5">
-            <a:alphaModFix/>
-          </a:blip>
-          <a:stretch>
-            <a:fillRect/>
-          </a:stretch>
-        </p:blipFill>
-        <p:spPr>
-          <a:xfrm>
-            <a:off x="2637500" y="3617428"/>
-            <a:ext cx="695325" cy="695325"/>
-          </a:xfrm>
-          <a:prstGeom prst="rect">
-            <a:avLst/>
-          </a:prstGeom>
-          <a:noFill/>
-          <a:ln>
-            <a:noFill/>
-          </a:ln>
-        </p:spPr>
-      </p:pic>
-      <p:sp>
-        <p:nvSpPr>
-          <p:cNvPr id="263" name="Google Shape;263;g21bc3c53028_0_291"/>
-          <p:cNvSpPr txBox="1"/>
-          <p:nvPr/>
-        </p:nvSpPr>
-        <p:spPr>
-          <a:xfrm>
-            <a:off x="5317638" y="3726363"/>
-            <a:ext cx="421200" cy="523200"/>
-          </a:xfrm>
-          <a:prstGeom prst="rect">
-            <a:avLst/>
-          </a:prstGeom>
-          <a:noFill/>
-          <a:ln>
-            <a:noFill/>
-          </a:ln>
-        </p:spPr>
-        <p:txBody>
-          <a:bodyPr spcFirstLastPara="1" wrap="square" lIns="91425" tIns="91425" rIns="91425" bIns="91425" anchor="t" anchorCtr="0">
-            <a:spAutoFit/>
-          </a:bodyPr>
-          <a:lstStyle/>
-          <a:p>
-            <a:pPr marL="0" lvl="0" indent="0" algn="ctr" rtl="0">
-              <a:lnSpc>
-                <a:spcPct val="107000"/>
-              </a:lnSpc>
-              <a:spcBef>
-                <a:spcPts val="800"/>
-              </a:spcBef>
-              <a:spcAft>
-                <a:spcPts val="0"/>
-              </a:spcAft>
-              <a:buNone/>
-            </a:pPr>
-            <a:r>
-              <a:rPr lang="en-US" sz="2200" b="1">
-                <a:solidFill>
-                  <a:schemeClr val="dk1"/>
-                </a:solidFill>
-              </a:rPr>
-              <a:t>+</a:t>
-            </a:r>
-            <a:endParaRPr sz="2200" u="sng">
-              <a:solidFill>
-                <a:schemeClr val="dk1"/>
-              </a:solidFill>
-            </a:endParaRPr>
-          </a:p>
-        </p:txBody>
-      </p:sp>
-      <p:pic>
-        <p:nvPicPr>
-          <p:cNvPr id="264" name="Google Shape;264;g21bc3c53028_0_291"/>
-          <p:cNvPicPr preferRelativeResize="0"/>
-          <p:nvPr/>
-        </p:nvPicPr>
-        <p:blipFill>
-          <a:blip r:embed="rId5">
-            <a:alphaModFix/>
-          </a:blip>
-          <a:stretch>
-            <a:fillRect/>
-          </a:stretch>
-        </p:blipFill>
-        <p:spPr>
-          <a:xfrm>
-            <a:off x="4709800" y="3617428"/>
-            <a:ext cx="695325" cy="695325"/>
-          </a:xfrm>
-          <a:prstGeom prst="rect">
-            <a:avLst/>
-          </a:prstGeom>
-          <a:noFill/>
-          <a:ln>
-            <a:noFill/>
-          </a:ln>
-        </p:spPr>
-      </p:pic>
-      <p:pic>
-        <p:nvPicPr>
-          <p:cNvPr id="265" name="Google Shape;265;g21bc3c53028_0_291"/>
-          <p:cNvPicPr preferRelativeResize="0"/>
-          <p:nvPr/>
-        </p:nvPicPr>
-        <p:blipFill>
-          <a:blip r:embed="rId6">
-            <a:alphaModFix/>
-          </a:blip>
-          <a:stretch>
-            <a:fillRect/>
-          </a:stretch>
-        </p:blipFill>
-        <p:spPr>
-          <a:xfrm>
-            <a:off x="5689200" y="3626025"/>
-            <a:ext cx="723900" cy="723900"/>
-          </a:xfrm>
-          <a:prstGeom prst="rect">
-            <a:avLst/>
-          </a:prstGeom>
-          <a:noFill/>
-          <a:ln>
-            <a:noFill/>
-          </a:ln>
-        </p:spPr>
-      </p:pic>
-      <p:sp>
-        <p:nvSpPr>
-          <p:cNvPr id="266" name="Google Shape;266;g21bc3c53028_0_291"/>
-          <p:cNvSpPr txBox="1"/>
-          <p:nvPr/>
-        </p:nvSpPr>
-        <p:spPr>
-          <a:xfrm>
-            <a:off x="369000" y="4411583"/>
-            <a:ext cx="6120000" cy="458355"/>
-          </a:xfrm>
-          <a:prstGeom prst="rect">
-            <a:avLst/>
-          </a:prstGeom>
-          <a:noFill/>
-          <a:ln>
-            <a:noFill/>
-          </a:ln>
-        </p:spPr>
-        <p:txBody>
-          <a:bodyPr spcFirstLastPara="1" wrap="square" lIns="91425" tIns="45700" rIns="91425" bIns="45700" anchor="t" anchorCtr="0">
-            <a:spAutoFit/>
-          </a:bodyPr>
-          <a:lstStyle/>
-          <a:p>
-            <a:pPr marL="0" marR="0" lvl="0" indent="0" algn="just" rtl="0">
-              <a:lnSpc>
-                <a:spcPct val="107000"/>
-              </a:lnSpc>
-              <a:spcBef>
-                <a:spcPts val="800"/>
-              </a:spcBef>
-              <a:spcAft>
-                <a:spcPts val="0"/>
-              </a:spcAft>
-              <a:buNone/>
-            </a:pPr>
-            <a:r>
-              <a:rPr lang="en-US" sz="1600" b="1" dirty="0">
-                <a:solidFill>
-                  <a:schemeClr val="dk1"/>
-                </a:solidFill>
-                <a:latin typeface="Arial"/>
-                <a:ea typeface="Arial"/>
-                <a:cs typeface="Arial"/>
-                <a:sym typeface="Arial"/>
-              </a:rPr>
-              <a:t>	</a:t>
-            </a:r>
-            <a:r>
-              <a:rPr lang="en-US" sz="1600" b="1" u="sng" dirty="0">
-                <a:solidFill>
-                  <a:schemeClr val="dk1"/>
-                </a:solidFill>
-              </a:rPr>
-              <a:t>Tech</a:t>
-            </a:r>
-            <a:endParaRPr sz="1600" u="sng" dirty="0">
-              <a:solidFill>
-                <a:schemeClr val="dk1"/>
-              </a:solidFill>
-              <a:latin typeface="Arial"/>
-              <a:ea typeface="Arial"/>
-              <a:cs typeface="Arial"/>
-              <a:sym typeface="Arial"/>
-            </a:endParaRPr>
-          </a:p>
-        </p:txBody>
-      </p:sp>
-      <p:sp>
-        <p:nvSpPr>
-          <p:cNvPr id="267" name="Google Shape;267;g21bc3c53028_0_291"/>
-          <p:cNvSpPr/>
-          <p:nvPr/>
-        </p:nvSpPr>
-        <p:spPr>
-          <a:xfrm>
-            <a:off x="1345213" y="4866078"/>
-            <a:ext cx="2052000" cy="1080000"/>
-          </a:xfrm>
-          <a:prstGeom prst="rect">
-            <a:avLst/>
-          </a:prstGeom>
-          <a:noFill/>
-          <a:ln w="28575" cap="flat" cmpd="sng">
-            <a:solidFill>
-              <a:schemeClr val="dk1"/>
-            </a:solidFill>
-            <a:prstDash val="solid"/>
-            <a:miter lim="800000"/>
-            <a:headEnd type="none" w="sm" len="sm"/>
-            <a:tailEnd type="none" w="sm" len="sm"/>
-          </a:ln>
-        </p:spPr>
-        <p:txBody>
-          <a:bodyPr spcFirstLastPara="1" wrap="square" lIns="91425" tIns="45700" rIns="91425" bIns="45700" anchor="ctr" anchorCtr="0">
-            <a:noAutofit/>
-          </a:bodyPr>
-          <a:lstStyle/>
-          <a:p>
-            <a:pPr marL="0" marR="0" lvl="0" indent="0" algn="just" rtl="0">
-              <a:spcBef>
-                <a:spcPts val="0"/>
-              </a:spcBef>
-              <a:spcAft>
-                <a:spcPts val="0"/>
-              </a:spcAft>
-              <a:buNone/>
-            </a:pPr>
-            <a:endParaRPr sz="1400">
-              <a:solidFill>
-                <a:schemeClr val="dk1"/>
-              </a:solidFill>
-              <a:latin typeface="Arial"/>
-              <a:ea typeface="Arial"/>
-              <a:cs typeface="Arial"/>
-              <a:sym typeface="Arial"/>
-            </a:endParaRPr>
-          </a:p>
-        </p:txBody>
-      </p:sp>
-      <p:sp>
-        <p:nvSpPr>
-          <p:cNvPr id="268" name="Google Shape;268;g21bc3c53028_0_291"/>
-          <p:cNvSpPr/>
-          <p:nvPr/>
-        </p:nvSpPr>
-        <p:spPr>
-          <a:xfrm>
-            <a:off x="1337482" y="4866079"/>
-            <a:ext cx="2059800" cy="266700"/>
-          </a:xfrm>
-          <a:prstGeom prst="rect">
-            <a:avLst/>
-          </a:prstGeom>
-          <a:solidFill>
-            <a:schemeClr val="dk1"/>
-          </a:solidFill>
-          <a:ln>
-            <a:noFill/>
-          </a:ln>
-        </p:spPr>
-        <p:txBody>
-          <a:bodyPr spcFirstLastPara="1" wrap="square" lIns="91425" tIns="45700" rIns="91425" bIns="45700" anchor="ctr" anchorCtr="0">
-            <a:noAutofit/>
-          </a:bodyPr>
-          <a:lstStyle/>
-          <a:p>
-            <a:pPr marL="0" marR="0" lvl="0" indent="0" algn="ctr" rtl="0">
-              <a:spcBef>
-                <a:spcPts val="0"/>
-              </a:spcBef>
-              <a:spcAft>
-                <a:spcPts val="0"/>
-              </a:spcAft>
-              <a:buNone/>
-            </a:pPr>
-            <a:r>
-              <a:rPr lang="en-US">
-                <a:solidFill>
-                  <a:schemeClr val="lt1"/>
-                </a:solidFill>
-                <a:latin typeface="Calibri"/>
-                <a:ea typeface="Calibri"/>
-                <a:cs typeface="Calibri"/>
-                <a:sym typeface="Calibri"/>
-              </a:rPr>
-              <a:t>Throw Tech</a:t>
-            </a:r>
-            <a:endParaRPr sz="1400">
-              <a:solidFill>
-                <a:schemeClr val="lt1"/>
-              </a:solidFill>
-              <a:latin typeface="Calibri"/>
-              <a:ea typeface="Calibri"/>
-              <a:cs typeface="Calibri"/>
-              <a:sym typeface="Calibri"/>
-            </a:endParaRPr>
-          </a:p>
-        </p:txBody>
-      </p:sp>
-      <p:sp>
-        <p:nvSpPr>
-          <p:cNvPr id="269" name="Google Shape;269;g21bc3c53028_0_291"/>
-          <p:cNvSpPr/>
-          <p:nvPr/>
-        </p:nvSpPr>
-        <p:spPr>
-          <a:xfrm>
-            <a:off x="3468464" y="4866078"/>
-            <a:ext cx="2052000" cy="1080000"/>
-          </a:xfrm>
-          <a:prstGeom prst="rect">
-            <a:avLst/>
-          </a:prstGeom>
-          <a:noFill/>
-          <a:ln w="28575" cap="flat" cmpd="sng">
-            <a:solidFill>
-              <a:schemeClr val="dk1"/>
-            </a:solidFill>
-            <a:prstDash val="solid"/>
-            <a:miter lim="800000"/>
-            <a:headEnd type="none" w="sm" len="sm"/>
-            <a:tailEnd type="none" w="sm" len="sm"/>
-          </a:ln>
-        </p:spPr>
-        <p:txBody>
-          <a:bodyPr spcFirstLastPara="1" wrap="square" lIns="91425" tIns="45700" rIns="91425" bIns="45700" anchor="ctr" anchorCtr="0">
-            <a:noAutofit/>
-          </a:bodyPr>
-          <a:lstStyle/>
-          <a:p>
-            <a:pPr marL="0" marR="0" lvl="0" indent="0" algn="just" rtl="0">
-              <a:spcBef>
-                <a:spcPts val="0"/>
-              </a:spcBef>
-              <a:spcAft>
-                <a:spcPts val="0"/>
-              </a:spcAft>
-              <a:buNone/>
-            </a:pPr>
-            <a:endParaRPr sz="1400">
-              <a:solidFill>
-                <a:schemeClr val="dk1"/>
-              </a:solidFill>
-              <a:latin typeface="Arial"/>
-              <a:ea typeface="Arial"/>
-              <a:cs typeface="Arial"/>
-              <a:sym typeface="Arial"/>
-            </a:endParaRPr>
-          </a:p>
-        </p:txBody>
-      </p:sp>
-      <p:sp>
-        <p:nvSpPr>
-          <p:cNvPr id="270" name="Google Shape;270;g21bc3c53028_0_291"/>
-          <p:cNvSpPr/>
-          <p:nvPr/>
-        </p:nvSpPr>
-        <p:spPr>
-          <a:xfrm>
-            <a:off x="3460733" y="4866079"/>
-            <a:ext cx="2059800" cy="266700"/>
-          </a:xfrm>
-          <a:prstGeom prst="rect">
-            <a:avLst/>
-          </a:prstGeom>
-          <a:solidFill>
-            <a:schemeClr val="dk1"/>
-          </a:solidFill>
-          <a:ln>
-            <a:noFill/>
-          </a:ln>
-        </p:spPr>
-        <p:txBody>
-          <a:bodyPr spcFirstLastPara="1" wrap="square" lIns="91425" tIns="45700" rIns="91425" bIns="45700" anchor="ctr" anchorCtr="0">
-            <a:noAutofit/>
-          </a:bodyPr>
-          <a:lstStyle/>
-          <a:p>
-            <a:pPr marL="0" marR="0" lvl="0" indent="0" algn="ctr" rtl="0">
-              <a:spcBef>
-                <a:spcPts val="0"/>
-              </a:spcBef>
-              <a:spcAft>
-                <a:spcPts val="0"/>
-              </a:spcAft>
-              <a:buNone/>
-            </a:pPr>
-            <a:r>
-              <a:rPr lang="en-US">
-                <a:solidFill>
-                  <a:schemeClr val="lt1"/>
-                </a:solidFill>
-                <a:latin typeface="Calibri"/>
-                <a:ea typeface="Calibri"/>
-                <a:cs typeface="Calibri"/>
-                <a:sym typeface="Calibri"/>
-              </a:rPr>
-              <a:t>Quick Stand</a:t>
-            </a:r>
-            <a:endParaRPr/>
-          </a:p>
-        </p:txBody>
-      </p:sp>
-      <p:sp>
-        <p:nvSpPr>
-          <p:cNvPr id="271" name="Google Shape;271;g21bc3c53028_0_291"/>
-          <p:cNvSpPr/>
-          <p:nvPr/>
-        </p:nvSpPr>
-        <p:spPr>
-          <a:xfrm>
-            <a:off x="1345213" y="6009078"/>
-            <a:ext cx="2052000" cy="1080000"/>
-          </a:xfrm>
-          <a:prstGeom prst="rect">
-            <a:avLst/>
-          </a:prstGeom>
-          <a:noFill/>
-          <a:ln w="28575" cap="flat" cmpd="sng">
-            <a:solidFill>
-              <a:schemeClr val="dk1"/>
-            </a:solidFill>
-            <a:prstDash val="solid"/>
-            <a:miter lim="800000"/>
-            <a:headEnd type="none" w="sm" len="sm"/>
-            <a:tailEnd type="none" w="sm" len="sm"/>
-          </a:ln>
-        </p:spPr>
-        <p:txBody>
-          <a:bodyPr spcFirstLastPara="1" wrap="square" lIns="91425" tIns="45700" rIns="91425" bIns="45700" anchor="ctr" anchorCtr="0">
-            <a:noAutofit/>
-          </a:bodyPr>
-          <a:lstStyle/>
-          <a:p>
-            <a:pPr marL="0" marR="0" lvl="0" indent="0" algn="just" rtl="0">
-              <a:spcBef>
-                <a:spcPts val="0"/>
-              </a:spcBef>
-              <a:spcAft>
-                <a:spcPts val="0"/>
-              </a:spcAft>
-              <a:buNone/>
-            </a:pPr>
-            <a:endParaRPr sz="1400">
-              <a:solidFill>
-                <a:schemeClr val="dk1"/>
-              </a:solidFill>
-              <a:latin typeface="Arial"/>
-              <a:ea typeface="Arial"/>
-              <a:cs typeface="Arial"/>
-              <a:sym typeface="Arial"/>
-            </a:endParaRPr>
-          </a:p>
-        </p:txBody>
-      </p:sp>
-      <p:sp>
-        <p:nvSpPr>
-          <p:cNvPr id="272" name="Google Shape;272;g21bc3c53028_0_291"/>
-          <p:cNvSpPr/>
-          <p:nvPr/>
-        </p:nvSpPr>
-        <p:spPr>
-          <a:xfrm>
-            <a:off x="1337482" y="6009079"/>
-            <a:ext cx="2059800" cy="266700"/>
-          </a:xfrm>
-          <a:prstGeom prst="rect">
-            <a:avLst/>
-          </a:prstGeom>
-          <a:solidFill>
-            <a:schemeClr val="dk1"/>
-          </a:solidFill>
-          <a:ln>
-            <a:noFill/>
-          </a:ln>
-        </p:spPr>
-        <p:txBody>
-          <a:bodyPr spcFirstLastPara="1" wrap="square" lIns="91425" tIns="45700" rIns="91425" bIns="45700" anchor="ctr" anchorCtr="0">
-            <a:noAutofit/>
-          </a:bodyPr>
-          <a:lstStyle/>
-          <a:p>
-            <a:pPr marL="0" marR="0" lvl="0" indent="0" algn="ctr" rtl="0">
-              <a:spcBef>
-                <a:spcPts val="0"/>
-              </a:spcBef>
-              <a:spcAft>
-                <a:spcPts val="0"/>
-              </a:spcAft>
-              <a:buNone/>
-            </a:pPr>
-            <a:r>
-              <a:rPr lang="en-US">
-                <a:solidFill>
-                  <a:schemeClr val="lt1"/>
-                </a:solidFill>
-                <a:latin typeface="Calibri"/>
-                <a:ea typeface="Calibri"/>
-                <a:cs typeface="Calibri"/>
-                <a:sym typeface="Calibri"/>
-              </a:rPr>
-              <a:t>Forward Roll</a:t>
-            </a:r>
-            <a:endParaRPr sz="1400">
-              <a:solidFill>
-                <a:schemeClr val="lt1"/>
-              </a:solidFill>
-              <a:latin typeface="Calibri"/>
-              <a:ea typeface="Calibri"/>
-              <a:cs typeface="Calibri"/>
-              <a:sym typeface="Calibri"/>
-            </a:endParaRPr>
-          </a:p>
-        </p:txBody>
-      </p:sp>
-      <p:sp>
-        <p:nvSpPr>
-          <p:cNvPr id="273" name="Google Shape;273;g21bc3c53028_0_291"/>
-          <p:cNvSpPr/>
-          <p:nvPr/>
-        </p:nvSpPr>
-        <p:spPr>
-          <a:xfrm>
-            <a:off x="3468464" y="6009078"/>
-            <a:ext cx="2052000" cy="1080000"/>
-          </a:xfrm>
-          <a:prstGeom prst="rect">
-            <a:avLst/>
-          </a:prstGeom>
-          <a:noFill/>
-          <a:ln w="28575" cap="flat" cmpd="sng">
-            <a:solidFill>
-              <a:schemeClr val="dk1"/>
-            </a:solidFill>
-            <a:prstDash val="solid"/>
-            <a:miter lim="800000"/>
-            <a:headEnd type="none" w="sm" len="sm"/>
-            <a:tailEnd type="none" w="sm" len="sm"/>
-          </a:ln>
-        </p:spPr>
-        <p:txBody>
-          <a:bodyPr spcFirstLastPara="1" wrap="square" lIns="91425" tIns="45700" rIns="91425" bIns="45700" anchor="ctr" anchorCtr="0">
-            <a:noAutofit/>
-          </a:bodyPr>
-          <a:lstStyle/>
-          <a:p>
-            <a:pPr marL="0" marR="0" lvl="0" indent="0" algn="just" rtl="0">
-              <a:spcBef>
-                <a:spcPts val="0"/>
-              </a:spcBef>
-              <a:spcAft>
-                <a:spcPts val="0"/>
-              </a:spcAft>
-              <a:buNone/>
-            </a:pPr>
-            <a:endParaRPr sz="1400">
-              <a:solidFill>
-                <a:schemeClr val="dk1"/>
-              </a:solidFill>
-              <a:latin typeface="Arial"/>
-              <a:ea typeface="Arial"/>
-              <a:cs typeface="Arial"/>
-              <a:sym typeface="Arial"/>
-            </a:endParaRPr>
-          </a:p>
-        </p:txBody>
-      </p:sp>
-      <p:sp>
-        <p:nvSpPr>
-          <p:cNvPr id="274" name="Google Shape;274;g21bc3c53028_0_291"/>
-          <p:cNvSpPr/>
-          <p:nvPr/>
-        </p:nvSpPr>
-        <p:spPr>
-          <a:xfrm>
-            <a:off x="3460733" y="6009079"/>
-            <a:ext cx="2059800" cy="266700"/>
-          </a:xfrm>
-          <a:prstGeom prst="rect">
-            <a:avLst/>
-          </a:prstGeom>
-          <a:solidFill>
-            <a:schemeClr val="dk1"/>
-          </a:solidFill>
-          <a:ln>
-            <a:noFill/>
-          </a:ln>
-        </p:spPr>
-        <p:txBody>
-          <a:bodyPr spcFirstLastPara="1" wrap="square" lIns="91425" tIns="45700" rIns="91425" bIns="45700" anchor="ctr" anchorCtr="0">
-            <a:noAutofit/>
-          </a:bodyPr>
-          <a:lstStyle/>
-          <a:p>
-            <a:pPr marL="0" marR="0" lvl="0" indent="0" algn="ctr" rtl="0">
-              <a:spcBef>
-                <a:spcPts val="0"/>
-              </a:spcBef>
-              <a:spcAft>
-                <a:spcPts val="0"/>
-              </a:spcAft>
-              <a:buNone/>
-            </a:pPr>
-            <a:r>
-              <a:rPr lang="en-US">
-                <a:solidFill>
-                  <a:schemeClr val="lt1"/>
-                </a:solidFill>
-                <a:latin typeface="Calibri"/>
-                <a:ea typeface="Calibri"/>
-                <a:cs typeface="Calibri"/>
-                <a:sym typeface="Calibri"/>
-              </a:rPr>
-              <a:t>Backward Roll</a:t>
-            </a:r>
-            <a:endParaRPr/>
-          </a:p>
-        </p:txBody>
-      </p:sp>
-      <p:sp>
-        <p:nvSpPr>
-          <p:cNvPr id="275" name="Google Shape;275;g21bc3c53028_0_291"/>
-          <p:cNvSpPr txBox="1"/>
-          <p:nvPr/>
-        </p:nvSpPr>
-        <p:spPr>
-          <a:xfrm>
-            <a:off x="2375150" y="5210500"/>
-            <a:ext cx="894900" cy="619800"/>
-          </a:xfrm>
-          <a:prstGeom prst="rect">
-            <a:avLst/>
-          </a:prstGeom>
-          <a:noFill/>
-          <a:ln>
-            <a:noFill/>
-          </a:ln>
-        </p:spPr>
-        <p:txBody>
-          <a:bodyPr spcFirstLastPara="1" wrap="square" lIns="91425" tIns="91425" rIns="91425" bIns="91425" anchor="t" anchorCtr="0">
-            <a:spAutoFit/>
-          </a:bodyPr>
-          <a:lstStyle/>
-          <a:p>
-            <a:pPr marL="0" lvl="0" indent="0" algn="ctr" rtl="0">
-              <a:lnSpc>
-                <a:spcPct val="107000"/>
-              </a:lnSpc>
-              <a:spcBef>
-                <a:spcPts val="800"/>
-              </a:spcBef>
-              <a:spcAft>
-                <a:spcPts val="0"/>
-              </a:spcAft>
-              <a:buNone/>
-            </a:pPr>
-            <a:r>
-              <a:rPr lang="en-US" sz="900" b="1">
-                <a:solidFill>
-                  <a:schemeClr val="dk1"/>
-                </a:solidFill>
-              </a:rPr>
-              <a:t>(While connecting to a Grab)</a:t>
-            </a:r>
-            <a:endParaRPr sz="900" u="sng">
-              <a:solidFill>
-                <a:schemeClr val="dk1"/>
-              </a:solidFill>
-            </a:endParaRPr>
-          </a:p>
-        </p:txBody>
-      </p:sp>
-      <p:sp>
-        <p:nvSpPr>
-          <p:cNvPr id="276" name="Google Shape;276;g21bc3c53028_0_291"/>
-          <p:cNvSpPr txBox="1"/>
-          <p:nvPr/>
-        </p:nvSpPr>
-        <p:spPr>
-          <a:xfrm>
-            <a:off x="2089663" y="5286538"/>
-            <a:ext cx="421200" cy="523200"/>
-          </a:xfrm>
-          <a:prstGeom prst="rect">
-            <a:avLst/>
-          </a:prstGeom>
-          <a:noFill/>
-          <a:ln>
-            <a:noFill/>
-          </a:ln>
-        </p:spPr>
-        <p:txBody>
-          <a:bodyPr spcFirstLastPara="1" wrap="square" lIns="91425" tIns="91425" rIns="91425" bIns="91425" anchor="t" anchorCtr="0">
-            <a:spAutoFit/>
-          </a:bodyPr>
-          <a:lstStyle/>
-          <a:p>
-            <a:pPr marL="0" lvl="0" indent="0" algn="ctr" rtl="0">
-              <a:lnSpc>
-                <a:spcPct val="107000"/>
-              </a:lnSpc>
-              <a:spcBef>
-                <a:spcPts val="800"/>
-              </a:spcBef>
-              <a:spcAft>
-                <a:spcPts val="0"/>
-              </a:spcAft>
-              <a:buNone/>
-            </a:pPr>
-            <a:r>
-              <a:rPr lang="en-US" sz="2200" b="1">
-                <a:solidFill>
-                  <a:schemeClr val="dk1"/>
-                </a:solidFill>
-              </a:rPr>
-              <a:t>+</a:t>
-            </a:r>
-            <a:endParaRPr sz="2200" u="sng">
-              <a:solidFill>
-                <a:schemeClr val="dk1"/>
-              </a:solidFill>
-            </a:endParaRPr>
-          </a:p>
-        </p:txBody>
-      </p:sp>
-      <p:sp>
-        <p:nvSpPr>
-          <p:cNvPr id="277" name="Google Shape;277;g21bc3c53028_0_291"/>
-          <p:cNvSpPr txBox="1"/>
-          <p:nvPr/>
-        </p:nvSpPr>
-        <p:spPr>
-          <a:xfrm>
-            <a:off x="4489825" y="5220750"/>
-            <a:ext cx="894900" cy="619800"/>
-          </a:xfrm>
-          <a:prstGeom prst="rect">
-            <a:avLst/>
-          </a:prstGeom>
-          <a:noFill/>
-          <a:ln>
-            <a:noFill/>
-          </a:ln>
-        </p:spPr>
-        <p:txBody>
-          <a:bodyPr spcFirstLastPara="1" wrap="square" lIns="91425" tIns="91425" rIns="91425" bIns="91425" anchor="t" anchorCtr="0">
-            <a:spAutoFit/>
-          </a:bodyPr>
-          <a:lstStyle/>
-          <a:p>
-            <a:pPr marL="0" lvl="0" indent="0" algn="ctr" rtl="0">
-              <a:lnSpc>
-                <a:spcPct val="107000"/>
-              </a:lnSpc>
-              <a:spcBef>
-                <a:spcPts val="800"/>
-              </a:spcBef>
-              <a:spcAft>
-                <a:spcPts val="0"/>
-              </a:spcAft>
-              <a:buNone/>
-            </a:pPr>
-            <a:r>
-              <a:rPr lang="en-US" sz="900" b="1">
-                <a:solidFill>
-                  <a:schemeClr val="dk1"/>
-                </a:solidFill>
-              </a:rPr>
-              <a:t>(While landing in Hitstun)</a:t>
-            </a:r>
-            <a:endParaRPr sz="900" u="sng">
-              <a:solidFill>
-                <a:schemeClr val="dk1"/>
-              </a:solidFill>
-            </a:endParaRPr>
-          </a:p>
-        </p:txBody>
-      </p:sp>
-      <p:sp>
-        <p:nvSpPr>
-          <p:cNvPr id="278" name="Google Shape;278;g21bc3c53028_0_291"/>
-          <p:cNvSpPr txBox="1"/>
-          <p:nvPr/>
-        </p:nvSpPr>
-        <p:spPr>
-          <a:xfrm>
-            <a:off x="4204338" y="5296788"/>
-            <a:ext cx="421200" cy="523200"/>
-          </a:xfrm>
-          <a:prstGeom prst="rect">
-            <a:avLst/>
-          </a:prstGeom>
-          <a:noFill/>
-          <a:ln>
-            <a:noFill/>
-          </a:ln>
-        </p:spPr>
-        <p:txBody>
-          <a:bodyPr spcFirstLastPara="1" wrap="square" lIns="91425" tIns="91425" rIns="91425" bIns="91425" anchor="t" anchorCtr="0">
-            <a:spAutoFit/>
-          </a:bodyPr>
-          <a:lstStyle/>
-          <a:p>
-            <a:pPr marL="0" lvl="0" indent="0" algn="ctr" rtl="0">
-              <a:lnSpc>
-                <a:spcPct val="107000"/>
-              </a:lnSpc>
-              <a:spcBef>
-                <a:spcPts val="800"/>
-              </a:spcBef>
-              <a:spcAft>
-                <a:spcPts val="0"/>
-              </a:spcAft>
-              <a:buNone/>
-            </a:pPr>
-            <a:r>
-              <a:rPr lang="en-US" sz="2200" b="1">
-                <a:solidFill>
-                  <a:schemeClr val="dk1"/>
-                </a:solidFill>
-              </a:rPr>
-              <a:t>+</a:t>
-            </a:r>
-            <a:endParaRPr sz="2200" u="sng">
-              <a:solidFill>
-                <a:schemeClr val="dk1"/>
-              </a:solidFill>
-            </a:endParaRPr>
-          </a:p>
-        </p:txBody>
-      </p:sp>
-      <p:pic>
-        <p:nvPicPr>
-          <p:cNvPr id="279" name="Google Shape;279;g21bc3c53028_0_291"/>
-          <p:cNvPicPr preferRelativeResize="0"/>
-          <p:nvPr/>
-        </p:nvPicPr>
-        <p:blipFill>
-          <a:blip r:embed="rId5">
-            <a:alphaModFix/>
-          </a:blip>
-          <a:stretch>
-            <a:fillRect/>
-          </a:stretch>
-        </p:blipFill>
-        <p:spPr>
-          <a:xfrm>
-            <a:off x="3596500" y="5187853"/>
-            <a:ext cx="695325" cy="695325"/>
-          </a:xfrm>
-          <a:prstGeom prst="rect">
-            <a:avLst/>
-          </a:prstGeom>
-          <a:noFill/>
-          <a:ln>
-            <a:noFill/>
-          </a:ln>
-        </p:spPr>
-      </p:pic>
-      <p:pic>
-        <p:nvPicPr>
-          <p:cNvPr id="280" name="Google Shape;280;g21bc3c53028_0_291"/>
-          <p:cNvPicPr preferRelativeResize="0"/>
-          <p:nvPr/>
-        </p:nvPicPr>
-        <p:blipFill>
-          <a:blip r:embed="rId3">
-            <a:alphaModFix/>
-          </a:blip>
-          <a:stretch>
-            <a:fillRect/>
-          </a:stretch>
-        </p:blipFill>
-        <p:spPr>
-          <a:xfrm>
-            <a:off x="1468863" y="5158460"/>
-            <a:ext cx="723900" cy="723900"/>
-          </a:xfrm>
-          <a:prstGeom prst="rect">
-            <a:avLst/>
-          </a:prstGeom>
-          <a:noFill/>
-          <a:ln>
-            <a:noFill/>
-          </a:ln>
-        </p:spPr>
-      </p:pic>
-      <p:grpSp>
-        <p:nvGrpSpPr>
-          <p:cNvPr id="281" name="Google Shape;281;g21bc3c53028_0_291"/>
-          <p:cNvGrpSpPr/>
-          <p:nvPr/>
-        </p:nvGrpSpPr>
-        <p:grpSpPr>
-          <a:xfrm>
-            <a:off x="1425486" y="6402500"/>
-            <a:ext cx="1883774" cy="551018"/>
-            <a:chOff x="1345200" y="7352032"/>
-            <a:chExt cx="2778838" cy="812831"/>
-          </a:xfrm>
-        </p:grpSpPr>
-        <p:sp>
-          <p:nvSpPr>
-            <p:cNvPr id="282" name="Google Shape;282;g21bc3c53028_0_291"/>
-            <p:cNvSpPr txBox="1"/>
-            <p:nvPr/>
-          </p:nvSpPr>
-          <p:spPr>
-            <a:xfrm>
-              <a:off x="1953038" y="7352032"/>
-              <a:ext cx="421200" cy="771900"/>
-            </a:xfrm>
-            <a:prstGeom prst="rect">
-              <a:avLst/>
-            </a:prstGeom>
-            <a:noFill/>
-            <a:ln>
-              <a:noFill/>
-            </a:ln>
-          </p:spPr>
-          <p:txBody>
-            <a:bodyPr spcFirstLastPara="1" wrap="square" lIns="91425" tIns="91425" rIns="91425" bIns="91425" anchor="t" anchorCtr="0">
-              <a:spAutoFit/>
-            </a:bodyPr>
-            <a:lstStyle/>
-            <a:p>
-              <a:pPr marL="0" lvl="0" indent="0" algn="ctr" rtl="0">
-                <a:lnSpc>
-                  <a:spcPct val="107000"/>
-                </a:lnSpc>
-                <a:spcBef>
-                  <a:spcPts val="800"/>
-                </a:spcBef>
-                <a:spcAft>
-                  <a:spcPts val="0"/>
-                </a:spcAft>
-                <a:buNone/>
-              </a:pPr>
-              <a:r>
-                <a:rPr lang="en-US" sz="2200" b="1">
-                  <a:solidFill>
-                    <a:schemeClr val="dk1"/>
-                  </a:solidFill>
-                </a:rPr>
-                <a:t>+</a:t>
-              </a:r>
-              <a:endParaRPr sz="2200" u="sng">
-                <a:solidFill>
-                  <a:schemeClr val="dk1"/>
-                </a:solidFill>
-              </a:endParaRPr>
-            </a:p>
-          </p:txBody>
-        </p:sp>
-        <p:pic>
-          <p:nvPicPr>
-            <p:cNvPr id="283" name="Google Shape;283;g21bc3c53028_0_291"/>
-            <p:cNvPicPr preferRelativeResize="0"/>
-            <p:nvPr/>
-          </p:nvPicPr>
-          <p:blipFill>
-            <a:blip r:embed="rId5">
-              <a:alphaModFix/>
-            </a:blip>
-            <a:stretch>
-              <a:fillRect/>
-            </a:stretch>
-          </p:blipFill>
-          <p:spPr>
-            <a:xfrm>
-              <a:off x="1345200" y="7355503"/>
-              <a:ext cx="695325" cy="695325"/>
-            </a:xfrm>
-            <a:prstGeom prst="rect">
-              <a:avLst/>
-            </a:prstGeom>
-            <a:noFill/>
-            <a:ln>
-              <a:noFill/>
-            </a:ln>
-          </p:spPr>
-        </p:pic>
-        <p:pic>
-          <p:nvPicPr>
-            <p:cNvPr id="284" name="Google Shape;284;g21bc3c53028_0_291"/>
-            <p:cNvPicPr preferRelativeResize="0"/>
-            <p:nvPr/>
-          </p:nvPicPr>
-          <p:blipFill>
-            <a:blip r:embed="rId4">
-              <a:alphaModFix/>
-            </a:blip>
-            <a:stretch>
-              <a:fillRect/>
-            </a:stretch>
-          </p:blipFill>
-          <p:spPr>
-            <a:xfrm flipH="1">
-              <a:off x="2338503" y="7483977"/>
-              <a:ext cx="624951" cy="503208"/>
-            </a:xfrm>
-            <a:prstGeom prst="rect">
-              <a:avLst/>
-            </a:prstGeom>
-            <a:noFill/>
-            <a:ln>
-              <a:noFill/>
-            </a:ln>
-          </p:spPr>
-        </p:pic>
-        <p:sp>
-          <p:nvSpPr>
-            <p:cNvPr id="285" name="Google Shape;285;g21bc3c53028_0_291"/>
-            <p:cNvSpPr txBox="1"/>
-            <p:nvPr/>
-          </p:nvSpPr>
-          <p:spPr>
-            <a:xfrm>
-              <a:off x="3229138" y="7393263"/>
-              <a:ext cx="894900" cy="771600"/>
-            </a:xfrm>
-            <a:prstGeom prst="rect">
-              <a:avLst/>
-            </a:prstGeom>
-            <a:noFill/>
-            <a:ln>
-              <a:noFill/>
-            </a:ln>
-          </p:spPr>
-          <p:txBody>
-            <a:bodyPr spcFirstLastPara="1" wrap="square" lIns="91425" tIns="91425" rIns="91425" bIns="91425" anchor="t" anchorCtr="0">
-              <a:spAutoFit/>
-            </a:bodyPr>
-            <a:lstStyle/>
-            <a:p>
-              <a:pPr marL="0" lvl="0" indent="0" algn="ctr" rtl="0">
-                <a:lnSpc>
-                  <a:spcPct val="107000"/>
-                </a:lnSpc>
-                <a:spcBef>
-                  <a:spcPts val="800"/>
-                </a:spcBef>
-                <a:spcAft>
-                  <a:spcPts val="0"/>
-                </a:spcAft>
-                <a:buNone/>
-              </a:pPr>
-              <a:r>
-                <a:rPr lang="en-US" sz="700" b="1">
-                  <a:solidFill>
-                    <a:schemeClr val="dk1"/>
-                  </a:solidFill>
-                </a:rPr>
-                <a:t>(While landing in Hitstun)</a:t>
-              </a:r>
-              <a:endParaRPr sz="700" u="sng">
-                <a:solidFill>
-                  <a:schemeClr val="dk1"/>
-                </a:solidFill>
-              </a:endParaRPr>
-            </a:p>
-          </p:txBody>
-        </p:sp>
-        <p:sp>
-          <p:nvSpPr>
-            <p:cNvPr id="286" name="Google Shape;286;g21bc3c53028_0_291"/>
-            <p:cNvSpPr txBox="1"/>
-            <p:nvPr/>
-          </p:nvSpPr>
-          <p:spPr>
-            <a:xfrm>
-              <a:off x="2943650" y="7356894"/>
-              <a:ext cx="421200" cy="771900"/>
-            </a:xfrm>
-            <a:prstGeom prst="rect">
-              <a:avLst/>
-            </a:prstGeom>
-            <a:noFill/>
-            <a:ln>
-              <a:noFill/>
-            </a:ln>
-          </p:spPr>
-          <p:txBody>
-            <a:bodyPr spcFirstLastPara="1" wrap="square" lIns="91425" tIns="91425" rIns="91425" bIns="91425" anchor="t" anchorCtr="0">
-              <a:spAutoFit/>
-            </a:bodyPr>
-            <a:lstStyle/>
-            <a:p>
-              <a:pPr marL="0" lvl="0" indent="0" algn="ctr" rtl="0">
-                <a:lnSpc>
-                  <a:spcPct val="107000"/>
-                </a:lnSpc>
-                <a:spcBef>
-                  <a:spcPts val="800"/>
-                </a:spcBef>
-                <a:spcAft>
-                  <a:spcPts val="0"/>
-                </a:spcAft>
-                <a:buNone/>
-              </a:pPr>
-              <a:r>
-                <a:rPr lang="en-US" sz="2200" b="1">
-                  <a:solidFill>
-                    <a:schemeClr val="dk1"/>
-                  </a:solidFill>
-                </a:rPr>
-                <a:t>+</a:t>
-              </a:r>
-              <a:endParaRPr sz="2200" u="sng">
-                <a:solidFill>
-                  <a:schemeClr val="dk1"/>
-                </a:solidFill>
-              </a:endParaRPr>
-            </a:p>
-          </p:txBody>
-        </p:sp>
-      </p:grpSp>
-      <p:grpSp>
-        <p:nvGrpSpPr>
-          <p:cNvPr id="287" name="Google Shape;287;g21bc3c53028_0_291"/>
-          <p:cNvGrpSpPr/>
-          <p:nvPr/>
-        </p:nvGrpSpPr>
-        <p:grpSpPr>
-          <a:xfrm>
-            <a:off x="3548749" y="6401675"/>
-            <a:ext cx="1883774" cy="551018"/>
-            <a:chOff x="1345200" y="7352032"/>
-            <a:chExt cx="2778838" cy="812831"/>
-          </a:xfrm>
-        </p:grpSpPr>
-        <p:sp>
-          <p:nvSpPr>
-            <p:cNvPr id="288" name="Google Shape;288;g21bc3c53028_0_291"/>
-            <p:cNvSpPr txBox="1"/>
-            <p:nvPr/>
-          </p:nvSpPr>
-          <p:spPr>
-            <a:xfrm>
-              <a:off x="1953038" y="7352032"/>
-              <a:ext cx="421200" cy="771900"/>
-            </a:xfrm>
-            <a:prstGeom prst="rect">
-              <a:avLst/>
-            </a:prstGeom>
-            <a:noFill/>
-            <a:ln>
-              <a:noFill/>
-            </a:ln>
-          </p:spPr>
-          <p:txBody>
-            <a:bodyPr spcFirstLastPara="1" wrap="square" lIns="91425" tIns="91425" rIns="91425" bIns="91425" anchor="t" anchorCtr="0">
-              <a:spAutoFit/>
-            </a:bodyPr>
-            <a:lstStyle/>
-            <a:p>
-              <a:pPr marL="0" lvl="0" indent="0" algn="ctr" rtl="0">
-                <a:lnSpc>
-                  <a:spcPct val="107000"/>
-                </a:lnSpc>
-                <a:spcBef>
-                  <a:spcPts val="800"/>
-                </a:spcBef>
-                <a:spcAft>
-                  <a:spcPts val="0"/>
-                </a:spcAft>
-                <a:buNone/>
-              </a:pPr>
-              <a:r>
-                <a:rPr lang="en-US" sz="2200" b="1">
-                  <a:solidFill>
-                    <a:schemeClr val="dk1"/>
-                  </a:solidFill>
-                </a:rPr>
-                <a:t>+</a:t>
-              </a:r>
-              <a:endParaRPr sz="2200" u="sng">
-                <a:solidFill>
-                  <a:schemeClr val="dk1"/>
-                </a:solidFill>
-              </a:endParaRPr>
-            </a:p>
-          </p:txBody>
-        </p:sp>
-        <p:pic>
-          <p:nvPicPr>
-            <p:cNvPr id="289" name="Google Shape;289;g21bc3c53028_0_291"/>
-            <p:cNvPicPr preferRelativeResize="0"/>
-            <p:nvPr/>
-          </p:nvPicPr>
-          <p:blipFill>
-            <a:blip r:embed="rId5">
-              <a:alphaModFix/>
-            </a:blip>
-            <a:stretch>
-              <a:fillRect/>
-            </a:stretch>
-          </p:blipFill>
-          <p:spPr>
-            <a:xfrm>
-              <a:off x="1345200" y="7355503"/>
-              <a:ext cx="695325" cy="695325"/>
-            </a:xfrm>
-            <a:prstGeom prst="rect">
-              <a:avLst/>
-            </a:prstGeom>
-            <a:noFill/>
-            <a:ln>
-              <a:noFill/>
-            </a:ln>
-          </p:spPr>
-        </p:pic>
-        <p:pic>
-          <p:nvPicPr>
-            <p:cNvPr id="290" name="Google Shape;290;g21bc3c53028_0_291"/>
-            <p:cNvPicPr preferRelativeResize="0"/>
-            <p:nvPr/>
-          </p:nvPicPr>
-          <p:blipFill>
-            <a:blip r:embed="rId4">
-              <a:alphaModFix/>
-            </a:blip>
-            <a:stretch>
-              <a:fillRect/>
-            </a:stretch>
-          </p:blipFill>
-          <p:spPr>
-            <a:xfrm>
-              <a:off x="2393821" y="7498175"/>
-              <a:ext cx="624951" cy="503208"/>
-            </a:xfrm>
-            <a:prstGeom prst="rect">
-              <a:avLst/>
-            </a:prstGeom>
-            <a:noFill/>
-            <a:ln>
-              <a:noFill/>
-            </a:ln>
-          </p:spPr>
-        </p:pic>
-        <p:sp>
-          <p:nvSpPr>
-            <p:cNvPr id="291" name="Google Shape;291;g21bc3c53028_0_291"/>
-            <p:cNvSpPr txBox="1"/>
-            <p:nvPr/>
-          </p:nvSpPr>
-          <p:spPr>
-            <a:xfrm>
-              <a:off x="3229138" y="7393263"/>
-              <a:ext cx="894900" cy="771600"/>
-            </a:xfrm>
-            <a:prstGeom prst="rect">
-              <a:avLst/>
-            </a:prstGeom>
-            <a:noFill/>
-            <a:ln>
-              <a:noFill/>
-            </a:ln>
-          </p:spPr>
-          <p:txBody>
-            <a:bodyPr spcFirstLastPara="1" wrap="square" lIns="91425" tIns="91425" rIns="91425" bIns="91425" anchor="t" anchorCtr="0">
-              <a:spAutoFit/>
-            </a:bodyPr>
-            <a:lstStyle/>
-            <a:p>
-              <a:pPr marL="0" lvl="0" indent="0" algn="ctr" rtl="0">
-                <a:lnSpc>
-                  <a:spcPct val="107000"/>
-                </a:lnSpc>
-                <a:spcBef>
-                  <a:spcPts val="800"/>
-                </a:spcBef>
-                <a:spcAft>
-                  <a:spcPts val="0"/>
-                </a:spcAft>
-                <a:buNone/>
-              </a:pPr>
-              <a:r>
-                <a:rPr lang="en-US" sz="700" b="1">
-                  <a:solidFill>
-                    <a:schemeClr val="dk1"/>
-                  </a:solidFill>
-                </a:rPr>
-                <a:t>(While landing in Hitstun)</a:t>
-              </a:r>
-              <a:endParaRPr sz="700" u="sng">
-                <a:solidFill>
-                  <a:schemeClr val="dk1"/>
-                </a:solidFill>
-              </a:endParaRPr>
-            </a:p>
-          </p:txBody>
-        </p:sp>
-        <p:sp>
-          <p:nvSpPr>
-            <p:cNvPr id="292" name="Google Shape;292;g21bc3c53028_0_291"/>
-            <p:cNvSpPr txBox="1"/>
-            <p:nvPr/>
-          </p:nvSpPr>
-          <p:spPr>
-            <a:xfrm>
-              <a:off x="2943650" y="7356894"/>
-              <a:ext cx="421200" cy="771900"/>
-            </a:xfrm>
-            <a:prstGeom prst="rect">
-              <a:avLst/>
-            </a:prstGeom>
-            <a:noFill/>
-            <a:ln>
-              <a:noFill/>
-            </a:ln>
-          </p:spPr>
-          <p:txBody>
-            <a:bodyPr spcFirstLastPara="1" wrap="square" lIns="91425" tIns="91425" rIns="91425" bIns="91425" anchor="t" anchorCtr="0">
-              <a:spAutoFit/>
-            </a:bodyPr>
-            <a:lstStyle/>
-            <a:p>
-              <a:pPr marL="0" lvl="0" indent="0" algn="ctr" rtl="0">
-                <a:lnSpc>
-                  <a:spcPct val="107000"/>
-                </a:lnSpc>
-                <a:spcBef>
-                  <a:spcPts val="800"/>
-                </a:spcBef>
-                <a:spcAft>
-                  <a:spcPts val="0"/>
-                </a:spcAft>
-                <a:buNone/>
-              </a:pPr>
-              <a:r>
-                <a:rPr lang="en-US" sz="2200" b="1">
-                  <a:solidFill>
-                    <a:schemeClr val="dk1"/>
-                  </a:solidFill>
-                </a:rPr>
-                <a:t>+</a:t>
-              </a:r>
-              <a:endParaRPr sz="2200" u="sng">
-                <a:solidFill>
-                  <a:schemeClr val="dk1"/>
-                </a:solidFill>
-              </a:endParaRPr>
-            </a:p>
-          </p:txBody>
-        </p:sp>
-      </p:grpSp>
-    </p:spTree>
-  </p:cSld>
-  <p:clrMapOvr>
-    <a:masterClrMapping/>
-  </p:clrMapOvr>
-</p:sld>
-</file>
-
-<file path=ppt/slides/slide8.xml><?xml version="1.0" encoding="utf-8"?>
 <p:sld xmlns:a="http://schemas.openxmlformats.org/drawingml/2006/main" xmlns:r="http://schemas.openxmlformats.org/officeDocument/2006/relationships" xmlns:p="http://schemas.openxmlformats.org/presentationml/2006/main">
   <p:cSld>
     <p:spTree>
@@ -22750,62 +17155,6 @@
           <a:chExt cx="0" cy="0"/>
         </a:xfrm>
       </p:grpSpPr>
-      <p:sp>
-        <p:nvSpPr>
-          <p:cNvPr id="298" name="Google Shape;298;g21bc3c53028_0_41"/>
-          <p:cNvSpPr/>
-          <p:nvPr/>
-        </p:nvSpPr>
-        <p:spPr>
-          <a:xfrm>
-            <a:off x="3748683" y="3325581"/>
-            <a:ext cx="2473200" cy="242400"/>
-          </a:xfrm>
-          <a:prstGeom prst="rect">
-            <a:avLst/>
-          </a:prstGeom>
-          <a:solidFill>
-            <a:schemeClr val="accent2">
-              <a:alpha val="24710"/>
-            </a:schemeClr>
-          </a:solidFill>
-          <a:ln w="38100" cap="flat" cmpd="sng">
-            <a:solidFill>
-              <a:schemeClr val="accent2"/>
-            </a:solidFill>
-            <a:prstDash val="solid"/>
-            <a:miter lim="800000"/>
-            <a:headEnd type="none" w="sm" len="sm"/>
-            <a:tailEnd type="none" w="sm" len="sm"/>
-          </a:ln>
-        </p:spPr>
-        <p:txBody>
-          <a:bodyPr spcFirstLastPara="1" wrap="square" lIns="91425" tIns="45700" rIns="91425" bIns="45700" anchor="ctr" anchorCtr="0">
-            <a:noAutofit/>
-          </a:bodyPr>
-          <a:lstStyle/>
-          <a:p>
-            <a:pPr marL="0" marR="0" lvl="0" indent="0" algn="ctr" rtl="0">
-              <a:spcBef>
-                <a:spcPts val="0"/>
-              </a:spcBef>
-              <a:spcAft>
-                <a:spcPts val="0"/>
-              </a:spcAft>
-              <a:buNone/>
-            </a:pPr>
-            <a:endParaRPr sz="1600">
-              <a:solidFill>
-                <a:schemeClr val="lt1"/>
-              </a:solidFill>
-              <a:latin typeface="Calibri"/>
-              <a:ea typeface="Calibri"/>
-              <a:cs typeface="Calibri"/>
-              <a:sym typeface="Calibri"/>
-            </a:endParaRPr>
-          </a:p>
-        </p:txBody>
-      </p:sp>
       <p:sp>
         <p:nvSpPr>
           <p:cNvPr id="299" name="Google Shape;299;g21bc3c53028_0_41"/>
@@ -22876,7 +17225,7 @@
         </p:nvSpPr>
         <p:spPr>
           <a:xfrm>
-            <a:off x="370187" y="918697"/>
+            <a:off x="379915" y="918697"/>
             <a:ext cx="6119400" cy="889500"/>
           </a:xfrm>
           <a:prstGeom prst="rect">
@@ -23009,7 +17358,7 @@
         </p:nvSpPr>
         <p:spPr>
           <a:xfrm>
-            <a:off x="362763" y="3593636"/>
+            <a:off x="382219" y="3593636"/>
             <a:ext cx="6119400" cy="1385400"/>
           </a:xfrm>
           <a:prstGeom prst="rect">
@@ -23035,7 +17384,7 @@
               </a:spcAft>
               <a:buNone/>
             </a:pPr>
-            <a:endParaRPr sz="1400" b="0" i="0" u="sng" strike="noStrike" cap="none">
+            <a:endParaRPr sz="1400" b="0" i="0" u="sng" strike="noStrike" cap="none" dirty="0">
               <a:solidFill>
                 <a:schemeClr val="dk1"/>
               </a:solidFill>
@@ -23056,7 +17405,7 @@
               <a:buNone/>
             </a:pPr>
             <a:r>
-              <a:rPr lang="en-US" sz="1400" b="0" i="0" u="sng" strike="noStrike" cap="none">
+              <a:rPr lang="en-US" sz="1400" b="0" i="0" u="sng" strike="noStrike" cap="none" dirty="0">
                 <a:solidFill>
                   <a:schemeClr val="dk1"/>
                 </a:solidFill>
@@ -23068,7 +17417,7 @@
               <a:t>Neutral:</a:t>
             </a:r>
             <a:r>
-              <a:rPr lang="en-US" sz="1400" b="0" i="0" u="none" strike="noStrike" cap="none">
+              <a:rPr lang="en-US" sz="1400" b="0" i="0" u="none" strike="noStrike" cap="none" dirty="0">
                 <a:solidFill>
                   <a:schemeClr val="dk1"/>
                 </a:solidFill>
@@ -23079,7 +17428,7 @@
               </a:rPr>
               <a:t> When Grounded, the characters are always facing the opponent and automatically turn in their direction.</a:t>
             </a:r>
-            <a:endParaRPr/>
+            <a:endParaRPr dirty="0"/>
           </a:p>
           <a:p>
             <a:pPr marL="457200" marR="0" lvl="1" indent="0" algn="just" rtl="0">
@@ -23091,7 +17440,7 @@
               </a:spcAft>
               <a:buNone/>
             </a:pPr>
-            <a:endParaRPr sz="1400" b="0" i="0" u="none" strike="noStrike" cap="none">
+            <a:endParaRPr sz="1400" b="0" i="0" u="none" strike="noStrike" cap="none" dirty="0">
               <a:solidFill>
                 <a:schemeClr val="dk1"/>
               </a:solidFill>
@@ -23112,7 +17461,7 @@
               <a:buNone/>
             </a:pPr>
             <a:r>
-              <a:rPr lang="en-US" sz="1400" b="0" i="0" u="sng" strike="noStrike" cap="none">
+              <a:rPr lang="en-US" sz="1400" b="0" i="0" u="sng" strike="noStrike" cap="none" dirty="0">
                 <a:solidFill>
                   <a:schemeClr val="dk1"/>
                 </a:solidFill>
@@ -23124,7 +17473,7 @@
               <a:t>Horizontal Movement:</a:t>
             </a:r>
             <a:r>
-              <a:rPr lang="en-US" sz="1400" b="0" i="0" u="none" strike="noStrike" cap="none">
+              <a:rPr lang="en-US" sz="1400" b="0" i="0" u="none" strike="noStrike" cap="none" dirty="0">
                 <a:solidFill>
                   <a:schemeClr val="dk1"/>
                 </a:solidFill>
@@ -23136,14 +17485,14 @@
               <a:t> Characters can move forward and backwards.</a:t>
             </a:r>
             <a:r>
-              <a:rPr lang="en-US">
+              <a:rPr lang="en-US" dirty="0">
                 <a:solidFill>
                   <a:schemeClr val="dk1"/>
                 </a:solidFill>
               </a:rPr>
               <a:t> The velocity changes depending on the direction.</a:t>
             </a:r>
-            <a:endParaRPr sz="1400" b="0" i="0" u="none" strike="noStrike" cap="none">
+            <a:endParaRPr sz="1400" b="0" i="0" u="none" strike="noStrike" cap="none" dirty="0">
               <a:solidFill>
                 <a:schemeClr val="dk1"/>
               </a:solidFill>
@@ -23157,99 +17506,51 @@
       </p:sp>
       <p:grpSp>
         <p:nvGrpSpPr>
-          <p:cNvPr id="302" name="Google Shape;302;g21bc3c53028_0_41"/>
+          <p:cNvPr id="4" name="Grupo 3">
+            <a:extLst>
+              <a:ext uri="{FF2B5EF4-FFF2-40B4-BE49-F238E27FC236}">
+                <a16:creationId xmlns:a16="http://schemas.microsoft.com/office/drawing/2014/main" id="{1C3896E0-AE14-4D2E-B516-1BAD1840077D}"/>
+              </a:ext>
+            </a:extLst>
+          </p:cNvPr>
           <p:cNvGrpSpPr/>
           <p:nvPr/>
         </p:nvGrpSpPr>
         <p:grpSpPr>
-          <a:xfrm rot="10800000" flipH="1">
-            <a:off x="3756588" y="1829275"/>
-            <a:ext cx="1462502" cy="306778"/>
-            <a:chOff x="379629" y="4144280"/>
-            <a:chExt cx="1760566" cy="369300"/>
+          <a:xfrm>
+            <a:off x="894877" y="1824906"/>
+            <a:ext cx="5091671" cy="1744248"/>
+            <a:chOff x="1138070" y="1824906"/>
+            <a:chExt cx="5091671" cy="1744248"/>
           </a:xfrm>
         </p:grpSpPr>
         <p:sp>
           <p:nvSpPr>
-            <p:cNvPr id="303" name="Google Shape;303;g21bc3c53028_0_41"/>
+            <p:cNvPr id="298" name="Google Shape;298;g21bc3c53028_0_41"/>
             <p:cNvSpPr/>
             <p:nvPr/>
           </p:nvSpPr>
           <p:spPr>
-            <a:xfrm rot="10800000" flipH="1">
-              <a:off x="379629" y="4144280"/>
-              <a:ext cx="1229700" cy="369300"/>
+            <a:xfrm>
+              <a:off x="3748683" y="3325581"/>
+              <a:ext cx="2473200" cy="242400"/>
             </a:xfrm>
             <a:prstGeom prst="rect">
               <a:avLst/>
             </a:prstGeom>
             <a:solidFill>
-              <a:schemeClr val="dk1"/>
+              <a:schemeClr val="accent2">
+                <a:alpha val="24710"/>
+              </a:schemeClr>
             </a:solidFill>
-            <a:ln>
-              <a:noFill/>
-            </a:ln>
-          </p:spPr>
-          <p:txBody>
-            <a:bodyPr spcFirstLastPara="1" wrap="square" lIns="91425" tIns="45700" rIns="91425" bIns="45700" anchor="ctr" anchorCtr="0">
-              <a:noAutofit/>
-            </a:bodyPr>
-            <a:lstStyle/>
-            <a:p>
-              <a:pPr marL="0" marR="0" lvl="0" indent="0" algn="l" rtl="0">
-                <a:spcBef>
-                  <a:spcPts val="0"/>
-                </a:spcBef>
-                <a:spcAft>
-                  <a:spcPts val="0"/>
-                </a:spcAft>
-                <a:buNone/>
-              </a:pPr>
-              <a:r>
-                <a:rPr lang="en-US" sz="1600">
-                  <a:solidFill>
-                    <a:schemeClr val="lt1"/>
-                  </a:solidFill>
-                  <a:latin typeface="Arial"/>
-                  <a:ea typeface="Arial"/>
-                  <a:cs typeface="Arial"/>
-                  <a:sym typeface="Arial"/>
-                </a:rPr>
-                <a:t>Airborne</a:t>
-              </a:r>
-              <a:endParaRPr sz="1600">
-                <a:solidFill>
-                  <a:schemeClr val="lt1"/>
-                </a:solidFill>
-                <a:latin typeface="Arial"/>
-                <a:ea typeface="Arial"/>
-                <a:cs typeface="Arial"/>
-                <a:sym typeface="Arial"/>
-              </a:endParaRPr>
-            </a:p>
-          </p:txBody>
-        </p:sp>
-        <p:sp>
-          <p:nvSpPr>
-            <p:cNvPr id="304" name="Google Shape;304;g21bc3c53028_0_41"/>
-            <p:cNvSpPr/>
-            <p:nvPr/>
-          </p:nvSpPr>
-          <p:spPr>
-            <a:xfrm>
-              <a:off x="1600195" y="4148914"/>
-              <a:ext cx="540000" cy="360000"/>
-            </a:xfrm>
-            <a:prstGeom prst="triangle">
-              <a:avLst>
-                <a:gd name="adj" fmla="val 0"/>
-              </a:avLst>
-            </a:prstGeom>
-            <a:solidFill>
-              <a:schemeClr val="dk1"/>
-            </a:solidFill>
-            <a:ln>
-              <a:noFill/>
+            <a:ln w="38100" cap="flat" cmpd="sng">
+              <a:solidFill>
+                <a:schemeClr val="accent2"/>
+              </a:solidFill>
+              <a:prstDash val="solid"/>
+              <a:miter lim="800000"/>
+              <a:headEnd type="none" w="sm" len="sm"/>
+              <a:tailEnd type="none" w="sm" len="sm"/>
             </a:ln>
           </p:spPr>
           <p:txBody>
@@ -23271,175 +17572,77 @@
                 <a:solidFill>
                   <a:schemeClr val="lt1"/>
                 </a:solidFill>
-                <a:latin typeface="Arial"/>
-                <a:ea typeface="Arial"/>
-                <a:cs typeface="Arial"/>
-                <a:sym typeface="Arial"/>
+                <a:latin typeface="Calibri"/>
+                <a:ea typeface="Calibri"/>
+                <a:cs typeface="Calibri"/>
+                <a:sym typeface="Calibri"/>
               </a:endParaRPr>
             </a:p>
           </p:txBody>
         </p:sp>
-      </p:grpSp>
-      <p:sp>
-        <p:nvSpPr>
-          <p:cNvPr id="305" name="Google Shape;305;g21bc3c53028_0_41"/>
-          <p:cNvSpPr/>
-          <p:nvPr/>
-        </p:nvSpPr>
-        <p:spPr>
-          <a:xfrm>
-            <a:off x="1138070" y="3326754"/>
-            <a:ext cx="2478300" cy="242400"/>
-          </a:xfrm>
-          <a:prstGeom prst="rect">
-            <a:avLst/>
-          </a:prstGeom>
-          <a:solidFill>
-            <a:schemeClr val="accent2">
-              <a:alpha val="24710"/>
-            </a:schemeClr>
-          </a:solidFill>
-          <a:ln w="38100" cap="flat" cmpd="sng">
-            <a:solidFill>
-              <a:schemeClr val="accent2"/>
-            </a:solidFill>
-            <a:prstDash val="solid"/>
-            <a:miter lim="800000"/>
-            <a:headEnd type="none" w="sm" len="sm"/>
-            <a:tailEnd type="none" w="sm" len="sm"/>
-          </a:ln>
-        </p:spPr>
-        <p:txBody>
-          <a:bodyPr spcFirstLastPara="1" wrap="square" lIns="91425" tIns="45700" rIns="91425" bIns="45700" anchor="ctr" anchorCtr="0">
-            <a:noAutofit/>
-          </a:bodyPr>
-          <a:lstStyle/>
-          <a:p>
-            <a:pPr marL="0" marR="0" lvl="0" indent="0" algn="ctr" rtl="0">
-              <a:spcBef>
-                <a:spcPts val="0"/>
-              </a:spcBef>
-              <a:spcAft>
-                <a:spcPts val="0"/>
-              </a:spcAft>
-              <a:buNone/>
-            </a:pPr>
-            <a:endParaRPr sz="1600">
+        <p:grpSp>
+          <p:nvGrpSpPr>
+            <p:cNvPr id="302" name="Google Shape;302;g21bc3c53028_0_41"/>
+            <p:cNvGrpSpPr/>
+            <p:nvPr/>
+          </p:nvGrpSpPr>
+          <p:grpSpPr>
+            <a:xfrm rot="10800000" flipH="1">
+              <a:off x="3756588" y="1829275"/>
+              <a:ext cx="1462502" cy="306778"/>
+              <a:chOff x="379629" y="4144280"/>
+              <a:chExt cx="1760566" cy="369300"/>
+            </a:xfrm>
+          </p:grpSpPr>
+          <p:sp>
+            <p:nvSpPr>
+              <p:cNvPr id="303" name="Google Shape;303;g21bc3c53028_0_41"/>
+              <p:cNvSpPr/>
+              <p:nvPr/>
+            </p:nvSpPr>
+            <p:spPr>
+              <a:xfrm rot="10800000" flipH="1">
+                <a:off x="379629" y="4144280"/>
+                <a:ext cx="1229700" cy="369300"/>
+              </a:xfrm>
+              <a:prstGeom prst="rect">
+                <a:avLst/>
+              </a:prstGeom>
               <a:solidFill>
-                <a:schemeClr val="lt1"/>
+                <a:schemeClr val="dk1"/>
               </a:solidFill>
-              <a:latin typeface="Calibri"/>
-              <a:ea typeface="Calibri"/>
-              <a:cs typeface="Calibri"/>
-              <a:sym typeface="Calibri"/>
-            </a:endParaRPr>
-          </a:p>
-        </p:txBody>
-      </p:sp>
-      <p:sp>
-        <p:nvSpPr>
-          <p:cNvPr id="306" name="Google Shape;306;g21bc3c53028_0_41"/>
-          <p:cNvSpPr/>
-          <p:nvPr/>
-        </p:nvSpPr>
-        <p:spPr>
-          <a:xfrm>
-            <a:off x="1138070" y="1826866"/>
-            <a:ext cx="2481300" cy="1742100"/>
-          </a:xfrm>
-          <a:prstGeom prst="rect">
-            <a:avLst/>
-          </a:prstGeom>
-          <a:noFill/>
-          <a:ln w="38100" cap="flat" cmpd="sng">
-            <a:solidFill>
-              <a:schemeClr val="dk1"/>
-            </a:solidFill>
-            <a:prstDash val="solid"/>
-            <a:miter lim="800000"/>
-            <a:headEnd type="none" w="sm" len="sm"/>
-            <a:tailEnd type="none" w="sm" len="sm"/>
-          </a:ln>
-        </p:spPr>
-        <p:txBody>
-          <a:bodyPr spcFirstLastPara="1" wrap="square" lIns="91425" tIns="45700" rIns="91425" bIns="45700" anchor="ctr" anchorCtr="0">
-            <a:noAutofit/>
-          </a:bodyPr>
-          <a:lstStyle/>
-          <a:p>
-            <a:pPr marL="0" marR="0" lvl="0" indent="0" algn="ctr" rtl="0">
-              <a:spcBef>
-                <a:spcPts val="0"/>
-              </a:spcBef>
-              <a:spcAft>
-                <a:spcPts val="0"/>
-              </a:spcAft>
-              <a:buNone/>
-            </a:pPr>
-            <a:endParaRPr sz="1600">
-              <a:solidFill>
-                <a:schemeClr val="lt1"/>
-              </a:solidFill>
-              <a:latin typeface="Calibri"/>
-              <a:ea typeface="Calibri"/>
-              <a:cs typeface="Calibri"/>
-              <a:sym typeface="Calibri"/>
-            </a:endParaRPr>
-          </a:p>
-        </p:txBody>
-      </p:sp>
-      <p:grpSp>
-        <p:nvGrpSpPr>
-          <p:cNvPr id="307" name="Google Shape;307;g21bc3c53028_0_41"/>
-          <p:cNvGrpSpPr/>
-          <p:nvPr/>
-        </p:nvGrpSpPr>
-        <p:grpSpPr>
-          <a:xfrm rot="10800000" flipH="1">
-            <a:off x="1145873" y="1829275"/>
-            <a:ext cx="1588207" cy="306778"/>
-            <a:chOff x="379629" y="4144280"/>
-            <a:chExt cx="1760566" cy="369300"/>
-          </a:xfrm>
-        </p:grpSpPr>
-        <p:sp>
-          <p:nvSpPr>
-            <p:cNvPr id="308" name="Google Shape;308;g21bc3c53028_0_41"/>
-            <p:cNvSpPr/>
-            <p:nvPr/>
-          </p:nvSpPr>
-          <p:spPr>
-            <a:xfrm rot="10800000" flipH="1">
-              <a:off x="379629" y="4144280"/>
-              <a:ext cx="1238700" cy="369300"/>
-            </a:xfrm>
-            <a:prstGeom prst="rect">
-              <a:avLst/>
-            </a:prstGeom>
-            <a:solidFill>
-              <a:schemeClr val="dk1"/>
-            </a:solidFill>
-            <a:ln>
-              <a:noFill/>
-            </a:ln>
-          </p:spPr>
-          <p:txBody>
-            <a:bodyPr spcFirstLastPara="1" wrap="square" lIns="91425" tIns="45700" rIns="91425" bIns="45700" anchor="ctr" anchorCtr="0">
-              <a:noAutofit/>
-            </a:bodyPr>
-            <a:lstStyle/>
-            <a:p>
-              <a:pPr marL="0" marR="0" lvl="0" indent="0" algn="l" rtl="0">
-                <a:spcBef>
-                  <a:spcPts val="0"/>
-                </a:spcBef>
-                <a:spcAft>
-                  <a:spcPts val="0"/>
-                </a:spcAft>
-                <a:buNone/>
-              </a:pPr>
-              <a:r>
-                <a:rPr lang="en-US" sz="1600">
+              <a:ln>
+                <a:noFill/>
+              </a:ln>
+            </p:spPr>
+            <p:txBody>
+              <a:bodyPr spcFirstLastPara="1" wrap="square" lIns="91425" tIns="45700" rIns="91425" bIns="45700" anchor="ctr" anchorCtr="0">
+                <a:noAutofit/>
+              </a:bodyPr>
+              <a:lstStyle/>
+              <a:p>
+                <a:pPr marL="0" marR="0" lvl="0" indent="0" algn="l" rtl="0">
+                  <a:spcBef>
+                    <a:spcPts val="0"/>
+                  </a:spcBef>
+                  <a:spcAft>
+                    <a:spcPts val="0"/>
+                  </a:spcAft>
+                  <a:buNone/>
+                </a:pPr>
+                <a:r>
+                  <a:rPr lang="en-US" sz="1600">
+                    <a:solidFill>
+                      <a:schemeClr val="lt1"/>
+                    </a:solidFill>
+                    <a:latin typeface="Arial"/>
+                    <a:ea typeface="Arial"/>
+                    <a:cs typeface="Arial"/>
+                    <a:sym typeface="Arial"/>
+                  </a:rPr>
+                  <a:t>Airborne</a:t>
+                </a:r>
+                <a:endParaRPr sz="1600">
                   <a:solidFill>
                     <a:schemeClr val="lt1"/>
                   </a:solidFill>
@@ -23447,42 +17650,88 @@
                   <a:ea typeface="Arial"/>
                   <a:cs typeface="Arial"/>
                   <a:sym typeface="Arial"/>
-                </a:rPr>
-                <a:t>Grounded</a:t>
-              </a:r>
-              <a:endParaRPr sz="1600">
-                <a:solidFill>
-                  <a:schemeClr val="lt1"/>
-                </a:solidFill>
-                <a:latin typeface="Arial"/>
-                <a:ea typeface="Arial"/>
-                <a:cs typeface="Arial"/>
-                <a:sym typeface="Arial"/>
-              </a:endParaRPr>
-            </a:p>
-          </p:txBody>
-        </p:sp>
+                </a:endParaRPr>
+              </a:p>
+            </p:txBody>
+          </p:sp>
+          <p:sp>
+            <p:nvSpPr>
+              <p:cNvPr id="304" name="Google Shape;304;g21bc3c53028_0_41"/>
+              <p:cNvSpPr/>
+              <p:nvPr/>
+            </p:nvSpPr>
+            <p:spPr>
+              <a:xfrm>
+                <a:off x="1600195" y="4148914"/>
+                <a:ext cx="540000" cy="360000"/>
+              </a:xfrm>
+              <a:prstGeom prst="triangle">
+                <a:avLst>
+                  <a:gd name="adj" fmla="val 0"/>
+                </a:avLst>
+              </a:prstGeom>
+              <a:solidFill>
+                <a:schemeClr val="dk1"/>
+              </a:solidFill>
+              <a:ln>
+                <a:noFill/>
+              </a:ln>
+            </p:spPr>
+            <p:txBody>
+              <a:bodyPr spcFirstLastPara="1" wrap="square" lIns="91425" tIns="45700" rIns="91425" bIns="45700" anchor="ctr" anchorCtr="0">
+                <a:noAutofit/>
+              </a:bodyPr>
+              <a:lstStyle/>
+              <a:p>
+                <a:pPr marL="0" marR="0" lvl="0" indent="0" algn="ctr" rtl="0">
+                  <a:spcBef>
+                    <a:spcPts val="0"/>
+                  </a:spcBef>
+                  <a:spcAft>
+                    <a:spcPts val="0"/>
+                  </a:spcAft>
+                  <a:buNone/>
+                </a:pPr>
+                <a:endParaRPr sz="1600">
+                  <a:solidFill>
+                    <a:schemeClr val="lt1"/>
+                  </a:solidFill>
+                  <a:latin typeface="Arial"/>
+                  <a:ea typeface="Arial"/>
+                  <a:cs typeface="Arial"/>
+                  <a:sym typeface="Arial"/>
+                </a:endParaRPr>
+              </a:p>
+            </p:txBody>
+          </p:sp>
+        </p:grpSp>
         <p:sp>
           <p:nvSpPr>
-            <p:cNvPr id="309" name="Google Shape;309;g21bc3c53028_0_41"/>
+            <p:cNvPr id="305" name="Google Shape;305;g21bc3c53028_0_41"/>
             <p:cNvSpPr/>
             <p:nvPr/>
           </p:nvSpPr>
           <p:spPr>
             <a:xfrm>
-              <a:off x="1600195" y="4148914"/>
-              <a:ext cx="540000" cy="360000"/>
+              <a:off x="1138070" y="3326754"/>
+              <a:ext cx="2478300" cy="242400"/>
             </a:xfrm>
-            <a:prstGeom prst="triangle">
-              <a:avLst>
-                <a:gd name="adj" fmla="val 0"/>
-              </a:avLst>
+            <a:prstGeom prst="rect">
+              <a:avLst/>
             </a:prstGeom>
             <a:solidFill>
-              <a:schemeClr val="dk1"/>
+              <a:schemeClr val="accent2">
+                <a:alpha val="24710"/>
+              </a:schemeClr>
             </a:solidFill>
-            <a:ln>
-              <a:noFill/>
+            <a:ln w="38100" cap="flat" cmpd="sng">
+              <a:solidFill>
+                <a:schemeClr val="accent2"/>
+              </a:solidFill>
+              <a:prstDash val="solid"/>
+              <a:miter lim="800000"/>
+              <a:headEnd type="none" w="sm" len="sm"/>
+              <a:tailEnd type="none" w="sm" len="sm"/>
             </a:ln>
           </p:spPr>
           <p:txBody>
@@ -23504,121 +17753,298 @@
                 <a:solidFill>
                   <a:schemeClr val="lt1"/>
                 </a:solidFill>
-                <a:latin typeface="Arial"/>
-                <a:ea typeface="Arial"/>
-                <a:cs typeface="Arial"/>
-                <a:sym typeface="Arial"/>
+                <a:latin typeface="Calibri"/>
+                <a:ea typeface="Calibri"/>
+                <a:cs typeface="Calibri"/>
+                <a:sym typeface="Calibri"/>
+              </a:endParaRPr>
+            </a:p>
+          </p:txBody>
+        </p:sp>
+        <p:sp>
+          <p:nvSpPr>
+            <p:cNvPr id="306" name="Google Shape;306;g21bc3c53028_0_41"/>
+            <p:cNvSpPr/>
+            <p:nvPr/>
+          </p:nvSpPr>
+          <p:spPr>
+            <a:xfrm>
+              <a:off x="1138070" y="1826866"/>
+              <a:ext cx="2481300" cy="1742100"/>
+            </a:xfrm>
+            <a:prstGeom prst="rect">
+              <a:avLst/>
+            </a:prstGeom>
+            <a:noFill/>
+            <a:ln w="38100" cap="flat" cmpd="sng">
+              <a:solidFill>
+                <a:schemeClr val="dk1"/>
+              </a:solidFill>
+              <a:prstDash val="solid"/>
+              <a:miter lim="800000"/>
+              <a:headEnd type="none" w="sm" len="sm"/>
+              <a:tailEnd type="none" w="sm" len="sm"/>
+            </a:ln>
+          </p:spPr>
+          <p:txBody>
+            <a:bodyPr spcFirstLastPara="1" wrap="square" lIns="91425" tIns="45700" rIns="91425" bIns="45700" anchor="ctr" anchorCtr="0">
+              <a:noAutofit/>
+            </a:bodyPr>
+            <a:lstStyle/>
+            <a:p>
+              <a:pPr marL="0" marR="0" lvl="0" indent="0" algn="ctr" rtl="0">
+                <a:spcBef>
+                  <a:spcPts val="0"/>
+                </a:spcBef>
+                <a:spcAft>
+                  <a:spcPts val="0"/>
+                </a:spcAft>
+                <a:buNone/>
+              </a:pPr>
+              <a:endParaRPr sz="1600">
+                <a:solidFill>
+                  <a:schemeClr val="lt1"/>
+                </a:solidFill>
+                <a:latin typeface="Calibri"/>
+                <a:ea typeface="Calibri"/>
+                <a:cs typeface="Calibri"/>
+                <a:sym typeface="Calibri"/>
+              </a:endParaRPr>
+            </a:p>
+          </p:txBody>
+        </p:sp>
+        <p:grpSp>
+          <p:nvGrpSpPr>
+            <p:cNvPr id="307" name="Google Shape;307;g21bc3c53028_0_41"/>
+            <p:cNvGrpSpPr/>
+            <p:nvPr/>
+          </p:nvGrpSpPr>
+          <p:grpSpPr>
+            <a:xfrm rot="10800000" flipH="1">
+              <a:off x="1145873" y="1829275"/>
+              <a:ext cx="1588207" cy="306778"/>
+              <a:chOff x="379629" y="4144280"/>
+              <a:chExt cx="1760566" cy="369300"/>
+            </a:xfrm>
+          </p:grpSpPr>
+          <p:sp>
+            <p:nvSpPr>
+              <p:cNvPr id="308" name="Google Shape;308;g21bc3c53028_0_41"/>
+              <p:cNvSpPr/>
+              <p:nvPr/>
+            </p:nvSpPr>
+            <p:spPr>
+              <a:xfrm rot="10800000" flipH="1">
+                <a:off x="379629" y="4144280"/>
+                <a:ext cx="1238700" cy="369300"/>
+              </a:xfrm>
+              <a:prstGeom prst="rect">
+                <a:avLst/>
+              </a:prstGeom>
+              <a:solidFill>
+                <a:schemeClr val="dk1"/>
+              </a:solidFill>
+              <a:ln>
+                <a:noFill/>
+              </a:ln>
+            </p:spPr>
+            <p:txBody>
+              <a:bodyPr spcFirstLastPara="1" wrap="square" lIns="91425" tIns="45700" rIns="91425" bIns="45700" anchor="ctr" anchorCtr="0">
+                <a:noAutofit/>
+              </a:bodyPr>
+              <a:lstStyle/>
+              <a:p>
+                <a:pPr marL="0" marR="0" lvl="0" indent="0" algn="l" rtl="0">
+                  <a:spcBef>
+                    <a:spcPts val="0"/>
+                  </a:spcBef>
+                  <a:spcAft>
+                    <a:spcPts val="0"/>
+                  </a:spcAft>
+                  <a:buNone/>
+                </a:pPr>
+                <a:r>
+                  <a:rPr lang="en-US" sz="1600">
+                    <a:solidFill>
+                      <a:schemeClr val="lt1"/>
+                    </a:solidFill>
+                    <a:latin typeface="Arial"/>
+                    <a:ea typeface="Arial"/>
+                    <a:cs typeface="Arial"/>
+                    <a:sym typeface="Arial"/>
+                  </a:rPr>
+                  <a:t>Grounded</a:t>
+                </a:r>
+                <a:endParaRPr sz="1600">
+                  <a:solidFill>
+                    <a:schemeClr val="lt1"/>
+                  </a:solidFill>
+                  <a:latin typeface="Arial"/>
+                  <a:ea typeface="Arial"/>
+                  <a:cs typeface="Arial"/>
+                  <a:sym typeface="Arial"/>
+                </a:endParaRPr>
+              </a:p>
+            </p:txBody>
+          </p:sp>
+          <p:sp>
+            <p:nvSpPr>
+              <p:cNvPr id="309" name="Google Shape;309;g21bc3c53028_0_41"/>
+              <p:cNvSpPr/>
+              <p:nvPr/>
+            </p:nvSpPr>
+            <p:spPr>
+              <a:xfrm>
+                <a:off x="1600195" y="4148914"/>
+                <a:ext cx="540000" cy="360000"/>
+              </a:xfrm>
+              <a:prstGeom prst="triangle">
+                <a:avLst>
+                  <a:gd name="adj" fmla="val 0"/>
+                </a:avLst>
+              </a:prstGeom>
+              <a:solidFill>
+                <a:schemeClr val="dk1"/>
+              </a:solidFill>
+              <a:ln>
+                <a:noFill/>
+              </a:ln>
+            </p:spPr>
+            <p:txBody>
+              <a:bodyPr spcFirstLastPara="1" wrap="square" lIns="91425" tIns="45700" rIns="91425" bIns="45700" anchor="ctr" anchorCtr="0">
+                <a:noAutofit/>
+              </a:bodyPr>
+              <a:lstStyle/>
+              <a:p>
+                <a:pPr marL="0" marR="0" lvl="0" indent="0" algn="ctr" rtl="0">
+                  <a:spcBef>
+                    <a:spcPts val="0"/>
+                  </a:spcBef>
+                  <a:spcAft>
+                    <a:spcPts val="0"/>
+                  </a:spcAft>
+                  <a:buNone/>
+                </a:pPr>
+                <a:endParaRPr sz="1600">
+                  <a:solidFill>
+                    <a:schemeClr val="lt1"/>
+                  </a:solidFill>
+                  <a:latin typeface="Arial"/>
+                  <a:ea typeface="Arial"/>
+                  <a:cs typeface="Arial"/>
+                  <a:sym typeface="Arial"/>
+                </a:endParaRPr>
+              </a:p>
+            </p:txBody>
+          </p:sp>
+        </p:grpSp>
+        <p:pic>
+          <p:nvPicPr>
+            <p:cNvPr id="310" name="Google Shape;310;g21bc3c53028_0_41"/>
+            <p:cNvPicPr preferRelativeResize="0"/>
+            <p:nvPr/>
+          </p:nvPicPr>
+          <p:blipFill rotWithShape="1">
+            <a:blip r:embed="rId3">
+              <a:alphaModFix/>
+            </a:blip>
+            <a:srcRect/>
+            <a:stretch/>
+          </p:blipFill>
+          <p:spPr>
+            <a:xfrm>
+              <a:off x="2032495" y="2403796"/>
+              <a:ext cx="703208" cy="1001538"/>
+            </a:xfrm>
+            <a:prstGeom prst="rect">
+              <a:avLst/>
+            </a:prstGeom>
+            <a:noFill/>
+            <a:ln>
+              <a:noFill/>
+            </a:ln>
+          </p:spPr>
+        </p:pic>
+        <p:pic>
+          <p:nvPicPr>
+            <p:cNvPr id="311" name="Google Shape;311;g21bc3c53028_0_41"/>
+            <p:cNvPicPr preferRelativeResize="0"/>
+            <p:nvPr/>
+          </p:nvPicPr>
+          <p:blipFill rotWithShape="1">
+            <a:blip r:embed="rId4">
+              <a:alphaModFix/>
+            </a:blip>
+            <a:srcRect/>
+            <a:stretch/>
+          </p:blipFill>
+          <p:spPr>
+            <a:xfrm>
+              <a:off x="4676964" y="2177791"/>
+              <a:ext cx="616497" cy="924745"/>
+            </a:xfrm>
+            <a:prstGeom prst="rect">
+              <a:avLst/>
+            </a:prstGeom>
+            <a:noFill/>
+            <a:ln>
+              <a:noFill/>
+            </a:ln>
+          </p:spPr>
+        </p:pic>
+        <p:sp>
+          <p:nvSpPr>
+            <p:cNvPr id="312" name="Google Shape;312;g21bc3c53028_0_41"/>
+            <p:cNvSpPr/>
+            <p:nvPr/>
+          </p:nvSpPr>
+          <p:spPr>
+            <a:xfrm>
+              <a:off x="3748441" y="1824906"/>
+              <a:ext cx="2481300" cy="1744200"/>
+            </a:xfrm>
+            <a:prstGeom prst="rect">
+              <a:avLst/>
+            </a:prstGeom>
+            <a:noFill/>
+            <a:ln w="38100" cap="flat" cmpd="sng">
+              <a:solidFill>
+                <a:schemeClr val="dk1"/>
+              </a:solidFill>
+              <a:prstDash val="solid"/>
+              <a:miter lim="800000"/>
+              <a:headEnd type="none" w="sm" len="sm"/>
+              <a:tailEnd type="none" w="sm" len="sm"/>
+            </a:ln>
+          </p:spPr>
+          <p:txBody>
+            <a:bodyPr spcFirstLastPara="1" wrap="square" lIns="91425" tIns="45700" rIns="91425" bIns="45700" anchor="ctr" anchorCtr="0">
+              <a:noAutofit/>
+            </a:bodyPr>
+            <a:lstStyle/>
+            <a:p>
+              <a:pPr marL="0" marR="0" lvl="0" indent="0" algn="ctr" rtl="0">
+                <a:spcBef>
+                  <a:spcPts val="0"/>
+                </a:spcBef>
+                <a:spcAft>
+                  <a:spcPts val="0"/>
+                </a:spcAft>
+                <a:buNone/>
+              </a:pPr>
+              <a:endParaRPr sz="1600">
+                <a:solidFill>
+                  <a:schemeClr val="lt1"/>
+                </a:solidFill>
+                <a:latin typeface="Calibri"/>
+                <a:ea typeface="Calibri"/>
+                <a:cs typeface="Calibri"/>
+                <a:sym typeface="Calibri"/>
               </a:endParaRPr>
             </a:p>
           </p:txBody>
         </p:sp>
       </p:grpSp>
-      <p:pic>
-        <p:nvPicPr>
-          <p:cNvPr id="310" name="Google Shape;310;g21bc3c53028_0_41"/>
-          <p:cNvPicPr preferRelativeResize="0"/>
-          <p:nvPr/>
-        </p:nvPicPr>
-        <p:blipFill rotWithShape="1">
-          <a:blip r:embed="rId3">
-            <a:alphaModFix/>
-          </a:blip>
-          <a:srcRect/>
-          <a:stretch/>
-        </p:blipFill>
-        <p:spPr>
-          <a:xfrm>
-            <a:off x="2032495" y="2403796"/>
-            <a:ext cx="703208" cy="1001538"/>
-          </a:xfrm>
-          <a:prstGeom prst="rect">
-            <a:avLst/>
-          </a:prstGeom>
-          <a:noFill/>
-          <a:ln>
-            <a:noFill/>
-          </a:ln>
-        </p:spPr>
-      </p:pic>
-      <p:pic>
-        <p:nvPicPr>
-          <p:cNvPr id="311" name="Google Shape;311;g21bc3c53028_0_41"/>
-          <p:cNvPicPr preferRelativeResize="0"/>
-          <p:nvPr/>
-        </p:nvPicPr>
-        <p:blipFill rotWithShape="1">
-          <a:blip r:embed="rId4">
-            <a:alphaModFix/>
-          </a:blip>
-          <a:srcRect/>
-          <a:stretch/>
-        </p:blipFill>
-        <p:spPr>
-          <a:xfrm>
-            <a:off x="4676964" y="2177791"/>
-            <a:ext cx="616497" cy="924745"/>
-          </a:xfrm>
-          <a:prstGeom prst="rect">
-            <a:avLst/>
-          </a:prstGeom>
-          <a:noFill/>
-          <a:ln>
-            <a:noFill/>
-          </a:ln>
-        </p:spPr>
-      </p:pic>
-      <p:sp>
-        <p:nvSpPr>
-          <p:cNvPr id="312" name="Google Shape;312;g21bc3c53028_0_41"/>
-          <p:cNvSpPr/>
-          <p:nvPr/>
-        </p:nvSpPr>
-        <p:spPr>
-          <a:xfrm>
-            <a:off x="3748441" y="1824906"/>
-            <a:ext cx="2481300" cy="1744200"/>
-          </a:xfrm>
-          <a:prstGeom prst="rect">
-            <a:avLst/>
-          </a:prstGeom>
-          <a:noFill/>
-          <a:ln w="38100" cap="flat" cmpd="sng">
-            <a:solidFill>
-              <a:schemeClr val="dk1"/>
-            </a:solidFill>
-            <a:prstDash val="solid"/>
-            <a:miter lim="800000"/>
-            <a:headEnd type="none" w="sm" len="sm"/>
-            <a:tailEnd type="none" w="sm" len="sm"/>
-          </a:ln>
-        </p:spPr>
-        <p:txBody>
-          <a:bodyPr spcFirstLastPara="1" wrap="square" lIns="91425" tIns="45700" rIns="91425" bIns="45700" anchor="ctr" anchorCtr="0">
-            <a:noAutofit/>
-          </a:bodyPr>
-          <a:lstStyle/>
-          <a:p>
-            <a:pPr marL="0" marR="0" lvl="0" indent="0" algn="ctr" rtl="0">
-              <a:spcBef>
-                <a:spcPts val="0"/>
-              </a:spcBef>
-              <a:spcAft>
-                <a:spcPts val="0"/>
-              </a:spcAft>
-              <a:buNone/>
-            </a:pPr>
-            <a:endParaRPr sz="1600">
-              <a:solidFill>
-                <a:schemeClr val="lt1"/>
-              </a:solidFill>
-              <a:latin typeface="Calibri"/>
-              <a:ea typeface="Calibri"/>
-              <a:cs typeface="Calibri"/>
-              <a:sym typeface="Calibri"/>
-            </a:endParaRPr>
-          </a:p>
-        </p:txBody>
-      </p:sp>
       <p:grpSp>
         <p:nvGrpSpPr>
           <p:cNvPr id="313" name="Google Shape;313;g21bc3c53028_0_41"/>
@@ -23627,7 +18053,7 @@
         </p:nvGrpSpPr>
         <p:grpSpPr>
           <a:xfrm>
-            <a:off x="1136719" y="5032847"/>
+            <a:off x="893525" y="5071759"/>
             <a:ext cx="5083589" cy="1618294"/>
             <a:chOff x="939067" y="5747595"/>
             <a:chExt cx="5541300" cy="1764000"/>
@@ -23818,7 +18244,7 @@
                   <a:buNone/>
                 </a:pPr>
                 <a:r>
-                  <a:rPr lang="en-US" sz="1600">
+                  <a:rPr lang="en-US" sz="1600" dirty="0">
                     <a:solidFill>
                       <a:schemeClr val="lt1"/>
                     </a:solidFill>
@@ -23829,7 +18255,7 @@
                   </a:rPr>
                   <a:t>Grounded</a:t>
                 </a:r>
-                <a:endParaRPr sz="1600">
+                <a:endParaRPr sz="1600" dirty="0">
                   <a:solidFill>
                     <a:schemeClr val="lt1"/>
                   </a:solidFill>
@@ -23982,8 +18408,8 @@
         </p:nvSpPr>
         <p:spPr>
           <a:xfrm>
-            <a:off x="362763" y="6641636"/>
-            <a:ext cx="6119400" cy="738900"/>
+            <a:off x="379915" y="6725081"/>
+            <a:ext cx="6119400" cy="738623"/>
           </a:xfrm>
           <a:prstGeom prst="rect">
             <a:avLst/>
@@ -24008,7 +18434,7 @@
               </a:spcAft>
               <a:buNone/>
             </a:pPr>
-            <a:endParaRPr u="sng">
+            <a:endParaRPr u="sng" dirty="0">
               <a:solidFill>
                 <a:schemeClr val="dk1"/>
               </a:solidFill>
@@ -24029,22 +18455,22 @@
               <a:buNone/>
             </a:pPr>
             <a:r>
-              <a:rPr lang="en-US" u="sng">
+              <a:rPr lang="en-US" u="sng" dirty="0">
                 <a:solidFill>
                   <a:schemeClr val="dk1"/>
                 </a:solidFill>
               </a:rPr>
-              <a:t>Vertical Movement:</a:t>
+              <a:t>Crouch:</a:t>
             </a:r>
             <a:r>
-              <a:rPr lang="en-US">
+              <a:rPr lang="en-US" dirty="0">
                 <a:solidFill>
                   <a:schemeClr val="dk1"/>
                 </a:solidFill>
               </a:rPr>
-              <a:t> Characters can jump in three directions. The height depends on the character.</a:t>
+              <a:t> Characters can crouch in the ground, stops his movement, reduces the hitbox and gives him access to other moves.</a:t>
             </a:r>
-            <a:endParaRPr sz="1400" b="0" i="0" u="none" strike="noStrike" cap="none">
+            <a:endParaRPr sz="1400" b="0" i="0" u="none" strike="noStrike" cap="none" dirty="0">
               <a:solidFill>
                 <a:schemeClr val="dk1"/>
               </a:solidFill>
@@ -24056,300 +18482,320 @@
           </a:p>
         </p:txBody>
       </p:sp>
-      <p:sp>
-        <p:nvSpPr>
-          <p:cNvPr id="324" name="Google Shape;324;g21bc3c53028_0_41"/>
-          <p:cNvSpPr/>
+      <p:grpSp>
+        <p:nvGrpSpPr>
+          <p:cNvPr id="5" name="Grupo 4">
+            <a:extLst>
+              <a:ext uri="{FF2B5EF4-FFF2-40B4-BE49-F238E27FC236}">
+                <a16:creationId xmlns:a16="http://schemas.microsoft.com/office/drawing/2014/main" id="{44FC8F89-01E3-4FEA-833A-68846E12A7DE}"/>
+              </a:ext>
+            </a:extLst>
+          </p:cNvPr>
+          <p:cNvGrpSpPr/>
           <p:nvPr/>
-        </p:nvSpPr>
-        <p:spPr>
+        </p:nvGrpSpPr>
+        <p:grpSpPr>
           <a:xfrm>
-            <a:off x="1144550" y="9552890"/>
-            <a:ext cx="5075928" cy="241853"/>
+            <a:off x="2193492" y="7547975"/>
+            <a:ext cx="2481300" cy="1742288"/>
+            <a:chOff x="2193492" y="7538247"/>
+            <a:chExt cx="2481300" cy="1742288"/>
           </a:xfrm>
-          <a:prstGeom prst="rect">
-            <a:avLst/>
-          </a:prstGeom>
-          <a:solidFill>
-            <a:schemeClr val="accent2">
-              <a:alpha val="24710"/>
-            </a:schemeClr>
-          </a:solidFill>
-          <a:ln w="38100" cap="flat" cmpd="sng">
+        </p:grpSpPr>
+        <p:sp>
+          <p:nvSpPr>
+            <p:cNvPr id="47" name="Google Shape;305;g21bc3c53028_0_41">
+              <a:extLst>
+                <a:ext uri="{FF2B5EF4-FFF2-40B4-BE49-F238E27FC236}">
+                  <a16:creationId xmlns:a16="http://schemas.microsoft.com/office/drawing/2014/main" id="{0DA458D2-27D9-4066-95B0-F55F132CBD51}"/>
+                </a:ext>
+              </a:extLst>
+            </p:cNvPr>
+            <p:cNvSpPr/>
+            <p:nvPr/>
+          </p:nvSpPr>
+          <p:spPr>
+            <a:xfrm>
+              <a:off x="2193492" y="9038135"/>
+              <a:ext cx="2478300" cy="242400"/>
+            </a:xfrm>
+            <a:prstGeom prst="rect">
+              <a:avLst/>
+            </a:prstGeom>
             <a:solidFill>
-              <a:schemeClr val="accent2"/>
+              <a:schemeClr val="accent2">
+                <a:alpha val="24710"/>
+              </a:schemeClr>
             </a:solidFill>
-            <a:prstDash val="solid"/>
-            <a:miter lim="800000"/>
-            <a:headEnd type="none" w="sm" len="sm"/>
-            <a:tailEnd type="none" w="sm" len="sm"/>
-          </a:ln>
-        </p:spPr>
-        <p:txBody>
-          <a:bodyPr spcFirstLastPara="1" wrap="square" lIns="91425" tIns="45700" rIns="91425" bIns="45700" anchor="ctr" anchorCtr="0">
-            <a:noAutofit/>
-          </a:bodyPr>
-          <a:lstStyle/>
-          <a:p>
-            <a:pPr marL="0" marR="0" lvl="0" indent="0" algn="ctr" rtl="0">
-              <a:spcBef>
-                <a:spcPts val="0"/>
-              </a:spcBef>
-              <a:spcAft>
-                <a:spcPts val="0"/>
-              </a:spcAft>
-              <a:buNone/>
-            </a:pPr>
-            <a:endParaRPr sz="1600">
+            <a:ln w="38100" cap="flat" cmpd="sng">
               <a:solidFill>
-                <a:schemeClr val="lt1"/>
+                <a:schemeClr val="accent2"/>
               </a:solidFill>
-              <a:latin typeface="Calibri"/>
-              <a:ea typeface="Calibri"/>
-              <a:cs typeface="Calibri"/>
-              <a:sym typeface="Calibri"/>
-            </a:endParaRPr>
-          </a:p>
-        </p:txBody>
-      </p:sp>
-      <p:sp>
-        <p:nvSpPr>
-          <p:cNvPr id="325" name="Google Shape;325;g21bc3c53028_0_41"/>
-          <p:cNvSpPr/>
-          <p:nvPr/>
-        </p:nvSpPr>
-        <p:spPr>
-          <a:xfrm>
-            <a:off x="1144550" y="7417359"/>
-            <a:ext cx="5075928" cy="2379963"/>
-          </a:xfrm>
-          <a:prstGeom prst="rect">
-            <a:avLst/>
-          </a:prstGeom>
-          <a:noFill/>
-          <a:ln w="38100" cap="flat" cmpd="sng">
-            <a:solidFill>
-              <a:schemeClr val="dk1"/>
-            </a:solidFill>
-            <a:prstDash val="solid"/>
-            <a:miter lim="800000"/>
-            <a:headEnd type="none" w="sm" len="sm"/>
-            <a:tailEnd type="none" w="sm" len="sm"/>
-          </a:ln>
-        </p:spPr>
-        <p:txBody>
-          <a:bodyPr spcFirstLastPara="1" wrap="square" lIns="91425" tIns="45700" rIns="91425" bIns="45700" anchor="ctr" anchorCtr="0">
-            <a:noAutofit/>
-          </a:bodyPr>
-          <a:lstStyle/>
-          <a:p>
-            <a:pPr marL="0" marR="0" lvl="0" indent="0" algn="ctr" rtl="0">
-              <a:spcBef>
-                <a:spcPts val="0"/>
-              </a:spcBef>
-              <a:spcAft>
-                <a:spcPts val="0"/>
-              </a:spcAft>
-              <a:buNone/>
-            </a:pPr>
-            <a:endParaRPr sz="1600">
+              <a:prstDash val="solid"/>
+              <a:miter lim="800000"/>
+              <a:headEnd type="none" w="sm" len="sm"/>
+              <a:tailEnd type="none" w="sm" len="sm"/>
+            </a:ln>
+          </p:spPr>
+          <p:txBody>
+            <a:bodyPr spcFirstLastPara="1" wrap="square" lIns="91425" tIns="45700" rIns="91425" bIns="45700" anchor="ctr" anchorCtr="0">
+              <a:noAutofit/>
+            </a:bodyPr>
+            <a:lstStyle/>
+            <a:p>
+              <a:pPr marL="0" marR="0" lvl="0" indent="0" algn="ctr" rtl="0">
+                <a:spcBef>
+                  <a:spcPts val="0"/>
+                </a:spcBef>
+                <a:spcAft>
+                  <a:spcPts val="0"/>
+                </a:spcAft>
+                <a:buNone/>
+              </a:pPr>
+              <a:endParaRPr sz="1600">
+                <a:solidFill>
+                  <a:schemeClr val="lt1"/>
+                </a:solidFill>
+                <a:latin typeface="Calibri"/>
+                <a:ea typeface="Calibri"/>
+                <a:cs typeface="Calibri"/>
+                <a:sym typeface="Calibri"/>
+              </a:endParaRPr>
+            </a:p>
+          </p:txBody>
+        </p:sp>
+        <p:sp>
+          <p:nvSpPr>
+            <p:cNvPr id="48" name="Google Shape;306;g21bc3c53028_0_41">
+              <a:extLst>
+                <a:ext uri="{FF2B5EF4-FFF2-40B4-BE49-F238E27FC236}">
+                  <a16:creationId xmlns:a16="http://schemas.microsoft.com/office/drawing/2014/main" id="{247B2A99-A502-4E2E-ADC6-541428DE3E47}"/>
+                </a:ext>
+              </a:extLst>
+            </p:cNvPr>
+            <p:cNvSpPr/>
+            <p:nvPr/>
+          </p:nvSpPr>
+          <p:spPr>
+            <a:xfrm>
+              <a:off x="2193492" y="7538247"/>
+              <a:ext cx="2481300" cy="1742100"/>
+            </a:xfrm>
+            <a:prstGeom prst="rect">
+              <a:avLst/>
+            </a:prstGeom>
+            <a:noFill/>
+            <a:ln w="38100" cap="flat" cmpd="sng">
               <a:solidFill>
-                <a:schemeClr val="lt1"/>
+                <a:schemeClr val="dk1"/>
               </a:solidFill>
-              <a:latin typeface="Calibri"/>
-              <a:ea typeface="Calibri"/>
-              <a:cs typeface="Calibri"/>
-              <a:sym typeface="Calibri"/>
-            </a:endParaRPr>
-          </a:p>
-        </p:txBody>
-      </p:sp>
-      <p:pic>
-        <p:nvPicPr>
-          <p:cNvPr id="326" name="Google Shape;326;g21bc3c53028_0_41"/>
-          <p:cNvPicPr preferRelativeResize="0"/>
-          <p:nvPr/>
-        </p:nvPicPr>
-        <p:blipFill rotWithShape="1">
-          <a:blip r:embed="rId7">
-            <a:alphaModFix/>
-          </a:blip>
-          <a:srcRect/>
-          <a:stretch/>
-        </p:blipFill>
-        <p:spPr>
-          <a:xfrm>
-            <a:off x="3334184" y="7522345"/>
-            <a:ext cx="671484" cy="715515"/>
-          </a:xfrm>
-          <a:prstGeom prst="rect">
-            <a:avLst/>
-          </a:prstGeom>
-          <a:noFill/>
-          <a:ln>
-            <a:noFill/>
-          </a:ln>
-        </p:spPr>
-      </p:pic>
-      <p:pic>
-        <p:nvPicPr>
-          <p:cNvPr id="327" name="Google Shape;327;g21bc3c53028_0_41"/>
-          <p:cNvPicPr preferRelativeResize="0"/>
-          <p:nvPr/>
-        </p:nvPicPr>
-        <p:blipFill rotWithShape="1">
-          <a:blip r:embed="rId8">
-            <a:alphaModFix/>
-          </a:blip>
-          <a:srcRect/>
-          <a:stretch/>
-        </p:blipFill>
-        <p:spPr>
-          <a:xfrm>
-            <a:off x="4620020" y="7634778"/>
-            <a:ext cx="615529" cy="923293"/>
-          </a:xfrm>
-          <a:prstGeom prst="rect">
-            <a:avLst/>
-          </a:prstGeom>
-          <a:noFill/>
-          <a:ln>
-            <a:noFill/>
-          </a:ln>
-        </p:spPr>
-      </p:pic>
-      <p:pic>
-        <p:nvPicPr>
-          <p:cNvPr id="328" name="Google Shape;328;g21bc3c53028_0_41"/>
-          <p:cNvPicPr preferRelativeResize="0"/>
-          <p:nvPr/>
-        </p:nvPicPr>
-        <p:blipFill rotWithShape="1">
-          <a:blip r:embed="rId9">
-            <a:alphaModFix/>
-          </a:blip>
-          <a:srcRect/>
-          <a:stretch/>
-        </p:blipFill>
-        <p:spPr>
-          <a:xfrm>
-            <a:off x="1965567" y="7818428"/>
-            <a:ext cx="700000" cy="940000"/>
-          </a:xfrm>
-          <a:prstGeom prst="rect">
-            <a:avLst/>
-          </a:prstGeom>
-          <a:noFill/>
-          <a:ln>
-            <a:noFill/>
-          </a:ln>
-        </p:spPr>
-      </p:pic>
-      <p:cxnSp>
-        <p:nvCxnSpPr>
-          <p:cNvPr id="329" name="Google Shape;329;g21bc3c53028_0_41"/>
-          <p:cNvCxnSpPr/>
-          <p:nvPr/>
-        </p:nvCxnSpPr>
-        <p:spPr>
-          <a:xfrm rot="10800000">
-            <a:off x="2694567" y="8379678"/>
-            <a:ext cx="891600" cy="772200"/>
-          </a:xfrm>
-          <a:prstGeom prst="straightConnector1">
-            <a:avLst/>
-          </a:prstGeom>
-          <a:noFill/>
-          <a:ln w="28575" cap="flat" cmpd="sng">
-            <a:solidFill>
-              <a:schemeClr val="dk1"/>
-            </a:solidFill>
-            <a:prstDash val="solid"/>
-            <a:round/>
-            <a:headEnd type="none" w="med" len="med"/>
-            <a:tailEnd type="triangle" w="med" len="med"/>
-          </a:ln>
-        </p:spPr>
-      </p:cxnSp>
-      <p:cxnSp>
-        <p:nvCxnSpPr>
-          <p:cNvPr id="330" name="Google Shape;330;g21bc3c53028_0_41"/>
-          <p:cNvCxnSpPr/>
-          <p:nvPr/>
-        </p:nvCxnSpPr>
-        <p:spPr>
-          <a:xfrm rot="10800000" flipH="1">
-            <a:off x="3608967" y="8379678"/>
-            <a:ext cx="891600" cy="772200"/>
-          </a:xfrm>
-          <a:prstGeom prst="straightConnector1">
-            <a:avLst/>
-          </a:prstGeom>
-          <a:noFill/>
-          <a:ln w="28575" cap="flat" cmpd="sng">
-            <a:solidFill>
-              <a:schemeClr val="dk1"/>
-            </a:solidFill>
-            <a:prstDash val="solid"/>
-            <a:round/>
-            <a:headEnd type="none" w="med" len="med"/>
-            <a:tailEnd type="triangle" w="med" len="med"/>
-          </a:ln>
-        </p:spPr>
-      </p:cxnSp>
-      <p:cxnSp>
-        <p:nvCxnSpPr>
-          <p:cNvPr id="331" name="Google Shape;331;g21bc3c53028_0_41"/>
-          <p:cNvCxnSpPr/>
-          <p:nvPr/>
-        </p:nvCxnSpPr>
-        <p:spPr>
-          <a:xfrm rot="10800000">
-            <a:off x="3596517" y="8270291"/>
-            <a:ext cx="0" cy="789600"/>
-          </a:xfrm>
-          <a:prstGeom prst="straightConnector1">
-            <a:avLst/>
-          </a:prstGeom>
-          <a:noFill/>
-          <a:ln w="28575" cap="flat" cmpd="sng">
-            <a:solidFill>
-              <a:schemeClr val="dk1"/>
-            </a:solidFill>
-            <a:prstDash val="solid"/>
-            <a:round/>
-            <a:headEnd type="none" w="med" len="med"/>
-            <a:tailEnd type="triangle" w="med" len="med"/>
-          </a:ln>
-        </p:spPr>
-      </p:cxnSp>
-      <p:pic>
-        <p:nvPicPr>
-          <p:cNvPr id="332" name="Google Shape;332;g21bc3c53028_0_41"/>
-          <p:cNvPicPr preferRelativeResize="0"/>
-          <p:nvPr/>
-        </p:nvPicPr>
-        <p:blipFill rotWithShape="1">
-          <a:blip r:embed="rId3">
-            <a:alphaModFix/>
-          </a:blip>
-          <a:srcRect/>
-          <a:stretch/>
-        </p:blipFill>
-        <p:spPr>
-          <a:xfrm>
-            <a:off x="3259928" y="8606079"/>
-            <a:ext cx="702103" cy="999964"/>
-          </a:xfrm>
-          <a:prstGeom prst="rect">
-            <a:avLst/>
-          </a:prstGeom>
-          <a:noFill/>
-          <a:ln>
-            <a:noFill/>
-          </a:ln>
-        </p:spPr>
-      </p:pic>
+              <a:prstDash val="solid"/>
+              <a:miter lim="800000"/>
+              <a:headEnd type="none" w="sm" len="sm"/>
+              <a:tailEnd type="none" w="sm" len="sm"/>
+            </a:ln>
+          </p:spPr>
+          <p:txBody>
+            <a:bodyPr spcFirstLastPara="1" wrap="square" lIns="91425" tIns="45700" rIns="91425" bIns="45700" anchor="ctr" anchorCtr="0">
+              <a:noAutofit/>
+            </a:bodyPr>
+            <a:lstStyle/>
+            <a:p>
+              <a:pPr marL="0" marR="0" lvl="0" indent="0" algn="ctr" rtl="0">
+                <a:spcBef>
+                  <a:spcPts val="0"/>
+                </a:spcBef>
+                <a:spcAft>
+                  <a:spcPts val="0"/>
+                </a:spcAft>
+                <a:buNone/>
+              </a:pPr>
+              <a:endParaRPr sz="1600">
+                <a:solidFill>
+                  <a:schemeClr val="lt1"/>
+                </a:solidFill>
+                <a:latin typeface="Calibri"/>
+                <a:ea typeface="Calibri"/>
+                <a:cs typeface="Calibri"/>
+                <a:sym typeface="Calibri"/>
+              </a:endParaRPr>
+            </a:p>
+          </p:txBody>
+        </p:sp>
+        <p:grpSp>
+          <p:nvGrpSpPr>
+            <p:cNvPr id="49" name="Google Shape;307;g21bc3c53028_0_41">
+              <a:extLst>
+                <a:ext uri="{FF2B5EF4-FFF2-40B4-BE49-F238E27FC236}">
+                  <a16:creationId xmlns:a16="http://schemas.microsoft.com/office/drawing/2014/main" id="{DC9105B4-5796-4EA5-995F-FBBBACFEF096}"/>
+                </a:ext>
+              </a:extLst>
+            </p:cNvPr>
+            <p:cNvGrpSpPr/>
+            <p:nvPr/>
+          </p:nvGrpSpPr>
+          <p:grpSpPr>
+            <a:xfrm rot="10800000" flipH="1">
+              <a:off x="2201295" y="7540656"/>
+              <a:ext cx="1588207" cy="306778"/>
+              <a:chOff x="379629" y="4144280"/>
+              <a:chExt cx="1760566" cy="369300"/>
+            </a:xfrm>
+          </p:grpSpPr>
+          <p:sp>
+            <p:nvSpPr>
+              <p:cNvPr id="50" name="Google Shape;308;g21bc3c53028_0_41">
+                <a:extLst>
+                  <a:ext uri="{FF2B5EF4-FFF2-40B4-BE49-F238E27FC236}">
+                    <a16:creationId xmlns:a16="http://schemas.microsoft.com/office/drawing/2014/main" id="{667715F4-4035-47EF-AFF0-5C566C9D3B15}"/>
+                  </a:ext>
+                </a:extLst>
+              </p:cNvPr>
+              <p:cNvSpPr/>
+              <p:nvPr/>
+            </p:nvSpPr>
+            <p:spPr>
+              <a:xfrm rot="10800000" flipH="1">
+                <a:off x="379629" y="4144280"/>
+                <a:ext cx="1238700" cy="369300"/>
+              </a:xfrm>
+              <a:prstGeom prst="rect">
+                <a:avLst/>
+              </a:prstGeom>
+              <a:solidFill>
+                <a:schemeClr val="dk1"/>
+              </a:solidFill>
+              <a:ln>
+                <a:noFill/>
+              </a:ln>
+            </p:spPr>
+            <p:txBody>
+              <a:bodyPr spcFirstLastPara="1" wrap="square" lIns="91425" tIns="45700" rIns="91425" bIns="45700" anchor="ctr" anchorCtr="0">
+                <a:noAutofit/>
+              </a:bodyPr>
+              <a:lstStyle/>
+              <a:p>
+                <a:pPr marL="0" marR="0" lvl="0" indent="0" algn="l" rtl="0">
+                  <a:spcBef>
+                    <a:spcPts val="0"/>
+                  </a:spcBef>
+                  <a:spcAft>
+                    <a:spcPts val="0"/>
+                  </a:spcAft>
+                  <a:buNone/>
+                </a:pPr>
+                <a:r>
+                  <a:rPr lang="en-US" sz="1600" dirty="0">
+                    <a:solidFill>
+                      <a:schemeClr val="lt1"/>
+                    </a:solidFill>
+                    <a:latin typeface="Arial"/>
+                    <a:ea typeface="Arial"/>
+                    <a:cs typeface="Arial"/>
+                    <a:sym typeface="Arial"/>
+                  </a:rPr>
+                  <a:t>Grounded</a:t>
+                </a:r>
+                <a:endParaRPr sz="1600" dirty="0">
+                  <a:solidFill>
+                    <a:schemeClr val="lt1"/>
+                  </a:solidFill>
+                  <a:latin typeface="Arial"/>
+                  <a:ea typeface="Arial"/>
+                  <a:cs typeface="Arial"/>
+                  <a:sym typeface="Arial"/>
+                </a:endParaRPr>
+              </a:p>
+            </p:txBody>
+          </p:sp>
+          <p:sp>
+            <p:nvSpPr>
+              <p:cNvPr id="51" name="Google Shape;309;g21bc3c53028_0_41">
+                <a:extLst>
+                  <a:ext uri="{FF2B5EF4-FFF2-40B4-BE49-F238E27FC236}">
+                    <a16:creationId xmlns:a16="http://schemas.microsoft.com/office/drawing/2014/main" id="{9260FD7A-08FF-4388-9E2F-241017F197E0}"/>
+                  </a:ext>
+                </a:extLst>
+              </p:cNvPr>
+              <p:cNvSpPr/>
+              <p:nvPr/>
+            </p:nvSpPr>
+            <p:spPr>
+              <a:xfrm>
+                <a:off x="1600195" y="4148914"/>
+                <a:ext cx="540000" cy="360000"/>
+              </a:xfrm>
+              <a:prstGeom prst="triangle">
+                <a:avLst>
+                  <a:gd name="adj" fmla="val 0"/>
+                </a:avLst>
+              </a:prstGeom>
+              <a:solidFill>
+                <a:schemeClr val="dk1"/>
+              </a:solidFill>
+              <a:ln>
+                <a:noFill/>
+              </a:ln>
+            </p:spPr>
+            <p:txBody>
+              <a:bodyPr spcFirstLastPara="1" wrap="square" lIns="91425" tIns="45700" rIns="91425" bIns="45700" anchor="ctr" anchorCtr="0">
+                <a:noAutofit/>
+              </a:bodyPr>
+              <a:lstStyle/>
+              <a:p>
+                <a:pPr marL="0" marR="0" lvl="0" indent="0" algn="ctr" rtl="0">
+                  <a:spcBef>
+                    <a:spcPts val="0"/>
+                  </a:spcBef>
+                  <a:spcAft>
+                    <a:spcPts val="0"/>
+                  </a:spcAft>
+                  <a:buNone/>
+                </a:pPr>
+                <a:endParaRPr sz="1600">
+                  <a:solidFill>
+                    <a:schemeClr val="lt1"/>
+                  </a:solidFill>
+                  <a:latin typeface="Arial"/>
+                  <a:ea typeface="Arial"/>
+                  <a:cs typeface="Arial"/>
+                  <a:sym typeface="Arial"/>
+                </a:endParaRPr>
+              </a:p>
+            </p:txBody>
+          </p:sp>
+        </p:grpSp>
+        <p:pic>
+          <p:nvPicPr>
+            <p:cNvPr id="3" name="Imagen 2">
+              <a:extLst>
+                <a:ext uri="{FF2B5EF4-FFF2-40B4-BE49-F238E27FC236}">
+                  <a16:creationId xmlns:a16="http://schemas.microsoft.com/office/drawing/2014/main" id="{A8CA99F2-A5A8-45E6-9AA2-C96FA91745D5}"/>
+                </a:ext>
+              </a:extLst>
+            </p:cNvPr>
+            <p:cNvPicPr>
+              <a:picLocks noChangeAspect="1"/>
+            </p:cNvPicPr>
+            <p:nvPr/>
+          </p:nvPicPr>
+          <p:blipFill>
+            <a:blip r:embed="rId7"/>
+            <a:stretch>
+              <a:fillRect/>
+            </a:stretch>
+          </p:blipFill>
+          <p:spPr>
+            <a:xfrm>
+              <a:off x="3109061" y="8403362"/>
+              <a:ext cx="638623" cy="680500"/>
+            </a:xfrm>
+            <a:prstGeom prst="rect">
+              <a:avLst/>
+            </a:prstGeom>
+          </p:spPr>
+        </p:pic>
+      </p:grpSp>
     </p:spTree>
   </p:cSld>
   <p:clrMapOvr>
@@ -24358,7 +18804,7 @@
 </p:sld>
 </file>
 
-<file path=ppt/slides/slide9.xml><?xml version="1.0" encoding="utf-8"?>
+<file path=ppt/slides/slide8.xml><?xml version="1.0" encoding="utf-8"?>
 <p:sld xmlns:a="http://schemas.openxmlformats.org/drawingml/2006/main" xmlns:r="http://schemas.openxmlformats.org/officeDocument/2006/relationships" xmlns:p="http://schemas.openxmlformats.org/presentationml/2006/main">
   <p:cSld>
     <p:spTree>
@@ -24446,7 +18892,7 @@
         <p:spPr>
           <a:xfrm>
             <a:off x="370187" y="918697"/>
-            <a:ext cx="6119400" cy="673800"/>
+            <a:ext cx="6119400" cy="786650"/>
           </a:xfrm>
           <a:prstGeom prst="rect">
             <a:avLst/>
@@ -24475,7 +18921,7 @@
               <a:buNone/>
             </a:pPr>
             <a:r>
-              <a:rPr lang="en-US" sz="1600" b="1">
+              <a:rPr lang="en-US" sz="1600" b="1" dirty="0">
                 <a:solidFill>
                   <a:schemeClr val="dk1"/>
                 </a:solidFill>
@@ -24484,29 +18930,9 @@
                 <a:cs typeface="Arial"/>
                 <a:sym typeface="Arial"/>
               </a:rPr>
-              <a:t>3.4. </a:t>
+              <a:t>3.4. Basic Movement</a:t>
             </a:r>
-            <a:r>
-              <a:rPr lang="en-US" sz="1600" b="1">
-                <a:solidFill>
-                  <a:schemeClr val="dk1"/>
-                </a:solidFill>
-              </a:rPr>
-              <a:t>Advance </a:t>
-            </a:r>
-            <a:r>
-              <a:rPr lang="en-US" sz="1600" b="1">
-                <a:solidFill>
-                  <a:schemeClr val="dk1"/>
-                </a:solidFill>
-                <a:latin typeface="Arial"/>
-                <a:ea typeface="Arial"/>
-                <a:cs typeface="Arial"/>
-                <a:sym typeface="Arial"/>
-              </a:rPr>
-              <a:t>Movement</a:t>
-            </a:r>
-            <a:endParaRPr sz="1400">
+            <a:endParaRPr sz="1400" dirty="0">
               <a:solidFill>
                 <a:schemeClr val="dk1"/>
               </a:solidFill>
@@ -24517,44 +18943,36 @@
             </a:endParaRPr>
           </a:p>
           <a:p>
-            <a:pPr marL="457200" marR="0" lvl="1" indent="0" algn="just" rtl="0">
-              <a:spcBef>
-                <a:spcPts val="800"/>
-              </a:spcBef>
-              <a:spcAft>
-                <a:spcPts val="0"/>
-              </a:spcAft>
+            <a:pPr marL="457200" lvl="1" indent="0" algn="just" rtl="0">
+              <a:spcBef>
+                <a:spcPts val="0"/>
+              </a:spcBef>
+              <a:spcAft>
+                <a:spcPts val="0"/>
+              </a:spcAft>
+              <a:buClr>
+                <a:schemeClr val="dk1"/>
+              </a:buClr>
+              <a:buFont typeface="Arial"/>
               <a:buNone/>
             </a:pPr>
             <a:r>
-              <a:rPr lang="en-US" u="sng">
+              <a:rPr lang="en-US" u="sng" dirty="0">
                 <a:solidFill>
                   <a:schemeClr val="dk1"/>
                 </a:solidFill>
               </a:rPr>
-              <a:t>Dash</a:t>
+              <a:t>Vertical Movement:</a:t>
             </a:r>
             <a:r>
-              <a:rPr lang="en-US" sz="1400" b="0" i="0" u="none" strike="noStrike" cap="none">
-                <a:solidFill>
-                  <a:schemeClr val="dk1"/>
-                </a:solidFill>
-                <a:latin typeface="Arial"/>
-                <a:ea typeface="Arial"/>
-                <a:cs typeface="Arial"/>
-                <a:sym typeface="Arial"/>
-              </a:rPr>
-              <a:t>: Characters </a:t>
-            </a:r>
-            <a:r>
-              <a:rPr lang="en-US">
+              <a:rPr lang="en-US" dirty="0">
                 <a:solidFill>
                   <a:schemeClr val="dk1"/>
                 </a:solidFill>
               </a:rPr>
-              <a:t>can dash in two directions</a:t>
+              <a:t> Characters can jump in three directions. The height depends on the character.</a:t>
             </a:r>
-            <a:endParaRPr sz="1400" b="0" i="0" u="none" strike="noStrike" cap="none">
+            <a:endParaRPr lang="en-US" sz="1400" b="0" i="0" u="none" strike="noStrike" cap="none" dirty="0">
               <a:solidFill>
                 <a:schemeClr val="dk1"/>
               </a:solidFill>
@@ -24566,6 +18984,375 @@
           </a:p>
         </p:txBody>
       </p:sp>
+      <p:grpSp>
+        <p:nvGrpSpPr>
+          <p:cNvPr id="15" name="Grupo 14">
+            <a:extLst>
+              <a:ext uri="{FF2B5EF4-FFF2-40B4-BE49-F238E27FC236}">
+                <a16:creationId xmlns:a16="http://schemas.microsoft.com/office/drawing/2014/main" id="{6FFF29E0-0353-42EE-AE81-73742A60C147}"/>
+              </a:ext>
+            </a:extLst>
+          </p:cNvPr>
+          <p:cNvGrpSpPr/>
+          <p:nvPr/>
+        </p:nvGrpSpPr>
+        <p:grpSpPr>
+          <a:xfrm>
+            <a:off x="901356" y="1823938"/>
+            <a:ext cx="5075928" cy="2379963"/>
+            <a:chOff x="1144550" y="2592424"/>
+            <a:chExt cx="5075928" cy="2379963"/>
+          </a:xfrm>
+        </p:grpSpPr>
+        <p:sp>
+          <p:nvSpPr>
+            <p:cNvPr id="16" name="Google Shape;324;g21bc3c53028_0_41">
+              <a:extLst>
+                <a:ext uri="{FF2B5EF4-FFF2-40B4-BE49-F238E27FC236}">
+                  <a16:creationId xmlns:a16="http://schemas.microsoft.com/office/drawing/2014/main" id="{E34E1C29-1E4F-4BEE-BE1C-BAECE616F804}"/>
+                </a:ext>
+              </a:extLst>
+            </p:cNvPr>
+            <p:cNvSpPr/>
+            <p:nvPr/>
+          </p:nvSpPr>
+          <p:spPr>
+            <a:xfrm>
+              <a:off x="1144550" y="4727955"/>
+              <a:ext cx="5075928" cy="241853"/>
+            </a:xfrm>
+            <a:prstGeom prst="rect">
+              <a:avLst/>
+            </a:prstGeom>
+            <a:solidFill>
+              <a:schemeClr val="accent2">
+                <a:alpha val="24710"/>
+              </a:schemeClr>
+            </a:solidFill>
+            <a:ln w="38100" cap="flat" cmpd="sng">
+              <a:solidFill>
+                <a:schemeClr val="accent2"/>
+              </a:solidFill>
+              <a:prstDash val="solid"/>
+              <a:miter lim="800000"/>
+              <a:headEnd type="none" w="sm" len="sm"/>
+              <a:tailEnd type="none" w="sm" len="sm"/>
+            </a:ln>
+          </p:spPr>
+          <p:txBody>
+            <a:bodyPr spcFirstLastPara="1" wrap="square" lIns="91425" tIns="45700" rIns="91425" bIns="45700" anchor="ctr" anchorCtr="0">
+              <a:noAutofit/>
+            </a:bodyPr>
+            <a:lstStyle/>
+            <a:p>
+              <a:pPr marL="0" marR="0" lvl="0" indent="0" algn="ctr" rtl="0">
+                <a:spcBef>
+                  <a:spcPts val="0"/>
+                </a:spcBef>
+                <a:spcAft>
+                  <a:spcPts val="0"/>
+                </a:spcAft>
+                <a:buNone/>
+              </a:pPr>
+              <a:endParaRPr sz="1600">
+                <a:solidFill>
+                  <a:schemeClr val="lt1"/>
+                </a:solidFill>
+                <a:latin typeface="Calibri"/>
+                <a:ea typeface="Calibri"/>
+                <a:cs typeface="Calibri"/>
+                <a:sym typeface="Calibri"/>
+              </a:endParaRPr>
+            </a:p>
+          </p:txBody>
+        </p:sp>
+        <p:sp>
+          <p:nvSpPr>
+            <p:cNvPr id="17" name="Google Shape;325;g21bc3c53028_0_41">
+              <a:extLst>
+                <a:ext uri="{FF2B5EF4-FFF2-40B4-BE49-F238E27FC236}">
+                  <a16:creationId xmlns:a16="http://schemas.microsoft.com/office/drawing/2014/main" id="{9A8B1533-5EFF-4262-9AC2-8FD6E0593A3A}"/>
+                </a:ext>
+              </a:extLst>
+            </p:cNvPr>
+            <p:cNvSpPr/>
+            <p:nvPr/>
+          </p:nvSpPr>
+          <p:spPr>
+            <a:xfrm>
+              <a:off x="1144550" y="2592424"/>
+              <a:ext cx="5075928" cy="2379963"/>
+            </a:xfrm>
+            <a:prstGeom prst="rect">
+              <a:avLst/>
+            </a:prstGeom>
+            <a:noFill/>
+            <a:ln w="38100" cap="flat" cmpd="sng">
+              <a:solidFill>
+                <a:schemeClr val="dk1"/>
+              </a:solidFill>
+              <a:prstDash val="solid"/>
+              <a:miter lim="800000"/>
+              <a:headEnd type="none" w="sm" len="sm"/>
+              <a:tailEnd type="none" w="sm" len="sm"/>
+            </a:ln>
+          </p:spPr>
+          <p:txBody>
+            <a:bodyPr spcFirstLastPara="1" wrap="square" lIns="91425" tIns="45700" rIns="91425" bIns="45700" anchor="ctr" anchorCtr="0">
+              <a:noAutofit/>
+            </a:bodyPr>
+            <a:lstStyle/>
+            <a:p>
+              <a:pPr marL="0" marR="0" lvl="0" indent="0" algn="ctr" rtl="0">
+                <a:spcBef>
+                  <a:spcPts val="0"/>
+                </a:spcBef>
+                <a:spcAft>
+                  <a:spcPts val="0"/>
+                </a:spcAft>
+                <a:buNone/>
+              </a:pPr>
+              <a:endParaRPr sz="1600">
+                <a:solidFill>
+                  <a:schemeClr val="lt1"/>
+                </a:solidFill>
+                <a:latin typeface="Calibri"/>
+                <a:ea typeface="Calibri"/>
+                <a:cs typeface="Calibri"/>
+                <a:sym typeface="Calibri"/>
+              </a:endParaRPr>
+            </a:p>
+          </p:txBody>
+        </p:sp>
+        <p:pic>
+          <p:nvPicPr>
+            <p:cNvPr id="18" name="Google Shape;326;g21bc3c53028_0_41">
+              <a:extLst>
+                <a:ext uri="{FF2B5EF4-FFF2-40B4-BE49-F238E27FC236}">
+                  <a16:creationId xmlns:a16="http://schemas.microsoft.com/office/drawing/2014/main" id="{D68CA959-4A0E-40E9-97EC-DAB3E753596A}"/>
+                </a:ext>
+              </a:extLst>
+            </p:cNvPr>
+            <p:cNvPicPr preferRelativeResize="0"/>
+            <p:nvPr/>
+          </p:nvPicPr>
+          <p:blipFill rotWithShape="1">
+            <a:blip r:embed="rId3">
+              <a:alphaModFix/>
+            </a:blip>
+            <a:srcRect/>
+            <a:stretch/>
+          </p:blipFill>
+          <p:spPr>
+            <a:xfrm>
+              <a:off x="3334184" y="2697410"/>
+              <a:ext cx="671484" cy="715515"/>
+            </a:xfrm>
+            <a:prstGeom prst="rect">
+              <a:avLst/>
+            </a:prstGeom>
+            <a:noFill/>
+            <a:ln>
+              <a:noFill/>
+            </a:ln>
+          </p:spPr>
+        </p:pic>
+        <p:pic>
+          <p:nvPicPr>
+            <p:cNvPr id="19" name="Google Shape;327;g21bc3c53028_0_41">
+              <a:extLst>
+                <a:ext uri="{FF2B5EF4-FFF2-40B4-BE49-F238E27FC236}">
+                  <a16:creationId xmlns:a16="http://schemas.microsoft.com/office/drawing/2014/main" id="{C9BC2CED-2DF5-4ABD-9CC4-DFAE9C7E71DA}"/>
+                </a:ext>
+              </a:extLst>
+            </p:cNvPr>
+            <p:cNvPicPr preferRelativeResize="0"/>
+            <p:nvPr/>
+          </p:nvPicPr>
+          <p:blipFill rotWithShape="1">
+            <a:blip r:embed="rId4">
+              <a:alphaModFix/>
+            </a:blip>
+            <a:srcRect/>
+            <a:stretch/>
+          </p:blipFill>
+          <p:spPr>
+            <a:xfrm>
+              <a:off x="4620020" y="2809843"/>
+              <a:ext cx="615529" cy="923293"/>
+            </a:xfrm>
+            <a:prstGeom prst="rect">
+              <a:avLst/>
+            </a:prstGeom>
+            <a:noFill/>
+            <a:ln>
+              <a:noFill/>
+            </a:ln>
+          </p:spPr>
+        </p:pic>
+        <p:pic>
+          <p:nvPicPr>
+            <p:cNvPr id="20" name="Google Shape;328;g21bc3c53028_0_41">
+              <a:extLst>
+                <a:ext uri="{FF2B5EF4-FFF2-40B4-BE49-F238E27FC236}">
+                  <a16:creationId xmlns:a16="http://schemas.microsoft.com/office/drawing/2014/main" id="{E9670691-14D3-4EBA-8BF2-FB4C443BCD1A}"/>
+                </a:ext>
+              </a:extLst>
+            </p:cNvPr>
+            <p:cNvPicPr preferRelativeResize="0"/>
+            <p:nvPr/>
+          </p:nvPicPr>
+          <p:blipFill rotWithShape="1">
+            <a:blip r:embed="rId5">
+              <a:alphaModFix/>
+            </a:blip>
+            <a:srcRect/>
+            <a:stretch/>
+          </p:blipFill>
+          <p:spPr>
+            <a:xfrm>
+              <a:off x="1965567" y="2993493"/>
+              <a:ext cx="700000" cy="940000"/>
+            </a:xfrm>
+            <a:prstGeom prst="rect">
+              <a:avLst/>
+            </a:prstGeom>
+            <a:noFill/>
+            <a:ln>
+              <a:noFill/>
+            </a:ln>
+          </p:spPr>
+        </p:pic>
+        <p:cxnSp>
+          <p:nvCxnSpPr>
+            <p:cNvPr id="21" name="Google Shape;329;g21bc3c53028_0_41">
+              <a:extLst>
+                <a:ext uri="{FF2B5EF4-FFF2-40B4-BE49-F238E27FC236}">
+                  <a16:creationId xmlns:a16="http://schemas.microsoft.com/office/drawing/2014/main" id="{E6BDDE7C-D15C-43EE-8C46-DEBB686435D6}"/>
+                </a:ext>
+              </a:extLst>
+            </p:cNvPr>
+            <p:cNvCxnSpPr/>
+            <p:nvPr/>
+          </p:nvCxnSpPr>
+          <p:spPr>
+            <a:xfrm rot="10800000">
+              <a:off x="2694567" y="3554743"/>
+              <a:ext cx="891600" cy="772200"/>
+            </a:xfrm>
+            <a:prstGeom prst="straightConnector1">
+              <a:avLst/>
+            </a:prstGeom>
+            <a:noFill/>
+            <a:ln w="28575" cap="flat" cmpd="sng">
+              <a:solidFill>
+                <a:schemeClr val="dk1"/>
+              </a:solidFill>
+              <a:prstDash val="solid"/>
+              <a:round/>
+              <a:headEnd type="none" w="med" len="med"/>
+              <a:tailEnd type="triangle" w="med" len="med"/>
+            </a:ln>
+          </p:spPr>
+        </p:cxnSp>
+        <p:cxnSp>
+          <p:nvCxnSpPr>
+            <p:cNvPr id="22" name="Google Shape;330;g21bc3c53028_0_41">
+              <a:extLst>
+                <a:ext uri="{FF2B5EF4-FFF2-40B4-BE49-F238E27FC236}">
+                  <a16:creationId xmlns:a16="http://schemas.microsoft.com/office/drawing/2014/main" id="{A50F3694-F0C3-481A-88FD-BCDBB08C291F}"/>
+                </a:ext>
+              </a:extLst>
+            </p:cNvPr>
+            <p:cNvCxnSpPr/>
+            <p:nvPr/>
+          </p:nvCxnSpPr>
+          <p:spPr>
+            <a:xfrm rot="10800000" flipH="1">
+              <a:off x="3608967" y="3554743"/>
+              <a:ext cx="891600" cy="772200"/>
+            </a:xfrm>
+            <a:prstGeom prst="straightConnector1">
+              <a:avLst/>
+            </a:prstGeom>
+            <a:noFill/>
+            <a:ln w="28575" cap="flat" cmpd="sng">
+              <a:solidFill>
+                <a:schemeClr val="dk1"/>
+              </a:solidFill>
+              <a:prstDash val="solid"/>
+              <a:round/>
+              <a:headEnd type="none" w="med" len="med"/>
+              <a:tailEnd type="triangle" w="med" len="med"/>
+            </a:ln>
+          </p:spPr>
+        </p:cxnSp>
+        <p:cxnSp>
+          <p:nvCxnSpPr>
+            <p:cNvPr id="23" name="Google Shape;331;g21bc3c53028_0_41">
+              <a:extLst>
+                <a:ext uri="{FF2B5EF4-FFF2-40B4-BE49-F238E27FC236}">
+                  <a16:creationId xmlns:a16="http://schemas.microsoft.com/office/drawing/2014/main" id="{3CA4BF7D-3B36-4706-B3A5-60620895C070}"/>
+                </a:ext>
+              </a:extLst>
+            </p:cNvPr>
+            <p:cNvCxnSpPr/>
+            <p:nvPr/>
+          </p:nvCxnSpPr>
+          <p:spPr>
+            <a:xfrm rot="10800000">
+              <a:off x="3596517" y="3445356"/>
+              <a:ext cx="0" cy="789600"/>
+            </a:xfrm>
+            <a:prstGeom prst="straightConnector1">
+              <a:avLst/>
+            </a:prstGeom>
+            <a:noFill/>
+            <a:ln w="28575" cap="flat" cmpd="sng">
+              <a:solidFill>
+                <a:schemeClr val="dk1"/>
+              </a:solidFill>
+              <a:prstDash val="solid"/>
+              <a:round/>
+              <a:headEnd type="none" w="med" len="med"/>
+              <a:tailEnd type="triangle" w="med" len="med"/>
+            </a:ln>
+          </p:spPr>
+        </p:cxnSp>
+        <p:pic>
+          <p:nvPicPr>
+            <p:cNvPr id="24" name="Google Shape;332;g21bc3c53028_0_41">
+              <a:extLst>
+                <a:ext uri="{FF2B5EF4-FFF2-40B4-BE49-F238E27FC236}">
+                  <a16:creationId xmlns:a16="http://schemas.microsoft.com/office/drawing/2014/main" id="{A4A00476-4A72-4FCC-A272-1D07F99B892F}"/>
+                </a:ext>
+              </a:extLst>
+            </p:cNvPr>
+            <p:cNvPicPr preferRelativeResize="0"/>
+            <p:nvPr/>
+          </p:nvPicPr>
+          <p:blipFill rotWithShape="1">
+            <a:blip r:embed="rId6">
+              <a:alphaModFix/>
+            </a:blip>
+            <a:srcRect/>
+            <a:stretch/>
+          </p:blipFill>
+          <p:spPr>
+            <a:xfrm>
+              <a:off x="3259928" y="3781144"/>
+              <a:ext cx="702103" cy="999964"/>
+            </a:xfrm>
+            <a:prstGeom prst="rect">
+              <a:avLst/>
+            </a:prstGeom>
+            <a:noFill/>
+            <a:ln>
+              <a:noFill/>
+            </a:ln>
+          </p:spPr>
+        </p:pic>
+      </p:grpSp>
     </p:spTree>
   </p:cSld>
   <p:clrMapOvr>

--- a/Documentation/01 - Design Document.pptx
+++ b/Documentation/01 - Design Document.pptx
@@ -251,7 +251,7 @@
   <p:extLst>
     <p:ext uri="{EFAFB233-063F-42B5-8137-9DF3F51BA10A}">
       <p15:sldGuideLst xmlns:p15="http://schemas.microsoft.com/office/powerpoint/2012/main">
-        <p15:guide id="1" orient="horz" pos="2984">
+        <p15:guide id="1" orient="horz" pos="3165" userDrawn="1">
           <p15:clr>
             <a:srgbClr val="A4A3A4"/>
           </p15:clr>
@@ -264,7 +264,7 @@
       </p15:sldGuideLst>
     </p:ext>
     <p:ext uri="GoogleSlidesCustomDataVersion2">
-      <go:slidesCustomData xmlns="" xmlns:mc="http://schemas.openxmlformats.org/markup-compatibility/2006" xmlns:mv="urn:schemas-microsoft-com:mac:vml" xmlns:c="http://schemas.openxmlformats.org/drawingml/2006/chart" xmlns:dgm="http://schemas.openxmlformats.org/drawingml/2006/diagram" xmlns:o="urn:schemas-microsoft-com:office:office" xmlns:v="urn:schemas-microsoft-com:vml" xmlns:pvml="urn:schemas-microsoft-com:office:powerpoint" xmlns:com="http://schemas.openxmlformats.org/drawingml/2006/compatibility" xmlns:p14="http://schemas.microsoft.com/office/powerpoint/2010/main" xmlns:p15="http://schemas.microsoft.com/office/powerpoint/2012/main" xmlns:ahyp="http://schemas.microsoft.com/office/drawing/2018/hyperlinkcolor" xmlns:go="http://customooxmlschemas.google.com/" r:id="rId19" roundtripDataSignature="AMtx7mhsZi6FLtTjXW9fiwvxuzOukkacyg=="/>
+      <go:slidesCustomData xmlns:go="http://customooxmlschemas.google.com/" xmlns:ahyp="http://schemas.microsoft.com/office/drawing/2018/hyperlinkcolor" xmlns:p15="http://schemas.microsoft.com/office/powerpoint/2012/main" xmlns:p14="http://schemas.microsoft.com/office/powerpoint/2010/main" xmlns:com="http://schemas.openxmlformats.org/drawingml/2006/compatibility" xmlns:pvml="urn:schemas-microsoft-com:office:powerpoint" xmlns:v="urn:schemas-microsoft-com:vml" xmlns:o="urn:schemas-microsoft-com:office:office" xmlns:dgm="http://schemas.openxmlformats.org/drawingml/2006/diagram" xmlns:c="http://schemas.openxmlformats.org/drawingml/2006/chart" xmlns:mv="urn:schemas-microsoft-com:mac:vml" xmlns:mc="http://schemas.openxmlformats.org/markup-compatibility/2006" xmlns="" r:id="rId19" roundtripDataSignature="AMtx7mhsZi6FLtTjXW9fiwvxuzOukkacyg=="/>
     </p:ext>
   </p:extLst>
 </p:presentation>
@@ -3117,733 +3117,6 @@
 </file>
 
 <file path=ppt/slideLayouts/slideLayout10.xml><?xml version="1.0" encoding="utf-8"?>
-<p:sldLayout xmlns:a="http://schemas.openxmlformats.org/drawingml/2006/main" xmlns:r="http://schemas.openxmlformats.org/officeDocument/2006/relationships" xmlns:p="http://schemas.openxmlformats.org/presentationml/2006/main" matchingName="Título y texto vertical" type="vertTx">
-  <p:cSld name="VERTICAL_TEXT">
-    <p:spTree>
-      <p:nvGrpSpPr>
-        <p:cNvPr id="1" name="Shape 72"/>
-        <p:cNvGrpSpPr/>
-        <p:nvPr/>
-      </p:nvGrpSpPr>
-      <p:grpSpPr>
-        <a:xfrm>
-          <a:off x="0" y="0"/>
-          <a:ext cx="0" cy="0"/>
-          <a:chOff x="0" y="0"/>
-          <a:chExt cx="0" cy="0"/>
-        </a:xfrm>
-      </p:grpSpPr>
-      <p:sp>
-        <p:nvSpPr>
-          <p:cNvPr id="73" name="Google Shape;73;p22"/>
-          <p:cNvSpPr txBox="1">
-            <a:spLocks noGrp="1"/>
-          </p:cNvSpPr>
-          <p:nvPr>
-            <p:ph type="title"/>
-          </p:nvPr>
-        </p:nvSpPr>
-        <p:spPr>
-          <a:xfrm>
-            <a:off x="471488" y="527405"/>
-            <a:ext cx="5915025" cy="1914702"/>
-          </a:xfrm>
-          <a:prstGeom prst="rect">
-            <a:avLst/>
-          </a:prstGeom>
-          <a:noFill/>
-          <a:ln>
-            <a:noFill/>
-          </a:ln>
-        </p:spPr>
-        <p:txBody>
-          <a:bodyPr spcFirstLastPara="1" wrap="square" lIns="91425" tIns="45700" rIns="91425" bIns="45700" anchor="ctr" anchorCtr="0">
-            <a:normAutofit/>
-          </a:bodyPr>
-          <a:lstStyle>
-            <a:lvl1pPr lvl="0" algn="l">
-              <a:lnSpc>
-                <a:spcPct val="90000"/>
-              </a:lnSpc>
-              <a:spcBef>
-                <a:spcPts val="0"/>
-              </a:spcBef>
-              <a:spcAft>
-                <a:spcPts val="0"/>
-              </a:spcAft>
-              <a:buClr>
-                <a:schemeClr val="dk1"/>
-              </a:buClr>
-              <a:buSzPts val="1800"/>
-              <a:buNone/>
-              <a:defRPr/>
-            </a:lvl1pPr>
-            <a:lvl2pPr lvl="1">
-              <a:spcBef>
-                <a:spcPts val="0"/>
-              </a:spcBef>
-              <a:spcAft>
-                <a:spcPts val="0"/>
-              </a:spcAft>
-              <a:buSzPts val="1400"/>
-              <a:buNone/>
-              <a:defRPr/>
-            </a:lvl2pPr>
-            <a:lvl3pPr lvl="2">
-              <a:spcBef>
-                <a:spcPts val="0"/>
-              </a:spcBef>
-              <a:spcAft>
-                <a:spcPts val="0"/>
-              </a:spcAft>
-              <a:buSzPts val="1400"/>
-              <a:buNone/>
-              <a:defRPr/>
-            </a:lvl3pPr>
-            <a:lvl4pPr lvl="3">
-              <a:spcBef>
-                <a:spcPts val="0"/>
-              </a:spcBef>
-              <a:spcAft>
-                <a:spcPts val="0"/>
-              </a:spcAft>
-              <a:buSzPts val="1400"/>
-              <a:buNone/>
-              <a:defRPr/>
-            </a:lvl4pPr>
-            <a:lvl5pPr lvl="4">
-              <a:spcBef>
-                <a:spcPts val="0"/>
-              </a:spcBef>
-              <a:spcAft>
-                <a:spcPts val="0"/>
-              </a:spcAft>
-              <a:buSzPts val="1400"/>
-              <a:buNone/>
-              <a:defRPr/>
-            </a:lvl5pPr>
-            <a:lvl6pPr lvl="5">
-              <a:spcBef>
-                <a:spcPts val="0"/>
-              </a:spcBef>
-              <a:spcAft>
-                <a:spcPts val="0"/>
-              </a:spcAft>
-              <a:buSzPts val="1400"/>
-              <a:buNone/>
-              <a:defRPr/>
-            </a:lvl6pPr>
-            <a:lvl7pPr lvl="6">
-              <a:spcBef>
-                <a:spcPts val="0"/>
-              </a:spcBef>
-              <a:spcAft>
-                <a:spcPts val="0"/>
-              </a:spcAft>
-              <a:buSzPts val="1400"/>
-              <a:buNone/>
-              <a:defRPr/>
-            </a:lvl7pPr>
-            <a:lvl8pPr lvl="7">
-              <a:spcBef>
-                <a:spcPts val="0"/>
-              </a:spcBef>
-              <a:spcAft>
-                <a:spcPts val="0"/>
-              </a:spcAft>
-              <a:buSzPts val="1400"/>
-              <a:buNone/>
-              <a:defRPr/>
-            </a:lvl8pPr>
-            <a:lvl9pPr lvl="8">
-              <a:spcBef>
-                <a:spcPts val="0"/>
-              </a:spcBef>
-              <a:spcAft>
-                <a:spcPts val="0"/>
-              </a:spcAft>
-              <a:buSzPts val="1400"/>
-              <a:buNone/>
-              <a:defRPr/>
-            </a:lvl9pPr>
-          </a:lstStyle>
-          <a:p>
-            <a:endParaRPr/>
-          </a:p>
-        </p:txBody>
-      </p:sp>
-      <p:sp>
-        <p:nvSpPr>
-          <p:cNvPr id="74" name="Google Shape;74;p22"/>
-          <p:cNvSpPr txBox="1">
-            <a:spLocks noGrp="1"/>
-          </p:cNvSpPr>
-          <p:nvPr>
-            <p:ph type="body" idx="1"/>
-          </p:nvPr>
-        </p:nvSpPr>
-        <p:spPr>
-          <a:xfrm rot="5400000">
-            <a:off x="286367" y="2822135"/>
-            <a:ext cx="6285266" cy="5915025"/>
-          </a:xfrm>
-          <a:prstGeom prst="rect">
-            <a:avLst/>
-          </a:prstGeom>
-          <a:noFill/>
-          <a:ln>
-            <a:noFill/>
-          </a:ln>
-        </p:spPr>
-        <p:txBody>
-          <a:bodyPr spcFirstLastPara="1" wrap="square" lIns="91425" tIns="45700" rIns="91425" bIns="45700" anchor="t" anchorCtr="0">
-            <a:normAutofit/>
-          </a:bodyPr>
-          <a:lstStyle>
-            <a:lvl1pPr marL="457200" lvl="0" indent="-342900" algn="l">
-              <a:lnSpc>
-                <a:spcPct val="90000"/>
-              </a:lnSpc>
-              <a:spcBef>
-                <a:spcPts val="750"/>
-              </a:spcBef>
-              <a:spcAft>
-                <a:spcPts val="0"/>
-              </a:spcAft>
-              <a:buClr>
-                <a:schemeClr val="dk1"/>
-              </a:buClr>
-              <a:buSzPts val="1800"/>
-              <a:buChar char="•"/>
-              <a:defRPr/>
-            </a:lvl1pPr>
-            <a:lvl2pPr marL="914400" lvl="1" indent="-342900" algn="l">
-              <a:lnSpc>
-                <a:spcPct val="90000"/>
-              </a:lnSpc>
-              <a:spcBef>
-                <a:spcPts val="375"/>
-              </a:spcBef>
-              <a:spcAft>
-                <a:spcPts val="0"/>
-              </a:spcAft>
-              <a:buClr>
-                <a:schemeClr val="dk1"/>
-              </a:buClr>
-              <a:buSzPts val="1800"/>
-              <a:buChar char="•"/>
-              <a:defRPr/>
-            </a:lvl2pPr>
-            <a:lvl3pPr marL="1371600" lvl="2" indent="-342900" algn="l">
-              <a:lnSpc>
-                <a:spcPct val="90000"/>
-              </a:lnSpc>
-              <a:spcBef>
-                <a:spcPts val="375"/>
-              </a:spcBef>
-              <a:spcAft>
-                <a:spcPts val="0"/>
-              </a:spcAft>
-              <a:buClr>
-                <a:schemeClr val="dk1"/>
-              </a:buClr>
-              <a:buSzPts val="1800"/>
-              <a:buChar char="•"/>
-              <a:defRPr/>
-            </a:lvl3pPr>
-            <a:lvl4pPr marL="1828800" lvl="3" indent="-342900" algn="l">
-              <a:lnSpc>
-                <a:spcPct val="90000"/>
-              </a:lnSpc>
-              <a:spcBef>
-                <a:spcPts val="375"/>
-              </a:spcBef>
-              <a:spcAft>
-                <a:spcPts val="0"/>
-              </a:spcAft>
-              <a:buClr>
-                <a:schemeClr val="dk1"/>
-              </a:buClr>
-              <a:buSzPts val="1800"/>
-              <a:buChar char="•"/>
-              <a:defRPr/>
-            </a:lvl4pPr>
-            <a:lvl5pPr marL="2286000" lvl="4" indent="-342900" algn="l">
-              <a:lnSpc>
-                <a:spcPct val="90000"/>
-              </a:lnSpc>
-              <a:spcBef>
-                <a:spcPts val="375"/>
-              </a:spcBef>
-              <a:spcAft>
-                <a:spcPts val="0"/>
-              </a:spcAft>
-              <a:buClr>
-                <a:schemeClr val="dk1"/>
-              </a:buClr>
-              <a:buSzPts val="1800"/>
-              <a:buChar char="•"/>
-              <a:defRPr/>
-            </a:lvl5pPr>
-            <a:lvl6pPr marL="2743200" lvl="5" indent="-342900" algn="l">
-              <a:lnSpc>
-                <a:spcPct val="90000"/>
-              </a:lnSpc>
-              <a:spcBef>
-                <a:spcPts val="375"/>
-              </a:spcBef>
-              <a:spcAft>
-                <a:spcPts val="0"/>
-              </a:spcAft>
-              <a:buClr>
-                <a:schemeClr val="dk1"/>
-              </a:buClr>
-              <a:buSzPts val="1800"/>
-              <a:buChar char="•"/>
-              <a:defRPr/>
-            </a:lvl6pPr>
-            <a:lvl7pPr marL="3200400" lvl="6" indent="-342900" algn="l">
-              <a:lnSpc>
-                <a:spcPct val="90000"/>
-              </a:lnSpc>
-              <a:spcBef>
-                <a:spcPts val="375"/>
-              </a:spcBef>
-              <a:spcAft>
-                <a:spcPts val="0"/>
-              </a:spcAft>
-              <a:buClr>
-                <a:schemeClr val="dk1"/>
-              </a:buClr>
-              <a:buSzPts val="1800"/>
-              <a:buChar char="•"/>
-              <a:defRPr/>
-            </a:lvl7pPr>
-            <a:lvl8pPr marL="3657600" lvl="7" indent="-342900" algn="l">
-              <a:lnSpc>
-                <a:spcPct val="90000"/>
-              </a:lnSpc>
-              <a:spcBef>
-                <a:spcPts val="375"/>
-              </a:spcBef>
-              <a:spcAft>
-                <a:spcPts val="0"/>
-              </a:spcAft>
-              <a:buClr>
-                <a:schemeClr val="dk1"/>
-              </a:buClr>
-              <a:buSzPts val="1800"/>
-              <a:buChar char="•"/>
-              <a:defRPr/>
-            </a:lvl8pPr>
-            <a:lvl9pPr marL="4114800" lvl="8" indent="-342900" algn="l">
-              <a:lnSpc>
-                <a:spcPct val="90000"/>
-              </a:lnSpc>
-              <a:spcBef>
-                <a:spcPts val="375"/>
-              </a:spcBef>
-              <a:spcAft>
-                <a:spcPts val="0"/>
-              </a:spcAft>
-              <a:buClr>
-                <a:schemeClr val="dk1"/>
-              </a:buClr>
-              <a:buSzPts val="1800"/>
-              <a:buChar char="•"/>
-              <a:defRPr/>
-            </a:lvl9pPr>
-          </a:lstStyle>
-          <a:p>
-            <a:endParaRPr/>
-          </a:p>
-        </p:txBody>
-      </p:sp>
-      <p:sp>
-        <p:nvSpPr>
-          <p:cNvPr id="75" name="Google Shape;75;p22"/>
-          <p:cNvSpPr txBox="1">
-            <a:spLocks noGrp="1"/>
-          </p:cNvSpPr>
-          <p:nvPr>
-            <p:ph type="dt" idx="10"/>
-          </p:nvPr>
-        </p:nvSpPr>
-        <p:spPr>
-          <a:xfrm>
-            <a:off x="471488" y="9181397"/>
-            <a:ext cx="1543050" cy="527403"/>
-          </a:xfrm>
-          <a:prstGeom prst="rect">
-            <a:avLst/>
-          </a:prstGeom>
-          <a:noFill/>
-          <a:ln>
-            <a:noFill/>
-          </a:ln>
-        </p:spPr>
-        <p:txBody>
-          <a:bodyPr spcFirstLastPara="1" wrap="square" lIns="91425" tIns="45700" rIns="91425" bIns="45700" anchor="ctr" anchorCtr="0">
-            <a:noAutofit/>
-          </a:bodyPr>
-          <a:lstStyle>
-            <a:lvl1pPr lvl="0" algn="l">
-              <a:spcBef>
-                <a:spcPts val="0"/>
-              </a:spcBef>
-              <a:spcAft>
-                <a:spcPts val="0"/>
-              </a:spcAft>
-              <a:buSzPts val="1400"/>
-              <a:buNone/>
-              <a:defRPr/>
-            </a:lvl1pPr>
-            <a:lvl2pPr lvl="1" algn="l">
-              <a:spcBef>
-                <a:spcPts val="0"/>
-              </a:spcBef>
-              <a:spcAft>
-                <a:spcPts val="0"/>
-              </a:spcAft>
-              <a:buSzPts val="1400"/>
-              <a:buNone/>
-              <a:defRPr/>
-            </a:lvl2pPr>
-            <a:lvl3pPr lvl="2" algn="l">
-              <a:spcBef>
-                <a:spcPts val="0"/>
-              </a:spcBef>
-              <a:spcAft>
-                <a:spcPts val="0"/>
-              </a:spcAft>
-              <a:buSzPts val="1400"/>
-              <a:buNone/>
-              <a:defRPr/>
-            </a:lvl3pPr>
-            <a:lvl4pPr lvl="3" algn="l">
-              <a:spcBef>
-                <a:spcPts val="0"/>
-              </a:spcBef>
-              <a:spcAft>
-                <a:spcPts val="0"/>
-              </a:spcAft>
-              <a:buSzPts val="1400"/>
-              <a:buNone/>
-              <a:defRPr/>
-            </a:lvl4pPr>
-            <a:lvl5pPr lvl="4" algn="l">
-              <a:spcBef>
-                <a:spcPts val="0"/>
-              </a:spcBef>
-              <a:spcAft>
-                <a:spcPts val="0"/>
-              </a:spcAft>
-              <a:buSzPts val="1400"/>
-              <a:buNone/>
-              <a:defRPr/>
-            </a:lvl5pPr>
-            <a:lvl6pPr lvl="5" algn="l">
-              <a:spcBef>
-                <a:spcPts val="0"/>
-              </a:spcBef>
-              <a:spcAft>
-                <a:spcPts val="0"/>
-              </a:spcAft>
-              <a:buSzPts val="1400"/>
-              <a:buNone/>
-              <a:defRPr/>
-            </a:lvl6pPr>
-            <a:lvl7pPr lvl="6" algn="l">
-              <a:spcBef>
-                <a:spcPts val="0"/>
-              </a:spcBef>
-              <a:spcAft>
-                <a:spcPts val="0"/>
-              </a:spcAft>
-              <a:buSzPts val="1400"/>
-              <a:buNone/>
-              <a:defRPr/>
-            </a:lvl7pPr>
-            <a:lvl8pPr lvl="7" algn="l">
-              <a:spcBef>
-                <a:spcPts val="0"/>
-              </a:spcBef>
-              <a:spcAft>
-                <a:spcPts val="0"/>
-              </a:spcAft>
-              <a:buSzPts val="1400"/>
-              <a:buNone/>
-              <a:defRPr/>
-            </a:lvl8pPr>
-            <a:lvl9pPr lvl="8" algn="l">
-              <a:spcBef>
-                <a:spcPts val="0"/>
-              </a:spcBef>
-              <a:spcAft>
-                <a:spcPts val="0"/>
-              </a:spcAft>
-              <a:buSzPts val="1400"/>
-              <a:buNone/>
-              <a:defRPr/>
-            </a:lvl9pPr>
-          </a:lstStyle>
-          <a:p>
-            <a:endParaRPr/>
-          </a:p>
-        </p:txBody>
-      </p:sp>
-      <p:sp>
-        <p:nvSpPr>
-          <p:cNvPr id="76" name="Google Shape;76;p22"/>
-          <p:cNvSpPr txBox="1">
-            <a:spLocks noGrp="1"/>
-          </p:cNvSpPr>
-          <p:nvPr>
-            <p:ph type="ftr" idx="11"/>
-          </p:nvPr>
-        </p:nvSpPr>
-        <p:spPr>
-          <a:xfrm>
-            <a:off x="2271713" y="9181397"/>
-            <a:ext cx="2314575" cy="527403"/>
-          </a:xfrm>
-          <a:prstGeom prst="rect">
-            <a:avLst/>
-          </a:prstGeom>
-          <a:noFill/>
-          <a:ln>
-            <a:noFill/>
-          </a:ln>
-        </p:spPr>
-        <p:txBody>
-          <a:bodyPr spcFirstLastPara="1" wrap="square" lIns="91425" tIns="45700" rIns="91425" bIns="45700" anchor="ctr" anchorCtr="0">
-            <a:noAutofit/>
-          </a:bodyPr>
-          <a:lstStyle>
-            <a:lvl1pPr lvl="0" algn="ctr">
-              <a:spcBef>
-                <a:spcPts val="0"/>
-              </a:spcBef>
-              <a:spcAft>
-                <a:spcPts val="0"/>
-              </a:spcAft>
-              <a:buSzPts val="1400"/>
-              <a:buNone/>
-              <a:defRPr/>
-            </a:lvl1pPr>
-            <a:lvl2pPr lvl="1" algn="l">
-              <a:spcBef>
-                <a:spcPts val="0"/>
-              </a:spcBef>
-              <a:spcAft>
-                <a:spcPts val="0"/>
-              </a:spcAft>
-              <a:buSzPts val="1400"/>
-              <a:buNone/>
-              <a:defRPr/>
-            </a:lvl2pPr>
-            <a:lvl3pPr lvl="2" algn="l">
-              <a:spcBef>
-                <a:spcPts val="0"/>
-              </a:spcBef>
-              <a:spcAft>
-                <a:spcPts val="0"/>
-              </a:spcAft>
-              <a:buSzPts val="1400"/>
-              <a:buNone/>
-              <a:defRPr/>
-            </a:lvl3pPr>
-            <a:lvl4pPr lvl="3" algn="l">
-              <a:spcBef>
-                <a:spcPts val="0"/>
-              </a:spcBef>
-              <a:spcAft>
-                <a:spcPts val="0"/>
-              </a:spcAft>
-              <a:buSzPts val="1400"/>
-              <a:buNone/>
-              <a:defRPr/>
-            </a:lvl4pPr>
-            <a:lvl5pPr lvl="4" algn="l">
-              <a:spcBef>
-                <a:spcPts val="0"/>
-              </a:spcBef>
-              <a:spcAft>
-                <a:spcPts val="0"/>
-              </a:spcAft>
-              <a:buSzPts val="1400"/>
-              <a:buNone/>
-              <a:defRPr/>
-            </a:lvl5pPr>
-            <a:lvl6pPr lvl="5" algn="l">
-              <a:spcBef>
-                <a:spcPts val="0"/>
-              </a:spcBef>
-              <a:spcAft>
-                <a:spcPts val="0"/>
-              </a:spcAft>
-              <a:buSzPts val="1400"/>
-              <a:buNone/>
-              <a:defRPr/>
-            </a:lvl6pPr>
-            <a:lvl7pPr lvl="6" algn="l">
-              <a:spcBef>
-                <a:spcPts val="0"/>
-              </a:spcBef>
-              <a:spcAft>
-                <a:spcPts val="0"/>
-              </a:spcAft>
-              <a:buSzPts val="1400"/>
-              <a:buNone/>
-              <a:defRPr/>
-            </a:lvl7pPr>
-            <a:lvl8pPr lvl="7" algn="l">
-              <a:spcBef>
-                <a:spcPts val="0"/>
-              </a:spcBef>
-              <a:spcAft>
-                <a:spcPts val="0"/>
-              </a:spcAft>
-              <a:buSzPts val="1400"/>
-              <a:buNone/>
-              <a:defRPr/>
-            </a:lvl8pPr>
-            <a:lvl9pPr lvl="8" algn="l">
-              <a:spcBef>
-                <a:spcPts val="0"/>
-              </a:spcBef>
-              <a:spcAft>
-                <a:spcPts val="0"/>
-              </a:spcAft>
-              <a:buSzPts val="1400"/>
-              <a:buNone/>
-              <a:defRPr/>
-            </a:lvl9pPr>
-          </a:lstStyle>
-          <a:p>
-            <a:endParaRPr/>
-          </a:p>
-        </p:txBody>
-      </p:sp>
-      <p:sp>
-        <p:nvSpPr>
-          <p:cNvPr id="77" name="Google Shape;77;p22"/>
-          <p:cNvSpPr txBox="1">
-            <a:spLocks noGrp="1"/>
-          </p:cNvSpPr>
-          <p:nvPr>
-            <p:ph type="sldNum" idx="12"/>
-          </p:nvPr>
-        </p:nvSpPr>
-        <p:spPr>
-          <a:xfrm>
-            <a:off x="4843463" y="9181397"/>
-            <a:ext cx="1543050" cy="527403"/>
-          </a:xfrm>
-          <a:prstGeom prst="rect">
-            <a:avLst/>
-          </a:prstGeom>
-          <a:noFill/>
-          <a:ln>
-            <a:noFill/>
-          </a:ln>
-        </p:spPr>
-        <p:txBody>
-          <a:bodyPr spcFirstLastPara="1" wrap="square" lIns="91425" tIns="45700" rIns="91425" bIns="45700" anchor="ctr" anchorCtr="0">
-            <a:noAutofit/>
-          </a:bodyPr>
-          <a:lstStyle>
-            <a:lvl1pPr marL="0" lvl="0" indent="0" algn="r">
-              <a:spcBef>
-                <a:spcPts val="0"/>
-              </a:spcBef>
-              <a:buNone/>
-              <a:defRPr/>
-            </a:lvl1pPr>
-            <a:lvl2pPr marL="0" lvl="1" indent="0" algn="r">
-              <a:spcBef>
-                <a:spcPts val="0"/>
-              </a:spcBef>
-              <a:buNone/>
-              <a:defRPr/>
-            </a:lvl2pPr>
-            <a:lvl3pPr marL="0" lvl="2" indent="0" algn="r">
-              <a:spcBef>
-                <a:spcPts val="0"/>
-              </a:spcBef>
-              <a:buNone/>
-              <a:defRPr/>
-            </a:lvl3pPr>
-            <a:lvl4pPr marL="0" lvl="3" indent="0" algn="r">
-              <a:spcBef>
-                <a:spcPts val="0"/>
-              </a:spcBef>
-              <a:buNone/>
-              <a:defRPr/>
-            </a:lvl4pPr>
-            <a:lvl5pPr marL="0" lvl="4" indent="0" algn="r">
-              <a:spcBef>
-                <a:spcPts val="0"/>
-              </a:spcBef>
-              <a:buNone/>
-              <a:defRPr/>
-            </a:lvl5pPr>
-            <a:lvl6pPr marL="0" lvl="5" indent="0" algn="r">
-              <a:spcBef>
-                <a:spcPts val="0"/>
-              </a:spcBef>
-              <a:buNone/>
-              <a:defRPr/>
-            </a:lvl6pPr>
-            <a:lvl7pPr marL="0" lvl="6" indent="0" algn="r">
-              <a:spcBef>
-                <a:spcPts val="0"/>
-              </a:spcBef>
-              <a:buNone/>
-              <a:defRPr/>
-            </a:lvl7pPr>
-            <a:lvl8pPr marL="0" lvl="7" indent="0" algn="r">
-              <a:spcBef>
-                <a:spcPts val="0"/>
-              </a:spcBef>
-              <a:buNone/>
-              <a:defRPr/>
-            </a:lvl8pPr>
-            <a:lvl9pPr marL="0" lvl="8" indent="0" algn="r">
-              <a:spcBef>
-                <a:spcPts val="0"/>
-              </a:spcBef>
-              <a:buNone/>
-              <a:defRPr/>
-            </a:lvl9pPr>
-          </a:lstStyle>
-          <a:p>
-            <a:pPr marL="0" lvl="0" indent="0" algn="r" rtl="0">
-              <a:spcBef>
-                <a:spcPts val="0"/>
-              </a:spcBef>
-              <a:spcAft>
-                <a:spcPts val="0"/>
-              </a:spcAft>
-              <a:buNone/>
-            </a:pPr>
-            <a:fld id="{00000000-1234-1234-1234-123412341234}" type="slidenum">
-              <a:rPr lang="en-US"/>
-              <a:t>‹Nº›</a:t>
-            </a:fld>
-            <a:endParaRPr/>
-          </a:p>
-        </p:txBody>
-      </p:sp>
-    </p:spTree>
-  </p:cSld>
-  <p:clrMapOvr>
-    <a:masterClrMapping/>
-  </p:clrMapOvr>
-</p:sldLayout>
-</file>
-
-<file path=ppt/slideLayouts/slideLayout11.xml><?xml version="1.0" encoding="utf-8"?>
 <p:sldLayout xmlns:a="http://schemas.openxmlformats.org/drawingml/2006/main" xmlns:r="http://schemas.openxmlformats.org/officeDocument/2006/relationships" xmlns:p="http://schemas.openxmlformats.org/presentationml/2006/main" matchingName="Título vertical y texto" type="vertTitleAndTx">
   <p:cSld name="VERTICAL_TITLE_AND_VERTICAL_TEXT">
     <p:spTree>
@@ -8992,546 +8265,6 @@
 </file>
 
 <file path=ppt/slideLayouts/slideLayout7.xml><?xml version="1.0" encoding="utf-8"?>
-<p:sldLayout xmlns:a="http://schemas.openxmlformats.org/drawingml/2006/main" xmlns:r="http://schemas.openxmlformats.org/officeDocument/2006/relationships" xmlns:p="http://schemas.openxmlformats.org/presentationml/2006/main" matchingName="Solo el título" type="titleOnly">
-  <p:cSld name="TITLE_ONLY">
-    <p:spTree>
-      <p:nvGrpSpPr>
-        <p:cNvPr id="1" name="Shape 53"/>
-        <p:cNvGrpSpPr/>
-        <p:nvPr/>
-      </p:nvGrpSpPr>
-      <p:grpSpPr>
-        <a:xfrm>
-          <a:off x="0" y="0"/>
-          <a:ext cx="0" cy="0"/>
-          <a:chOff x="0" y="0"/>
-          <a:chExt cx="0" cy="0"/>
-        </a:xfrm>
-      </p:grpSpPr>
-      <p:sp>
-        <p:nvSpPr>
-          <p:cNvPr id="54" name="Google Shape;54;p19"/>
-          <p:cNvSpPr txBox="1">
-            <a:spLocks noGrp="1"/>
-          </p:cNvSpPr>
-          <p:nvPr>
-            <p:ph type="title"/>
-          </p:nvPr>
-        </p:nvSpPr>
-        <p:spPr>
-          <a:xfrm>
-            <a:off x="471488" y="527405"/>
-            <a:ext cx="5915025" cy="1914702"/>
-          </a:xfrm>
-          <a:prstGeom prst="rect">
-            <a:avLst/>
-          </a:prstGeom>
-          <a:noFill/>
-          <a:ln>
-            <a:noFill/>
-          </a:ln>
-        </p:spPr>
-        <p:txBody>
-          <a:bodyPr spcFirstLastPara="1" wrap="square" lIns="91425" tIns="45700" rIns="91425" bIns="45700" anchor="ctr" anchorCtr="0">
-            <a:normAutofit/>
-          </a:bodyPr>
-          <a:lstStyle>
-            <a:lvl1pPr lvl="0" algn="l">
-              <a:lnSpc>
-                <a:spcPct val="90000"/>
-              </a:lnSpc>
-              <a:spcBef>
-                <a:spcPts val="0"/>
-              </a:spcBef>
-              <a:spcAft>
-                <a:spcPts val="0"/>
-              </a:spcAft>
-              <a:buClr>
-                <a:schemeClr val="dk1"/>
-              </a:buClr>
-              <a:buSzPts val="1800"/>
-              <a:buNone/>
-              <a:defRPr/>
-            </a:lvl1pPr>
-            <a:lvl2pPr lvl="1">
-              <a:spcBef>
-                <a:spcPts val="0"/>
-              </a:spcBef>
-              <a:spcAft>
-                <a:spcPts val="0"/>
-              </a:spcAft>
-              <a:buSzPts val="1400"/>
-              <a:buNone/>
-              <a:defRPr/>
-            </a:lvl2pPr>
-            <a:lvl3pPr lvl="2">
-              <a:spcBef>
-                <a:spcPts val="0"/>
-              </a:spcBef>
-              <a:spcAft>
-                <a:spcPts val="0"/>
-              </a:spcAft>
-              <a:buSzPts val="1400"/>
-              <a:buNone/>
-              <a:defRPr/>
-            </a:lvl3pPr>
-            <a:lvl4pPr lvl="3">
-              <a:spcBef>
-                <a:spcPts val="0"/>
-              </a:spcBef>
-              <a:spcAft>
-                <a:spcPts val="0"/>
-              </a:spcAft>
-              <a:buSzPts val="1400"/>
-              <a:buNone/>
-              <a:defRPr/>
-            </a:lvl4pPr>
-            <a:lvl5pPr lvl="4">
-              <a:spcBef>
-                <a:spcPts val="0"/>
-              </a:spcBef>
-              <a:spcAft>
-                <a:spcPts val="0"/>
-              </a:spcAft>
-              <a:buSzPts val="1400"/>
-              <a:buNone/>
-              <a:defRPr/>
-            </a:lvl5pPr>
-            <a:lvl6pPr lvl="5">
-              <a:spcBef>
-                <a:spcPts val="0"/>
-              </a:spcBef>
-              <a:spcAft>
-                <a:spcPts val="0"/>
-              </a:spcAft>
-              <a:buSzPts val="1400"/>
-              <a:buNone/>
-              <a:defRPr/>
-            </a:lvl6pPr>
-            <a:lvl7pPr lvl="6">
-              <a:spcBef>
-                <a:spcPts val="0"/>
-              </a:spcBef>
-              <a:spcAft>
-                <a:spcPts val="0"/>
-              </a:spcAft>
-              <a:buSzPts val="1400"/>
-              <a:buNone/>
-              <a:defRPr/>
-            </a:lvl7pPr>
-            <a:lvl8pPr lvl="7">
-              <a:spcBef>
-                <a:spcPts val="0"/>
-              </a:spcBef>
-              <a:spcAft>
-                <a:spcPts val="0"/>
-              </a:spcAft>
-              <a:buSzPts val="1400"/>
-              <a:buNone/>
-              <a:defRPr/>
-            </a:lvl8pPr>
-            <a:lvl9pPr lvl="8">
-              <a:spcBef>
-                <a:spcPts val="0"/>
-              </a:spcBef>
-              <a:spcAft>
-                <a:spcPts val="0"/>
-              </a:spcAft>
-              <a:buSzPts val="1400"/>
-              <a:buNone/>
-              <a:defRPr/>
-            </a:lvl9pPr>
-          </a:lstStyle>
-          <a:p>
-            <a:endParaRPr/>
-          </a:p>
-        </p:txBody>
-      </p:sp>
-      <p:sp>
-        <p:nvSpPr>
-          <p:cNvPr id="55" name="Google Shape;55;p19"/>
-          <p:cNvSpPr txBox="1">
-            <a:spLocks noGrp="1"/>
-          </p:cNvSpPr>
-          <p:nvPr>
-            <p:ph type="dt" idx="10"/>
-          </p:nvPr>
-        </p:nvSpPr>
-        <p:spPr>
-          <a:xfrm>
-            <a:off x="471488" y="9181397"/>
-            <a:ext cx="1543050" cy="527403"/>
-          </a:xfrm>
-          <a:prstGeom prst="rect">
-            <a:avLst/>
-          </a:prstGeom>
-          <a:noFill/>
-          <a:ln>
-            <a:noFill/>
-          </a:ln>
-        </p:spPr>
-        <p:txBody>
-          <a:bodyPr spcFirstLastPara="1" wrap="square" lIns="91425" tIns="45700" rIns="91425" bIns="45700" anchor="ctr" anchorCtr="0">
-            <a:noAutofit/>
-          </a:bodyPr>
-          <a:lstStyle>
-            <a:lvl1pPr lvl="0" algn="l">
-              <a:spcBef>
-                <a:spcPts val="0"/>
-              </a:spcBef>
-              <a:spcAft>
-                <a:spcPts val="0"/>
-              </a:spcAft>
-              <a:buSzPts val="1400"/>
-              <a:buNone/>
-              <a:defRPr/>
-            </a:lvl1pPr>
-            <a:lvl2pPr lvl="1" algn="l">
-              <a:spcBef>
-                <a:spcPts val="0"/>
-              </a:spcBef>
-              <a:spcAft>
-                <a:spcPts val="0"/>
-              </a:spcAft>
-              <a:buSzPts val="1400"/>
-              <a:buNone/>
-              <a:defRPr/>
-            </a:lvl2pPr>
-            <a:lvl3pPr lvl="2" algn="l">
-              <a:spcBef>
-                <a:spcPts val="0"/>
-              </a:spcBef>
-              <a:spcAft>
-                <a:spcPts val="0"/>
-              </a:spcAft>
-              <a:buSzPts val="1400"/>
-              <a:buNone/>
-              <a:defRPr/>
-            </a:lvl3pPr>
-            <a:lvl4pPr lvl="3" algn="l">
-              <a:spcBef>
-                <a:spcPts val="0"/>
-              </a:spcBef>
-              <a:spcAft>
-                <a:spcPts val="0"/>
-              </a:spcAft>
-              <a:buSzPts val="1400"/>
-              <a:buNone/>
-              <a:defRPr/>
-            </a:lvl4pPr>
-            <a:lvl5pPr lvl="4" algn="l">
-              <a:spcBef>
-                <a:spcPts val="0"/>
-              </a:spcBef>
-              <a:spcAft>
-                <a:spcPts val="0"/>
-              </a:spcAft>
-              <a:buSzPts val="1400"/>
-              <a:buNone/>
-              <a:defRPr/>
-            </a:lvl5pPr>
-            <a:lvl6pPr lvl="5" algn="l">
-              <a:spcBef>
-                <a:spcPts val="0"/>
-              </a:spcBef>
-              <a:spcAft>
-                <a:spcPts val="0"/>
-              </a:spcAft>
-              <a:buSzPts val="1400"/>
-              <a:buNone/>
-              <a:defRPr/>
-            </a:lvl6pPr>
-            <a:lvl7pPr lvl="6" algn="l">
-              <a:spcBef>
-                <a:spcPts val="0"/>
-              </a:spcBef>
-              <a:spcAft>
-                <a:spcPts val="0"/>
-              </a:spcAft>
-              <a:buSzPts val="1400"/>
-              <a:buNone/>
-              <a:defRPr/>
-            </a:lvl7pPr>
-            <a:lvl8pPr lvl="7" algn="l">
-              <a:spcBef>
-                <a:spcPts val="0"/>
-              </a:spcBef>
-              <a:spcAft>
-                <a:spcPts val="0"/>
-              </a:spcAft>
-              <a:buSzPts val="1400"/>
-              <a:buNone/>
-              <a:defRPr/>
-            </a:lvl8pPr>
-            <a:lvl9pPr lvl="8" algn="l">
-              <a:spcBef>
-                <a:spcPts val="0"/>
-              </a:spcBef>
-              <a:spcAft>
-                <a:spcPts val="0"/>
-              </a:spcAft>
-              <a:buSzPts val="1400"/>
-              <a:buNone/>
-              <a:defRPr/>
-            </a:lvl9pPr>
-          </a:lstStyle>
-          <a:p>
-            <a:endParaRPr/>
-          </a:p>
-        </p:txBody>
-      </p:sp>
-      <p:sp>
-        <p:nvSpPr>
-          <p:cNvPr id="56" name="Google Shape;56;p19"/>
-          <p:cNvSpPr txBox="1">
-            <a:spLocks noGrp="1"/>
-          </p:cNvSpPr>
-          <p:nvPr>
-            <p:ph type="ftr" idx="11"/>
-          </p:nvPr>
-        </p:nvSpPr>
-        <p:spPr>
-          <a:xfrm>
-            <a:off x="2271713" y="9181397"/>
-            <a:ext cx="2314575" cy="527403"/>
-          </a:xfrm>
-          <a:prstGeom prst="rect">
-            <a:avLst/>
-          </a:prstGeom>
-          <a:noFill/>
-          <a:ln>
-            <a:noFill/>
-          </a:ln>
-        </p:spPr>
-        <p:txBody>
-          <a:bodyPr spcFirstLastPara="1" wrap="square" lIns="91425" tIns="45700" rIns="91425" bIns="45700" anchor="ctr" anchorCtr="0">
-            <a:noAutofit/>
-          </a:bodyPr>
-          <a:lstStyle>
-            <a:lvl1pPr lvl="0" algn="ctr">
-              <a:spcBef>
-                <a:spcPts val="0"/>
-              </a:spcBef>
-              <a:spcAft>
-                <a:spcPts val="0"/>
-              </a:spcAft>
-              <a:buSzPts val="1400"/>
-              <a:buNone/>
-              <a:defRPr/>
-            </a:lvl1pPr>
-            <a:lvl2pPr lvl="1" algn="l">
-              <a:spcBef>
-                <a:spcPts val="0"/>
-              </a:spcBef>
-              <a:spcAft>
-                <a:spcPts val="0"/>
-              </a:spcAft>
-              <a:buSzPts val="1400"/>
-              <a:buNone/>
-              <a:defRPr/>
-            </a:lvl2pPr>
-            <a:lvl3pPr lvl="2" algn="l">
-              <a:spcBef>
-                <a:spcPts val="0"/>
-              </a:spcBef>
-              <a:spcAft>
-                <a:spcPts val="0"/>
-              </a:spcAft>
-              <a:buSzPts val="1400"/>
-              <a:buNone/>
-              <a:defRPr/>
-            </a:lvl3pPr>
-            <a:lvl4pPr lvl="3" algn="l">
-              <a:spcBef>
-                <a:spcPts val="0"/>
-              </a:spcBef>
-              <a:spcAft>
-                <a:spcPts val="0"/>
-              </a:spcAft>
-              <a:buSzPts val="1400"/>
-              <a:buNone/>
-              <a:defRPr/>
-            </a:lvl4pPr>
-            <a:lvl5pPr lvl="4" algn="l">
-              <a:spcBef>
-                <a:spcPts val="0"/>
-              </a:spcBef>
-              <a:spcAft>
-                <a:spcPts val="0"/>
-              </a:spcAft>
-              <a:buSzPts val="1400"/>
-              <a:buNone/>
-              <a:defRPr/>
-            </a:lvl5pPr>
-            <a:lvl6pPr lvl="5" algn="l">
-              <a:spcBef>
-                <a:spcPts val="0"/>
-              </a:spcBef>
-              <a:spcAft>
-                <a:spcPts val="0"/>
-              </a:spcAft>
-              <a:buSzPts val="1400"/>
-              <a:buNone/>
-              <a:defRPr/>
-            </a:lvl6pPr>
-            <a:lvl7pPr lvl="6" algn="l">
-              <a:spcBef>
-                <a:spcPts val="0"/>
-              </a:spcBef>
-              <a:spcAft>
-                <a:spcPts val="0"/>
-              </a:spcAft>
-              <a:buSzPts val="1400"/>
-              <a:buNone/>
-              <a:defRPr/>
-            </a:lvl7pPr>
-            <a:lvl8pPr lvl="7" algn="l">
-              <a:spcBef>
-                <a:spcPts val="0"/>
-              </a:spcBef>
-              <a:spcAft>
-                <a:spcPts val="0"/>
-              </a:spcAft>
-              <a:buSzPts val="1400"/>
-              <a:buNone/>
-              <a:defRPr/>
-            </a:lvl8pPr>
-            <a:lvl9pPr lvl="8" algn="l">
-              <a:spcBef>
-                <a:spcPts val="0"/>
-              </a:spcBef>
-              <a:spcAft>
-                <a:spcPts val="0"/>
-              </a:spcAft>
-              <a:buSzPts val="1400"/>
-              <a:buNone/>
-              <a:defRPr/>
-            </a:lvl9pPr>
-          </a:lstStyle>
-          <a:p>
-            <a:endParaRPr/>
-          </a:p>
-        </p:txBody>
-      </p:sp>
-      <p:sp>
-        <p:nvSpPr>
-          <p:cNvPr id="57" name="Google Shape;57;p19"/>
-          <p:cNvSpPr txBox="1">
-            <a:spLocks noGrp="1"/>
-          </p:cNvSpPr>
-          <p:nvPr>
-            <p:ph type="sldNum" idx="12"/>
-          </p:nvPr>
-        </p:nvSpPr>
-        <p:spPr>
-          <a:xfrm>
-            <a:off x="4843463" y="9181397"/>
-            <a:ext cx="1543050" cy="527403"/>
-          </a:xfrm>
-          <a:prstGeom prst="rect">
-            <a:avLst/>
-          </a:prstGeom>
-          <a:noFill/>
-          <a:ln>
-            <a:noFill/>
-          </a:ln>
-        </p:spPr>
-        <p:txBody>
-          <a:bodyPr spcFirstLastPara="1" wrap="square" lIns="91425" tIns="45700" rIns="91425" bIns="45700" anchor="ctr" anchorCtr="0">
-            <a:noAutofit/>
-          </a:bodyPr>
-          <a:lstStyle>
-            <a:lvl1pPr marL="0" lvl="0" indent="0" algn="r">
-              <a:spcBef>
-                <a:spcPts val="0"/>
-              </a:spcBef>
-              <a:buNone/>
-              <a:defRPr/>
-            </a:lvl1pPr>
-            <a:lvl2pPr marL="0" lvl="1" indent="0" algn="r">
-              <a:spcBef>
-                <a:spcPts val="0"/>
-              </a:spcBef>
-              <a:buNone/>
-              <a:defRPr/>
-            </a:lvl2pPr>
-            <a:lvl3pPr marL="0" lvl="2" indent="0" algn="r">
-              <a:spcBef>
-                <a:spcPts val="0"/>
-              </a:spcBef>
-              <a:buNone/>
-              <a:defRPr/>
-            </a:lvl3pPr>
-            <a:lvl4pPr marL="0" lvl="3" indent="0" algn="r">
-              <a:spcBef>
-                <a:spcPts val="0"/>
-              </a:spcBef>
-              <a:buNone/>
-              <a:defRPr/>
-            </a:lvl4pPr>
-            <a:lvl5pPr marL="0" lvl="4" indent="0" algn="r">
-              <a:spcBef>
-                <a:spcPts val="0"/>
-              </a:spcBef>
-              <a:buNone/>
-              <a:defRPr/>
-            </a:lvl5pPr>
-            <a:lvl6pPr marL="0" lvl="5" indent="0" algn="r">
-              <a:spcBef>
-                <a:spcPts val="0"/>
-              </a:spcBef>
-              <a:buNone/>
-              <a:defRPr/>
-            </a:lvl6pPr>
-            <a:lvl7pPr marL="0" lvl="6" indent="0" algn="r">
-              <a:spcBef>
-                <a:spcPts val="0"/>
-              </a:spcBef>
-              <a:buNone/>
-              <a:defRPr/>
-            </a:lvl7pPr>
-            <a:lvl8pPr marL="0" lvl="7" indent="0" algn="r">
-              <a:spcBef>
-                <a:spcPts val="0"/>
-              </a:spcBef>
-              <a:buNone/>
-              <a:defRPr/>
-            </a:lvl8pPr>
-            <a:lvl9pPr marL="0" lvl="8" indent="0" algn="r">
-              <a:spcBef>
-                <a:spcPts val="0"/>
-              </a:spcBef>
-              <a:buNone/>
-              <a:defRPr/>
-            </a:lvl9pPr>
-          </a:lstStyle>
-          <a:p>
-            <a:pPr marL="0" lvl="0" indent="0" algn="r" rtl="0">
-              <a:spcBef>
-                <a:spcPts val="0"/>
-              </a:spcBef>
-              <a:spcAft>
-                <a:spcPts val="0"/>
-              </a:spcAft>
-              <a:buNone/>
-            </a:pPr>
-            <a:fld id="{00000000-1234-1234-1234-123412341234}" type="slidenum">
-              <a:rPr lang="en-US"/>
-              <a:t>‹Nº›</a:t>
-            </a:fld>
-            <a:endParaRPr/>
-          </a:p>
-        </p:txBody>
-      </p:sp>
-    </p:spTree>
-  </p:cSld>
-  <p:clrMapOvr>
-    <a:masterClrMapping/>
-  </p:clrMapOvr>
-</p:sldLayout>
-</file>
-
-<file path=ppt/slideLayouts/slideLayout8.xml><?xml version="1.0" encoding="utf-8"?>
 <p:sldLayout xmlns:a="http://schemas.openxmlformats.org/drawingml/2006/main" xmlns:r="http://schemas.openxmlformats.org/officeDocument/2006/relationships" xmlns:p="http://schemas.openxmlformats.org/presentationml/2006/main" matchingName="Contenido con título" type="objTx">
   <p:cSld name="OBJECT_WITH_CAPTION_TEXT">
     <p:spTree>
@@ -10446,7 +9179,7 @@
 </p:sldLayout>
 </file>
 
-<file path=ppt/slideLayouts/slideLayout9.xml><?xml version="1.0" encoding="utf-8"?>
+<file path=ppt/slideLayouts/slideLayout8.xml><?xml version="1.0" encoding="utf-8"?>
 <p:sldLayout xmlns:a="http://schemas.openxmlformats.org/drawingml/2006/main" xmlns:r="http://schemas.openxmlformats.org/officeDocument/2006/relationships" xmlns:p="http://schemas.openxmlformats.org/presentationml/2006/main" matchingName="Imagen con título" type="picTx">
   <p:cSld name="PICTURE_WITH_CAPTION_TEXT">
     <p:spTree>
@@ -11083,6 +9816,733 @@
       <p:sp>
         <p:nvSpPr>
           <p:cNvPr id="71" name="Google Shape;71;p21"/>
+          <p:cNvSpPr txBox="1">
+            <a:spLocks noGrp="1"/>
+          </p:cNvSpPr>
+          <p:nvPr>
+            <p:ph type="sldNum" idx="12"/>
+          </p:nvPr>
+        </p:nvSpPr>
+        <p:spPr>
+          <a:xfrm>
+            <a:off x="4843463" y="9181397"/>
+            <a:ext cx="1543050" cy="527403"/>
+          </a:xfrm>
+          <a:prstGeom prst="rect">
+            <a:avLst/>
+          </a:prstGeom>
+          <a:noFill/>
+          <a:ln>
+            <a:noFill/>
+          </a:ln>
+        </p:spPr>
+        <p:txBody>
+          <a:bodyPr spcFirstLastPara="1" wrap="square" lIns="91425" tIns="45700" rIns="91425" bIns="45700" anchor="ctr" anchorCtr="0">
+            <a:noAutofit/>
+          </a:bodyPr>
+          <a:lstStyle>
+            <a:lvl1pPr marL="0" lvl="0" indent="0" algn="r">
+              <a:spcBef>
+                <a:spcPts val="0"/>
+              </a:spcBef>
+              <a:buNone/>
+              <a:defRPr/>
+            </a:lvl1pPr>
+            <a:lvl2pPr marL="0" lvl="1" indent="0" algn="r">
+              <a:spcBef>
+                <a:spcPts val="0"/>
+              </a:spcBef>
+              <a:buNone/>
+              <a:defRPr/>
+            </a:lvl2pPr>
+            <a:lvl3pPr marL="0" lvl="2" indent="0" algn="r">
+              <a:spcBef>
+                <a:spcPts val="0"/>
+              </a:spcBef>
+              <a:buNone/>
+              <a:defRPr/>
+            </a:lvl3pPr>
+            <a:lvl4pPr marL="0" lvl="3" indent="0" algn="r">
+              <a:spcBef>
+                <a:spcPts val="0"/>
+              </a:spcBef>
+              <a:buNone/>
+              <a:defRPr/>
+            </a:lvl4pPr>
+            <a:lvl5pPr marL="0" lvl="4" indent="0" algn="r">
+              <a:spcBef>
+                <a:spcPts val="0"/>
+              </a:spcBef>
+              <a:buNone/>
+              <a:defRPr/>
+            </a:lvl5pPr>
+            <a:lvl6pPr marL="0" lvl="5" indent="0" algn="r">
+              <a:spcBef>
+                <a:spcPts val="0"/>
+              </a:spcBef>
+              <a:buNone/>
+              <a:defRPr/>
+            </a:lvl6pPr>
+            <a:lvl7pPr marL="0" lvl="6" indent="0" algn="r">
+              <a:spcBef>
+                <a:spcPts val="0"/>
+              </a:spcBef>
+              <a:buNone/>
+              <a:defRPr/>
+            </a:lvl7pPr>
+            <a:lvl8pPr marL="0" lvl="7" indent="0" algn="r">
+              <a:spcBef>
+                <a:spcPts val="0"/>
+              </a:spcBef>
+              <a:buNone/>
+              <a:defRPr/>
+            </a:lvl8pPr>
+            <a:lvl9pPr marL="0" lvl="8" indent="0" algn="r">
+              <a:spcBef>
+                <a:spcPts val="0"/>
+              </a:spcBef>
+              <a:buNone/>
+              <a:defRPr/>
+            </a:lvl9pPr>
+          </a:lstStyle>
+          <a:p>
+            <a:pPr marL="0" lvl="0" indent="0" algn="r" rtl="0">
+              <a:spcBef>
+                <a:spcPts val="0"/>
+              </a:spcBef>
+              <a:spcAft>
+                <a:spcPts val="0"/>
+              </a:spcAft>
+              <a:buNone/>
+            </a:pPr>
+            <a:fld id="{00000000-1234-1234-1234-123412341234}" type="slidenum">
+              <a:rPr lang="en-US"/>
+              <a:t>‹Nº›</a:t>
+            </a:fld>
+            <a:endParaRPr/>
+          </a:p>
+        </p:txBody>
+      </p:sp>
+    </p:spTree>
+  </p:cSld>
+  <p:clrMapOvr>
+    <a:masterClrMapping/>
+  </p:clrMapOvr>
+</p:sldLayout>
+</file>
+
+<file path=ppt/slideLayouts/slideLayout9.xml><?xml version="1.0" encoding="utf-8"?>
+<p:sldLayout xmlns:a="http://schemas.openxmlformats.org/drawingml/2006/main" xmlns:r="http://schemas.openxmlformats.org/officeDocument/2006/relationships" xmlns:p="http://schemas.openxmlformats.org/presentationml/2006/main" matchingName="Título y texto vertical" type="vertTx">
+  <p:cSld name="VERTICAL_TEXT">
+    <p:spTree>
+      <p:nvGrpSpPr>
+        <p:cNvPr id="1" name="Shape 72"/>
+        <p:cNvGrpSpPr/>
+        <p:nvPr/>
+      </p:nvGrpSpPr>
+      <p:grpSpPr>
+        <a:xfrm>
+          <a:off x="0" y="0"/>
+          <a:ext cx="0" cy="0"/>
+          <a:chOff x="0" y="0"/>
+          <a:chExt cx="0" cy="0"/>
+        </a:xfrm>
+      </p:grpSpPr>
+      <p:sp>
+        <p:nvSpPr>
+          <p:cNvPr id="73" name="Google Shape;73;p22"/>
+          <p:cNvSpPr txBox="1">
+            <a:spLocks noGrp="1"/>
+          </p:cNvSpPr>
+          <p:nvPr>
+            <p:ph type="title"/>
+          </p:nvPr>
+        </p:nvSpPr>
+        <p:spPr>
+          <a:xfrm>
+            <a:off x="471488" y="527405"/>
+            <a:ext cx="5915025" cy="1914702"/>
+          </a:xfrm>
+          <a:prstGeom prst="rect">
+            <a:avLst/>
+          </a:prstGeom>
+          <a:noFill/>
+          <a:ln>
+            <a:noFill/>
+          </a:ln>
+        </p:spPr>
+        <p:txBody>
+          <a:bodyPr spcFirstLastPara="1" wrap="square" lIns="91425" tIns="45700" rIns="91425" bIns="45700" anchor="ctr" anchorCtr="0">
+            <a:normAutofit/>
+          </a:bodyPr>
+          <a:lstStyle>
+            <a:lvl1pPr lvl="0" algn="l">
+              <a:lnSpc>
+                <a:spcPct val="90000"/>
+              </a:lnSpc>
+              <a:spcBef>
+                <a:spcPts val="0"/>
+              </a:spcBef>
+              <a:spcAft>
+                <a:spcPts val="0"/>
+              </a:spcAft>
+              <a:buClr>
+                <a:schemeClr val="dk1"/>
+              </a:buClr>
+              <a:buSzPts val="1800"/>
+              <a:buNone/>
+              <a:defRPr/>
+            </a:lvl1pPr>
+            <a:lvl2pPr lvl="1">
+              <a:spcBef>
+                <a:spcPts val="0"/>
+              </a:spcBef>
+              <a:spcAft>
+                <a:spcPts val="0"/>
+              </a:spcAft>
+              <a:buSzPts val="1400"/>
+              <a:buNone/>
+              <a:defRPr/>
+            </a:lvl2pPr>
+            <a:lvl3pPr lvl="2">
+              <a:spcBef>
+                <a:spcPts val="0"/>
+              </a:spcBef>
+              <a:spcAft>
+                <a:spcPts val="0"/>
+              </a:spcAft>
+              <a:buSzPts val="1400"/>
+              <a:buNone/>
+              <a:defRPr/>
+            </a:lvl3pPr>
+            <a:lvl4pPr lvl="3">
+              <a:spcBef>
+                <a:spcPts val="0"/>
+              </a:spcBef>
+              <a:spcAft>
+                <a:spcPts val="0"/>
+              </a:spcAft>
+              <a:buSzPts val="1400"/>
+              <a:buNone/>
+              <a:defRPr/>
+            </a:lvl4pPr>
+            <a:lvl5pPr lvl="4">
+              <a:spcBef>
+                <a:spcPts val="0"/>
+              </a:spcBef>
+              <a:spcAft>
+                <a:spcPts val="0"/>
+              </a:spcAft>
+              <a:buSzPts val="1400"/>
+              <a:buNone/>
+              <a:defRPr/>
+            </a:lvl5pPr>
+            <a:lvl6pPr lvl="5">
+              <a:spcBef>
+                <a:spcPts val="0"/>
+              </a:spcBef>
+              <a:spcAft>
+                <a:spcPts val="0"/>
+              </a:spcAft>
+              <a:buSzPts val="1400"/>
+              <a:buNone/>
+              <a:defRPr/>
+            </a:lvl6pPr>
+            <a:lvl7pPr lvl="6">
+              <a:spcBef>
+                <a:spcPts val="0"/>
+              </a:spcBef>
+              <a:spcAft>
+                <a:spcPts val="0"/>
+              </a:spcAft>
+              <a:buSzPts val="1400"/>
+              <a:buNone/>
+              <a:defRPr/>
+            </a:lvl7pPr>
+            <a:lvl8pPr lvl="7">
+              <a:spcBef>
+                <a:spcPts val="0"/>
+              </a:spcBef>
+              <a:spcAft>
+                <a:spcPts val="0"/>
+              </a:spcAft>
+              <a:buSzPts val="1400"/>
+              <a:buNone/>
+              <a:defRPr/>
+            </a:lvl8pPr>
+            <a:lvl9pPr lvl="8">
+              <a:spcBef>
+                <a:spcPts val="0"/>
+              </a:spcBef>
+              <a:spcAft>
+                <a:spcPts val="0"/>
+              </a:spcAft>
+              <a:buSzPts val="1400"/>
+              <a:buNone/>
+              <a:defRPr/>
+            </a:lvl9pPr>
+          </a:lstStyle>
+          <a:p>
+            <a:endParaRPr/>
+          </a:p>
+        </p:txBody>
+      </p:sp>
+      <p:sp>
+        <p:nvSpPr>
+          <p:cNvPr id="74" name="Google Shape;74;p22"/>
+          <p:cNvSpPr txBox="1">
+            <a:spLocks noGrp="1"/>
+          </p:cNvSpPr>
+          <p:nvPr>
+            <p:ph type="body" idx="1"/>
+          </p:nvPr>
+        </p:nvSpPr>
+        <p:spPr>
+          <a:xfrm rot="5400000">
+            <a:off x="286367" y="2822135"/>
+            <a:ext cx="6285266" cy="5915025"/>
+          </a:xfrm>
+          <a:prstGeom prst="rect">
+            <a:avLst/>
+          </a:prstGeom>
+          <a:noFill/>
+          <a:ln>
+            <a:noFill/>
+          </a:ln>
+        </p:spPr>
+        <p:txBody>
+          <a:bodyPr spcFirstLastPara="1" wrap="square" lIns="91425" tIns="45700" rIns="91425" bIns="45700" anchor="t" anchorCtr="0">
+            <a:normAutofit/>
+          </a:bodyPr>
+          <a:lstStyle>
+            <a:lvl1pPr marL="457200" lvl="0" indent="-342900" algn="l">
+              <a:lnSpc>
+                <a:spcPct val="90000"/>
+              </a:lnSpc>
+              <a:spcBef>
+                <a:spcPts val="750"/>
+              </a:spcBef>
+              <a:spcAft>
+                <a:spcPts val="0"/>
+              </a:spcAft>
+              <a:buClr>
+                <a:schemeClr val="dk1"/>
+              </a:buClr>
+              <a:buSzPts val="1800"/>
+              <a:buChar char="•"/>
+              <a:defRPr/>
+            </a:lvl1pPr>
+            <a:lvl2pPr marL="914400" lvl="1" indent="-342900" algn="l">
+              <a:lnSpc>
+                <a:spcPct val="90000"/>
+              </a:lnSpc>
+              <a:spcBef>
+                <a:spcPts val="375"/>
+              </a:spcBef>
+              <a:spcAft>
+                <a:spcPts val="0"/>
+              </a:spcAft>
+              <a:buClr>
+                <a:schemeClr val="dk1"/>
+              </a:buClr>
+              <a:buSzPts val="1800"/>
+              <a:buChar char="•"/>
+              <a:defRPr/>
+            </a:lvl2pPr>
+            <a:lvl3pPr marL="1371600" lvl="2" indent="-342900" algn="l">
+              <a:lnSpc>
+                <a:spcPct val="90000"/>
+              </a:lnSpc>
+              <a:spcBef>
+                <a:spcPts val="375"/>
+              </a:spcBef>
+              <a:spcAft>
+                <a:spcPts val="0"/>
+              </a:spcAft>
+              <a:buClr>
+                <a:schemeClr val="dk1"/>
+              </a:buClr>
+              <a:buSzPts val="1800"/>
+              <a:buChar char="•"/>
+              <a:defRPr/>
+            </a:lvl3pPr>
+            <a:lvl4pPr marL="1828800" lvl="3" indent="-342900" algn="l">
+              <a:lnSpc>
+                <a:spcPct val="90000"/>
+              </a:lnSpc>
+              <a:spcBef>
+                <a:spcPts val="375"/>
+              </a:spcBef>
+              <a:spcAft>
+                <a:spcPts val="0"/>
+              </a:spcAft>
+              <a:buClr>
+                <a:schemeClr val="dk1"/>
+              </a:buClr>
+              <a:buSzPts val="1800"/>
+              <a:buChar char="•"/>
+              <a:defRPr/>
+            </a:lvl4pPr>
+            <a:lvl5pPr marL="2286000" lvl="4" indent="-342900" algn="l">
+              <a:lnSpc>
+                <a:spcPct val="90000"/>
+              </a:lnSpc>
+              <a:spcBef>
+                <a:spcPts val="375"/>
+              </a:spcBef>
+              <a:spcAft>
+                <a:spcPts val="0"/>
+              </a:spcAft>
+              <a:buClr>
+                <a:schemeClr val="dk1"/>
+              </a:buClr>
+              <a:buSzPts val="1800"/>
+              <a:buChar char="•"/>
+              <a:defRPr/>
+            </a:lvl5pPr>
+            <a:lvl6pPr marL="2743200" lvl="5" indent="-342900" algn="l">
+              <a:lnSpc>
+                <a:spcPct val="90000"/>
+              </a:lnSpc>
+              <a:spcBef>
+                <a:spcPts val="375"/>
+              </a:spcBef>
+              <a:spcAft>
+                <a:spcPts val="0"/>
+              </a:spcAft>
+              <a:buClr>
+                <a:schemeClr val="dk1"/>
+              </a:buClr>
+              <a:buSzPts val="1800"/>
+              <a:buChar char="•"/>
+              <a:defRPr/>
+            </a:lvl6pPr>
+            <a:lvl7pPr marL="3200400" lvl="6" indent="-342900" algn="l">
+              <a:lnSpc>
+                <a:spcPct val="90000"/>
+              </a:lnSpc>
+              <a:spcBef>
+                <a:spcPts val="375"/>
+              </a:spcBef>
+              <a:spcAft>
+                <a:spcPts val="0"/>
+              </a:spcAft>
+              <a:buClr>
+                <a:schemeClr val="dk1"/>
+              </a:buClr>
+              <a:buSzPts val="1800"/>
+              <a:buChar char="•"/>
+              <a:defRPr/>
+            </a:lvl7pPr>
+            <a:lvl8pPr marL="3657600" lvl="7" indent="-342900" algn="l">
+              <a:lnSpc>
+                <a:spcPct val="90000"/>
+              </a:lnSpc>
+              <a:spcBef>
+                <a:spcPts val="375"/>
+              </a:spcBef>
+              <a:spcAft>
+                <a:spcPts val="0"/>
+              </a:spcAft>
+              <a:buClr>
+                <a:schemeClr val="dk1"/>
+              </a:buClr>
+              <a:buSzPts val="1800"/>
+              <a:buChar char="•"/>
+              <a:defRPr/>
+            </a:lvl8pPr>
+            <a:lvl9pPr marL="4114800" lvl="8" indent="-342900" algn="l">
+              <a:lnSpc>
+                <a:spcPct val="90000"/>
+              </a:lnSpc>
+              <a:spcBef>
+                <a:spcPts val="375"/>
+              </a:spcBef>
+              <a:spcAft>
+                <a:spcPts val="0"/>
+              </a:spcAft>
+              <a:buClr>
+                <a:schemeClr val="dk1"/>
+              </a:buClr>
+              <a:buSzPts val="1800"/>
+              <a:buChar char="•"/>
+              <a:defRPr/>
+            </a:lvl9pPr>
+          </a:lstStyle>
+          <a:p>
+            <a:endParaRPr/>
+          </a:p>
+        </p:txBody>
+      </p:sp>
+      <p:sp>
+        <p:nvSpPr>
+          <p:cNvPr id="75" name="Google Shape;75;p22"/>
+          <p:cNvSpPr txBox="1">
+            <a:spLocks noGrp="1"/>
+          </p:cNvSpPr>
+          <p:nvPr>
+            <p:ph type="dt" idx="10"/>
+          </p:nvPr>
+        </p:nvSpPr>
+        <p:spPr>
+          <a:xfrm>
+            <a:off x="471488" y="9181397"/>
+            <a:ext cx="1543050" cy="527403"/>
+          </a:xfrm>
+          <a:prstGeom prst="rect">
+            <a:avLst/>
+          </a:prstGeom>
+          <a:noFill/>
+          <a:ln>
+            <a:noFill/>
+          </a:ln>
+        </p:spPr>
+        <p:txBody>
+          <a:bodyPr spcFirstLastPara="1" wrap="square" lIns="91425" tIns="45700" rIns="91425" bIns="45700" anchor="ctr" anchorCtr="0">
+            <a:noAutofit/>
+          </a:bodyPr>
+          <a:lstStyle>
+            <a:lvl1pPr lvl="0" algn="l">
+              <a:spcBef>
+                <a:spcPts val="0"/>
+              </a:spcBef>
+              <a:spcAft>
+                <a:spcPts val="0"/>
+              </a:spcAft>
+              <a:buSzPts val="1400"/>
+              <a:buNone/>
+              <a:defRPr/>
+            </a:lvl1pPr>
+            <a:lvl2pPr lvl="1" algn="l">
+              <a:spcBef>
+                <a:spcPts val="0"/>
+              </a:spcBef>
+              <a:spcAft>
+                <a:spcPts val="0"/>
+              </a:spcAft>
+              <a:buSzPts val="1400"/>
+              <a:buNone/>
+              <a:defRPr/>
+            </a:lvl2pPr>
+            <a:lvl3pPr lvl="2" algn="l">
+              <a:spcBef>
+                <a:spcPts val="0"/>
+              </a:spcBef>
+              <a:spcAft>
+                <a:spcPts val="0"/>
+              </a:spcAft>
+              <a:buSzPts val="1400"/>
+              <a:buNone/>
+              <a:defRPr/>
+            </a:lvl3pPr>
+            <a:lvl4pPr lvl="3" algn="l">
+              <a:spcBef>
+                <a:spcPts val="0"/>
+              </a:spcBef>
+              <a:spcAft>
+                <a:spcPts val="0"/>
+              </a:spcAft>
+              <a:buSzPts val="1400"/>
+              <a:buNone/>
+              <a:defRPr/>
+            </a:lvl4pPr>
+            <a:lvl5pPr lvl="4" algn="l">
+              <a:spcBef>
+                <a:spcPts val="0"/>
+              </a:spcBef>
+              <a:spcAft>
+                <a:spcPts val="0"/>
+              </a:spcAft>
+              <a:buSzPts val="1400"/>
+              <a:buNone/>
+              <a:defRPr/>
+            </a:lvl5pPr>
+            <a:lvl6pPr lvl="5" algn="l">
+              <a:spcBef>
+                <a:spcPts val="0"/>
+              </a:spcBef>
+              <a:spcAft>
+                <a:spcPts val="0"/>
+              </a:spcAft>
+              <a:buSzPts val="1400"/>
+              <a:buNone/>
+              <a:defRPr/>
+            </a:lvl6pPr>
+            <a:lvl7pPr lvl="6" algn="l">
+              <a:spcBef>
+                <a:spcPts val="0"/>
+              </a:spcBef>
+              <a:spcAft>
+                <a:spcPts val="0"/>
+              </a:spcAft>
+              <a:buSzPts val="1400"/>
+              <a:buNone/>
+              <a:defRPr/>
+            </a:lvl7pPr>
+            <a:lvl8pPr lvl="7" algn="l">
+              <a:spcBef>
+                <a:spcPts val="0"/>
+              </a:spcBef>
+              <a:spcAft>
+                <a:spcPts val="0"/>
+              </a:spcAft>
+              <a:buSzPts val="1400"/>
+              <a:buNone/>
+              <a:defRPr/>
+            </a:lvl8pPr>
+            <a:lvl9pPr lvl="8" algn="l">
+              <a:spcBef>
+                <a:spcPts val="0"/>
+              </a:spcBef>
+              <a:spcAft>
+                <a:spcPts val="0"/>
+              </a:spcAft>
+              <a:buSzPts val="1400"/>
+              <a:buNone/>
+              <a:defRPr/>
+            </a:lvl9pPr>
+          </a:lstStyle>
+          <a:p>
+            <a:endParaRPr/>
+          </a:p>
+        </p:txBody>
+      </p:sp>
+      <p:sp>
+        <p:nvSpPr>
+          <p:cNvPr id="76" name="Google Shape;76;p22"/>
+          <p:cNvSpPr txBox="1">
+            <a:spLocks noGrp="1"/>
+          </p:cNvSpPr>
+          <p:nvPr>
+            <p:ph type="ftr" idx="11"/>
+          </p:nvPr>
+        </p:nvSpPr>
+        <p:spPr>
+          <a:xfrm>
+            <a:off x="2271713" y="9181397"/>
+            <a:ext cx="2314575" cy="527403"/>
+          </a:xfrm>
+          <a:prstGeom prst="rect">
+            <a:avLst/>
+          </a:prstGeom>
+          <a:noFill/>
+          <a:ln>
+            <a:noFill/>
+          </a:ln>
+        </p:spPr>
+        <p:txBody>
+          <a:bodyPr spcFirstLastPara="1" wrap="square" lIns="91425" tIns="45700" rIns="91425" bIns="45700" anchor="ctr" anchorCtr="0">
+            <a:noAutofit/>
+          </a:bodyPr>
+          <a:lstStyle>
+            <a:lvl1pPr lvl="0" algn="ctr">
+              <a:spcBef>
+                <a:spcPts val="0"/>
+              </a:spcBef>
+              <a:spcAft>
+                <a:spcPts val="0"/>
+              </a:spcAft>
+              <a:buSzPts val="1400"/>
+              <a:buNone/>
+              <a:defRPr/>
+            </a:lvl1pPr>
+            <a:lvl2pPr lvl="1" algn="l">
+              <a:spcBef>
+                <a:spcPts val="0"/>
+              </a:spcBef>
+              <a:spcAft>
+                <a:spcPts val="0"/>
+              </a:spcAft>
+              <a:buSzPts val="1400"/>
+              <a:buNone/>
+              <a:defRPr/>
+            </a:lvl2pPr>
+            <a:lvl3pPr lvl="2" algn="l">
+              <a:spcBef>
+                <a:spcPts val="0"/>
+              </a:spcBef>
+              <a:spcAft>
+                <a:spcPts val="0"/>
+              </a:spcAft>
+              <a:buSzPts val="1400"/>
+              <a:buNone/>
+              <a:defRPr/>
+            </a:lvl3pPr>
+            <a:lvl4pPr lvl="3" algn="l">
+              <a:spcBef>
+                <a:spcPts val="0"/>
+              </a:spcBef>
+              <a:spcAft>
+                <a:spcPts val="0"/>
+              </a:spcAft>
+              <a:buSzPts val="1400"/>
+              <a:buNone/>
+              <a:defRPr/>
+            </a:lvl4pPr>
+            <a:lvl5pPr lvl="4" algn="l">
+              <a:spcBef>
+                <a:spcPts val="0"/>
+              </a:spcBef>
+              <a:spcAft>
+                <a:spcPts val="0"/>
+              </a:spcAft>
+              <a:buSzPts val="1400"/>
+              <a:buNone/>
+              <a:defRPr/>
+            </a:lvl5pPr>
+            <a:lvl6pPr lvl="5" algn="l">
+              <a:spcBef>
+                <a:spcPts val="0"/>
+              </a:spcBef>
+              <a:spcAft>
+                <a:spcPts val="0"/>
+              </a:spcAft>
+              <a:buSzPts val="1400"/>
+              <a:buNone/>
+              <a:defRPr/>
+            </a:lvl6pPr>
+            <a:lvl7pPr lvl="6" algn="l">
+              <a:spcBef>
+                <a:spcPts val="0"/>
+              </a:spcBef>
+              <a:spcAft>
+                <a:spcPts val="0"/>
+              </a:spcAft>
+              <a:buSzPts val="1400"/>
+              <a:buNone/>
+              <a:defRPr/>
+            </a:lvl7pPr>
+            <a:lvl8pPr lvl="7" algn="l">
+              <a:spcBef>
+                <a:spcPts val="0"/>
+              </a:spcBef>
+              <a:spcAft>
+                <a:spcPts val="0"/>
+              </a:spcAft>
+              <a:buSzPts val="1400"/>
+              <a:buNone/>
+              <a:defRPr/>
+            </a:lvl8pPr>
+            <a:lvl9pPr lvl="8" algn="l">
+              <a:spcBef>
+                <a:spcPts val="0"/>
+              </a:spcBef>
+              <a:spcAft>
+                <a:spcPts val="0"/>
+              </a:spcAft>
+              <a:buSzPts val="1400"/>
+              <a:buNone/>
+              <a:defRPr/>
+            </a:lvl9pPr>
+          </a:lstStyle>
+          <a:p>
+            <a:endParaRPr/>
+          </a:p>
+        </p:txBody>
+      </p:sp>
+      <p:sp>
+        <p:nvSpPr>
+          <p:cNvPr id="77" name="Google Shape;77;p22"/>
           <p:cNvSpPr txBox="1">
             <a:spLocks noGrp="1"/>
           </p:cNvSpPr>
@@ -12241,11 +11701,10 @@
     <p:sldLayoutId id="2147483652" r:id="rId4"/>
     <p:sldLayoutId id="2147483653" r:id="rId5"/>
     <p:sldLayoutId id="2147483654" r:id="rId6"/>
-    <p:sldLayoutId id="2147483655" r:id="rId7"/>
-    <p:sldLayoutId id="2147483656" r:id="rId8"/>
-    <p:sldLayoutId id="2147483657" r:id="rId9"/>
-    <p:sldLayoutId id="2147483658" r:id="rId10"/>
-    <p:sldLayoutId id="2147483659" r:id="rId11"/>
+    <p:sldLayoutId id="2147483656" r:id="rId7"/>
+    <p:sldLayoutId id="2147483657" r:id="rId8"/>
+    <p:sldLayoutId id="2147483658" r:id="rId9"/>
+    <p:sldLayoutId id="2147483659" r:id="rId10"/>
   </p:sldLayoutIdLst>
   <p:hf sldNum="0" hdr="0" ftr="0" dt="0"/>
   <p:txStyles>
@@ -13976,33 +13435,6 @@
           <a:chExt cx="0" cy="0"/>
         </a:xfrm>
       </p:grpSpPr>
-      <p:pic>
-        <p:nvPicPr>
-          <p:cNvPr id="108" name="Google Shape;108;p4"/>
-          <p:cNvPicPr preferRelativeResize="0"/>
-          <p:nvPr/>
-        </p:nvPicPr>
-        <p:blipFill rotWithShape="1">
-          <a:blip r:embed="rId3">
-            <a:alphaModFix/>
-          </a:blip>
-          <a:srcRect t="1800" b="2273"/>
-          <a:stretch/>
-        </p:blipFill>
-        <p:spPr>
-          <a:xfrm>
-            <a:off x="522089" y="4514901"/>
-            <a:ext cx="3608301" cy="2019089"/>
-          </a:xfrm>
-          <a:prstGeom prst="rect">
-            <a:avLst/>
-          </a:prstGeom>
-          <a:noFill/>
-          <a:ln>
-            <a:noFill/>
-          </a:ln>
-        </p:spPr>
-      </p:pic>
       <p:sp>
         <p:nvSpPr>
           <p:cNvPr id="109" name="Google Shape;109;p4"/>
@@ -14171,7 +13603,7 @@
             <p:nvPr/>
           </p:nvPicPr>
           <p:blipFill rotWithShape="1">
-            <a:blip r:embed="rId4">
+            <a:blip r:embed="rId3">
               <a:alphaModFix/>
             </a:blip>
             <a:srcRect/>
@@ -14622,244 +14054,165 @@
           </p:sp>
         </p:grpSp>
       </p:grpSp>
-      <p:sp>
-        <p:nvSpPr>
-          <p:cNvPr id="118" name="Google Shape;118;p4"/>
-          <p:cNvSpPr txBox="1"/>
-          <p:nvPr/>
-        </p:nvSpPr>
-        <p:spPr>
-          <a:xfrm>
-            <a:off x="4130554" y="4502748"/>
-            <a:ext cx="2233670" cy="830956"/>
-          </a:xfrm>
-          <a:prstGeom prst="rect">
-            <a:avLst/>
-          </a:prstGeom>
-          <a:noFill/>
-          <a:ln>
-            <a:noFill/>
-          </a:ln>
-        </p:spPr>
-        <p:txBody>
-          <a:bodyPr spcFirstLastPara="1" wrap="square" lIns="91425" tIns="45700" rIns="91425" bIns="45700" anchor="t" anchorCtr="0">
-            <a:spAutoFit/>
-          </a:bodyPr>
-          <a:lstStyle/>
-          <a:p>
-            <a:pPr marL="285750" marR="0" lvl="0" indent="-285750" algn="just" rtl="0">
-              <a:spcBef>
-                <a:spcPts val="0"/>
-              </a:spcBef>
-              <a:spcAft>
-                <a:spcPts val="0"/>
-              </a:spcAft>
-              <a:buClr>
-                <a:schemeClr val="dk1"/>
-              </a:buClr>
-              <a:buSzPts val="1600"/>
-              <a:buFont typeface="Noto Sans Symbols"/>
-              <a:buChar char="⮚"/>
-            </a:pPr>
-            <a:r>
-              <a:rPr lang="en-US" sz="1600">
-                <a:solidFill>
-                  <a:schemeClr val="dk1"/>
-                </a:solidFill>
-                <a:latin typeface="Arial"/>
-                <a:ea typeface="Arial"/>
-                <a:cs typeface="Arial"/>
-                <a:sym typeface="Arial"/>
-              </a:rPr>
-              <a:t>Alpha Counter</a:t>
-            </a:r>
-            <a:endParaRPr/>
-          </a:p>
-          <a:p>
-            <a:pPr marL="285750" marR="0" lvl="0" indent="-285750" algn="just" rtl="0">
-              <a:spcBef>
-                <a:spcPts val="0"/>
-              </a:spcBef>
-              <a:spcAft>
-                <a:spcPts val="0"/>
-              </a:spcAft>
-              <a:buClr>
-                <a:schemeClr val="dk1"/>
-              </a:buClr>
-              <a:buSzPts val="1600"/>
-              <a:buFont typeface="Noto Sans Symbols"/>
-              <a:buChar char="⮚"/>
-            </a:pPr>
-            <a:r>
-              <a:rPr lang="en-US" sz="1600">
-                <a:solidFill>
-                  <a:schemeClr val="dk1"/>
-                </a:solidFill>
-                <a:latin typeface="Arial"/>
-                <a:ea typeface="Arial"/>
-                <a:cs typeface="Arial"/>
-                <a:sym typeface="Arial"/>
-              </a:rPr>
-              <a:t>Throw Tech</a:t>
-            </a:r>
-            <a:endParaRPr/>
-          </a:p>
-          <a:p>
-            <a:pPr marL="285750" marR="0" lvl="0" indent="-285750" algn="just" rtl="0">
-              <a:spcBef>
-                <a:spcPts val="0"/>
-              </a:spcBef>
-              <a:spcAft>
-                <a:spcPts val="0"/>
-              </a:spcAft>
-              <a:buClr>
-                <a:schemeClr val="dk1"/>
-              </a:buClr>
-              <a:buSzPts val="1600"/>
-              <a:buFont typeface="Noto Sans Symbols"/>
-              <a:buChar char="⮚"/>
-            </a:pPr>
-            <a:r>
-              <a:rPr lang="en-US" sz="1600">
-                <a:solidFill>
-                  <a:schemeClr val="dk1"/>
-                </a:solidFill>
-                <a:latin typeface="Arial"/>
-                <a:ea typeface="Arial"/>
-                <a:cs typeface="Arial"/>
-                <a:sym typeface="Arial"/>
-              </a:rPr>
-              <a:t>Quick Stand Tech</a:t>
-            </a:r>
-            <a:endParaRPr sz="1600">
-              <a:solidFill>
-                <a:schemeClr val="dk1"/>
-              </a:solidFill>
-              <a:latin typeface="Arial"/>
-              <a:ea typeface="Arial"/>
-              <a:cs typeface="Arial"/>
-              <a:sym typeface="Arial"/>
-            </a:endParaRPr>
-          </a:p>
-        </p:txBody>
-      </p:sp>
-      <p:sp>
-        <p:nvSpPr>
-          <p:cNvPr id="119" name="Google Shape;119;p4"/>
-          <p:cNvSpPr/>
-          <p:nvPr/>
-        </p:nvSpPr>
-        <p:spPr>
-          <a:xfrm>
-            <a:off x="501715" y="4514903"/>
-            <a:ext cx="3628841" cy="2041225"/>
-          </a:xfrm>
-          <a:prstGeom prst="rect">
-            <a:avLst/>
-          </a:prstGeom>
-          <a:noFill/>
-          <a:ln w="38100" cap="flat" cmpd="sng">
-            <a:solidFill>
-              <a:schemeClr val="dk1"/>
-            </a:solidFill>
-            <a:prstDash val="solid"/>
-            <a:miter lim="800000"/>
-            <a:headEnd type="none" w="sm" len="sm"/>
-            <a:tailEnd type="none" w="sm" len="sm"/>
-          </a:ln>
-        </p:spPr>
-        <p:txBody>
-          <a:bodyPr spcFirstLastPara="1" wrap="square" lIns="91425" tIns="45700" rIns="91425" bIns="45700" anchor="ctr" anchorCtr="0">
-            <a:noAutofit/>
-          </a:bodyPr>
-          <a:lstStyle/>
-          <a:p>
-            <a:pPr marL="0" marR="0" lvl="0" indent="0" algn="ctr" rtl="0">
-              <a:spcBef>
-                <a:spcPts val="0"/>
-              </a:spcBef>
-              <a:spcAft>
-                <a:spcPts val="0"/>
-              </a:spcAft>
-              <a:buNone/>
-            </a:pPr>
-            <a:endParaRPr sz="1800">
-              <a:solidFill>
-                <a:schemeClr val="lt1"/>
-              </a:solidFill>
-              <a:latin typeface="Calibri"/>
-              <a:ea typeface="Calibri"/>
-              <a:cs typeface="Calibri"/>
-              <a:sym typeface="Calibri"/>
-            </a:endParaRPr>
-          </a:p>
-        </p:txBody>
-      </p:sp>
       <p:grpSp>
         <p:nvGrpSpPr>
-          <p:cNvPr id="120" name="Google Shape;120;p4"/>
+          <p:cNvPr id="2" name="Grupo 1">
+            <a:extLst>
+              <a:ext uri="{FF2B5EF4-FFF2-40B4-BE49-F238E27FC236}">
+                <a16:creationId xmlns:a16="http://schemas.microsoft.com/office/drawing/2014/main" id="{4F6C09E2-71A1-4BF7-9D57-1C41A2653C44}"/>
+              </a:ext>
+            </a:extLst>
+          </p:cNvPr>
           <p:cNvGrpSpPr/>
           <p:nvPr/>
         </p:nvGrpSpPr>
         <p:grpSpPr>
           <a:xfrm>
-            <a:off x="501712" y="6196128"/>
-            <a:ext cx="2671759" cy="360000"/>
-            <a:chOff x="379628" y="4148914"/>
-            <a:chExt cx="2671759" cy="360000"/>
+            <a:off x="501712" y="4526812"/>
+            <a:ext cx="5862512" cy="2053380"/>
+            <a:chOff x="501712" y="4502748"/>
+            <a:chExt cx="5862512" cy="2053380"/>
           </a:xfrm>
         </p:grpSpPr>
+        <p:pic>
+          <p:nvPicPr>
+            <p:cNvPr id="108" name="Google Shape;108;p4"/>
+            <p:cNvPicPr preferRelativeResize="0"/>
+            <p:nvPr/>
+          </p:nvPicPr>
+          <p:blipFill rotWithShape="1">
+            <a:blip r:embed="rId4">
+              <a:alphaModFix/>
+            </a:blip>
+            <a:srcRect t="1800" b="2273"/>
+            <a:stretch/>
+          </p:blipFill>
+          <p:spPr>
+            <a:xfrm>
+              <a:off x="522089" y="4514901"/>
+              <a:ext cx="3608301" cy="2019089"/>
+            </a:xfrm>
+            <a:prstGeom prst="rect">
+              <a:avLst/>
+            </a:prstGeom>
+            <a:noFill/>
+            <a:ln>
+              <a:noFill/>
+            </a:ln>
+          </p:spPr>
+        </p:pic>
         <p:sp>
           <p:nvSpPr>
-            <p:cNvPr id="121" name="Google Shape;121;p4"/>
-            <p:cNvSpPr/>
+            <p:cNvPr id="118" name="Google Shape;118;p4"/>
+            <p:cNvSpPr txBox="1"/>
             <p:nvPr/>
           </p:nvSpPr>
           <p:spPr>
             <a:xfrm>
-              <a:off x="379628" y="4148914"/>
-              <a:ext cx="2131759" cy="360000"/>
+              <a:off x="4130554" y="4502748"/>
+              <a:ext cx="2233670" cy="830956"/>
             </a:xfrm>
             <a:prstGeom prst="rect">
               <a:avLst/>
             </a:prstGeom>
-            <a:solidFill>
-              <a:schemeClr val="dk1"/>
-            </a:solidFill>
+            <a:noFill/>
             <a:ln>
               <a:noFill/>
             </a:ln>
           </p:spPr>
           <p:txBody>
-            <a:bodyPr spcFirstLastPara="1" wrap="square" lIns="91425" tIns="45700" rIns="91425" bIns="45700" anchor="ctr" anchorCtr="0">
-              <a:noAutofit/>
+            <a:bodyPr spcFirstLastPara="1" wrap="square" lIns="91425" tIns="45700" rIns="91425" bIns="45700" anchor="t" anchorCtr="0">
+              <a:spAutoFit/>
             </a:bodyPr>
             <a:lstStyle/>
             <a:p>
-              <a:pPr marL="0" marR="0" lvl="0" indent="0" algn="l" rtl="0">
+              <a:pPr marL="285750" marR="0" lvl="0" indent="-285750" algn="just" rtl="0">
                 <a:spcBef>
                   <a:spcPts val="0"/>
                 </a:spcBef>
                 <a:spcAft>
                   <a:spcPts val="0"/>
                 </a:spcAft>
-                <a:buNone/>
+                <a:buClr>
+                  <a:schemeClr val="dk1"/>
+                </a:buClr>
+                <a:buSzPts val="1600"/>
+                <a:buFont typeface="Noto Sans Symbols"/>
+                <a:buChar char="⮚"/>
               </a:pPr>
               <a:r>
-                <a:rPr lang="en-US" sz="1700">
+                <a:rPr lang="en-US" sz="1600">
                   <a:solidFill>
-                    <a:schemeClr val="lt1"/>
+                    <a:schemeClr val="dk1"/>
                   </a:solidFill>
                   <a:latin typeface="Arial"/>
                   <a:ea typeface="Arial"/>
                   <a:cs typeface="Arial"/>
                   <a:sym typeface="Arial"/>
                 </a:rPr>
-                <a:t>Street Fighter Alpha</a:t>
+                <a:t>Alpha Counter</a:t>
               </a:r>
-              <a:endParaRPr sz="1700">
+              <a:endParaRPr/>
+            </a:p>
+            <a:p>
+              <a:pPr marL="285750" marR="0" lvl="0" indent="-285750" algn="just" rtl="0">
+                <a:spcBef>
+                  <a:spcPts val="0"/>
+                </a:spcBef>
+                <a:spcAft>
+                  <a:spcPts val="0"/>
+                </a:spcAft>
+                <a:buClr>
+                  <a:schemeClr val="dk1"/>
+                </a:buClr>
+                <a:buSzPts val="1600"/>
+                <a:buFont typeface="Noto Sans Symbols"/>
+                <a:buChar char="⮚"/>
+              </a:pPr>
+              <a:r>
+                <a:rPr lang="en-US" sz="1600">
+                  <a:solidFill>
+                    <a:schemeClr val="dk1"/>
+                  </a:solidFill>
+                  <a:latin typeface="Arial"/>
+                  <a:ea typeface="Arial"/>
+                  <a:cs typeface="Arial"/>
+                  <a:sym typeface="Arial"/>
+                </a:rPr>
+                <a:t>Throw Tech</a:t>
+              </a:r>
+              <a:endParaRPr/>
+            </a:p>
+            <a:p>
+              <a:pPr marL="285750" marR="0" lvl="0" indent="-285750" algn="just" rtl="0">
+                <a:spcBef>
+                  <a:spcPts val="0"/>
+                </a:spcBef>
+                <a:spcAft>
+                  <a:spcPts val="0"/>
+                </a:spcAft>
+                <a:buClr>
+                  <a:schemeClr val="dk1"/>
+                </a:buClr>
+                <a:buSzPts val="1600"/>
+                <a:buFont typeface="Noto Sans Symbols"/>
+                <a:buChar char="⮚"/>
+              </a:pPr>
+              <a:r>
+                <a:rPr lang="en-US" sz="1600">
+                  <a:solidFill>
+                    <a:schemeClr val="dk1"/>
+                  </a:solidFill>
+                  <a:latin typeface="Arial"/>
+                  <a:ea typeface="Arial"/>
+                  <a:cs typeface="Arial"/>
+                  <a:sym typeface="Arial"/>
+                </a:rPr>
+                <a:t>Quick Stand Tech</a:t>
+              </a:r>
+              <a:endParaRPr sz="1600">
                 <a:solidFill>
-                  <a:schemeClr val="lt1"/>
+                  <a:schemeClr val="dk1"/>
                 </a:solidFill>
                 <a:latin typeface="Arial"/>
                 <a:ea typeface="Arial"/>
@@ -14871,25 +14224,27 @@
         </p:sp>
         <p:sp>
           <p:nvSpPr>
-            <p:cNvPr id="122" name="Google Shape;122;p4"/>
+            <p:cNvPr id="119" name="Google Shape;119;p4"/>
             <p:cNvSpPr/>
             <p:nvPr/>
           </p:nvSpPr>
           <p:spPr>
             <a:xfrm>
-              <a:off x="2511387" y="4148914"/>
-              <a:ext cx="540000" cy="360000"/>
+              <a:off x="501715" y="4514903"/>
+              <a:ext cx="3628841" cy="2041225"/>
             </a:xfrm>
-            <a:prstGeom prst="triangle">
-              <a:avLst>
-                <a:gd name="adj" fmla="val 0"/>
-              </a:avLst>
+            <a:prstGeom prst="rect">
+              <a:avLst/>
             </a:prstGeom>
-            <a:solidFill>
-              <a:schemeClr val="dk1"/>
-            </a:solidFill>
-            <a:ln>
-              <a:noFill/>
+            <a:noFill/>
+            <a:ln w="38100" cap="flat" cmpd="sng">
+              <a:solidFill>
+                <a:schemeClr val="dk1"/>
+              </a:solidFill>
+              <a:prstDash val="solid"/>
+              <a:miter lim="800000"/>
+              <a:headEnd type="none" w="sm" len="sm"/>
+              <a:tailEnd type="none" w="sm" len="sm"/>
             </a:ln>
           </p:spPr>
           <p:txBody>
@@ -14911,14 +14266,139 @@
                 <a:solidFill>
                   <a:schemeClr val="lt1"/>
                 </a:solidFill>
-                <a:latin typeface="Arial"/>
-                <a:ea typeface="Arial"/>
-                <a:cs typeface="Arial"/>
-                <a:sym typeface="Arial"/>
+                <a:latin typeface="Calibri"/>
+                <a:ea typeface="Calibri"/>
+                <a:cs typeface="Calibri"/>
+                <a:sym typeface="Calibri"/>
               </a:endParaRPr>
             </a:p>
           </p:txBody>
         </p:sp>
+        <p:grpSp>
+          <p:nvGrpSpPr>
+            <p:cNvPr id="120" name="Google Shape;120;p4"/>
+            <p:cNvGrpSpPr/>
+            <p:nvPr/>
+          </p:nvGrpSpPr>
+          <p:grpSpPr>
+            <a:xfrm>
+              <a:off x="501712" y="6196128"/>
+              <a:ext cx="2671759" cy="360000"/>
+              <a:chOff x="379628" y="4148914"/>
+              <a:chExt cx="2671759" cy="360000"/>
+            </a:xfrm>
+          </p:grpSpPr>
+          <p:sp>
+            <p:nvSpPr>
+              <p:cNvPr id="121" name="Google Shape;121;p4"/>
+              <p:cNvSpPr/>
+              <p:nvPr/>
+            </p:nvSpPr>
+            <p:spPr>
+              <a:xfrm>
+                <a:off x="379628" y="4148914"/>
+                <a:ext cx="2131759" cy="360000"/>
+              </a:xfrm>
+              <a:prstGeom prst="rect">
+                <a:avLst/>
+              </a:prstGeom>
+              <a:solidFill>
+                <a:schemeClr val="dk1"/>
+              </a:solidFill>
+              <a:ln>
+                <a:noFill/>
+              </a:ln>
+            </p:spPr>
+            <p:txBody>
+              <a:bodyPr spcFirstLastPara="1" wrap="square" lIns="91425" tIns="45700" rIns="91425" bIns="45700" anchor="ctr" anchorCtr="0">
+                <a:noAutofit/>
+              </a:bodyPr>
+              <a:lstStyle/>
+              <a:p>
+                <a:pPr marL="0" marR="0" lvl="0" indent="0" algn="l" rtl="0">
+                  <a:spcBef>
+                    <a:spcPts val="0"/>
+                  </a:spcBef>
+                  <a:spcAft>
+                    <a:spcPts val="0"/>
+                  </a:spcAft>
+                  <a:buNone/>
+                </a:pPr>
+                <a:r>
+                  <a:rPr lang="en-US" sz="1700">
+                    <a:solidFill>
+                      <a:schemeClr val="lt1"/>
+                    </a:solidFill>
+                    <a:latin typeface="Arial"/>
+                    <a:ea typeface="Arial"/>
+                    <a:cs typeface="Arial"/>
+                    <a:sym typeface="Arial"/>
+                  </a:rPr>
+                  <a:t>Street Fighter Alpha</a:t>
+                </a:r>
+                <a:endParaRPr sz="1700">
+                  <a:solidFill>
+                    <a:schemeClr val="lt1"/>
+                  </a:solidFill>
+                  <a:latin typeface="Arial"/>
+                  <a:ea typeface="Arial"/>
+                  <a:cs typeface="Arial"/>
+                  <a:sym typeface="Arial"/>
+                </a:endParaRPr>
+              </a:p>
+            </p:txBody>
+          </p:sp>
+          <p:sp>
+            <p:nvSpPr>
+              <p:cNvPr id="122" name="Google Shape;122;p4"/>
+              <p:cNvSpPr/>
+              <p:nvPr/>
+            </p:nvSpPr>
+            <p:spPr>
+              <a:xfrm>
+                <a:off x="2511387" y="4148914"/>
+                <a:ext cx="540000" cy="360000"/>
+              </a:xfrm>
+              <a:prstGeom prst="triangle">
+                <a:avLst>
+                  <a:gd name="adj" fmla="val 0"/>
+                </a:avLst>
+              </a:prstGeom>
+              <a:solidFill>
+                <a:schemeClr val="dk1"/>
+              </a:solidFill>
+              <a:ln>
+                <a:noFill/>
+              </a:ln>
+            </p:spPr>
+            <p:txBody>
+              <a:bodyPr spcFirstLastPara="1" wrap="square" lIns="91425" tIns="45700" rIns="91425" bIns="45700" anchor="ctr" anchorCtr="0">
+                <a:noAutofit/>
+              </a:bodyPr>
+              <a:lstStyle/>
+              <a:p>
+                <a:pPr marL="0" marR="0" lvl="0" indent="0" algn="ctr" rtl="0">
+                  <a:spcBef>
+                    <a:spcPts val="0"/>
+                  </a:spcBef>
+                  <a:spcAft>
+                    <a:spcPts val="0"/>
+                  </a:spcAft>
+                  <a:buNone/>
+                </a:pPr>
+                <a:endParaRPr sz="1800">
+                  <a:solidFill>
+                    <a:schemeClr val="lt1"/>
+                  </a:solidFill>
+                  <a:latin typeface="Arial"/>
+                  <a:ea typeface="Arial"/>
+                  <a:cs typeface="Arial"/>
+                  <a:sym typeface="Arial"/>
+                </a:endParaRPr>
+              </a:p>
+            </p:txBody>
+          </p:sp>
+        </p:grpSp>
       </p:grpSp>
       <p:grpSp>
         <p:nvGrpSpPr>
@@ -14928,7 +14408,7 @@
         </p:nvGrpSpPr>
         <p:grpSpPr>
           <a:xfrm>
-            <a:off x="501549" y="6665473"/>
+            <a:off x="501549" y="6725633"/>
             <a:ext cx="5862805" cy="2053380"/>
             <a:chOff x="501549" y="4502748"/>
             <a:chExt cx="5862805" cy="2053380"/>
@@ -16292,743 +15772,534 @@
           </a:p>
         </p:txBody>
       </p:sp>
-      <p:sp>
-        <p:nvSpPr>
-          <p:cNvPr id="173" name="Google Shape;173;g21bc01ef45b_0_801"/>
-          <p:cNvSpPr/>
-          <p:nvPr/>
-        </p:nvSpPr>
-        <p:spPr>
-          <a:xfrm>
-            <a:off x="1345196" y="1740510"/>
-            <a:ext cx="2052000" cy="1080000"/>
-          </a:xfrm>
-          <a:prstGeom prst="rect">
-            <a:avLst/>
-          </a:prstGeom>
-          <a:noFill/>
-          <a:ln w="28575" cap="flat" cmpd="sng">
-            <a:solidFill>
-              <a:schemeClr val="dk1"/>
-            </a:solidFill>
-            <a:prstDash val="solid"/>
-            <a:miter lim="800000"/>
-            <a:headEnd type="none" w="sm" len="sm"/>
-            <a:tailEnd type="none" w="sm" len="sm"/>
-          </a:ln>
-        </p:spPr>
-        <p:txBody>
-          <a:bodyPr spcFirstLastPara="1" wrap="square" lIns="91425" tIns="45700" rIns="91425" bIns="45700" anchor="ctr" anchorCtr="0">
-            <a:noAutofit/>
-          </a:bodyPr>
-          <a:lstStyle/>
-          <a:p>
-            <a:pPr marL="0" marR="0" lvl="0" indent="0" algn="just" rtl="0">
-              <a:spcBef>
-                <a:spcPts val="0"/>
-              </a:spcBef>
-              <a:spcAft>
-                <a:spcPts val="0"/>
-              </a:spcAft>
-              <a:buNone/>
-            </a:pPr>
-            <a:endParaRPr sz="1400">
-              <a:solidFill>
-                <a:schemeClr val="dk1"/>
-              </a:solidFill>
-              <a:latin typeface="Arial"/>
-              <a:ea typeface="Arial"/>
-              <a:cs typeface="Arial"/>
-              <a:sym typeface="Arial"/>
-            </a:endParaRPr>
-          </a:p>
-        </p:txBody>
-      </p:sp>
-      <p:sp>
-        <p:nvSpPr>
-          <p:cNvPr id="174" name="Google Shape;174;g21bc01ef45b_0_801"/>
-          <p:cNvSpPr/>
-          <p:nvPr/>
-        </p:nvSpPr>
-        <p:spPr>
-          <a:xfrm>
-            <a:off x="1337465" y="1740511"/>
-            <a:ext cx="2059800" cy="266700"/>
-          </a:xfrm>
-          <a:prstGeom prst="rect">
-            <a:avLst/>
-          </a:prstGeom>
-          <a:solidFill>
-            <a:schemeClr val="dk1"/>
-          </a:solidFill>
-          <a:ln>
-            <a:noFill/>
-          </a:ln>
-        </p:spPr>
-        <p:txBody>
-          <a:bodyPr spcFirstLastPara="1" wrap="square" lIns="91425" tIns="45700" rIns="91425" bIns="45700" anchor="ctr" anchorCtr="0">
-            <a:noAutofit/>
-          </a:bodyPr>
-          <a:lstStyle/>
-          <a:p>
-            <a:pPr marL="0" marR="0" lvl="0" indent="0" algn="ctr" rtl="0">
-              <a:spcBef>
-                <a:spcPts val="0"/>
-              </a:spcBef>
-              <a:spcAft>
-                <a:spcPts val="0"/>
-              </a:spcAft>
-              <a:buNone/>
-            </a:pPr>
-            <a:r>
-              <a:rPr lang="en-US" sz="1400">
-                <a:solidFill>
-                  <a:schemeClr val="lt1"/>
-                </a:solidFill>
-                <a:latin typeface="Calibri"/>
-                <a:ea typeface="Calibri"/>
-                <a:cs typeface="Calibri"/>
-                <a:sym typeface="Calibri"/>
-              </a:rPr>
-              <a:t>Horizontal Movement</a:t>
-            </a:r>
-            <a:endParaRPr/>
-          </a:p>
-        </p:txBody>
-      </p:sp>
-      <p:sp>
-        <p:nvSpPr>
-          <p:cNvPr id="175" name="Google Shape;175;g21bc01ef45b_0_801"/>
-          <p:cNvSpPr/>
-          <p:nvPr/>
-        </p:nvSpPr>
-        <p:spPr>
-          <a:xfrm>
-            <a:off x="3468447" y="1740510"/>
-            <a:ext cx="2052000" cy="1080000"/>
-          </a:xfrm>
-          <a:prstGeom prst="rect">
-            <a:avLst/>
-          </a:prstGeom>
-          <a:noFill/>
-          <a:ln w="28575" cap="flat" cmpd="sng">
-            <a:solidFill>
-              <a:schemeClr val="dk1"/>
-            </a:solidFill>
-            <a:prstDash val="solid"/>
-            <a:miter lim="800000"/>
-            <a:headEnd type="none" w="sm" len="sm"/>
-            <a:tailEnd type="none" w="sm" len="sm"/>
-          </a:ln>
-        </p:spPr>
-        <p:txBody>
-          <a:bodyPr spcFirstLastPara="1" wrap="square" lIns="91425" tIns="45700" rIns="91425" bIns="45700" anchor="ctr" anchorCtr="0">
-            <a:noAutofit/>
-          </a:bodyPr>
-          <a:lstStyle/>
-          <a:p>
-            <a:pPr marL="0" marR="0" lvl="0" indent="0" algn="just" rtl="0">
-              <a:spcBef>
-                <a:spcPts val="0"/>
-              </a:spcBef>
-              <a:spcAft>
-                <a:spcPts val="0"/>
-              </a:spcAft>
-              <a:buNone/>
-            </a:pPr>
-            <a:endParaRPr sz="1400">
-              <a:solidFill>
-                <a:schemeClr val="dk1"/>
-              </a:solidFill>
-              <a:latin typeface="Arial"/>
-              <a:ea typeface="Arial"/>
-              <a:cs typeface="Arial"/>
-              <a:sym typeface="Arial"/>
-            </a:endParaRPr>
-          </a:p>
-        </p:txBody>
-      </p:sp>
-      <p:sp>
-        <p:nvSpPr>
-          <p:cNvPr id="176" name="Google Shape;176;g21bc01ef45b_0_801"/>
-          <p:cNvSpPr/>
-          <p:nvPr/>
-        </p:nvSpPr>
-        <p:spPr>
-          <a:xfrm>
-            <a:off x="3460716" y="1740511"/>
-            <a:ext cx="2059800" cy="266700"/>
-          </a:xfrm>
-          <a:prstGeom prst="rect">
-            <a:avLst/>
-          </a:prstGeom>
-          <a:solidFill>
-            <a:schemeClr val="dk1"/>
-          </a:solidFill>
-          <a:ln>
-            <a:noFill/>
-          </a:ln>
-        </p:spPr>
-        <p:txBody>
-          <a:bodyPr spcFirstLastPara="1" wrap="square" lIns="91425" tIns="45700" rIns="91425" bIns="45700" anchor="ctr" anchorCtr="0">
-            <a:noAutofit/>
-          </a:bodyPr>
-          <a:lstStyle/>
-          <a:p>
-            <a:pPr marL="0" marR="0" lvl="0" indent="0" algn="ctr" rtl="0">
-              <a:spcBef>
-                <a:spcPts val="0"/>
-              </a:spcBef>
-              <a:spcAft>
-                <a:spcPts val="0"/>
-              </a:spcAft>
-              <a:buNone/>
-            </a:pPr>
-            <a:r>
-              <a:rPr lang="en-US" sz="1400">
-                <a:solidFill>
-                  <a:schemeClr val="lt1"/>
-                </a:solidFill>
-                <a:latin typeface="Calibri"/>
-                <a:ea typeface="Calibri"/>
-                <a:cs typeface="Calibri"/>
-                <a:sym typeface="Calibri"/>
-              </a:rPr>
-              <a:t>Neutral Jump</a:t>
-            </a:r>
-            <a:endParaRPr/>
-          </a:p>
-        </p:txBody>
-      </p:sp>
-      <p:sp>
-        <p:nvSpPr>
-          <p:cNvPr id="177" name="Google Shape;177;g21bc01ef45b_0_801"/>
-          <p:cNvSpPr/>
-          <p:nvPr/>
-        </p:nvSpPr>
-        <p:spPr>
-          <a:xfrm>
-            <a:off x="1345196" y="2891985"/>
-            <a:ext cx="2052000" cy="1080000"/>
-          </a:xfrm>
-          <a:prstGeom prst="rect">
-            <a:avLst/>
-          </a:prstGeom>
-          <a:noFill/>
-          <a:ln w="28575" cap="flat" cmpd="sng">
-            <a:solidFill>
-              <a:schemeClr val="dk1"/>
-            </a:solidFill>
-            <a:prstDash val="solid"/>
-            <a:miter lim="800000"/>
-            <a:headEnd type="none" w="sm" len="sm"/>
-            <a:tailEnd type="none" w="sm" len="sm"/>
-          </a:ln>
-        </p:spPr>
-        <p:txBody>
-          <a:bodyPr spcFirstLastPara="1" wrap="square" lIns="91425" tIns="45700" rIns="91425" bIns="45700" anchor="ctr" anchorCtr="0">
-            <a:noAutofit/>
-          </a:bodyPr>
-          <a:lstStyle/>
-          <a:p>
-            <a:pPr marL="0" marR="0" lvl="0" indent="0" algn="just" rtl="0">
-              <a:spcBef>
-                <a:spcPts val="0"/>
-              </a:spcBef>
-              <a:spcAft>
-                <a:spcPts val="0"/>
-              </a:spcAft>
-              <a:buNone/>
-            </a:pPr>
-            <a:endParaRPr sz="1400">
-              <a:solidFill>
-                <a:schemeClr val="dk1"/>
-              </a:solidFill>
-              <a:latin typeface="Arial"/>
-              <a:ea typeface="Arial"/>
-              <a:cs typeface="Arial"/>
-              <a:sym typeface="Arial"/>
-            </a:endParaRPr>
-          </a:p>
-        </p:txBody>
-      </p:sp>
-      <p:sp>
-        <p:nvSpPr>
-          <p:cNvPr id="178" name="Google Shape;178;g21bc01ef45b_0_801"/>
-          <p:cNvSpPr/>
-          <p:nvPr/>
-        </p:nvSpPr>
-        <p:spPr>
-          <a:xfrm>
-            <a:off x="1337465" y="2891986"/>
-            <a:ext cx="2059800" cy="266700"/>
-          </a:xfrm>
-          <a:prstGeom prst="rect">
-            <a:avLst/>
-          </a:prstGeom>
-          <a:solidFill>
-            <a:schemeClr val="dk1"/>
-          </a:solidFill>
-          <a:ln>
-            <a:noFill/>
-          </a:ln>
-        </p:spPr>
-        <p:txBody>
-          <a:bodyPr spcFirstLastPara="1" wrap="square" lIns="91425" tIns="45700" rIns="91425" bIns="45700" anchor="ctr" anchorCtr="0">
-            <a:noAutofit/>
-          </a:bodyPr>
-          <a:lstStyle/>
-          <a:p>
-            <a:pPr marL="0" marR="0" lvl="0" indent="0" algn="ctr" rtl="0">
-              <a:spcBef>
-                <a:spcPts val="0"/>
-              </a:spcBef>
-              <a:spcAft>
-                <a:spcPts val="0"/>
-              </a:spcAft>
-              <a:buNone/>
-            </a:pPr>
-            <a:r>
-              <a:rPr lang="en-US">
-                <a:solidFill>
-                  <a:schemeClr val="lt1"/>
-                </a:solidFill>
-                <a:latin typeface="Calibri"/>
-                <a:ea typeface="Calibri"/>
-                <a:cs typeface="Calibri"/>
-                <a:sym typeface="Calibri"/>
-              </a:rPr>
-              <a:t>Crouch</a:t>
-            </a:r>
-            <a:endParaRPr/>
-          </a:p>
-        </p:txBody>
-      </p:sp>
-      <p:sp>
-        <p:nvSpPr>
-          <p:cNvPr id="179" name="Google Shape;179;g21bc01ef45b_0_801"/>
-          <p:cNvSpPr/>
-          <p:nvPr/>
-        </p:nvSpPr>
-        <p:spPr>
-          <a:xfrm>
-            <a:off x="3468447" y="2891985"/>
-            <a:ext cx="2052000" cy="1080000"/>
-          </a:xfrm>
-          <a:prstGeom prst="rect">
-            <a:avLst/>
-          </a:prstGeom>
-          <a:noFill/>
-          <a:ln w="28575" cap="flat" cmpd="sng">
-            <a:solidFill>
-              <a:schemeClr val="dk1"/>
-            </a:solidFill>
-            <a:prstDash val="solid"/>
-            <a:miter lim="800000"/>
-            <a:headEnd type="none" w="sm" len="sm"/>
-            <a:tailEnd type="none" w="sm" len="sm"/>
-          </a:ln>
-        </p:spPr>
-        <p:txBody>
-          <a:bodyPr spcFirstLastPara="1" wrap="square" lIns="91425" tIns="45700" rIns="91425" bIns="45700" anchor="ctr" anchorCtr="0">
-            <a:noAutofit/>
-          </a:bodyPr>
-          <a:lstStyle/>
-          <a:p>
-            <a:pPr marL="0" marR="0" lvl="0" indent="0" algn="just" rtl="0">
-              <a:spcBef>
-                <a:spcPts val="0"/>
-              </a:spcBef>
-              <a:spcAft>
-                <a:spcPts val="0"/>
-              </a:spcAft>
-              <a:buNone/>
-            </a:pPr>
-            <a:endParaRPr sz="1400">
-              <a:solidFill>
-                <a:schemeClr val="dk1"/>
-              </a:solidFill>
-              <a:latin typeface="Arial"/>
-              <a:ea typeface="Arial"/>
-              <a:cs typeface="Arial"/>
-              <a:sym typeface="Arial"/>
-            </a:endParaRPr>
-          </a:p>
-        </p:txBody>
-      </p:sp>
-      <p:sp>
-        <p:nvSpPr>
-          <p:cNvPr id="180" name="Google Shape;180;g21bc01ef45b_0_801"/>
-          <p:cNvSpPr/>
-          <p:nvPr/>
-        </p:nvSpPr>
-        <p:spPr>
-          <a:xfrm>
-            <a:off x="3460716" y="2891986"/>
-            <a:ext cx="2059800" cy="266700"/>
-          </a:xfrm>
-          <a:prstGeom prst="rect">
-            <a:avLst/>
-          </a:prstGeom>
-          <a:solidFill>
-            <a:schemeClr val="dk1"/>
-          </a:solidFill>
-          <a:ln>
-            <a:noFill/>
-          </a:ln>
-        </p:spPr>
-        <p:txBody>
-          <a:bodyPr spcFirstLastPara="1" wrap="square" lIns="91425" tIns="45700" rIns="91425" bIns="45700" anchor="ctr" anchorCtr="0">
-            <a:noAutofit/>
-          </a:bodyPr>
-          <a:lstStyle/>
-          <a:p>
-            <a:pPr marL="0" marR="0" lvl="0" indent="0" algn="ctr" rtl="0">
-              <a:spcBef>
-                <a:spcPts val="0"/>
-              </a:spcBef>
-              <a:spcAft>
-                <a:spcPts val="0"/>
-              </a:spcAft>
-              <a:buNone/>
-            </a:pPr>
-            <a:r>
-              <a:rPr lang="en-US">
-                <a:solidFill>
-                  <a:schemeClr val="lt1"/>
-                </a:solidFill>
-                <a:latin typeface="Calibri"/>
-                <a:ea typeface="Calibri"/>
-                <a:cs typeface="Calibri"/>
-                <a:sym typeface="Calibri"/>
-              </a:rPr>
-              <a:t>Diagonal </a:t>
-            </a:r>
-            <a:r>
-              <a:rPr lang="en-US" sz="1400">
-                <a:solidFill>
-                  <a:schemeClr val="lt1"/>
-                </a:solidFill>
-                <a:latin typeface="Calibri"/>
-                <a:ea typeface="Calibri"/>
-                <a:cs typeface="Calibri"/>
-                <a:sym typeface="Calibri"/>
-              </a:rPr>
-              <a:t>Jump</a:t>
-            </a:r>
-            <a:endParaRPr/>
-          </a:p>
-        </p:txBody>
-      </p:sp>
       <p:grpSp>
         <p:nvGrpSpPr>
-          <p:cNvPr id="203" name="Google Shape;203;g21bc01ef45b_0_801"/>
+          <p:cNvPr id="2" name="Grupo 1">
+            <a:extLst>
+              <a:ext uri="{FF2B5EF4-FFF2-40B4-BE49-F238E27FC236}">
+                <a16:creationId xmlns:a16="http://schemas.microsoft.com/office/drawing/2014/main" id="{021452A0-BF78-486A-91B9-D77030CFDB77}"/>
+              </a:ext>
+            </a:extLst>
+          </p:cNvPr>
           <p:cNvGrpSpPr/>
           <p:nvPr/>
         </p:nvGrpSpPr>
         <p:grpSpPr>
           <a:xfrm>
-            <a:off x="1612526" y="2155689"/>
-            <a:ext cx="1533066" cy="503208"/>
-            <a:chOff x="1467638" y="2094825"/>
-            <a:chExt cx="1799163" cy="590550"/>
+            <a:off x="1337465" y="1716446"/>
+            <a:ext cx="4183051" cy="2231475"/>
+            <a:chOff x="1337465" y="1704414"/>
+            <a:chExt cx="4183051" cy="2231475"/>
           </a:xfrm>
         </p:grpSpPr>
-        <p:pic>
-          <p:nvPicPr>
-            <p:cNvPr id="204" name="Google Shape;204;g21bc01ef45b_0_801"/>
-            <p:cNvPicPr preferRelativeResize="0"/>
+        <p:sp>
+          <p:nvSpPr>
+            <p:cNvPr id="173" name="Google Shape;173;g21bc01ef45b_0_801"/>
+            <p:cNvSpPr/>
             <p:nvPr/>
-          </p:nvPicPr>
-          <p:blipFill>
-            <a:blip r:embed="rId3">
-              <a:alphaModFix/>
-            </a:blip>
-            <a:stretch>
-              <a:fillRect/>
-            </a:stretch>
-          </p:blipFill>
+          </p:nvSpPr>
           <p:spPr>
             <a:xfrm>
-              <a:off x="1467638" y="2094825"/>
-              <a:ext cx="733425" cy="590550"/>
+              <a:off x="1345196" y="1704414"/>
+              <a:ext cx="2052000" cy="1080000"/>
             </a:xfrm>
             <a:prstGeom prst="rect">
               <a:avLst/>
             </a:prstGeom>
             <a:noFill/>
+            <a:ln w="28575" cap="flat" cmpd="sng">
+              <a:solidFill>
+                <a:schemeClr val="dk1"/>
+              </a:solidFill>
+              <a:prstDash val="solid"/>
+              <a:miter lim="800000"/>
+              <a:headEnd type="none" w="sm" len="sm"/>
+              <a:tailEnd type="none" w="sm" len="sm"/>
+            </a:ln>
+          </p:spPr>
+          <p:txBody>
+            <a:bodyPr spcFirstLastPara="1" wrap="square" lIns="91425" tIns="45700" rIns="91425" bIns="45700" anchor="ctr" anchorCtr="0">
+              <a:noAutofit/>
+            </a:bodyPr>
+            <a:lstStyle/>
+            <a:p>
+              <a:pPr marL="0" marR="0" lvl="0" indent="0" algn="just" rtl="0">
+                <a:spcBef>
+                  <a:spcPts val="0"/>
+                </a:spcBef>
+                <a:spcAft>
+                  <a:spcPts val="0"/>
+                </a:spcAft>
+                <a:buNone/>
+              </a:pPr>
+              <a:endParaRPr sz="1400">
+                <a:solidFill>
+                  <a:schemeClr val="dk1"/>
+                </a:solidFill>
+                <a:latin typeface="Arial"/>
+                <a:ea typeface="Arial"/>
+                <a:cs typeface="Arial"/>
+                <a:sym typeface="Arial"/>
+              </a:endParaRPr>
+            </a:p>
+          </p:txBody>
+        </p:sp>
+        <p:sp>
+          <p:nvSpPr>
+            <p:cNvPr id="174" name="Google Shape;174;g21bc01ef45b_0_801"/>
+            <p:cNvSpPr/>
+            <p:nvPr/>
+          </p:nvSpPr>
+          <p:spPr>
+            <a:xfrm>
+              <a:off x="1337465" y="1704415"/>
+              <a:ext cx="2059800" cy="266700"/>
+            </a:xfrm>
+            <a:prstGeom prst="rect">
+              <a:avLst/>
+            </a:prstGeom>
+            <a:solidFill>
+              <a:schemeClr val="dk1"/>
+            </a:solidFill>
             <a:ln>
               <a:noFill/>
             </a:ln>
           </p:spPr>
-        </p:pic>
-        <p:pic>
-          <p:nvPicPr>
-            <p:cNvPr id="205" name="Google Shape;205;g21bc01ef45b_0_801"/>
-            <p:cNvPicPr preferRelativeResize="0"/>
+          <p:txBody>
+            <a:bodyPr spcFirstLastPara="1" wrap="square" lIns="91425" tIns="45700" rIns="91425" bIns="45700" anchor="ctr" anchorCtr="0">
+              <a:noAutofit/>
+            </a:bodyPr>
+            <a:lstStyle/>
+            <a:p>
+              <a:pPr marL="0" marR="0" lvl="0" indent="0" algn="ctr" rtl="0">
+                <a:spcBef>
+                  <a:spcPts val="0"/>
+                </a:spcBef>
+                <a:spcAft>
+                  <a:spcPts val="0"/>
+                </a:spcAft>
+                <a:buNone/>
+              </a:pPr>
+              <a:r>
+                <a:rPr lang="en-US" sz="1400">
+                  <a:solidFill>
+                    <a:schemeClr val="lt1"/>
+                  </a:solidFill>
+                  <a:latin typeface="Calibri"/>
+                  <a:ea typeface="Calibri"/>
+                  <a:cs typeface="Calibri"/>
+                  <a:sym typeface="Calibri"/>
+                </a:rPr>
+                <a:t>Horizontal Movement</a:t>
+              </a:r>
+              <a:endParaRPr/>
+            </a:p>
+          </p:txBody>
+        </p:sp>
+        <p:sp>
+          <p:nvSpPr>
+            <p:cNvPr id="175" name="Google Shape;175;g21bc01ef45b_0_801"/>
+            <p:cNvSpPr/>
             <p:nvPr/>
-          </p:nvPicPr>
-          <p:blipFill>
-            <a:blip r:embed="rId3">
-              <a:alphaModFix/>
-            </a:blip>
-            <a:stretch>
-              <a:fillRect/>
-            </a:stretch>
-          </p:blipFill>
+          </p:nvSpPr>
           <p:spPr>
-            <a:xfrm flipH="1">
-              <a:off x="2533375" y="2094825"/>
-              <a:ext cx="733425" cy="590550"/>
+            <a:xfrm>
+              <a:off x="3468447" y="1704414"/>
+              <a:ext cx="2052000" cy="1080000"/>
             </a:xfrm>
             <a:prstGeom prst="rect">
               <a:avLst/>
             </a:prstGeom>
             <a:noFill/>
+            <a:ln w="28575" cap="flat" cmpd="sng">
+              <a:solidFill>
+                <a:schemeClr val="dk1"/>
+              </a:solidFill>
+              <a:prstDash val="solid"/>
+              <a:miter lim="800000"/>
+              <a:headEnd type="none" w="sm" len="sm"/>
+              <a:tailEnd type="none" w="sm" len="sm"/>
+            </a:ln>
+          </p:spPr>
+          <p:txBody>
+            <a:bodyPr spcFirstLastPara="1" wrap="square" lIns="91425" tIns="45700" rIns="91425" bIns="45700" anchor="ctr" anchorCtr="0">
+              <a:noAutofit/>
+            </a:bodyPr>
+            <a:lstStyle/>
+            <a:p>
+              <a:pPr marL="0" marR="0" lvl="0" indent="0" algn="just" rtl="0">
+                <a:spcBef>
+                  <a:spcPts val="0"/>
+                </a:spcBef>
+                <a:spcAft>
+                  <a:spcPts val="0"/>
+                </a:spcAft>
+                <a:buNone/>
+              </a:pPr>
+              <a:endParaRPr sz="1400">
+                <a:solidFill>
+                  <a:schemeClr val="dk1"/>
+                </a:solidFill>
+                <a:latin typeface="Arial"/>
+                <a:ea typeface="Arial"/>
+                <a:cs typeface="Arial"/>
+                <a:sym typeface="Arial"/>
+              </a:endParaRPr>
+            </a:p>
+          </p:txBody>
+        </p:sp>
+        <p:sp>
+          <p:nvSpPr>
+            <p:cNvPr id="176" name="Google Shape;176;g21bc01ef45b_0_801"/>
+            <p:cNvSpPr/>
+            <p:nvPr/>
+          </p:nvSpPr>
+          <p:spPr>
+            <a:xfrm>
+              <a:off x="3460716" y="1704415"/>
+              <a:ext cx="2059800" cy="266700"/>
+            </a:xfrm>
+            <a:prstGeom prst="rect">
+              <a:avLst/>
+            </a:prstGeom>
+            <a:solidFill>
+              <a:schemeClr val="dk1"/>
+            </a:solidFill>
             <a:ln>
               <a:noFill/>
             </a:ln>
           </p:spPr>
-        </p:pic>
-      </p:grpSp>
-      <p:sp>
-        <p:nvSpPr>
-          <p:cNvPr id="206" name="Google Shape;206;g21bc01ef45b_0_801"/>
-          <p:cNvSpPr txBox="1"/>
-          <p:nvPr/>
-        </p:nvSpPr>
-        <p:spPr>
-          <a:xfrm>
-            <a:off x="2156775" y="2128500"/>
-            <a:ext cx="421200" cy="523200"/>
-          </a:xfrm>
-          <a:prstGeom prst="rect">
-            <a:avLst/>
-          </a:prstGeom>
-          <a:noFill/>
-          <a:ln>
+          <p:txBody>
+            <a:bodyPr spcFirstLastPara="1" wrap="square" lIns="91425" tIns="45700" rIns="91425" bIns="45700" anchor="ctr" anchorCtr="0">
+              <a:noAutofit/>
+            </a:bodyPr>
+            <a:lstStyle/>
+            <a:p>
+              <a:pPr marL="0" marR="0" lvl="0" indent="0" algn="ctr" rtl="0">
+                <a:spcBef>
+                  <a:spcPts val="0"/>
+                </a:spcBef>
+                <a:spcAft>
+                  <a:spcPts val="0"/>
+                </a:spcAft>
+                <a:buNone/>
+              </a:pPr>
+              <a:r>
+                <a:rPr lang="en-US" sz="1400">
+                  <a:solidFill>
+                    <a:schemeClr val="lt1"/>
+                  </a:solidFill>
+                  <a:latin typeface="Calibri"/>
+                  <a:ea typeface="Calibri"/>
+                  <a:cs typeface="Calibri"/>
+                  <a:sym typeface="Calibri"/>
+                </a:rPr>
+                <a:t>Neutral Jump</a:t>
+              </a:r>
+              <a:endParaRPr/>
+            </a:p>
+          </p:txBody>
+        </p:sp>
+        <p:sp>
+          <p:nvSpPr>
+            <p:cNvPr id="177" name="Google Shape;177;g21bc01ef45b_0_801"/>
+            <p:cNvSpPr/>
+            <p:nvPr/>
+          </p:nvSpPr>
+          <p:spPr>
+            <a:xfrm>
+              <a:off x="1345196" y="2855889"/>
+              <a:ext cx="2052000" cy="1080000"/>
+            </a:xfrm>
+            <a:prstGeom prst="rect">
+              <a:avLst/>
+            </a:prstGeom>
             <a:noFill/>
-          </a:ln>
-        </p:spPr>
-        <p:txBody>
-          <a:bodyPr spcFirstLastPara="1" wrap="square" lIns="91425" tIns="91425" rIns="91425" bIns="91425" anchor="t" anchorCtr="0">
-            <a:spAutoFit/>
-          </a:bodyPr>
-          <a:lstStyle/>
-          <a:p>
-            <a:pPr marL="0" lvl="0" indent="0" algn="ctr" rtl="0">
-              <a:lnSpc>
-                <a:spcPct val="107000"/>
-              </a:lnSpc>
-              <a:spcBef>
-                <a:spcPts val="800"/>
-              </a:spcBef>
-              <a:spcAft>
-                <a:spcPts val="0"/>
-              </a:spcAft>
-              <a:buNone/>
-            </a:pPr>
-            <a:r>
-              <a:rPr lang="en-US" sz="2200" b="1">
+            <a:ln w="28575" cap="flat" cmpd="sng">
+              <a:solidFill>
+                <a:schemeClr val="dk1"/>
+              </a:solidFill>
+              <a:prstDash val="solid"/>
+              <a:miter lim="800000"/>
+              <a:headEnd type="none" w="sm" len="sm"/>
+              <a:tailEnd type="none" w="sm" len="sm"/>
+            </a:ln>
+          </p:spPr>
+          <p:txBody>
+            <a:bodyPr spcFirstLastPara="1" wrap="square" lIns="91425" tIns="45700" rIns="91425" bIns="45700" anchor="ctr" anchorCtr="0">
+              <a:noAutofit/>
+            </a:bodyPr>
+            <a:lstStyle/>
+            <a:p>
+              <a:pPr marL="0" marR="0" lvl="0" indent="0" algn="just" rtl="0">
+                <a:spcBef>
+                  <a:spcPts val="0"/>
+                </a:spcBef>
+                <a:spcAft>
+                  <a:spcPts val="0"/>
+                </a:spcAft>
+                <a:buNone/>
+              </a:pPr>
+              <a:endParaRPr sz="1400">
                 <a:solidFill>
                   <a:schemeClr val="dk1"/>
                 </a:solidFill>
-              </a:rPr>
-              <a:t>/</a:t>
-            </a:r>
-            <a:endParaRPr sz="2200" u="sng">
+                <a:latin typeface="Arial"/>
+                <a:ea typeface="Arial"/>
+                <a:cs typeface="Arial"/>
+                <a:sym typeface="Arial"/>
+              </a:endParaRPr>
+            </a:p>
+          </p:txBody>
+        </p:sp>
+        <p:sp>
+          <p:nvSpPr>
+            <p:cNvPr id="178" name="Google Shape;178;g21bc01ef45b_0_801"/>
+            <p:cNvSpPr/>
+            <p:nvPr/>
+          </p:nvSpPr>
+          <p:spPr>
+            <a:xfrm>
+              <a:off x="1337465" y="2855890"/>
+              <a:ext cx="2059800" cy="266700"/>
+            </a:xfrm>
+            <a:prstGeom prst="rect">
+              <a:avLst/>
+            </a:prstGeom>
+            <a:solidFill>
+              <a:schemeClr val="dk1"/>
+            </a:solidFill>
+            <a:ln>
+              <a:noFill/>
+            </a:ln>
+          </p:spPr>
+          <p:txBody>
+            <a:bodyPr spcFirstLastPara="1" wrap="square" lIns="91425" tIns="45700" rIns="91425" bIns="45700" anchor="ctr" anchorCtr="0">
+              <a:noAutofit/>
+            </a:bodyPr>
+            <a:lstStyle/>
+            <a:p>
+              <a:pPr marL="0" marR="0" lvl="0" indent="0" algn="ctr" rtl="0">
+                <a:spcBef>
+                  <a:spcPts val="0"/>
+                </a:spcBef>
+                <a:spcAft>
+                  <a:spcPts val="0"/>
+                </a:spcAft>
+                <a:buNone/>
+              </a:pPr>
+              <a:r>
+                <a:rPr lang="en-US">
+                  <a:solidFill>
+                    <a:schemeClr val="lt1"/>
+                  </a:solidFill>
+                  <a:latin typeface="Calibri"/>
+                  <a:ea typeface="Calibri"/>
+                  <a:cs typeface="Calibri"/>
+                  <a:sym typeface="Calibri"/>
+                </a:rPr>
+                <a:t>Crouch</a:t>
+              </a:r>
+              <a:endParaRPr/>
+            </a:p>
+          </p:txBody>
+        </p:sp>
+        <p:sp>
+          <p:nvSpPr>
+            <p:cNvPr id="179" name="Google Shape;179;g21bc01ef45b_0_801"/>
+            <p:cNvSpPr/>
+            <p:nvPr/>
+          </p:nvSpPr>
+          <p:spPr>
+            <a:xfrm>
+              <a:off x="3468447" y="2855889"/>
+              <a:ext cx="2052000" cy="1080000"/>
+            </a:xfrm>
+            <a:prstGeom prst="rect">
+              <a:avLst/>
+            </a:prstGeom>
+            <a:noFill/>
+            <a:ln w="28575" cap="flat" cmpd="sng">
               <a:solidFill>
                 <a:schemeClr val="dk1"/>
               </a:solidFill>
-            </a:endParaRPr>
-          </a:p>
-        </p:txBody>
-      </p:sp>
-      <p:pic>
-        <p:nvPicPr>
-          <p:cNvPr id="207" name="Google Shape;207;g21bc01ef45b_0_801"/>
-          <p:cNvPicPr preferRelativeResize="0"/>
-          <p:nvPr/>
-        </p:nvPicPr>
-        <p:blipFill>
-          <a:blip r:embed="rId3">
-            <a:alphaModFix/>
-          </a:blip>
-          <a:stretch>
-            <a:fillRect/>
-          </a:stretch>
-        </p:blipFill>
-        <p:spPr>
-          <a:xfrm rot="5400000">
-            <a:off x="4178165" y="2155693"/>
-            <a:ext cx="624915" cy="503180"/>
-          </a:xfrm>
-          <a:prstGeom prst="rect">
-            <a:avLst/>
-          </a:prstGeom>
-          <a:noFill/>
-          <a:ln>
-            <a:noFill/>
-          </a:ln>
-        </p:spPr>
-      </p:pic>
-      <p:pic>
-        <p:nvPicPr>
-          <p:cNvPr id="208" name="Google Shape;208;g21bc01ef45b_0_801"/>
-          <p:cNvPicPr preferRelativeResize="0"/>
-          <p:nvPr/>
-        </p:nvPicPr>
-        <p:blipFill>
-          <a:blip r:embed="rId4">
-            <a:alphaModFix/>
-          </a:blip>
-          <a:stretch>
-            <a:fillRect/>
-          </a:stretch>
-        </p:blipFill>
-        <p:spPr>
-          <a:xfrm rot="10800000" flipH="1">
-            <a:off x="1409700" y="3230150"/>
-            <a:ext cx="1915329" cy="616800"/>
-          </a:xfrm>
-          <a:prstGeom prst="rect">
-            <a:avLst/>
-          </a:prstGeom>
-          <a:noFill/>
-          <a:ln>
-            <a:noFill/>
-          </a:ln>
-        </p:spPr>
-      </p:pic>
-      <p:sp>
-        <p:nvSpPr>
-          <p:cNvPr id="209" name="Google Shape;209;g21bc01ef45b_0_801"/>
-          <p:cNvSpPr txBox="1"/>
-          <p:nvPr/>
-        </p:nvSpPr>
-        <p:spPr>
-          <a:xfrm>
-            <a:off x="1829775" y="3241000"/>
-            <a:ext cx="421200" cy="523200"/>
-          </a:xfrm>
-          <a:prstGeom prst="rect">
-            <a:avLst/>
-          </a:prstGeom>
-          <a:noFill/>
-          <a:ln>
-            <a:noFill/>
-          </a:ln>
-        </p:spPr>
-        <p:txBody>
-          <a:bodyPr spcFirstLastPara="1" wrap="square" lIns="91425" tIns="91425" rIns="91425" bIns="91425" anchor="t" anchorCtr="0">
-            <a:spAutoFit/>
-          </a:bodyPr>
-          <a:lstStyle/>
-          <a:p>
-            <a:pPr marL="0" lvl="0" indent="0" algn="ctr" rtl="0">
-              <a:lnSpc>
-                <a:spcPct val="107000"/>
-              </a:lnSpc>
-              <a:spcBef>
-                <a:spcPts val="800"/>
-              </a:spcBef>
-              <a:spcAft>
-                <a:spcPts val="0"/>
-              </a:spcAft>
-              <a:buNone/>
-            </a:pPr>
-            <a:r>
-              <a:rPr lang="en-US" sz="2200" b="1">
+              <a:prstDash val="solid"/>
+              <a:miter lim="800000"/>
+              <a:headEnd type="none" w="sm" len="sm"/>
+              <a:tailEnd type="none" w="sm" len="sm"/>
+            </a:ln>
+          </p:spPr>
+          <p:txBody>
+            <a:bodyPr spcFirstLastPara="1" wrap="square" lIns="91425" tIns="45700" rIns="91425" bIns="45700" anchor="ctr" anchorCtr="0">
+              <a:noAutofit/>
+            </a:bodyPr>
+            <a:lstStyle/>
+            <a:p>
+              <a:pPr marL="0" marR="0" lvl="0" indent="0" algn="just" rtl="0">
+                <a:spcBef>
+                  <a:spcPts val="0"/>
+                </a:spcBef>
+                <a:spcAft>
+                  <a:spcPts val="0"/>
+                </a:spcAft>
+                <a:buNone/>
+              </a:pPr>
+              <a:endParaRPr sz="1400">
                 <a:solidFill>
                   <a:schemeClr val="dk1"/>
                 </a:solidFill>
-              </a:rPr>
-              <a:t>/</a:t>
-            </a:r>
-            <a:endParaRPr sz="2200" u="sng">
-              <a:solidFill>
-                <a:schemeClr val="dk1"/>
-              </a:solidFill>
-            </a:endParaRPr>
-          </a:p>
-        </p:txBody>
-      </p:sp>
-      <p:sp>
-        <p:nvSpPr>
-          <p:cNvPr id="210" name="Google Shape;210;g21bc01ef45b_0_801"/>
-          <p:cNvSpPr txBox="1"/>
-          <p:nvPr/>
-        </p:nvSpPr>
-        <p:spPr>
-          <a:xfrm>
-            <a:off x="2516050" y="3241000"/>
-            <a:ext cx="421200" cy="523200"/>
-          </a:xfrm>
-          <a:prstGeom prst="rect">
-            <a:avLst/>
-          </a:prstGeom>
-          <a:noFill/>
-          <a:ln>
-            <a:noFill/>
-          </a:ln>
-        </p:spPr>
-        <p:txBody>
-          <a:bodyPr spcFirstLastPara="1" wrap="square" lIns="91425" tIns="91425" rIns="91425" bIns="91425" anchor="t" anchorCtr="0">
-            <a:spAutoFit/>
-          </a:bodyPr>
-          <a:lstStyle/>
-          <a:p>
-            <a:pPr marL="0" lvl="0" indent="0" algn="ctr" rtl="0">
-              <a:lnSpc>
-                <a:spcPct val="107000"/>
-              </a:lnSpc>
-              <a:spcBef>
-                <a:spcPts val="800"/>
-              </a:spcBef>
-              <a:spcAft>
-                <a:spcPts val="0"/>
-              </a:spcAft>
-              <a:buNone/>
-            </a:pPr>
-            <a:r>
-              <a:rPr lang="en-US" sz="2200" b="1">
-                <a:solidFill>
-                  <a:schemeClr val="dk1"/>
-                </a:solidFill>
-              </a:rPr>
-              <a:t>/</a:t>
-            </a:r>
-            <a:endParaRPr sz="2200" u="sng">
-              <a:solidFill>
-                <a:schemeClr val="dk1"/>
-              </a:solidFill>
-            </a:endParaRPr>
-          </a:p>
-        </p:txBody>
-      </p:sp>
-      <p:grpSp>
-        <p:nvGrpSpPr>
-          <p:cNvPr id="217" name="Google Shape;217;g21bc01ef45b_0_801"/>
-          <p:cNvGrpSpPr/>
-          <p:nvPr/>
-        </p:nvGrpSpPr>
-        <p:grpSpPr>
-          <a:xfrm>
-            <a:off x="3766925" y="3250225"/>
-            <a:ext cx="1447400" cy="576650"/>
-            <a:chOff x="3621650" y="3214275"/>
-            <a:chExt cx="1447400" cy="576650"/>
-          </a:xfrm>
-        </p:grpSpPr>
+                <a:latin typeface="Arial"/>
+                <a:ea typeface="Arial"/>
+                <a:cs typeface="Arial"/>
+                <a:sym typeface="Arial"/>
+              </a:endParaRPr>
+            </a:p>
+          </p:txBody>
+        </p:sp>
         <p:sp>
           <p:nvSpPr>
-            <p:cNvPr id="218" name="Google Shape;218;g21bc01ef45b_0_801"/>
+            <p:cNvPr id="180" name="Google Shape;180;g21bc01ef45b_0_801"/>
+            <p:cNvSpPr/>
+            <p:nvPr/>
+          </p:nvSpPr>
+          <p:spPr>
+            <a:xfrm>
+              <a:off x="3460716" y="2855890"/>
+              <a:ext cx="2059800" cy="266700"/>
+            </a:xfrm>
+            <a:prstGeom prst="rect">
+              <a:avLst/>
+            </a:prstGeom>
+            <a:solidFill>
+              <a:schemeClr val="dk1"/>
+            </a:solidFill>
+            <a:ln>
+              <a:noFill/>
+            </a:ln>
+          </p:spPr>
+          <p:txBody>
+            <a:bodyPr spcFirstLastPara="1" wrap="square" lIns="91425" tIns="45700" rIns="91425" bIns="45700" anchor="ctr" anchorCtr="0">
+              <a:noAutofit/>
+            </a:bodyPr>
+            <a:lstStyle/>
+            <a:p>
+              <a:pPr marL="0" marR="0" lvl="0" indent="0" algn="ctr" rtl="0">
+                <a:spcBef>
+                  <a:spcPts val="0"/>
+                </a:spcBef>
+                <a:spcAft>
+                  <a:spcPts val="0"/>
+                </a:spcAft>
+                <a:buNone/>
+              </a:pPr>
+              <a:r>
+                <a:rPr lang="en-US">
+                  <a:solidFill>
+                    <a:schemeClr val="lt1"/>
+                  </a:solidFill>
+                  <a:latin typeface="Calibri"/>
+                  <a:ea typeface="Calibri"/>
+                  <a:cs typeface="Calibri"/>
+                  <a:sym typeface="Calibri"/>
+                </a:rPr>
+                <a:t>Diagonal </a:t>
+              </a:r>
+              <a:r>
+                <a:rPr lang="en-US" sz="1400">
+                  <a:solidFill>
+                    <a:schemeClr val="lt1"/>
+                  </a:solidFill>
+                  <a:latin typeface="Calibri"/>
+                  <a:ea typeface="Calibri"/>
+                  <a:cs typeface="Calibri"/>
+                  <a:sym typeface="Calibri"/>
+                </a:rPr>
+                <a:t>Jump</a:t>
+              </a:r>
+              <a:endParaRPr/>
+            </a:p>
+          </p:txBody>
+        </p:sp>
+        <p:grpSp>
+          <p:nvGrpSpPr>
+            <p:cNvPr id="203" name="Google Shape;203;g21bc01ef45b_0_801"/>
+            <p:cNvGrpSpPr/>
+            <p:nvPr/>
+          </p:nvGrpSpPr>
+          <p:grpSpPr>
+            <a:xfrm>
+              <a:off x="1612526" y="2119593"/>
+              <a:ext cx="1533066" cy="503208"/>
+              <a:chOff x="1467638" y="2094825"/>
+              <a:chExt cx="1799163" cy="590550"/>
+            </a:xfrm>
+          </p:grpSpPr>
+          <p:pic>
+            <p:nvPicPr>
+              <p:cNvPr id="204" name="Google Shape;204;g21bc01ef45b_0_801"/>
+              <p:cNvPicPr preferRelativeResize="0"/>
+              <p:nvPr/>
+            </p:nvPicPr>
+            <p:blipFill>
+              <a:blip r:embed="rId3">
+                <a:alphaModFix/>
+              </a:blip>
+              <a:stretch>
+                <a:fillRect/>
+              </a:stretch>
+            </p:blipFill>
+            <p:spPr>
+              <a:xfrm>
+                <a:off x="1467638" y="2094825"/>
+                <a:ext cx="733425" cy="590550"/>
+              </a:xfrm>
+              <a:prstGeom prst="rect">
+                <a:avLst/>
+              </a:prstGeom>
+              <a:noFill/>
+              <a:ln>
+                <a:noFill/>
+              </a:ln>
+            </p:spPr>
+          </p:pic>
+          <p:pic>
+            <p:nvPicPr>
+              <p:cNvPr id="205" name="Google Shape;205;g21bc01ef45b_0_801"/>
+              <p:cNvPicPr preferRelativeResize="0"/>
+              <p:nvPr/>
+            </p:nvPicPr>
+            <p:blipFill>
+              <a:blip r:embed="rId3">
+                <a:alphaModFix/>
+              </a:blip>
+              <a:stretch>
+                <a:fillRect/>
+              </a:stretch>
+            </p:blipFill>
+            <p:spPr>
+              <a:xfrm flipH="1">
+                <a:off x="2533375" y="2094825"/>
+                <a:ext cx="733425" cy="590550"/>
+              </a:xfrm>
+              <a:prstGeom prst="rect">
+                <a:avLst/>
+              </a:prstGeom>
+              <a:noFill/>
+              <a:ln>
+                <a:noFill/>
+              </a:ln>
+            </p:spPr>
+          </p:pic>
+        </p:grpSp>
+        <p:sp>
+          <p:nvSpPr>
+            <p:cNvPr id="206" name="Google Shape;206;g21bc01ef45b_0_801"/>
             <p:cNvSpPr txBox="1"/>
             <p:nvPr/>
           </p:nvSpPr>
           <p:spPr>
             <a:xfrm>
-              <a:off x="4133125" y="3236700"/>
+              <a:off x="2156775" y="2092404"/>
               <a:ext cx="421200" cy="523200"/>
             </a:xfrm>
             <a:prstGeom prst="rect">
@@ -17075,12 +16346,12 @@
         </p:sp>
         <p:pic>
           <p:nvPicPr>
-            <p:cNvPr id="219" name="Google Shape;219;g21bc01ef45b_0_801"/>
+            <p:cNvPr id="207" name="Google Shape;207;g21bc01ef45b_0_801"/>
             <p:cNvPicPr preferRelativeResize="0"/>
             <p:nvPr/>
           </p:nvPicPr>
           <p:blipFill>
-            <a:blip r:embed="rId5">
+            <a:blip r:embed="rId3">
               <a:alphaModFix/>
             </a:blip>
             <a:stretch>
@@ -17088,9 +16359,9 @@
             </a:stretch>
           </p:blipFill>
           <p:spPr>
-            <a:xfrm>
-              <a:off x="3621650" y="3214275"/>
-              <a:ext cx="576650" cy="576650"/>
+            <a:xfrm rot="5400000">
+              <a:off x="4178165" y="2119597"/>
+              <a:ext cx="624915" cy="503180"/>
             </a:xfrm>
             <a:prstGeom prst="rect">
               <a:avLst/>
@@ -17103,12 +16374,12 @@
         </p:pic>
         <p:pic>
           <p:nvPicPr>
-            <p:cNvPr id="220" name="Google Shape;220;g21bc01ef45b_0_801"/>
+            <p:cNvPr id="208" name="Google Shape;208;g21bc01ef45b_0_801"/>
             <p:cNvPicPr preferRelativeResize="0"/>
             <p:nvPr/>
           </p:nvPicPr>
           <p:blipFill>
-            <a:blip r:embed="rId5">
+            <a:blip r:embed="rId4">
               <a:alphaModFix/>
             </a:blip>
             <a:stretch>
@@ -17116,9 +16387,9 @@
             </a:stretch>
           </p:blipFill>
           <p:spPr>
-            <a:xfrm flipH="1">
-              <a:off x="4492400" y="3214275"/>
-              <a:ext cx="576650" cy="576650"/>
+            <a:xfrm rot="10800000" flipH="1">
+              <a:off x="1409700" y="3194054"/>
+              <a:ext cx="1915329" cy="616800"/>
             </a:xfrm>
             <a:prstGeom prst="rect">
               <a:avLst/>
@@ -17129,6 +16400,742 @@
             </a:ln>
           </p:spPr>
         </p:pic>
+        <p:sp>
+          <p:nvSpPr>
+            <p:cNvPr id="209" name="Google Shape;209;g21bc01ef45b_0_801"/>
+            <p:cNvSpPr txBox="1"/>
+            <p:nvPr/>
+          </p:nvSpPr>
+          <p:spPr>
+            <a:xfrm>
+              <a:off x="1829775" y="3204904"/>
+              <a:ext cx="421200" cy="523200"/>
+            </a:xfrm>
+            <a:prstGeom prst="rect">
+              <a:avLst/>
+            </a:prstGeom>
+            <a:noFill/>
+            <a:ln>
+              <a:noFill/>
+            </a:ln>
+          </p:spPr>
+          <p:txBody>
+            <a:bodyPr spcFirstLastPara="1" wrap="square" lIns="91425" tIns="91425" rIns="91425" bIns="91425" anchor="t" anchorCtr="0">
+              <a:spAutoFit/>
+            </a:bodyPr>
+            <a:lstStyle/>
+            <a:p>
+              <a:pPr marL="0" lvl="0" indent="0" algn="ctr" rtl="0">
+                <a:lnSpc>
+                  <a:spcPct val="107000"/>
+                </a:lnSpc>
+                <a:spcBef>
+                  <a:spcPts val="800"/>
+                </a:spcBef>
+                <a:spcAft>
+                  <a:spcPts val="0"/>
+                </a:spcAft>
+                <a:buNone/>
+              </a:pPr>
+              <a:r>
+                <a:rPr lang="en-US" sz="2200" b="1">
+                  <a:solidFill>
+                    <a:schemeClr val="dk1"/>
+                  </a:solidFill>
+                </a:rPr>
+                <a:t>/</a:t>
+              </a:r>
+              <a:endParaRPr sz="2200" u="sng">
+                <a:solidFill>
+                  <a:schemeClr val="dk1"/>
+                </a:solidFill>
+              </a:endParaRPr>
+            </a:p>
+          </p:txBody>
+        </p:sp>
+        <p:sp>
+          <p:nvSpPr>
+            <p:cNvPr id="210" name="Google Shape;210;g21bc01ef45b_0_801"/>
+            <p:cNvSpPr txBox="1"/>
+            <p:nvPr/>
+          </p:nvSpPr>
+          <p:spPr>
+            <a:xfrm>
+              <a:off x="2516050" y="3204904"/>
+              <a:ext cx="421200" cy="523200"/>
+            </a:xfrm>
+            <a:prstGeom prst="rect">
+              <a:avLst/>
+            </a:prstGeom>
+            <a:noFill/>
+            <a:ln>
+              <a:noFill/>
+            </a:ln>
+          </p:spPr>
+          <p:txBody>
+            <a:bodyPr spcFirstLastPara="1" wrap="square" lIns="91425" tIns="91425" rIns="91425" bIns="91425" anchor="t" anchorCtr="0">
+              <a:spAutoFit/>
+            </a:bodyPr>
+            <a:lstStyle/>
+            <a:p>
+              <a:pPr marL="0" lvl="0" indent="0" algn="ctr" rtl="0">
+                <a:lnSpc>
+                  <a:spcPct val="107000"/>
+                </a:lnSpc>
+                <a:spcBef>
+                  <a:spcPts val="800"/>
+                </a:spcBef>
+                <a:spcAft>
+                  <a:spcPts val="0"/>
+                </a:spcAft>
+                <a:buNone/>
+              </a:pPr>
+              <a:r>
+                <a:rPr lang="en-US" sz="2200" b="1">
+                  <a:solidFill>
+                    <a:schemeClr val="dk1"/>
+                  </a:solidFill>
+                </a:rPr>
+                <a:t>/</a:t>
+              </a:r>
+              <a:endParaRPr sz="2200" u="sng">
+                <a:solidFill>
+                  <a:schemeClr val="dk1"/>
+                </a:solidFill>
+              </a:endParaRPr>
+            </a:p>
+          </p:txBody>
+        </p:sp>
+        <p:grpSp>
+          <p:nvGrpSpPr>
+            <p:cNvPr id="217" name="Google Shape;217;g21bc01ef45b_0_801"/>
+            <p:cNvGrpSpPr/>
+            <p:nvPr/>
+          </p:nvGrpSpPr>
+          <p:grpSpPr>
+            <a:xfrm>
+              <a:off x="3766925" y="3214129"/>
+              <a:ext cx="1447400" cy="576650"/>
+              <a:chOff x="3621650" y="3214275"/>
+              <a:chExt cx="1447400" cy="576650"/>
+            </a:xfrm>
+          </p:grpSpPr>
+          <p:sp>
+            <p:nvSpPr>
+              <p:cNvPr id="218" name="Google Shape;218;g21bc01ef45b_0_801"/>
+              <p:cNvSpPr txBox="1"/>
+              <p:nvPr/>
+            </p:nvSpPr>
+            <p:spPr>
+              <a:xfrm>
+                <a:off x="4133125" y="3236700"/>
+                <a:ext cx="421200" cy="523200"/>
+              </a:xfrm>
+              <a:prstGeom prst="rect">
+                <a:avLst/>
+              </a:prstGeom>
+              <a:noFill/>
+              <a:ln>
+                <a:noFill/>
+              </a:ln>
+            </p:spPr>
+            <p:txBody>
+              <a:bodyPr spcFirstLastPara="1" wrap="square" lIns="91425" tIns="91425" rIns="91425" bIns="91425" anchor="t" anchorCtr="0">
+                <a:spAutoFit/>
+              </a:bodyPr>
+              <a:lstStyle/>
+              <a:p>
+                <a:pPr marL="0" lvl="0" indent="0" algn="ctr" rtl="0">
+                  <a:lnSpc>
+                    <a:spcPct val="107000"/>
+                  </a:lnSpc>
+                  <a:spcBef>
+                    <a:spcPts val="800"/>
+                  </a:spcBef>
+                  <a:spcAft>
+                    <a:spcPts val="0"/>
+                  </a:spcAft>
+                  <a:buNone/>
+                </a:pPr>
+                <a:r>
+                  <a:rPr lang="en-US" sz="2200" b="1">
+                    <a:solidFill>
+                      <a:schemeClr val="dk1"/>
+                    </a:solidFill>
+                  </a:rPr>
+                  <a:t>/</a:t>
+                </a:r>
+                <a:endParaRPr sz="2200" u="sng">
+                  <a:solidFill>
+                    <a:schemeClr val="dk1"/>
+                  </a:solidFill>
+                </a:endParaRPr>
+              </a:p>
+            </p:txBody>
+          </p:sp>
+          <p:pic>
+            <p:nvPicPr>
+              <p:cNvPr id="219" name="Google Shape;219;g21bc01ef45b_0_801"/>
+              <p:cNvPicPr preferRelativeResize="0"/>
+              <p:nvPr/>
+            </p:nvPicPr>
+            <p:blipFill>
+              <a:blip r:embed="rId5">
+                <a:alphaModFix/>
+              </a:blip>
+              <a:stretch>
+                <a:fillRect/>
+              </a:stretch>
+            </p:blipFill>
+            <p:spPr>
+              <a:xfrm>
+                <a:off x="3621650" y="3214275"/>
+                <a:ext cx="576650" cy="576650"/>
+              </a:xfrm>
+              <a:prstGeom prst="rect">
+                <a:avLst/>
+              </a:prstGeom>
+              <a:noFill/>
+              <a:ln>
+                <a:noFill/>
+              </a:ln>
+            </p:spPr>
+          </p:pic>
+          <p:pic>
+            <p:nvPicPr>
+              <p:cNvPr id="220" name="Google Shape;220;g21bc01ef45b_0_801"/>
+              <p:cNvPicPr preferRelativeResize="0"/>
+              <p:nvPr/>
+            </p:nvPicPr>
+            <p:blipFill>
+              <a:blip r:embed="rId5">
+                <a:alphaModFix/>
+              </a:blip>
+              <a:stretch>
+                <a:fillRect/>
+              </a:stretch>
+            </p:blipFill>
+            <p:spPr>
+              <a:xfrm flipH="1">
+                <a:off x="4492400" y="3214275"/>
+                <a:ext cx="576650" cy="576650"/>
+              </a:xfrm>
+              <a:prstGeom prst="rect">
+                <a:avLst/>
+              </a:prstGeom>
+              <a:noFill/>
+              <a:ln>
+                <a:noFill/>
+              </a:ln>
+            </p:spPr>
+          </p:pic>
+        </p:grpSp>
+      </p:grpSp>
+      <p:sp>
+        <p:nvSpPr>
+          <p:cNvPr id="38" name="Google Shape;181;g21bc01ef45b_0_801">
+            <a:extLst>
+              <a:ext uri="{FF2B5EF4-FFF2-40B4-BE49-F238E27FC236}">
+                <a16:creationId xmlns:a16="http://schemas.microsoft.com/office/drawing/2014/main" id="{B2E09DBA-EF94-440C-ACBC-8BB10F1EA2EC}"/>
+              </a:ext>
+            </a:extLst>
+          </p:cNvPr>
+          <p:cNvSpPr txBox="1"/>
+          <p:nvPr/>
+        </p:nvSpPr>
+        <p:spPr>
+          <a:xfrm>
+            <a:off x="369000" y="3981119"/>
+            <a:ext cx="6120000" cy="458355"/>
+          </a:xfrm>
+          <a:prstGeom prst="rect">
+            <a:avLst/>
+          </a:prstGeom>
+          <a:noFill/>
+          <a:ln>
+            <a:noFill/>
+          </a:ln>
+        </p:spPr>
+        <p:txBody>
+          <a:bodyPr spcFirstLastPara="1" wrap="square" lIns="91425" tIns="45700" rIns="91425" bIns="45700" anchor="t" anchorCtr="0">
+            <a:spAutoFit/>
+          </a:bodyPr>
+          <a:lstStyle/>
+          <a:p>
+            <a:pPr marL="0" marR="0" lvl="0" indent="0" algn="just" rtl="0">
+              <a:lnSpc>
+                <a:spcPct val="107000"/>
+              </a:lnSpc>
+              <a:spcBef>
+                <a:spcPts val="800"/>
+              </a:spcBef>
+              <a:spcAft>
+                <a:spcPts val="0"/>
+              </a:spcAft>
+              <a:buNone/>
+            </a:pPr>
+            <a:r>
+              <a:rPr lang="en-US" sz="1600" b="1" dirty="0">
+                <a:solidFill>
+                  <a:schemeClr val="dk1"/>
+                </a:solidFill>
+                <a:latin typeface="Arial"/>
+                <a:ea typeface="Arial"/>
+                <a:cs typeface="Arial"/>
+                <a:sym typeface="Arial"/>
+              </a:rPr>
+              <a:t>	</a:t>
+            </a:r>
+            <a:r>
+              <a:rPr lang="en-US" sz="1600" b="1" u="sng" dirty="0">
+                <a:solidFill>
+                  <a:schemeClr val="dk1"/>
+                </a:solidFill>
+              </a:rPr>
+              <a:t>Advance Movement</a:t>
+            </a:r>
+            <a:endParaRPr sz="1600" u="sng" dirty="0">
+              <a:solidFill>
+                <a:schemeClr val="dk1"/>
+              </a:solidFill>
+              <a:latin typeface="Arial"/>
+              <a:ea typeface="Arial"/>
+              <a:cs typeface="Arial"/>
+              <a:sym typeface="Arial"/>
+            </a:endParaRPr>
+          </a:p>
+        </p:txBody>
+      </p:sp>
+      <p:grpSp>
+        <p:nvGrpSpPr>
+          <p:cNvPr id="3" name="Grupo 2">
+            <a:extLst>
+              <a:ext uri="{FF2B5EF4-FFF2-40B4-BE49-F238E27FC236}">
+                <a16:creationId xmlns:a16="http://schemas.microsoft.com/office/drawing/2014/main" id="{D08278EF-DFE8-4A24-AD4F-CB98133CA17E}"/>
+              </a:ext>
+            </a:extLst>
+          </p:cNvPr>
+          <p:cNvGrpSpPr/>
+          <p:nvPr/>
+        </p:nvGrpSpPr>
+        <p:grpSpPr>
+          <a:xfrm>
+            <a:off x="1337465" y="4498306"/>
+            <a:ext cx="4183051" cy="1080000"/>
+            <a:chOff x="1337465" y="4462210"/>
+            <a:chExt cx="4183051" cy="1080000"/>
+          </a:xfrm>
+        </p:grpSpPr>
+        <p:sp>
+          <p:nvSpPr>
+            <p:cNvPr id="36" name="Google Shape;169;g21bc01ef45b_0_801">
+              <a:extLst>
+                <a:ext uri="{FF2B5EF4-FFF2-40B4-BE49-F238E27FC236}">
+                  <a16:creationId xmlns:a16="http://schemas.microsoft.com/office/drawing/2014/main" id="{0CB33949-8151-48CA-BE8B-88DEB3E93BB0}"/>
+                </a:ext>
+              </a:extLst>
+            </p:cNvPr>
+            <p:cNvSpPr/>
+            <p:nvPr/>
+          </p:nvSpPr>
+          <p:spPr>
+            <a:xfrm>
+              <a:off x="3468447" y="4462210"/>
+              <a:ext cx="2052000" cy="1080000"/>
+            </a:xfrm>
+            <a:prstGeom prst="rect">
+              <a:avLst/>
+            </a:prstGeom>
+            <a:noFill/>
+            <a:ln w="28575" cap="flat" cmpd="sng">
+              <a:solidFill>
+                <a:schemeClr val="dk1"/>
+              </a:solidFill>
+              <a:prstDash val="solid"/>
+              <a:miter lim="800000"/>
+              <a:headEnd type="none" w="sm" len="sm"/>
+              <a:tailEnd type="none" w="sm" len="sm"/>
+            </a:ln>
+          </p:spPr>
+          <p:txBody>
+            <a:bodyPr spcFirstLastPara="1" wrap="square" lIns="91425" tIns="45700" rIns="91425" bIns="45700" anchor="ctr" anchorCtr="0">
+              <a:noAutofit/>
+            </a:bodyPr>
+            <a:lstStyle/>
+            <a:p>
+              <a:pPr marL="0" marR="0" lvl="0" indent="0" algn="just" rtl="0">
+                <a:spcBef>
+                  <a:spcPts val="0"/>
+                </a:spcBef>
+                <a:spcAft>
+                  <a:spcPts val="0"/>
+                </a:spcAft>
+                <a:buNone/>
+              </a:pPr>
+              <a:endParaRPr sz="1400">
+                <a:solidFill>
+                  <a:schemeClr val="dk1"/>
+                </a:solidFill>
+                <a:latin typeface="Arial"/>
+                <a:ea typeface="Arial"/>
+                <a:cs typeface="Arial"/>
+                <a:sym typeface="Arial"/>
+              </a:endParaRPr>
+            </a:p>
+          </p:txBody>
+        </p:sp>
+        <p:sp>
+          <p:nvSpPr>
+            <p:cNvPr id="37" name="Google Shape;170;g21bc01ef45b_0_801">
+              <a:extLst>
+                <a:ext uri="{FF2B5EF4-FFF2-40B4-BE49-F238E27FC236}">
+                  <a16:creationId xmlns:a16="http://schemas.microsoft.com/office/drawing/2014/main" id="{FC13D3A3-9FD3-4F65-8696-54BBD2296877}"/>
+                </a:ext>
+              </a:extLst>
+            </p:cNvPr>
+            <p:cNvSpPr/>
+            <p:nvPr/>
+          </p:nvSpPr>
+          <p:spPr>
+            <a:xfrm>
+              <a:off x="1345196" y="4462210"/>
+              <a:ext cx="2052000" cy="1080000"/>
+            </a:xfrm>
+            <a:prstGeom prst="rect">
+              <a:avLst/>
+            </a:prstGeom>
+            <a:noFill/>
+            <a:ln w="28575" cap="flat" cmpd="sng">
+              <a:solidFill>
+                <a:schemeClr val="dk1"/>
+              </a:solidFill>
+              <a:prstDash val="solid"/>
+              <a:miter lim="800000"/>
+              <a:headEnd type="none" w="sm" len="sm"/>
+              <a:tailEnd type="none" w="sm" len="sm"/>
+            </a:ln>
+          </p:spPr>
+          <p:txBody>
+            <a:bodyPr spcFirstLastPara="1" wrap="square" lIns="91425" tIns="45700" rIns="91425" bIns="45700" anchor="ctr" anchorCtr="0">
+              <a:noAutofit/>
+            </a:bodyPr>
+            <a:lstStyle/>
+            <a:p>
+              <a:pPr marL="0" marR="0" lvl="0" indent="0" algn="just" rtl="0">
+                <a:spcBef>
+                  <a:spcPts val="0"/>
+                </a:spcBef>
+                <a:spcAft>
+                  <a:spcPts val="0"/>
+                </a:spcAft>
+                <a:buNone/>
+              </a:pPr>
+              <a:endParaRPr sz="1400">
+                <a:solidFill>
+                  <a:schemeClr val="dk1"/>
+                </a:solidFill>
+                <a:latin typeface="Arial"/>
+                <a:ea typeface="Arial"/>
+                <a:cs typeface="Arial"/>
+                <a:sym typeface="Arial"/>
+              </a:endParaRPr>
+            </a:p>
+          </p:txBody>
+        </p:sp>
+        <p:sp>
+          <p:nvSpPr>
+            <p:cNvPr id="39" name="Google Shape;182;g21bc01ef45b_0_801">
+              <a:extLst>
+                <a:ext uri="{FF2B5EF4-FFF2-40B4-BE49-F238E27FC236}">
+                  <a16:creationId xmlns:a16="http://schemas.microsoft.com/office/drawing/2014/main" id="{4EA90E71-E319-483E-A6C3-85173A926A1B}"/>
+                </a:ext>
+              </a:extLst>
+            </p:cNvPr>
+            <p:cNvSpPr/>
+            <p:nvPr/>
+          </p:nvSpPr>
+          <p:spPr>
+            <a:xfrm>
+              <a:off x="1337465" y="4462211"/>
+              <a:ext cx="2059800" cy="266700"/>
+            </a:xfrm>
+            <a:prstGeom prst="rect">
+              <a:avLst/>
+            </a:prstGeom>
+            <a:solidFill>
+              <a:schemeClr val="dk1"/>
+            </a:solidFill>
+            <a:ln>
+              <a:noFill/>
+            </a:ln>
+          </p:spPr>
+          <p:txBody>
+            <a:bodyPr spcFirstLastPara="1" wrap="square" lIns="91425" tIns="45700" rIns="91425" bIns="45700" anchor="ctr" anchorCtr="0">
+              <a:noAutofit/>
+            </a:bodyPr>
+            <a:lstStyle/>
+            <a:p>
+              <a:pPr marL="0" marR="0" lvl="0" indent="0" algn="ctr" rtl="0">
+                <a:spcBef>
+                  <a:spcPts val="0"/>
+                </a:spcBef>
+                <a:spcAft>
+                  <a:spcPts val="0"/>
+                </a:spcAft>
+                <a:buNone/>
+              </a:pPr>
+              <a:r>
+                <a:rPr lang="en-US">
+                  <a:solidFill>
+                    <a:schemeClr val="lt1"/>
+                  </a:solidFill>
+                  <a:latin typeface="Calibri"/>
+                  <a:ea typeface="Calibri"/>
+                  <a:cs typeface="Calibri"/>
+                  <a:sym typeface="Calibri"/>
+                </a:rPr>
+                <a:t>Forward Dash</a:t>
+              </a:r>
+              <a:endParaRPr/>
+            </a:p>
+          </p:txBody>
+        </p:sp>
+        <p:sp>
+          <p:nvSpPr>
+            <p:cNvPr id="40" name="Google Shape;183;g21bc01ef45b_0_801">
+              <a:extLst>
+                <a:ext uri="{FF2B5EF4-FFF2-40B4-BE49-F238E27FC236}">
+                  <a16:creationId xmlns:a16="http://schemas.microsoft.com/office/drawing/2014/main" id="{F54D53A6-AEAA-4883-9337-692FFC0EF739}"/>
+                </a:ext>
+              </a:extLst>
+            </p:cNvPr>
+            <p:cNvSpPr/>
+            <p:nvPr/>
+          </p:nvSpPr>
+          <p:spPr>
+            <a:xfrm>
+              <a:off x="3460716" y="4462211"/>
+              <a:ext cx="2059800" cy="266700"/>
+            </a:xfrm>
+            <a:prstGeom prst="rect">
+              <a:avLst/>
+            </a:prstGeom>
+            <a:solidFill>
+              <a:schemeClr val="dk1"/>
+            </a:solidFill>
+            <a:ln>
+              <a:noFill/>
+            </a:ln>
+          </p:spPr>
+          <p:txBody>
+            <a:bodyPr spcFirstLastPara="1" wrap="square" lIns="91425" tIns="45700" rIns="91425" bIns="45700" anchor="ctr" anchorCtr="0">
+              <a:noAutofit/>
+            </a:bodyPr>
+            <a:lstStyle/>
+            <a:p>
+              <a:pPr marL="0" marR="0" lvl="0" indent="0" algn="ctr" rtl="0">
+                <a:spcBef>
+                  <a:spcPts val="0"/>
+                </a:spcBef>
+                <a:spcAft>
+                  <a:spcPts val="0"/>
+                </a:spcAft>
+                <a:buNone/>
+              </a:pPr>
+              <a:r>
+                <a:rPr lang="en-US">
+                  <a:solidFill>
+                    <a:schemeClr val="lt1"/>
+                  </a:solidFill>
+                  <a:latin typeface="Calibri"/>
+                  <a:ea typeface="Calibri"/>
+                  <a:cs typeface="Calibri"/>
+                  <a:sym typeface="Calibri"/>
+                </a:rPr>
+                <a:t>Backward Dash</a:t>
+              </a:r>
+              <a:endParaRPr/>
+            </a:p>
+          </p:txBody>
+        </p:sp>
+        <p:grpSp>
+          <p:nvGrpSpPr>
+            <p:cNvPr id="41" name="Google Shape;211;g21bc01ef45b_0_801">
+              <a:extLst>
+                <a:ext uri="{FF2B5EF4-FFF2-40B4-BE49-F238E27FC236}">
+                  <a16:creationId xmlns:a16="http://schemas.microsoft.com/office/drawing/2014/main" id="{9B98B2F1-85A8-41B2-9ED7-387D767F31AD}"/>
+                </a:ext>
+              </a:extLst>
+            </p:cNvPr>
+            <p:cNvGrpSpPr/>
+            <p:nvPr/>
+          </p:nvGrpSpPr>
+          <p:grpSpPr>
+            <a:xfrm>
+              <a:off x="1715126" y="4850027"/>
+              <a:ext cx="1304466" cy="503208"/>
+              <a:chOff x="1829426" y="4900027"/>
+              <a:chExt cx="1304466" cy="503208"/>
+            </a:xfrm>
+          </p:grpSpPr>
+          <p:pic>
+            <p:nvPicPr>
+              <p:cNvPr id="42" name="Google Shape;212;g21bc01ef45b_0_801">
+                <a:extLst>
+                  <a:ext uri="{FF2B5EF4-FFF2-40B4-BE49-F238E27FC236}">
+                    <a16:creationId xmlns:a16="http://schemas.microsoft.com/office/drawing/2014/main" id="{442455C7-9F96-4A6A-92F0-DA82767D11C1}"/>
+                  </a:ext>
+                </a:extLst>
+              </p:cNvPr>
+              <p:cNvPicPr preferRelativeResize="0"/>
+              <p:nvPr/>
+            </p:nvPicPr>
+            <p:blipFill>
+              <a:blip r:embed="rId3">
+                <a:alphaModFix/>
+              </a:blip>
+              <a:stretch>
+                <a:fillRect/>
+              </a:stretch>
+            </p:blipFill>
+            <p:spPr>
+              <a:xfrm flipH="1">
+                <a:off x="1829426" y="4900027"/>
+                <a:ext cx="624951" cy="503208"/>
+              </a:xfrm>
+              <a:prstGeom prst="rect">
+                <a:avLst/>
+              </a:prstGeom>
+              <a:noFill/>
+              <a:ln>
+                <a:noFill/>
+              </a:ln>
+            </p:spPr>
+          </p:pic>
+          <p:pic>
+            <p:nvPicPr>
+              <p:cNvPr id="43" name="Google Shape;213;g21bc01ef45b_0_801">
+                <a:extLst>
+                  <a:ext uri="{FF2B5EF4-FFF2-40B4-BE49-F238E27FC236}">
+                    <a16:creationId xmlns:a16="http://schemas.microsoft.com/office/drawing/2014/main" id="{F5FFC314-9474-4CB4-8324-54372826C6BD}"/>
+                  </a:ext>
+                </a:extLst>
+              </p:cNvPr>
+              <p:cNvPicPr preferRelativeResize="0"/>
+              <p:nvPr/>
+            </p:nvPicPr>
+            <p:blipFill>
+              <a:blip r:embed="rId3">
+                <a:alphaModFix/>
+              </a:blip>
+              <a:stretch>
+                <a:fillRect/>
+              </a:stretch>
+            </p:blipFill>
+            <p:spPr>
+              <a:xfrm flipH="1">
+                <a:off x="2508941" y="4900027"/>
+                <a:ext cx="624951" cy="503208"/>
+              </a:xfrm>
+              <a:prstGeom prst="rect">
+                <a:avLst/>
+              </a:prstGeom>
+              <a:noFill/>
+              <a:ln>
+                <a:noFill/>
+              </a:ln>
+            </p:spPr>
+          </p:pic>
+        </p:grpSp>
+        <p:grpSp>
+          <p:nvGrpSpPr>
+            <p:cNvPr id="44" name="Google Shape;214;g21bc01ef45b_0_801">
+              <a:extLst>
+                <a:ext uri="{FF2B5EF4-FFF2-40B4-BE49-F238E27FC236}">
+                  <a16:creationId xmlns:a16="http://schemas.microsoft.com/office/drawing/2014/main" id="{146B1142-46C7-4019-BBC6-B777D4711D7C}"/>
+                </a:ext>
+              </a:extLst>
+            </p:cNvPr>
+            <p:cNvGrpSpPr/>
+            <p:nvPr/>
+          </p:nvGrpSpPr>
+          <p:grpSpPr>
+            <a:xfrm flipH="1">
+              <a:off x="3838388" y="4850014"/>
+              <a:ext cx="1304466" cy="503208"/>
+              <a:chOff x="1829426" y="4900027"/>
+              <a:chExt cx="1304466" cy="503208"/>
+            </a:xfrm>
+          </p:grpSpPr>
+          <p:pic>
+            <p:nvPicPr>
+              <p:cNvPr id="45" name="Google Shape;215;g21bc01ef45b_0_801">
+                <a:extLst>
+                  <a:ext uri="{FF2B5EF4-FFF2-40B4-BE49-F238E27FC236}">
+                    <a16:creationId xmlns:a16="http://schemas.microsoft.com/office/drawing/2014/main" id="{C917E128-8B1E-427A-9692-2B0CFFEE3003}"/>
+                  </a:ext>
+                </a:extLst>
+              </p:cNvPr>
+              <p:cNvPicPr preferRelativeResize="0"/>
+              <p:nvPr/>
+            </p:nvPicPr>
+            <p:blipFill>
+              <a:blip r:embed="rId3">
+                <a:alphaModFix/>
+              </a:blip>
+              <a:stretch>
+                <a:fillRect/>
+              </a:stretch>
+            </p:blipFill>
+            <p:spPr>
+              <a:xfrm flipH="1">
+                <a:off x="1829426" y="4900027"/>
+                <a:ext cx="624951" cy="503208"/>
+              </a:xfrm>
+              <a:prstGeom prst="rect">
+                <a:avLst/>
+              </a:prstGeom>
+              <a:noFill/>
+              <a:ln>
+                <a:noFill/>
+              </a:ln>
+            </p:spPr>
+          </p:pic>
+          <p:pic>
+            <p:nvPicPr>
+              <p:cNvPr id="46" name="Google Shape;216;g21bc01ef45b_0_801">
+                <a:extLst>
+                  <a:ext uri="{FF2B5EF4-FFF2-40B4-BE49-F238E27FC236}">
+                    <a16:creationId xmlns:a16="http://schemas.microsoft.com/office/drawing/2014/main" id="{B71AE254-8910-4B78-9371-CE47C6714D67}"/>
+                  </a:ext>
+                </a:extLst>
+              </p:cNvPr>
+              <p:cNvPicPr preferRelativeResize="0"/>
+              <p:nvPr/>
+            </p:nvPicPr>
+            <p:blipFill>
+              <a:blip r:embed="rId3">
+                <a:alphaModFix/>
+              </a:blip>
+              <a:stretch>
+                <a:fillRect/>
+              </a:stretch>
+            </p:blipFill>
+            <p:spPr>
+              <a:xfrm flipH="1">
+                <a:off x="2508941" y="4900027"/>
+                <a:ext cx="624951" cy="503208"/>
+              </a:xfrm>
+              <a:prstGeom prst="rect">
+                <a:avLst/>
+              </a:prstGeom>
+              <a:noFill/>
+              <a:ln>
+                <a:noFill/>
+              </a:ln>
+            </p:spPr>
+          </p:pic>
+        </p:grpSp>
       </p:grpSp>
     </p:spTree>
   </p:cSld>
@@ -17358,7 +17365,7 @@
         </p:nvSpPr>
         <p:spPr>
           <a:xfrm>
-            <a:off x="382219" y="3593636"/>
+            <a:off x="382219" y="3581604"/>
             <a:ext cx="6119400" cy="1385400"/>
           </a:xfrm>
           <a:prstGeom prst="rect">
@@ -17864,7 +17871,7 @@
                   <a:buNone/>
                 </a:pPr>
                 <a:r>
-                  <a:rPr lang="en-US" sz="1600">
+                  <a:rPr lang="en-US" sz="1600" dirty="0">
                     <a:solidFill>
                       <a:schemeClr val="lt1"/>
                     </a:solidFill>
@@ -17875,7 +17882,7 @@
                   </a:rPr>
                   <a:t>Grounded</a:t>
                 </a:r>
-                <a:endParaRPr sz="1600">
+                <a:endParaRPr sz="1600" dirty="0">
                   <a:solidFill>
                     <a:schemeClr val="lt1"/>
                   </a:solidFill>
@@ -18053,7 +18060,7 @@
         </p:nvGrpSpPr>
         <p:grpSpPr>
           <a:xfrm>
-            <a:off x="893525" y="5071759"/>
+            <a:off x="893525" y="5059727"/>
             <a:ext cx="5083589" cy="1618294"/>
             <a:chOff x="939067" y="5747595"/>
             <a:chExt cx="5541300" cy="1764000"/>
@@ -18879,107 +18886,6 @@
               <a:ea typeface="Arial"/>
               <a:cs typeface="Arial"/>
               <a:sym typeface="Arial"/>
-            </a:endParaRPr>
-          </a:p>
-        </p:txBody>
-      </p:sp>
-      <p:sp>
-        <p:nvSpPr>
-          <p:cNvPr id="339" name="Google Shape;339;g21bc3c53028_0_129"/>
-          <p:cNvSpPr txBox="1"/>
-          <p:nvPr/>
-        </p:nvSpPr>
-        <p:spPr>
-          <a:xfrm>
-            <a:off x="370187" y="918697"/>
-            <a:ext cx="6119400" cy="786650"/>
-          </a:xfrm>
-          <a:prstGeom prst="rect">
-            <a:avLst/>
-          </a:prstGeom>
-          <a:noFill/>
-          <a:ln>
-            <a:noFill/>
-          </a:ln>
-        </p:spPr>
-        <p:txBody>
-          <a:bodyPr spcFirstLastPara="1" wrap="square" lIns="91425" tIns="45700" rIns="91425" bIns="45700" anchor="t" anchorCtr="0">
-            <a:spAutoFit/>
-          </a:bodyPr>
-          <a:lstStyle/>
-          <a:p>
-            <a:pPr marL="0" marR="0" lvl="0" indent="0" algn="just" rtl="0">
-              <a:lnSpc>
-                <a:spcPct val="107000"/>
-              </a:lnSpc>
-              <a:spcBef>
-                <a:spcPts val="0"/>
-              </a:spcBef>
-              <a:spcAft>
-                <a:spcPts val="0"/>
-              </a:spcAft>
-              <a:buNone/>
-            </a:pPr>
-            <a:r>
-              <a:rPr lang="en-US" sz="1600" b="1" dirty="0">
-                <a:solidFill>
-                  <a:schemeClr val="dk1"/>
-                </a:solidFill>
-                <a:latin typeface="Arial"/>
-                <a:ea typeface="Arial"/>
-                <a:cs typeface="Arial"/>
-                <a:sym typeface="Arial"/>
-              </a:rPr>
-              <a:t>3.4. Basic Movement</a:t>
-            </a:r>
-            <a:endParaRPr sz="1400" dirty="0">
-              <a:solidFill>
-                <a:schemeClr val="dk1"/>
-              </a:solidFill>
-              <a:latin typeface="Arial"/>
-              <a:ea typeface="Arial"/>
-              <a:cs typeface="Arial"/>
-              <a:sym typeface="Arial"/>
-            </a:endParaRPr>
-          </a:p>
-          <a:p>
-            <a:pPr marL="457200" lvl="1" indent="0" algn="just" rtl="0">
-              <a:spcBef>
-                <a:spcPts val="0"/>
-              </a:spcBef>
-              <a:spcAft>
-                <a:spcPts val="0"/>
-              </a:spcAft>
-              <a:buClr>
-                <a:schemeClr val="dk1"/>
-              </a:buClr>
-              <a:buFont typeface="Arial"/>
-              <a:buNone/>
-            </a:pPr>
-            <a:r>
-              <a:rPr lang="en-US" u="sng" dirty="0">
-                <a:solidFill>
-                  <a:schemeClr val="dk1"/>
-                </a:solidFill>
-              </a:rPr>
-              <a:t>Vertical Movement:</a:t>
-            </a:r>
-            <a:r>
-              <a:rPr lang="en-US" dirty="0">
-                <a:solidFill>
-                  <a:schemeClr val="dk1"/>
-                </a:solidFill>
-              </a:rPr>
-              <a:t> Characters can jump in three directions. The height depends on the character.</a:t>
-            </a:r>
-            <a:endParaRPr lang="en-US" sz="1400" b="0" i="0" u="none" strike="noStrike" cap="none" dirty="0">
-              <a:solidFill>
-                <a:schemeClr val="dk1"/>
-              </a:solidFill>
-              <a:latin typeface="Calibri"/>
-              <a:ea typeface="Calibri"/>
-              <a:cs typeface="Calibri"/>
-              <a:sym typeface="Calibri"/>
             </a:endParaRPr>
           </a:p>
         </p:txBody>
@@ -19350,6 +19256,639 @@
             <a:ln>
               <a:noFill/>
             </a:ln>
+          </p:spPr>
+        </p:pic>
+      </p:grpSp>
+      <p:sp>
+        <p:nvSpPr>
+          <p:cNvPr id="26" name="Google Shape;300;g21bc3c53028_0_41">
+            <a:extLst>
+              <a:ext uri="{FF2B5EF4-FFF2-40B4-BE49-F238E27FC236}">
+                <a16:creationId xmlns:a16="http://schemas.microsoft.com/office/drawing/2014/main" id="{837E0CEF-FD2A-4FF3-B2E4-8BACB82CE0AD}"/>
+              </a:ext>
+            </a:extLst>
+          </p:cNvPr>
+          <p:cNvSpPr txBox="1"/>
+          <p:nvPr/>
+        </p:nvSpPr>
+        <p:spPr>
+          <a:xfrm>
+            <a:off x="379915" y="918697"/>
+            <a:ext cx="6119400" cy="889242"/>
+          </a:xfrm>
+          <a:prstGeom prst="rect">
+            <a:avLst/>
+          </a:prstGeom>
+          <a:noFill/>
+          <a:ln>
+            <a:noFill/>
+          </a:ln>
+        </p:spPr>
+        <p:txBody>
+          <a:bodyPr spcFirstLastPara="1" wrap="square" lIns="91425" tIns="45700" rIns="91425" bIns="45700" anchor="t" anchorCtr="0">
+            <a:spAutoFit/>
+          </a:bodyPr>
+          <a:lstStyle/>
+          <a:p>
+            <a:pPr marL="0" marR="0" lvl="0" indent="0" algn="just" rtl="0">
+              <a:lnSpc>
+                <a:spcPct val="107000"/>
+              </a:lnSpc>
+              <a:spcBef>
+                <a:spcPts val="0"/>
+              </a:spcBef>
+              <a:spcAft>
+                <a:spcPts val="0"/>
+              </a:spcAft>
+              <a:buNone/>
+            </a:pPr>
+            <a:r>
+              <a:rPr lang="en-US" sz="1600" b="1" dirty="0">
+                <a:solidFill>
+                  <a:schemeClr val="dk1"/>
+                </a:solidFill>
+                <a:latin typeface="Arial"/>
+                <a:ea typeface="Arial"/>
+                <a:cs typeface="Arial"/>
+                <a:sym typeface="Arial"/>
+              </a:rPr>
+              <a:t>3.4. Basic Movement</a:t>
+            </a:r>
+            <a:endParaRPr sz="1400" dirty="0">
+              <a:solidFill>
+                <a:schemeClr val="dk1"/>
+              </a:solidFill>
+              <a:latin typeface="Arial"/>
+              <a:ea typeface="Arial"/>
+              <a:cs typeface="Arial"/>
+              <a:sym typeface="Arial"/>
+            </a:endParaRPr>
+          </a:p>
+          <a:p>
+            <a:pPr marL="457200" lvl="1" algn="just">
+              <a:spcBef>
+                <a:spcPts val="800"/>
+              </a:spcBef>
+            </a:pPr>
+            <a:r>
+              <a:rPr lang="en-US" u="sng" dirty="0">
+                <a:solidFill>
+                  <a:schemeClr val="dk1"/>
+                </a:solidFill>
+              </a:rPr>
+              <a:t>Vertical Movement:</a:t>
+            </a:r>
+            <a:r>
+              <a:rPr lang="en-US" dirty="0">
+                <a:solidFill>
+                  <a:schemeClr val="dk1"/>
+                </a:solidFill>
+              </a:rPr>
+              <a:t> Characters can jump in three directions. The height depends on the character.</a:t>
+            </a:r>
+            <a:endParaRPr lang="en-US" sz="1400" b="0" i="0" u="none" strike="noStrike" cap="none" dirty="0">
+              <a:solidFill>
+                <a:schemeClr val="dk1"/>
+              </a:solidFill>
+              <a:latin typeface="Calibri"/>
+              <a:ea typeface="Calibri"/>
+              <a:cs typeface="Calibri"/>
+              <a:sym typeface="Calibri"/>
+            </a:endParaRPr>
+          </a:p>
+        </p:txBody>
+      </p:sp>
+      <p:sp>
+        <p:nvSpPr>
+          <p:cNvPr id="37" name="Google Shape;300;g21bc3c53028_0_41">
+            <a:extLst>
+              <a:ext uri="{FF2B5EF4-FFF2-40B4-BE49-F238E27FC236}">
+                <a16:creationId xmlns:a16="http://schemas.microsoft.com/office/drawing/2014/main" id="{0762CB4E-BB61-47DB-9E2C-A1A453C27ED6}"/>
+              </a:ext>
+            </a:extLst>
+          </p:cNvPr>
+          <p:cNvSpPr txBox="1"/>
+          <p:nvPr/>
+        </p:nvSpPr>
+        <p:spPr>
+          <a:xfrm>
+            <a:off x="375901" y="4288382"/>
+            <a:ext cx="6119400" cy="1104686"/>
+          </a:xfrm>
+          <a:prstGeom prst="rect">
+            <a:avLst/>
+          </a:prstGeom>
+          <a:noFill/>
+          <a:ln>
+            <a:noFill/>
+          </a:ln>
+        </p:spPr>
+        <p:txBody>
+          <a:bodyPr spcFirstLastPara="1" wrap="square" lIns="91425" tIns="45700" rIns="91425" bIns="45700" anchor="t" anchorCtr="0">
+            <a:spAutoFit/>
+          </a:bodyPr>
+          <a:lstStyle/>
+          <a:p>
+            <a:pPr marL="0" marR="0" lvl="0" indent="0" algn="just" rtl="0">
+              <a:lnSpc>
+                <a:spcPct val="107000"/>
+              </a:lnSpc>
+              <a:spcBef>
+                <a:spcPts val="0"/>
+              </a:spcBef>
+              <a:spcAft>
+                <a:spcPts val="0"/>
+              </a:spcAft>
+              <a:buNone/>
+            </a:pPr>
+            <a:r>
+              <a:rPr lang="en-US" sz="1600" b="1" dirty="0">
+                <a:solidFill>
+                  <a:schemeClr val="dk1"/>
+                </a:solidFill>
+                <a:latin typeface="Arial"/>
+                <a:ea typeface="Arial"/>
+                <a:cs typeface="Arial"/>
+                <a:sym typeface="Arial"/>
+              </a:rPr>
+              <a:t>3.5. Advance Movement</a:t>
+            </a:r>
+            <a:endParaRPr sz="1400" dirty="0">
+              <a:solidFill>
+                <a:schemeClr val="dk1"/>
+              </a:solidFill>
+              <a:latin typeface="Arial"/>
+              <a:ea typeface="Arial"/>
+              <a:cs typeface="Arial"/>
+              <a:sym typeface="Arial"/>
+            </a:endParaRPr>
+          </a:p>
+          <a:p>
+            <a:pPr marL="457200" lvl="1" algn="just">
+              <a:spcBef>
+                <a:spcPts val="800"/>
+              </a:spcBef>
+            </a:pPr>
+            <a:r>
+              <a:rPr lang="en-US" u="sng" dirty="0">
+                <a:solidFill>
+                  <a:schemeClr val="dk1"/>
+                </a:solidFill>
+              </a:rPr>
+              <a:t>Dash:</a:t>
+            </a:r>
+            <a:r>
+              <a:rPr lang="en-US" dirty="0">
+                <a:solidFill>
+                  <a:schemeClr val="dk1"/>
+                </a:solidFill>
+              </a:rPr>
+              <a:t> Characters </a:t>
+            </a:r>
+            <a:r>
+              <a:rPr lang="en-US" sz="1400" b="0" i="0" u="none" strike="noStrike" cap="none" dirty="0">
+                <a:solidFill>
+                  <a:schemeClr val="dk1"/>
+                </a:solidFill>
+                <a:latin typeface="Arial"/>
+                <a:ea typeface="Arial"/>
+                <a:cs typeface="Arial"/>
+                <a:sym typeface="Arial"/>
+              </a:rPr>
+              <a:t>can dash forward and backwards, is faster than walking and can be cancel into other actions.</a:t>
+            </a:r>
+            <a:r>
+              <a:rPr lang="en-US" dirty="0">
+                <a:solidFill>
+                  <a:schemeClr val="dk1"/>
+                </a:solidFill>
+              </a:rPr>
+              <a:t> The velocity changes depending on the direction.</a:t>
+            </a:r>
+            <a:endParaRPr lang="en-US" sz="1400" b="0" i="0" u="none" strike="noStrike" cap="none" dirty="0">
+              <a:solidFill>
+                <a:schemeClr val="dk1"/>
+              </a:solidFill>
+              <a:latin typeface="Calibri"/>
+              <a:ea typeface="Calibri"/>
+              <a:cs typeface="Calibri"/>
+              <a:sym typeface="Calibri"/>
+            </a:endParaRPr>
+          </a:p>
+        </p:txBody>
+      </p:sp>
+      <p:grpSp>
+        <p:nvGrpSpPr>
+          <p:cNvPr id="56" name="Grupo 55">
+            <a:extLst>
+              <a:ext uri="{FF2B5EF4-FFF2-40B4-BE49-F238E27FC236}">
+                <a16:creationId xmlns:a16="http://schemas.microsoft.com/office/drawing/2014/main" id="{D581D7C1-FFF9-4D5E-8146-477872904887}"/>
+              </a:ext>
+            </a:extLst>
+          </p:cNvPr>
+          <p:cNvGrpSpPr/>
+          <p:nvPr/>
+        </p:nvGrpSpPr>
+        <p:grpSpPr>
+          <a:xfrm>
+            <a:off x="893525" y="5431271"/>
+            <a:ext cx="5083589" cy="1628058"/>
+            <a:chOff x="893525" y="5240205"/>
+            <a:chExt cx="5083589" cy="1628058"/>
+          </a:xfrm>
+        </p:grpSpPr>
+        <p:cxnSp>
+          <p:nvCxnSpPr>
+            <p:cNvPr id="39" name="Google Shape;314;g21bc3c53028_0_41">
+              <a:extLst>
+                <a:ext uri="{FF2B5EF4-FFF2-40B4-BE49-F238E27FC236}">
+                  <a16:creationId xmlns:a16="http://schemas.microsoft.com/office/drawing/2014/main" id="{A2323C67-1579-415D-959A-03DA39D1BCEC}"/>
+                </a:ext>
+              </a:extLst>
+            </p:cNvPr>
+            <p:cNvCxnSpPr>
+              <a:cxnSpLocks/>
+            </p:cNvCxnSpPr>
+            <p:nvPr/>
+          </p:nvCxnSpPr>
+          <p:spPr>
+            <a:xfrm>
+              <a:off x="1809750" y="6082372"/>
+              <a:ext cx="3182605" cy="0"/>
+            </a:xfrm>
+            <a:prstGeom prst="straightConnector1">
+              <a:avLst/>
+            </a:prstGeom>
+            <a:noFill/>
+            <a:ln w="28575" cap="flat" cmpd="sng">
+              <a:solidFill>
+                <a:schemeClr val="dk1"/>
+              </a:solidFill>
+              <a:prstDash val="solid"/>
+              <a:miter lim="800000"/>
+              <a:headEnd type="triangle" w="med" len="med"/>
+              <a:tailEnd type="triangle" w="med" len="med"/>
+            </a:ln>
+          </p:spPr>
+        </p:cxnSp>
+        <p:sp>
+          <p:nvSpPr>
+            <p:cNvPr id="40" name="Google Shape;315;g21bc3c53028_0_41">
+              <a:extLst>
+                <a:ext uri="{FF2B5EF4-FFF2-40B4-BE49-F238E27FC236}">
+                  <a16:creationId xmlns:a16="http://schemas.microsoft.com/office/drawing/2014/main" id="{DDB07EE9-2E94-4439-93D1-28FD9C1BF86D}"/>
+                </a:ext>
+              </a:extLst>
+            </p:cNvPr>
+            <p:cNvSpPr/>
+            <p:nvPr/>
+          </p:nvSpPr>
+          <p:spPr>
+            <a:xfrm>
+              <a:off x="893525" y="6621666"/>
+              <a:ext cx="5083589" cy="246597"/>
+            </a:xfrm>
+            <a:prstGeom prst="rect">
+              <a:avLst/>
+            </a:prstGeom>
+            <a:solidFill>
+              <a:schemeClr val="accent2">
+                <a:alpha val="24710"/>
+              </a:schemeClr>
+            </a:solidFill>
+            <a:ln w="38100" cap="flat" cmpd="sng">
+              <a:solidFill>
+                <a:schemeClr val="accent2"/>
+              </a:solidFill>
+              <a:prstDash val="solid"/>
+              <a:miter lim="800000"/>
+              <a:headEnd type="none" w="sm" len="sm"/>
+              <a:tailEnd type="none" w="sm" len="sm"/>
+            </a:ln>
+          </p:spPr>
+          <p:txBody>
+            <a:bodyPr spcFirstLastPara="1" wrap="square" lIns="91425" tIns="45700" rIns="91425" bIns="45700" anchor="ctr" anchorCtr="0">
+              <a:noAutofit/>
+            </a:bodyPr>
+            <a:lstStyle/>
+            <a:p>
+              <a:pPr marL="0" marR="0" lvl="0" indent="0" algn="ctr" rtl="0">
+                <a:spcBef>
+                  <a:spcPts val="0"/>
+                </a:spcBef>
+                <a:spcAft>
+                  <a:spcPts val="0"/>
+                </a:spcAft>
+                <a:buNone/>
+              </a:pPr>
+              <a:endParaRPr sz="1600">
+                <a:solidFill>
+                  <a:schemeClr val="lt1"/>
+                </a:solidFill>
+                <a:latin typeface="Calibri"/>
+                <a:ea typeface="Calibri"/>
+                <a:cs typeface="Calibri"/>
+                <a:sym typeface="Calibri"/>
+              </a:endParaRPr>
+            </a:p>
+          </p:txBody>
+        </p:sp>
+        <p:sp>
+          <p:nvSpPr>
+            <p:cNvPr id="41" name="Google Shape;316;g21bc3c53028_0_41">
+              <a:extLst>
+                <a:ext uri="{FF2B5EF4-FFF2-40B4-BE49-F238E27FC236}">
+                  <a16:creationId xmlns:a16="http://schemas.microsoft.com/office/drawing/2014/main" id="{A2D9957B-D797-48AC-A378-F75927E835E3}"/>
+                </a:ext>
+              </a:extLst>
+            </p:cNvPr>
+            <p:cNvSpPr/>
+            <p:nvPr/>
+          </p:nvSpPr>
+          <p:spPr>
+            <a:xfrm>
+              <a:off x="893525" y="5240205"/>
+              <a:ext cx="5083589" cy="1618294"/>
+            </a:xfrm>
+            <a:prstGeom prst="rect">
+              <a:avLst/>
+            </a:prstGeom>
+            <a:noFill/>
+            <a:ln w="38100" cap="flat" cmpd="sng">
+              <a:solidFill>
+                <a:schemeClr val="dk1"/>
+              </a:solidFill>
+              <a:prstDash val="solid"/>
+              <a:miter lim="800000"/>
+              <a:headEnd type="none" w="sm" len="sm"/>
+              <a:tailEnd type="none" w="sm" len="sm"/>
+            </a:ln>
+          </p:spPr>
+          <p:txBody>
+            <a:bodyPr spcFirstLastPara="1" wrap="square" lIns="91425" tIns="45700" rIns="91425" bIns="45700" anchor="ctr" anchorCtr="0">
+              <a:noAutofit/>
+            </a:bodyPr>
+            <a:lstStyle/>
+            <a:p>
+              <a:pPr marL="0" marR="0" lvl="0" indent="0" algn="ctr" rtl="0">
+                <a:spcBef>
+                  <a:spcPts val="0"/>
+                </a:spcBef>
+                <a:spcAft>
+                  <a:spcPts val="0"/>
+                </a:spcAft>
+                <a:buNone/>
+              </a:pPr>
+              <a:endParaRPr sz="1600">
+                <a:solidFill>
+                  <a:schemeClr val="lt1"/>
+                </a:solidFill>
+                <a:latin typeface="Calibri"/>
+                <a:ea typeface="Calibri"/>
+                <a:cs typeface="Calibri"/>
+                <a:sym typeface="Calibri"/>
+              </a:endParaRPr>
+            </a:p>
+          </p:txBody>
+        </p:sp>
+        <p:grpSp>
+          <p:nvGrpSpPr>
+            <p:cNvPr id="42" name="Google Shape;317;g21bc3c53028_0_41">
+              <a:extLst>
+                <a:ext uri="{FF2B5EF4-FFF2-40B4-BE49-F238E27FC236}">
+                  <a16:creationId xmlns:a16="http://schemas.microsoft.com/office/drawing/2014/main" id="{6228D3B6-0829-4D4C-840C-059CA5ABC2F7}"/>
+                </a:ext>
+              </a:extLst>
+            </p:cNvPr>
+            <p:cNvGrpSpPr/>
+            <p:nvPr/>
+          </p:nvGrpSpPr>
+          <p:grpSpPr>
+            <a:xfrm rot="10800000" flipH="1">
+              <a:off x="901335" y="5242432"/>
+              <a:ext cx="1580741" cy="306780"/>
+              <a:chOff x="379629" y="4144280"/>
+              <a:chExt cx="1760566" cy="369300"/>
+            </a:xfrm>
+          </p:grpSpPr>
+          <p:sp>
+            <p:nvSpPr>
+              <p:cNvPr id="46" name="Google Shape;318;g21bc3c53028_0_41">
+                <a:extLst>
+                  <a:ext uri="{FF2B5EF4-FFF2-40B4-BE49-F238E27FC236}">
+                    <a16:creationId xmlns:a16="http://schemas.microsoft.com/office/drawing/2014/main" id="{E2521B2A-495B-470A-BD3B-70E0EB6FD0A2}"/>
+                  </a:ext>
+                </a:extLst>
+              </p:cNvPr>
+              <p:cNvSpPr/>
+              <p:nvPr/>
+            </p:nvSpPr>
+            <p:spPr>
+              <a:xfrm rot="10800000" flipH="1">
+                <a:off x="379629" y="4144280"/>
+                <a:ext cx="1229700" cy="369300"/>
+              </a:xfrm>
+              <a:prstGeom prst="rect">
+                <a:avLst/>
+              </a:prstGeom>
+              <a:solidFill>
+                <a:schemeClr val="dk1"/>
+              </a:solidFill>
+              <a:ln>
+                <a:noFill/>
+              </a:ln>
+            </p:spPr>
+            <p:txBody>
+              <a:bodyPr spcFirstLastPara="1" wrap="square" lIns="91425" tIns="45700" rIns="91425" bIns="45700" anchor="ctr" anchorCtr="0">
+                <a:noAutofit/>
+              </a:bodyPr>
+              <a:lstStyle/>
+              <a:p>
+                <a:pPr marL="0" marR="0" lvl="0" indent="0" algn="l" rtl="0">
+                  <a:spcBef>
+                    <a:spcPts val="0"/>
+                  </a:spcBef>
+                  <a:spcAft>
+                    <a:spcPts val="0"/>
+                  </a:spcAft>
+                  <a:buNone/>
+                </a:pPr>
+                <a:r>
+                  <a:rPr lang="en-US" sz="1600" dirty="0">
+                    <a:solidFill>
+                      <a:schemeClr val="lt1"/>
+                    </a:solidFill>
+                    <a:latin typeface="Arial"/>
+                    <a:ea typeface="Arial"/>
+                    <a:cs typeface="Arial"/>
+                    <a:sym typeface="Arial"/>
+                  </a:rPr>
+                  <a:t>Grounded</a:t>
+                </a:r>
+                <a:endParaRPr sz="1600" dirty="0">
+                  <a:solidFill>
+                    <a:schemeClr val="lt1"/>
+                  </a:solidFill>
+                  <a:latin typeface="Arial"/>
+                  <a:ea typeface="Arial"/>
+                  <a:cs typeface="Arial"/>
+                  <a:sym typeface="Arial"/>
+                </a:endParaRPr>
+              </a:p>
+            </p:txBody>
+          </p:sp>
+          <p:sp>
+            <p:nvSpPr>
+              <p:cNvPr id="47" name="Google Shape;319;g21bc3c53028_0_41">
+                <a:extLst>
+                  <a:ext uri="{FF2B5EF4-FFF2-40B4-BE49-F238E27FC236}">
+                    <a16:creationId xmlns:a16="http://schemas.microsoft.com/office/drawing/2014/main" id="{061FD99E-441A-4D4C-9DC0-19B6442C6507}"/>
+                  </a:ext>
+                </a:extLst>
+              </p:cNvPr>
+              <p:cNvSpPr/>
+              <p:nvPr/>
+            </p:nvSpPr>
+            <p:spPr>
+              <a:xfrm>
+                <a:off x="1600195" y="4148914"/>
+                <a:ext cx="540000" cy="360000"/>
+              </a:xfrm>
+              <a:prstGeom prst="triangle">
+                <a:avLst>
+                  <a:gd name="adj" fmla="val 0"/>
+                </a:avLst>
+              </a:prstGeom>
+              <a:solidFill>
+                <a:schemeClr val="dk1"/>
+              </a:solidFill>
+              <a:ln>
+                <a:noFill/>
+              </a:ln>
+            </p:spPr>
+            <p:txBody>
+              <a:bodyPr spcFirstLastPara="1" wrap="square" lIns="91425" tIns="45700" rIns="91425" bIns="45700" anchor="ctr" anchorCtr="0">
+                <a:noAutofit/>
+              </a:bodyPr>
+              <a:lstStyle/>
+              <a:p>
+                <a:pPr marL="0" marR="0" lvl="0" indent="0" algn="ctr" rtl="0">
+                  <a:spcBef>
+                    <a:spcPts val="0"/>
+                  </a:spcBef>
+                  <a:spcAft>
+                    <a:spcPts val="0"/>
+                  </a:spcAft>
+                  <a:buNone/>
+                </a:pPr>
+                <a:endParaRPr sz="1600">
+                  <a:solidFill>
+                    <a:schemeClr val="lt1"/>
+                  </a:solidFill>
+                  <a:latin typeface="Arial"/>
+                  <a:ea typeface="Arial"/>
+                  <a:cs typeface="Arial"/>
+                  <a:sym typeface="Arial"/>
+                </a:endParaRPr>
+              </a:p>
+            </p:txBody>
+          </p:sp>
+        </p:grpSp>
+        <p:pic>
+          <p:nvPicPr>
+            <p:cNvPr id="43" name="Google Shape;320;g21bc3c53028_0_41">
+              <a:extLst>
+                <a:ext uri="{FF2B5EF4-FFF2-40B4-BE49-F238E27FC236}">
+                  <a16:creationId xmlns:a16="http://schemas.microsoft.com/office/drawing/2014/main" id="{44FAEB5A-9C0D-4FD8-9C55-A8E10E6BCA1F}"/>
+                </a:ext>
+              </a:extLst>
+            </p:cNvPr>
+            <p:cNvPicPr preferRelativeResize="0"/>
+            <p:nvPr/>
+          </p:nvPicPr>
+          <p:blipFill rotWithShape="1">
+            <a:blip r:embed="rId6">
+              <a:alphaModFix/>
+            </a:blip>
+            <a:srcRect/>
+            <a:stretch/>
+          </p:blipFill>
+          <p:spPr>
+            <a:xfrm>
+              <a:off x="3079361" y="5651019"/>
+              <a:ext cx="703178" cy="1001496"/>
+            </a:xfrm>
+            <a:prstGeom prst="rect">
+              <a:avLst/>
+            </a:prstGeom>
+            <a:noFill/>
+            <a:ln>
+              <a:noFill/>
+            </a:ln>
+          </p:spPr>
+        </p:pic>
+        <p:pic>
+          <p:nvPicPr>
+            <p:cNvPr id="50" name="Imagen 49">
+              <a:extLst>
+                <a:ext uri="{FF2B5EF4-FFF2-40B4-BE49-F238E27FC236}">
+                  <a16:creationId xmlns:a16="http://schemas.microsoft.com/office/drawing/2014/main" id="{F2494F42-775E-47FC-A6A3-1A767179F0EB}"/>
+                </a:ext>
+              </a:extLst>
+            </p:cNvPr>
+            <p:cNvPicPr>
+              <a:picLocks noChangeAspect="1"/>
+            </p:cNvPicPr>
+            <p:nvPr/>
+          </p:nvPicPr>
+          <p:blipFill>
+            <a:blip r:embed="rId7">
+              <a:grayscl/>
+            </a:blip>
+            <a:stretch>
+              <a:fillRect/>
+            </a:stretch>
+          </p:blipFill>
+          <p:spPr>
+            <a:xfrm>
+              <a:off x="989656" y="5784056"/>
+              <a:ext cx="1282197" cy="882151"/>
+            </a:xfrm>
+            <a:prstGeom prst="rect">
+              <a:avLst/>
+            </a:prstGeom>
+          </p:spPr>
+        </p:pic>
+        <p:pic>
+          <p:nvPicPr>
+            <p:cNvPr id="51" name="Imagen 50">
+              <a:extLst>
+                <a:ext uri="{FF2B5EF4-FFF2-40B4-BE49-F238E27FC236}">
+                  <a16:creationId xmlns:a16="http://schemas.microsoft.com/office/drawing/2014/main" id="{7E652C88-E667-43EB-BD23-8FD3E5299E96}"/>
+                </a:ext>
+              </a:extLst>
+            </p:cNvPr>
+            <p:cNvPicPr>
+              <a:picLocks noChangeAspect="1"/>
+            </p:cNvPicPr>
+            <p:nvPr/>
+          </p:nvPicPr>
+          <p:blipFill>
+            <a:blip r:embed="rId8">
+              <a:grayscl/>
+            </a:blip>
+            <a:stretch>
+              <a:fillRect/>
+            </a:stretch>
+          </p:blipFill>
+          <p:spPr>
+            <a:xfrm>
+              <a:off x="4586879" y="5906888"/>
+              <a:ext cx="1282197" cy="882151"/>
+            </a:xfrm>
+            <a:prstGeom prst="rect">
+              <a:avLst/>
+            </a:prstGeom>
           </p:spPr>
         </p:pic>
       </p:grpSp>

--- a/Documentation/01 - Design Document.pptx
+++ b/Documentation/01 - Design Document.pptx
@@ -5,7 +5,7 @@
     <p:sldMasterId id="2147483648" r:id="rId1"/>
   </p:sldMasterIdLst>
   <p:notesMasterIdLst>
-    <p:notesMasterId r:id="rId10"/>
+    <p:notesMasterId r:id="rId11"/>
   </p:notesMasterIdLst>
   <p:sldIdLst>
     <p:sldId id="256" r:id="rId2"/>
@@ -13,9 +13,10 @@
     <p:sldId id="258" r:id="rId4"/>
     <p:sldId id="259" r:id="rId5"/>
     <p:sldId id="260" r:id="rId6"/>
-    <p:sldId id="261" r:id="rId7"/>
-    <p:sldId id="263" r:id="rId8"/>
-    <p:sldId id="264" r:id="rId9"/>
+    <p:sldId id="266" r:id="rId7"/>
+    <p:sldId id="267" r:id="rId8"/>
+    <p:sldId id="263" r:id="rId9"/>
+    <p:sldId id="264" r:id="rId10"/>
   </p:sldIdLst>
   <p:sldSz cx="6858000" cy="9906000" type="A4"/>
   <p:notesSz cx="6858000" cy="9144000"/>
@@ -251,12 +252,12 @@
   <p:extLst>
     <p:ext uri="{EFAFB233-063F-42B5-8137-9DF3F51BA10A}">
       <p15:sldGuideLst xmlns:p15="http://schemas.microsoft.com/office/powerpoint/2012/main">
-        <p15:guide id="1" orient="horz" pos="3165" userDrawn="1">
+        <p15:guide id="1" orient="horz" pos="5161" userDrawn="1">
           <p15:clr>
             <a:srgbClr val="A4A3A4"/>
           </p15:clr>
         </p15:guide>
-        <p15:guide id="2" pos="2160">
+        <p15:guide id="2" pos="2160" userDrawn="1">
           <p15:clr>
             <a:srgbClr val="A4A3A4"/>
           </p15:clr>
@@ -264,7 +265,7 @@
       </p15:sldGuideLst>
     </p:ext>
     <p:ext uri="GoogleSlidesCustomDataVersion2">
-      <go:slidesCustomData xmlns:go="http://customooxmlschemas.google.com/" xmlns:ahyp="http://schemas.microsoft.com/office/drawing/2018/hyperlinkcolor" xmlns:p15="http://schemas.microsoft.com/office/powerpoint/2012/main" xmlns:p14="http://schemas.microsoft.com/office/powerpoint/2010/main" xmlns:com="http://schemas.openxmlformats.org/drawingml/2006/compatibility" xmlns:pvml="urn:schemas-microsoft-com:office:powerpoint" xmlns:v="urn:schemas-microsoft-com:vml" xmlns:o="urn:schemas-microsoft-com:office:office" xmlns:dgm="http://schemas.openxmlformats.org/drawingml/2006/diagram" xmlns:c="http://schemas.openxmlformats.org/drawingml/2006/chart" xmlns:mv="urn:schemas-microsoft-com:mac:vml" xmlns:mc="http://schemas.openxmlformats.org/markup-compatibility/2006" xmlns="" r:id="rId19" roundtripDataSignature="AMtx7mhsZi6FLtTjXW9fiwvxuzOukkacyg=="/>
+      <go:slidesCustomData xmlns="" xmlns:mc="http://schemas.openxmlformats.org/markup-compatibility/2006" xmlns:mv="urn:schemas-microsoft-com:mac:vml" xmlns:c="http://schemas.openxmlformats.org/drawingml/2006/chart" xmlns:dgm="http://schemas.openxmlformats.org/drawingml/2006/diagram" xmlns:o="urn:schemas-microsoft-com:office:office" xmlns:v="urn:schemas-microsoft-com:vml" xmlns:pvml="urn:schemas-microsoft-com:office:powerpoint" xmlns:com="http://schemas.openxmlformats.org/drawingml/2006/compatibility" xmlns:p14="http://schemas.microsoft.com/office/powerpoint/2010/main" xmlns:p15="http://schemas.microsoft.com/office/powerpoint/2012/main" xmlns:ahyp="http://schemas.microsoft.com/office/drawing/2018/hyperlinkcolor" xmlns:go="http://customooxmlschemas.google.com/" r:id="rId19" roundtripDataSignature="AMtx7mhsZi6FLtTjXW9fiwvxuzOukkacyg=="/>
     </p:ext>
   </p:extLst>
 </p:presentation>
@@ -2380,6 +2381,11 @@
         </p:txBody>
       </p:sp>
     </p:spTree>
+    <p:extLst>
+      <p:ext uri="{BB962C8B-B14F-4D97-AF65-F5344CB8AC3E}">
+        <p14:creationId xmlns:p14="http://schemas.microsoft.com/office/powerpoint/2010/main" val="1158268983"/>
+      </p:ext>
+    </p:extLst>
   </p:cSld>
   <p:clrMapOvr>
     <a:masterClrMapping/>
@@ -2388,6 +2394,175 @@
 </file>
 
 <file path=ppt/notesSlides/notesSlide7.xml><?xml version="1.0" encoding="utf-8"?>
+<p:notes xmlns:a="http://schemas.openxmlformats.org/drawingml/2006/main" xmlns:r="http://schemas.openxmlformats.org/officeDocument/2006/relationships" xmlns:p="http://schemas.openxmlformats.org/presentationml/2006/main" showMasterSp="0" showMasterPhAnim="0">
+  <p:cSld>
+    <p:spTree>
+      <p:nvGrpSpPr>
+        <p:cNvPr id="1" name="Shape 164"/>
+        <p:cNvGrpSpPr/>
+        <p:nvPr/>
+      </p:nvGrpSpPr>
+      <p:grpSpPr>
+        <a:xfrm>
+          <a:off x="0" y="0"/>
+          <a:ext cx="0" cy="0"/>
+          <a:chOff x="0" y="0"/>
+          <a:chExt cx="0" cy="0"/>
+        </a:xfrm>
+      </p:grpSpPr>
+      <p:sp>
+        <p:nvSpPr>
+          <p:cNvPr id="165" name="Google Shape;165;g21bc01ef45b_0_801:notes"/>
+          <p:cNvSpPr>
+            <a:spLocks noGrp="1" noRot="1" noChangeAspect="1"/>
+          </p:cNvSpPr>
+          <p:nvPr>
+            <p:ph type="sldImg" idx="2"/>
+          </p:nvPr>
+        </p:nvSpPr>
+        <p:spPr>
+          <a:xfrm>
+            <a:off x="2360613" y="1143000"/>
+            <a:ext cx="2136775" cy="3086100"/>
+          </a:xfrm>
+          <a:custGeom>
+            <a:avLst/>
+            <a:gdLst/>
+            <a:ahLst/>
+            <a:cxnLst/>
+            <a:rect l="l" t="t" r="r" b="b"/>
+            <a:pathLst>
+              <a:path w="120000" h="120000" extrusionOk="0">
+                <a:moveTo>
+                  <a:pt x="0" y="0"/>
+                </a:moveTo>
+                <a:lnTo>
+                  <a:pt x="120000" y="0"/>
+                </a:lnTo>
+                <a:lnTo>
+                  <a:pt x="120000" y="120000"/>
+                </a:lnTo>
+                <a:lnTo>
+                  <a:pt x="0" y="120000"/>
+                </a:lnTo>
+                <a:close/>
+              </a:path>
+            </a:pathLst>
+          </a:custGeom>
+          <a:noFill/>
+          <a:ln w="12700" cap="flat" cmpd="sng">
+            <a:solidFill>
+              <a:srgbClr val="000000"/>
+            </a:solidFill>
+            <a:prstDash val="solid"/>
+            <a:round/>
+            <a:headEnd type="none" w="sm" len="sm"/>
+            <a:tailEnd type="none" w="sm" len="sm"/>
+          </a:ln>
+        </p:spPr>
+      </p:sp>
+      <p:sp>
+        <p:nvSpPr>
+          <p:cNvPr id="166" name="Google Shape;166;g21bc01ef45b_0_801:notes"/>
+          <p:cNvSpPr txBox="1">
+            <a:spLocks noGrp="1"/>
+          </p:cNvSpPr>
+          <p:nvPr>
+            <p:ph type="body" idx="1"/>
+          </p:nvPr>
+        </p:nvSpPr>
+        <p:spPr>
+          <a:xfrm>
+            <a:off x="685800" y="4400550"/>
+            <a:ext cx="5486400" cy="3600600"/>
+          </a:xfrm>
+          <a:prstGeom prst="rect">
+            <a:avLst/>
+          </a:prstGeom>
+          <a:noFill/>
+          <a:ln>
+            <a:noFill/>
+          </a:ln>
+        </p:spPr>
+        <p:txBody>
+          <a:bodyPr spcFirstLastPara="1" wrap="square" lIns="91425" tIns="45700" rIns="91425" bIns="45700" anchor="t" anchorCtr="0">
+            <a:noAutofit/>
+          </a:bodyPr>
+          <a:lstStyle/>
+          <a:p>
+            <a:pPr marL="0" lvl="0" indent="0" algn="l" rtl="0">
+              <a:spcBef>
+                <a:spcPts val="0"/>
+              </a:spcBef>
+              <a:spcAft>
+                <a:spcPts val="0"/>
+              </a:spcAft>
+              <a:buNone/>
+            </a:pPr>
+            <a:endParaRPr/>
+          </a:p>
+        </p:txBody>
+      </p:sp>
+      <p:sp>
+        <p:nvSpPr>
+          <p:cNvPr id="167" name="Google Shape;167;g21bc01ef45b_0_801:notes"/>
+          <p:cNvSpPr txBox="1">
+            <a:spLocks noGrp="1"/>
+          </p:cNvSpPr>
+          <p:nvPr>
+            <p:ph type="sldNum" idx="12"/>
+          </p:nvPr>
+        </p:nvSpPr>
+        <p:spPr>
+          <a:xfrm>
+            <a:off x="3884613" y="8685213"/>
+            <a:ext cx="2971800" cy="458700"/>
+          </a:xfrm>
+          <a:prstGeom prst="rect">
+            <a:avLst/>
+          </a:prstGeom>
+          <a:noFill/>
+          <a:ln>
+            <a:noFill/>
+          </a:ln>
+        </p:spPr>
+        <p:txBody>
+          <a:bodyPr spcFirstLastPara="1" wrap="square" lIns="91425" tIns="45700" rIns="91425" bIns="45700" anchor="b" anchorCtr="0">
+            <a:noAutofit/>
+          </a:bodyPr>
+          <a:lstStyle/>
+          <a:p>
+            <a:pPr marL="0" lvl="0" indent="0" algn="r" rtl="0">
+              <a:spcBef>
+                <a:spcPts val="0"/>
+              </a:spcBef>
+              <a:spcAft>
+                <a:spcPts val="0"/>
+              </a:spcAft>
+              <a:buNone/>
+            </a:pPr>
+            <a:fld id="{00000000-1234-1234-1234-123412341234}" type="slidenum">
+              <a:rPr lang="en-US"/>
+              <a:t>7</a:t>
+            </a:fld>
+            <a:endParaRPr/>
+          </a:p>
+        </p:txBody>
+      </p:sp>
+    </p:spTree>
+    <p:extLst>
+      <p:ext uri="{BB962C8B-B14F-4D97-AF65-F5344CB8AC3E}">
+        <p14:creationId xmlns:p14="http://schemas.microsoft.com/office/powerpoint/2010/main" val="2788428123"/>
+      </p:ext>
+    </p:extLst>
+  </p:cSld>
+  <p:clrMapOvr>
+    <a:masterClrMapping/>
+  </p:clrMapOvr>
+</p:notes>
+</file>
+
+<file path=ppt/notesSlides/notesSlide8.xml><?xml version="1.0" encoding="utf-8"?>
 <p:notes xmlns:a="http://schemas.openxmlformats.org/drawingml/2006/main" xmlns:r="http://schemas.openxmlformats.org/officeDocument/2006/relationships" xmlns:p="http://schemas.openxmlformats.org/presentationml/2006/main" showMasterSp="0" showMasterPhAnim="0">
   <p:cSld>
     <p:spTree>
@@ -2493,7 +2668,7 @@
               </a:spcAft>
               <a:buNone/>
             </a:pPr>
-            <a:endParaRPr/>
+            <a:endParaRPr dirty="0"/>
           </a:p>
         </p:txBody>
       </p:sp>
@@ -2537,7 +2712,7 @@
             </a:pPr>
             <a:fld id="{00000000-1234-1234-1234-123412341234}" type="slidenum">
               <a:rPr lang="en-US"/>
-              <a:t>7</a:t>
+              <a:t>8</a:t>
             </a:fld>
             <a:endParaRPr/>
           </a:p>
@@ -2551,7 +2726,7 @@
 </p:notes>
 </file>
 
-<file path=ppt/notesSlides/notesSlide8.xml><?xml version="1.0" encoding="utf-8"?>
+<file path=ppt/notesSlides/notesSlide9.xml><?xml version="1.0" encoding="utf-8"?>
 <p:notes xmlns:a="http://schemas.openxmlformats.org/drawingml/2006/main" xmlns:r="http://schemas.openxmlformats.org/officeDocument/2006/relationships" xmlns:p="http://schemas.openxmlformats.org/presentationml/2006/main" showMasterSp="0" showMasterPhAnim="0">
   <p:cSld>
     <p:spTree>
@@ -2701,7 +2876,7 @@
             </a:pPr>
             <a:fld id="{00000000-1234-1234-1234-123412341234}" type="slidenum">
               <a:rPr lang="en-US"/>
-              <a:t>8</a:t>
+              <a:t>9</a:t>
             </a:fld>
             <a:endParaRPr/>
           </a:p>
@@ -15581,6 +15756,702 @@
           </a:p>
         </p:txBody>
       </p:sp>
+      <p:sp>
+        <p:nvSpPr>
+          <p:cNvPr id="15" name="Google Shape;148;p5">
+            <a:extLst>
+              <a:ext uri="{FF2B5EF4-FFF2-40B4-BE49-F238E27FC236}">
+                <a16:creationId xmlns:a16="http://schemas.microsoft.com/office/drawing/2014/main" id="{FDE06DCB-946D-4E4F-9B0E-7D946CBA0862}"/>
+              </a:ext>
+            </a:extLst>
+          </p:cNvPr>
+          <p:cNvSpPr/>
+          <p:nvPr/>
+        </p:nvSpPr>
+        <p:spPr>
+          <a:xfrm>
+            <a:off x="3517311" y="2884547"/>
+            <a:ext cx="862283" cy="282521"/>
+          </a:xfrm>
+          <a:custGeom>
+            <a:avLst/>
+            <a:gdLst/>
+            <a:ahLst/>
+            <a:cxnLst/>
+            <a:rect l="l" t="t" r="r" b="b"/>
+            <a:pathLst>
+              <a:path w="1007806" h="252000" extrusionOk="0">
+                <a:moveTo>
+                  <a:pt x="42001" y="0"/>
+                </a:moveTo>
+                <a:lnTo>
+                  <a:pt x="965805" y="0"/>
+                </a:lnTo>
+                <a:cubicBezTo>
+                  <a:pt x="989002" y="0"/>
+                  <a:pt x="1007806" y="18804"/>
+                  <a:pt x="1007806" y="42001"/>
+                </a:cubicBezTo>
+                <a:lnTo>
+                  <a:pt x="1007806" y="209999"/>
+                </a:lnTo>
+                <a:cubicBezTo>
+                  <a:pt x="1007806" y="233196"/>
+                  <a:pt x="989002" y="252000"/>
+                  <a:pt x="965805" y="252000"/>
+                </a:cubicBezTo>
+                <a:lnTo>
+                  <a:pt x="42001" y="252000"/>
+                </a:lnTo>
+                <a:cubicBezTo>
+                  <a:pt x="18804" y="252000"/>
+                  <a:pt x="0" y="233196"/>
+                  <a:pt x="0" y="209999"/>
+                </a:cubicBezTo>
+                <a:lnTo>
+                  <a:pt x="0" y="42001"/>
+                </a:lnTo>
+                <a:cubicBezTo>
+                  <a:pt x="0" y="18804"/>
+                  <a:pt x="18804" y="0"/>
+                  <a:pt x="42001" y="0"/>
+                </a:cubicBezTo>
+                <a:close/>
+              </a:path>
+            </a:pathLst>
+          </a:custGeom>
+          <a:solidFill>
+            <a:schemeClr val="accent4">
+              <a:alpha val="40000"/>
+            </a:schemeClr>
+          </a:solidFill>
+          <a:ln>
+            <a:noFill/>
+          </a:ln>
+        </p:spPr>
+        <p:txBody>
+          <a:bodyPr spcFirstLastPara="1" wrap="square" lIns="91425" tIns="45700" rIns="91425" bIns="45700" anchor="ctr" anchorCtr="0">
+            <a:noAutofit/>
+          </a:bodyPr>
+          <a:lstStyle/>
+          <a:p>
+            <a:pPr marL="0" marR="0" lvl="0" indent="0" algn="ctr" rtl="0">
+              <a:spcBef>
+                <a:spcPts val="0"/>
+              </a:spcBef>
+              <a:spcAft>
+                <a:spcPts val="0"/>
+              </a:spcAft>
+              <a:buNone/>
+            </a:pPr>
+            <a:endParaRPr sz="1800">
+              <a:solidFill>
+                <a:schemeClr val="lt1"/>
+              </a:solidFill>
+              <a:latin typeface="Calibri"/>
+              <a:ea typeface="Calibri"/>
+              <a:cs typeface="Calibri"/>
+              <a:sym typeface="Calibri"/>
+            </a:endParaRPr>
+          </a:p>
+        </p:txBody>
+      </p:sp>
+      <p:sp>
+        <p:nvSpPr>
+          <p:cNvPr id="16" name="Google Shape;149;p5">
+            <a:extLst>
+              <a:ext uri="{FF2B5EF4-FFF2-40B4-BE49-F238E27FC236}">
+                <a16:creationId xmlns:a16="http://schemas.microsoft.com/office/drawing/2014/main" id="{CCDA57DC-C394-4073-BA6B-EBE13156563E}"/>
+              </a:ext>
+            </a:extLst>
+          </p:cNvPr>
+          <p:cNvSpPr/>
+          <p:nvPr/>
+        </p:nvSpPr>
+        <p:spPr>
+          <a:xfrm>
+            <a:off x="3454975" y="4013832"/>
+            <a:ext cx="1354667" cy="180868"/>
+          </a:xfrm>
+          <a:prstGeom prst="roundRect">
+            <a:avLst>
+              <a:gd name="adj" fmla="val 0"/>
+            </a:avLst>
+          </a:prstGeom>
+          <a:solidFill>
+            <a:schemeClr val="lt1"/>
+          </a:solidFill>
+          <a:ln w="12700" cap="flat" cmpd="sng">
+            <a:solidFill>
+              <a:schemeClr val="dk1"/>
+            </a:solidFill>
+            <a:prstDash val="solid"/>
+            <a:miter lim="800000"/>
+            <a:headEnd type="none" w="sm" len="sm"/>
+            <a:tailEnd type="none" w="sm" len="sm"/>
+          </a:ln>
+        </p:spPr>
+        <p:txBody>
+          <a:bodyPr spcFirstLastPara="1" wrap="square" lIns="91425" tIns="45700" rIns="91425" bIns="45700" anchor="ctr" anchorCtr="0">
+            <a:noAutofit/>
+          </a:bodyPr>
+          <a:lstStyle/>
+          <a:p>
+            <a:pPr marL="0" marR="0" lvl="0" indent="0" algn="ctr" rtl="0">
+              <a:spcBef>
+                <a:spcPts val="0"/>
+              </a:spcBef>
+              <a:spcAft>
+                <a:spcPts val="0"/>
+              </a:spcAft>
+              <a:buNone/>
+            </a:pPr>
+            <a:r>
+              <a:rPr lang="en-US" sz="1200">
+                <a:solidFill>
+                  <a:schemeClr val="dk1"/>
+                </a:solidFill>
+                <a:latin typeface="Calibri"/>
+                <a:ea typeface="Calibri"/>
+                <a:cs typeface="Calibri"/>
+                <a:sym typeface="Calibri"/>
+              </a:rPr>
+              <a:t>P1 Attacks</a:t>
+            </a:r>
+            <a:endParaRPr/>
+          </a:p>
+        </p:txBody>
+      </p:sp>
+      <p:cxnSp>
+        <p:nvCxnSpPr>
+          <p:cNvPr id="17" name="Google Shape;150;p5">
+            <a:extLst>
+              <a:ext uri="{FF2B5EF4-FFF2-40B4-BE49-F238E27FC236}">
+                <a16:creationId xmlns:a16="http://schemas.microsoft.com/office/drawing/2014/main" id="{FC2F57F1-ED34-44BD-B3F0-8495DF1E39C0}"/>
+              </a:ext>
+            </a:extLst>
+          </p:cNvPr>
+          <p:cNvCxnSpPr>
+            <a:stCxn id="16" idx="0"/>
+          </p:cNvCxnSpPr>
+          <p:nvPr/>
+        </p:nvCxnSpPr>
+        <p:spPr>
+          <a:xfrm rot="10800000">
+            <a:off x="4132309" y="3155832"/>
+            <a:ext cx="0" cy="858000"/>
+          </a:xfrm>
+          <a:prstGeom prst="straightConnector1">
+            <a:avLst/>
+          </a:prstGeom>
+          <a:noFill/>
+          <a:ln w="19050" cap="flat" cmpd="sng">
+            <a:solidFill>
+              <a:schemeClr val="dk1"/>
+            </a:solidFill>
+            <a:prstDash val="solid"/>
+            <a:miter lim="800000"/>
+            <a:headEnd type="none" w="sm" len="sm"/>
+            <a:tailEnd type="triangle" w="med" len="med"/>
+          </a:ln>
+        </p:spPr>
+      </p:cxnSp>
+      <p:sp>
+        <p:nvSpPr>
+          <p:cNvPr id="18" name="Google Shape;151;p5">
+            <a:extLst>
+              <a:ext uri="{FF2B5EF4-FFF2-40B4-BE49-F238E27FC236}">
+                <a16:creationId xmlns:a16="http://schemas.microsoft.com/office/drawing/2014/main" id="{7EED14BE-9A39-42E6-844A-57274CA6502C}"/>
+              </a:ext>
+            </a:extLst>
+          </p:cNvPr>
+          <p:cNvSpPr/>
+          <p:nvPr/>
+        </p:nvSpPr>
+        <p:spPr>
+          <a:xfrm>
+            <a:off x="3454975" y="4237586"/>
+            <a:ext cx="1354667" cy="180868"/>
+          </a:xfrm>
+          <a:prstGeom prst="roundRect">
+            <a:avLst>
+              <a:gd name="adj" fmla="val 0"/>
+            </a:avLst>
+          </a:prstGeom>
+          <a:solidFill>
+            <a:schemeClr val="lt1"/>
+          </a:solidFill>
+          <a:ln w="12700" cap="flat" cmpd="sng">
+            <a:solidFill>
+              <a:schemeClr val="dk1"/>
+            </a:solidFill>
+            <a:prstDash val="solid"/>
+            <a:miter lim="800000"/>
+            <a:headEnd type="none" w="sm" len="sm"/>
+            <a:tailEnd type="none" w="sm" len="sm"/>
+          </a:ln>
+        </p:spPr>
+        <p:txBody>
+          <a:bodyPr spcFirstLastPara="1" wrap="square" lIns="91425" tIns="45700" rIns="91425" bIns="45700" anchor="ctr" anchorCtr="0">
+            <a:noAutofit/>
+          </a:bodyPr>
+          <a:lstStyle/>
+          <a:p>
+            <a:pPr marL="0" marR="0" lvl="0" indent="0" algn="ctr" rtl="0">
+              <a:spcBef>
+                <a:spcPts val="0"/>
+              </a:spcBef>
+              <a:spcAft>
+                <a:spcPts val="0"/>
+              </a:spcAft>
+              <a:buNone/>
+            </a:pPr>
+            <a:r>
+              <a:rPr lang="en-US" sz="1200">
+                <a:solidFill>
+                  <a:schemeClr val="dk1"/>
+                </a:solidFill>
+                <a:latin typeface="Calibri"/>
+                <a:ea typeface="Calibri"/>
+                <a:cs typeface="Calibri"/>
+                <a:sym typeface="Calibri"/>
+              </a:rPr>
+              <a:t>U – Light Punch </a:t>
+            </a:r>
+            <a:endParaRPr/>
+          </a:p>
+        </p:txBody>
+      </p:sp>
+      <p:sp>
+        <p:nvSpPr>
+          <p:cNvPr id="19" name="Google Shape;152;p5">
+            <a:extLst>
+              <a:ext uri="{FF2B5EF4-FFF2-40B4-BE49-F238E27FC236}">
+                <a16:creationId xmlns:a16="http://schemas.microsoft.com/office/drawing/2014/main" id="{2F39CF58-A438-49C3-8BFA-6D23489587C4}"/>
+              </a:ext>
+            </a:extLst>
+          </p:cNvPr>
+          <p:cNvSpPr/>
+          <p:nvPr/>
+        </p:nvSpPr>
+        <p:spPr>
+          <a:xfrm>
+            <a:off x="3454975" y="4444279"/>
+            <a:ext cx="1354667" cy="180868"/>
+          </a:xfrm>
+          <a:prstGeom prst="roundRect">
+            <a:avLst>
+              <a:gd name="adj" fmla="val 0"/>
+            </a:avLst>
+          </a:prstGeom>
+          <a:solidFill>
+            <a:schemeClr val="lt1"/>
+          </a:solidFill>
+          <a:ln w="12700" cap="flat" cmpd="sng">
+            <a:solidFill>
+              <a:schemeClr val="dk1"/>
+            </a:solidFill>
+            <a:prstDash val="solid"/>
+            <a:miter lim="800000"/>
+            <a:headEnd type="none" w="sm" len="sm"/>
+            <a:tailEnd type="none" w="sm" len="sm"/>
+          </a:ln>
+        </p:spPr>
+        <p:txBody>
+          <a:bodyPr spcFirstLastPara="1" wrap="square" lIns="91425" tIns="45700" rIns="91425" bIns="45700" anchor="ctr" anchorCtr="0">
+            <a:noAutofit/>
+          </a:bodyPr>
+          <a:lstStyle/>
+          <a:p>
+            <a:pPr marL="0" marR="0" lvl="0" indent="0" algn="ctr" rtl="0">
+              <a:spcBef>
+                <a:spcPts val="0"/>
+              </a:spcBef>
+              <a:spcAft>
+                <a:spcPts val="0"/>
+              </a:spcAft>
+              <a:buNone/>
+            </a:pPr>
+            <a:r>
+              <a:rPr lang="en-US" sz="1200">
+                <a:solidFill>
+                  <a:schemeClr val="dk1"/>
+                </a:solidFill>
+                <a:latin typeface="Calibri"/>
+                <a:ea typeface="Calibri"/>
+                <a:cs typeface="Calibri"/>
+                <a:sym typeface="Calibri"/>
+              </a:rPr>
+              <a:t>I – Medium Punch</a:t>
+            </a:r>
+            <a:endParaRPr/>
+          </a:p>
+        </p:txBody>
+      </p:sp>
+      <p:sp>
+        <p:nvSpPr>
+          <p:cNvPr id="20" name="Google Shape;153;p5">
+            <a:extLst>
+              <a:ext uri="{FF2B5EF4-FFF2-40B4-BE49-F238E27FC236}">
+                <a16:creationId xmlns:a16="http://schemas.microsoft.com/office/drawing/2014/main" id="{26C7CE62-2AD0-448B-9B30-A216CD50D4B2}"/>
+              </a:ext>
+            </a:extLst>
+          </p:cNvPr>
+          <p:cNvSpPr/>
+          <p:nvPr/>
+        </p:nvSpPr>
+        <p:spPr>
+          <a:xfrm>
+            <a:off x="3454975" y="4652588"/>
+            <a:ext cx="1354667" cy="180868"/>
+          </a:xfrm>
+          <a:prstGeom prst="roundRect">
+            <a:avLst>
+              <a:gd name="adj" fmla="val 0"/>
+            </a:avLst>
+          </a:prstGeom>
+          <a:solidFill>
+            <a:schemeClr val="lt1"/>
+          </a:solidFill>
+          <a:ln w="12700" cap="flat" cmpd="sng">
+            <a:solidFill>
+              <a:schemeClr val="dk1"/>
+            </a:solidFill>
+            <a:prstDash val="solid"/>
+            <a:miter lim="800000"/>
+            <a:headEnd type="none" w="sm" len="sm"/>
+            <a:tailEnd type="none" w="sm" len="sm"/>
+          </a:ln>
+        </p:spPr>
+        <p:txBody>
+          <a:bodyPr spcFirstLastPara="1" wrap="square" lIns="91425" tIns="45700" rIns="91425" bIns="45700" anchor="ctr" anchorCtr="0">
+            <a:noAutofit/>
+          </a:bodyPr>
+          <a:lstStyle/>
+          <a:p>
+            <a:pPr marL="0" marR="0" lvl="0" indent="0" algn="ctr" rtl="0">
+              <a:spcBef>
+                <a:spcPts val="0"/>
+              </a:spcBef>
+              <a:spcAft>
+                <a:spcPts val="0"/>
+              </a:spcAft>
+              <a:buNone/>
+            </a:pPr>
+            <a:r>
+              <a:rPr lang="en-US" sz="1200">
+                <a:solidFill>
+                  <a:schemeClr val="dk1"/>
+                </a:solidFill>
+                <a:latin typeface="Calibri"/>
+                <a:ea typeface="Calibri"/>
+                <a:cs typeface="Calibri"/>
+                <a:sym typeface="Calibri"/>
+              </a:rPr>
+              <a:t>O – Heavy Punch</a:t>
+            </a:r>
+            <a:endParaRPr/>
+          </a:p>
+        </p:txBody>
+      </p:sp>
+      <p:sp>
+        <p:nvSpPr>
+          <p:cNvPr id="21" name="Google Shape;154;p5">
+            <a:extLst>
+              <a:ext uri="{FF2B5EF4-FFF2-40B4-BE49-F238E27FC236}">
+                <a16:creationId xmlns:a16="http://schemas.microsoft.com/office/drawing/2014/main" id="{FD56DEF7-35A7-416C-A988-8866CE5ADF67}"/>
+              </a:ext>
+            </a:extLst>
+          </p:cNvPr>
+          <p:cNvSpPr/>
+          <p:nvPr/>
+        </p:nvSpPr>
+        <p:spPr>
+          <a:xfrm>
+            <a:off x="3454975" y="2607679"/>
+            <a:ext cx="862283" cy="282521"/>
+          </a:xfrm>
+          <a:custGeom>
+            <a:avLst/>
+            <a:gdLst/>
+            <a:ahLst/>
+            <a:cxnLst/>
+            <a:rect l="l" t="t" r="r" b="b"/>
+            <a:pathLst>
+              <a:path w="1007806" h="252000" extrusionOk="0">
+                <a:moveTo>
+                  <a:pt x="42001" y="0"/>
+                </a:moveTo>
+                <a:lnTo>
+                  <a:pt x="965805" y="0"/>
+                </a:lnTo>
+                <a:cubicBezTo>
+                  <a:pt x="989002" y="0"/>
+                  <a:pt x="1007806" y="18804"/>
+                  <a:pt x="1007806" y="42001"/>
+                </a:cubicBezTo>
+                <a:lnTo>
+                  <a:pt x="1007806" y="209999"/>
+                </a:lnTo>
+                <a:cubicBezTo>
+                  <a:pt x="1007806" y="233196"/>
+                  <a:pt x="989002" y="252000"/>
+                  <a:pt x="965805" y="252000"/>
+                </a:cubicBezTo>
+                <a:lnTo>
+                  <a:pt x="42001" y="252000"/>
+                </a:lnTo>
+                <a:cubicBezTo>
+                  <a:pt x="18804" y="252000"/>
+                  <a:pt x="0" y="233196"/>
+                  <a:pt x="0" y="209999"/>
+                </a:cubicBezTo>
+                <a:lnTo>
+                  <a:pt x="0" y="42001"/>
+                </a:lnTo>
+                <a:cubicBezTo>
+                  <a:pt x="0" y="18804"/>
+                  <a:pt x="18804" y="0"/>
+                  <a:pt x="42001" y="0"/>
+                </a:cubicBezTo>
+                <a:close/>
+              </a:path>
+            </a:pathLst>
+          </a:custGeom>
+          <a:solidFill>
+            <a:schemeClr val="accent4">
+              <a:alpha val="40000"/>
+            </a:schemeClr>
+          </a:solidFill>
+          <a:ln>
+            <a:noFill/>
+          </a:ln>
+        </p:spPr>
+        <p:txBody>
+          <a:bodyPr spcFirstLastPara="1" wrap="square" lIns="91425" tIns="45700" rIns="91425" bIns="45700" anchor="ctr" anchorCtr="0">
+            <a:noAutofit/>
+          </a:bodyPr>
+          <a:lstStyle/>
+          <a:p>
+            <a:pPr marL="0" marR="0" lvl="0" indent="0" algn="ctr" rtl="0">
+              <a:spcBef>
+                <a:spcPts val="0"/>
+              </a:spcBef>
+              <a:spcAft>
+                <a:spcPts val="0"/>
+              </a:spcAft>
+              <a:buNone/>
+            </a:pPr>
+            <a:endParaRPr sz="1800">
+              <a:solidFill>
+                <a:schemeClr val="lt1"/>
+              </a:solidFill>
+              <a:latin typeface="Calibri"/>
+              <a:ea typeface="Calibri"/>
+              <a:cs typeface="Calibri"/>
+              <a:sym typeface="Calibri"/>
+            </a:endParaRPr>
+          </a:p>
+        </p:txBody>
+      </p:sp>
+      <p:sp>
+        <p:nvSpPr>
+          <p:cNvPr id="22" name="Google Shape;155;p5">
+            <a:extLst>
+              <a:ext uri="{FF2B5EF4-FFF2-40B4-BE49-F238E27FC236}">
+                <a16:creationId xmlns:a16="http://schemas.microsoft.com/office/drawing/2014/main" id="{58858413-1FFA-40AC-B93D-59767C9E0D6F}"/>
+              </a:ext>
+            </a:extLst>
+          </p:cNvPr>
+          <p:cNvSpPr/>
+          <p:nvPr/>
+        </p:nvSpPr>
+        <p:spPr>
+          <a:xfrm>
+            <a:off x="3454975" y="4859027"/>
+            <a:ext cx="1354667" cy="180868"/>
+          </a:xfrm>
+          <a:prstGeom prst="roundRect">
+            <a:avLst>
+              <a:gd name="adj" fmla="val 0"/>
+            </a:avLst>
+          </a:prstGeom>
+          <a:solidFill>
+            <a:schemeClr val="lt1"/>
+          </a:solidFill>
+          <a:ln w="12700" cap="flat" cmpd="sng">
+            <a:solidFill>
+              <a:schemeClr val="dk1"/>
+            </a:solidFill>
+            <a:prstDash val="solid"/>
+            <a:miter lim="800000"/>
+            <a:headEnd type="none" w="sm" len="sm"/>
+            <a:tailEnd type="none" w="sm" len="sm"/>
+          </a:ln>
+        </p:spPr>
+        <p:txBody>
+          <a:bodyPr spcFirstLastPara="1" wrap="square" lIns="91425" tIns="45700" rIns="91425" bIns="45700" anchor="ctr" anchorCtr="0">
+            <a:noAutofit/>
+          </a:bodyPr>
+          <a:lstStyle/>
+          <a:p>
+            <a:pPr marL="0" marR="0" lvl="0" indent="0" algn="ctr" rtl="0">
+              <a:spcBef>
+                <a:spcPts val="0"/>
+              </a:spcBef>
+              <a:spcAft>
+                <a:spcPts val="0"/>
+              </a:spcAft>
+              <a:buNone/>
+            </a:pPr>
+            <a:r>
+              <a:rPr lang="en-US" sz="1200">
+                <a:solidFill>
+                  <a:schemeClr val="dk1"/>
+                </a:solidFill>
+                <a:latin typeface="Calibri"/>
+                <a:ea typeface="Calibri"/>
+                <a:cs typeface="Calibri"/>
+                <a:sym typeface="Calibri"/>
+              </a:rPr>
+              <a:t>J – Light Kick </a:t>
+            </a:r>
+            <a:endParaRPr/>
+          </a:p>
+        </p:txBody>
+      </p:sp>
+      <p:sp>
+        <p:nvSpPr>
+          <p:cNvPr id="23" name="Google Shape;156;p5">
+            <a:extLst>
+              <a:ext uri="{FF2B5EF4-FFF2-40B4-BE49-F238E27FC236}">
+                <a16:creationId xmlns:a16="http://schemas.microsoft.com/office/drawing/2014/main" id="{855C2F86-5AA3-47C2-A22F-716ECF6CC206}"/>
+              </a:ext>
+            </a:extLst>
+          </p:cNvPr>
+          <p:cNvSpPr/>
+          <p:nvPr/>
+        </p:nvSpPr>
+        <p:spPr>
+          <a:xfrm>
+            <a:off x="3454975" y="5065720"/>
+            <a:ext cx="1354667" cy="180868"/>
+          </a:xfrm>
+          <a:prstGeom prst="roundRect">
+            <a:avLst>
+              <a:gd name="adj" fmla="val 0"/>
+            </a:avLst>
+          </a:prstGeom>
+          <a:solidFill>
+            <a:schemeClr val="lt1"/>
+          </a:solidFill>
+          <a:ln w="12700" cap="flat" cmpd="sng">
+            <a:solidFill>
+              <a:schemeClr val="dk1"/>
+            </a:solidFill>
+            <a:prstDash val="solid"/>
+            <a:miter lim="800000"/>
+            <a:headEnd type="none" w="sm" len="sm"/>
+            <a:tailEnd type="none" w="sm" len="sm"/>
+          </a:ln>
+        </p:spPr>
+        <p:txBody>
+          <a:bodyPr spcFirstLastPara="1" wrap="square" lIns="91425" tIns="45700" rIns="91425" bIns="45700" anchor="ctr" anchorCtr="0">
+            <a:noAutofit/>
+          </a:bodyPr>
+          <a:lstStyle/>
+          <a:p>
+            <a:pPr marL="0" marR="0" lvl="0" indent="0" algn="ctr" rtl="0">
+              <a:spcBef>
+                <a:spcPts val="0"/>
+              </a:spcBef>
+              <a:spcAft>
+                <a:spcPts val="0"/>
+              </a:spcAft>
+              <a:buNone/>
+            </a:pPr>
+            <a:r>
+              <a:rPr lang="en-US" sz="1200">
+                <a:solidFill>
+                  <a:schemeClr val="dk1"/>
+                </a:solidFill>
+                <a:latin typeface="Calibri"/>
+                <a:ea typeface="Calibri"/>
+                <a:cs typeface="Calibri"/>
+                <a:sym typeface="Calibri"/>
+              </a:rPr>
+              <a:t>K – Medium Kick</a:t>
+            </a:r>
+            <a:endParaRPr/>
+          </a:p>
+        </p:txBody>
+      </p:sp>
+      <p:sp>
+        <p:nvSpPr>
+          <p:cNvPr id="24" name="Google Shape;157;p5">
+            <a:extLst>
+              <a:ext uri="{FF2B5EF4-FFF2-40B4-BE49-F238E27FC236}">
+                <a16:creationId xmlns:a16="http://schemas.microsoft.com/office/drawing/2014/main" id="{8C9700C2-4A88-417C-8FDF-31CFC0E86057}"/>
+              </a:ext>
+            </a:extLst>
+          </p:cNvPr>
+          <p:cNvSpPr/>
+          <p:nvPr/>
+        </p:nvSpPr>
+        <p:spPr>
+          <a:xfrm>
+            <a:off x="3454975" y="5274029"/>
+            <a:ext cx="1354667" cy="180868"/>
+          </a:xfrm>
+          <a:prstGeom prst="roundRect">
+            <a:avLst>
+              <a:gd name="adj" fmla="val 0"/>
+            </a:avLst>
+          </a:prstGeom>
+          <a:solidFill>
+            <a:schemeClr val="lt1"/>
+          </a:solidFill>
+          <a:ln w="12700" cap="flat" cmpd="sng">
+            <a:solidFill>
+              <a:schemeClr val="dk1"/>
+            </a:solidFill>
+            <a:prstDash val="solid"/>
+            <a:miter lim="800000"/>
+            <a:headEnd type="none" w="sm" len="sm"/>
+            <a:tailEnd type="none" w="sm" len="sm"/>
+          </a:ln>
+        </p:spPr>
+        <p:txBody>
+          <a:bodyPr spcFirstLastPara="1" wrap="square" lIns="91425" tIns="45700" rIns="91425" bIns="45700" anchor="ctr" anchorCtr="0">
+            <a:noAutofit/>
+          </a:bodyPr>
+          <a:lstStyle/>
+          <a:p>
+            <a:pPr marL="0" marR="0" lvl="0" indent="0" algn="ctr" rtl="0">
+              <a:spcBef>
+                <a:spcPts val="0"/>
+              </a:spcBef>
+              <a:spcAft>
+                <a:spcPts val="0"/>
+              </a:spcAft>
+              <a:buNone/>
+            </a:pPr>
+            <a:r>
+              <a:rPr lang="en-US" sz="1200">
+                <a:solidFill>
+                  <a:schemeClr val="dk1"/>
+                </a:solidFill>
+                <a:latin typeface="Calibri"/>
+                <a:ea typeface="Calibri"/>
+                <a:cs typeface="Calibri"/>
+                <a:sym typeface="Calibri"/>
+              </a:rPr>
+              <a:t>L – Heavy Kick</a:t>
+            </a:r>
+            <a:endParaRPr/>
+          </a:p>
+        </p:txBody>
+      </p:sp>
     </p:spTree>
   </p:cSld>
   <p:clrMapOvr>
@@ -17138,6 +18009,11 @@
         </p:grpSp>
       </p:grpSp>
     </p:spTree>
+    <p:extLst>
+      <p:ext uri="{BB962C8B-B14F-4D97-AF65-F5344CB8AC3E}">
+        <p14:creationId xmlns:p14="http://schemas.microsoft.com/office/powerpoint/2010/main" val="2008144572"/>
+      </p:ext>
+    </p:extLst>
   </p:cSld>
   <p:clrMapOvr>
     <a:masterClrMapping/>
@@ -17146,6 +18022,4363 @@
 </file>
 
 <file path=ppt/slides/slide7.xml><?xml version="1.0" encoding="utf-8"?>
+<p:sld xmlns:a="http://schemas.openxmlformats.org/drawingml/2006/main" xmlns:r="http://schemas.openxmlformats.org/officeDocument/2006/relationships" xmlns:p="http://schemas.openxmlformats.org/presentationml/2006/main">
+  <p:cSld>
+    <p:spTree>
+      <p:nvGrpSpPr>
+        <p:cNvPr id="1" name="Shape 168"/>
+        <p:cNvGrpSpPr/>
+        <p:nvPr/>
+      </p:nvGrpSpPr>
+      <p:grpSpPr>
+        <a:xfrm>
+          <a:off x="0" y="0"/>
+          <a:ext cx="0" cy="0"/>
+          <a:chOff x="0" y="0"/>
+          <a:chExt cx="0" cy="0"/>
+        </a:xfrm>
+      </p:grpSpPr>
+      <p:sp>
+        <p:nvSpPr>
+          <p:cNvPr id="171" name="Google Shape;171;g21bc01ef45b_0_801"/>
+          <p:cNvSpPr/>
+          <p:nvPr/>
+        </p:nvSpPr>
+        <p:spPr>
+          <a:xfrm>
+            <a:off x="0" y="135722"/>
+            <a:ext cx="5400000" cy="720000"/>
+          </a:xfrm>
+          <a:prstGeom prst="homePlate">
+            <a:avLst>
+              <a:gd name="adj" fmla="val 50000"/>
+            </a:avLst>
+          </a:prstGeom>
+          <a:solidFill>
+            <a:schemeClr val="dk1"/>
+          </a:solidFill>
+          <a:ln>
+            <a:noFill/>
+          </a:ln>
+        </p:spPr>
+        <p:txBody>
+          <a:bodyPr spcFirstLastPara="1" wrap="square" lIns="91425" tIns="45700" rIns="91425" bIns="45700" anchor="ctr" anchorCtr="0">
+            <a:noAutofit/>
+          </a:bodyPr>
+          <a:lstStyle/>
+          <a:p>
+            <a:pPr marL="0" marR="0" lvl="0" indent="0" algn="ctr" rtl="0">
+              <a:spcBef>
+                <a:spcPts val="0"/>
+              </a:spcBef>
+              <a:spcAft>
+                <a:spcPts val="0"/>
+              </a:spcAft>
+              <a:buNone/>
+            </a:pPr>
+            <a:r>
+              <a:rPr lang="en-US" sz="4800" i="1">
+                <a:solidFill>
+                  <a:schemeClr val="lt1"/>
+                </a:solidFill>
+                <a:latin typeface="Arial"/>
+                <a:ea typeface="Arial"/>
+                <a:cs typeface="Arial"/>
+                <a:sym typeface="Arial"/>
+              </a:rPr>
+              <a:t>GAMEPLAY</a:t>
+            </a:r>
+            <a:endParaRPr sz="4800" i="1">
+              <a:solidFill>
+                <a:schemeClr val="lt1"/>
+              </a:solidFill>
+              <a:latin typeface="Arial"/>
+              <a:ea typeface="Arial"/>
+              <a:cs typeface="Arial"/>
+              <a:sym typeface="Arial"/>
+            </a:endParaRPr>
+          </a:p>
+        </p:txBody>
+      </p:sp>
+      <p:sp>
+        <p:nvSpPr>
+          <p:cNvPr id="172" name="Google Shape;172;g21bc01ef45b_0_801"/>
+          <p:cNvSpPr txBox="1"/>
+          <p:nvPr/>
+        </p:nvSpPr>
+        <p:spPr>
+          <a:xfrm>
+            <a:off x="369000" y="915183"/>
+            <a:ext cx="6120000" cy="754718"/>
+          </a:xfrm>
+          <a:prstGeom prst="rect">
+            <a:avLst/>
+          </a:prstGeom>
+          <a:noFill/>
+          <a:ln>
+            <a:noFill/>
+          </a:ln>
+        </p:spPr>
+        <p:txBody>
+          <a:bodyPr spcFirstLastPara="1" wrap="square" lIns="91425" tIns="45700" rIns="91425" bIns="45700" anchor="t" anchorCtr="0">
+            <a:spAutoFit/>
+          </a:bodyPr>
+          <a:lstStyle/>
+          <a:p>
+            <a:pPr marL="0" marR="0" lvl="0" indent="0" algn="just" rtl="0">
+              <a:lnSpc>
+                <a:spcPct val="107000"/>
+              </a:lnSpc>
+              <a:spcBef>
+                <a:spcPts val="0"/>
+              </a:spcBef>
+              <a:spcAft>
+                <a:spcPts val="0"/>
+              </a:spcAft>
+              <a:buNone/>
+            </a:pPr>
+            <a:r>
+              <a:rPr lang="en-US" sz="1800" b="1" dirty="0">
+                <a:solidFill>
+                  <a:schemeClr val="dk1"/>
+                </a:solidFill>
+                <a:latin typeface="Arial"/>
+                <a:ea typeface="Arial"/>
+                <a:cs typeface="Arial"/>
+                <a:sym typeface="Arial"/>
+              </a:rPr>
+              <a:t>3.3. </a:t>
+            </a:r>
+            <a:r>
+              <a:rPr lang="en-US" sz="1800" b="1" dirty="0">
+                <a:solidFill>
+                  <a:schemeClr val="dk1"/>
+                </a:solidFill>
+              </a:rPr>
+              <a:t>Actions</a:t>
+            </a:r>
+            <a:endParaRPr dirty="0"/>
+          </a:p>
+          <a:p>
+            <a:pPr marL="0" marR="0" lvl="0" indent="0" algn="just" rtl="0">
+              <a:lnSpc>
+                <a:spcPct val="107000"/>
+              </a:lnSpc>
+              <a:spcBef>
+                <a:spcPts val="800"/>
+              </a:spcBef>
+              <a:spcAft>
+                <a:spcPts val="0"/>
+              </a:spcAft>
+              <a:buNone/>
+            </a:pPr>
+            <a:r>
+              <a:rPr lang="en-US" sz="1600" b="1" dirty="0">
+                <a:solidFill>
+                  <a:schemeClr val="dk1"/>
+                </a:solidFill>
+                <a:latin typeface="Arial"/>
+                <a:ea typeface="Arial"/>
+                <a:cs typeface="Arial"/>
+                <a:sym typeface="Arial"/>
+              </a:rPr>
+              <a:t>	</a:t>
+            </a:r>
+            <a:r>
+              <a:rPr lang="en-US" sz="1600" b="1" u="sng" dirty="0">
+                <a:solidFill>
+                  <a:schemeClr val="dk1"/>
+                </a:solidFill>
+                <a:latin typeface="Arial"/>
+                <a:ea typeface="Arial"/>
+                <a:cs typeface="Arial"/>
+                <a:sym typeface="Arial"/>
+              </a:rPr>
+              <a:t>Normal </a:t>
+            </a:r>
+            <a:r>
+              <a:rPr lang="en-US" sz="1600" b="1" u="sng" dirty="0">
+                <a:solidFill>
+                  <a:schemeClr val="dk1"/>
+                </a:solidFill>
+              </a:rPr>
+              <a:t>Attacks</a:t>
+            </a:r>
+            <a:endParaRPr sz="1600" u="sng" dirty="0">
+              <a:solidFill>
+                <a:schemeClr val="dk1"/>
+              </a:solidFill>
+              <a:latin typeface="Arial"/>
+              <a:ea typeface="Arial"/>
+              <a:cs typeface="Arial"/>
+              <a:sym typeface="Arial"/>
+            </a:endParaRPr>
+          </a:p>
+        </p:txBody>
+      </p:sp>
+      <p:grpSp>
+        <p:nvGrpSpPr>
+          <p:cNvPr id="96" name="Grupo 95">
+            <a:extLst>
+              <a:ext uri="{FF2B5EF4-FFF2-40B4-BE49-F238E27FC236}">
+                <a16:creationId xmlns:a16="http://schemas.microsoft.com/office/drawing/2014/main" id="{E9516D32-EBB6-4BEE-B2F5-69BA0CBDDF6E}"/>
+              </a:ext>
+            </a:extLst>
+          </p:cNvPr>
+          <p:cNvGrpSpPr/>
+          <p:nvPr/>
+        </p:nvGrpSpPr>
+        <p:grpSpPr>
+          <a:xfrm>
+            <a:off x="288588" y="1725318"/>
+            <a:ext cx="6300365" cy="2216088"/>
+            <a:chOff x="288588" y="6078966"/>
+            <a:chExt cx="6300365" cy="2216088"/>
+          </a:xfrm>
+        </p:grpSpPr>
+        <p:sp>
+          <p:nvSpPr>
+            <p:cNvPr id="97" name="Google Shape;185;g21bc01ef45b_0_801">
+              <a:extLst>
+                <a:ext uri="{FF2B5EF4-FFF2-40B4-BE49-F238E27FC236}">
+                  <a16:creationId xmlns:a16="http://schemas.microsoft.com/office/drawing/2014/main" id="{6418DC1A-3853-4EAF-8F88-88A8979AE8F2}"/>
+                </a:ext>
+              </a:extLst>
+            </p:cNvPr>
+            <p:cNvSpPr/>
+            <p:nvPr/>
+          </p:nvSpPr>
+          <p:spPr>
+            <a:xfrm>
+              <a:off x="298113" y="6078966"/>
+              <a:ext cx="2052000" cy="1080000"/>
+            </a:xfrm>
+            <a:prstGeom prst="rect">
+              <a:avLst/>
+            </a:prstGeom>
+            <a:noFill/>
+            <a:ln w="28575" cap="flat" cmpd="sng">
+              <a:solidFill>
+                <a:schemeClr val="dk1"/>
+              </a:solidFill>
+              <a:prstDash val="solid"/>
+              <a:miter lim="800000"/>
+              <a:headEnd type="none" w="sm" len="sm"/>
+              <a:tailEnd type="none" w="sm" len="sm"/>
+            </a:ln>
+          </p:spPr>
+          <p:txBody>
+            <a:bodyPr spcFirstLastPara="1" wrap="square" lIns="91425" tIns="45700" rIns="91425" bIns="45700" anchor="ctr" anchorCtr="0">
+              <a:noAutofit/>
+            </a:bodyPr>
+            <a:lstStyle/>
+            <a:p>
+              <a:pPr marL="0" marR="0" lvl="0" indent="0" algn="just" rtl="0">
+                <a:spcBef>
+                  <a:spcPts val="0"/>
+                </a:spcBef>
+                <a:spcAft>
+                  <a:spcPts val="0"/>
+                </a:spcAft>
+                <a:buNone/>
+              </a:pPr>
+              <a:endParaRPr sz="1400">
+                <a:solidFill>
+                  <a:schemeClr val="dk1"/>
+                </a:solidFill>
+                <a:latin typeface="Arial"/>
+                <a:ea typeface="Arial"/>
+                <a:cs typeface="Arial"/>
+                <a:sym typeface="Arial"/>
+              </a:endParaRPr>
+            </a:p>
+          </p:txBody>
+        </p:sp>
+        <p:sp>
+          <p:nvSpPr>
+            <p:cNvPr id="98" name="Google Shape;186;g21bc01ef45b_0_801">
+              <a:extLst>
+                <a:ext uri="{FF2B5EF4-FFF2-40B4-BE49-F238E27FC236}">
+                  <a16:creationId xmlns:a16="http://schemas.microsoft.com/office/drawing/2014/main" id="{19C48EAB-4032-40E0-8F41-C73F745DB50F}"/>
+                </a:ext>
+              </a:extLst>
+            </p:cNvPr>
+            <p:cNvSpPr/>
+            <p:nvPr/>
+          </p:nvSpPr>
+          <p:spPr>
+            <a:xfrm>
+              <a:off x="290382" y="6078967"/>
+              <a:ext cx="2059800" cy="266700"/>
+            </a:xfrm>
+            <a:prstGeom prst="rect">
+              <a:avLst/>
+            </a:prstGeom>
+            <a:solidFill>
+              <a:schemeClr val="dk1"/>
+            </a:solidFill>
+            <a:ln>
+              <a:noFill/>
+            </a:ln>
+          </p:spPr>
+          <p:txBody>
+            <a:bodyPr spcFirstLastPara="1" wrap="square" lIns="91425" tIns="45700" rIns="91425" bIns="45700" anchor="ctr" anchorCtr="0">
+              <a:noAutofit/>
+            </a:bodyPr>
+            <a:lstStyle/>
+            <a:p>
+              <a:pPr marL="0" marR="0" lvl="0" indent="0" algn="ctr" rtl="0">
+                <a:spcBef>
+                  <a:spcPts val="0"/>
+                </a:spcBef>
+                <a:spcAft>
+                  <a:spcPts val="0"/>
+                </a:spcAft>
+                <a:buNone/>
+              </a:pPr>
+              <a:r>
+                <a:rPr lang="en-US">
+                  <a:solidFill>
+                    <a:schemeClr val="lt1"/>
+                  </a:solidFill>
+                  <a:latin typeface="Calibri"/>
+                  <a:ea typeface="Calibri"/>
+                  <a:cs typeface="Calibri"/>
+                  <a:sym typeface="Calibri"/>
+                </a:rPr>
+                <a:t>Light Punch</a:t>
+              </a:r>
+              <a:endParaRPr sz="1400">
+                <a:solidFill>
+                  <a:schemeClr val="lt1"/>
+                </a:solidFill>
+                <a:latin typeface="Calibri"/>
+                <a:ea typeface="Calibri"/>
+                <a:cs typeface="Calibri"/>
+                <a:sym typeface="Calibri"/>
+              </a:endParaRPr>
+            </a:p>
+          </p:txBody>
+        </p:sp>
+        <p:sp>
+          <p:nvSpPr>
+            <p:cNvPr id="99" name="Google Shape;187;g21bc01ef45b_0_801">
+              <a:extLst>
+                <a:ext uri="{FF2B5EF4-FFF2-40B4-BE49-F238E27FC236}">
+                  <a16:creationId xmlns:a16="http://schemas.microsoft.com/office/drawing/2014/main" id="{74458841-BDA4-496D-953D-E87BA71E8B97}"/>
+                </a:ext>
+              </a:extLst>
+            </p:cNvPr>
+            <p:cNvSpPr/>
+            <p:nvPr/>
+          </p:nvSpPr>
+          <p:spPr>
+            <a:xfrm>
+              <a:off x="2421364" y="6078966"/>
+              <a:ext cx="2052000" cy="1080000"/>
+            </a:xfrm>
+            <a:prstGeom prst="rect">
+              <a:avLst/>
+            </a:prstGeom>
+            <a:noFill/>
+            <a:ln w="28575" cap="flat" cmpd="sng">
+              <a:solidFill>
+                <a:schemeClr val="dk1"/>
+              </a:solidFill>
+              <a:prstDash val="solid"/>
+              <a:miter lim="800000"/>
+              <a:headEnd type="none" w="sm" len="sm"/>
+              <a:tailEnd type="none" w="sm" len="sm"/>
+            </a:ln>
+          </p:spPr>
+          <p:txBody>
+            <a:bodyPr spcFirstLastPara="1" wrap="square" lIns="91425" tIns="45700" rIns="91425" bIns="45700" anchor="ctr" anchorCtr="0">
+              <a:noAutofit/>
+            </a:bodyPr>
+            <a:lstStyle/>
+            <a:p>
+              <a:pPr marL="0" marR="0" lvl="0" indent="0" algn="just" rtl="0">
+                <a:spcBef>
+                  <a:spcPts val="0"/>
+                </a:spcBef>
+                <a:spcAft>
+                  <a:spcPts val="0"/>
+                </a:spcAft>
+                <a:buNone/>
+              </a:pPr>
+              <a:endParaRPr sz="1400">
+                <a:solidFill>
+                  <a:schemeClr val="dk1"/>
+                </a:solidFill>
+                <a:latin typeface="Arial"/>
+                <a:ea typeface="Arial"/>
+                <a:cs typeface="Arial"/>
+                <a:sym typeface="Arial"/>
+              </a:endParaRPr>
+            </a:p>
+          </p:txBody>
+        </p:sp>
+        <p:sp>
+          <p:nvSpPr>
+            <p:cNvPr id="100" name="Google Shape;188;g21bc01ef45b_0_801">
+              <a:extLst>
+                <a:ext uri="{FF2B5EF4-FFF2-40B4-BE49-F238E27FC236}">
+                  <a16:creationId xmlns:a16="http://schemas.microsoft.com/office/drawing/2014/main" id="{9E0DE2A8-5DFF-44A3-BC03-5DEA23C27836}"/>
+                </a:ext>
+              </a:extLst>
+            </p:cNvPr>
+            <p:cNvSpPr/>
+            <p:nvPr/>
+          </p:nvSpPr>
+          <p:spPr>
+            <a:xfrm>
+              <a:off x="2413633" y="6078967"/>
+              <a:ext cx="2059800" cy="266700"/>
+            </a:xfrm>
+            <a:prstGeom prst="rect">
+              <a:avLst/>
+            </a:prstGeom>
+            <a:solidFill>
+              <a:schemeClr val="dk1"/>
+            </a:solidFill>
+            <a:ln>
+              <a:noFill/>
+            </a:ln>
+          </p:spPr>
+          <p:txBody>
+            <a:bodyPr spcFirstLastPara="1" wrap="square" lIns="91425" tIns="45700" rIns="91425" bIns="45700" anchor="ctr" anchorCtr="0">
+              <a:noAutofit/>
+            </a:bodyPr>
+            <a:lstStyle/>
+            <a:p>
+              <a:pPr marL="0" marR="0" lvl="0" indent="0" algn="ctr" rtl="0">
+                <a:spcBef>
+                  <a:spcPts val="0"/>
+                </a:spcBef>
+                <a:spcAft>
+                  <a:spcPts val="0"/>
+                </a:spcAft>
+                <a:buNone/>
+              </a:pPr>
+              <a:r>
+                <a:rPr lang="en-US">
+                  <a:solidFill>
+                    <a:schemeClr val="lt1"/>
+                  </a:solidFill>
+                  <a:latin typeface="Calibri"/>
+                  <a:ea typeface="Calibri"/>
+                  <a:cs typeface="Calibri"/>
+                  <a:sym typeface="Calibri"/>
+                </a:rPr>
+                <a:t>Medium Punch</a:t>
+              </a:r>
+              <a:endParaRPr/>
+            </a:p>
+          </p:txBody>
+        </p:sp>
+        <p:sp>
+          <p:nvSpPr>
+            <p:cNvPr id="101" name="Google Shape;189;g21bc01ef45b_0_801">
+              <a:extLst>
+                <a:ext uri="{FF2B5EF4-FFF2-40B4-BE49-F238E27FC236}">
+                  <a16:creationId xmlns:a16="http://schemas.microsoft.com/office/drawing/2014/main" id="{653D8016-37DB-4DF1-B88C-20E9D4C3D8FB}"/>
+                </a:ext>
+              </a:extLst>
+            </p:cNvPr>
+            <p:cNvSpPr/>
+            <p:nvPr/>
+          </p:nvSpPr>
+          <p:spPr>
+            <a:xfrm>
+              <a:off x="4536884" y="6078966"/>
+              <a:ext cx="2052000" cy="1080000"/>
+            </a:xfrm>
+            <a:prstGeom prst="rect">
+              <a:avLst/>
+            </a:prstGeom>
+            <a:noFill/>
+            <a:ln w="28575" cap="flat" cmpd="sng">
+              <a:solidFill>
+                <a:schemeClr val="dk1"/>
+              </a:solidFill>
+              <a:prstDash val="solid"/>
+              <a:miter lim="800000"/>
+              <a:headEnd type="none" w="sm" len="sm"/>
+              <a:tailEnd type="none" w="sm" len="sm"/>
+            </a:ln>
+          </p:spPr>
+          <p:txBody>
+            <a:bodyPr spcFirstLastPara="1" wrap="square" lIns="91425" tIns="45700" rIns="91425" bIns="45700" anchor="ctr" anchorCtr="0">
+              <a:noAutofit/>
+            </a:bodyPr>
+            <a:lstStyle/>
+            <a:p>
+              <a:pPr marL="0" marR="0" lvl="0" indent="0" algn="just" rtl="0">
+                <a:spcBef>
+                  <a:spcPts val="0"/>
+                </a:spcBef>
+                <a:spcAft>
+                  <a:spcPts val="0"/>
+                </a:spcAft>
+                <a:buNone/>
+              </a:pPr>
+              <a:endParaRPr sz="1400">
+                <a:solidFill>
+                  <a:schemeClr val="dk1"/>
+                </a:solidFill>
+                <a:latin typeface="Arial"/>
+                <a:ea typeface="Arial"/>
+                <a:cs typeface="Arial"/>
+                <a:sym typeface="Arial"/>
+              </a:endParaRPr>
+            </a:p>
+          </p:txBody>
+        </p:sp>
+        <p:sp>
+          <p:nvSpPr>
+            <p:cNvPr id="102" name="Google Shape;190;g21bc01ef45b_0_801">
+              <a:extLst>
+                <a:ext uri="{FF2B5EF4-FFF2-40B4-BE49-F238E27FC236}">
+                  <a16:creationId xmlns:a16="http://schemas.microsoft.com/office/drawing/2014/main" id="{531E1BA2-FA2A-4BB0-B769-9112CA01C431}"/>
+                </a:ext>
+              </a:extLst>
+            </p:cNvPr>
+            <p:cNvSpPr/>
+            <p:nvPr/>
+          </p:nvSpPr>
+          <p:spPr>
+            <a:xfrm>
+              <a:off x="4529153" y="6078967"/>
+              <a:ext cx="2059800" cy="266700"/>
+            </a:xfrm>
+            <a:prstGeom prst="rect">
+              <a:avLst/>
+            </a:prstGeom>
+            <a:solidFill>
+              <a:schemeClr val="dk1"/>
+            </a:solidFill>
+            <a:ln>
+              <a:noFill/>
+            </a:ln>
+          </p:spPr>
+          <p:txBody>
+            <a:bodyPr spcFirstLastPara="1" wrap="square" lIns="91425" tIns="45700" rIns="91425" bIns="45700" anchor="ctr" anchorCtr="0">
+              <a:noAutofit/>
+            </a:bodyPr>
+            <a:lstStyle/>
+            <a:p>
+              <a:pPr marL="0" marR="0" lvl="0" indent="0" algn="ctr" rtl="0">
+                <a:spcBef>
+                  <a:spcPts val="0"/>
+                </a:spcBef>
+                <a:spcAft>
+                  <a:spcPts val="0"/>
+                </a:spcAft>
+                <a:buNone/>
+              </a:pPr>
+              <a:r>
+                <a:rPr lang="en-US">
+                  <a:solidFill>
+                    <a:schemeClr val="lt1"/>
+                  </a:solidFill>
+                  <a:latin typeface="Calibri"/>
+                  <a:ea typeface="Calibri"/>
+                  <a:cs typeface="Calibri"/>
+                  <a:sym typeface="Calibri"/>
+                </a:rPr>
+                <a:t>Heavy Punch</a:t>
+              </a:r>
+              <a:endParaRPr/>
+            </a:p>
+          </p:txBody>
+        </p:sp>
+        <p:sp>
+          <p:nvSpPr>
+            <p:cNvPr id="103" name="Google Shape;191;g21bc01ef45b_0_801">
+              <a:extLst>
+                <a:ext uri="{FF2B5EF4-FFF2-40B4-BE49-F238E27FC236}">
+                  <a16:creationId xmlns:a16="http://schemas.microsoft.com/office/drawing/2014/main" id="{A30EA0B9-092D-41BD-894D-5C2B8083A20C}"/>
+                </a:ext>
+              </a:extLst>
+            </p:cNvPr>
+            <p:cNvSpPr/>
+            <p:nvPr/>
+          </p:nvSpPr>
+          <p:spPr>
+            <a:xfrm>
+              <a:off x="296319" y="7214454"/>
+              <a:ext cx="2052000" cy="1080600"/>
+            </a:xfrm>
+            <a:prstGeom prst="rect">
+              <a:avLst/>
+            </a:prstGeom>
+            <a:noFill/>
+            <a:ln w="28575" cap="flat" cmpd="sng">
+              <a:solidFill>
+                <a:schemeClr val="dk1"/>
+              </a:solidFill>
+              <a:prstDash val="solid"/>
+              <a:miter lim="800000"/>
+              <a:headEnd type="none" w="sm" len="sm"/>
+              <a:tailEnd type="none" w="sm" len="sm"/>
+            </a:ln>
+          </p:spPr>
+          <p:txBody>
+            <a:bodyPr spcFirstLastPara="1" wrap="square" lIns="91425" tIns="45700" rIns="91425" bIns="45700" anchor="ctr" anchorCtr="0">
+              <a:noAutofit/>
+            </a:bodyPr>
+            <a:lstStyle/>
+            <a:p>
+              <a:pPr marL="0" marR="0" lvl="0" indent="0" algn="just" rtl="0">
+                <a:spcBef>
+                  <a:spcPts val="0"/>
+                </a:spcBef>
+                <a:spcAft>
+                  <a:spcPts val="0"/>
+                </a:spcAft>
+                <a:buNone/>
+              </a:pPr>
+              <a:endParaRPr sz="1400">
+                <a:solidFill>
+                  <a:schemeClr val="dk1"/>
+                </a:solidFill>
+                <a:latin typeface="Arial"/>
+                <a:ea typeface="Arial"/>
+                <a:cs typeface="Arial"/>
+                <a:sym typeface="Arial"/>
+              </a:endParaRPr>
+            </a:p>
+          </p:txBody>
+        </p:sp>
+        <p:sp>
+          <p:nvSpPr>
+            <p:cNvPr id="104" name="Google Shape;192;g21bc01ef45b_0_801">
+              <a:extLst>
+                <a:ext uri="{FF2B5EF4-FFF2-40B4-BE49-F238E27FC236}">
+                  <a16:creationId xmlns:a16="http://schemas.microsoft.com/office/drawing/2014/main" id="{9CAED9FF-6FC7-46A4-B92D-E5849AC67B86}"/>
+                </a:ext>
+              </a:extLst>
+            </p:cNvPr>
+            <p:cNvSpPr/>
+            <p:nvPr/>
+          </p:nvSpPr>
+          <p:spPr>
+            <a:xfrm>
+              <a:off x="288588" y="7215009"/>
+              <a:ext cx="2059800" cy="266700"/>
+            </a:xfrm>
+            <a:prstGeom prst="rect">
+              <a:avLst/>
+            </a:prstGeom>
+            <a:solidFill>
+              <a:schemeClr val="dk1"/>
+            </a:solidFill>
+            <a:ln>
+              <a:noFill/>
+            </a:ln>
+          </p:spPr>
+          <p:txBody>
+            <a:bodyPr spcFirstLastPara="1" wrap="square" lIns="91425" tIns="45700" rIns="91425" bIns="45700" anchor="ctr" anchorCtr="0">
+              <a:noAutofit/>
+            </a:bodyPr>
+            <a:lstStyle/>
+            <a:p>
+              <a:pPr marL="0" lvl="0" indent="0" algn="ctr" rtl="0">
+                <a:spcBef>
+                  <a:spcPts val="0"/>
+                </a:spcBef>
+                <a:spcAft>
+                  <a:spcPts val="0"/>
+                </a:spcAft>
+                <a:buNone/>
+              </a:pPr>
+              <a:r>
+                <a:rPr lang="en-US">
+                  <a:solidFill>
+                    <a:schemeClr val="lt1"/>
+                  </a:solidFill>
+                  <a:latin typeface="Calibri"/>
+                  <a:ea typeface="Calibri"/>
+                  <a:cs typeface="Calibri"/>
+                  <a:sym typeface="Calibri"/>
+                </a:rPr>
+                <a:t>Light Kick</a:t>
+              </a:r>
+              <a:endParaRPr>
+                <a:solidFill>
+                  <a:schemeClr val="lt1"/>
+                </a:solidFill>
+                <a:latin typeface="Calibri"/>
+                <a:ea typeface="Calibri"/>
+                <a:cs typeface="Calibri"/>
+                <a:sym typeface="Calibri"/>
+              </a:endParaRPr>
+            </a:p>
+          </p:txBody>
+        </p:sp>
+        <p:sp>
+          <p:nvSpPr>
+            <p:cNvPr id="105" name="Google Shape;193;g21bc01ef45b_0_801">
+              <a:extLst>
+                <a:ext uri="{FF2B5EF4-FFF2-40B4-BE49-F238E27FC236}">
+                  <a16:creationId xmlns:a16="http://schemas.microsoft.com/office/drawing/2014/main" id="{5712A2F1-0262-410F-92D3-ADDBFD34BADD}"/>
+                </a:ext>
+              </a:extLst>
+            </p:cNvPr>
+            <p:cNvSpPr/>
+            <p:nvPr/>
+          </p:nvSpPr>
+          <p:spPr>
+            <a:xfrm>
+              <a:off x="2419570" y="7215008"/>
+              <a:ext cx="2052000" cy="1080000"/>
+            </a:xfrm>
+            <a:prstGeom prst="rect">
+              <a:avLst/>
+            </a:prstGeom>
+            <a:noFill/>
+            <a:ln w="28575" cap="flat" cmpd="sng">
+              <a:solidFill>
+                <a:schemeClr val="dk1"/>
+              </a:solidFill>
+              <a:prstDash val="solid"/>
+              <a:miter lim="800000"/>
+              <a:headEnd type="none" w="sm" len="sm"/>
+              <a:tailEnd type="none" w="sm" len="sm"/>
+            </a:ln>
+          </p:spPr>
+          <p:txBody>
+            <a:bodyPr spcFirstLastPara="1" wrap="square" lIns="91425" tIns="45700" rIns="91425" bIns="45700" anchor="ctr" anchorCtr="0">
+              <a:noAutofit/>
+            </a:bodyPr>
+            <a:lstStyle/>
+            <a:p>
+              <a:pPr marL="0" marR="0" lvl="0" indent="0" algn="just" rtl="0">
+                <a:spcBef>
+                  <a:spcPts val="0"/>
+                </a:spcBef>
+                <a:spcAft>
+                  <a:spcPts val="0"/>
+                </a:spcAft>
+                <a:buNone/>
+              </a:pPr>
+              <a:endParaRPr sz="1400">
+                <a:solidFill>
+                  <a:schemeClr val="dk1"/>
+                </a:solidFill>
+                <a:latin typeface="Arial"/>
+                <a:ea typeface="Arial"/>
+                <a:cs typeface="Arial"/>
+                <a:sym typeface="Arial"/>
+              </a:endParaRPr>
+            </a:p>
+          </p:txBody>
+        </p:sp>
+        <p:sp>
+          <p:nvSpPr>
+            <p:cNvPr id="106" name="Google Shape;194;g21bc01ef45b_0_801">
+              <a:extLst>
+                <a:ext uri="{FF2B5EF4-FFF2-40B4-BE49-F238E27FC236}">
+                  <a16:creationId xmlns:a16="http://schemas.microsoft.com/office/drawing/2014/main" id="{A3A1A200-F4F9-400B-91B5-3E9EDC88A3B5}"/>
+                </a:ext>
+              </a:extLst>
+            </p:cNvPr>
+            <p:cNvSpPr/>
+            <p:nvPr/>
+          </p:nvSpPr>
+          <p:spPr>
+            <a:xfrm>
+              <a:off x="2411839" y="7215009"/>
+              <a:ext cx="2059800" cy="266700"/>
+            </a:xfrm>
+            <a:prstGeom prst="rect">
+              <a:avLst/>
+            </a:prstGeom>
+            <a:solidFill>
+              <a:schemeClr val="dk1"/>
+            </a:solidFill>
+            <a:ln>
+              <a:noFill/>
+            </a:ln>
+          </p:spPr>
+          <p:txBody>
+            <a:bodyPr spcFirstLastPara="1" wrap="square" lIns="91425" tIns="45700" rIns="91425" bIns="45700" anchor="ctr" anchorCtr="0">
+              <a:noAutofit/>
+            </a:bodyPr>
+            <a:lstStyle/>
+            <a:p>
+              <a:pPr marL="0" lvl="0" indent="0" algn="ctr" rtl="0">
+                <a:spcBef>
+                  <a:spcPts val="0"/>
+                </a:spcBef>
+                <a:spcAft>
+                  <a:spcPts val="0"/>
+                </a:spcAft>
+                <a:buNone/>
+              </a:pPr>
+              <a:r>
+                <a:rPr lang="en-US">
+                  <a:solidFill>
+                    <a:schemeClr val="lt1"/>
+                  </a:solidFill>
+                  <a:latin typeface="Calibri"/>
+                  <a:ea typeface="Calibri"/>
+                  <a:cs typeface="Calibri"/>
+                  <a:sym typeface="Calibri"/>
+                </a:rPr>
+                <a:t>Medium Kick</a:t>
+              </a:r>
+              <a:endParaRPr>
+                <a:solidFill>
+                  <a:schemeClr val="lt1"/>
+                </a:solidFill>
+                <a:latin typeface="Calibri"/>
+                <a:ea typeface="Calibri"/>
+                <a:cs typeface="Calibri"/>
+                <a:sym typeface="Calibri"/>
+              </a:endParaRPr>
+            </a:p>
+          </p:txBody>
+        </p:sp>
+        <p:sp>
+          <p:nvSpPr>
+            <p:cNvPr id="107" name="Google Shape;195;g21bc01ef45b_0_801">
+              <a:extLst>
+                <a:ext uri="{FF2B5EF4-FFF2-40B4-BE49-F238E27FC236}">
+                  <a16:creationId xmlns:a16="http://schemas.microsoft.com/office/drawing/2014/main" id="{A73943C0-FEB7-49DE-9831-43E610EC1595}"/>
+                </a:ext>
+              </a:extLst>
+            </p:cNvPr>
+            <p:cNvSpPr/>
+            <p:nvPr/>
+          </p:nvSpPr>
+          <p:spPr>
+            <a:xfrm>
+              <a:off x="4535090" y="7215008"/>
+              <a:ext cx="2052000" cy="1080000"/>
+            </a:xfrm>
+            <a:prstGeom prst="rect">
+              <a:avLst/>
+            </a:prstGeom>
+            <a:noFill/>
+            <a:ln w="28575" cap="flat" cmpd="sng">
+              <a:solidFill>
+                <a:schemeClr val="dk1"/>
+              </a:solidFill>
+              <a:prstDash val="solid"/>
+              <a:miter lim="800000"/>
+              <a:headEnd type="none" w="sm" len="sm"/>
+              <a:tailEnd type="none" w="sm" len="sm"/>
+            </a:ln>
+          </p:spPr>
+          <p:txBody>
+            <a:bodyPr spcFirstLastPara="1" wrap="square" lIns="91425" tIns="45700" rIns="91425" bIns="45700" anchor="ctr" anchorCtr="0">
+              <a:noAutofit/>
+            </a:bodyPr>
+            <a:lstStyle/>
+            <a:p>
+              <a:pPr marL="0" marR="0" lvl="0" indent="0" algn="just" rtl="0">
+                <a:spcBef>
+                  <a:spcPts val="0"/>
+                </a:spcBef>
+                <a:spcAft>
+                  <a:spcPts val="0"/>
+                </a:spcAft>
+                <a:buNone/>
+              </a:pPr>
+              <a:endParaRPr sz="1400">
+                <a:solidFill>
+                  <a:schemeClr val="dk1"/>
+                </a:solidFill>
+                <a:latin typeface="Arial"/>
+                <a:ea typeface="Arial"/>
+                <a:cs typeface="Arial"/>
+                <a:sym typeface="Arial"/>
+              </a:endParaRPr>
+            </a:p>
+          </p:txBody>
+        </p:sp>
+        <p:sp>
+          <p:nvSpPr>
+            <p:cNvPr id="108" name="Google Shape;196;g21bc01ef45b_0_801">
+              <a:extLst>
+                <a:ext uri="{FF2B5EF4-FFF2-40B4-BE49-F238E27FC236}">
+                  <a16:creationId xmlns:a16="http://schemas.microsoft.com/office/drawing/2014/main" id="{52BD70B1-72B8-4545-9C5D-AF4590B38050}"/>
+                </a:ext>
+              </a:extLst>
+            </p:cNvPr>
+            <p:cNvSpPr/>
+            <p:nvPr/>
+          </p:nvSpPr>
+          <p:spPr>
+            <a:xfrm>
+              <a:off x="4527359" y="7215009"/>
+              <a:ext cx="2059800" cy="266700"/>
+            </a:xfrm>
+            <a:prstGeom prst="rect">
+              <a:avLst/>
+            </a:prstGeom>
+            <a:solidFill>
+              <a:schemeClr val="dk1"/>
+            </a:solidFill>
+            <a:ln>
+              <a:noFill/>
+            </a:ln>
+          </p:spPr>
+          <p:txBody>
+            <a:bodyPr spcFirstLastPara="1" wrap="square" lIns="91425" tIns="45700" rIns="91425" bIns="45700" anchor="ctr" anchorCtr="0">
+              <a:noAutofit/>
+            </a:bodyPr>
+            <a:lstStyle/>
+            <a:p>
+              <a:pPr marL="0" lvl="0" indent="0" algn="ctr" rtl="0">
+                <a:spcBef>
+                  <a:spcPts val="0"/>
+                </a:spcBef>
+                <a:spcAft>
+                  <a:spcPts val="0"/>
+                </a:spcAft>
+                <a:buNone/>
+              </a:pPr>
+              <a:r>
+                <a:rPr lang="en-US">
+                  <a:solidFill>
+                    <a:schemeClr val="lt1"/>
+                  </a:solidFill>
+                  <a:latin typeface="Calibri"/>
+                  <a:ea typeface="Calibri"/>
+                  <a:cs typeface="Calibri"/>
+                  <a:sym typeface="Calibri"/>
+                </a:rPr>
+                <a:t>Heavy Kick</a:t>
+              </a:r>
+              <a:endParaRPr>
+                <a:solidFill>
+                  <a:schemeClr val="lt1"/>
+                </a:solidFill>
+                <a:latin typeface="Calibri"/>
+                <a:ea typeface="Calibri"/>
+                <a:cs typeface="Calibri"/>
+                <a:sym typeface="Calibri"/>
+              </a:endParaRPr>
+            </a:p>
+          </p:txBody>
+        </p:sp>
+        <p:pic>
+          <p:nvPicPr>
+            <p:cNvPr id="109" name="Google Shape;197;g21bc01ef45b_0_801">
+              <a:extLst>
+                <a:ext uri="{FF2B5EF4-FFF2-40B4-BE49-F238E27FC236}">
+                  <a16:creationId xmlns:a16="http://schemas.microsoft.com/office/drawing/2014/main" id="{2FDA3C73-89A7-4E58-A028-1267A749945B}"/>
+                </a:ext>
+              </a:extLst>
+            </p:cNvPr>
+            <p:cNvPicPr preferRelativeResize="0"/>
+            <p:nvPr/>
+          </p:nvPicPr>
+          <p:blipFill>
+            <a:blip r:embed="rId3">
+              <a:alphaModFix/>
+            </a:blip>
+            <a:stretch>
+              <a:fillRect/>
+            </a:stretch>
+          </p:blipFill>
+          <p:spPr>
+            <a:xfrm>
+              <a:off x="966075" y="6385804"/>
+              <a:ext cx="704850" cy="704850"/>
+            </a:xfrm>
+            <a:prstGeom prst="rect">
+              <a:avLst/>
+            </a:prstGeom>
+            <a:noFill/>
+            <a:ln>
+              <a:noFill/>
+            </a:ln>
+          </p:spPr>
+        </p:pic>
+        <p:pic>
+          <p:nvPicPr>
+            <p:cNvPr id="110" name="Google Shape;198;g21bc01ef45b_0_801">
+              <a:extLst>
+                <a:ext uri="{FF2B5EF4-FFF2-40B4-BE49-F238E27FC236}">
+                  <a16:creationId xmlns:a16="http://schemas.microsoft.com/office/drawing/2014/main" id="{D2ACBF8C-4683-44CB-BDD6-E9D338F7C445}"/>
+                </a:ext>
+              </a:extLst>
+            </p:cNvPr>
+            <p:cNvPicPr preferRelativeResize="0"/>
+            <p:nvPr/>
+          </p:nvPicPr>
+          <p:blipFill>
+            <a:blip r:embed="rId4">
+              <a:alphaModFix/>
+            </a:blip>
+            <a:stretch>
+              <a:fillRect/>
+            </a:stretch>
+          </p:blipFill>
+          <p:spPr>
+            <a:xfrm>
+              <a:off x="3094950" y="6385804"/>
+              <a:ext cx="704850" cy="704850"/>
+            </a:xfrm>
+            <a:prstGeom prst="rect">
+              <a:avLst/>
+            </a:prstGeom>
+            <a:noFill/>
+            <a:ln>
+              <a:noFill/>
+            </a:ln>
+          </p:spPr>
+        </p:pic>
+        <p:pic>
+          <p:nvPicPr>
+            <p:cNvPr id="111" name="Google Shape;199;g21bc01ef45b_0_801">
+              <a:extLst>
+                <a:ext uri="{FF2B5EF4-FFF2-40B4-BE49-F238E27FC236}">
+                  <a16:creationId xmlns:a16="http://schemas.microsoft.com/office/drawing/2014/main" id="{1FC5156A-C845-4AE0-B539-ECCE6D711AFD}"/>
+                </a:ext>
+              </a:extLst>
+            </p:cNvPr>
+            <p:cNvPicPr preferRelativeResize="0"/>
+            <p:nvPr/>
+          </p:nvPicPr>
+          <p:blipFill>
+            <a:blip r:embed="rId5">
+              <a:alphaModFix/>
+            </a:blip>
+            <a:stretch>
+              <a:fillRect/>
+            </a:stretch>
+          </p:blipFill>
+          <p:spPr>
+            <a:xfrm>
+              <a:off x="5204825" y="6385813"/>
+              <a:ext cx="704850" cy="704850"/>
+            </a:xfrm>
+            <a:prstGeom prst="rect">
+              <a:avLst/>
+            </a:prstGeom>
+            <a:noFill/>
+            <a:ln>
+              <a:noFill/>
+            </a:ln>
+          </p:spPr>
+        </p:pic>
+        <p:pic>
+          <p:nvPicPr>
+            <p:cNvPr id="112" name="Google Shape;200;g21bc01ef45b_0_801">
+              <a:extLst>
+                <a:ext uri="{FF2B5EF4-FFF2-40B4-BE49-F238E27FC236}">
+                  <a16:creationId xmlns:a16="http://schemas.microsoft.com/office/drawing/2014/main" id="{8C093C6A-F4DE-48A6-984C-952123AC6C2E}"/>
+                </a:ext>
+              </a:extLst>
+            </p:cNvPr>
+            <p:cNvPicPr preferRelativeResize="0"/>
+            <p:nvPr/>
+          </p:nvPicPr>
+          <p:blipFill>
+            <a:blip r:embed="rId6">
+              <a:alphaModFix/>
+            </a:blip>
+            <a:stretch>
+              <a:fillRect/>
+            </a:stretch>
+          </p:blipFill>
+          <p:spPr>
+            <a:xfrm>
+              <a:off x="962175" y="7518513"/>
+              <a:ext cx="723900" cy="723900"/>
+            </a:xfrm>
+            <a:prstGeom prst="rect">
+              <a:avLst/>
+            </a:prstGeom>
+            <a:noFill/>
+            <a:ln>
+              <a:noFill/>
+            </a:ln>
+          </p:spPr>
+        </p:pic>
+        <p:pic>
+          <p:nvPicPr>
+            <p:cNvPr id="113" name="Google Shape;201;g21bc01ef45b_0_801">
+              <a:extLst>
+                <a:ext uri="{FF2B5EF4-FFF2-40B4-BE49-F238E27FC236}">
+                  <a16:creationId xmlns:a16="http://schemas.microsoft.com/office/drawing/2014/main" id="{16B7D894-C1D2-4AA0-89FC-ADFEACDB7C4B}"/>
+                </a:ext>
+              </a:extLst>
+            </p:cNvPr>
+            <p:cNvPicPr preferRelativeResize="0"/>
+            <p:nvPr/>
+          </p:nvPicPr>
+          <p:blipFill>
+            <a:blip r:embed="rId7">
+              <a:alphaModFix/>
+            </a:blip>
+            <a:stretch>
+              <a:fillRect/>
+            </a:stretch>
+          </p:blipFill>
+          <p:spPr>
+            <a:xfrm>
+              <a:off x="3067050" y="7518513"/>
+              <a:ext cx="723900" cy="723900"/>
+            </a:xfrm>
+            <a:prstGeom prst="rect">
+              <a:avLst/>
+            </a:prstGeom>
+            <a:noFill/>
+            <a:ln>
+              <a:noFill/>
+            </a:ln>
+          </p:spPr>
+        </p:pic>
+        <p:pic>
+          <p:nvPicPr>
+            <p:cNvPr id="114" name="Google Shape;202;g21bc01ef45b_0_801">
+              <a:extLst>
+                <a:ext uri="{FF2B5EF4-FFF2-40B4-BE49-F238E27FC236}">
+                  <a16:creationId xmlns:a16="http://schemas.microsoft.com/office/drawing/2014/main" id="{2DE403F4-0663-4A5D-A75D-DFDE29B3D879}"/>
+                </a:ext>
+              </a:extLst>
+            </p:cNvPr>
+            <p:cNvPicPr preferRelativeResize="0"/>
+            <p:nvPr/>
+          </p:nvPicPr>
+          <p:blipFill>
+            <a:blip r:embed="rId8">
+              <a:alphaModFix/>
+            </a:blip>
+            <a:stretch>
+              <a:fillRect/>
+            </a:stretch>
+          </p:blipFill>
+          <p:spPr>
+            <a:xfrm>
+              <a:off x="5205075" y="7537763"/>
+              <a:ext cx="723900" cy="723900"/>
+            </a:xfrm>
+            <a:prstGeom prst="rect">
+              <a:avLst/>
+            </a:prstGeom>
+            <a:noFill/>
+            <a:ln>
+              <a:noFill/>
+            </a:ln>
+          </p:spPr>
+        </p:pic>
+      </p:grpSp>
+      <p:sp>
+        <p:nvSpPr>
+          <p:cNvPr id="115" name="Google Shape;181;g21bc01ef45b_0_801">
+            <a:extLst>
+              <a:ext uri="{FF2B5EF4-FFF2-40B4-BE49-F238E27FC236}">
+                <a16:creationId xmlns:a16="http://schemas.microsoft.com/office/drawing/2014/main" id="{3EE0D569-C2F1-4068-BF5A-D304B6A71900}"/>
+              </a:ext>
+            </a:extLst>
+          </p:cNvPr>
+          <p:cNvSpPr txBox="1"/>
+          <p:nvPr/>
+        </p:nvSpPr>
+        <p:spPr>
+          <a:xfrm>
+            <a:off x="369000" y="3981119"/>
+            <a:ext cx="6120000" cy="458355"/>
+          </a:xfrm>
+          <a:prstGeom prst="rect">
+            <a:avLst/>
+          </a:prstGeom>
+          <a:noFill/>
+          <a:ln>
+            <a:noFill/>
+          </a:ln>
+        </p:spPr>
+        <p:txBody>
+          <a:bodyPr spcFirstLastPara="1" wrap="square" lIns="91425" tIns="45700" rIns="91425" bIns="45700" anchor="t" anchorCtr="0">
+            <a:spAutoFit/>
+          </a:bodyPr>
+          <a:lstStyle/>
+          <a:p>
+            <a:pPr marL="0" marR="0" lvl="0" indent="0" algn="just" rtl="0">
+              <a:lnSpc>
+                <a:spcPct val="107000"/>
+              </a:lnSpc>
+              <a:spcBef>
+                <a:spcPts val="800"/>
+              </a:spcBef>
+              <a:spcAft>
+                <a:spcPts val="0"/>
+              </a:spcAft>
+              <a:buNone/>
+            </a:pPr>
+            <a:r>
+              <a:rPr lang="en-US" sz="1600" b="1" dirty="0">
+                <a:solidFill>
+                  <a:schemeClr val="dk1"/>
+                </a:solidFill>
+                <a:latin typeface="Arial"/>
+                <a:ea typeface="Arial"/>
+                <a:cs typeface="Arial"/>
+                <a:sym typeface="Arial"/>
+              </a:rPr>
+              <a:t>	</a:t>
+            </a:r>
+            <a:r>
+              <a:rPr lang="en-US" sz="1600" b="1" u="sng" dirty="0">
+                <a:solidFill>
+                  <a:schemeClr val="dk1"/>
+                </a:solidFill>
+                <a:latin typeface="Arial"/>
+                <a:ea typeface="Arial"/>
+                <a:cs typeface="Arial"/>
+                <a:sym typeface="Arial"/>
+              </a:rPr>
+              <a:t>Jump Attacks</a:t>
+            </a:r>
+            <a:endParaRPr sz="1600" u="sng" dirty="0">
+              <a:solidFill>
+                <a:schemeClr val="dk1"/>
+              </a:solidFill>
+              <a:latin typeface="Arial"/>
+              <a:ea typeface="Arial"/>
+              <a:cs typeface="Arial"/>
+              <a:sym typeface="Arial"/>
+            </a:endParaRPr>
+          </a:p>
+        </p:txBody>
+      </p:sp>
+      <p:sp>
+        <p:nvSpPr>
+          <p:cNvPr id="183" name="Google Shape;181;g21bc01ef45b_0_801">
+            <a:extLst>
+              <a:ext uri="{FF2B5EF4-FFF2-40B4-BE49-F238E27FC236}">
+                <a16:creationId xmlns:a16="http://schemas.microsoft.com/office/drawing/2014/main" id="{E7D76423-31F7-4434-B7E6-66654C7BE877}"/>
+              </a:ext>
+            </a:extLst>
+          </p:cNvPr>
+          <p:cNvSpPr txBox="1"/>
+          <p:nvPr/>
+        </p:nvSpPr>
+        <p:spPr>
+          <a:xfrm>
+            <a:off x="357625" y="6767543"/>
+            <a:ext cx="6120000" cy="458355"/>
+          </a:xfrm>
+          <a:prstGeom prst="rect">
+            <a:avLst/>
+          </a:prstGeom>
+          <a:noFill/>
+          <a:ln>
+            <a:noFill/>
+          </a:ln>
+        </p:spPr>
+        <p:txBody>
+          <a:bodyPr spcFirstLastPara="1" wrap="square" lIns="91425" tIns="45700" rIns="91425" bIns="45700" anchor="t" anchorCtr="0">
+            <a:spAutoFit/>
+          </a:bodyPr>
+          <a:lstStyle/>
+          <a:p>
+            <a:pPr marL="0" marR="0" lvl="0" indent="0" algn="just" rtl="0">
+              <a:lnSpc>
+                <a:spcPct val="107000"/>
+              </a:lnSpc>
+              <a:spcBef>
+                <a:spcPts val="800"/>
+              </a:spcBef>
+              <a:spcAft>
+                <a:spcPts val="0"/>
+              </a:spcAft>
+              <a:buNone/>
+            </a:pPr>
+            <a:r>
+              <a:rPr lang="en-US" sz="1600" b="1" dirty="0">
+                <a:solidFill>
+                  <a:schemeClr val="dk1"/>
+                </a:solidFill>
+                <a:latin typeface="Arial"/>
+                <a:ea typeface="Arial"/>
+                <a:cs typeface="Arial"/>
+                <a:sym typeface="Arial"/>
+              </a:rPr>
+              <a:t>	</a:t>
+            </a:r>
+            <a:r>
+              <a:rPr lang="en-US" sz="1600" b="1" u="sng" dirty="0">
+                <a:solidFill>
+                  <a:schemeClr val="dk1"/>
+                </a:solidFill>
+                <a:latin typeface="Arial"/>
+                <a:ea typeface="Arial"/>
+                <a:cs typeface="Arial"/>
+                <a:sym typeface="Arial"/>
+              </a:rPr>
+              <a:t>Crouch Attacks</a:t>
+            </a:r>
+            <a:endParaRPr sz="1600" u="sng" dirty="0">
+              <a:solidFill>
+                <a:schemeClr val="dk1"/>
+              </a:solidFill>
+              <a:latin typeface="Arial"/>
+              <a:ea typeface="Arial"/>
+              <a:cs typeface="Arial"/>
+              <a:sym typeface="Arial"/>
+            </a:endParaRPr>
+          </a:p>
+        </p:txBody>
+      </p:sp>
+      <p:grpSp>
+        <p:nvGrpSpPr>
+          <p:cNvPr id="5" name="Grupo 4">
+            <a:extLst>
+              <a:ext uri="{FF2B5EF4-FFF2-40B4-BE49-F238E27FC236}">
+                <a16:creationId xmlns:a16="http://schemas.microsoft.com/office/drawing/2014/main" id="{DA186343-DAB5-48F3-A5FD-DB3BED3A9CA1}"/>
+              </a:ext>
+            </a:extLst>
+          </p:cNvPr>
+          <p:cNvGrpSpPr/>
+          <p:nvPr/>
+        </p:nvGrpSpPr>
+        <p:grpSpPr>
+          <a:xfrm>
+            <a:off x="276734" y="4509464"/>
+            <a:ext cx="6298571" cy="2226418"/>
+            <a:chOff x="290382" y="4509464"/>
+            <a:chExt cx="6298571" cy="2226418"/>
+          </a:xfrm>
+        </p:grpSpPr>
+        <p:sp>
+          <p:nvSpPr>
+            <p:cNvPr id="155" name="Google Shape;185;g21bc01ef45b_0_801">
+              <a:extLst>
+                <a:ext uri="{FF2B5EF4-FFF2-40B4-BE49-F238E27FC236}">
+                  <a16:creationId xmlns:a16="http://schemas.microsoft.com/office/drawing/2014/main" id="{701E4FBB-5638-4539-B742-90B185856040}"/>
+                </a:ext>
+              </a:extLst>
+            </p:cNvPr>
+            <p:cNvSpPr/>
+            <p:nvPr/>
+          </p:nvSpPr>
+          <p:spPr>
+            <a:xfrm>
+              <a:off x="298113" y="4509464"/>
+              <a:ext cx="2052000" cy="1080000"/>
+            </a:xfrm>
+            <a:prstGeom prst="rect">
+              <a:avLst/>
+            </a:prstGeom>
+            <a:noFill/>
+            <a:ln w="28575" cap="flat" cmpd="sng">
+              <a:solidFill>
+                <a:schemeClr val="dk1"/>
+              </a:solidFill>
+              <a:prstDash val="solid"/>
+              <a:miter lim="800000"/>
+              <a:headEnd type="none" w="sm" len="sm"/>
+              <a:tailEnd type="none" w="sm" len="sm"/>
+            </a:ln>
+          </p:spPr>
+          <p:txBody>
+            <a:bodyPr spcFirstLastPara="1" wrap="square" lIns="91425" tIns="45700" rIns="91425" bIns="45700" anchor="ctr" anchorCtr="0">
+              <a:noAutofit/>
+            </a:bodyPr>
+            <a:lstStyle/>
+            <a:p>
+              <a:pPr marL="0" marR="0" lvl="0" indent="0" algn="just" rtl="0">
+                <a:spcBef>
+                  <a:spcPts val="0"/>
+                </a:spcBef>
+                <a:spcAft>
+                  <a:spcPts val="0"/>
+                </a:spcAft>
+                <a:buNone/>
+              </a:pPr>
+              <a:endParaRPr sz="1400">
+                <a:solidFill>
+                  <a:schemeClr val="dk1"/>
+                </a:solidFill>
+                <a:latin typeface="Arial"/>
+                <a:ea typeface="Arial"/>
+                <a:cs typeface="Arial"/>
+                <a:sym typeface="Arial"/>
+              </a:endParaRPr>
+            </a:p>
+          </p:txBody>
+        </p:sp>
+        <p:sp>
+          <p:nvSpPr>
+            <p:cNvPr id="156" name="Google Shape;186;g21bc01ef45b_0_801">
+              <a:extLst>
+                <a:ext uri="{FF2B5EF4-FFF2-40B4-BE49-F238E27FC236}">
+                  <a16:creationId xmlns:a16="http://schemas.microsoft.com/office/drawing/2014/main" id="{8C10712E-4DE9-44C8-A470-B10841606127}"/>
+                </a:ext>
+              </a:extLst>
+            </p:cNvPr>
+            <p:cNvSpPr/>
+            <p:nvPr/>
+          </p:nvSpPr>
+          <p:spPr>
+            <a:xfrm>
+              <a:off x="290382" y="4509465"/>
+              <a:ext cx="2059800" cy="266700"/>
+            </a:xfrm>
+            <a:prstGeom prst="rect">
+              <a:avLst/>
+            </a:prstGeom>
+            <a:solidFill>
+              <a:schemeClr val="dk1"/>
+            </a:solidFill>
+            <a:ln>
+              <a:noFill/>
+            </a:ln>
+          </p:spPr>
+          <p:txBody>
+            <a:bodyPr spcFirstLastPara="1" wrap="square" lIns="91425" tIns="45700" rIns="91425" bIns="45700" anchor="ctr" anchorCtr="0">
+              <a:noAutofit/>
+            </a:bodyPr>
+            <a:lstStyle/>
+            <a:p>
+              <a:pPr marL="0" marR="0" lvl="0" indent="0" algn="ctr" rtl="0">
+                <a:spcBef>
+                  <a:spcPts val="0"/>
+                </a:spcBef>
+                <a:spcAft>
+                  <a:spcPts val="0"/>
+                </a:spcAft>
+                <a:buNone/>
+              </a:pPr>
+              <a:r>
+                <a:rPr lang="en-US" dirty="0">
+                  <a:solidFill>
+                    <a:schemeClr val="lt1"/>
+                  </a:solidFill>
+                  <a:latin typeface="Calibri"/>
+                  <a:ea typeface="Calibri"/>
+                  <a:cs typeface="Calibri"/>
+                  <a:sym typeface="Calibri"/>
+                </a:rPr>
+                <a:t>Jump Light Punch</a:t>
+              </a:r>
+              <a:endParaRPr sz="1400" dirty="0">
+                <a:solidFill>
+                  <a:schemeClr val="lt1"/>
+                </a:solidFill>
+                <a:latin typeface="Calibri"/>
+                <a:ea typeface="Calibri"/>
+                <a:cs typeface="Calibri"/>
+                <a:sym typeface="Calibri"/>
+              </a:endParaRPr>
+            </a:p>
+          </p:txBody>
+        </p:sp>
+        <p:pic>
+          <p:nvPicPr>
+            <p:cNvPr id="62" name="Google Shape;197;g21bc01ef45b_0_801">
+              <a:extLst>
+                <a:ext uri="{FF2B5EF4-FFF2-40B4-BE49-F238E27FC236}">
+                  <a16:creationId xmlns:a16="http://schemas.microsoft.com/office/drawing/2014/main" id="{6F2E3CD5-A7B1-491F-AF8E-856F46780C12}"/>
+                </a:ext>
+              </a:extLst>
+            </p:cNvPr>
+            <p:cNvPicPr preferRelativeResize="0"/>
+            <p:nvPr/>
+          </p:nvPicPr>
+          <p:blipFill>
+            <a:blip r:embed="rId3">
+              <a:alphaModFix/>
+            </a:blip>
+            <a:stretch>
+              <a:fillRect/>
+            </a:stretch>
+          </p:blipFill>
+          <p:spPr>
+            <a:xfrm>
+              <a:off x="1423269" y="4827879"/>
+              <a:ext cx="704850" cy="704850"/>
+            </a:xfrm>
+            <a:prstGeom prst="rect">
+              <a:avLst/>
+            </a:prstGeom>
+            <a:noFill/>
+            <a:ln>
+              <a:noFill/>
+            </a:ln>
+          </p:spPr>
+        </p:pic>
+        <p:pic>
+          <p:nvPicPr>
+            <p:cNvPr id="63" name="Google Shape;207;g21bc01ef45b_0_801">
+              <a:extLst>
+                <a:ext uri="{FF2B5EF4-FFF2-40B4-BE49-F238E27FC236}">
+                  <a16:creationId xmlns:a16="http://schemas.microsoft.com/office/drawing/2014/main" id="{E58C1F8B-F31B-4558-9DC0-493A8672E5E9}"/>
+                </a:ext>
+              </a:extLst>
+            </p:cNvPr>
+            <p:cNvPicPr preferRelativeResize="0"/>
+            <p:nvPr/>
+          </p:nvPicPr>
+          <p:blipFill>
+            <a:blip r:embed="rId9">
+              <a:alphaModFix/>
+            </a:blip>
+            <a:stretch>
+              <a:fillRect/>
+            </a:stretch>
+          </p:blipFill>
+          <p:spPr>
+            <a:xfrm rot="5400000">
+              <a:off x="447988" y="4928714"/>
+              <a:ext cx="624915" cy="503180"/>
+            </a:xfrm>
+            <a:prstGeom prst="rect">
+              <a:avLst/>
+            </a:prstGeom>
+            <a:noFill/>
+            <a:ln>
+              <a:noFill/>
+            </a:ln>
+          </p:spPr>
+        </p:pic>
+        <p:sp>
+          <p:nvSpPr>
+            <p:cNvPr id="65" name="Google Shape;181;g21bc01ef45b_0_801">
+              <a:extLst>
+                <a:ext uri="{FF2B5EF4-FFF2-40B4-BE49-F238E27FC236}">
+                  <a16:creationId xmlns:a16="http://schemas.microsoft.com/office/drawing/2014/main" id="{AB255135-EAF2-45F6-B246-06EBD689709A}"/>
+                </a:ext>
+              </a:extLst>
+            </p:cNvPr>
+            <p:cNvSpPr txBox="1"/>
+            <p:nvPr/>
+          </p:nvSpPr>
+          <p:spPr>
+            <a:xfrm>
+              <a:off x="1005218" y="4810193"/>
+              <a:ext cx="394457" cy="655908"/>
+            </a:xfrm>
+            <a:prstGeom prst="rect">
+              <a:avLst/>
+            </a:prstGeom>
+            <a:noFill/>
+            <a:ln>
+              <a:noFill/>
+            </a:ln>
+          </p:spPr>
+          <p:txBody>
+            <a:bodyPr spcFirstLastPara="1" wrap="square" lIns="91425" tIns="45700" rIns="91425" bIns="45700" anchor="t" anchorCtr="0">
+              <a:spAutoFit/>
+            </a:bodyPr>
+            <a:lstStyle/>
+            <a:p>
+              <a:pPr marL="0" marR="0" lvl="0" indent="0" algn="ctr" rtl="0">
+                <a:lnSpc>
+                  <a:spcPct val="107000"/>
+                </a:lnSpc>
+                <a:spcBef>
+                  <a:spcPts val="800"/>
+                </a:spcBef>
+                <a:spcAft>
+                  <a:spcPts val="0"/>
+                </a:spcAft>
+                <a:buNone/>
+              </a:pPr>
+              <a:r>
+                <a:rPr lang="en-US" sz="2800" b="1" dirty="0">
+                  <a:solidFill>
+                    <a:schemeClr val="dk1"/>
+                  </a:solidFill>
+                  <a:latin typeface="Arial Black" panose="020B0A04020102020204" pitchFamily="34" charset="0"/>
+                  <a:sym typeface="Arial"/>
+                </a:rPr>
+                <a:t>+</a:t>
+              </a:r>
+              <a:endParaRPr sz="2800" u="sng" dirty="0">
+                <a:solidFill>
+                  <a:schemeClr val="dk1"/>
+                </a:solidFill>
+                <a:latin typeface="Arial Black" panose="020B0A04020102020204" pitchFamily="34" charset="0"/>
+                <a:sym typeface="Arial"/>
+              </a:endParaRPr>
+            </a:p>
+          </p:txBody>
+        </p:sp>
+        <p:sp>
+          <p:nvSpPr>
+            <p:cNvPr id="87" name="Google Shape;187;g21bc01ef45b_0_801">
+              <a:extLst>
+                <a:ext uri="{FF2B5EF4-FFF2-40B4-BE49-F238E27FC236}">
+                  <a16:creationId xmlns:a16="http://schemas.microsoft.com/office/drawing/2014/main" id="{30F7AA3F-D811-42AF-9185-5C39DEC3B3BA}"/>
+                </a:ext>
+              </a:extLst>
+            </p:cNvPr>
+            <p:cNvSpPr/>
+            <p:nvPr/>
+          </p:nvSpPr>
+          <p:spPr>
+            <a:xfrm>
+              <a:off x="2421364" y="4509464"/>
+              <a:ext cx="2052000" cy="1080000"/>
+            </a:xfrm>
+            <a:prstGeom prst="rect">
+              <a:avLst/>
+            </a:prstGeom>
+            <a:noFill/>
+            <a:ln w="28575" cap="flat" cmpd="sng">
+              <a:solidFill>
+                <a:schemeClr val="dk1"/>
+              </a:solidFill>
+              <a:prstDash val="solid"/>
+              <a:miter lim="800000"/>
+              <a:headEnd type="none" w="sm" len="sm"/>
+              <a:tailEnd type="none" w="sm" len="sm"/>
+            </a:ln>
+          </p:spPr>
+          <p:txBody>
+            <a:bodyPr spcFirstLastPara="1" wrap="square" lIns="91425" tIns="45700" rIns="91425" bIns="45700" anchor="ctr" anchorCtr="0">
+              <a:noAutofit/>
+            </a:bodyPr>
+            <a:lstStyle/>
+            <a:p>
+              <a:pPr marL="0" marR="0" lvl="0" indent="0" algn="just" rtl="0">
+                <a:spcBef>
+                  <a:spcPts val="0"/>
+                </a:spcBef>
+                <a:spcAft>
+                  <a:spcPts val="0"/>
+                </a:spcAft>
+                <a:buNone/>
+              </a:pPr>
+              <a:endParaRPr sz="1400">
+                <a:solidFill>
+                  <a:schemeClr val="dk1"/>
+                </a:solidFill>
+                <a:latin typeface="Arial"/>
+                <a:ea typeface="Arial"/>
+                <a:cs typeface="Arial"/>
+                <a:sym typeface="Arial"/>
+              </a:endParaRPr>
+            </a:p>
+          </p:txBody>
+        </p:sp>
+        <p:sp>
+          <p:nvSpPr>
+            <p:cNvPr id="88" name="Google Shape;188;g21bc01ef45b_0_801">
+              <a:extLst>
+                <a:ext uri="{FF2B5EF4-FFF2-40B4-BE49-F238E27FC236}">
+                  <a16:creationId xmlns:a16="http://schemas.microsoft.com/office/drawing/2014/main" id="{2AEA4F8C-6B8C-4220-AAA5-D9604579A482}"/>
+                </a:ext>
+              </a:extLst>
+            </p:cNvPr>
+            <p:cNvSpPr/>
+            <p:nvPr/>
+          </p:nvSpPr>
+          <p:spPr>
+            <a:xfrm>
+              <a:off x="2413633" y="4509465"/>
+              <a:ext cx="2059800" cy="266700"/>
+            </a:xfrm>
+            <a:prstGeom prst="rect">
+              <a:avLst/>
+            </a:prstGeom>
+            <a:solidFill>
+              <a:schemeClr val="dk1"/>
+            </a:solidFill>
+            <a:ln>
+              <a:noFill/>
+            </a:ln>
+          </p:spPr>
+          <p:txBody>
+            <a:bodyPr spcFirstLastPara="1" wrap="square" lIns="91425" tIns="45700" rIns="91425" bIns="45700" anchor="ctr" anchorCtr="0">
+              <a:noAutofit/>
+            </a:bodyPr>
+            <a:lstStyle/>
+            <a:p>
+              <a:pPr marL="0" marR="0" lvl="0" indent="0" algn="ctr" rtl="0">
+                <a:spcBef>
+                  <a:spcPts val="0"/>
+                </a:spcBef>
+                <a:spcAft>
+                  <a:spcPts val="0"/>
+                </a:spcAft>
+                <a:buNone/>
+              </a:pPr>
+              <a:r>
+                <a:rPr lang="en-US" dirty="0">
+                  <a:solidFill>
+                    <a:schemeClr val="lt1"/>
+                  </a:solidFill>
+                  <a:latin typeface="Calibri"/>
+                  <a:ea typeface="Calibri"/>
+                  <a:cs typeface="Calibri"/>
+                  <a:sym typeface="Calibri"/>
+                </a:rPr>
+                <a:t>Jump Medium Punch</a:t>
+              </a:r>
+              <a:endParaRPr dirty="0"/>
+            </a:p>
+          </p:txBody>
+        </p:sp>
+        <p:sp>
+          <p:nvSpPr>
+            <p:cNvPr id="89" name="Google Shape;189;g21bc01ef45b_0_801">
+              <a:extLst>
+                <a:ext uri="{FF2B5EF4-FFF2-40B4-BE49-F238E27FC236}">
+                  <a16:creationId xmlns:a16="http://schemas.microsoft.com/office/drawing/2014/main" id="{8048A014-09D4-4C7B-B3A1-8DFCE05115C8}"/>
+                </a:ext>
+              </a:extLst>
+            </p:cNvPr>
+            <p:cNvSpPr/>
+            <p:nvPr/>
+          </p:nvSpPr>
+          <p:spPr>
+            <a:xfrm>
+              <a:off x="4536884" y="4509464"/>
+              <a:ext cx="2052000" cy="1080000"/>
+            </a:xfrm>
+            <a:prstGeom prst="rect">
+              <a:avLst/>
+            </a:prstGeom>
+            <a:noFill/>
+            <a:ln w="28575" cap="flat" cmpd="sng">
+              <a:solidFill>
+                <a:schemeClr val="dk1"/>
+              </a:solidFill>
+              <a:prstDash val="solid"/>
+              <a:miter lim="800000"/>
+              <a:headEnd type="none" w="sm" len="sm"/>
+              <a:tailEnd type="none" w="sm" len="sm"/>
+            </a:ln>
+          </p:spPr>
+          <p:txBody>
+            <a:bodyPr spcFirstLastPara="1" wrap="square" lIns="91425" tIns="45700" rIns="91425" bIns="45700" anchor="ctr" anchorCtr="0">
+              <a:noAutofit/>
+            </a:bodyPr>
+            <a:lstStyle/>
+            <a:p>
+              <a:pPr marL="0" marR="0" lvl="0" indent="0" algn="just" rtl="0">
+                <a:spcBef>
+                  <a:spcPts val="0"/>
+                </a:spcBef>
+                <a:spcAft>
+                  <a:spcPts val="0"/>
+                </a:spcAft>
+                <a:buNone/>
+              </a:pPr>
+              <a:endParaRPr sz="1400">
+                <a:solidFill>
+                  <a:schemeClr val="dk1"/>
+                </a:solidFill>
+                <a:latin typeface="Arial"/>
+                <a:ea typeface="Arial"/>
+                <a:cs typeface="Arial"/>
+                <a:sym typeface="Arial"/>
+              </a:endParaRPr>
+            </a:p>
+          </p:txBody>
+        </p:sp>
+        <p:sp>
+          <p:nvSpPr>
+            <p:cNvPr id="90" name="Google Shape;190;g21bc01ef45b_0_801">
+              <a:extLst>
+                <a:ext uri="{FF2B5EF4-FFF2-40B4-BE49-F238E27FC236}">
+                  <a16:creationId xmlns:a16="http://schemas.microsoft.com/office/drawing/2014/main" id="{D61861A0-687D-494E-B3CE-746644040430}"/>
+                </a:ext>
+              </a:extLst>
+            </p:cNvPr>
+            <p:cNvSpPr/>
+            <p:nvPr/>
+          </p:nvSpPr>
+          <p:spPr>
+            <a:xfrm>
+              <a:off x="4529153" y="4509465"/>
+              <a:ext cx="2059800" cy="266700"/>
+            </a:xfrm>
+            <a:prstGeom prst="rect">
+              <a:avLst/>
+            </a:prstGeom>
+            <a:solidFill>
+              <a:schemeClr val="dk1"/>
+            </a:solidFill>
+            <a:ln>
+              <a:noFill/>
+            </a:ln>
+          </p:spPr>
+          <p:txBody>
+            <a:bodyPr spcFirstLastPara="1" wrap="square" lIns="91425" tIns="45700" rIns="91425" bIns="45700" anchor="ctr" anchorCtr="0">
+              <a:noAutofit/>
+            </a:bodyPr>
+            <a:lstStyle/>
+            <a:p>
+              <a:pPr marL="0" marR="0" lvl="0" indent="0" algn="ctr" rtl="0">
+                <a:spcBef>
+                  <a:spcPts val="0"/>
+                </a:spcBef>
+                <a:spcAft>
+                  <a:spcPts val="0"/>
+                </a:spcAft>
+                <a:buNone/>
+              </a:pPr>
+              <a:r>
+                <a:rPr lang="en-US" dirty="0">
+                  <a:solidFill>
+                    <a:schemeClr val="lt1"/>
+                  </a:solidFill>
+                  <a:latin typeface="Calibri"/>
+                  <a:ea typeface="Calibri"/>
+                  <a:cs typeface="Calibri"/>
+                  <a:sym typeface="Calibri"/>
+                </a:rPr>
+                <a:t>Jump Heavy Punch</a:t>
+              </a:r>
+              <a:endParaRPr dirty="0"/>
+            </a:p>
+          </p:txBody>
+        </p:sp>
+        <p:pic>
+          <p:nvPicPr>
+            <p:cNvPr id="146" name="Google Shape;207;g21bc01ef45b_0_801">
+              <a:extLst>
+                <a:ext uri="{FF2B5EF4-FFF2-40B4-BE49-F238E27FC236}">
+                  <a16:creationId xmlns:a16="http://schemas.microsoft.com/office/drawing/2014/main" id="{A26718DC-77CB-4BA8-8003-47FD9F016AAD}"/>
+                </a:ext>
+              </a:extLst>
+            </p:cNvPr>
+            <p:cNvPicPr preferRelativeResize="0"/>
+            <p:nvPr/>
+          </p:nvPicPr>
+          <p:blipFill>
+            <a:blip r:embed="rId9">
+              <a:alphaModFix/>
+            </a:blip>
+            <a:stretch>
+              <a:fillRect/>
+            </a:stretch>
+          </p:blipFill>
+          <p:spPr>
+            <a:xfrm rot="5400000">
+              <a:off x="2577176" y="4922376"/>
+              <a:ext cx="624915" cy="503180"/>
+            </a:xfrm>
+            <a:prstGeom prst="rect">
+              <a:avLst/>
+            </a:prstGeom>
+            <a:noFill/>
+            <a:ln>
+              <a:noFill/>
+            </a:ln>
+          </p:spPr>
+        </p:pic>
+        <p:sp>
+          <p:nvSpPr>
+            <p:cNvPr id="147" name="Google Shape;181;g21bc01ef45b_0_801">
+              <a:extLst>
+                <a:ext uri="{FF2B5EF4-FFF2-40B4-BE49-F238E27FC236}">
+                  <a16:creationId xmlns:a16="http://schemas.microsoft.com/office/drawing/2014/main" id="{65D45967-26E0-4AC0-9AF2-3B0D6AE94154}"/>
+                </a:ext>
+              </a:extLst>
+            </p:cNvPr>
+            <p:cNvSpPr txBox="1"/>
+            <p:nvPr/>
+          </p:nvSpPr>
+          <p:spPr>
+            <a:xfrm>
+              <a:off x="3134406" y="4803855"/>
+              <a:ext cx="394457" cy="655908"/>
+            </a:xfrm>
+            <a:prstGeom prst="rect">
+              <a:avLst/>
+            </a:prstGeom>
+            <a:noFill/>
+            <a:ln>
+              <a:noFill/>
+            </a:ln>
+          </p:spPr>
+          <p:txBody>
+            <a:bodyPr spcFirstLastPara="1" wrap="square" lIns="91425" tIns="45700" rIns="91425" bIns="45700" anchor="t" anchorCtr="0">
+              <a:spAutoFit/>
+            </a:bodyPr>
+            <a:lstStyle/>
+            <a:p>
+              <a:pPr marL="0" marR="0" lvl="0" indent="0" algn="ctr" rtl="0">
+                <a:lnSpc>
+                  <a:spcPct val="107000"/>
+                </a:lnSpc>
+                <a:spcBef>
+                  <a:spcPts val="800"/>
+                </a:spcBef>
+                <a:spcAft>
+                  <a:spcPts val="0"/>
+                </a:spcAft>
+                <a:buNone/>
+              </a:pPr>
+              <a:r>
+                <a:rPr lang="en-US" sz="2800" b="1" dirty="0">
+                  <a:solidFill>
+                    <a:schemeClr val="dk1"/>
+                  </a:solidFill>
+                  <a:latin typeface="Arial Black" panose="020B0A04020102020204" pitchFamily="34" charset="0"/>
+                  <a:sym typeface="Arial"/>
+                </a:rPr>
+                <a:t>+</a:t>
+              </a:r>
+              <a:endParaRPr sz="2800" u="sng" dirty="0">
+                <a:solidFill>
+                  <a:schemeClr val="dk1"/>
+                </a:solidFill>
+                <a:latin typeface="Arial Black" panose="020B0A04020102020204" pitchFamily="34" charset="0"/>
+                <a:sym typeface="Arial"/>
+              </a:endParaRPr>
+            </a:p>
+          </p:txBody>
+        </p:sp>
+        <p:pic>
+          <p:nvPicPr>
+            <p:cNvPr id="153" name="Google Shape;207;g21bc01ef45b_0_801">
+              <a:extLst>
+                <a:ext uri="{FF2B5EF4-FFF2-40B4-BE49-F238E27FC236}">
+                  <a16:creationId xmlns:a16="http://schemas.microsoft.com/office/drawing/2014/main" id="{E9F4967D-E263-43E1-8D04-00D75533D9CB}"/>
+                </a:ext>
+              </a:extLst>
+            </p:cNvPr>
+            <p:cNvPicPr preferRelativeResize="0"/>
+            <p:nvPr/>
+          </p:nvPicPr>
+          <p:blipFill>
+            <a:blip r:embed="rId9">
+              <a:alphaModFix/>
+            </a:blip>
+            <a:stretch>
+              <a:fillRect/>
+            </a:stretch>
+          </p:blipFill>
+          <p:spPr>
+            <a:xfrm rot="5400000">
+              <a:off x="4680781" y="4922376"/>
+              <a:ext cx="624915" cy="503180"/>
+            </a:xfrm>
+            <a:prstGeom prst="rect">
+              <a:avLst/>
+            </a:prstGeom>
+            <a:noFill/>
+            <a:ln>
+              <a:noFill/>
+            </a:ln>
+          </p:spPr>
+        </p:pic>
+        <p:sp>
+          <p:nvSpPr>
+            <p:cNvPr id="154" name="Google Shape;181;g21bc01ef45b_0_801">
+              <a:extLst>
+                <a:ext uri="{FF2B5EF4-FFF2-40B4-BE49-F238E27FC236}">
+                  <a16:creationId xmlns:a16="http://schemas.microsoft.com/office/drawing/2014/main" id="{4F7E154F-E91F-4D1C-8E3D-F217373A4376}"/>
+                </a:ext>
+              </a:extLst>
+            </p:cNvPr>
+            <p:cNvSpPr txBox="1"/>
+            <p:nvPr/>
+          </p:nvSpPr>
+          <p:spPr>
+            <a:xfrm>
+              <a:off x="5238011" y="4803855"/>
+              <a:ext cx="394457" cy="655908"/>
+            </a:xfrm>
+            <a:prstGeom prst="rect">
+              <a:avLst/>
+            </a:prstGeom>
+            <a:noFill/>
+            <a:ln>
+              <a:noFill/>
+            </a:ln>
+          </p:spPr>
+          <p:txBody>
+            <a:bodyPr spcFirstLastPara="1" wrap="square" lIns="91425" tIns="45700" rIns="91425" bIns="45700" anchor="t" anchorCtr="0">
+              <a:spAutoFit/>
+            </a:bodyPr>
+            <a:lstStyle/>
+            <a:p>
+              <a:pPr marL="0" marR="0" lvl="0" indent="0" algn="ctr" rtl="0">
+                <a:lnSpc>
+                  <a:spcPct val="107000"/>
+                </a:lnSpc>
+                <a:spcBef>
+                  <a:spcPts val="800"/>
+                </a:spcBef>
+                <a:spcAft>
+                  <a:spcPts val="0"/>
+                </a:spcAft>
+                <a:buNone/>
+              </a:pPr>
+              <a:r>
+                <a:rPr lang="en-US" sz="2800" b="1" dirty="0">
+                  <a:solidFill>
+                    <a:schemeClr val="dk1"/>
+                  </a:solidFill>
+                  <a:latin typeface="Arial Black" panose="020B0A04020102020204" pitchFamily="34" charset="0"/>
+                  <a:sym typeface="Arial"/>
+                </a:rPr>
+                <a:t>+</a:t>
+              </a:r>
+              <a:endParaRPr sz="2800" u="sng" dirty="0">
+                <a:solidFill>
+                  <a:schemeClr val="dk1"/>
+                </a:solidFill>
+                <a:latin typeface="Arial Black" panose="020B0A04020102020204" pitchFamily="34" charset="0"/>
+                <a:sym typeface="Arial"/>
+              </a:endParaRPr>
+            </a:p>
+          </p:txBody>
+        </p:sp>
+        <p:sp>
+          <p:nvSpPr>
+            <p:cNvPr id="174" name="Google Shape;185;g21bc01ef45b_0_801">
+              <a:extLst>
+                <a:ext uri="{FF2B5EF4-FFF2-40B4-BE49-F238E27FC236}">
+                  <a16:creationId xmlns:a16="http://schemas.microsoft.com/office/drawing/2014/main" id="{E5A08039-6980-48AB-9A98-6217D2934E38}"/>
+                </a:ext>
+              </a:extLst>
+            </p:cNvPr>
+            <p:cNvSpPr/>
+            <p:nvPr/>
+          </p:nvSpPr>
+          <p:spPr>
+            <a:xfrm>
+              <a:off x="298113" y="5655882"/>
+              <a:ext cx="2052000" cy="1080000"/>
+            </a:xfrm>
+            <a:prstGeom prst="rect">
+              <a:avLst/>
+            </a:prstGeom>
+            <a:noFill/>
+            <a:ln w="28575" cap="flat" cmpd="sng">
+              <a:solidFill>
+                <a:schemeClr val="dk1"/>
+              </a:solidFill>
+              <a:prstDash val="solid"/>
+              <a:miter lim="800000"/>
+              <a:headEnd type="none" w="sm" len="sm"/>
+              <a:tailEnd type="none" w="sm" len="sm"/>
+            </a:ln>
+          </p:spPr>
+          <p:txBody>
+            <a:bodyPr spcFirstLastPara="1" wrap="square" lIns="91425" tIns="45700" rIns="91425" bIns="45700" anchor="ctr" anchorCtr="0">
+              <a:noAutofit/>
+            </a:bodyPr>
+            <a:lstStyle/>
+            <a:p>
+              <a:pPr marL="0" marR="0" lvl="0" indent="0" algn="just" rtl="0">
+                <a:spcBef>
+                  <a:spcPts val="0"/>
+                </a:spcBef>
+                <a:spcAft>
+                  <a:spcPts val="0"/>
+                </a:spcAft>
+                <a:buNone/>
+              </a:pPr>
+              <a:endParaRPr sz="1400">
+                <a:solidFill>
+                  <a:schemeClr val="dk1"/>
+                </a:solidFill>
+                <a:latin typeface="Arial"/>
+                <a:ea typeface="Arial"/>
+                <a:cs typeface="Arial"/>
+                <a:sym typeface="Arial"/>
+              </a:endParaRPr>
+            </a:p>
+          </p:txBody>
+        </p:sp>
+        <p:sp>
+          <p:nvSpPr>
+            <p:cNvPr id="175" name="Google Shape;186;g21bc01ef45b_0_801">
+              <a:extLst>
+                <a:ext uri="{FF2B5EF4-FFF2-40B4-BE49-F238E27FC236}">
+                  <a16:creationId xmlns:a16="http://schemas.microsoft.com/office/drawing/2014/main" id="{DBBD3366-AFEE-4AE6-BBB5-172EA833038A}"/>
+                </a:ext>
+              </a:extLst>
+            </p:cNvPr>
+            <p:cNvSpPr/>
+            <p:nvPr/>
+          </p:nvSpPr>
+          <p:spPr>
+            <a:xfrm>
+              <a:off x="290382" y="5655883"/>
+              <a:ext cx="2059800" cy="266700"/>
+            </a:xfrm>
+            <a:prstGeom prst="rect">
+              <a:avLst/>
+            </a:prstGeom>
+            <a:solidFill>
+              <a:schemeClr val="dk1"/>
+            </a:solidFill>
+            <a:ln>
+              <a:noFill/>
+            </a:ln>
+          </p:spPr>
+          <p:txBody>
+            <a:bodyPr spcFirstLastPara="1" wrap="square" lIns="91425" tIns="45700" rIns="91425" bIns="45700" anchor="ctr" anchorCtr="0">
+              <a:noAutofit/>
+            </a:bodyPr>
+            <a:lstStyle/>
+            <a:p>
+              <a:pPr marL="0" marR="0" lvl="0" indent="0" algn="ctr" rtl="0">
+                <a:spcBef>
+                  <a:spcPts val="0"/>
+                </a:spcBef>
+                <a:spcAft>
+                  <a:spcPts val="0"/>
+                </a:spcAft>
+                <a:buNone/>
+              </a:pPr>
+              <a:r>
+                <a:rPr lang="en-US" dirty="0">
+                  <a:solidFill>
+                    <a:schemeClr val="lt1"/>
+                  </a:solidFill>
+                  <a:latin typeface="Calibri"/>
+                  <a:ea typeface="Calibri"/>
+                  <a:cs typeface="Calibri"/>
+                  <a:sym typeface="Calibri"/>
+                </a:rPr>
+                <a:t>Jump Light Punch</a:t>
+              </a:r>
+              <a:endParaRPr sz="1400" dirty="0">
+                <a:solidFill>
+                  <a:schemeClr val="lt1"/>
+                </a:solidFill>
+                <a:latin typeface="Calibri"/>
+                <a:ea typeface="Calibri"/>
+                <a:cs typeface="Calibri"/>
+                <a:sym typeface="Calibri"/>
+              </a:endParaRPr>
+            </a:p>
+          </p:txBody>
+        </p:sp>
+        <p:pic>
+          <p:nvPicPr>
+            <p:cNvPr id="212" name="Google Shape;207;g21bc01ef45b_0_801">
+              <a:extLst>
+                <a:ext uri="{FF2B5EF4-FFF2-40B4-BE49-F238E27FC236}">
+                  <a16:creationId xmlns:a16="http://schemas.microsoft.com/office/drawing/2014/main" id="{26099F81-BA5A-4876-B92C-F7C5863741DE}"/>
+                </a:ext>
+              </a:extLst>
+            </p:cNvPr>
+            <p:cNvPicPr preferRelativeResize="0"/>
+            <p:nvPr/>
+          </p:nvPicPr>
+          <p:blipFill>
+            <a:blip r:embed="rId9">
+              <a:alphaModFix/>
+            </a:blip>
+            <a:stretch>
+              <a:fillRect/>
+            </a:stretch>
+          </p:blipFill>
+          <p:spPr>
+            <a:xfrm rot="5400000">
+              <a:off x="447988" y="6075132"/>
+              <a:ext cx="624915" cy="503180"/>
+            </a:xfrm>
+            <a:prstGeom prst="rect">
+              <a:avLst/>
+            </a:prstGeom>
+            <a:noFill/>
+            <a:ln>
+              <a:noFill/>
+            </a:ln>
+          </p:spPr>
+        </p:pic>
+        <p:sp>
+          <p:nvSpPr>
+            <p:cNvPr id="213" name="Google Shape;181;g21bc01ef45b_0_801">
+              <a:extLst>
+                <a:ext uri="{FF2B5EF4-FFF2-40B4-BE49-F238E27FC236}">
+                  <a16:creationId xmlns:a16="http://schemas.microsoft.com/office/drawing/2014/main" id="{6774FFD0-6ABF-405B-9A6B-61168F3D678C}"/>
+                </a:ext>
+              </a:extLst>
+            </p:cNvPr>
+            <p:cNvSpPr txBox="1"/>
+            <p:nvPr/>
+          </p:nvSpPr>
+          <p:spPr>
+            <a:xfrm>
+              <a:off x="1005218" y="5956611"/>
+              <a:ext cx="394457" cy="655908"/>
+            </a:xfrm>
+            <a:prstGeom prst="rect">
+              <a:avLst/>
+            </a:prstGeom>
+            <a:noFill/>
+            <a:ln>
+              <a:noFill/>
+            </a:ln>
+          </p:spPr>
+          <p:txBody>
+            <a:bodyPr spcFirstLastPara="1" wrap="square" lIns="91425" tIns="45700" rIns="91425" bIns="45700" anchor="t" anchorCtr="0">
+              <a:spAutoFit/>
+            </a:bodyPr>
+            <a:lstStyle/>
+            <a:p>
+              <a:pPr marL="0" marR="0" lvl="0" indent="0" algn="ctr" rtl="0">
+                <a:lnSpc>
+                  <a:spcPct val="107000"/>
+                </a:lnSpc>
+                <a:spcBef>
+                  <a:spcPts val="800"/>
+                </a:spcBef>
+                <a:spcAft>
+                  <a:spcPts val="0"/>
+                </a:spcAft>
+                <a:buNone/>
+              </a:pPr>
+              <a:r>
+                <a:rPr lang="en-US" sz="2800" b="1" dirty="0">
+                  <a:solidFill>
+                    <a:schemeClr val="dk1"/>
+                  </a:solidFill>
+                  <a:latin typeface="Arial Black" panose="020B0A04020102020204" pitchFamily="34" charset="0"/>
+                  <a:sym typeface="Arial"/>
+                </a:rPr>
+                <a:t>+</a:t>
+              </a:r>
+              <a:endParaRPr sz="2800" u="sng" dirty="0">
+                <a:solidFill>
+                  <a:schemeClr val="dk1"/>
+                </a:solidFill>
+                <a:latin typeface="Arial Black" panose="020B0A04020102020204" pitchFamily="34" charset="0"/>
+                <a:sym typeface="Arial"/>
+              </a:endParaRPr>
+            </a:p>
+          </p:txBody>
+        </p:sp>
+        <p:sp>
+          <p:nvSpPr>
+            <p:cNvPr id="177" name="Google Shape;187;g21bc01ef45b_0_801">
+              <a:extLst>
+                <a:ext uri="{FF2B5EF4-FFF2-40B4-BE49-F238E27FC236}">
+                  <a16:creationId xmlns:a16="http://schemas.microsoft.com/office/drawing/2014/main" id="{02479E30-667B-4393-A1A3-9ADDA915C4B4}"/>
+                </a:ext>
+              </a:extLst>
+            </p:cNvPr>
+            <p:cNvSpPr/>
+            <p:nvPr/>
+          </p:nvSpPr>
+          <p:spPr>
+            <a:xfrm>
+              <a:off x="2421364" y="5655882"/>
+              <a:ext cx="2052000" cy="1080000"/>
+            </a:xfrm>
+            <a:prstGeom prst="rect">
+              <a:avLst/>
+            </a:prstGeom>
+            <a:noFill/>
+            <a:ln w="28575" cap="flat" cmpd="sng">
+              <a:solidFill>
+                <a:schemeClr val="dk1"/>
+              </a:solidFill>
+              <a:prstDash val="solid"/>
+              <a:miter lim="800000"/>
+              <a:headEnd type="none" w="sm" len="sm"/>
+              <a:tailEnd type="none" w="sm" len="sm"/>
+            </a:ln>
+          </p:spPr>
+          <p:txBody>
+            <a:bodyPr spcFirstLastPara="1" wrap="square" lIns="91425" tIns="45700" rIns="91425" bIns="45700" anchor="ctr" anchorCtr="0">
+              <a:noAutofit/>
+            </a:bodyPr>
+            <a:lstStyle/>
+            <a:p>
+              <a:pPr marL="0" marR="0" lvl="0" indent="0" algn="just" rtl="0">
+                <a:spcBef>
+                  <a:spcPts val="0"/>
+                </a:spcBef>
+                <a:spcAft>
+                  <a:spcPts val="0"/>
+                </a:spcAft>
+                <a:buNone/>
+              </a:pPr>
+              <a:endParaRPr sz="1400">
+                <a:solidFill>
+                  <a:schemeClr val="dk1"/>
+                </a:solidFill>
+                <a:latin typeface="Arial"/>
+                <a:ea typeface="Arial"/>
+                <a:cs typeface="Arial"/>
+                <a:sym typeface="Arial"/>
+              </a:endParaRPr>
+            </a:p>
+          </p:txBody>
+        </p:sp>
+        <p:sp>
+          <p:nvSpPr>
+            <p:cNvPr id="178" name="Google Shape;188;g21bc01ef45b_0_801">
+              <a:extLst>
+                <a:ext uri="{FF2B5EF4-FFF2-40B4-BE49-F238E27FC236}">
+                  <a16:creationId xmlns:a16="http://schemas.microsoft.com/office/drawing/2014/main" id="{A6818352-7D78-4DC2-B274-09FA8AF29687}"/>
+                </a:ext>
+              </a:extLst>
+            </p:cNvPr>
+            <p:cNvSpPr/>
+            <p:nvPr/>
+          </p:nvSpPr>
+          <p:spPr>
+            <a:xfrm>
+              <a:off x="2413633" y="5655883"/>
+              <a:ext cx="2059800" cy="266700"/>
+            </a:xfrm>
+            <a:prstGeom prst="rect">
+              <a:avLst/>
+            </a:prstGeom>
+            <a:solidFill>
+              <a:schemeClr val="dk1"/>
+            </a:solidFill>
+            <a:ln>
+              <a:noFill/>
+            </a:ln>
+          </p:spPr>
+          <p:txBody>
+            <a:bodyPr spcFirstLastPara="1" wrap="square" lIns="91425" tIns="45700" rIns="91425" bIns="45700" anchor="ctr" anchorCtr="0">
+              <a:noAutofit/>
+            </a:bodyPr>
+            <a:lstStyle/>
+            <a:p>
+              <a:pPr marL="0" marR="0" lvl="0" indent="0" algn="ctr" rtl="0">
+                <a:spcBef>
+                  <a:spcPts val="0"/>
+                </a:spcBef>
+                <a:spcAft>
+                  <a:spcPts val="0"/>
+                </a:spcAft>
+                <a:buNone/>
+              </a:pPr>
+              <a:r>
+                <a:rPr lang="en-US" dirty="0">
+                  <a:solidFill>
+                    <a:schemeClr val="lt1"/>
+                  </a:solidFill>
+                  <a:latin typeface="Calibri"/>
+                  <a:ea typeface="Calibri"/>
+                  <a:cs typeface="Calibri"/>
+                  <a:sym typeface="Calibri"/>
+                </a:rPr>
+                <a:t>Jump Medium Punch</a:t>
+              </a:r>
+              <a:endParaRPr dirty="0"/>
+            </a:p>
+          </p:txBody>
+        </p:sp>
+        <p:sp>
+          <p:nvSpPr>
+            <p:cNvPr id="179" name="Google Shape;189;g21bc01ef45b_0_801">
+              <a:extLst>
+                <a:ext uri="{FF2B5EF4-FFF2-40B4-BE49-F238E27FC236}">
+                  <a16:creationId xmlns:a16="http://schemas.microsoft.com/office/drawing/2014/main" id="{81295CED-5BC9-4813-A504-F90ABC7F6A7E}"/>
+                </a:ext>
+              </a:extLst>
+            </p:cNvPr>
+            <p:cNvSpPr/>
+            <p:nvPr/>
+          </p:nvSpPr>
+          <p:spPr>
+            <a:xfrm>
+              <a:off x="4536884" y="5655882"/>
+              <a:ext cx="2052000" cy="1080000"/>
+            </a:xfrm>
+            <a:prstGeom prst="rect">
+              <a:avLst/>
+            </a:prstGeom>
+            <a:noFill/>
+            <a:ln w="28575" cap="flat" cmpd="sng">
+              <a:solidFill>
+                <a:schemeClr val="dk1"/>
+              </a:solidFill>
+              <a:prstDash val="solid"/>
+              <a:miter lim="800000"/>
+              <a:headEnd type="none" w="sm" len="sm"/>
+              <a:tailEnd type="none" w="sm" len="sm"/>
+            </a:ln>
+          </p:spPr>
+          <p:txBody>
+            <a:bodyPr spcFirstLastPara="1" wrap="square" lIns="91425" tIns="45700" rIns="91425" bIns="45700" anchor="ctr" anchorCtr="0">
+              <a:noAutofit/>
+            </a:bodyPr>
+            <a:lstStyle/>
+            <a:p>
+              <a:pPr marL="0" marR="0" lvl="0" indent="0" algn="just" rtl="0">
+                <a:spcBef>
+                  <a:spcPts val="0"/>
+                </a:spcBef>
+                <a:spcAft>
+                  <a:spcPts val="0"/>
+                </a:spcAft>
+                <a:buNone/>
+              </a:pPr>
+              <a:endParaRPr sz="1400">
+                <a:solidFill>
+                  <a:schemeClr val="dk1"/>
+                </a:solidFill>
+                <a:latin typeface="Arial"/>
+                <a:ea typeface="Arial"/>
+                <a:cs typeface="Arial"/>
+                <a:sym typeface="Arial"/>
+              </a:endParaRPr>
+            </a:p>
+          </p:txBody>
+        </p:sp>
+        <p:sp>
+          <p:nvSpPr>
+            <p:cNvPr id="180" name="Google Shape;190;g21bc01ef45b_0_801">
+              <a:extLst>
+                <a:ext uri="{FF2B5EF4-FFF2-40B4-BE49-F238E27FC236}">
+                  <a16:creationId xmlns:a16="http://schemas.microsoft.com/office/drawing/2014/main" id="{EB5FEA55-837C-4A98-ADED-2A36C9AB5A6E}"/>
+                </a:ext>
+              </a:extLst>
+            </p:cNvPr>
+            <p:cNvSpPr/>
+            <p:nvPr/>
+          </p:nvSpPr>
+          <p:spPr>
+            <a:xfrm>
+              <a:off x="4529153" y="5655883"/>
+              <a:ext cx="2059800" cy="266700"/>
+            </a:xfrm>
+            <a:prstGeom prst="rect">
+              <a:avLst/>
+            </a:prstGeom>
+            <a:solidFill>
+              <a:schemeClr val="dk1"/>
+            </a:solidFill>
+            <a:ln>
+              <a:noFill/>
+            </a:ln>
+          </p:spPr>
+          <p:txBody>
+            <a:bodyPr spcFirstLastPara="1" wrap="square" lIns="91425" tIns="45700" rIns="91425" bIns="45700" anchor="ctr" anchorCtr="0">
+              <a:noAutofit/>
+            </a:bodyPr>
+            <a:lstStyle/>
+            <a:p>
+              <a:pPr marL="0" marR="0" lvl="0" indent="0" algn="ctr" rtl="0">
+                <a:spcBef>
+                  <a:spcPts val="0"/>
+                </a:spcBef>
+                <a:spcAft>
+                  <a:spcPts val="0"/>
+                </a:spcAft>
+                <a:buNone/>
+              </a:pPr>
+              <a:r>
+                <a:rPr lang="en-US" dirty="0">
+                  <a:solidFill>
+                    <a:schemeClr val="lt1"/>
+                  </a:solidFill>
+                  <a:latin typeface="Calibri"/>
+                  <a:ea typeface="Calibri"/>
+                  <a:cs typeface="Calibri"/>
+                  <a:sym typeface="Calibri"/>
+                </a:rPr>
+                <a:t>Jump Heavy Punch</a:t>
+              </a:r>
+              <a:endParaRPr dirty="0"/>
+            </a:p>
+          </p:txBody>
+        </p:sp>
+        <p:pic>
+          <p:nvPicPr>
+            <p:cNvPr id="209" name="Google Shape;207;g21bc01ef45b_0_801">
+              <a:extLst>
+                <a:ext uri="{FF2B5EF4-FFF2-40B4-BE49-F238E27FC236}">
+                  <a16:creationId xmlns:a16="http://schemas.microsoft.com/office/drawing/2014/main" id="{566B31FA-2583-41EE-9253-EE8CEBF3F92A}"/>
+                </a:ext>
+              </a:extLst>
+            </p:cNvPr>
+            <p:cNvPicPr preferRelativeResize="0"/>
+            <p:nvPr/>
+          </p:nvPicPr>
+          <p:blipFill>
+            <a:blip r:embed="rId9">
+              <a:alphaModFix/>
+            </a:blip>
+            <a:stretch>
+              <a:fillRect/>
+            </a:stretch>
+          </p:blipFill>
+          <p:spPr>
+            <a:xfrm rot="5400000">
+              <a:off x="2577176" y="6068794"/>
+              <a:ext cx="624915" cy="503180"/>
+            </a:xfrm>
+            <a:prstGeom prst="rect">
+              <a:avLst/>
+            </a:prstGeom>
+            <a:noFill/>
+            <a:ln>
+              <a:noFill/>
+            </a:ln>
+          </p:spPr>
+        </p:pic>
+        <p:sp>
+          <p:nvSpPr>
+            <p:cNvPr id="210" name="Google Shape;181;g21bc01ef45b_0_801">
+              <a:extLst>
+                <a:ext uri="{FF2B5EF4-FFF2-40B4-BE49-F238E27FC236}">
+                  <a16:creationId xmlns:a16="http://schemas.microsoft.com/office/drawing/2014/main" id="{147C06F5-B8E0-43D2-8249-D4BF2948C16C}"/>
+                </a:ext>
+              </a:extLst>
+            </p:cNvPr>
+            <p:cNvSpPr txBox="1"/>
+            <p:nvPr/>
+          </p:nvSpPr>
+          <p:spPr>
+            <a:xfrm>
+              <a:off x="3134406" y="5950273"/>
+              <a:ext cx="394457" cy="655908"/>
+            </a:xfrm>
+            <a:prstGeom prst="rect">
+              <a:avLst/>
+            </a:prstGeom>
+            <a:noFill/>
+            <a:ln>
+              <a:noFill/>
+            </a:ln>
+          </p:spPr>
+          <p:txBody>
+            <a:bodyPr spcFirstLastPara="1" wrap="square" lIns="91425" tIns="45700" rIns="91425" bIns="45700" anchor="t" anchorCtr="0">
+              <a:spAutoFit/>
+            </a:bodyPr>
+            <a:lstStyle/>
+            <a:p>
+              <a:pPr marL="0" marR="0" lvl="0" indent="0" algn="ctr" rtl="0">
+                <a:lnSpc>
+                  <a:spcPct val="107000"/>
+                </a:lnSpc>
+                <a:spcBef>
+                  <a:spcPts val="800"/>
+                </a:spcBef>
+                <a:spcAft>
+                  <a:spcPts val="0"/>
+                </a:spcAft>
+                <a:buNone/>
+              </a:pPr>
+              <a:r>
+                <a:rPr lang="en-US" sz="2800" b="1" dirty="0">
+                  <a:solidFill>
+                    <a:schemeClr val="dk1"/>
+                  </a:solidFill>
+                  <a:latin typeface="Arial Black" panose="020B0A04020102020204" pitchFamily="34" charset="0"/>
+                  <a:sym typeface="Arial"/>
+                </a:rPr>
+                <a:t>+</a:t>
+              </a:r>
+              <a:endParaRPr sz="2800" u="sng" dirty="0">
+                <a:solidFill>
+                  <a:schemeClr val="dk1"/>
+                </a:solidFill>
+                <a:latin typeface="Arial Black" panose="020B0A04020102020204" pitchFamily="34" charset="0"/>
+                <a:sym typeface="Arial"/>
+              </a:endParaRPr>
+            </a:p>
+          </p:txBody>
+        </p:sp>
+        <p:pic>
+          <p:nvPicPr>
+            <p:cNvPr id="206" name="Google Shape;207;g21bc01ef45b_0_801">
+              <a:extLst>
+                <a:ext uri="{FF2B5EF4-FFF2-40B4-BE49-F238E27FC236}">
+                  <a16:creationId xmlns:a16="http://schemas.microsoft.com/office/drawing/2014/main" id="{DB9E9376-5103-47F5-8AC5-CD0DC6512C4C}"/>
+                </a:ext>
+              </a:extLst>
+            </p:cNvPr>
+            <p:cNvPicPr preferRelativeResize="0"/>
+            <p:nvPr/>
+          </p:nvPicPr>
+          <p:blipFill>
+            <a:blip r:embed="rId9">
+              <a:alphaModFix/>
+            </a:blip>
+            <a:stretch>
+              <a:fillRect/>
+            </a:stretch>
+          </p:blipFill>
+          <p:spPr>
+            <a:xfrm rot="5400000">
+              <a:off x="4680781" y="6068794"/>
+              <a:ext cx="624915" cy="503180"/>
+            </a:xfrm>
+            <a:prstGeom prst="rect">
+              <a:avLst/>
+            </a:prstGeom>
+            <a:noFill/>
+            <a:ln>
+              <a:noFill/>
+            </a:ln>
+          </p:spPr>
+        </p:pic>
+        <p:sp>
+          <p:nvSpPr>
+            <p:cNvPr id="207" name="Google Shape;181;g21bc01ef45b_0_801">
+              <a:extLst>
+                <a:ext uri="{FF2B5EF4-FFF2-40B4-BE49-F238E27FC236}">
+                  <a16:creationId xmlns:a16="http://schemas.microsoft.com/office/drawing/2014/main" id="{914121E4-CC5D-4BD0-B6EE-B584E3D3D8CE}"/>
+                </a:ext>
+              </a:extLst>
+            </p:cNvPr>
+            <p:cNvSpPr txBox="1"/>
+            <p:nvPr/>
+          </p:nvSpPr>
+          <p:spPr>
+            <a:xfrm>
+              <a:off x="5238011" y="5950273"/>
+              <a:ext cx="394457" cy="655908"/>
+            </a:xfrm>
+            <a:prstGeom prst="rect">
+              <a:avLst/>
+            </a:prstGeom>
+            <a:noFill/>
+            <a:ln>
+              <a:noFill/>
+            </a:ln>
+          </p:spPr>
+          <p:txBody>
+            <a:bodyPr spcFirstLastPara="1" wrap="square" lIns="91425" tIns="45700" rIns="91425" bIns="45700" anchor="t" anchorCtr="0">
+              <a:spAutoFit/>
+            </a:bodyPr>
+            <a:lstStyle/>
+            <a:p>
+              <a:pPr marL="0" marR="0" lvl="0" indent="0" algn="ctr" rtl="0">
+                <a:lnSpc>
+                  <a:spcPct val="107000"/>
+                </a:lnSpc>
+                <a:spcBef>
+                  <a:spcPts val="800"/>
+                </a:spcBef>
+                <a:spcAft>
+                  <a:spcPts val="0"/>
+                </a:spcAft>
+                <a:buNone/>
+              </a:pPr>
+              <a:r>
+                <a:rPr lang="en-US" sz="2800" b="1" dirty="0">
+                  <a:solidFill>
+                    <a:schemeClr val="dk1"/>
+                  </a:solidFill>
+                  <a:latin typeface="Arial Black" panose="020B0A04020102020204" pitchFamily="34" charset="0"/>
+                  <a:sym typeface="Arial"/>
+                </a:rPr>
+                <a:t>+</a:t>
+              </a:r>
+              <a:endParaRPr sz="2800" u="sng" dirty="0">
+                <a:solidFill>
+                  <a:schemeClr val="dk1"/>
+                </a:solidFill>
+                <a:latin typeface="Arial Black" panose="020B0A04020102020204" pitchFamily="34" charset="0"/>
+                <a:sym typeface="Arial"/>
+              </a:endParaRPr>
+            </a:p>
+          </p:txBody>
+        </p:sp>
+        <p:pic>
+          <p:nvPicPr>
+            <p:cNvPr id="229" name="Google Shape;198;g21bc01ef45b_0_801">
+              <a:extLst>
+                <a:ext uri="{FF2B5EF4-FFF2-40B4-BE49-F238E27FC236}">
+                  <a16:creationId xmlns:a16="http://schemas.microsoft.com/office/drawing/2014/main" id="{F79B6B5B-19B9-4A9E-8243-3BA9E65B5E32}"/>
+                </a:ext>
+              </a:extLst>
+            </p:cNvPr>
+            <p:cNvPicPr preferRelativeResize="0"/>
+            <p:nvPr/>
+          </p:nvPicPr>
+          <p:blipFill>
+            <a:blip r:embed="rId4">
+              <a:alphaModFix/>
+            </a:blip>
+            <a:stretch>
+              <a:fillRect/>
+            </a:stretch>
+          </p:blipFill>
+          <p:spPr>
+            <a:xfrm>
+              <a:off x="3561254" y="4832228"/>
+              <a:ext cx="704850" cy="704850"/>
+            </a:xfrm>
+            <a:prstGeom prst="rect">
+              <a:avLst/>
+            </a:prstGeom>
+            <a:noFill/>
+            <a:ln>
+              <a:noFill/>
+            </a:ln>
+          </p:spPr>
+        </p:pic>
+        <p:pic>
+          <p:nvPicPr>
+            <p:cNvPr id="230" name="Google Shape;199;g21bc01ef45b_0_801">
+              <a:extLst>
+                <a:ext uri="{FF2B5EF4-FFF2-40B4-BE49-F238E27FC236}">
+                  <a16:creationId xmlns:a16="http://schemas.microsoft.com/office/drawing/2014/main" id="{8D0A35F0-4EB1-48E2-92D3-ED9D3F5736C4}"/>
+                </a:ext>
+              </a:extLst>
+            </p:cNvPr>
+            <p:cNvPicPr preferRelativeResize="0"/>
+            <p:nvPr/>
+          </p:nvPicPr>
+          <p:blipFill>
+            <a:blip r:embed="rId5">
+              <a:alphaModFix/>
+            </a:blip>
+            <a:stretch>
+              <a:fillRect/>
+            </a:stretch>
+          </p:blipFill>
+          <p:spPr>
+            <a:xfrm>
+              <a:off x="5671129" y="4832237"/>
+              <a:ext cx="704850" cy="704850"/>
+            </a:xfrm>
+            <a:prstGeom prst="rect">
+              <a:avLst/>
+            </a:prstGeom>
+            <a:noFill/>
+            <a:ln>
+              <a:noFill/>
+            </a:ln>
+          </p:spPr>
+        </p:pic>
+        <p:pic>
+          <p:nvPicPr>
+            <p:cNvPr id="231" name="Google Shape;200;g21bc01ef45b_0_801">
+              <a:extLst>
+                <a:ext uri="{FF2B5EF4-FFF2-40B4-BE49-F238E27FC236}">
+                  <a16:creationId xmlns:a16="http://schemas.microsoft.com/office/drawing/2014/main" id="{25B4A3CC-B448-4207-AB43-66BB89C5F868}"/>
+                </a:ext>
+              </a:extLst>
+            </p:cNvPr>
+            <p:cNvPicPr preferRelativeResize="0"/>
+            <p:nvPr/>
+          </p:nvPicPr>
+          <p:blipFill>
+            <a:blip r:embed="rId6">
+              <a:alphaModFix/>
+            </a:blip>
+            <a:stretch>
+              <a:fillRect/>
+            </a:stretch>
+          </p:blipFill>
+          <p:spPr>
+            <a:xfrm>
+              <a:off x="1428479" y="5964937"/>
+              <a:ext cx="723900" cy="723900"/>
+            </a:xfrm>
+            <a:prstGeom prst="rect">
+              <a:avLst/>
+            </a:prstGeom>
+            <a:noFill/>
+            <a:ln>
+              <a:noFill/>
+            </a:ln>
+          </p:spPr>
+        </p:pic>
+        <p:pic>
+          <p:nvPicPr>
+            <p:cNvPr id="232" name="Google Shape;201;g21bc01ef45b_0_801">
+              <a:extLst>
+                <a:ext uri="{FF2B5EF4-FFF2-40B4-BE49-F238E27FC236}">
+                  <a16:creationId xmlns:a16="http://schemas.microsoft.com/office/drawing/2014/main" id="{76184BFA-A923-4FF2-9409-03B047C4F146}"/>
+                </a:ext>
+              </a:extLst>
+            </p:cNvPr>
+            <p:cNvPicPr preferRelativeResize="0"/>
+            <p:nvPr/>
+          </p:nvPicPr>
+          <p:blipFill>
+            <a:blip r:embed="rId7">
+              <a:alphaModFix/>
+            </a:blip>
+            <a:stretch>
+              <a:fillRect/>
+            </a:stretch>
+          </p:blipFill>
+          <p:spPr>
+            <a:xfrm>
+              <a:off x="3547002" y="5964937"/>
+              <a:ext cx="723900" cy="723900"/>
+            </a:xfrm>
+            <a:prstGeom prst="rect">
+              <a:avLst/>
+            </a:prstGeom>
+            <a:noFill/>
+            <a:ln>
+              <a:noFill/>
+            </a:ln>
+          </p:spPr>
+        </p:pic>
+        <p:pic>
+          <p:nvPicPr>
+            <p:cNvPr id="233" name="Google Shape;202;g21bc01ef45b_0_801">
+              <a:extLst>
+                <a:ext uri="{FF2B5EF4-FFF2-40B4-BE49-F238E27FC236}">
+                  <a16:creationId xmlns:a16="http://schemas.microsoft.com/office/drawing/2014/main" id="{A5BF983D-BD35-42A6-9A4B-5FB3A857E2F0}"/>
+                </a:ext>
+              </a:extLst>
+            </p:cNvPr>
+            <p:cNvPicPr preferRelativeResize="0"/>
+            <p:nvPr/>
+          </p:nvPicPr>
+          <p:blipFill>
+            <a:blip r:embed="rId8">
+              <a:alphaModFix/>
+            </a:blip>
+            <a:stretch>
+              <a:fillRect/>
+            </a:stretch>
+          </p:blipFill>
+          <p:spPr>
+            <a:xfrm>
+              <a:off x="5671379" y="5984187"/>
+              <a:ext cx="723900" cy="723900"/>
+            </a:xfrm>
+            <a:prstGeom prst="rect">
+              <a:avLst/>
+            </a:prstGeom>
+            <a:noFill/>
+            <a:ln>
+              <a:noFill/>
+            </a:ln>
+          </p:spPr>
+        </p:pic>
+      </p:grpSp>
+      <p:grpSp>
+        <p:nvGrpSpPr>
+          <p:cNvPr id="7" name="Grupo 6">
+            <a:extLst>
+              <a:ext uri="{FF2B5EF4-FFF2-40B4-BE49-F238E27FC236}">
+                <a16:creationId xmlns:a16="http://schemas.microsoft.com/office/drawing/2014/main" id="{343C2163-870F-4DBE-8A87-462E626987A0}"/>
+              </a:ext>
+            </a:extLst>
+          </p:cNvPr>
+          <p:cNvGrpSpPr/>
+          <p:nvPr/>
+        </p:nvGrpSpPr>
+        <p:grpSpPr>
+          <a:xfrm>
+            <a:off x="276734" y="7279968"/>
+            <a:ext cx="6298571" cy="2226418"/>
+            <a:chOff x="276734" y="7279968"/>
+            <a:chExt cx="6298571" cy="2226418"/>
+          </a:xfrm>
+        </p:grpSpPr>
+        <p:sp>
+          <p:nvSpPr>
+            <p:cNvPr id="235" name="Google Shape;185;g21bc01ef45b_0_801">
+              <a:extLst>
+                <a:ext uri="{FF2B5EF4-FFF2-40B4-BE49-F238E27FC236}">
+                  <a16:creationId xmlns:a16="http://schemas.microsoft.com/office/drawing/2014/main" id="{56126AE7-4516-4C33-817C-A3479AFE166B}"/>
+                </a:ext>
+              </a:extLst>
+            </p:cNvPr>
+            <p:cNvSpPr/>
+            <p:nvPr/>
+          </p:nvSpPr>
+          <p:spPr>
+            <a:xfrm>
+              <a:off x="284465" y="7279968"/>
+              <a:ext cx="2052000" cy="1080000"/>
+            </a:xfrm>
+            <a:prstGeom prst="rect">
+              <a:avLst/>
+            </a:prstGeom>
+            <a:noFill/>
+            <a:ln w="28575" cap="flat" cmpd="sng">
+              <a:solidFill>
+                <a:schemeClr val="dk1"/>
+              </a:solidFill>
+              <a:prstDash val="solid"/>
+              <a:miter lim="800000"/>
+              <a:headEnd type="none" w="sm" len="sm"/>
+              <a:tailEnd type="none" w="sm" len="sm"/>
+            </a:ln>
+          </p:spPr>
+          <p:txBody>
+            <a:bodyPr spcFirstLastPara="1" wrap="square" lIns="91425" tIns="45700" rIns="91425" bIns="45700" anchor="ctr" anchorCtr="0">
+              <a:noAutofit/>
+            </a:bodyPr>
+            <a:lstStyle/>
+            <a:p>
+              <a:pPr marL="0" marR="0" lvl="0" indent="0" algn="just" rtl="0">
+                <a:spcBef>
+                  <a:spcPts val="0"/>
+                </a:spcBef>
+                <a:spcAft>
+                  <a:spcPts val="0"/>
+                </a:spcAft>
+                <a:buNone/>
+              </a:pPr>
+              <a:endParaRPr sz="1400">
+                <a:solidFill>
+                  <a:schemeClr val="dk1"/>
+                </a:solidFill>
+                <a:latin typeface="Arial"/>
+                <a:ea typeface="Arial"/>
+                <a:cs typeface="Arial"/>
+                <a:sym typeface="Arial"/>
+              </a:endParaRPr>
+            </a:p>
+          </p:txBody>
+        </p:sp>
+        <p:sp>
+          <p:nvSpPr>
+            <p:cNvPr id="236" name="Google Shape;186;g21bc01ef45b_0_801">
+              <a:extLst>
+                <a:ext uri="{FF2B5EF4-FFF2-40B4-BE49-F238E27FC236}">
+                  <a16:creationId xmlns:a16="http://schemas.microsoft.com/office/drawing/2014/main" id="{7B8F1E38-7DA4-49B4-9EC5-F688C59D03F9}"/>
+                </a:ext>
+              </a:extLst>
+            </p:cNvPr>
+            <p:cNvSpPr/>
+            <p:nvPr/>
+          </p:nvSpPr>
+          <p:spPr>
+            <a:xfrm>
+              <a:off x="276734" y="7279969"/>
+              <a:ext cx="2059800" cy="266700"/>
+            </a:xfrm>
+            <a:prstGeom prst="rect">
+              <a:avLst/>
+            </a:prstGeom>
+            <a:solidFill>
+              <a:schemeClr val="dk1"/>
+            </a:solidFill>
+            <a:ln>
+              <a:noFill/>
+            </a:ln>
+          </p:spPr>
+          <p:txBody>
+            <a:bodyPr spcFirstLastPara="1" wrap="square" lIns="91425" tIns="45700" rIns="91425" bIns="45700" anchor="ctr" anchorCtr="0">
+              <a:noAutofit/>
+            </a:bodyPr>
+            <a:lstStyle/>
+            <a:p>
+              <a:pPr marL="0" marR="0" lvl="0" indent="0" algn="ctr" rtl="0">
+                <a:spcBef>
+                  <a:spcPts val="0"/>
+                </a:spcBef>
+                <a:spcAft>
+                  <a:spcPts val="0"/>
+                </a:spcAft>
+                <a:buNone/>
+              </a:pPr>
+              <a:r>
+                <a:rPr lang="en-US" dirty="0">
+                  <a:solidFill>
+                    <a:schemeClr val="lt1"/>
+                  </a:solidFill>
+                  <a:latin typeface="Calibri"/>
+                  <a:ea typeface="Calibri"/>
+                  <a:cs typeface="Calibri"/>
+                  <a:sym typeface="Calibri"/>
+                </a:rPr>
+                <a:t>Crouch Light Punch</a:t>
+              </a:r>
+              <a:endParaRPr sz="1400" dirty="0">
+                <a:solidFill>
+                  <a:schemeClr val="lt1"/>
+                </a:solidFill>
+                <a:latin typeface="Calibri"/>
+                <a:ea typeface="Calibri"/>
+                <a:cs typeface="Calibri"/>
+                <a:sym typeface="Calibri"/>
+              </a:endParaRPr>
+            </a:p>
+          </p:txBody>
+        </p:sp>
+        <p:pic>
+          <p:nvPicPr>
+            <p:cNvPr id="237" name="Google Shape;197;g21bc01ef45b_0_801">
+              <a:extLst>
+                <a:ext uri="{FF2B5EF4-FFF2-40B4-BE49-F238E27FC236}">
+                  <a16:creationId xmlns:a16="http://schemas.microsoft.com/office/drawing/2014/main" id="{F7C6EBA4-2D1A-4089-ADE7-EED1CFAB5BF8}"/>
+                </a:ext>
+              </a:extLst>
+            </p:cNvPr>
+            <p:cNvPicPr preferRelativeResize="0"/>
+            <p:nvPr/>
+          </p:nvPicPr>
+          <p:blipFill>
+            <a:blip r:embed="rId3">
+              <a:alphaModFix/>
+            </a:blip>
+            <a:stretch>
+              <a:fillRect/>
+            </a:stretch>
+          </p:blipFill>
+          <p:spPr>
+            <a:xfrm>
+              <a:off x="1409621" y="7598383"/>
+              <a:ext cx="704850" cy="704850"/>
+            </a:xfrm>
+            <a:prstGeom prst="rect">
+              <a:avLst/>
+            </a:prstGeom>
+            <a:noFill/>
+            <a:ln>
+              <a:noFill/>
+            </a:ln>
+          </p:spPr>
+        </p:pic>
+        <p:pic>
+          <p:nvPicPr>
+            <p:cNvPr id="238" name="Google Shape;207;g21bc01ef45b_0_801">
+              <a:extLst>
+                <a:ext uri="{FF2B5EF4-FFF2-40B4-BE49-F238E27FC236}">
+                  <a16:creationId xmlns:a16="http://schemas.microsoft.com/office/drawing/2014/main" id="{B9A72E0A-66B9-4671-B2D4-A3F5665A4127}"/>
+                </a:ext>
+              </a:extLst>
+            </p:cNvPr>
+            <p:cNvPicPr preferRelativeResize="0"/>
+            <p:nvPr/>
+          </p:nvPicPr>
+          <p:blipFill>
+            <a:blip r:embed="rId9">
+              <a:alphaModFix/>
+            </a:blip>
+            <a:stretch>
+              <a:fillRect/>
+            </a:stretch>
+          </p:blipFill>
+          <p:spPr>
+            <a:xfrm rot="16200000" flipV="1">
+              <a:off x="434340" y="7699218"/>
+              <a:ext cx="624915" cy="503180"/>
+            </a:xfrm>
+            <a:prstGeom prst="rect">
+              <a:avLst/>
+            </a:prstGeom>
+            <a:noFill/>
+            <a:ln>
+              <a:noFill/>
+            </a:ln>
+          </p:spPr>
+        </p:pic>
+        <p:sp>
+          <p:nvSpPr>
+            <p:cNvPr id="239" name="Google Shape;181;g21bc01ef45b_0_801">
+              <a:extLst>
+                <a:ext uri="{FF2B5EF4-FFF2-40B4-BE49-F238E27FC236}">
+                  <a16:creationId xmlns:a16="http://schemas.microsoft.com/office/drawing/2014/main" id="{A181F161-2CB3-4D11-8BE5-5963059A2713}"/>
+                </a:ext>
+              </a:extLst>
+            </p:cNvPr>
+            <p:cNvSpPr txBox="1"/>
+            <p:nvPr/>
+          </p:nvSpPr>
+          <p:spPr>
+            <a:xfrm>
+              <a:off x="991570" y="7580697"/>
+              <a:ext cx="394457" cy="655908"/>
+            </a:xfrm>
+            <a:prstGeom prst="rect">
+              <a:avLst/>
+            </a:prstGeom>
+            <a:noFill/>
+            <a:ln>
+              <a:noFill/>
+            </a:ln>
+          </p:spPr>
+          <p:txBody>
+            <a:bodyPr spcFirstLastPara="1" wrap="square" lIns="91425" tIns="45700" rIns="91425" bIns="45700" anchor="t" anchorCtr="0">
+              <a:spAutoFit/>
+            </a:bodyPr>
+            <a:lstStyle/>
+            <a:p>
+              <a:pPr marL="0" marR="0" lvl="0" indent="0" algn="ctr" rtl="0">
+                <a:lnSpc>
+                  <a:spcPct val="107000"/>
+                </a:lnSpc>
+                <a:spcBef>
+                  <a:spcPts val="800"/>
+                </a:spcBef>
+                <a:spcAft>
+                  <a:spcPts val="0"/>
+                </a:spcAft>
+                <a:buNone/>
+              </a:pPr>
+              <a:r>
+                <a:rPr lang="en-US" sz="2800" b="1" dirty="0">
+                  <a:solidFill>
+                    <a:schemeClr val="dk1"/>
+                  </a:solidFill>
+                  <a:latin typeface="Arial Black" panose="020B0A04020102020204" pitchFamily="34" charset="0"/>
+                  <a:sym typeface="Arial"/>
+                </a:rPr>
+                <a:t>+</a:t>
+              </a:r>
+              <a:endParaRPr sz="2800" u="sng" dirty="0">
+                <a:solidFill>
+                  <a:schemeClr val="dk1"/>
+                </a:solidFill>
+                <a:latin typeface="Arial Black" panose="020B0A04020102020204" pitchFamily="34" charset="0"/>
+                <a:sym typeface="Arial"/>
+              </a:endParaRPr>
+            </a:p>
+          </p:txBody>
+        </p:sp>
+        <p:sp>
+          <p:nvSpPr>
+            <p:cNvPr id="240" name="Google Shape;187;g21bc01ef45b_0_801">
+              <a:extLst>
+                <a:ext uri="{FF2B5EF4-FFF2-40B4-BE49-F238E27FC236}">
+                  <a16:creationId xmlns:a16="http://schemas.microsoft.com/office/drawing/2014/main" id="{67209D7F-5BBA-44A0-9FF9-DE591491977B}"/>
+                </a:ext>
+              </a:extLst>
+            </p:cNvPr>
+            <p:cNvSpPr/>
+            <p:nvPr/>
+          </p:nvSpPr>
+          <p:spPr>
+            <a:xfrm>
+              <a:off x="2407716" y="7279968"/>
+              <a:ext cx="2052000" cy="1080000"/>
+            </a:xfrm>
+            <a:prstGeom prst="rect">
+              <a:avLst/>
+            </a:prstGeom>
+            <a:noFill/>
+            <a:ln w="28575" cap="flat" cmpd="sng">
+              <a:solidFill>
+                <a:schemeClr val="dk1"/>
+              </a:solidFill>
+              <a:prstDash val="solid"/>
+              <a:miter lim="800000"/>
+              <a:headEnd type="none" w="sm" len="sm"/>
+              <a:tailEnd type="none" w="sm" len="sm"/>
+            </a:ln>
+          </p:spPr>
+          <p:txBody>
+            <a:bodyPr spcFirstLastPara="1" wrap="square" lIns="91425" tIns="45700" rIns="91425" bIns="45700" anchor="ctr" anchorCtr="0">
+              <a:noAutofit/>
+            </a:bodyPr>
+            <a:lstStyle/>
+            <a:p>
+              <a:pPr marL="0" marR="0" lvl="0" indent="0" algn="just" rtl="0">
+                <a:spcBef>
+                  <a:spcPts val="0"/>
+                </a:spcBef>
+                <a:spcAft>
+                  <a:spcPts val="0"/>
+                </a:spcAft>
+                <a:buNone/>
+              </a:pPr>
+              <a:endParaRPr sz="1400">
+                <a:solidFill>
+                  <a:schemeClr val="dk1"/>
+                </a:solidFill>
+                <a:latin typeface="Arial"/>
+                <a:ea typeface="Arial"/>
+                <a:cs typeface="Arial"/>
+                <a:sym typeface="Arial"/>
+              </a:endParaRPr>
+            </a:p>
+          </p:txBody>
+        </p:sp>
+        <p:sp>
+          <p:nvSpPr>
+            <p:cNvPr id="241" name="Google Shape;188;g21bc01ef45b_0_801">
+              <a:extLst>
+                <a:ext uri="{FF2B5EF4-FFF2-40B4-BE49-F238E27FC236}">
+                  <a16:creationId xmlns:a16="http://schemas.microsoft.com/office/drawing/2014/main" id="{00356B42-18BF-4306-A0D9-9F2A0B75CE1D}"/>
+                </a:ext>
+              </a:extLst>
+            </p:cNvPr>
+            <p:cNvSpPr/>
+            <p:nvPr/>
+          </p:nvSpPr>
+          <p:spPr>
+            <a:xfrm>
+              <a:off x="2399985" y="7279969"/>
+              <a:ext cx="2059800" cy="266700"/>
+            </a:xfrm>
+            <a:prstGeom prst="rect">
+              <a:avLst/>
+            </a:prstGeom>
+            <a:solidFill>
+              <a:schemeClr val="dk1"/>
+            </a:solidFill>
+            <a:ln>
+              <a:noFill/>
+            </a:ln>
+          </p:spPr>
+          <p:txBody>
+            <a:bodyPr spcFirstLastPara="1" wrap="square" lIns="91425" tIns="45700" rIns="91425" bIns="45700" anchor="ctr" anchorCtr="0">
+              <a:noAutofit/>
+            </a:bodyPr>
+            <a:lstStyle/>
+            <a:p>
+              <a:pPr marL="0" marR="0" lvl="0" indent="0" algn="ctr" rtl="0">
+                <a:spcBef>
+                  <a:spcPts val="0"/>
+                </a:spcBef>
+                <a:spcAft>
+                  <a:spcPts val="0"/>
+                </a:spcAft>
+                <a:buNone/>
+              </a:pPr>
+              <a:r>
+                <a:rPr lang="en-US" dirty="0">
+                  <a:solidFill>
+                    <a:schemeClr val="lt1"/>
+                  </a:solidFill>
+                  <a:latin typeface="Calibri"/>
+                  <a:ea typeface="Calibri"/>
+                  <a:cs typeface="Calibri"/>
+                  <a:sym typeface="Calibri"/>
+                </a:rPr>
+                <a:t>Crouch Medium Punch</a:t>
+              </a:r>
+              <a:endParaRPr dirty="0"/>
+            </a:p>
+          </p:txBody>
+        </p:sp>
+        <p:sp>
+          <p:nvSpPr>
+            <p:cNvPr id="242" name="Google Shape;189;g21bc01ef45b_0_801">
+              <a:extLst>
+                <a:ext uri="{FF2B5EF4-FFF2-40B4-BE49-F238E27FC236}">
+                  <a16:creationId xmlns:a16="http://schemas.microsoft.com/office/drawing/2014/main" id="{A75A41B3-2782-404B-AA52-28A66208E77D}"/>
+                </a:ext>
+              </a:extLst>
+            </p:cNvPr>
+            <p:cNvSpPr/>
+            <p:nvPr/>
+          </p:nvSpPr>
+          <p:spPr>
+            <a:xfrm>
+              <a:off x="4523236" y="7279968"/>
+              <a:ext cx="2052000" cy="1080000"/>
+            </a:xfrm>
+            <a:prstGeom prst="rect">
+              <a:avLst/>
+            </a:prstGeom>
+            <a:noFill/>
+            <a:ln w="28575" cap="flat" cmpd="sng">
+              <a:solidFill>
+                <a:schemeClr val="dk1"/>
+              </a:solidFill>
+              <a:prstDash val="solid"/>
+              <a:miter lim="800000"/>
+              <a:headEnd type="none" w="sm" len="sm"/>
+              <a:tailEnd type="none" w="sm" len="sm"/>
+            </a:ln>
+          </p:spPr>
+          <p:txBody>
+            <a:bodyPr spcFirstLastPara="1" wrap="square" lIns="91425" tIns="45700" rIns="91425" bIns="45700" anchor="ctr" anchorCtr="0">
+              <a:noAutofit/>
+            </a:bodyPr>
+            <a:lstStyle/>
+            <a:p>
+              <a:pPr marL="0" marR="0" lvl="0" indent="0" algn="just" rtl="0">
+                <a:spcBef>
+                  <a:spcPts val="0"/>
+                </a:spcBef>
+                <a:spcAft>
+                  <a:spcPts val="0"/>
+                </a:spcAft>
+                <a:buNone/>
+              </a:pPr>
+              <a:endParaRPr sz="1400">
+                <a:solidFill>
+                  <a:schemeClr val="dk1"/>
+                </a:solidFill>
+                <a:latin typeface="Arial"/>
+                <a:ea typeface="Arial"/>
+                <a:cs typeface="Arial"/>
+                <a:sym typeface="Arial"/>
+              </a:endParaRPr>
+            </a:p>
+          </p:txBody>
+        </p:sp>
+        <p:sp>
+          <p:nvSpPr>
+            <p:cNvPr id="243" name="Google Shape;190;g21bc01ef45b_0_801">
+              <a:extLst>
+                <a:ext uri="{FF2B5EF4-FFF2-40B4-BE49-F238E27FC236}">
+                  <a16:creationId xmlns:a16="http://schemas.microsoft.com/office/drawing/2014/main" id="{4DCFCCAE-4B8C-4B8B-9779-FB19A1044E94}"/>
+                </a:ext>
+              </a:extLst>
+            </p:cNvPr>
+            <p:cNvSpPr/>
+            <p:nvPr/>
+          </p:nvSpPr>
+          <p:spPr>
+            <a:xfrm>
+              <a:off x="4515505" y="7279969"/>
+              <a:ext cx="2059800" cy="266700"/>
+            </a:xfrm>
+            <a:prstGeom prst="rect">
+              <a:avLst/>
+            </a:prstGeom>
+            <a:solidFill>
+              <a:schemeClr val="dk1"/>
+            </a:solidFill>
+            <a:ln>
+              <a:noFill/>
+            </a:ln>
+          </p:spPr>
+          <p:txBody>
+            <a:bodyPr spcFirstLastPara="1" wrap="square" lIns="91425" tIns="45700" rIns="91425" bIns="45700" anchor="ctr" anchorCtr="0">
+              <a:noAutofit/>
+            </a:bodyPr>
+            <a:lstStyle/>
+            <a:p>
+              <a:pPr marL="0" marR="0" lvl="0" indent="0" algn="ctr" rtl="0">
+                <a:spcBef>
+                  <a:spcPts val="0"/>
+                </a:spcBef>
+                <a:spcAft>
+                  <a:spcPts val="0"/>
+                </a:spcAft>
+                <a:buNone/>
+              </a:pPr>
+              <a:r>
+                <a:rPr lang="en-US" dirty="0">
+                  <a:solidFill>
+                    <a:schemeClr val="lt1"/>
+                  </a:solidFill>
+                  <a:latin typeface="Calibri"/>
+                  <a:ea typeface="Calibri"/>
+                  <a:cs typeface="Calibri"/>
+                  <a:sym typeface="Calibri"/>
+                </a:rPr>
+                <a:t>Crouch Heavy Punch</a:t>
+              </a:r>
+              <a:endParaRPr dirty="0"/>
+            </a:p>
+          </p:txBody>
+        </p:sp>
+        <p:pic>
+          <p:nvPicPr>
+            <p:cNvPr id="244" name="Google Shape;207;g21bc01ef45b_0_801">
+              <a:extLst>
+                <a:ext uri="{FF2B5EF4-FFF2-40B4-BE49-F238E27FC236}">
+                  <a16:creationId xmlns:a16="http://schemas.microsoft.com/office/drawing/2014/main" id="{16B50359-42E2-4541-9D93-39993D5ED75A}"/>
+                </a:ext>
+              </a:extLst>
+            </p:cNvPr>
+            <p:cNvPicPr preferRelativeResize="0"/>
+            <p:nvPr/>
+          </p:nvPicPr>
+          <p:blipFill>
+            <a:blip r:embed="rId9">
+              <a:alphaModFix/>
+            </a:blip>
+            <a:stretch>
+              <a:fillRect/>
+            </a:stretch>
+          </p:blipFill>
+          <p:spPr>
+            <a:xfrm rot="16200000" flipV="1">
+              <a:off x="2563528" y="7692880"/>
+              <a:ext cx="624915" cy="503180"/>
+            </a:xfrm>
+            <a:prstGeom prst="rect">
+              <a:avLst/>
+            </a:prstGeom>
+            <a:noFill/>
+            <a:ln>
+              <a:noFill/>
+            </a:ln>
+          </p:spPr>
+        </p:pic>
+        <p:sp>
+          <p:nvSpPr>
+            <p:cNvPr id="245" name="Google Shape;181;g21bc01ef45b_0_801">
+              <a:extLst>
+                <a:ext uri="{FF2B5EF4-FFF2-40B4-BE49-F238E27FC236}">
+                  <a16:creationId xmlns:a16="http://schemas.microsoft.com/office/drawing/2014/main" id="{D078CBBB-B5F2-4C04-A1B0-33639D4A3DBD}"/>
+                </a:ext>
+              </a:extLst>
+            </p:cNvPr>
+            <p:cNvSpPr txBox="1"/>
+            <p:nvPr/>
+          </p:nvSpPr>
+          <p:spPr>
+            <a:xfrm>
+              <a:off x="3120758" y="7574359"/>
+              <a:ext cx="394457" cy="655908"/>
+            </a:xfrm>
+            <a:prstGeom prst="rect">
+              <a:avLst/>
+            </a:prstGeom>
+            <a:noFill/>
+            <a:ln>
+              <a:noFill/>
+            </a:ln>
+          </p:spPr>
+          <p:txBody>
+            <a:bodyPr spcFirstLastPara="1" wrap="square" lIns="91425" tIns="45700" rIns="91425" bIns="45700" anchor="t" anchorCtr="0">
+              <a:spAutoFit/>
+            </a:bodyPr>
+            <a:lstStyle/>
+            <a:p>
+              <a:pPr marL="0" marR="0" lvl="0" indent="0" algn="ctr" rtl="0">
+                <a:lnSpc>
+                  <a:spcPct val="107000"/>
+                </a:lnSpc>
+                <a:spcBef>
+                  <a:spcPts val="800"/>
+                </a:spcBef>
+                <a:spcAft>
+                  <a:spcPts val="0"/>
+                </a:spcAft>
+                <a:buNone/>
+              </a:pPr>
+              <a:r>
+                <a:rPr lang="en-US" sz="2800" b="1" dirty="0">
+                  <a:solidFill>
+                    <a:schemeClr val="dk1"/>
+                  </a:solidFill>
+                  <a:latin typeface="Arial Black" panose="020B0A04020102020204" pitchFamily="34" charset="0"/>
+                  <a:sym typeface="Arial"/>
+                </a:rPr>
+                <a:t>+</a:t>
+              </a:r>
+              <a:endParaRPr sz="2800" u="sng" dirty="0">
+                <a:solidFill>
+                  <a:schemeClr val="dk1"/>
+                </a:solidFill>
+                <a:latin typeface="Arial Black" panose="020B0A04020102020204" pitchFamily="34" charset="0"/>
+                <a:sym typeface="Arial"/>
+              </a:endParaRPr>
+            </a:p>
+          </p:txBody>
+        </p:sp>
+        <p:pic>
+          <p:nvPicPr>
+            <p:cNvPr id="246" name="Google Shape;207;g21bc01ef45b_0_801">
+              <a:extLst>
+                <a:ext uri="{FF2B5EF4-FFF2-40B4-BE49-F238E27FC236}">
+                  <a16:creationId xmlns:a16="http://schemas.microsoft.com/office/drawing/2014/main" id="{A44920CA-9D74-406F-A814-8AE29E4D7DC0}"/>
+                </a:ext>
+              </a:extLst>
+            </p:cNvPr>
+            <p:cNvPicPr preferRelativeResize="0"/>
+            <p:nvPr/>
+          </p:nvPicPr>
+          <p:blipFill>
+            <a:blip r:embed="rId9">
+              <a:alphaModFix/>
+            </a:blip>
+            <a:stretch>
+              <a:fillRect/>
+            </a:stretch>
+          </p:blipFill>
+          <p:spPr>
+            <a:xfrm rot="16200000" flipV="1">
+              <a:off x="4667133" y="7692880"/>
+              <a:ext cx="624915" cy="503180"/>
+            </a:xfrm>
+            <a:prstGeom prst="rect">
+              <a:avLst/>
+            </a:prstGeom>
+            <a:noFill/>
+            <a:ln>
+              <a:noFill/>
+            </a:ln>
+          </p:spPr>
+        </p:pic>
+        <p:sp>
+          <p:nvSpPr>
+            <p:cNvPr id="247" name="Google Shape;181;g21bc01ef45b_0_801">
+              <a:extLst>
+                <a:ext uri="{FF2B5EF4-FFF2-40B4-BE49-F238E27FC236}">
+                  <a16:creationId xmlns:a16="http://schemas.microsoft.com/office/drawing/2014/main" id="{819054A5-F79E-4979-ABD5-A7E17B6AC497}"/>
+                </a:ext>
+              </a:extLst>
+            </p:cNvPr>
+            <p:cNvSpPr txBox="1"/>
+            <p:nvPr/>
+          </p:nvSpPr>
+          <p:spPr>
+            <a:xfrm>
+              <a:off x="5224363" y="7574359"/>
+              <a:ext cx="394457" cy="655908"/>
+            </a:xfrm>
+            <a:prstGeom prst="rect">
+              <a:avLst/>
+            </a:prstGeom>
+            <a:noFill/>
+            <a:ln>
+              <a:noFill/>
+            </a:ln>
+          </p:spPr>
+          <p:txBody>
+            <a:bodyPr spcFirstLastPara="1" wrap="square" lIns="91425" tIns="45700" rIns="91425" bIns="45700" anchor="t" anchorCtr="0">
+              <a:spAutoFit/>
+            </a:bodyPr>
+            <a:lstStyle/>
+            <a:p>
+              <a:pPr marL="0" marR="0" lvl="0" indent="0" algn="ctr" rtl="0">
+                <a:lnSpc>
+                  <a:spcPct val="107000"/>
+                </a:lnSpc>
+                <a:spcBef>
+                  <a:spcPts val="800"/>
+                </a:spcBef>
+                <a:spcAft>
+                  <a:spcPts val="0"/>
+                </a:spcAft>
+                <a:buNone/>
+              </a:pPr>
+              <a:r>
+                <a:rPr lang="en-US" sz="2800" b="1" dirty="0">
+                  <a:solidFill>
+                    <a:schemeClr val="dk1"/>
+                  </a:solidFill>
+                  <a:latin typeface="Arial Black" panose="020B0A04020102020204" pitchFamily="34" charset="0"/>
+                  <a:sym typeface="Arial"/>
+                </a:rPr>
+                <a:t>+</a:t>
+              </a:r>
+              <a:endParaRPr sz="2800" u="sng" dirty="0">
+                <a:solidFill>
+                  <a:schemeClr val="dk1"/>
+                </a:solidFill>
+                <a:latin typeface="Arial Black" panose="020B0A04020102020204" pitchFamily="34" charset="0"/>
+                <a:sym typeface="Arial"/>
+              </a:endParaRPr>
+            </a:p>
+          </p:txBody>
+        </p:sp>
+        <p:sp>
+          <p:nvSpPr>
+            <p:cNvPr id="248" name="Google Shape;185;g21bc01ef45b_0_801">
+              <a:extLst>
+                <a:ext uri="{FF2B5EF4-FFF2-40B4-BE49-F238E27FC236}">
+                  <a16:creationId xmlns:a16="http://schemas.microsoft.com/office/drawing/2014/main" id="{5C7A2E04-7690-4A01-BF13-8FF6A6DD65C1}"/>
+                </a:ext>
+              </a:extLst>
+            </p:cNvPr>
+            <p:cNvSpPr/>
+            <p:nvPr/>
+          </p:nvSpPr>
+          <p:spPr>
+            <a:xfrm>
+              <a:off x="284465" y="8426386"/>
+              <a:ext cx="2052000" cy="1080000"/>
+            </a:xfrm>
+            <a:prstGeom prst="rect">
+              <a:avLst/>
+            </a:prstGeom>
+            <a:noFill/>
+            <a:ln w="28575" cap="flat" cmpd="sng">
+              <a:solidFill>
+                <a:schemeClr val="dk1"/>
+              </a:solidFill>
+              <a:prstDash val="solid"/>
+              <a:miter lim="800000"/>
+              <a:headEnd type="none" w="sm" len="sm"/>
+              <a:tailEnd type="none" w="sm" len="sm"/>
+            </a:ln>
+          </p:spPr>
+          <p:txBody>
+            <a:bodyPr spcFirstLastPara="1" wrap="square" lIns="91425" tIns="45700" rIns="91425" bIns="45700" anchor="ctr" anchorCtr="0">
+              <a:noAutofit/>
+            </a:bodyPr>
+            <a:lstStyle/>
+            <a:p>
+              <a:pPr marL="0" marR="0" lvl="0" indent="0" algn="just" rtl="0">
+                <a:spcBef>
+                  <a:spcPts val="0"/>
+                </a:spcBef>
+                <a:spcAft>
+                  <a:spcPts val="0"/>
+                </a:spcAft>
+                <a:buNone/>
+              </a:pPr>
+              <a:endParaRPr sz="1400">
+                <a:solidFill>
+                  <a:schemeClr val="dk1"/>
+                </a:solidFill>
+                <a:latin typeface="Arial"/>
+                <a:ea typeface="Arial"/>
+                <a:cs typeface="Arial"/>
+                <a:sym typeface="Arial"/>
+              </a:endParaRPr>
+            </a:p>
+          </p:txBody>
+        </p:sp>
+        <p:sp>
+          <p:nvSpPr>
+            <p:cNvPr id="249" name="Google Shape;186;g21bc01ef45b_0_801">
+              <a:extLst>
+                <a:ext uri="{FF2B5EF4-FFF2-40B4-BE49-F238E27FC236}">
+                  <a16:creationId xmlns:a16="http://schemas.microsoft.com/office/drawing/2014/main" id="{54A2B133-D5DA-4A07-9C53-F3134827B5B6}"/>
+                </a:ext>
+              </a:extLst>
+            </p:cNvPr>
+            <p:cNvSpPr/>
+            <p:nvPr/>
+          </p:nvSpPr>
+          <p:spPr>
+            <a:xfrm>
+              <a:off x="276734" y="8426387"/>
+              <a:ext cx="2059800" cy="266700"/>
+            </a:xfrm>
+            <a:prstGeom prst="rect">
+              <a:avLst/>
+            </a:prstGeom>
+            <a:solidFill>
+              <a:schemeClr val="dk1"/>
+            </a:solidFill>
+            <a:ln>
+              <a:noFill/>
+            </a:ln>
+          </p:spPr>
+          <p:txBody>
+            <a:bodyPr spcFirstLastPara="1" wrap="square" lIns="91425" tIns="45700" rIns="91425" bIns="45700" anchor="ctr" anchorCtr="0">
+              <a:noAutofit/>
+            </a:bodyPr>
+            <a:lstStyle/>
+            <a:p>
+              <a:pPr marL="0" marR="0" lvl="0" indent="0" algn="ctr" rtl="0">
+                <a:spcBef>
+                  <a:spcPts val="0"/>
+                </a:spcBef>
+                <a:spcAft>
+                  <a:spcPts val="0"/>
+                </a:spcAft>
+                <a:buNone/>
+              </a:pPr>
+              <a:r>
+                <a:rPr lang="en-US" dirty="0">
+                  <a:solidFill>
+                    <a:schemeClr val="lt1"/>
+                  </a:solidFill>
+                  <a:latin typeface="Calibri"/>
+                  <a:ea typeface="Calibri"/>
+                  <a:cs typeface="Calibri"/>
+                  <a:sym typeface="Calibri"/>
+                </a:rPr>
+                <a:t>Crouch Light Punch</a:t>
+              </a:r>
+              <a:endParaRPr sz="1400" dirty="0">
+                <a:solidFill>
+                  <a:schemeClr val="lt1"/>
+                </a:solidFill>
+                <a:latin typeface="Calibri"/>
+                <a:ea typeface="Calibri"/>
+                <a:cs typeface="Calibri"/>
+                <a:sym typeface="Calibri"/>
+              </a:endParaRPr>
+            </a:p>
+          </p:txBody>
+        </p:sp>
+        <p:pic>
+          <p:nvPicPr>
+            <p:cNvPr id="250" name="Google Shape;207;g21bc01ef45b_0_801">
+              <a:extLst>
+                <a:ext uri="{FF2B5EF4-FFF2-40B4-BE49-F238E27FC236}">
+                  <a16:creationId xmlns:a16="http://schemas.microsoft.com/office/drawing/2014/main" id="{25EAE06C-BE75-4DD5-AB73-59BB4E984D10}"/>
+                </a:ext>
+              </a:extLst>
+            </p:cNvPr>
+            <p:cNvPicPr preferRelativeResize="0"/>
+            <p:nvPr/>
+          </p:nvPicPr>
+          <p:blipFill>
+            <a:blip r:embed="rId9">
+              <a:alphaModFix/>
+            </a:blip>
+            <a:stretch>
+              <a:fillRect/>
+            </a:stretch>
+          </p:blipFill>
+          <p:spPr>
+            <a:xfrm rot="16200000" flipV="1">
+              <a:off x="434340" y="8845636"/>
+              <a:ext cx="624915" cy="503180"/>
+            </a:xfrm>
+            <a:prstGeom prst="rect">
+              <a:avLst/>
+            </a:prstGeom>
+            <a:noFill/>
+            <a:ln>
+              <a:noFill/>
+            </a:ln>
+          </p:spPr>
+        </p:pic>
+        <p:sp>
+          <p:nvSpPr>
+            <p:cNvPr id="251" name="Google Shape;181;g21bc01ef45b_0_801">
+              <a:extLst>
+                <a:ext uri="{FF2B5EF4-FFF2-40B4-BE49-F238E27FC236}">
+                  <a16:creationId xmlns:a16="http://schemas.microsoft.com/office/drawing/2014/main" id="{E35BD309-FAAE-41E1-B4DB-6D876C33C7EE}"/>
+                </a:ext>
+              </a:extLst>
+            </p:cNvPr>
+            <p:cNvSpPr txBox="1"/>
+            <p:nvPr/>
+          </p:nvSpPr>
+          <p:spPr>
+            <a:xfrm>
+              <a:off x="991570" y="8727115"/>
+              <a:ext cx="394457" cy="655908"/>
+            </a:xfrm>
+            <a:prstGeom prst="rect">
+              <a:avLst/>
+            </a:prstGeom>
+            <a:noFill/>
+            <a:ln>
+              <a:noFill/>
+            </a:ln>
+          </p:spPr>
+          <p:txBody>
+            <a:bodyPr spcFirstLastPara="1" wrap="square" lIns="91425" tIns="45700" rIns="91425" bIns="45700" anchor="t" anchorCtr="0">
+              <a:spAutoFit/>
+            </a:bodyPr>
+            <a:lstStyle/>
+            <a:p>
+              <a:pPr marL="0" marR="0" lvl="0" indent="0" algn="ctr" rtl="0">
+                <a:lnSpc>
+                  <a:spcPct val="107000"/>
+                </a:lnSpc>
+                <a:spcBef>
+                  <a:spcPts val="800"/>
+                </a:spcBef>
+                <a:spcAft>
+                  <a:spcPts val="0"/>
+                </a:spcAft>
+                <a:buNone/>
+              </a:pPr>
+              <a:r>
+                <a:rPr lang="en-US" sz="2800" b="1" dirty="0">
+                  <a:solidFill>
+                    <a:schemeClr val="dk1"/>
+                  </a:solidFill>
+                  <a:latin typeface="Arial Black" panose="020B0A04020102020204" pitchFamily="34" charset="0"/>
+                  <a:sym typeface="Arial"/>
+                </a:rPr>
+                <a:t>+</a:t>
+              </a:r>
+              <a:endParaRPr sz="2800" u="sng" dirty="0">
+                <a:solidFill>
+                  <a:schemeClr val="dk1"/>
+                </a:solidFill>
+                <a:latin typeface="Arial Black" panose="020B0A04020102020204" pitchFamily="34" charset="0"/>
+                <a:sym typeface="Arial"/>
+              </a:endParaRPr>
+            </a:p>
+          </p:txBody>
+        </p:sp>
+        <p:sp>
+          <p:nvSpPr>
+            <p:cNvPr id="252" name="Google Shape;187;g21bc01ef45b_0_801">
+              <a:extLst>
+                <a:ext uri="{FF2B5EF4-FFF2-40B4-BE49-F238E27FC236}">
+                  <a16:creationId xmlns:a16="http://schemas.microsoft.com/office/drawing/2014/main" id="{00AFF5FF-A7C5-439C-8BE0-4D4EBBFA6BC0}"/>
+                </a:ext>
+              </a:extLst>
+            </p:cNvPr>
+            <p:cNvSpPr/>
+            <p:nvPr/>
+          </p:nvSpPr>
+          <p:spPr>
+            <a:xfrm>
+              <a:off x="2407716" y="8426386"/>
+              <a:ext cx="2052000" cy="1080000"/>
+            </a:xfrm>
+            <a:prstGeom prst="rect">
+              <a:avLst/>
+            </a:prstGeom>
+            <a:noFill/>
+            <a:ln w="28575" cap="flat" cmpd="sng">
+              <a:solidFill>
+                <a:schemeClr val="dk1"/>
+              </a:solidFill>
+              <a:prstDash val="solid"/>
+              <a:miter lim="800000"/>
+              <a:headEnd type="none" w="sm" len="sm"/>
+              <a:tailEnd type="none" w="sm" len="sm"/>
+            </a:ln>
+          </p:spPr>
+          <p:txBody>
+            <a:bodyPr spcFirstLastPara="1" wrap="square" lIns="91425" tIns="45700" rIns="91425" bIns="45700" anchor="ctr" anchorCtr="0">
+              <a:noAutofit/>
+            </a:bodyPr>
+            <a:lstStyle/>
+            <a:p>
+              <a:pPr marL="0" marR="0" lvl="0" indent="0" algn="just" rtl="0">
+                <a:spcBef>
+                  <a:spcPts val="0"/>
+                </a:spcBef>
+                <a:spcAft>
+                  <a:spcPts val="0"/>
+                </a:spcAft>
+                <a:buNone/>
+              </a:pPr>
+              <a:endParaRPr sz="1400">
+                <a:solidFill>
+                  <a:schemeClr val="dk1"/>
+                </a:solidFill>
+                <a:latin typeface="Arial"/>
+                <a:ea typeface="Arial"/>
+                <a:cs typeface="Arial"/>
+                <a:sym typeface="Arial"/>
+              </a:endParaRPr>
+            </a:p>
+          </p:txBody>
+        </p:sp>
+        <p:sp>
+          <p:nvSpPr>
+            <p:cNvPr id="253" name="Google Shape;188;g21bc01ef45b_0_801">
+              <a:extLst>
+                <a:ext uri="{FF2B5EF4-FFF2-40B4-BE49-F238E27FC236}">
+                  <a16:creationId xmlns:a16="http://schemas.microsoft.com/office/drawing/2014/main" id="{2E29A9EF-B4F0-49D6-A9E9-41D46DD46F7D}"/>
+                </a:ext>
+              </a:extLst>
+            </p:cNvPr>
+            <p:cNvSpPr/>
+            <p:nvPr/>
+          </p:nvSpPr>
+          <p:spPr>
+            <a:xfrm>
+              <a:off x="2399985" y="8426387"/>
+              <a:ext cx="2059800" cy="266700"/>
+            </a:xfrm>
+            <a:prstGeom prst="rect">
+              <a:avLst/>
+            </a:prstGeom>
+            <a:solidFill>
+              <a:schemeClr val="dk1"/>
+            </a:solidFill>
+            <a:ln>
+              <a:noFill/>
+            </a:ln>
+          </p:spPr>
+          <p:txBody>
+            <a:bodyPr spcFirstLastPara="1" wrap="square" lIns="91425" tIns="45700" rIns="91425" bIns="45700" anchor="ctr" anchorCtr="0">
+              <a:noAutofit/>
+            </a:bodyPr>
+            <a:lstStyle/>
+            <a:p>
+              <a:pPr marL="0" marR="0" lvl="0" indent="0" algn="ctr" rtl="0">
+                <a:spcBef>
+                  <a:spcPts val="0"/>
+                </a:spcBef>
+                <a:spcAft>
+                  <a:spcPts val="0"/>
+                </a:spcAft>
+                <a:buNone/>
+              </a:pPr>
+              <a:r>
+                <a:rPr lang="en-US" dirty="0">
+                  <a:solidFill>
+                    <a:schemeClr val="lt1"/>
+                  </a:solidFill>
+                  <a:latin typeface="Calibri"/>
+                  <a:ea typeface="Calibri"/>
+                  <a:cs typeface="Calibri"/>
+                  <a:sym typeface="Calibri"/>
+                </a:rPr>
+                <a:t>Crouch Medium Punch</a:t>
+              </a:r>
+              <a:endParaRPr dirty="0"/>
+            </a:p>
+          </p:txBody>
+        </p:sp>
+        <p:sp>
+          <p:nvSpPr>
+            <p:cNvPr id="254" name="Google Shape;189;g21bc01ef45b_0_801">
+              <a:extLst>
+                <a:ext uri="{FF2B5EF4-FFF2-40B4-BE49-F238E27FC236}">
+                  <a16:creationId xmlns:a16="http://schemas.microsoft.com/office/drawing/2014/main" id="{A4E12A47-CC3E-4E4F-BF43-794FDE18222E}"/>
+                </a:ext>
+              </a:extLst>
+            </p:cNvPr>
+            <p:cNvSpPr/>
+            <p:nvPr/>
+          </p:nvSpPr>
+          <p:spPr>
+            <a:xfrm>
+              <a:off x="4523236" y="8426386"/>
+              <a:ext cx="2052000" cy="1080000"/>
+            </a:xfrm>
+            <a:prstGeom prst="rect">
+              <a:avLst/>
+            </a:prstGeom>
+            <a:noFill/>
+            <a:ln w="28575" cap="flat" cmpd="sng">
+              <a:solidFill>
+                <a:schemeClr val="dk1"/>
+              </a:solidFill>
+              <a:prstDash val="solid"/>
+              <a:miter lim="800000"/>
+              <a:headEnd type="none" w="sm" len="sm"/>
+              <a:tailEnd type="none" w="sm" len="sm"/>
+            </a:ln>
+          </p:spPr>
+          <p:txBody>
+            <a:bodyPr spcFirstLastPara="1" wrap="square" lIns="91425" tIns="45700" rIns="91425" bIns="45700" anchor="ctr" anchorCtr="0">
+              <a:noAutofit/>
+            </a:bodyPr>
+            <a:lstStyle/>
+            <a:p>
+              <a:pPr marL="0" marR="0" lvl="0" indent="0" algn="just" rtl="0">
+                <a:spcBef>
+                  <a:spcPts val="0"/>
+                </a:spcBef>
+                <a:spcAft>
+                  <a:spcPts val="0"/>
+                </a:spcAft>
+                <a:buNone/>
+              </a:pPr>
+              <a:endParaRPr sz="1400">
+                <a:solidFill>
+                  <a:schemeClr val="dk1"/>
+                </a:solidFill>
+                <a:latin typeface="Arial"/>
+                <a:ea typeface="Arial"/>
+                <a:cs typeface="Arial"/>
+                <a:sym typeface="Arial"/>
+              </a:endParaRPr>
+            </a:p>
+          </p:txBody>
+        </p:sp>
+        <p:sp>
+          <p:nvSpPr>
+            <p:cNvPr id="255" name="Google Shape;190;g21bc01ef45b_0_801">
+              <a:extLst>
+                <a:ext uri="{FF2B5EF4-FFF2-40B4-BE49-F238E27FC236}">
+                  <a16:creationId xmlns:a16="http://schemas.microsoft.com/office/drawing/2014/main" id="{EF167BFB-B515-4814-A7C8-FB5416106F0C}"/>
+                </a:ext>
+              </a:extLst>
+            </p:cNvPr>
+            <p:cNvSpPr/>
+            <p:nvPr/>
+          </p:nvSpPr>
+          <p:spPr>
+            <a:xfrm>
+              <a:off x="4515505" y="8426387"/>
+              <a:ext cx="2059800" cy="266700"/>
+            </a:xfrm>
+            <a:prstGeom prst="rect">
+              <a:avLst/>
+            </a:prstGeom>
+            <a:solidFill>
+              <a:schemeClr val="dk1"/>
+            </a:solidFill>
+            <a:ln>
+              <a:noFill/>
+            </a:ln>
+          </p:spPr>
+          <p:txBody>
+            <a:bodyPr spcFirstLastPara="1" wrap="square" lIns="91425" tIns="45700" rIns="91425" bIns="45700" anchor="ctr" anchorCtr="0">
+              <a:noAutofit/>
+            </a:bodyPr>
+            <a:lstStyle/>
+            <a:p>
+              <a:pPr marL="0" marR="0" lvl="0" indent="0" algn="ctr" rtl="0">
+                <a:spcBef>
+                  <a:spcPts val="0"/>
+                </a:spcBef>
+                <a:spcAft>
+                  <a:spcPts val="0"/>
+                </a:spcAft>
+                <a:buNone/>
+              </a:pPr>
+              <a:r>
+                <a:rPr lang="en-US" dirty="0">
+                  <a:solidFill>
+                    <a:schemeClr val="lt1"/>
+                  </a:solidFill>
+                  <a:latin typeface="Calibri"/>
+                  <a:ea typeface="Calibri"/>
+                  <a:cs typeface="Calibri"/>
+                  <a:sym typeface="Calibri"/>
+                </a:rPr>
+                <a:t>Crouch Heavy Punch</a:t>
+              </a:r>
+              <a:endParaRPr dirty="0"/>
+            </a:p>
+          </p:txBody>
+        </p:sp>
+        <p:pic>
+          <p:nvPicPr>
+            <p:cNvPr id="256" name="Google Shape;207;g21bc01ef45b_0_801">
+              <a:extLst>
+                <a:ext uri="{FF2B5EF4-FFF2-40B4-BE49-F238E27FC236}">
+                  <a16:creationId xmlns:a16="http://schemas.microsoft.com/office/drawing/2014/main" id="{A5D7F856-6AE6-4212-AF04-72B9BEE11AC7}"/>
+                </a:ext>
+              </a:extLst>
+            </p:cNvPr>
+            <p:cNvPicPr preferRelativeResize="0"/>
+            <p:nvPr/>
+          </p:nvPicPr>
+          <p:blipFill>
+            <a:blip r:embed="rId9">
+              <a:alphaModFix/>
+            </a:blip>
+            <a:stretch>
+              <a:fillRect/>
+            </a:stretch>
+          </p:blipFill>
+          <p:spPr>
+            <a:xfrm rot="16200000" flipV="1">
+              <a:off x="2563528" y="8839298"/>
+              <a:ext cx="624915" cy="503180"/>
+            </a:xfrm>
+            <a:prstGeom prst="rect">
+              <a:avLst/>
+            </a:prstGeom>
+            <a:noFill/>
+            <a:ln>
+              <a:noFill/>
+            </a:ln>
+          </p:spPr>
+        </p:pic>
+        <p:sp>
+          <p:nvSpPr>
+            <p:cNvPr id="257" name="Google Shape;181;g21bc01ef45b_0_801">
+              <a:extLst>
+                <a:ext uri="{FF2B5EF4-FFF2-40B4-BE49-F238E27FC236}">
+                  <a16:creationId xmlns:a16="http://schemas.microsoft.com/office/drawing/2014/main" id="{904B5782-8E45-44D7-B73D-FF09BDA9121D}"/>
+                </a:ext>
+              </a:extLst>
+            </p:cNvPr>
+            <p:cNvSpPr txBox="1"/>
+            <p:nvPr/>
+          </p:nvSpPr>
+          <p:spPr>
+            <a:xfrm>
+              <a:off x="3120758" y="8720777"/>
+              <a:ext cx="394457" cy="655908"/>
+            </a:xfrm>
+            <a:prstGeom prst="rect">
+              <a:avLst/>
+            </a:prstGeom>
+            <a:noFill/>
+            <a:ln>
+              <a:noFill/>
+            </a:ln>
+          </p:spPr>
+          <p:txBody>
+            <a:bodyPr spcFirstLastPara="1" wrap="square" lIns="91425" tIns="45700" rIns="91425" bIns="45700" anchor="t" anchorCtr="0">
+              <a:spAutoFit/>
+            </a:bodyPr>
+            <a:lstStyle/>
+            <a:p>
+              <a:pPr marL="0" marR="0" lvl="0" indent="0" algn="ctr" rtl="0">
+                <a:lnSpc>
+                  <a:spcPct val="107000"/>
+                </a:lnSpc>
+                <a:spcBef>
+                  <a:spcPts val="800"/>
+                </a:spcBef>
+                <a:spcAft>
+                  <a:spcPts val="0"/>
+                </a:spcAft>
+                <a:buNone/>
+              </a:pPr>
+              <a:r>
+                <a:rPr lang="en-US" sz="2800" b="1" dirty="0">
+                  <a:solidFill>
+                    <a:schemeClr val="dk1"/>
+                  </a:solidFill>
+                  <a:latin typeface="Arial Black" panose="020B0A04020102020204" pitchFamily="34" charset="0"/>
+                  <a:sym typeface="Arial"/>
+                </a:rPr>
+                <a:t>+</a:t>
+              </a:r>
+              <a:endParaRPr sz="2800" u="sng" dirty="0">
+                <a:solidFill>
+                  <a:schemeClr val="dk1"/>
+                </a:solidFill>
+                <a:latin typeface="Arial Black" panose="020B0A04020102020204" pitchFamily="34" charset="0"/>
+                <a:sym typeface="Arial"/>
+              </a:endParaRPr>
+            </a:p>
+          </p:txBody>
+        </p:sp>
+        <p:pic>
+          <p:nvPicPr>
+            <p:cNvPr id="258" name="Google Shape;207;g21bc01ef45b_0_801">
+              <a:extLst>
+                <a:ext uri="{FF2B5EF4-FFF2-40B4-BE49-F238E27FC236}">
+                  <a16:creationId xmlns:a16="http://schemas.microsoft.com/office/drawing/2014/main" id="{0C2ED457-D9B6-4D4C-9A67-9DC0A968EC29}"/>
+                </a:ext>
+              </a:extLst>
+            </p:cNvPr>
+            <p:cNvPicPr preferRelativeResize="0"/>
+            <p:nvPr/>
+          </p:nvPicPr>
+          <p:blipFill>
+            <a:blip r:embed="rId9">
+              <a:alphaModFix/>
+            </a:blip>
+            <a:stretch>
+              <a:fillRect/>
+            </a:stretch>
+          </p:blipFill>
+          <p:spPr>
+            <a:xfrm rot="16200000" flipV="1">
+              <a:off x="4667133" y="8839298"/>
+              <a:ext cx="624915" cy="503180"/>
+            </a:xfrm>
+            <a:prstGeom prst="rect">
+              <a:avLst/>
+            </a:prstGeom>
+            <a:noFill/>
+            <a:ln>
+              <a:noFill/>
+            </a:ln>
+          </p:spPr>
+        </p:pic>
+        <p:sp>
+          <p:nvSpPr>
+            <p:cNvPr id="259" name="Google Shape;181;g21bc01ef45b_0_801">
+              <a:extLst>
+                <a:ext uri="{FF2B5EF4-FFF2-40B4-BE49-F238E27FC236}">
+                  <a16:creationId xmlns:a16="http://schemas.microsoft.com/office/drawing/2014/main" id="{A28F332D-FBDD-4021-903E-B76226F5D3C2}"/>
+                </a:ext>
+              </a:extLst>
+            </p:cNvPr>
+            <p:cNvSpPr txBox="1"/>
+            <p:nvPr/>
+          </p:nvSpPr>
+          <p:spPr>
+            <a:xfrm>
+              <a:off x="5224363" y="8720777"/>
+              <a:ext cx="394457" cy="655908"/>
+            </a:xfrm>
+            <a:prstGeom prst="rect">
+              <a:avLst/>
+            </a:prstGeom>
+            <a:noFill/>
+            <a:ln>
+              <a:noFill/>
+            </a:ln>
+          </p:spPr>
+          <p:txBody>
+            <a:bodyPr spcFirstLastPara="1" wrap="square" lIns="91425" tIns="45700" rIns="91425" bIns="45700" anchor="t" anchorCtr="0">
+              <a:spAutoFit/>
+            </a:bodyPr>
+            <a:lstStyle/>
+            <a:p>
+              <a:pPr marL="0" marR="0" lvl="0" indent="0" algn="ctr" rtl="0">
+                <a:lnSpc>
+                  <a:spcPct val="107000"/>
+                </a:lnSpc>
+                <a:spcBef>
+                  <a:spcPts val="800"/>
+                </a:spcBef>
+                <a:spcAft>
+                  <a:spcPts val="0"/>
+                </a:spcAft>
+                <a:buNone/>
+              </a:pPr>
+              <a:r>
+                <a:rPr lang="en-US" sz="2800" b="1" dirty="0">
+                  <a:solidFill>
+                    <a:schemeClr val="dk1"/>
+                  </a:solidFill>
+                  <a:latin typeface="Arial Black" panose="020B0A04020102020204" pitchFamily="34" charset="0"/>
+                  <a:sym typeface="Arial"/>
+                </a:rPr>
+                <a:t>+</a:t>
+              </a:r>
+              <a:endParaRPr sz="2800" u="sng" dirty="0">
+                <a:solidFill>
+                  <a:schemeClr val="dk1"/>
+                </a:solidFill>
+                <a:latin typeface="Arial Black" panose="020B0A04020102020204" pitchFamily="34" charset="0"/>
+                <a:sym typeface="Arial"/>
+              </a:endParaRPr>
+            </a:p>
+          </p:txBody>
+        </p:sp>
+        <p:pic>
+          <p:nvPicPr>
+            <p:cNvPr id="260" name="Google Shape;198;g21bc01ef45b_0_801">
+              <a:extLst>
+                <a:ext uri="{FF2B5EF4-FFF2-40B4-BE49-F238E27FC236}">
+                  <a16:creationId xmlns:a16="http://schemas.microsoft.com/office/drawing/2014/main" id="{A20A85B1-111D-4A5D-8E6A-270FB188D70E}"/>
+                </a:ext>
+              </a:extLst>
+            </p:cNvPr>
+            <p:cNvPicPr preferRelativeResize="0"/>
+            <p:nvPr/>
+          </p:nvPicPr>
+          <p:blipFill>
+            <a:blip r:embed="rId4">
+              <a:alphaModFix/>
+            </a:blip>
+            <a:stretch>
+              <a:fillRect/>
+            </a:stretch>
+          </p:blipFill>
+          <p:spPr>
+            <a:xfrm>
+              <a:off x="3547606" y="7602732"/>
+              <a:ext cx="704850" cy="704850"/>
+            </a:xfrm>
+            <a:prstGeom prst="rect">
+              <a:avLst/>
+            </a:prstGeom>
+            <a:noFill/>
+            <a:ln>
+              <a:noFill/>
+            </a:ln>
+          </p:spPr>
+        </p:pic>
+        <p:pic>
+          <p:nvPicPr>
+            <p:cNvPr id="261" name="Google Shape;199;g21bc01ef45b_0_801">
+              <a:extLst>
+                <a:ext uri="{FF2B5EF4-FFF2-40B4-BE49-F238E27FC236}">
+                  <a16:creationId xmlns:a16="http://schemas.microsoft.com/office/drawing/2014/main" id="{E69350F0-4EDD-425C-A388-FFCE60C2964E}"/>
+                </a:ext>
+              </a:extLst>
+            </p:cNvPr>
+            <p:cNvPicPr preferRelativeResize="0"/>
+            <p:nvPr/>
+          </p:nvPicPr>
+          <p:blipFill>
+            <a:blip r:embed="rId5">
+              <a:alphaModFix/>
+            </a:blip>
+            <a:stretch>
+              <a:fillRect/>
+            </a:stretch>
+          </p:blipFill>
+          <p:spPr>
+            <a:xfrm>
+              <a:off x="5657481" y="7602741"/>
+              <a:ext cx="704850" cy="704850"/>
+            </a:xfrm>
+            <a:prstGeom prst="rect">
+              <a:avLst/>
+            </a:prstGeom>
+            <a:noFill/>
+            <a:ln>
+              <a:noFill/>
+            </a:ln>
+          </p:spPr>
+        </p:pic>
+        <p:pic>
+          <p:nvPicPr>
+            <p:cNvPr id="262" name="Google Shape;200;g21bc01ef45b_0_801">
+              <a:extLst>
+                <a:ext uri="{FF2B5EF4-FFF2-40B4-BE49-F238E27FC236}">
+                  <a16:creationId xmlns:a16="http://schemas.microsoft.com/office/drawing/2014/main" id="{7DDA877C-66A6-4EDE-9E82-CADFCA46F10A}"/>
+                </a:ext>
+              </a:extLst>
+            </p:cNvPr>
+            <p:cNvPicPr preferRelativeResize="0"/>
+            <p:nvPr/>
+          </p:nvPicPr>
+          <p:blipFill>
+            <a:blip r:embed="rId6">
+              <a:alphaModFix/>
+            </a:blip>
+            <a:stretch>
+              <a:fillRect/>
+            </a:stretch>
+          </p:blipFill>
+          <p:spPr>
+            <a:xfrm>
+              <a:off x="1414831" y="8735441"/>
+              <a:ext cx="723900" cy="723900"/>
+            </a:xfrm>
+            <a:prstGeom prst="rect">
+              <a:avLst/>
+            </a:prstGeom>
+            <a:noFill/>
+            <a:ln>
+              <a:noFill/>
+            </a:ln>
+          </p:spPr>
+        </p:pic>
+        <p:pic>
+          <p:nvPicPr>
+            <p:cNvPr id="263" name="Google Shape;201;g21bc01ef45b_0_801">
+              <a:extLst>
+                <a:ext uri="{FF2B5EF4-FFF2-40B4-BE49-F238E27FC236}">
+                  <a16:creationId xmlns:a16="http://schemas.microsoft.com/office/drawing/2014/main" id="{A188B54D-DD3E-4A21-94AA-C0C506AAE6A3}"/>
+                </a:ext>
+              </a:extLst>
+            </p:cNvPr>
+            <p:cNvPicPr preferRelativeResize="0"/>
+            <p:nvPr/>
+          </p:nvPicPr>
+          <p:blipFill>
+            <a:blip r:embed="rId7">
+              <a:alphaModFix/>
+            </a:blip>
+            <a:stretch>
+              <a:fillRect/>
+            </a:stretch>
+          </p:blipFill>
+          <p:spPr>
+            <a:xfrm>
+              <a:off x="3533354" y="8735441"/>
+              <a:ext cx="723900" cy="723900"/>
+            </a:xfrm>
+            <a:prstGeom prst="rect">
+              <a:avLst/>
+            </a:prstGeom>
+            <a:noFill/>
+            <a:ln>
+              <a:noFill/>
+            </a:ln>
+          </p:spPr>
+        </p:pic>
+        <p:pic>
+          <p:nvPicPr>
+            <p:cNvPr id="264" name="Google Shape;202;g21bc01ef45b_0_801">
+              <a:extLst>
+                <a:ext uri="{FF2B5EF4-FFF2-40B4-BE49-F238E27FC236}">
+                  <a16:creationId xmlns:a16="http://schemas.microsoft.com/office/drawing/2014/main" id="{16A63B15-F4D8-4E7D-BF1E-EB19147B540A}"/>
+                </a:ext>
+              </a:extLst>
+            </p:cNvPr>
+            <p:cNvPicPr preferRelativeResize="0"/>
+            <p:nvPr/>
+          </p:nvPicPr>
+          <p:blipFill>
+            <a:blip r:embed="rId8">
+              <a:alphaModFix/>
+            </a:blip>
+            <a:stretch>
+              <a:fillRect/>
+            </a:stretch>
+          </p:blipFill>
+          <p:spPr>
+            <a:xfrm>
+              <a:off x="5657731" y="8754691"/>
+              <a:ext cx="723900" cy="723900"/>
+            </a:xfrm>
+            <a:prstGeom prst="rect">
+              <a:avLst/>
+            </a:prstGeom>
+            <a:noFill/>
+            <a:ln>
+              <a:noFill/>
+            </a:ln>
+          </p:spPr>
+        </p:pic>
+      </p:grpSp>
+    </p:spTree>
+    <p:extLst>
+      <p:ext uri="{BB962C8B-B14F-4D97-AF65-F5344CB8AC3E}">
+        <p14:creationId xmlns:p14="http://schemas.microsoft.com/office/powerpoint/2010/main" val="3317000623"/>
+      </p:ext>
+    </p:extLst>
+  </p:cSld>
+  <p:clrMapOvr>
+    <a:masterClrMapping/>
+  </p:clrMapOvr>
+</p:sld>
+</file>
+
+<file path=ppt/slides/slide8.xml><?xml version="1.0" encoding="utf-8"?>
 <p:sld xmlns:a="http://schemas.openxmlformats.org/drawingml/2006/main" xmlns:r="http://schemas.openxmlformats.org/officeDocument/2006/relationships" xmlns:p="http://schemas.openxmlformats.org/presentationml/2006/main">
   <p:cSld>
     <p:spTree>
@@ -17525,10 +22758,10 @@
         </p:nvGrpSpPr>
         <p:grpSpPr>
           <a:xfrm>
-            <a:off x="894877" y="1824906"/>
-            <a:ext cx="5091671" cy="1744248"/>
+            <a:off x="881229" y="1824906"/>
+            <a:ext cx="5097461" cy="1756723"/>
             <a:chOff x="1138070" y="1824906"/>
-            <a:chExt cx="5091671" cy="1744248"/>
+            <a:chExt cx="5097461" cy="1756723"/>
           </a:xfrm>
         </p:grpSpPr>
         <p:sp>
@@ -17539,8 +22772,8 @@
           </p:nvSpPr>
           <p:spPr>
             <a:xfrm>
-              <a:off x="3748683" y="3325581"/>
-              <a:ext cx="2473200" cy="242400"/>
+              <a:off x="3752314" y="3330604"/>
+              <a:ext cx="2483217" cy="251025"/>
             </a:xfrm>
             <a:prstGeom prst="rect">
               <a:avLst/>
@@ -18811,7 +24044,7 @@
 </p:sld>
 </file>
 
-<file path=ppt/slides/slide8.xml><?xml version="1.0" encoding="utf-8"?>
+<file path=ppt/slides/slide9.xml><?xml version="1.0" encoding="utf-8"?>
 <p:sld xmlns:a="http://schemas.openxmlformats.org/drawingml/2006/main" xmlns:r="http://schemas.openxmlformats.org/officeDocument/2006/relationships" xmlns:p="http://schemas.openxmlformats.org/presentationml/2006/main">
   <p:cSld>
     <p:spTree>
@@ -18828,6 +24061,192 @@
           <a:chExt cx="0" cy="0"/>
         </a:xfrm>
       </p:grpSpPr>
+      <p:sp>
+        <p:nvSpPr>
+          <p:cNvPr id="90" name="Google Shape;305;g21bc3c53028_0_41">
+            <a:extLst>
+              <a:ext uri="{FF2B5EF4-FFF2-40B4-BE49-F238E27FC236}">
+                <a16:creationId xmlns:a16="http://schemas.microsoft.com/office/drawing/2014/main" id="{00B1E22C-A0B5-4903-9AC0-84C259EC4614}"/>
+              </a:ext>
+            </a:extLst>
+          </p:cNvPr>
+          <p:cNvSpPr/>
+          <p:nvPr/>
+        </p:nvSpPr>
+        <p:spPr>
+          <a:xfrm>
+            <a:off x="4518802" y="6272135"/>
+            <a:ext cx="2065648" cy="242400"/>
+          </a:xfrm>
+          <a:prstGeom prst="rect">
+            <a:avLst/>
+          </a:prstGeom>
+          <a:solidFill>
+            <a:schemeClr val="accent2">
+              <a:alpha val="24710"/>
+            </a:schemeClr>
+          </a:solidFill>
+          <a:ln w="38100" cap="flat" cmpd="sng">
+            <a:solidFill>
+              <a:schemeClr val="accent2"/>
+            </a:solidFill>
+            <a:prstDash val="solid"/>
+            <a:miter lim="800000"/>
+            <a:headEnd type="none" w="sm" len="sm"/>
+            <a:tailEnd type="none" w="sm" len="sm"/>
+          </a:ln>
+        </p:spPr>
+        <p:txBody>
+          <a:bodyPr spcFirstLastPara="1" wrap="square" lIns="91425" tIns="45700" rIns="91425" bIns="45700" anchor="ctr" anchorCtr="0">
+            <a:noAutofit/>
+          </a:bodyPr>
+          <a:lstStyle/>
+          <a:p>
+            <a:pPr marL="0" marR="0" lvl="0" indent="0" algn="ctr" rtl="0">
+              <a:spcBef>
+                <a:spcPts val="0"/>
+              </a:spcBef>
+              <a:spcAft>
+                <a:spcPts val="0"/>
+              </a:spcAft>
+              <a:buNone/>
+            </a:pPr>
+            <a:endParaRPr sz="1600">
+              <a:solidFill>
+                <a:schemeClr val="lt1"/>
+              </a:solidFill>
+              <a:latin typeface="Calibri"/>
+              <a:ea typeface="Calibri"/>
+              <a:cs typeface="Calibri"/>
+              <a:sym typeface="Calibri"/>
+            </a:endParaRPr>
+          </a:p>
+        </p:txBody>
+      </p:sp>
+      <p:sp>
+        <p:nvSpPr>
+          <p:cNvPr id="89" name="Google Shape;305;g21bc3c53028_0_41">
+            <a:extLst>
+              <a:ext uri="{FF2B5EF4-FFF2-40B4-BE49-F238E27FC236}">
+                <a16:creationId xmlns:a16="http://schemas.microsoft.com/office/drawing/2014/main" id="{6EC72889-8B5A-48ED-B1FA-6C79329C122B}"/>
+              </a:ext>
+            </a:extLst>
+          </p:cNvPr>
+          <p:cNvSpPr/>
+          <p:nvPr/>
+        </p:nvSpPr>
+        <p:spPr>
+          <a:xfrm>
+            <a:off x="2404305" y="6261272"/>
+            <a:ext cx="2052000" cy="242400"/>
+          </a:xfrm>
+          <a:prstGeom prst="rect">
+            <a:avLst/>
+          </a:prstGeom>
+          <a:solidFill>
+            <a:schemeClr val="accent2">
+              <a:alpha val="24710"/>
+            </a:schemeClr>
+          </a:solidFill>
+          <a:ln w="38100" cap="flat" cmpd="sng">
+            <a:solidFill>
+              <a:schemeClr val="accent2"/>
+            </a:solidFill>
+            <a:prstDash val="solid"/>
+            <a:miter lim="800000"/>
+            <a:headEnd type="none" w="sm" len="sm"/>
+            <a:tailEnd type="none" w="sm" len="sm"/>
+          </a:ln>
+        </p:spPr>
+        <p:txBody>
+          <a:bodyPr spcFirstLastPara="1" wrap="square" lIns="91425" tIns="45700" rIns="91425" bIns="45700" anchor="ctr" anchorCtr="0">
+            <a:noAutofit/>
+          </a:bodyPr>
+          <a:lstStyle/>
+          <a:p>
+            <a:pPr marL="0" marR="0" lvl="0" indent="0" algn="ctr" rtl="0">
+              <a:spcBef>
+                <a:spcPts val="0"/>
+              </a:spcBef>
+              <a:spcAft>
+                <a:spcPts val="0"/>
+              </a:spcAft>
+              <a:buNone/>
+            </a:pPr>
+            <a:endParaRPr sz="1600">
+              <a:solidFill>
+                <a:schemeClr val="lt1"/>
+              </a:solidFill>
+              <a:latin typeface="Calibri"/>
+              <a:ea typeface="Calibri"/>
+              <a:cs typeface="Calibri"/>
+              <a:sym typeface="Calibri"/>
+            </a:endParaRPr>
+          </a:p>
+        </p:txBody>
+      </p:sp>
+      <p:sp>
+        <p:nvSpPr>
+          <p:cNvPr id="88" name="Google Shape;305;g21bc3c53028_0_41">
+            <a:extLst>
+              <a:ext uri="{FF2B5EF4-FFF2-40B4-BE49-F238E27FC236}">
+                <a16:creationId xmlns:a16="http://schemas.microsoft.com/office/drawing/2014/main" id="{BE33D4E4-2699-4B1A-82C1-3BA0F684E41B}"/>
+              </a:ext>
+            </a:extLst>
+          </p:cNvPr>
+          <p:cNvSpPr/>
+          <p:nvPr/>
+        </p:nvSpPr>
+        <p:spPr>
+          <a:xfrm>
+            <a:off x="282764" y="6261272"/>
+            <a:ext cx="2052000" cy="242400"/>
+          </a:xfrm>
+          <a:prstGeom prst="rect">
+            <a:avLst/>
+          </a:prstGeom>
+          <a:solidFill>
+            <a:schemeClr val="accent2">
+              <a:alpha val="24710"/>
+            </a:schemeClr>
+          </a:solidFill>
+          <a:ln w="38100" cap="flat" cmpd="sng">
+            <a:solidFill>
+              <a:schemeClr val="accent2"/>
+            </a:solidFill>
+            <a:prstDash val="solid"/>
+            <a:miter lim="800000"/>
+            <a:headEnd type="none" w="sm" len="sm"/>
+            <a:tailEnd type="none" w="sm" len="sm"/>
+          </a:ln>
+        </p:spPr>
+        <p:txBody>
+          <a:bodyPr spcFirstLastPara="1" wrap="square" lIns="91425" tIns="45700" rIns="91425" bIns="45700" anchor="ctr" anchorCtr="0">
+            <a:noAutofit/>
+          </a:bodyPr>
+          <a:lstStyle/>
+          <a:p>
+            <a:pPr marL="0" marR="0" lvl="0" indent="0" algn="ctr" rtl="0">
+              <a:spcBef>
+                <a:spcPts val="0"/>
+              </a:spcBef>
+              <a:spcAft>
+                <a:spcPts val="0"/>
+              </a:spcAft>
+              <a:buNone/>
+            </a:pPr>
+            <a:endParaRPr sz="1600">
+              <a:solidFill>
+                <a:schemeClr val="lt1"/>
+              </a:solidFill>
+              <a:latin typeface="Calibri"/>
+              <a:ea typeface="Calibri"/>
+              <a:cs typeface="Calibri"/>
+              <a:sym typeface="Calibri"/>
+            </a:endParaRPr>
+          </a:p>
+        </p:txBody>
+      </p:sp>
       <p:sp>
         <p:nvSpPr>
           <p:cNvPr id="338" name="Google Shape;338;g21bc3c53028_0_129"/>
@@ -18890,12 +24309,125 @@
           </a:p>
         </p:txBody>
       </p:sp>
+      <p:sp>
+        <p:nvSpPr>
+          <p:cNvPr id="26" name="Google Shape;300;g21bc3c53028_0_41">
+            <a:extLst>
+              <a:ext uri="{FF2B5EF4-FFF2-40B4-BE49-F238E27FC236}">
+                <a16:creationId xmlns:a16="http://schemas.microsoft.com/office/drawing/2014/main" id="{837E0CEF-FD2A-4FF3-B2E4-8BACB82CE0AD}"/>
+              </a:ext>
+            </a:extLst>
+          </p:cNvPr>
+          <p:cNvSpPr txBox="1"/>
+          <p:nvPr/>
+        </p:nvSpPr>
+        <p:spPr>
+          <a:xfrm>
+            <a:off x="379915" y="918697"/>
+            <a:ext cx="6119400" cy="1207278"/>
+          </a:xfrm>
+          <a:prstGeom prst="rect">
+            <a:avLst/>
+          </a:prstGeom>
+          <a:noFill/>
+          <a:ln>
+            <a:noFill/>
+          </a:ln>
+        </p:spPr>
+        <p:txBody>
+          <a:bodyPr spcFirstLastPara="1" wrap="square" lIns="91425" tIns="45700" rIns="91425" bIns="45700" anchor="t" anchorCtr="0">
+            <a:spAutoFit/>
+          </a:bodyPr>
+          <a:lstStyle/>
+          <a:p>
+            <a:pPr marL="0" marR="0" lvl="0" indent="0" algn="just" rtl="0">
+              <a:lnSpc>
+                <a:spcPct val="107000"/>
+              </a:lnSpc>
+              <a:spcBef>
+                <a:spcPts val="0"/>
+              </a:spcBef>
+              <a:spcAft>
+                <a:spcPts val="0"/>
+              </a:spcAft>
+              <a:buNone/>
+            </a:pPr>
+            <a:r>
+              <a:rPr lang="en-US" sz="1600" b="1" dirty="0">
+                <a:solidFill>
+                  <a:schemeClr val="dk1"/>
+                </a:solidFill>
+                <a:latin typeface="Arial"/>
+                <a:ea typeface="Arial"/>
+                <a:cs typeface="Arial"/>
+                <a:sym typeface="Arial"/>
+              </a:rPr>
+              <a:t>3.6. </a:t>
+            </a:r>
+            <a:r>
+              <a:rPr lang="en-US" sz="1600" b="1" dirty="0">
+                <a:solidFill>
+                  <a:schemeClr val="dk1"/>
+                </a:solidFill>
+              </a:rPr>
+              <a:t>Attacks</a:t>
+            </a:r>
+            <a:endParaRPr sz="1400" dirty="0">
+              <a:solidFill>
+                <a:schemeClr val="dk1"/>
+              </a:solidFill>
+              <a:latin typeface="Arial"/>
+              <a:ea typeface="Arial"/>
+              <a:cs typeface="Arial"/>
+              <a:sym typeface="Arial"/>
+            </a:endParaRPr>
+          </a:p>
+          <a:p>
+            <a:pPr marL="457200" lvl="1" algn="just">
+              <a:spcBef>
+                <a:spcPts val="800"/>
+              </a:spcBef>
+            </a:pPr>
+            <a:r>
+              <a:rPr lang="en-US" dirty="0">
+                <a:solidFill>
+                  <a:schemeClr val="dk1"/>
+                </a:solidFill>
+              </a:rPr>
+              <a:t>Every character has a base moveset of six buttons, divided by two standards. </a:t>
+            </a:r>
+          </a:p>
+          <a:p>
+            <a:pPr marL="457200" lvl="1" algn="just">
+              <a:spcBef>
+                <a:spcPts val="800"/>
+              </a:spcBef>
+            </a:pPr>
+            <a:r>
+              <a:rPr lang="en-US" u="sng" dirty="0">
+                <a:solidFill>
+                  <a:schemeClr val="dk1"/>
+                </a:solidFill>
+              </a:rPr>
+              <a:t>Type of Attack:</a:t>
+            </a:r>
+            <a:r>
+              <a:rPr lang="en-US" dirty="0">
+                <a:solidFill>
+                  <a:schemeClr val="dk1"/>
+                </a:solidFill>
+              </a:rPr>
+              <a:t> The part of the body the character is using. </a:t>
+            </a:r>
+          </a:p>
+        </p:txBody>
+      </p:sp>
       <p:grpSp>
         <p:nvGrpSpPr>
-          <p:cNvPr id="15" name="Grupo 14">
+          <p:cNvPr id="2" name="Grupo 1">
             <a:extLst>
               <a:ext uri="{FF2B5EF4-FFF2-40B4-BE49-F238E27FC236}">
-                <a16:creationId xmlns:a16="http://schemas.microsoft.com/office/drawing/2014/main" id="{6FFF29E0-0353-42EE-AE81-73742A60C147}"/>
+                <a16:creationId xmlns:a16="http://schemas.microsoft.com/office/drawing/2014/main" id="{EC23FC30-4B4F-4F6B-8E83-C8B022BA51ED}"/>
               </a:ext>
             </a:extLst>
           </p:cNvPr>
@@ -18904,18 +24436,18 @@
         </p:nvGrpSpPr>
         <p:grpSpPr>
           <a:xfrm>
-            <a:off x="901356" y="1823938"/>
-            <a:ext cx="5075928" cy="2379963"/>
-            <a:chOff x="1144550" y="2592424"/>
-            <a:chExt cx="5075928" cy="2379963"/>
+            <a:off x="881229" y="2193396"/>
+            <a:ext cx="5091671" cy="1756723"/>
+            <a:chOff x="881229" y="3148744"/>
+            <a:chExt cx="5091671" cy="1756723"/>
           </a:xfrm>
         </p:grpSpPr>
         <p:sp>
           <p:nvSpPr>
-            <p:cNvPr id="16" name="Google Shape;324;g21bc3c53028_0_41">
+            <p:cNvPr id="58" name="Google Shape;298;g21bc3c53028_0_41">
               <a:extLst>
                 <a:ext uri="{FF2B5EF4-FFF2-40B4-BE49-F238E27FC236}">
-                  <a16:creationId xmlns:a16="http://schemas.microsoft.com/office/drawing/2014/main" id="{E34E1C29-1E4F-4BEE-BE1C-BAECE616F804}"/>
+                  <a16:creationId xmlns:a16="http://schemas.microsoft.com/office/drawing/2014/main" id="{AA0884C5-496C-4711-AECB-89A54C9A323D}"/>
                 </a:ext>
               </a:extLst>
             </p:cNvPr>
@@ -18924,8 +24456,213 @@
           </p:nvSpPr>
           <p:spPr>
             <a:xfrm>
-              <a:off x="1144550" y="4727955"/>
-              <a:ext cx="5075928" cy="241853"/>
+              <a:off x="3491842" y="4663067"/>
+              <a:ext cx="2473200" cy="242400"/>
+            </a:xfrm>
+            <a:prstGeom prst="rect">
+              <a:avLst/>
+            </a:prstGeom>
+            <a:solidFill>
+              <a:schemeClr val="accent2">
+                <a:alpha val="24710"/>
+              </a:schemeClr>
+            </a:solidFill>
+            <a:ln w="38100" cap="flat" cmpd="sng">
+              <a:solidFill>
+                <a:schemeClr val="accent2"/>
+              </a:solidFill>
+              <a:prstDash val="solid"/>
+              <a:miter lim="800000"/>
+              <a:headEnd type="none" w="sm" len="sm"/>
+              <a:tailEnd type="none" w="sm" len="sm"/>
+            </a:ln>
+          </p:spPr>
+          <p:txBody>
+            <a:bodyPr spcFirstLastPara="1" wrap="square" lIns="91425" tIns="45700" rIns="91425" bIns="45700" anchor="ctr" anchorCtr="0">
+              <a:noAutofit/>
+            </a:bodyPr>
+            <a:lstStyle/>
+            <a:p>
+              <a:pPr marL="0" marR="0" lvl="0" indent="0" algn="ctr" rtl="0">
+                <a:spcBef>
+                  <a:spcPts val="0"/>
+                </a:spcBef>
+                <a:spcAft>
+                  <a:spcPts val="0"/>
+                </a:spcAft>
+                <a:buNone/>
+              </a:pPr>
+              <a:endParaRPr sz="1600">
+                <a:solidFill>
+                  <a:schemeClr val="lt1"/>
+                </a:solidFill>
+                <a:latin typeface="Calibri"/>
+                <a:ea typeface="Calibri"/>
+                <a:cs typeface="Calibri"/>
+                <a:sym typeface="Calibri"/>
+              </a:endParaRPr>
+            </a:p>
+          </p:txBody>
+        </p:sp>
+        <p:grpSp>
+          <p:nvGrpSpPr>
+            <p:cNvPr id="59" name="Google Shape;302;g21bc3c53028_0_41">
+              <a:extLst>
+                <a:ext uri="{FF2B5EF4-FFF2-40B4-BE49-F238E27FC236}">
+                  <a16:creationId xmlns:a16="http://schemas.microsoft.com/office/drawing/2014/main" id="{261B29B6-04BF-40A0-999A-B1BD3700AB98}"/>
+                </a:ext>
+              </a:extLst>
+            </p:cNvPr>
+            <p:cNvGrpSpPr/>
+            <p:nvPr/>
+          </p:nvGrpSpPr>
+          <p:grpSpPr>
+            <a:xfrm rot="10800000" flipH="1">
+              <a:off x="3499747" y="3153113"/>
+              <a:ext cx="1639894" cy="306778"/>
+              <a:chOff x="379629" y="4144280"/>
+              <a:chExt cx="1974111" cy="369300"/>
+            </a:xfrm>
+          </p:grpSpPr>
+          <p:sp>
+            <p:nvSpPr>
+              <p:cNvPr id="68" name="Google Shape;303;g21bc3c53028_0_41">
+                <a:extLst>
+                  <a:ext uri="{FF2B5EF4-FFF2-40B4-BE49-F238E27FC236}">
+                    <a16:creationId xmlns:a16="http://schemas.microsoft.com/office/drawing/2014/main" id="{0DB99480-9E54-4124-9844-D2CCD2C3981A}"/>
+                  </a:ext>
+                </a:extLst>
+              </p:cNvPr>
+              <p:cNvSpPr/>
+              <p:nvPr/>
+            </p:nvSpPr>
+            <p:spPr>
+              <a:xfrm rot="10800000" flipH="1">
+                <a:off x="379629" y="4144280"/>
+                <a:ext cx="1434111" cy="369300"/>
+              </a:xfrm>
+              <a:prstGeom prst="rect">
+                <a:avLst/>
+              </a:prstGeom>
+              <a:solidFill>
+                <a:schemeClr val="dk1"/>
+              </a:solidFill>
+              <a:ln>
+                <a:noFill/>
+              </a:ln>
+            </p:spPr>
+            <p:txBody>
+              <a:bodyPr spcFirstLastPara="1" wrap="square" lIns="91425" tIns="45700" rIns="91425" bIns="45700" anchor="ctr" anchorCtr="0">
+                <a:noAutofit/>
+              </a:bodyPr>
+              <a:lstStyle/>
+              <a:p>
+                <a:pPr marL="0" marR="0" lvl="0" indent="0" algn="l" rtl="0">
+                  <a:spcBef>
+                    <a:spcPts val="0"/>
+                  </a:spcBef>
+                  <a:spcAft>
+                    <a:spcPts val="0"/>
+                  </a:spcAft>
+                  <a:buNone/>
+                </a:pPr>
+                <a:r>
+                  <a:rPr lang="en-US" sz="1600" dirty="0">
+                    <a:solidFill>
+                      <a:schemeClr val="lt1"/>
+                    </a:solidFill>
+                    <a:latin typeface="Arial"/>
+                    <a:ea typeface="Arial"/>
+                    <a:cs typeface="Arial"/>
+                    <a:sym typeface="Arial"/>
+                  </a:rPr>
+                  <a:t>Kick Attack</a:t>
+                </a:r>
+                <a:endParaRPr sz="1600" dirty="0">
+                  <a:solidFill>
+                    <a:schemeClr val="lt1"/>
+                  </a:solidFill>
+                  <a:latin typeface="Arial"/>
+                  <a:ea typeface="Arial"/>
+                  <a:cs typeface="Arial"/>
+                  <a:sym typeface="Arial"/>
+                </a:endParaRPr>
+              </a:p>
+            </p:txBody>
+          </p:sp>
+          <p:sp>
+            <p:nvSpPr>
+              <p:cNvPr id="69" name="Google Shape;304;g21bc3c53028_0_41">
+                <a:extLst>
+                  <a:ext uri="{FF2B5EF4-FFF2-40B4-BE49-F238E27FC236}">
+                    <a16:creationId xmlns:a16="http://schemas.microsoft.com/office/drawing/2014/main" id="{7A9E06C9-66FB-481A-A49E-901114677A55}"/>
+                  </a:ext>
+                </a:extLst>
+              </p:cNvPr>
+              <p:cNvSpPr/>
+              <p:nvPr/>
+            </p:nvSpPr>
+            <p:spPr>
+              <a:xfrm>
+                <a:off x="1813740" y="4144280"/>
+                <a:ext cx="540000" cy="359999"/>
+              </a:xfrm>
+              <a:prstGeom prst="triangle">
+                <a:avLst>
+                  <a:gd name="adj" fmla="val 0"/>
+                </a:avLst>
+              </a:prstGeom>
+              <a:solidFill>
+                <a:schemeClr val="dk1"/>
+              </a:solidFill>
+              <a:ln>
+                <a:noFill/>
+              </a:ln>
+            </p:spPr>
+            <p:txBody>
+              <a:bodyPr spcFirstLastPara="1" wrap="square" lIns="91425" tIns="45700" rIns="91425" bIns="45700" anchor="ctr" anchorCtr="0">
+                <a:noAutofit/>
+              </a:bodyPr>
+              <a:lstStyle/>
+              <a:p>
+                <a:pPr marL="0" marR="0" lvl="0" indent="0" algn="ctr" rtl="0">
+                  <a:spcBef>
+                    <a:spcPts val="0"/>
+                  </a:spcBef>
+                  <a:spcAft>
+                    <a:spcPts val="0"/>
+                  </a:spcAft>
+                  <a:buNone/>
+                </a:pPr>
+                <a:endParaRPr sz="1600">
+                  <a:solidFill>
+                    <a:schemeClr val="lt1"/>
+                  </a:solidFill>
+                  <a:latin typeface="Arial"/>
+                  <a:ea typeface="Arial"/>
+                  <a:cs typeface="Arial"/>
+                  <a:sym typeface="Arial"/>
+                </a:endParaRPr>
+              </a:p>
+            </p:txBody>
+          </p:sp>
+        </p:grpSp>
+        <p:sp>
+          <p:nvSpPr>
+            <p:cNvPr id="60" name="Google Shape;305;g21bc3c53028_0_41">
+              <a:extLst>
+                <a:ext uri="{FF2B5EF4-FFF2-40B4-BE49-F238E27FC236}">
+                  <a16:creationId xmlns:a16="http://schemas.microsoft.com/office/drawing/2014/main" id="{E8D294B8-B9EF-42C9-961A-8479D56A137B}"/>
+                </a:ext>
+              </a:extLst>
+            </p:cNvPr>
+            <p:cNvSpPr/>
+            <p:nvPr/>
+          </p:nvSpPr>
+          <p:spPr>
+            <a:xfrm>
+              <a:off x="881229" y="4650592"/>
+              <a:ext cx="2478300" cy="242400"/>
             </a:xfrm>
             <a:prstGeom prst="rect">
               <a:avLst/>
@@ -18974,10 +24711,10 @@
         </p:sp>
         <p:sp>
           <p:nvSpPr>
-            <p:cNvPr id="17" name="Google Shape;325;g21bc3c53028_0_41">
+            <p:cNvPr id="61" name="Google Shape;306;g21bc3c53028_0_41">
               <a:extLst>
                 <a:ext uri="{FF2B5EF4-FFF2-40B4-BE49-F238E27FC236}">
-                  <a16:creationId xmlns:a16="http://schemas.microsoft.com/office/drawing/2014/main" id="{9A8B1533-5EFF-4262-9AC2-8FD6E0593A3A}"/>
+                  <a16:creationId xmlns:a16="http://schemas.microsoft.com/office/drawing/2014/main" id="{2FDA5A20-F6C9-46C1-89CF-923660EDB967}"/>
                 </a:ext>
               </a:extLst>
             </p:cNvPr>
@@ -18986,8 +24723,209 @@
           </p:nvSpPr>
           <p:spPr>
             <a:xfrm>
-              <a:off x="1144550" y="2592424"/>
-              <a:ext cx="5075928" cy="2379963"/>
+              <a:off x="881229" y="3150704"/>
+              <a:ext cx="2481300" cy="1742100"/>
+            </a:xfrm>
+            <a:prstGeom prst="rect">
+              <a:avLst/>
+            </a:prstGeom>
+            <a:noFill/>
+            <a:ln w="38100" cap="flat" cmpd="sng">
+              <a:solidFill>
+                <a:schemeClr val="dk1"/>
+              </a:solidFill>
+              <a:prstDash val="solid"/>
+              <a:miter lim="800000"/>
+              <a:headEnd type="none" w="sm" len="sm"/>
+              <a:tailEnd type="none" w="sm" len="sm"/>
+            </a:ln>
+          </p:spPr>
+          <p:txBody>
+            <a:bodyPr spcFirstLastPara="1" wrap="square" lIns="91425" tIns="45700" rIns="91425" bIns="45700" anchor="ctr" anchorCtr="0">
+              <a:noAutofit/>
+            </a:bodyPr>
+            <a:lstStyle/>
+            <a:p>
+              <a:pPr marL="0" marR="0" lvl="0" indent="0" algn="ctr" rtl="0">
+                <a:spcBef>
+                  <a:spcPts val="0"/>
+                </a:spcBef>
+                <a:spcAft>
+                  <a:spcPts val="0"/>
+                </a:spcAft>
+                <a:buNone/>
+              </a:pPr>
+              <a:endParaRPr sz="1600">
+                <a:solidFill>
+                  <a:schemeClr val="lt1"/>
+                </a:solidFill>
+                <a:latin typeface="Calibri"/>
+                <a:ea typeface="Calibri"/>
+                <a:cs typeface="Calibri"/>
+                <a:sym typeface="Calibri"/>
+              </a:endParaRPr>
+            </a:p>
+          </p:txBody>
+        </p:sp>
+        <p:grpSp>
+          <p:nvGrpSpPr>
+            <p:cNvPr id="62" name="Google Shape;307;g21bc3c53028_0_41">
+              <a:extLst>
+                <a:ext uri="{FF2B5EF4-FFF2-40B4-BE49-F238E27FC236}">
+                  <a16:creationId xmlns:a16="http://schemas.microsoft.com/office/drawing/2014/main" id="{49E8499A-F607-4AB3-A9F8-38246AD8B1E0}"/>
+                </a:ext>
+              </a:extLst>
+            </p:cNvPr>
+            <p:cNvGrpSpPr/>
+            <p:nvPr/>
+          </p:nvGrpSpPr>
+          <p:grpSpPr>
+            <a:xfrm rot="10800000" flipH="1">
+              <a:off x="889032" y="3153113"/>
+              <a:ext cx="1907796" cy="310782"/>
+              <a:chOff x="379629" y="4139460"/>
+              <a:chExt cx="2114838" cy="374120"/>
+            </a:xfrm>
+          </p:grpSpPr>
+          <p:sp>
+            <p:nvSpPr>
+              <p:cNvPr id="66" name="Google Shape;308;g21bc3c53028_0_41">
+                <a:extLst>
+                  <a:ext uri="{FF2B5EF4-FFF2-40B4-BE49-F238E27FC236}">
+                    <a16:creationId xmlns:a16="http://schemas.microsoft.com/office/drawing/2014/main" id="{76793837-51CE-48E7-BE73-75E04863FC58}"/>
+                  </a:ext>
+                </a:extLst>
+              </p:cNvPr>
+              <p:cNvSpPr/>
+              <p:nvPr/>
+            </p:nvSpPr>
+            <p:spPr>
+              <a:xfrm rot="10800000" flipH="1">
+                <a:off x="379629" y="4144280"/>
+                <a:ext cx="1580249" cy="369300"/>
+              </a:xfrm>
+              <a:prstGeom prst="rect">
+                <a:avLst/>
+              </a:prstGeom>
+              <a:solidFill>
+                <a:schemeClr val="dk1"/>
+              </a:solidFill>
+              <a:ln>
+                <a:noFill/>
+              </a:ln>
+            </p:spPr>
+            <p:txBody>
+              <a:bodyPr spcFirstLastPara="1" wrap="square" lIns="91425" tIns="45700" rIns="91425" bIns="45700" anchor="ctr" anchorCtr="0">
+                <a:noAutofit/>
+              </a:bodyPr>
+              <a:lstStyle/>
+              <a:p>
+                <a:pPr marL="0" marR="0" lvl="0" indent="0" algn="l" rtl="0">
+                  <a:spcBef>
+                    <a:spcPts val="0"/>
+                  </a:spcBef>
+                  <a:spcAft>
+                    <a:spcPts val="0"/>
+                  </a:spcAft>
+                  <a:buNone/>
+                </a:pPr>
+                <a:r>
+                  <a:rPr lang="en-US" sz="1600" dirty="0">
+                    <a:solidFill>
+                      <a:schemeClr val="lt1"/>
+                    </a:solidFill>
+                    <a:latin typeface="Arial"/>
+                    <a:ea typeface="Arial"/>
+                    <a:cs typeface="Arial"/>
+                    <a:sym typeface="Arial"/>
+                  </a:rPr>
+                  <a:t>Punch Attack</a:t>
+                </a:r>
+                <a:endParaRPr sz="1600" dirty="0">
+                  <a:solidFill>
+                    <a:schemeClr val="lt1"/>
+                  </a:solidFill>
+                  <a:latin typeface="Arial"/>
+                  <a:ea typeface="Arial"/>
+                  <a:cs typeface="Arial"/>
+                  <a:sym typeface="Arial"/>
+                </a:endParaRPr>
+              </a:p>
+            </p:txBody>
+          </p:sp>
+          <p:sp>
+            <p:nvSpPr>
+              <p:cNvPr id="67" name="Google Shape;309;g21bc3c53028_0_41">
+                <a:extLst>
+                  <a:ext uri="{FF2B5EF4-FFF2-40B4-BE49-F238E27FC236}">
+                    <a16:creationId xmlns:a16="http://schemas.microsoft.com/office/drawing/2014/main" id="{134E3D3C-E1A7-4995-A544-62D505D3789B}"/>
+                  </a:ext>
+                </a:extLst>
+              </p:cNvPr>
+              <p:cNvSpPr/>
+              <p:nvPr/>
+            </p:nvSpPr>
+            <p:spPr>
+              <a:xfrm>
+                <a:off x="1954467" y="4139460"/>
+                <a:ext cx="540000" cy="359999"/>
+              </a:xfrm>
+              <a:prstGeom prst="triangle">
+                <a:avLst>
+                  <a:gd name="adj" fmla="val 0"/>
+                </a:avLst>
+              </a:prstGeom>
+              <a:solidFill>
+                <a:schemeClr val="dk1"/>
+              </a:solidFill>
+              <a:ln>
+                <a:noFill/>
+              </a:ln>
+            </p:spPr>
+            <p:txBody>
+              <a:bodyPr spcFirstLastPara="1" wrap="square" lIns="91425" tIns="45700" rIns="91425" bIns="45700" anchor="ctr" anchorCtr="0">
+                <a:noAutofit/>
+              </a:bodyPr>
+              <a:lstStyle/>
+              <a:p>
+                <a:pPr marL="0" marR="0" lvl="0" indent="0" algn="ctr" rtl="0">
+                  <a:spcBef>
+                    <a:spcPts val="0"/>
+                  </a:spcBef>
+                  <a:spcAft>
+                    <a:spcPts val="0"/>
+                  </a:spcAft>
+                  <a:buNone/>
+                </a:pPr>
+                <a:endParaRPr sz="1600">
+                  <a:solidFill>
+                    <a:schemeClr val="lt1"/>
+                  </a:solidFill>
+                  <a:latin typeface="Arial"/>
+                  <a:ea typeface="Arial"/>
+                  <a:cs typeface="Arial"/>
+                  <a:sym typeface="Arial"/>
+                </a:endParaRPr>
+              </a:p>
+            </p:txBody>
+          </p:sp>
+        </p:grpSp>
+        <p:sp>
+          <p:nvSpPr>
+            <p:cNvPr id="65" name="Google Shape;312;g21bc3c53028_0_41">
+              <a:extLst>
+                <a:ext uri="{FF2B5EF4-FFF2-40B4-BE49-F238E27FC236}">
+                  <a16:creationId xmlns:a16="http://schemas.microsoft.com/office/drawing/2014/main" id="{AC6406F8-E377-4B1F-9E79-D6A369C73AF2}"/>
+                </a:ext>
+              </a:extLst>
+            </p:cNvPr>
+            <p:cNvSpPr/>
+            <p:nvPr/>
+          </p:nvSpPr>
+          <p:spPr>
+            <a:xfrm>
+              <a:off x="3491600" y="3148744"/>
+              <a:ext cx="2481300" cy="1744200"/>
             </a:xfrm>
             <a:prstGeom prst="rect">
               <a:avLst/>
@@ -19032,239 +24970,83 @@
         </p:sp>
         <p:pic>
           <p:nvPicPr>
-            <p:cNvPr id="18" name="Google Shape;326;g21bc3c53028_0_41">
+            <p:cNvPr id="70" name="Imagen 69">
               <a:extLst>
                 <a:ext uri="{FF2B5EF4-FFF2-40B4-BE49-F238E27FC236}">
-                  <a16:creationId xmlns:a16="http://schemas.microsoft.com/office/drawing/2014/main" id="{D68CA959-4A0E-40E9-97EC-DAB3E753596A}"/>
+                  <a16:creationId xmlns:a16="http://schemas.microsoft.com/office/drawing/2014/main" id="{FA17D60E-0F54-4E3F-B727-19D49DA18EA2}"/>
                 </a:ext>
               </a:extLst>
             </p:cNvPr>
-            <p:cNvPicPr preferRelativeResize="0"/>
+            <p:cNvPicPr>
+              <a:picLocks noChangeAspect="1"/>
+            </p:cNvPicPr>
             <p:nvPr/>
           </p:nvPicPr>
-          <p:blipFill rotWithShape="1">
+          <p:blipFill>
             <a:blip r:embed="rId3">
-              <a:alphaModFix/>
+              <a:extLst>
+                <a:ext uri="{28A0092B-C50C-407E-A947-70E740481C1C}">
+                  <a14:useLocalDpi xmlns:a14="http://schemas.microsoft.com/office/drawing/2010/main" val="0"/>
+                </a:ext>
+              </a:extLst>
             </a:blip>
-            <a:srcRect/>
-            <a:stretch/>
+            <a:stretch>
+              <a:fillRect/>
+            </a:stretch>
           </p:blipFill>
           <p:spPr>
             <a:xfrm>
-              <a:off x="3334184" y="2697410"/>
-              <a:ext cx="671484" cy="715515"/>
+              <a:off x="1659466" y="3729073"/>
+              <a:ext cx="1041865" cy="970364"/>
             </a:xfrm>
             <a:prstGeom prst="rect">
               <a:avLst/>
             </a:prstGeom>
-            <a:noFill/>
-            <a:ln>
-              <a:noFill/>
-            </a:ln>
           </p:spPr>
         </p:pic>
         <p:pic>
           <p:nvPicPr>
-            <p:cNvPr id="19" name="Google Shape;327;g21bc3c53028_0_41">
+            <p:cNvPr id="71" name="Imagen 70">
               <a:extLst>
                 <a:ext uri="{FF2B5EF4-FFF2-40B4-BE49-F238E27FC236}">
-                  <a16:creationId xmlns:a16="http://schemas.microsoft.com/office/drawing/2014/main" id="{C9BC2CED-2DF5-4ABD-9CC4-DFAE9C7E71DA}"/>
+                  <a16:creationId xmlns:a16="http://schemas.microsoft.com/office/drawing/2014/main" id="{E118CC09-EB38-47A7-86DD-584EF283FAE3}"/>
                 </a:ext>
               </a:extLst>
             </p:cNvPr>
-            <p:cNvPicPr preferRelativeResize="0"/>
+            <p:cNvPicPr>
+              <a:picLocks noChangeAspect="1"/>
+            </p:cNvPicPr>
             <p:nvPr/>
           </p:nvPicPr>
-          <p:blipFill rotWithShape="1">
+          <p:blipFill>
             <a:blip r:embed="rId4">
-              <a:alphaModFix/>
+              <a:extLst>
+                <a:ext uri="{28A0092B-C50C-407E-A947-70E740481C1C}">
+                  <a14:useLocalDpi xmlns:a14="http://schemas.microsoft.com/office/drawing/2010/main" val="0"/>
+                </a:ext>
+              </a:extLst>
             </a:blip>
-            <a:srcRect/>
-            <a:stretch/>
+            <a:stretch>
+              <a:fillRect/>
+            </a:stretch>
           </p:blipFill>
           <p:spPr>
             <a:xfrm>
-              <a:off x="4620020" y="2809843"/>
-              <a:ext cx="615529" cy="923293"/>
+              <a:off x="4286635" y="4035503"/>
+              <a:ext cx="1113365" cy="663934"/>
             </a:xfrm>
             <a:prstGeom prst="rect">
               <a:avLst/>
             </a:prstGeom>
-            <a:noFill/>
-            <a:ln>
-              <a:noFill/>
-            </a:ln>
-          </p:spPr>
-        </p:pic>
-        <p:pic>
-          <p:nvPicPr>
-            <p:cNvPr id="20" name="Google Shape;328;g21bc3c53028_0_41">
-              <a:extLst>
-                <a:ext uri="{FF2B5EF4-FFF2-40B4-BE49-F238E27FC236}">
-                  <a16:creationId xmlns:a16="http://schemas.microsoft.com/office/drawing/2014/main" id="{E9670691-14D3-4EBA-8BF2-FB4C443BCD1A}"/>
-                </a:ext>
-              </a:extLst>
-            </p:cNvPr>
-            <p:cNvPicPr preferRelativeResize="0"/>
-            <p:nvPr/>
-          </p:nvPicPr>
-          <p:blipFill rotWithShape="1">
-            <a:blip r:embed="rId5">
-              <a:alphaModFix/>
-            </a:blip>
-            <a:srcRect/>
-            <a:stretch/>
-          </p:blipFill>
-          <p:spPr>
-            <a:xfrm>
-              <a:off x="1965567" y="2993493"/>
-              <a:ext cx="700000" cy="940000"/>
-            </a:xfrm>
-            <a:prstGeom prst="rect">
-              <a:avLst/>
-            </a:prstGeom>
-            <a:noFill/>
-            <a:ln>
-              <a:noFill/>
-            </a:ln>
-          </p:spPr>
-        </p:pic>
-        <p:cxnSp>
-          <p:nvCxnSpPr>
-            <p:cNvPr id="21" name="Google Shape;329;g21bc3c53028_0_41">
-              <a:extLst>
-                <a:ext uri="{FF2B5EF4-FFF2-40B4-BE49-F238E27FC236}">
-                  <a16:creationId xmlns:a16="http://schemas.microsoft.com/office/drawing/2014/main" id="{E6BDDE7C-D15C-43EE-8C46-DEBB686435D6}"/>
-                </a:ext>
-              </a:extLst>
-            </p:cNvPr>
-            <p:cNvCxnSpPr/>
-            <p:nvPr/>
-          </p:nvCxnSpPr>
-          <p:spPr>
-            <a:xfrm rot="10800000">
-              <a:off x="2694567" y="3554743"/>
-              <a:ext cx="891600" cy="772200"/>
-            </a:xfrm>
-            <a:prstGeom prst="straightConnector1">
-              <a:avLst/>
-            </a:prstGeom>
-            <a:noFill/>
-            <a:ln w="28575" cap="flat" cmpd="sng">
-              <a:solidFill>
-                <a:schemeClr val="dk1"/>
-              </a:solidFill>
-              <a:prstDash val="solid"/>
-              <a:round/>
-              <a:headEnd type="none" w="med" len="med"/>
-              <a:tailEnd type="triangle" w="med" len="med"/>
-            </a:ln>
-          </p:spPr>
-        </p:cxnSp>
-        <p:cxnSp>
-          <p:nvCxnSpPr>
-            <p:cNvPr id="22" name="Google Shape;330;g21bc3c53028_0_41">
-              <a:extLst>
-                <a:ext uri="{FF2B5EF4-FFF2-40B4-BE49-F238E27FC236}">
-                  <a16:creationId xmlns:a16="http://schemas.microsoft.com/office/drawing/2014/main" id="{A50F3694-F0C3-481A-88FD-BCDBB08C291F}"/>
-                </a:ext>
-              </a:extLst>
-            </p:cNvPr>
-            <p:cNvCxnSpPr/>
-            <p:nvPr/>
-          </p:nvCxnSpPr>
-          <p:spPr>
-            <a:xfrm rot="10800000" flipH="1">
-              <a:off x="3608967" y="3554743"/>
-              <a:ext cx="891600" cy="772200"/>
-            </a:xfrm>
-            <a:prstGeom prst="straightConnector1">
-              <a:avLst/>
-            </a:prstGeom>
-            <a:noFill/>
-            <a:ln w="28575" cap="flat" cmpd="sng">
-              <a:solidFill>
-                <a:schemeClr val="dk1"/>
-              </a:solidFill>
-              <a:prstDash val="solid"/>
-              <a:round/>
-              <a:headEnd type="none" w="med" len="med"/>
-              <a:tailEnd type="triangle" w="med" len="med"/>
-            </a:ln>
-          </p:spPr>
-        </p:cxnSp>
-        <p:cxnSp>
-          <p:nvCxnSpPr>
-            <p:cNvPr id="23" name="Google Shape;331;g21bc3c53028_0_41">
-              <a:extLst>
-                <a:ext uri="{FF2B5EF4-FFF2-40B4-BE49-F238E27FC236}">
-                  <a16:creationId xmlns:a16="http://schemas.microsoft.com/office/drawing/2014/main" id="{3CA4BF7D-3B36-4706-B3A5-60620895C070}"/>
-                </a:ext>
-              </a:extLst>
-            </p:cNvPr>
-            <p:cNvCxnSpPr/>
-            <p:nvPr/>
-          </p:nvCxnSpPr>
-          <p:spPr>
-            <a:xfrm rot="10800000">
-              <a:off x="3596517" y="3445356"/>
-              <a:ext cx="0" cy="789600"/>
-            </a:xfrm>
-            <a:prstGeom prst="straightConnector1">
-              <a:avLst/>
-            </a:prstGeom>
-            <a:noFill/>
-            <a:ln w="28575" cap="flat" cmpd="sng">
-              <a:solidFill>
-                <a:schemeClr val="dk1"/>
-              </a:solidFill>
-              <a:prstDash val="solid"/>
-              <a:round/>
-              <a:headEnd type="none" w="med" len="med"/>
-              <a:tailEnd type="triangle" w="med" len="med"/>
-            </a:ln>
-          </p:spPr>
-        </p:cxnSp>
-        <p:pic>
-          <p:nvPicPr>
-            <p:cNvPr id="24" name="Google Shape;332;g21bc3c53028_0_41">
-              <a:extLst>
-                <a:ext uri="{FF2B5EF4-FFF2-40B4-BE49-F238E27FC236}">
-                  <a16:creationId xmlns:a16="http://schemas.microsoft.com/office/drawing/2014/main" id="{A4A00476-4A72-4FCC-A272-1D07F99B892F}"/>
-                </a:ext>
-              </a:extLst>
-            </p:cNvPr>
-            <p:cNvPicPr preferRelativeResize="0"/>
-            <p:nvPr/>
-          </p:nvPicPr>
-          <p:blipFill rotWithShape="1">
-            <a:blip r:embed="rId6">
-              <a:alphaModFix/>
-            </a:blip>
-            <a:srcRect/>
-            <a:stretch/>
-          </p:blipFill>
-          <p:spPr>
-            <a:xfrm>
-              <a:off x="3259928" y="3781144"/>
-              <a:ext cx="702103" cy="999964"/>
-            </a:xfrm>
-            <a:prstGeom prst="rect">
-              <a:avLst/>
-            </a:prstGeom>
-            <a:noFill/>
-            <a:ln>
-              <a:noFill/>
-            </a:ln>
           </p:spPr>
         </p:pic>
       </p:grpSp>
       <p:sp>
         <p:nvSpPr>
-          <p:cNvPr id="26" name="Google Shape;300;g21bc3c53028_0_41">
+          <p:cNvPr id="78" name="Google Shape;301;g21bc3c53028_0_41">
             <a:extLst>
               <a:ext uri="{FF2B5EF4-FFF2-40B4-BE49-F238E27FC236}">
-                <a16:creationId xmlns:a16="http://schemas.microsoft.com/office/drawing/2014/main" id="{837E0CEF-FD2A-4FF3-B2E4-8BACB82CE0AD}"/>
+                <a16:creationId xmlns:a16="http://schemas.microsoft.com/office/drawing/2014/main" id="{36689250-4502-4F2B-BD9D-A29E7C1C90D7}"/>
               </a:ext>
             </a:extLst>
           </p:cNvPr>
@@ -19273,8 +25055,8 @@
         </p:nvSpPr>
         <p:spPr>
           <a:xfrm>
-            <a:off x="379915" y="918697"/>
-            <a:ext cx="6119400" cy="889242"/>
+            <a:off x="368571" y="4004688"/>
+            <a:ext cx="6119400" cy="738623"/>
           </a:xfrm>
           <a:prstGeom prst="rect">
             <a:avLst/>
@@ -19290,10 +25072,7 @@
           </a:bodyPr>
           <a:lstStyle/>
           <a:p>
-            <a:pPr marL="0" marR="0" lvl="0" indent="0" algn="just" rtl="0">
-              <a:lnSpc>
-                <a:spcPct val="107000"/>
-              </a:lnSpc>
+            <a:pPr marL="457200" marR="0" lvl="1" indent="0" algn="just" rtl="0">
               <a:spcBef>
                 <a:spcPts val="0"/>
               </a:spcBef>
@@ -19302,19 +25081,7 @@
               </a:spcAft>
               <a:buNone/>
             </a:pPr>
-            <a:r>
-              <a:rPr lang="en-US" sz="1600" b="1" dirty="0">
-                <a:solidFill>
-                  <a:schemeClr val="dk1"/>
-                </a:solidFill>
-                <a:latin typeface="Arial"/>
-                <a:ea typeface="Arial"/>
-                <a:cs typeface="Arial"/>
-                <a:sym typeface="Arial"/>
-              </a:rPr>
-              <a:t>3.4. Basic Movement</a:t>
-            </a:r>
-            <a:endParaRPr sz="1400" dirty="0">
+            <a:endParaRPr sz="1400" b="0" i="0" u="sng" strike="noStrike" cap="none" dirty="0">
               <a:solidFill>
                 <a:schemeClr val="dk1"/>
               </a:solidFill>
@@ -19325,84 +25092,9 @@
             </a:endParaRPr>
           </a:p>
           <a:p>
-            <a:pPr marL="457200" lvl="1" algn="just">
-              <a:spcBef>
-                <a:spcPts val="800"/>
-              </a:spcBef>
-            </a:pPr>
+            <a:pPr marL="457200" lvl="1" algn="just"/>
             <a:r>
-              <a:rPr lang="en-US" u="sng" dirty="0">
-                <a:solidFill>
-                  <a:schemeClr val="dk1"/>
-                </a:solidFill>
-              </a:rPr>
-              <a:t>Vertical Movement:</a:t>
-            </a:r>
-            <a:r>
-              <a:rPr lang="en-US" dirty="0">
-                <a:solidFill>
-                  <a:schemeClr val="dk1"/>
-                </a:solidFill>
-              </a:rPr>
-              <a:t> Characters can jump in three directions. The height depends on the character.</a:t>
-            </a:r>
-            <a:endParaRPr lang="en-US" sz="1400" b="0" i="0" u="none" strike="noStrike" cap="none" dirty="0">
-              <a:solidFill>
-                <a:schemeClr val="dk1"/>
-              </a:solidFill>
-              <a:latin typeface="Calibri"/>
-              <a:ea typeface="Calibri"/>
-              <a:cs typeface="Calibri"/>
-              <a:sym typeface="Calibri"/>
-            </a:endParaRPr>
-          </a:p>
-        </p:txBody>
-      </p:sp>
-      <p:sp>
-        <p:nvSpPr>
-          <p:cNvPr id="37" name="Google Shape;300;g21bc3c53028_0_41">
-            <a:extLst>
-              <a:ext uri="{FF2B5EF4-FFF2-40B4-BE49-F238E27FC236}">
-                <a16:creationId xmlns:a16="http://schemas.microsoft.com/office/drawing/2014/main" id="{0762CB4E-BB61-47DB-9E2C-A1A453C27ED6}"/>
-              </a:ext>
-            </a:extLst>
-          </p:cNvPr>
-          <p:cNvSpPr txBox="1"/>
-          <p:nvPr/>
-        </p:nvSpPr>
-        <p:spPr>
-          <a:xfrm>
-            <a:off x="375901" y="4288382"/>
-            <a:ext cx="6119400" cy="1104686"/>
-          </a:xfrm>
-          <a:prstGeom prst="rect">
-            <a:avLst/>
-          </a:prstGeom>
-          <a:noFill/>
-          <a:ln>
-            <a:noFill/>
-          </a:ln>
-        </p:spPr>
-        <p:txBody>
-          <a:bodyPr spcFirstLastPara="1" wrap="square" lIns="91425" tIns="45700" rIns="91425" bIns="45700" anchor="t" anchorCtr="0">
-            <a:spAutoFit/>
-          </a:bodyPr>
-          <a:lstStyle/>
-          <a:p>
-            <a:pPr marL="0" marR="0" lvl="0" indent="0" algn="just" rtl="0">
-              <a:lnSpc>
-                <a:spcPct val="107000"/>
-              </a:lnSpc>
-              <a:spcBef>
-                <a:spcPts val="0"/>
-              </a:spcBef>
-              <a:spcAft>
-                <a:spcPts val="0"/>
-              </a:spcAft>
-              <a:buNone/>
-            </a:pPr>
-            <a:r>
-              <a:rPr lang="en-US" sz="1600" b="1" dirty="0">
+              <a:rPr lang="en-US" sz="1400" b="0" i="0" u="sng" strike="noStrike" cap="none" dirty="0">
                 <a:solidFill>
                   <a:schemeClr val="dk1"/>
                 </a:solidFill>
@@ -19411,31 +25103,7 @@
                 <a:cs typeface="Arial"/>
                 <a:sym typeface="Arial"/>
               </a:rPr>
-              <a:t>3.5. Advance Movement</a:t>
-            </a:r>
-            <a:endParaRPr sz="1400" dirty="0">
-              <a:solidFill>
-                <a:schemeClr val="dk1"/>
-              </a:solidFill>
-              <a:latin typeface="Arial"/>
-              <a:ea typeface="Arial"/>
-              <a:cs typeface="Arial"/>
-              <a:sym typeface="Arial"/>
-            </a:endParaRPr>
-          </a:p>
-          <a:p>
-            <a:pPr marL="457200" lvl="1" algn="just">
-              <a:spcBef>
-                <a:spcPts val="800"/>
-              </a:spcBef>
-            </a:pPr>
-            <a:r>
-              <a:rPr lang="en-US" u="sng" dirty="0">
-                <a:solidFill>
-                  <a:schemeClr val="dk1"/>
-                </a:solidFill>
-              </a:rPr>
-              <a:t>Dash:</a:t>
+              <a:t>Wight of the Attack:</a:t>
             </a:r>
             <a:r>
               <a:rPr lang="en-US" dirty="0">
@@ -19443,46 +25111,17 @@
                   <a:schemeClr val="dk1"/>
                 </a:solidFill>
               </a:rPr>
-              <a:t> Characters </a:t>
+              <a:t> Determines the speed and the overall damage of the attack.</a:t>
             </a:r>
-            <a:r>
-              <a:rPr lang="en-US" sz="1400" b="0" i="0" u="none" strike="noStrike" cap="none" dirty="0">
-                <a:solidFill>
-                  <a:schemeClr val="dk1"/>
-                </a:solidFill>
-                <a:latin typeface="Arial"/>
-                <a:ea typeface="Arial"/>
-                <a:cs typeface="Arial"/>
-                <a:sym typeface="Arial"/>
-              </a:rPr>
-              <a:t>can dash forward and backwards, is faster than walking and can be cancel into other actions.</a:t>
-            </a:r>
-            <a:r>
-              <a:rPr lang="en-US" dirty="0">
-                <a:solidFill>
-                  <a:schemeClr val="dk1"/>
-                </a:solidFill>
-              </a:rPr>
-              <a:t> The velocity changes depending on the direction.</a:t>
-            </a:r>
-            <a:endParaRPr lang="en-US" sz="1400" b="0" i="0" u="none" strike="noStrike" cap="none" dirty="0">
-              <a:solidFill>
-                <a:schemeClr val="dk1"/>
-              </a:solidFill>
-              <a:latin typeface="Calibri"/>
-              <a:ea typeface="Calibri"/>
-              <a:cs typeface="Calibri"/>
-              <a:sym typeface="Calibri"/>
-            </a:endParaRPr>
           </a:p>
         </p:txBody>
       </p:sp>
       <p:grpSp>
         <p:nvGrpSpPr>
-          <p:cNvPr id="56" name="Grupo 55">
+          <p:cNvPr id="3" name="Grupo 2">
             <a:extLst>
               <a:ext uri="{FF2B5EF4-FFF2-40B4-BE49-F238E27FC236}">
-                <a16:creationId xmlns:a16="http://schemas.microsoft.com/office/drawing/2014/main" id="{D581D7C1-FFF9-4D5E-8146-477872904887}"/>
+                <a16:creationId xmlns:a16="http://schemas.microsoft.com/office/drawing/2014/main" id="{5AEC55FB-3B2E-4A7D-9D8C-226929CA41FA}"/>
               </a:ext>
             </a:extLst>
           </p:cNvPr>
@@ -19491,52 +25130,18 @@
         </p:nvGrpSpPr>
         <p:grpSpPr>
           <a:xfrm>
-            <a:off x="893525" y="5431271"/>
-            <a:ext cx="5083589" cy="1628058"/>
-            <a:chOff x="893525" y="5240205"/>
-            <a:chExt cx="5083589" cy="1628058"/>
+            <a:off x="282764" y="4757232"/>
+            <a:ext cx="6292472" cy="1746440"/>
+            <a:chOff x="282764" y="5392232"/>
+            <a:chExt cx="6292472" cy="1746440"/>
           </a:xfrm>
         </p:grpSpPr>
-        <p:cxnSp>
-          <p:nvCxnSpPr>
-            <p:cNvPr id="39" name="Google Shape;314;g21bc3c53028_0_41">
+        <p:sp>
+          <p:nvSpPr>
+            <p:cNvPr id="79" name="Google Shape;185;g21bc01ef45b_0_801">
               <a:extLst>
                 <a:ext uri="{FF2B5EF4-FFF2-40B4-BE49-F238E27FC236}">
-                  <a16:creationId xmlns:a16="http://schemas.microsoft.com/office/drawing/2014/main" id="{A2323C67-1579-415D-959A-03DA39D1BCEC}"/>
-                </a:ext>
-              </a:extLst>
-            </p:cNvPr>
-            <p:cNvCxnSpPr>
-              <a:cxnSpLocks/>
-            </p:cNvCxnSpPr>
-            <p:nvPr/>
-          </p:nvCxnSpPr>
-          <p:spPr>
-            <a:xfrm>
-              <a:off x="1809750" y="6082372"/>
-              <a:ext cx="3182605" cy="0"/>
-            </a:xfrm>
-            <a:prstGeom prst="straightConnector1">
-              <a:avLst/>
-            </a:prstGeom>
-            <a:noFill/>
-            <a:ln w="28575" cap="flat" cmpd="sng">
-              <a:solidFill>
-                <a:schemeClr val="dk1"/>
-              </a:solidFill>
-              <a:prstDash val="solid"/>
-              <a:miter lim="800000"/>
-              <a:headEnd type="triangle" w="med" len="med"/>
-              <a:tailEnd type="triangle" w="med" len="med"/>
-            </a:ln>
-          </p:spPr>
-        </p:cxnSp>
-        <p:sp>
-          <p:nvSpPr>
-            <p:cNvPr id="40" name="Google Shape;315;g21bc3c53028_0_41">
-              <a:extLst>
-                <a:ext uri="{FF2B5EF4-FFF2-40B4-BE49-F238E27FC236}">
-                  <a16:creationId xmlns:a16="http://schemas.microsoft.com/office/drawing/2014/main" id="{DDB07EE9-2E94-4439-93D1-28FD9C1BF86D}"/>
+                  <a16:creationId xmlns:a16="http://schemas.microsoft.com/office/drawing/2014/main" id="{E5C3A6B5-ED8D-4149-90C5-117EE0EB2ECE}"/>
                 </a:ext>
               </a:extLst>
             </p:cNvPr>
@@ -19545,25 +25150,259 @@
           </p:nvSpPr>
           <p:spPr>
             <a:xfrm>
-              <a:off x="893525" y="6621666"/>
-              <a:ext cx="5083589" cy="246597"/>
+              <a:off x="284465" y="5396573"/>
+              <a:ext cx="2052000" cy="1742099"/>
+            </a:xfrm>
+            <a:prstGeom prst="rect">
+              <a:avLst/>
+            </a:prstGeom>
+            <a:noFill/>
+            <a:ln w="38100" cap="flat" cmpd="sng">
+              <a:solidFill>
+                <a:schemeClr val="dk1"/>
+              </a:solidFill>
+              <a:prstDash val="solid"/>
+              <a:miter lim="800000"/>
+              <a:headEnd type="none" w="sm" len="sm"/>
+              <a:tailEnd type="none" w="sm" len="sm"/>
+            </a:ln>
+          </p:spPr>
+          <p:txBody>
+            <a:bodyPr spcFirstLastPara="1" wrap="square" lIns="91425" tIns="45700" rIns="91425" bIns="45700" anchor="ctr" anchorCtr="0">
+              <a:noAutofit/>
+            </a:bodyPr>
+            <a:lstStyle/>
+            <a:p>
+              <a:pPr marL="0" marR="0" lvl="0" indent="0" algn="just" rtl="0">
+                <a:spcBef>
+                  <a:spcPts val="0"/>
+                </a:spcBef>
+                <a:spcAft>
+                  <a:spcPts val="0"/>
+                </a:spcAft>
+                <a:buNone/>
+              </a:pPr>
+              <a:endParaRPr sz="1400">
+                <a:solidFill>
+                  <a:schemeClr val="dk1"/>
+                </a:solidFill>
+                <a:latin typeface="Arial"/>
+                <a:ea typeface="Arial"/>
+                <a:cs typeface="Arial"/>
+                <a:sym typeface="Arial"/>
+              </a:endParaRPr>
+            </a:p>
+          </p:txBody>
+        </p:sp>
+        <p:sp>
+          <p:nvSpPr>
+            <p:cNvPr id="80" name="Google Shape;187;g21bc01ef45b_0_801">
+              <a:extLst>
+                <a:ext uri="{FF2B5EF4-FFF2-40B4-BE49-F238E27FC236}">
+                  <a16:creationId xmlns:a16="http://schemas.microsoft.com/office/drawing/2014/main" id="{3BC7EA11-1FFA-4F01-BD56-71E88C2CFA22}"/>
+                </a:ext>
+              </a:extLst>
+            </p:cNvPr>
+            <p:cNvSpPr/>
+            <p:nvPr/>
+          </p:nvSpPr>
+          <p:spPr>
+            <a:xfrm>
+              <a:off x="2407716" y="5396573"/>
+              <a:ext cx="2052000" cy="1742099"/>
+            </a:xfrm>
+            <a:prstGeom prst="rect">
+              <a:avLst/>
+            </a:prstGeom>
+            <a:noFill/>
+            <a:ln w="38100" cap="flat" cmpd="sng">
+              <a:solidFill>
+                <a:schemeClr val="dk1"/>
+              </a:solidFill>
+              <a:prstDash val="solid"/>
+              <a:miter lim="800000"/>
+              <a:headEnd type="none" w="sm" len="sm"/>
+              <a:tailEnd type="none" w="sm" len="sm"/>
+            </a:ln>
+          </p:spPr>
+          <p:txBody>
+            <a:bodyPr spcFirstLastPara="1" wrap="square" lIns="91425" tIns="45700" rIns="91425" bIns="45700" anchor="ctr" anchorCtr="0">
+              <a:noAutofit/>
+            </a:bodyPr>
+            <a:lstStyle/>
+            <a:p>
+              <a:pPr marL="0" marR="0" lvl="0" indent="0" algn="just" rtl="0">
+                <a:spcBef>
+                  <a:spcPts val="0"/>
+                </a:spcBef>
+                <a:spcAft>
+                  <a:spcPts val="0"/>
+                </a:spcAft>
+                <a:buNone/>
+              </a:pPr>
+              <a:endParaRPr sz="1400">
+                <a:solidFill>
+                  <a:schemeClr val="dk1"/>
+                </a:solidFill>
+                <a:latin typeface="Arial"/>
+                <a:ea typeface="Arial"/>
+                <a:cs typeface="Arial"/>
+                <a:sym typeface="Arial"/>
+              </a:endParaRPr>
+            </a:p>
+          </p:txBody>
+        </p:sp>
+        <p:sp>
+          <p:nvSpPr>
+            <p:cNvPr id="81" name="Google Shape;189;g21bc01ef45b_0_801">
+              <a:extLst>
+                <a:ext uri="{FF2B5EF4-FFF2-40B4-BE49-F238E27FC236}">
+                  <a16:creationId xmlns:a16="http://schemas.microsoft.com/office/drawing/2014/main" id="{F372CE12-7755-487E-BEFD-990E7B939BBD}"/>
+                </a:ext>
+              </a:extLst>
+            </p:cNvPr>
+            <p:cNvSpPr/>
+            <p:nvPr/>
+          </p:nvSpPr>
+          <p:spPr>
+            <a:xfrm>
+              <a:off x="4523236" y="5396573"/>
+              <a:ext cx="2052000" cy="1742099"/>
+            </a:xfrm>
+            <a:prstGeom prst="rect">
+              <a:avLst/>
+            </a:prstGeom>
+            <a:noFill/>
+            <a:ln w="38100" cap="flat" cmpd="sng">
+              <a:solidFill>
+                <a:schemeClr val="dk1"/>
+              </a:solidFill>
+              <a:prstDash val="solid"/>
+              <a:miter lim="800000"/>
+              <a:headEnd type="none" w="sm" len="sm"/>
+              <a:tailEnd type="none" w="sm" len="sm"/>
+            </a:ln>
+          </p:spPr>
+          <p:txBody>
+            <a:bodyPr spcFirstLastPara="1" wrap="square" lIns="91425" tIns="45700" rIns="91425" bIns="45700" anchor="ctr" anchorCtr="0">
+              <a:noAutofit/>
+            </a:bodyPr>
+            <a:lstStyle/>
+            <a:p>
+              <a:pPr marL="0" marR="0" lvl="0" indent="0" algn="just" rtl="0">
+                <a:spcBef>
+                  <a:spcPts val="0"/>
+                </a:spcBef>
+                <a:spcAft>
+                  <a:spcPts val="0"/>
+                </a:spcAft>
+                <a:buNone/>
+              </a:pPr>
+              <a:endParaRPr sz="1400">
+                <a:solidFill>
+                  <a:schemeClr val="dk1"/>
+                </a:solidFill>
+                <a:latin typeface="Arial"/>
+                <a:ea typeface="Arial"/>
+                <a:cs typeface="Arial"/>
+                <a:sym typeface="Arial"/>
+              </a:endParaRPr>
+            </a:p>
+          </p:txBody>
+        </p:sp>
+        <p:sp>
+          <p:nvSpPr>
+            <p:cNvPr id="82" name="Google Shape;308;g21bc3c53028_0_41">
+              <a:extLst>
+                <a:ext uri="{FF2B5EF4-FFF2-40B4-BE49-F238E27FC236}">
+                  <a16:creationId xmlns:a16="http://schemas.microsoft.com/office/drawing/2014/main" id="{0F2E2A73-4AE9-4BE3-8E72-6486CB9AD3FF}"/>
+                </a:ext>
+              </a:extLst>
+            </p:cNvPr>
+            <p:cNvSpPr/>
+            <p:nvPr/>
+          </p:nvSpPr>
+          <p:spPr>
+            <a:xfrm>
+              <a:off x="282764" y="5396573"/>
+              <a:ext cx="1425543" cy="306778"/>
             </a:xfrm>
             <a:prstGeom prst="rect">
               <a:avLst/>
             </a:prstGeom>
             <a:solidFill>
-              <a:schemeClr val="accent2">
-                <a:alpha val="24710"/>
-              </a:schemeClr>
+              <a:schemeClr val="dk1"/>
             </a:solidFill>
-            <a:ln w="38100" cap="flat" cmpd="sng">
-              <a:solidFill>
-                <a:schemeClr val="accent2"/>
-              </a:solidFill>
-              <a:prstDash val="solid"/>
-              <a:miter lim="800000"/>
-              <a:headEnd type="none" w="sm" len="sm"/>
-              <a:tailEnd type="none" w="sm" len="sm"/>
+            <a:ln>
+              <a:noFill/>
+            </a:ln>
+          </p:spPr>
+          <p:txBody>
+            <a:bodyPr spcFirstLastPara="1" wrap="square" lIns="91425" tIns="45700" rIns="91425" bIns="45700" anchor="ctr" anchorCtr="0">
+              <a:noAutofit/>
+            </a:bodyPr>
+            <a:lstStyle/>
+            <a:p>
+              <a:pPr marL="0" marR="0" lvl="0" indent="0" algn="l" rtl="0">
+                <a:spcBef>
+                  <a:spcPts val="0"/>
+                </a:spcBef>
+                <a:spcAft>
+                  <a:spcPts val="0"/>
+                </a:spcAft>
+                <a:buNone/>
+              </a:pPr>
+              <a:r>
+                <a:rPr lang="en-US" sz="1600" dirty="0">
+                  <a:solidFill>
+                    <a:schemeClr val="lt1"/>
+                  </a:solidFill>
+                  <a:latin typeface="Arial"/>
+                  <a:ea typeface="Arial"/>
+                  <a:cs typeface="Arial"/>
+                  <a:sym typeface="Arial"/>
+                </a:rPr>
+                <a:t>Light Attack</a:t>
+              </a:r>
+              <a:endParaRPr sz="1600" dirty="0">
+                <a:solidFill>
+                  <a:schemeClr val="lt1"/>
+                </a:solidFill>
+                <a:latin typeface="Arial"/>
+                <a:ea typeface="Arial"/>
+                <a:cs typeface="Arial"/>
+                <a:sym typeface="Arial"/>
+              </a:endParaRPr>
+            </a:p>
+          </p:txBody>
+        </p:sp>
+        <p:sp>
+          <p:nvSpPr>
+            <p:cNvPr id="83" name="Google Shape;309;g21bc3c53028_0_41">
+              <a:extLst>
+                <a:ext uri="{FF2B5EF4-FFF2-40B4-BE49-F238E27FC236}">
+                  <a16:creationId xmlns:a16="http://schemas.microsoft.com/office/drawing/2014/main" id="{066AEDBD-B6A5-4A84-8E45-D45093844B5A}"/>
+                </a:ext>
+              </a:extLst>
+            </p:cNvPr>
+            <p:cNvSpPr/>
+            <p:nvPr/>
+          </p:nvSpPr>
+          <p:spPr>
+            <a:xfrm rot="10800000" flipH="1">
+              <a:off x="1708307" y="5404299"/>
+              <a:ext cx="487134" cy="299052"/>
+            </a:xfrm>
+            <a:prstGeom prst="triangle">
+              <a:avLst>
+                <a:gd name="adj" fmla="val 0"/>
+              </a:avLst>
+            </a:prstGeom>
+            <a:solidFill>
+              <a:schemeClr val="dk1"/>
+            </a:solidFill>
+            <a:ln>
+              <a:noFill/>
             </a:ln>
           </p:spPr>
           <p:txBody>
@@ -19585,20 +25424,20 @@
                 <a:solidFill>
                   <a:schemeClr val="lt1"/>
                 </a:solidFill>
-                <a:latin typeface="Calibri"/>
-                <a:ea typeface="Calibri"/>
-                <a:cs typeface="Calibri"/>
-                <a:sym typeface="Calibri"/>
+                <a:latin typeface="Arial"/>
+                <a:ea typeface="Arial"/>
+                <a:cs typeface="Arial"/>
+                <a:sym typeface="Arial"/>
               </a:endParaRPr>
             </a:p>
           </p:txBody>
         </p:sp>
         <p:sp>
           <p:nvSpPr>
-            <p:cNvPr id="41" name="Google Shape;316;g21bc3c53028_0_41">
+            <p:cNvPr id="84" name="Google Shape;308;g21bc3c53028_0_41">
               <a:extLst>
                 <a:ext uri="{FF2B5EF4-FFF2-40B4-BE49-F238E27FC236}">
-                  <a16:creationId xmlns:a16="http://schemas.microsoft.com/office/drawing/2014/main" id="{A2D9957B-D797-48AC-A378-F75927E835E3}"/>
+                  <a16:creationId xmlns:a16="http://schemas.microsoft.com/office/drawing/2014/main" id="{C79F02C0-4E0D-43C8-A171-27A9D28669BC}"/>
                 </a:ext>
               </a:extLst>
             </p:cNvPr>
@@ -19607,8 +25446,630 @@
           </p:nvSpPr>
           <p:spPr>
             <a:xfrm>
-              <a:off x="893525" y="5240205"/>
-              <a:ext cx="5083589" cy="1618294"/>
+              <a:off x="2419377" y="5396573"/>
+              <a:ext cx="1562073" cy="306778"/>
+            </a:xfrm>
+            <a:prstGeom prst="rect">
+              <a:avLst/>
+            </a:prstGeom>
+            <a:solidFill>
+              <a:schemeClr val="dk1"/>
+            </a:solidFill>
+            <a:ln>
+              <a:noFill/>
+            </a:ln>
+          </p:spPr>
+          <p:txBody>
+            <a:bodyPr spcFirstLastPara="1" wrap="square" lIns="91425" tIns="45700" rIns="91425" bIns="45700" anchor="ctr" anchorCtr="0">
+              <a:noAutofit/>
+            </a:bodyPr>
+            <a:lstStyle/>
+            <a:p>
+              <a:pPr marL="0" marR="0" lvl="0" indent="0" algn="l" rtl="0">
+                <a:spcBef>
+                  <a:spcPts val="0"/>
+                </a:spcBef>
+                <a:spcAft>
+                  <a:spcPts val="0"/>
+                </a:spcAft>
+                <a:buNone/>
+              </a:pPr>
+              <a:r>
+                <a:rPr lang="en-US" sz="1600" dirty="0">
+                  <a:solidFill>
+                    <a:schemeClr val="lt1"/>
+                  </a:solidFill>
+                  <a:latin typeface="Arial"/>
+                  <a:ea typeface="Arial"/>
+                  <a:cs typeface="Arial"/>
+                  <a:sym typeface="Arial"/>
+                </a:rPr>
+                <a:t>Medium Attack</a:t>
+              </a:r>
+              <a:endParaRPr sz="1600" dirty="0">
+                <a:solidFill>
+                  <a:schemeClr val="lt1"/>
+                </a:solidFill>
+                <a:latin typeface="Arial"/>
+                <a:ea typeface="Arial"/>
+                <a:cs typeface="Arial"/>
+                <a:sym typeface="Arial"/>
+              </a:endParaRPr>
+            </a:p>
+          </p:txBody>
+        </p:sp>
+        <p:sp>
+          <p:nvSpPr>
+            <p:cNvPr id="85" name="Google Shape;309;g21bc3c53028_0_41">
+              <a:extLst>
+                <a:ext uri="{FF2B5EF4-FFF2-40B4-BE49-F238E27FC236}">
+                  <a16:creationId xmlns:a16="http://schemas.microsoft.com/office/drawing/2014/main" id="{1DC7A967-0B49-49E5-8E81-93146578B260}"/>
+                </a:ext>
+              </a:extLst>
+            </p:cNvPr>
+            <p:cNvSpPr/>
+            <p:nvPr/>
+          </p:nvSpPr>
+          <p:spPr>
+            <a:xfrm rot="10800000" flipH="1">
+              <a:off x="3972911" y="5404299"/>
+              <a:ext cx="487134" cy="299052"/>
+            </a:xfrm>
+            <a:prstGeom prst="triangle">
+              <a:avLst>
+                <a:gd name="adj" fmla="val 0"/>
+              </a:avLst>
+            </a:prstGeom>
+            <a:solidFill>
+              <a:schemeClr val="dk1"/>
+            </a:solidFill>
+            <a:ln>
+              <a:noFill/>
+            </a:ln>
+          </p:spPr>
+          <p:txBody>
+            <a:bodyPr spcFirstLastPara="1" wrap="square" lIns="91425" tIns="45700" rIns="91425" bIns="45700" anchor="ctr" anchorCtr="0">
+              <a:noAutofit/>
+            </a:bodyPr>
+            <a:lstStyle/>
+            <a:p>
+              <a:pPr marL="0" marR="0" lvl="0" indent="0" algn="ctr" rtl="0">
+                <a:spcBef>
+                  <a:spcPts val="0"/>
+                </a:spcBef>
+                <a:spcAft>
+                  <a:spcPts val="0"/>
+                </a:spcAft>
+                <a:buNone/>
+              </a:pPr>
+              <a:endParaRPr sz="1600">
+                <a:solidFill>
+                  <a:schemeClr val="lt1"/>
+                </a:solidFill>
+                <a:latin typeface="Arial"/>
+                <a:ea typeface="Arial"/>
+                <a:cs typeface="Arial"/>
+                <a:sym typeface="Arial"/>
+              </a:endParaRPr>
+            </a:p>
+          </p:txBody>
+        </p:sp>
+        <p:sp>
+          <p:nvSpPr>
+            <p:cNvPr id="86" name="Google Shape;308;g21bc3c53028_0_41">
+              <a:extLst>
+                <a:ext uri="{FF2B5EF4-FFF2-40B4-BE49-F238E27FC236}">
+                  <a16:creationId xmlns:a16="http://schemas.microsoft.com/office/drawing/2014/main" id="{3566B31E-564D-4DD0-B32C-DEA84DC46C37}"/>
+                </a:ext>
+              </a:extLst>
+            </p:cNvPr>
+            <p:cNvSpPr/>
+            <p:nvPr/>
+          </p:nvSpPr>
+          <p:spPr>
+            <a:xfrm>
+              <a:off x="4518802" y="5392232"/>
+              <a:ext cx="1562073" cy="306778"/>
+            </a:xfrm>
+            <a:prstGeom prst="rect">
+              <a:avLst/>
+            </a:prstGeom>
+            <a:solidFill>
+              <a:schemeClr val="dk1"/>
+            </a:solidFill>
+            <a:ln>
+              <a:noFill/>
+            </a:ln>
+          </p:spPr>
+          <p:txBody>
+            <a:bodyPr spcFirstLastPara="1" wrap="square" lIns="91425" tIns="45700" rIns="91425" bIns="45700" anchor="ctr" anchorCtr="0">
+              <a:noAutofit/>
+            </a:bodyPr>
+            <a:lstStyle/>
+            <a:p>
+              <a:pPr marL="0" marR="0" lvl="0" indent="0" algn="l" rtl="0">
+                <a:spcBef>
+                  <a:spcPts val="0"/>
+                </a:spcBef>
+                <a:spcAft>
+                  <a:spcPts val="0"/>
+                </a:spcAft>
+                <a:buNone/>
+              </a:pPr>
+              <a:r>
+                <a:rPr lang="en-US" sz="1600" dirty="0">
+                  <a:solidFill>
+                    <a:schemeClr val="lt1"/>
+                  </a:solidFill>
+                  <a:latin typeface="Arial"/>
+                  <a:ea typeface="Arial"/>
+                  <a:cs typeface="Arial"/>
+                  <a:sym typeface="Arial"/>
+                </a:rPr>
+                <a:t>Heavy Attack</a:t>
+              </a:r>
+              <a:endParaRPr sz="1600" dirty="0">
+                <a:solidFill>
+                  <a:schemeClr val="lt1"/>
+                </a:solidFill>
+                <a:latin typeface="Arial"/>
+                <a:ea typeface="Arial"/>
+                <a:cs typeface="Arial"/>
+                <a:sym typeface="Arial"/>
+              </a:endParaRPr>
+            </a:p>
+          </p:txBody>
+        </p:sp>
+        <p:sp>
+          <p:nvSpPr>
+            <p:cNvPr id="87" name="Google Shape;309;g21bc3c53028_0_41">
+              <a:extLst>
+                <a:ext uri="{FF2B5EF4-FFF2-40B4-BE49-F238E27FC236}">
+                  <a16:creationId xmlns:a16="http://schemas.microsoft.com/office/drawing/2014/main" id="{BB2119C9-75F6-4C7D-A4D6-7BBFEA6B24CA}"/>
+                </a:ext>
+              </a:extLst>
+            </p:cNvPr>
+            <p:cNvSpPr/>
+            <p:nvPr/>
+          </p:nvSpPr>
+          <p:spPr>
+            <a:xfrm rot="10800000" flipH="1">
+              <a:off x="6080875" y="5399958"/>
+              <a:ext cx="487134" cy="299052"/>
+            </a:xfrm>
+            <a:prstGeom prst="triangle">
+              <a:avLst>
+                <a:gd name="adj" fmla="val 0"/>
+              </a:avLst>
+            </a:prstGeom>
+            <a:solidFill>
+              <a:schemeClr val="dk1"/>
+            </a:solidFill>
+            <a:ln>
+              <a:noFill/>
+            </a:ln>
+          </p:spPr>
+          <p:txBody>
+            <a:bodyPr spcFirstLastPara="1" wrap="square" lIns="91425" tIns="45700" rIns="91425" bIns="45700" anchor="ctr" anchorCtr="0">
+              <a:noAutofit/>
+            </a:bodyPr>
+            <a:lstStyle/>
+            <a:p>
+              <a:pPr marL="0" marR="0" lvl="0" indent="0" algn="ctr" rtl="0">
+                <a:spcBef>
+                  <a:spcPts val="0"/>
+                </a:spcBef>
+                <a:spcAft>
+                  <a:spcPts val="0"/>
+                </a:spcAft>
+                <a:buNone/>
+              </a:pPr>
+              <a:endParaRPr sz="1600">
+                <a:solidFill>
+                  <a:schemeClr val="lt1"/>
+                </a:solidFill>
+                <a:latin typeface="Arial"/>
+                <a:ea typeface="Arial"/>
+                <a:cs typeface="Arial"/>
+                <a:sym typeface="Arial"/>
+              </a:endParaRPr>
+            </a:p>
+          </p:txBody>
+        </p:sp>
+      </p:grpSp>
+      <p:pic>
+        <p:nvPicPr>
+          <p:cNvPr id="91" name="Imagen 90">
+            <a:extLst>
+              <a:ext uri="{FF2B5EF4-FFF2-40B4-BE49-F238E27FC236}">
+                <a16:creationId xmlns:a16="http://schemas.microsoft.com/office/drawing/2014/main" id="{831FF6DE-D3DC-474D-A9D6-70C50E348187}"/>
+              </a:ext>
+            </a:extLst>
+          </p:cNvPr>
+          <p:cNvPicPr>
+            <a:picLocks noChangeAspect="1"/>
+          </p:cNvPicPr>
+          <p:nvPr/>
+        </p:nvPicPr>
+        <p:blipFill>
+          <a:blip r:embed="rId3">
+            <a:extLst>
+              <a:ext uri="{28A0092B-C50C-407E-A947-70E740481C1C}">
+                <a14:useLocalDpi xmlns:a14="http://schemas.microsoft.com/office/drawing/2010/main" val="0"/>
+              </a:ext>
+            </a:extLst>
+          </a:blip>
+          <a:stretch>
+            <a:fillRect/>
+          </a:stretch>
+        </p:blipFill>
+        <p:spPr>
+          <a:xfrm>
+            <a:off x="910009" y="5330987"/>
+            <a:ext cx="1041865" cy="970364"/>
+          </a:xfrm>
+          <a:prstGeom prst="rect">
+            <a:avLst/>
+          </a:prstGeom>
+        </p:spPr>
+      </p:pic>
+      <p:pic>
+        <p:nvPicPr>
+          <p:cNvPr id="5" name="Imagen 4">
+            <a:extLst>
+              <a:ext uri="{FF2B5EF4-FFF2-40B4-BE49-F238E27FC236}">
+                <a16:creationId xmlns:a16="http://schemas.microsoft.com/office/drawing/2014/main" id="{C918A6E3-A3F1-4D24-8057-C6FFE3463654}"/>
+              </a:ext>
+            </a:extLst>
+          </p:cNvPr>
+          <p:cNvPicPr>
+            <a:picLocks noChangeAspect="1"/>
+          </p:cNvPicPr>
+          <p:nvPr/>
+        </p:nvPicPr>
+        <p:blipFill>
+          <a:blip r:embed="rId5"/>
+          <a:stretch>
+            <a:fillRect/>
+          </a:stretch>
+        </p:blipFill>
+        <p:spPr>
+          <a:xfrm>
+            <a:off x="3020866" y="5130566"/>
+            <a:ext cx="836276" cy="1170786"/>
+          </a:xfrm>
+          <a:prstGeom prst="rect">
+            <a:avLst/>
+          </a:prstGeom>
+        </p:spPr>
+      </p:pic>
+      <p:pic>
+        <p:nvPicPr>
+          <p:cNvPr id="7" name="Imagen 6">
+            <a:extLst>
+              <a:ext uri="{FF2B5EF4-FFF2-40B4-BE49-F238E27FC236}">
+                <a16:creationId xmlns:a16="http://schemas.microsoft.com/office/drawing/2014/main" id="{1F958CF0-3F1D-48C5-B026-C0FD8E9C63D8}"/>
+              </a:ext>
+            </a:extLst>
+          </p:cNvPr>
+          <p:cNvPicPr>
+            <a:picLocks noChangeAspect="1"/>
+          </p:cNvPicPr>
+          <p:nvPr/>
+        </p:nvPicPr>
+        <p:blipFill>
+          <a:blip r:embed="rId6"/>
+          <a:stretch>
+            <a:fillRect/>
+          </a:stretch>
+        </p:blipFill>
+        <p:spPr>
+          <a:xfrm>
+            <a:off x="5001215" y="5330987"/>
+            <a:ext cx="1207655" cy="981220"/>
+          </a:xfrm>
+          <a:prstGeom prst="rect">
+            <a:avLst/>
+          </a:prstGeom>
+        </p:spPr>
+      </p:pic>
+      <p:sp>
+        <p:nvSpPr>
+          <p:cNvPr id="37" name="Google Shape;301;g21bc3c53028_0_41">
+            <a:extLst>
+              <a:ext uri="{FF2B5EF4-FFF2-40B4-BE49-F238E27FC236}">
+                <a16:creationId xmlns:a16="http://schemas.microsoft.com/office/drawing/2014/main" id="{1CDB3912-37A5-4AEF-B604-F401F47F5896}"/>
+              </a:ext>
+            </a:extLst>
+          </p:cNvPr>
+          <p:cNvSpPr txBox="1"/>
+          <p:nvPr/>
+        </p:nvSpPr>
+        <p:spPr>
+          <a:xfrm>
+            <a:off x="370843" y="6559096"/>
+            <a:ext cx="6119400" cy="954067"/>
+          </a:xfrm>
+          <a:prstGeom prst="rect">
+            <a:avLst/>
+          </a:prstGeom>
+          <a:noFill/>
+          <a:ln>
+            <a:noFill/>
+          </a:ln>
+        </p:spPr>
+        <p:txBody>
+          <a:bodyPr spcFirstLastPara="1" wrap="square" lIns="91425" tIns="45700" rIns="91425" bIns="45700" anchor="t" anchorCtr="0">
+            <a:spAutoFit/>
+          </a:bodyPr>
+          <a:lstStyle/>
+          <a:p>
+            <a:pPr marL="457200" marR="0" lvl="1" indent="0" algn="just" rtl="0">
+              <a:spcBef>
+                <a:spcPts val="0"/>
+              </a:spcBef>
+              <a:spcAft>
+                <a:spcPts val="0"/>
+              </a:spcAft>
+              <a:buNone/>
+            </a:pPr>
+            <a:endParaRPr sz="1400" b="0" i="0" u="sng" strike="noStrike" cap="none" dirty="0">
+              <a:solidFill>
+                <a:schemeClr val="dk1"/>
+              </a:solidFill>
+              <a:latin typeface="Arial"/>
+              <a:ea typeface="Arial"/>
+              <a:cs typeface="Arial"/>
+              <a:sym typeface="Arial"/>
+            </a:endParaRPr>
+          </a:p>
+          <a:p>
+            <a:pPr marL="457200" lvl="1" algn="just"/>
+            <a:r>
+              <a:rPr lang="en-US" sz="1400" b="0" i="0" u="sng" strike="noStrike" cap="none" dirty="0">
+                <a:solidFill>
+                  <a:schemeClr val="dk1"/>
+                </a:solidFill>
+                <a:latin typeface="Arial"/>
+                <a:ea typeface="Arial"/>
+                <a:cs typeface="Arial"/>
+                <a:sym typeface="Arial"/>
+              </a:rPr>
+              <a:t>State:</a:t>
+            </a:r>
+            <a:r>
+              <a:rPr lang="en-US" dirty="0">
+                <a:solidFill>
+                  <a:schemeClr val="dk1"/>
+                </a:solidFill>
+              </a:rPr>
+              <a:t> Depending on the state of the character, they have access to different sets of moves. There are six crouched, normal, and jumping attacks.</a:t>
+            </a:r>
+          </a:p>
+        </p:txBody>
+      </p:sp>
+      <p:sp>
+        <p:nvSpPr>
+          <p:cNvPr id="51" name="Google Shape;305;g21bc3c53028_0_41">
+            <a:extLst>
+              <a:ext uri="{FF2B5EF4-FFF2-40B4-BE49-F238E27FC236}">
+                <a16:creationId xmlns:a16="http://schemas.microsoft.com/office/drawing/2014/main" id="{FB68AF4C-680C-4B5B-A0A2-2FAD4CAC383A}"/>
+              </a:ext>
+            </a:extLst>
+          </p:cNvPr>
+          <p:cNvSpPr/>
+          <p:nvPr/>
+        </p:nvSpPr>
+        <p:spPr>
+          <a:xfrm>
+            <a:off x="4534722" y="9058557"/>
+            <a:ext cx="2040514" cy="231537"/>
+          </a:xfrm>
+          <a:prstGeom prst="rect">
+            <a:avLst/>
+          </a:prstGeom>
+          <a:solidFill>
+            <a:schemeClr val="accent2">
+              <a:alpha val="24710"/>
+            </a:schemeClr>
+          </a:solidFill>
+          <a:ln w="38100" cap="flat" cmpd="sng">
+            <a:solidFill>
+              <a:schemeClr val="accent2"/>
+            </a:solidFill>
+            <a:prstDash val="solid"/>
+            <a:miter lim="800000"/>
+            <a:headEnd type="none" w="sm" len="sm"/>
+            <a:tailEnd type="none" w="sm" len="sm"/>
+          </a:ln>
+        </p:spPr>
+        <p:txBody>
+          <a:bodyPr spcFirstLastPara="1" wrap="square" lIns="91425" tIns="45700" rIns="91425" bIns="45700" anchor="ctr" anchorCtr="0">
+            <a:noAutofit/>
+          </a:bodyPr>
+          <a:lstStyle/>
+          <a:p>
+            <a:pPr marL="0" marR="0" lvl="0" indent="0" algn="ctr" rtl="0">
+              <a:spcBef>
+                <a:spcPts val="0"/>
+              </a:spcBef>
+              <a:spcAft>
+                <a:spcPts val="0"/>
+              </a:spcAft>
+              <a:buNone/>
+            </a:pPr>
+            <a:endParaRPr sz="1600">
+              <a:solidFill>
+                <a:schemeClr val="lt1"/>
+              </a:solidFill>
+              <a:latin typeface="Calibri"/>
+              <a:ea typeface="Calibri"/>
+              <a:cs typeface="Calibri"/>
+              <a:sym typeface="Calibri"/>
+            </a:endParaRPr>
+          </a:p>
+        </p:txBody>
+      </p:sp>
+      <p:sp>
+        <p:nvSpPr>
+          <p:cNvPr id="52" name="Google Shape;305;g21bc3c53028_0_41">
+            <a:extLst>
+              <a:ext uri="{FF2B5EF4-FFF2-40B4-BE49-F238E27FC236}">
+                <a16:creationId xmlns:a16="http://schemas.microsoft.com/office/drawing/2014/main" id="{A450DCF9-2F44-4BD0-92F2-928BF6675DA6}"/>
+              </a:ext>
+            </a:extLst>
+          </p:cNvPr>
+          <p:cNvSpPr/>
+          <p:nvPr/>
+        </p:nvSpPr>
+        <p:spPr>
+          <a:xfrm>
+            <a:off x="2406577" y="9047694"/>
+            <a:ext cx="2052000" cy="242400"/>
+          </a:xfrm>
+          <a:prstGeom prst="rect">
+            <a:avLst/>
+          </a:prstGeom>
+          <a:solidFill>
+            <a:schemeClr val="accent2">
+              <a:alpha val="24710"/>
+            </a:schemeClr>
+          </a:solidFill>
+          <a:ln w="38100" cap="flat" cmpd="sng">
+            <a:solidFill>
+              <a:schemeClr val="accent2"/>
+            </a:solidFill>
+            <a:prstDash val="solid"/>
+            <a:miter lim="800000"/>
+            <a:headEnd type="none" w="sm" len="sm"/>
+            <a:tailEnd type="none" w="sm" len="sm"/>
+          </a:ln>
+        </p:spPr>
+        <p:txBody>
+          <a:bodyPr spcFirstLastPara="1" wrap="square" lIns="91425" tIns="45700" rIns="91425" bIns="45700" anchor="ctr" anchorCtr="0">
+            <a:noAutofit/>
+          </a:bodyPr>
+          <a:lstStyle/>
+          <a:p>
+            <a:pPr marL="0" marR="0" lvl="0" indent="0" algn="ctr" rtl="0">
+              <a:spcBef>
+                <a:spcPts val="0"/>
+              </a:spcBef>
+              <a:spcAft>
+                <a:spcPts val="0"/>
+              </a:spcAft>
+              <a:buNone/>
+            </a:pPr>
+            <a:endParaRPr sz="1600">
+              <a:solidFill>
+                <a:schemeClr val="lt1"/>
+              </a:solidFill>
+              <a:latin typeface="Calibri"/>
+              <a:ea typeface="Calibri"/>
+              <a:cs typeface="Calibri"/>
+              <a:sym typeface="Calibri"/>
+            </a:endParaRPr>
+          </a:p>
+        </p:txBody>
+      </p:sp>
+      <p:sp>
+        <p:nvSpPr>
+          <p:cNvPr id="53" name="Google Shape;305;g21bc3c53028_0_41">
+            <a:extLst>
+              <a:ext uri="{FF2B5EF4-FFF2-40B4-BE49-F238E27FC236}">
+                <a16:creationId xmlns:a16="http://schemas.microsoft.com/office/drawing/2014/main" id="{93A62E0D-0C6A-4385-B94E-01D57D883371}"/>
+              </a:ext>
+            </a:extLst>
+          </p:cNvPr>
+          <p:cNvSpPr/>
+          <p:nvPr/>
+        </p:nvSpPr>
+        <p:spPr>
+          <a:xfrm>
+            <a:off x="285036" y="9047694"/>
+            <a:ext cx="2052000" cy="242400"/>
+          </a:xfrm>
+          <a:prstGeom prst="rect">
+            <a:avLst/>
+          </a:prstGeom>
+          <a:solidFill>
+            <a:schemeClr val="accent2">
+              <a:alpha val="24710"/>
+            </a:schemeClr>
+          </a:solidFill>
+          <a:ln w="38100" cap="flat" cmpd="sng">
+            <a:solidFill>
+              <a:schemeClr val="accent2"/>
+            </a:solidFill>
+            <a:prstDash val="solid"/>
+            <a:miter lim="800000"/>
+            <a:headEnd type="none" w="sm" len="sm"/>
+            <a:tailEnd type="none" w="sm" len="sm"/>
+          </a:ln>
+        </p:spPr>
+        <p:txBody>
+          <a:bodyPr spcFirstLastPara="1" wrap="square" lIns="91425" tIns="45700" rIns="91425" bIns="45700" anchor="ctr" anchorCtr="0">
+            <a:noAutofit/>
+          </a:bodyPr>
+          <a:lstStyle/>
+          <a:p>
+            <a:pPr marL="0" marR="0" lvl="0" indent="0" algn="ctr" rtl="0">
+              <a:spcBef>
+                <a:spcPts val="0"/>
+              </a:spcBef>
+              <a:spcAft>
+                <a:spcPts val="0"/>
+              </a:spcAft>
+              <a:buNone/>
+            </a:pPr>
+            <a:endParaRPr sz="1600">
+              <a:solidFill>
+                <a:schemeClr val="lt1"/>
+              </a:solidFill>
+              <a:latin typeface="Calibri"/>
+              <a:ea typeface="Calibri"/>
+              <a:cs typeface="Calibri"/>
+              <a:sym typeface="Calibri"/>
+            </a:endParaRPr>
+          </a:p>
+        </p:txBody>
+      </p:sp>
+      <p:grpSp>
+        <p:nvGrpSpPr>
+          <p:cNvPr id="54" name="Grupo 53">
+            <a:extLst>
+              <a:ext uri="{FF2B5EF4-FFF2-40B4-BE49-F238E27FC236}">
+                <a16:creationId xmlns:a16="http://schemas.microsoft.com/office/drawing/2014/main" id="{041A9C9B-6610-4419-8F99-7105117771F3}"/>
+              </a:ext>
+            </a:extLst>
+          </p:cNvPr>
+          <p:cNvGrpSpPr/>
+          <p:nvPr/>
+        </p:nvGrpSpPr>
+        <p:grpSpPr>
+          <a:xfrm>
+            <a:off x="285036" y="7543654"/>
+            <a:ext cx="6292472" cy="1746440"/>
+            <a:chOff x="282764" y="5392232"/>
+            <a:chExt cx="6292472" cy="1746440"/>
+          </a:xfrm>
+        </p:grpSpPr>
+        <p:sp>
+          <p:nvSpPr>
+            <p:cNvPr id="55" name="Google Shape;185;g21bc01ef45b_0_801">
+              <a:extLst>
+                <a:ext uri="{FF2B5EF4-FFF2-40B4-BE49-F238E27FC236}">
+                  <a16:creationId xmlns:a16="http://schemas.microsoft.com/office/drawing/2014/main" id="{B434684B-34F7-4BDA-AD74-2A04D272DB6E}"/>
+                </a:ext>
+              </a:extLst>
+            </p:cNvPr>
+            <p:cNvSpPr/>
+            <p:nvPr/>
+          </p:nvSpPr>
+          <p:spPr>
+            <a:xfrm>
+              <a:off x="284465" y="5396573"/>
+              <a:ext cx="2052000" cy="1742099"/>
             </a:xfrm>
             <a:prstGeom prst="rect">
               <a:avLst/>
@@ -19630,6 +26091,244 @@
             </a:bodyPr>
             <a:lstStyle/>
             <a:p>
+              <a:pPr marL="0" marR="0" lvl="0" indent="0" algn="just" rtl="0">
+                <a:spcBef>
+                  <a:spcPts val="0"/>
+                </a:spcBef>
+                <a:spcAft>
+                  <a:spcPts val="0"/>
+                </a:spcAft>
+                <a:buNone/>
+              </a:pPr>
+              <a:endParaRPr sz="1400">
+                <a:solidFill>
+                  <a:schemeClr val="dk1"/>
+                </a:solidFill>
+                <a:latin typeface="Arial"/>
+                <a:ea typeface="Arial"/>
+                <a:cs typeface="Arial"/>
+                <a:sym typeface="Arial"/>
+              </a:endParaRPr>
+            </a:p>
+          </p:txBody>
+        </p:sp>
+        <p:sp>
+          <p:nvSpPr>
+            <p:cNvPr id="56" name="Google Shape;187;g21bc01ef45b_0_801">
+              <a:extLst>
+                <a:ext uri="{FF2B5EF4-FFF2-40B4-BE49-F238E27FC236}">
+                  <a16:creationId xmlns:a16="http://schemas.microsoft.com/office/drawing/2014/main" id="{A1162875-B9FA-494B-B05A-07E556B12115}"/>
+                </a:ext>
+              </a:extLst>
+            </p:cNvPr>
+            <p:cNvSpPr/>
+            <p:nvPr/>
+          </p:nvSpPr>
+          <p:spPr>
+            <a:xfrm>
+              <a:off x="2407716" y="5396573"/>
+              <a:ext cx="2052000" cy="1742099"/>
+            </a:xfrm>
+            <a:prstGeom prst="rect">
+              <a:avLst/>
+            </a:prstGeom>
+            <a:noFill/>
+            <a:ln w="38100" cap="flat" cmpd="sng">
+              <a:solidFill>
+                <a:schemeClr val="dk1"/>
+              </a:solidFill>
+              <a:prstDash val="solid"/>
+              <a:miter lim="800000"/>
+              <a:headEnd type="none" w="sm" len="sm"/>
+              <a:tailEnd type="none" w="sm" len="sm"/>
+            </a:ln>
+          </p:spPr>
+          <p:txBody>
+            <a:bodyPr spcFirstLastPara="1" wrap="square" lIns="91425" tIns="45700" rIns="91425" bIns="45700" anchor="ctr" anchorCtr="0">
+              <a:noAutofit/>
+            </a:bodyPr>
+            <a:lstStyle/>
+            <a:p>
+              <a:pPr marL="0" marR="0" lvl="0" indent="0" algn="just" rtl="0">
+                <a:spcBef>
+                  <a:spcPts val="0"/>
+                </a:spcBef>
+                <a:spcAft>
+                  <a:spcPts val="0"/>
+                </a:spcAft>
+                <a:buNone/>
+              </a:pPr>
+              <a:endParaRPr sz="1400">
+                <a:solidFill>
+                  <a:schemeClr val="dk1"/>
+                </a:solidFill>
+                <a:latin typeface="Arial"/>
+                <a:ea typeface="Arial"/>
+                <a:cs typeface="Arial"/>
+                <a:sym typeface="Arial"/>
+              </a:endParaRPr>
+            </a:p>
+          </p:txBody>
+        </p:sp>
+        <p:sp>
+          <p:nvSpPr>
+            <p:cNvPr id="57" name="Google Shape;189;g21bc01ef45b_0_801">
+              <a:extLst>
+                <a:ext uri="{FF2B5EF4-FFF2-40B4-BE49-F238E27FC236}">
+                  <a16:creationId xmlns:a16="http://schemas.microsoft.com/office/drawing/2014/main" id="{96C79998-913D-4CB9-93AE-736B5425134F}"/>
+                </a:ext>
+              </a:extLst>
+            </p:cNvPr>
+            <p:cNvSpPr/>
+            <p:nvPr/>
+          </p:nvSpPr>
+          <p:spPr>
+            <a:xfrm>
+              <a:off x="4523236" y="5396573"/>
+              <a:ext cx="2052000" cy="1742099"/>
+            </a:xfrm>
+            <a:prstGeom prst="rect">
+              <a:avLst/>
+            </a:prstGeom>
+            <a:noFill/>
+            <a:ln w="38100" cap="flat" cmpd="sng">
+              <a:solidFill>
+                <a:schemeClr val="dk1"/>
+              </a:solidFill>
+              <a:prstDash val="solid"/>
+              <a:miter lim="800000"/>
+              <a:headEnd type="none" w="sm" len="sm"/>
+              <a:tailEnd type="none" w="sm" len="sm"/>
+            </a:ln>
+          </p:spPr>
+          <p:txBody>
+            <a:bodyPr spcFirstLastPara="1" wrap="square" lIns="91425" tIns="45700" rIns="91425" bIns="45700" anchor="ctr" anchorCtr="0">
+              <a:noAutofit/>
+            </a:bodyPr>
+            <a:lstStyle/>
+            <a:p>
+              <a:pPr marL="0" marR="0" lvl="0" indent="0" algn="just" rtl="0">
+                <a:spcBef>
+                  <a:spcPts val="0"/>
+                </a:spcBef>
+                <a:spcAft>
+                  <a:spcPts val="0"/>
+                </a:spcAft>
+                <a:buNone/>
+              </a:pPr>
+              <a:endParaRPr sz="1400">
+                <a:solidFill>
+                  <a:schemeClr val="dk1"/>
+                </a:solidFill>
+                <a:latin typeface="Arial"/>
+                <a:ea typeface="Arial"/>
+                <a:cs typeface="Arial"/>
+                <a:sym typeface="Arial"/>
+              </a:endParaRPr>
+            </a:p>
+          </p:txBody>
+        </p:sp>
+        <p:sp>
+          <p:nvSpPr>
+            <p:cNvPr id="63" name="Google Shape;308;g21bc3c53028_0_41">
+              <a:extLst>
+                <a:ext uri="{FF2B5EF4-FFF2-40B4-BE49-F238E27FC236}">
+                  <a16:creationId xmlns:a16="http://schemas.microsoft.com/office/drawing/2014/main" id="{C9A20B84-9F58-4E04-A638-87F22703FDD8}"/>
+                </a:ext>
+              </a:extLst>
+            </p:cNvPr>
+            <p:cNvSpPr/>
+            <p:nvPr/>
+          </p:nvSpPr>
+          <p:spPr>
+            <a:xfrm>
+              <a:off x="282764" y="5396573"/>
+              <a:ext cx="1479470" cy="306778"/>
+            </a:xfrm>
+            <a:prstGeom prst="rect">
+              <a:avLst/>
+            </a:prstGeom>
+            <a:solidFill>
+              <a:schemeClr val="dk1"/>
+            </a:solidFill>
+            <a:ln>
+              <a:noFill/>
+            </a:ln>
+          </p:spPr>
+          <p:txBody>
+            <a:bodyPr spcFirstLastPara="1" wrap="square" lIns="91425" tIns="45700" rIns="91425" bIns="45700" anchor="ctr" anchorCtr="0">
+              <a:noAutofit/>
+            </a:bodyPr>
+            <a:lstStyle/>
+            <a:p>
+              <a:pPr marL="0" marR="0" lvl="0" indent="0" algn="l" rtl="0">
+                <a:spcBef>
+                  <a:spcPts val="0"/>
+                </a:spcBef>
+                <a:spcAft>
+                  <a:spcPts val="0"/>
+                </a:spcAft>
+                <a:buNone/>
+              </a:pPr>
+              <a:r>
+                <a:rPr lang="en-US" sz="1600" dirty="0">
+                  <a:solidFill>
+                    <a:schemeClr val="lt1"/>
+                  </a:solidFill>
+                  <a:latin typeface="Arial"/>
+                  <a:ea typeface="Arial"/>
+                  <a:cs typeface="Arial"/>
+                  <a:sym typeface="Arial"/>
+                </a:rPr>
+                <a:t>Crouch Attack</a:t>
+              </a:r>
+              <a:endParaRPr sz="1600" dirty="0">
+                <a:solidFill>
+                  <a:schemeClr val="lt1"/>
+                </a:solidFill>
+                <a:latin typeface="Arial"/>
+                <a:ea typeface="Arial"/>
+                <a:cs typeface="Arial"/>
+                <a:sym typeface="Arial"/>
+              </a:endParaRPr>
+            </a:p>
+          </p:txBody>
+        </p:sp>
+        <p:sp>
+          <p:nvSpPr>
+            <p:cNvPr id="64" name="Google Shape;309;g21bc3c53028_0_41">
+              <a:extLst>
+                <a:ext uri="{FF2B5EF4-FFF2-40B4-BE49-F238E27FC236}">
+                  <a16:creationId xmlns:a16="http://schemas.microsoft.com/office/drawing/2014/main" id="{6CCDDD2E-0468-4090-A952-0E6398851EA8}"/>
+                </a:ext>
+              </a:extLst>
+            </p:cNvPr>
+            <p:cNvSpPr/>
+            <p:nvPr/>
+          </p:nvSpPr>
+          <p:spPr>
+            <a:xfrm rot="10800000" flipH="1">
+              <a:off x="1758985" y="5404849"/>
+              <a:ext cx="487134" cy="299052"/>
+            </a:xfrm>
+            <a:prstGeom prst="triangle">
+              <a:avLst>
+                <a:gd name="adj" fmla="val 0"/>
+              </a:avLst>
+            </a:prstGeom>
+            <a:solidFill>
+              <a:schemeClr val="dk1"/>
+            </a:solidFill>
+            <a:ln>
+              <a:noFill/>
+            </a:ln>
+          </p:spPr>
+          <p:txBody>
+            <a:bodyPr spcFirstLastPara="1" wrap="square" lIns="91425" tIns="45700" rIns="91425" bIns="45700" anchor="ctr" anchorCtr="0">
+              <a:noAutofit/>
+            </a:bodyPr>
+            <a:lstStyle/>
+            <a:p>
               <a:pPr marL="0" marR="0" lvl="0" indent="0" algn="ctr" rtl="0">
                 <a:spcBef>
                   <a:spcPts val="0"/>
@@ -19643,89 +26342,58 @@
                 <a:solidFill>
                   <a:schemeClr val="lt1"/>
                 </a:solidFill>
-                <a:latin typeface="Calibri"/>
-                <a:ea typeface="Calibri"/>
-                <a:cs typeface="Calibri"/>
-                <a:sym typeface="Calibri"/>
+                <a:latin typeface="Arial"/>
+                <a:ea typeface="Arial"/>
+                <a:cs typeface="Arial"/>
+                <a:sym typeface="Arial"/>
               </a:endParaRPr>
             </a:p>
           </p:txBody>
         </p:sp>
-        <p:grpSp>
-          <p:nvGrpSpPr>
-            <p:cNvPr id="42" name="Google Shape;317;g21bc3c53028_0_41">
+        <p:sp>
+          <p:nvSpPr>
+            <p:cNvPr id="72" name="Google Shape;308;g21bc3c53028_0_41">
               <a:extLst>
                 <a:ext uri="{FF2B5EF4-FFF2-40B4-BE49-F238E27FC236}">
-                  <a16:creationId xmlns:a16="http://schemas.microsoft.com/office/drawing/2014/main" id="{6228D3B6-0829-4D4C-840C-059CA5ABC2F7}"/>
+                  <a16:creationId xmlns:a16="http://schemas.microsoft.com/office/drawing/2014/main" id="{1EEF8EAA-AF42-4B8C-A298-9E4B6F141AF4}"/>
                 </a:ext>
               </a:extLst>
             </p:cNvPr>
-            <p:cNvGrpSpPr/>
+            <p:cNvSpPr/>
             <p:nvPr/>
-          </p:nvGrpSpPr>
-          <p:grpSpPr>
-            <a:xfrm rot="10800000" flipH="1">
-              <a:off x="901335" y="5242432"/>
-              <a:ext cx="1580741" cy="306780"/>
-              <a:chOff x="379629" y="4144280"/>
-              <a:chExt cx="1760566" cy="369300"/>
+          </p:nvSpPr>
+          <p:spPr>
+            <a:xfrm>
+              <a:off x="2419377" y="5396573"/>
+              <a:ext cx="1562073" cy="306778"/>
             </a:xfrm>
-          </p:grpSpPr>
-          <p:sp>
-            <p:nvSpPr>
-              <p:cNvPr id="46" name="Google Shape;318;g21bc3c53028_0_41">
-                <a:extLst>
-                  <a:ext uri="{FF2B5EF4-FFF2-40B4-BE49-F238E27FC236}">
-                    <a16:creationId xmlns:a16="http://schemas.microsoft.com/office/drawing/2014/main" id="{E2521B2A-495B-470A-BD3B-70E0EB6FD0A2}"/>
-                  </a:ext>
-                </a:extLst>
-              </p:cNvPr>
-              <p:cNvSpPr/>
-              <p:nvPr/>
-            </p:nvSpPr>
-            <p:spPr>
-              <a:xfrm rot="10800000" flipH="1">
-                <a:off x="379629" y="4144280"/>
-                <a:ext cx="1229700" cy="369300"/>
-              </a:xfrm>
-              <a:prstGeom prst="rect">
-                <a:avLst/>
-              </a:prstGeom>
-              <a:solidFill>
-                <a:schemeClr val="dk1"/>
-              </a:solidFill>
-              <a:ln>
-                <a:noFill/>
-              </a:ln>
-            </p:spPr>
-            <p:txBody>
-              <a:bodyPr spcFirstLastPara="1" wrap="square" lIns="91425" tIns="45700" rIns="91425" bIns="45700" anchor="ctr" anchorCtr="0">
-                <a:noAutofit/>
-              </a:bodyPr>
-              <a:lstStyle/>
-              <a:p>
-                <a:pPr marL="0" marR="0" lvl="0" indent="0" algn="l" rtl="0">
-                  <a:spcBef>
-                    <a:spcPts val="0"/>
-                  </a:spcBef>
-                  <a:spcAft>
-                    <a:spcPts val="0"/>
-                  </a:spcAft>
-                  <a:buNone/>
-                </a:pPr>
-                <a:r>
-                  <a:rPr lang="en-US" sz="1600" dirty="0">
-                    <a:solidFill>
-                      <a:schemeClr val="lt1"/>
-                    </a:solidFill>
-                    <a:latin typeface="Arial"/>
-                    <a:ea typeface="Arial"/>
-                    <a:cs typeface="Arial"/>
-                    <a:sym typeface="Arial"/>
-                  </a:rPr>
-                  <a:t>Grounded</a:t>
-                </a:r>
-                <a:endParaRPr sz="1600" dirty="0">
+            <a:prstGeom prst="rect">
+              <a:avLst/>
+            </a:prstGeom>
+            <a:solidFill>
+              <a:schemeClr val="dk1"/>
+            </a:solidFill>
+            <a:ln>
+              <a:noFill/>
+            </a:ln>
+          </p:spPr>
+          <p:txBody>
+            <a:bodyPr spcFirstLastPara="1" wrap="square" lIns="91425" tIns="45700" rIns="91425" bIns="45700" anchor="ctr" anchorCtr="0">
+              <a:noAutofit/>
+            </a:bodyPr>
+            <a:lstStyle/>
+            <a:p>
+              <a:pPr marL="0" marR="0" lvl="0" indent="0" algn="l" rtl="0">
+                <a:spcBef>
+                  <a:spcPts val="0"/>
+                </a:spcBef>
+                <a:spcAft>
+                  <a:spcPts val="0"/>
+                </a:spcAft>
+                <a:buNone/>
+              </a:pPr>
+              <a:r>
+                <a:rPr lang="en-US" sz="1600" dirty="0">
                   <a:solidFill>
                     <a:schemeClr val="lt1"/>
                   </a:solidFill>
@@ -19733,55 +26401,121 @@
                   <a:ea typeface="Arial"/>
                   <a:cs typeface="Arial"/>
                   <a:sym typeface="Arial"/>
-                </a:endParaRPr>
-              </a:p>
-            </p:txBody>
-          </p:sp>
-          <p:sp>
-            <p:nvSpPr>
-              <p:cNvPr id="47" name="Google Shape;319;g21bc3c53028_0_41">
-                <a:extLst>
-                  <a:ext uri="{FF2B5EF4-FFF2-40B4-BE49-F238E27FC236}">
-                    <a16:creationId xmlns:a16="http://schemas.microsoft.com/office/drawing/2014/main" id="{061FD99E-441A-4D4C-9DC0-19B6442C6507}"/>
-                  </a:ext>
-                </a:extLst>
-              </p:cNvPr>
-              <p:cNvSpPr/>
-              <p:nvPr/>
-            </p:nvSpPr>
-            <p:spPr>
-              <a:xfrm>
-                <a:off x="1600195" y="4148914"/>
-                <a:ext cx="540000" cy="360000"/>
-              </a:xfrm>
-              <a:prstGeom prst="triangle">
-                <a:avLst>
-                  <a:gd name="adj" fmla="val 0"/>
-                </a:avLst>
-              </a:prstGeom>
-              <a:solidFill>
-                <a:schemeClr val="dk1"/>
-              </a:solidFill>
-              <a:ln>
-                <a:noFill/>
-              </a:ln>
-            </p:spPr>
-            <p:txBody>
-              <a:bodyPr spcFirstLastPara="1" wrap="square" lIns="91425" tIns="45700" rIns="91425" bIns="45700" anchor="ctr" anchorCtr="0">
-                <a:noAutofit/>
-              </a:bodyPr>
-              <a:lstStyle/>
-              <a:p>
-                <a:pPr marL="0" marR="0" lvl="0" indent="0" algn="ctr" rtl="0">
-                  <a:spcBef>
-                    <a:spcPts val="0"/>
-                  </a:spcBef>
-                  <a:spcAft>
-                    <a:spcPts val="0"/>
-                  </a:spcAft>
-                  <a:buNone/>
-                </a:pPr>
-                <a:endParaRPr sz="1600">
+                </a:rPr>
+                <a:t>Normal Attack</a:t>
+              </a:r>
+              <a:endParaRPr sz="1600" dirty="0">
+                <a:solidFill>
+                  <a:schemeClr val="lt1"/>
+                </a:solidFill>
+                <a:latin typeface="Arial"/>
+                <a:ea typeface="Arial"/>
+                <a:cs typeface="Arial"/>
+                <a:sym typeface="Arial"/>
+              </a:endParaRPr>
+            </a:p>
+          </p:txBody>
+        </p:sp>
+        <p:sp>
+          <p:nvSpPr>
+            <p:cNvPr id="73" name="Google Shape;309;g21bc3c53028_0_41">
+              <a:extLst>
+                <a:ext uri="{FF2B5EF4-FFF2-40B4-BE49-F238E27FC236}">
+                  <a16:creationId xmlns:a16="http://schemas.microsoft.com/office/drawing/2014/main" id="{4AEDEBD8-F169-47B3-86AA-F840425642A3}"/>
+                </a:ext>
+              </a:extLst>
+            </p:cNvPr>
+            <p:cNvSpPr/>
+            <p:nvPr/>
+          </p:nvSpPr>
+          <p:spPr>
+            <a:xfrm rot="10800000" flipH="1">
+              <a:off x="3972911" y="5404299"/>
+              <a:ext cx="487134" cy="299052"/>
+            </a:xfrm>
+            <a:prstGeom prst="triangle">
+              <a:avLst>
+                <a:gd name="adj" fmla="val 0"/>
+              </a:avLst>
+            </a:prstGeom>
+            <a:solidFill>
+              <a:schemeClr val="dk1"/>
+            </a:solidFill>
+            <a:ln>
+              <a:noFill/>
+            </a:ln>
+          </p:spPr>
+          <p:txBody>
+            <a:bodyPr spcFirstLastPara="1" wrap="square" lIns="91425" tIns="45700" rIns="91425" bIns="45700" anchor="ctr" anchorCtr="0">
+              <a:noAutofit/>
+            </a:bodyPr>
+            <a:lstStyle/>
+            <a:p>
+              <a:pPr marL="0" marR="0" lvl="0" indent="0" algn="ctr" rtl="0">
+                <a:spcBef>
+                  <a:spcPts val="0"/>
+                </a:spcBef>
+                <a:spcAft>
+                  <a:spcPts val="0"/>
+                </a:spcAft>
+                <a:buNone/>
+              </a:pPr>
+              <a:endParaRPr sz="1600">
+                <a:solidFill>
+                  <a:schemeClr val="lt1"/>
+                </a:solidFill>
+                <a:latin typeface="Arial"/>
+                <a:ea typeface="Arial"/>
+                <a:cs typeface="Arial"/>
+                <a:sym typeface="Arial"/>
+              </a:endParaRPr>
+            </a:p>
+          </p:txBody>
+        </p:sp>
+        <p:sp>
+          <p:nvSpPr>
+            <p:cNvPr id="74" name="Google Shape;308;g21bc3c53028_0_41">
+              <a:extLst>
+                <a:ext uri="{FF2B5EF4-FFF2-40B4-BE49-F238E27FC236}">
+                  <a16:creationId xmlns:a16="http://schemas.microsoft.com/office/drawing/2014/main" id="{5A3A3923-099B-433C-85E6-C53A24B5E403}"/>
+                </a:ext>
+              </a:extLst>
+            </p:cNvPr>
+            <p:cNvSpPr/>
+            <p:nvPr/>
+          </p:nvSpPr>
+          <p:spPr>
+            <a:xfrm>
+              <a:off x="4518802" y="5392232"/>
+              <a:ext cx="1562073" cy="306778"/>
+            </a:xfrm>
+            <a:prstGeom prst="rect">
+              <a:avLst/>
+            </a:prstGeom>
+            <a:solidFill>
+              <a:schemeClr val="dk1"/>
+            </a:solidFill>
+            <a:ln>
+              <a:noFill/>
+            </a:ln>
+          </p:spPr>
+          <p:txBody>
+            <a:bodyPr spcFirstLastPara="1" wrap="square" lIns="91425" tIns="45700" rIns="91425" bIns="45700" anchor="ctr" anchorCtr="0">
+              <a:noAutofit/>
+            </a:bodyPr>
+            <a:lstStyle/>
+            <a:p>
+              <a:pPr marL="0" marR="0" lvl="0" indent="0" algn="l" rtl="0">
+                <a:spcBef>
+                  <a:spcPts val="0"/>
+                </a:spcBef>
+                <a:spcAft>
+                  <a:spcPts val="0"/>
+                </a:spcAft>
+                <a:buNone/>
+              </a:pPr>
+              <a:r>
+                <a:rPr lang="en-US" sz="1600" dirty="0">
                   <a:solidFill>
                     <a:schemeClr val="lt1"/>
                   </a:solidFill>
@@ -19789,109 +26523,180 @@
                   <a:ea typeface="Arial"/>
                   <a:cs typeface="Arial"/>
                   <a:sym typeface="Arial"/>
-                </a:endParaRPr>
-              </a:p>
-            </p:txBody>
-          </p:sp>
-        </p:grpSp>
-        <p:pic>
-          <p:nvPicPr>
-            <p:cNvPr id="43" name="Google Shape;320;g21bc3c53028_0_41">
+                </a:rPr>
+                <a:t>Jump Attack</a:t>
+              </a:r>
+              <a:endParaRPr sz="1600" dirty="0">
+                <a:solidFill>
+                  <a:schemeClr val="lt1"/>
+                </a:solidFill>
+                <a:latin typeface="Arial"/>
+                <a:ea typeface="Arial"/>
+                <a:cs typeface="Arial"/>
+                <a:sym typeface="Arial"/>
+              </a:endParaRPr>
+            </a:p>
+          </p:txBody>
+        </p:sp>
+        <p:sp>
+          <p:nvSpPr>
+            <p:cNvPr id="75" name="Google Shape;309;g21bc3c53028_0_41">
               <a:extLst>
                 <a:ext uri="{FF2B5EF4-FFF2-40B4-BE49-F238E27FC236}">
-                  <a16:creationId xmlns:a16="http://schemas.microsoft.com/office/drawing/2014/main" id="{44FAEB5A-9C0D-4FD8-9C55-A8E10E6BCA1F}"/>
+                  <a16:creationId xmlns:a16="http://schemas.microsoft.com/office/drawing/2014/main" id="{84D1C731-F966-4815-A39A-E1199399D90D}"/>
                 </a:ext>
               </a:extLst>
             </p:cNvPr>
-            <p:cNvPicPr preferRelativeResize="0"/>
+            <p:cNvSpPr/>
             <p:nvPr/>
-          </p:nvPicPr>
-          <p:blipFill rotWithShape="1">
-            <a:blip r:embed="rId6">
-              <a:alphaModFix/>
-            </a:blip>
-            <a:srcRect/>
-            <a:stretch/>
-          </p:blipFill>
+          </p:nvSpPr>
           <p:spPr>
-            <a:xfrm>
-              <a:off x="3079361" y="5651019"/>
-              <a:ext cx="703178" cy="1001496"/>
+            <a:xfrm rot="10800000" flipH="1">
+              <a:off x="6080875" y="5399958"/>
+              <a:ext cx="487134" cy="299052"/>
             </a:xfrm>
-            <a:prstGeom prst="rect">
-              <a:avLst/>
+            <a:prstGeom prst="triangle">
+              <a:avLst>
+                <a:gd name="adj" fmla="val 0"/>
+              </a:avLst>
             </a:prstGeom>
-            <a:noFill/>
+            <a:solidFill>
+              <a:schemeClr val="dk1"/>
+            </a:solidFill>
             <a:ln>
               <a:noFill/>
             </a:ln>
           </p:spPr>
-        </p:pic>
-        <p:pic>
-          <p:nvPicPr>
-            <p:cNvPr id="50" name="Imagen 49">
-              <a:extLst>
-                <a:ext uri="{FF2B5EF4-FFF2-40B4-BE49-F238E27FC236}">
-                  <a16:creationId xmlns:a16="http://schemas.microsoft.com/office/drawing/2014/main" id="{F2494F42-775E-47FC-A6A3-1A767179F0EB}"/>
-                </a:ext>
-              </a:extLst>
-            </p:cNvPr>
-            <p:cNvPicPr>
-              <a:picLocks noChangeAspect="1"/>
-            </p:cNvPicPr>
-            <p:nvPr/>
-          </p:nvPicPr>
-          <p:blipFill>
-            <a:blip r:embed="rId7">
-              <a:grayscl/>
-            </a:blip>
-            <a:stretch>
-              <a:fillRect/>
-            </a:stretch>
-          </p:blipFill>
-          <p:spPr>
-            <a:xfrm>
-              <a:off x="989656" y="5784056"/>
-              <a:ext cx="1282197" cy="882151"/>
-            </a:xfrm>
-            <a:prstGeom prst="rect">
-              <a:avLst/>
-            </a:prstGeom>
-          </p:spPr>
-        </p:pic>
-        <p:pic>
-          <p:nvPicPr>
-            <p:cNvPr id="51" name="Imagen 50">
-              <a:extLst>
-                <a:ext uri="{FF2B5EF4-FFF2-40B4-BE49-F238E27FC236}">
-                  <a16:creationId xmlns:a16="http://schemas.microsoft.com/office/drawing/2014/main" id="{7E652C88-E667-43EB-BD23-8FD3E5299E96}"/>
-                </a:ext>
-              </a:extLst>
-            </p:cNvPr>
-            <p:cNvPicPr>
-              <a:picLocks noChangeAspect="1"/>
-            </p:cNvPicPr>
-            <p:nvPr/>
-          </p:nvPicPr>
-          <p:blipFill>
-            <a:blip r:embed="rId8">
-              <a:grayscl/>
-            </a:blip>
-            <a:stretch>
-              <a:fillRect/>
-            </a:stretch>
-          </p:blipFill>
-          <p:spPr>
-            <a:xfrm>
-              <a:off x="4586879" y="5906888"/>
-              <a:ext cx="1282197" cy="882151"/>
-            </a:xfrm>
-            <a:prstGeom prst="rect">
-              <a:avLst/>
-            </a:prstGeom>
-          </p:spPr>
-        </p:pic>
+          <p:txBody>
+            <a:bodyPr spcFirstLastPara="1" wrap="square" lIns="91425" tIns="45700" rIns="91425" bIns="45700" anchor="ctr" anchorCtr="0">
+              <a:noAutofit/>
+            </a:bodyPr>
+            <a:lstStyle/>
+            <a:p>
+              <a:pPr marL="0" marR="0" lvl="0" indent="0" algn="ctr" rtl="0">
+                <a:spcBef>
+                  <a:spcPts val="0"/>
+                </a:spcBef>
+                <a:spcAft>
+                  <a:spcPts val="0"/>
+                </a:spcAft>
+                <a:buNone/>
+              </a:pPr>
+              <a:endParaRPr sz="1600">
+                <a:solidFill>
+                  <a:schemeClr val="lt1"/>
+                </a:solidFill>
+                <a:latin typeface="Arial"/>
+                <a:ea typeface="Arial"/>
+                <a:cs typeface="Arial"/>
+                <a:sym typeface="Arial"/>
+              </a:endParaRPr>
+            </a:p>
+          </p:txBody>
+        </p:sp>
       </p:grpSp>
+      <p:pic>
+        <p:nvPicPr>
+          <p:cNvPr id="76" name="Imagen 75">
+            <a:extLst>
+              <a:ext uri="{FF2B5EF4-FFF2-40B4-BE49-F238E27FC236}">
+                <a16:creationId xmlns:a16="http://schemas.microsoft.com/office/drawing/2014/main" id="{DCFCC999-6B3E-4FC9-9B5C-10111DC01218}"/>
+              </a:ext>
+            </a:extLst>
+          </p:cNvPr>
+          <p:cNvPicPr>
+            <a:picLocks noChangeAspect="1"/>
+          </p:cNvPicPr>
+          <p:nvPr/>
+        </p:nvPicPr>
+        <p:blipFill>
+          <a:blip r:embed="rId3">
+            <a:extLst>
+              <a:ext uri="{28A0092B-C50C-407E-A947-70E740481C1C}">
+                <a14:useLocalDpi xmlns:a14="http://schemas.microsoft.com/office/drawing/2010/main" val="0"/>
+              </a:ext>
+            </a:extLst>
+          </a:blip>
+          <a:stretch>
+            <a:fillRect/>
+          </a:stretch>
+        </p:blipFill>
+        <p:spPr>
+          <a:xfrm>
+            <a:off x="2910186" y="8117409"/>
+            <a:ext cx="1041865" cy="970364"/>
+          </a:xfrm>
+          <a:prstGeom prst="rect">
+            <a:avLst/>
+          </a:prstGeom>
+        </p:spPr>
+      </p:pic>
+      <p:pic>
+        <p:nvPicPr>
+          <p:cNvPr id="93" name="Imagen 92">
+            <a:extLst>
+              <a:ext uri="{FF2B5EF4-FFF2-40B4-BE49-F238E27FC236}">
+                <a16:creationId xmlns:a16="http://schemas.microsoft.com/office/drawing/2014/main" id="{1BF1AB2F-9EBB-4886-A287-B95ECED744FC}"/>
+              </a:ext>
+            </a:extLst>
+          </p:cNvPr>
+          <p:cNvPicPr>
+            <a:picLocks noChangeAspect="1"/>
+          </p:cNvPicPr>
+          <p:nvPr/>
+        </p:nvPicPr>
+        <p:blipFill>
+          <a:blip r:embed="rId4">
+            <a:extLst>
+              <a:ext uri="{28A0092B-C50C-407E-A947-70E740481C1C}">
+                <a14:useLocalDpi xmlns:a14="http://schemas.microsoft.com/office/drawing/2010/main" val="0"/>
+              </a:ext>
+            </a:extLst>
+          </a:blip>
+          <a:stretch>
+            <a:fillRect/>
+          </a:stretch>
+        </p:blipFill>
+        <p:spPr>
+          <a:xfrm>
+            <a:off x="752081" y="8394623"/>
+            <a:ext cx="1113365" cy="663934"/>
+          </a:xfrm>
+          <a:prstGeom prst="rect">
+            <a:avLst/>
+          </a:prstGeom>
+        </p:spPr>
+      </p:pic>
+      <p:pic>
+        <p:nvPicPr>
+          <p:cNvPr id="6" name="Imagen 5">
+            <a:extLst>
+              <a:ext uri="{FF2B5EF4-FFF2-40B4-BE49-F238E27FC236}">
+                <a16:creationId xmlns:a16="http://schemas.microsoft.com/office/drawing/2014/main" id="{A4D624A7-245F-4A65-A14F-B576C1BD59BE}"/>
+              </a:ext>
+            </a:extLst>
+          </p:cNvPr>
+          <p:cNvPicPr>
+            <a:picLocks noChangeAspect="1"/>
+          </p:cNvPicPr>
+          <p:nvPr/>
+        </p:nvPicPr>
+        <p:blipFill>
+          <a:blip r:embed="rId7"/>
+          <a:stretch>
+            <a:fillRect/>
+          </a:stretch>
+        </p:blipFill>
+        <p:spPr>
+          <a:xfrm>
+            <a:off x="4993988" y="8045542"/>
+            <a:ext cx="1114286" cy="647619"/>
+          </a:xfrm>
+          <a:prstGeom prst="rect">
+            <a:avLst/>
+          </a:prstGeom>
+        </p:spPr>
+      </p:pic>
     </p:spTree>
   </p:cSld>
   <p:clrMapOvr>

--- a/Documentation/01 - Design Document.pptx
+++ b/Documentation/01 - Design Document.pptx
@@ -265,7 +265,7 @@
       </p15:sldGuideLst>
     </p:ext>
     <p:ext uri="GoogleSlidesCustomDataVersion2">
-      <go:slidesCustomData xmlns="" xmlns:mc="http://schemas.openxmlformats.org/markup-compatibility/2006" xmlns:mv="urn:schemas-microsoft-com:mac:vml" xmlns:c="http://schemas.openxmlformats.org/drawingml/2006/chart" xmlns:dgm="http://schemas.openxmlformats.org/drawingml/2006/diagram" xmlns:o="urn:schemas-microsoft-com:office:office" xmlns:v="urn:schemas-microsoft-com:vml" xmlns:pvml="urn:schemas-microsoft-com:office:powerpoint" xmlns:com="http://schemas.openxmlformats.org/drawingml/2006/compatibility" xmlns:p14="http://schemas.microsoft.com/office/powerpoint/2010/main" xmlns:p15="http://schemas.microsoft.com/office/powerpoint/2012/main" xmlns:ahyp="http://schemas.microsoft.com/office/drawing/2018/hyperlinkcolor" xmlns:go="http://customooxmlschemas.google.com/" r:id="rId19" roundtripDataSignature="AMtx7mhsZi6FLtTjXW9fiwvxuzOukkacyg=="/>
+      <go:slidesCustomData xmlns:go="http://customooxmlschemas.google.com/" xmlns:ahyp="http://schemas.microsoft.com/office/drawing/2018/hyperlinkcolor" xmlns:p15="http://schemas.microsoft.com/office/powerpoint/2012/main" xmlns:p14="http://schemas.microsoft.com/office/powerpoint/2010/main" xmlns:com="http://schemas.openxmlformats.org/drawingml/2006/compatibility" xmlns:pvml="urn:schemas-microsoft-com:office:powerpoint" xmlns:v="urn:schemas-microsoft-com:vml" xmlns:o="urn:schemas-microsoft-com:office:office" xmlns:dgm="http://schemas.openxmlformats.org/drawingml/2006/diagram" xmlns:c="http://schemas.openxmlformats.org/drawingml/2006/chart" xmlns:mv="urn:schemas-microsoft-com:mac:vml" xmlns:mc="http://schemas.openxmlformats.org/markup-compatibility/2006" xmlns="" r:id="rId19" roundtripDataSignature="AMtx7mhsZi6FLtTjXW9fiwvxuzOukkacyg=="/>
     </p:ext>
   </p:extLst>
 </p:presentation>
@@ -26365,7 +26365,7 @@
           <p:spPr>
             <a:xfrm>
               <a:off x="2419377" y="5396573"/>
-              <a:ext cx="1562073" cy="306778"/>
+              <a:ext cx="1612291" cy="306778"/>
             </a:xfrm>
             <a:prstGeom prst="rect">
               <a:avLst/>
@@ -26402,7 +26402,7 @@
                   <a:cs typeface="Arial"/>
                   <a:sym typeface="Arial"/>
                 </a:rPr>
-                <a:t>Normal Attack</a:t>
+                <a:t>Standing Attack</a:t>
               </a:r>
               <a:endParaRPr sz="1600" dirty="0">
                 <a:solidFill>
@@ -26430,8 +26430,8 @@
           </p:nvSpPr>
           <p:spPr>
             <a:xfrm rot="10800000" flipH="1">
-              <a:off x="3972911" y="5404299"/>
-              <a:ext cx="487134" cy="299052"/>
+              <a:off x="4031667" y="5404299"/>
+              <a:ext cx="428377" cy="299052"/>
             </a:xfrm>
             <a:prstGeom prst="triangle">
               <a:avLst>

--- a/Documentation/01 - Design Document.pptx
+++ b/Documentation/01 - Design Document.pptx
@@ -268,7 +268,7 @@
       </p15:sldGuideLst>
     </p:ext>
     <p:ext uri="GoogleSlidesCustomDataVersion2">
-      <go:slidesCustomData xmlns:go="http://customooxmlschemas.google.com/" xmlns:ahyp="http://schemas.microsoft.com/office/drawing/2018/hyperlinkcolor" xmlns:p15="http://schemas.microsoft.com/office/powerpoint/2012/main" xmlns:p14="http://schemas.microsoft.com/office/powerpoint/2010/main" xmlns:com="http://schemas.openxmlformats.org/drawingml/2006/compatibility" xmlns:pvml="urn:schemas-microsoft-com:office:powerpoint" xmlns:v="urn:schemas-microsoft-com:vml" xmlns:o="urn:schemas-microsoft-com:office:office" xmlns:dgm="http://schemas.openxmlformats.org/drawingml/2006/diagram" xmlns:c="http://schemas.openxmlformats.org/drawingml/2006/chart" xmlns:mv="urn:schemas-microsoft-com:mac:vml" xmlns:mc="http://schemas.openxmlformats.org/markup-compatibility/2006" xmlns="" r:id="rId19" roundtripDataSignature="AMtx7mhsZi6FLtTjXW9fiwvxuzOukkacyg=="/>
+      <go:slidesCustomData xmlns="" xmlns:mc="http://schemas.openxmlformats.org/markup-compatibility/2006" xmlns:mv="urn:schemas-microsoft-com:mac:vml" xmlns:c="http://schemas.openxmlformats.org/drawingml/2006/chart" xmlns:dgm="http://schemas.openxmlformats.org/drawingml/2006/diagram" xmlns:o="urn:schemas-microsoft-com:office:office" xmlns:v="urn:schemas-microsoft-com:vml" xmlns:pvml="urn:schemas-microsoft-com:office:powerpoint" xmlns:com="http://schemas.openxmlformats.org/drawingml/2006/compatibility" xmlns:p14="http://schemas.microsoft.com/office/powerpoint/2010/main" xmlns:p15="http://schemas.microsoft.com/office/powerpoint/2012/main" xmlns:ahyp="http://schemas.microsoft.com/office/drawing/2018/hyperlinkcolor" xmlns:go="http://customooxmlschemas.google.com/" r:id="rId19" roundtripDataSignature="AMtx7mhsZi6FLtTjXW9fiwvxuzOukkacyg=="/>
     </p:ext>
   </p:extLst>
 </p:presentation>

--- a/Documentation/01 - Design Document.pptx
+++ b/Documentation/01 - Design Document.pptx
@@ -5,21 +5,23 @@
     <p:sldMasterId id="2147483648" r:id="rId1"/>
   </p:sldMasterIdLst>
   <p:notesMasterIdLst>
-    <p:notesMasterId r:id="rId14"/>
+    <p:notesMasterId r:id="rId16"/>
   </p:notesMasterIdLst>
   <p:sldIdLst>
     <p:sldId id="256" r:id="rId2"/>
     <p:sldId id="257" r:id="rId3"/>
     <p:sldId id="258" r:id="rId4"/>
-    <p:sldId id="259" r:id="rId5"/>
+    <p:sldId id="273" r:id="rId5"/>
     <p:sldId id="260" r:id="rId6"/>
     <p:sldId id="266" r:id="rId7"/>
     <p:sldId id="267" r:id="rId8"/>
     <p:sldId id="268" r:id="rId9"/>
-    <p:sldId id="263" r:id="rId10"/>
-    <p:sldId id="264" r:id="rId11"/>
-    <p:sldId id="271" r:id="rId12"/>
-    <p:sldId id="270" r:id="rId13"/>
+    <p:sldId id="275" r:id="rId10"/>
+    <p:sldId id="263" r:id="rId11"/>
+    <p:sldId id="264" r:id="rId12"/>
+    <p:sldId id="271" r:id="rId13"/>
+    <p:sldId id="272" r:id="rId14"/>
+    <p:sldId id="270" r:id="rId15"/>
   </p:sldIdLst>
   <p:sldSz cx="6858000" cy="9906000" type="A4"/>
   <p:notesSz cx="6858000" cy="9144000"/>
@@ -255,7 +257,7 @@
   <p:extLst>
     <p:ext uri="{EFAFB233-063F-42B5-8137-9DF3F51BA10A}">
       <p15:sldGuideLst xmlns:p15="http://schemas.microsoft.com/office/powerpoint/2012/main">
-        <p15:guide id="1" orient="horz" pos="3415" userDrawn="1">
+        <p15:guide id="1" orient="horz" pos="3279" userDrawn="1">
           <p15:clr>
             <a:srgbClr val="A4A3A4"/>
           </p15:clr>
@@ -1576,7 +1578,7 @@
   <p:cSld>
     <p:spTree>
       <p:nvGrpSpPr>
-        <p:cNvPr id="1" name="Shape 333"/>
+        <p:cNvPr id="1" name="Shape 293"/>
         <p:cNvGrpSpPr/>
         <p:nvPr/>
       </p:nvGrpSpPr>
@@ -1590,7 +1592,7 @@
       </p:grpSpPr>
       <p:sp>
         <p:nvSpPr>
-          <p:cNvPr id="334" name="Google Shape;334;g21bc3c53028_0_129:notes"/>
+          <p:cNvPr id="294" name="Google Shape;294;g21bc3c53028_0_41:notes"/>
           <p:cNvSpPr>
             <a:spLocks noGrp="1" noRot="1" noChangeAspect="1"/>
           </p:cNvSpPr>
@@ -1641,7 +1643,7 @@
       </p:sp>
       <p:sp>
         <p:nvSpPr>
-          <p:cNvPr id="335" name="Google Shape;335;g21bc3c53028_0_129:notes"/>
+          <p:cNvPr id="295" name="Google Shape;295;g21bc3c53028_0_41:notes"/>
           <p:cNvSpPr txBox="1">
             <a:spLocks noGrp="1"/>
           </p:cNvSpPr>
@@ -1677,13 +1679,13 @@
               </a:spcAft>
               <a:buNone/>
             </a:pPr>
-            <a:endParaRPr/>
+            <a:endParaRPr dirty="0"/>
           </a:p>
         </p:txBody>
       </p:sp>
       <p:sp>
         <p:nvSpPr>
-          <p:cNvPr id="336" name="Google Shape;336;g21bc3c53028_0_129:notes"/>
+          <p:cNvPr id="296" name="Google Shape;296;g21bc3c53028_0_41:notes"/>
           <p:cNvSpPr txBox="1">
             <a:spLocks noGrp="1"/>
           </p:cNvSpPr>
@@ -1892,9 +1894,342 @@
         </p:txBody>
       </p:sp>
     </p:spTree>
+  </p:cSld>
+  <p:clrMapOvr>
+    <a:masterClrMapping/>
+  </p:clrMapOvr>
+</p:notes>
+</file>
+
+<file path=ppt/notesSlides/notesSlide12.xml><?xml version="1.0" encoding="utf-8"?>
+<p:notes xmlns:a="http://schemas.openxmlformats.org/drawingml/2006/main" xmlns:r="http://schemas.openxmlformats.org/officeDocument/2006/relationships" xmlns:p="http://schemas.openxmlformats.org/presentationml/2006/main" showMasterSp="0" showMasterPhAnim="0">
+  <p:cSld>
+    <p:spTree>
+      <p:nvGrpSpPr>
+        <p:cNvPr id="1" name="Shape 333"/>
+        <p:cNvGrpSpPr/>
+        <p:nvPr/>
+      </p:nvGrpSpPr>
+      <p:grpSpPr>
+        <a:xfrm>
+          <a:off x="0" y="0"/>
+          <a:ext cx="0" cy="0"/>
+          <a:chOff x="0" y="0"/>
+          <a:chExt cx="0" cy="0"/>
+        </a:xfrm>
+      </p:grpSpPr>
+      <p:sp>
+        <p:nvSpPr>
+          <p:cNvPr id="334" name="Google Shape;334;g21bc3c53028_0_129:notes"/>
+          <p:cNvSpPr>
+            <a:spLocks noGrp="1" noRot="1" noChangeAspect="1"/>
+          </p:cNvSpPr>
+          <p:nvPr>
+            <p:ph type="sldImg" idx="2"/>
+          </p:nvPr>
+        </p:nvSpPr>
+        <p:spPr>
+          <a:xfrm>
+            <a:off x="2360613" y="1143000"/>
+            <a:ext cx="2136775" cy="3086100"/>
+          </a:xfrm>
+          <a:custGeom>
+            <a:avLst/>
+            <a:gdLst/>
+            <a:ahLst/>
+            <a:cxnLst/>
+            <a:rect l="l" t="t" r="r" b="b"/>
+            <a:pathLst>
+              <a:path w="120000" h="120000" extrusionOk="0">
+                <a:moveTo>
+                  <a:pt x="0" y="0"/>
+                </a:moveTo>
+                <a:lnTo>
+                  <a:pt x="120000" y="0"/>
+                </a:lnTo>
+                <a:lnTo>
+                  <a:pt x="120000" y="120000"/>
+                </a:lnTo>
+                <a:lnTo>
+                  <a:pt x="0" y="120000"/>
+                </a:lnTo>
+                <a:close/>
+              </a:path>
+            </a:pathLst>
+          </a:custGeom>
+          <a:noFill/>
+          <a:ln w="12700" cap="flat" cmpd="sng">
+            <a:solidFill>
+              <a:srgbClr val="000000"/>
+            </a:solidFill>
+            <a:prstDash val="solid"/>
+            <a:round/>
+            <a:headEnd type="none" w="sm" len="sm"/>
+            <a:tailEnd type="none" w="sm" len="sm"/>
+          </a:ln>
+        </p:spPr>
+      </p:sp>
+      <p:sp>
+        <p:nvSpPr>
+          <p:cNvPr id="335" name="Google Shape;335;g21bc3c53028_0_129:notes"/>
+          <p:cNvSpPr txBox="1">
+            <a:spLocks noGrp="1"/>
+          </p:cNvSpPr>
+          <p:nvPr>
+            <p:ph type="body" idx="1"/>
+          </p:nvPr>
+        </p:nvSpPr>
+        <p:spPr>
+          <a:xfrm>
+            <a:off x="685800" y="4400550"/>
+            <a:ext cx="5486400" cy="3600600"/>
+          </a:xfrm>
+          <a:prstGeom prst="rect">
+            <a:avLst/>
+          </a:prstGeom>
+          <a:noFill/>
+          <a:ln>
+            <a:noFill/>
+          </a:ln>
+        </p:spPr>
+        <p:txBody>
+          <a:bodyPr spcFirstLastPara="1" wrap="square" lIns="91425" tIns="45700" rIns="91425" bIns="45700" anchor="t" anchorCtr="0">
+            <a:noAutofit/>
+          </a:bodyPr>
+          <a:lstStyle/>
+          <a:p>
+            <a:pPr marL="0" lvl="0" indent="0" algn="l" rtl="0">
+              <a:spcBef>
+                <a:spcPts val="0"/>
+              </a:spcBef>
+              <a:spcAft>
+                <a:spcPts val="0"/>
+              </a:spcAft>
+              <a:buNone/>
+            </a:pPr>
+            <a:endParaRPr/>
+          </a:p>
+        </p:txBody>
+      </p:sp>
+      <p:sp>
+        <p:nvSpPr>
+          <p:cNvPr id="336" name="Google Shape;336;g21bc3c53028_0_129:notes"/>
+          <p:cNvSpPr txBox="1">
+            <a:spLocks noGrp="1"/>
+          </p:cNvSpPr>
+          <p:nvPr>
+            <p:ph type="sldNum" idx="12"/>
+          </p:nvPr>
+        </p:nvSpPr>
+        <p:spPr>
+          <a:xfrm>
+            <a:off x="3884613" y="8685213"/>
+            <a:ext cx="2971800" cy="458700"/>
+          </a:xfrm>
+          <a:prstGeom prst="rect">
+            <a:avLst/>
+          </a:prstGeom>
+          <a:noFill/>
+          <a:ln>
+            <a:noFill/>
+          </a:ln>
+        </p:spPr>
+        <p:txBody>
+          <a:bodyPr spcFirstLastPara="1" wrap="square" lIns="91425" tIns="45700" rIns="91425" bIns="45700" anchor="b" anchorCtr="0">
+            <a:noAutofit/>
+          </a:bodyPr>
+          <a:lstStyle/>
+          <a:p>
+            <a:pPr marL="0" lvl="0" indent="0" algn="r" rtl="0">
+              <a:spcBef>
+                <a:spcPts val="0"/>
+              </a:spcBef>
+              <a:spcAft>
+                <a:spcPts val="0"/>
+              </a:spcAft>
+              <a:buNone/>
+            </a:pPr>
+            <a:fld id="{00000000-1234-1234-1234-123412341234}" type="slidenum">
+              <a:rPr lang="en-US"/>
+              <a:t>12</a:t>
+            </a:fld>
+            <a:endParaRPr/>
+          </a:p>
+        </p:txBody>
+      </p:sp>
+    </p:spTree>
     <p:extLst>
       <p:ext uri="{BB962C8B-B14F-4D97-AF65-F5344CB8AC3E}">
         <p14:creationId xmlns:p14="http://schemas.microsoft.com/office/powerpoint/2010/main" val="2643117581"/>
+      </p:ext>
+    </p:extLst>
+  </p:cSld>
+  <p:clrMapOvr>
+    <a:masterClrMapping/>
+  </p:clrMapOvr>
+</p:notes>
+</file>
+
+<file path=ppt/notesSlides/notesSlide13.xml><?xml version="1.0" encoding="utf-8"?>
+<p:notes xmlns:a="http://schemas.openxmlformats.org/drawingml/2006/main" xmlns:r="http://schemas.openxmlformats.org/officeDocument/2006/relationships" xmlns:p="http://schemas.openxmlformats.org/presentationml/2006/main" showMasterSp="0" showMasterPhAnim="0">
+  <p:cSld>
+    <p:spTree>
+      <p:nvGrpSpPr>
+        <p:cNvPr id="1" name="Shape 333"/>
+        <p:cNvGrpSpPr/>
+        <p:nvPr/>
+      </p:nvGrpSpPr>
+      <p:grpSpPr>
+        <a:xfrm>
+          <a:off x="0" y="0"/>
+          <a:ext cx="0" cy="0"/>
+          <a:chOff x="0" y="0"/>
+          <a:chExt cx="0" cy="0"/>
+        </a:xfrm>
+      </p:grpSpPr>
+      <p:sp>
+        <p:nvSpPr>
+          <p:cNvPr id="334" name="Google Shape;334;g21bc3c53028_0_129:notes"/>
+          <p:cNvSpPr>
+            <a:spLocks noGrp="1" noRot="1" noChangeAspect="1"/>
+          </p:cNvSpPr>
+          <p:nvPr>
+            <p:ph type="sldImg" idx="2"/>
+          </p:nvPr>
+        </p:nvSpPr>
+        <p:spPr>
+          <a:xfrm>
+            <a:off x="2360613" y="1143000"/>
+            <a:ext cx="2136775" cy="3086100"/>
+          </a:xfrm>
+          <a:custGeom>
+            <a:avLst/>
+            <a:gdLst/>
+            <a:ahLst/>
+            <a:cxnLst/>
+            <a:rect l="l" t="t" r="r" b="b"/>
+            <a:pathLst>
+              <a:path w="120000" h="120000" extrusionOk="0">
+                <a:moveTo>
+                  <a:pt x="0" y="0"/>
+                </a:moveTo>
+                <a:lnTo>
+                  <a:pt x="120000" y="0"/>
+                </a:lnTo>
+                <a:lnTo>
+                  <a:pt x="120000" y="120000"/>
+                </a:lnTo>
+                <a:lnTo>
+                  <a:pt x="0" y="120000"/>
+                </a:lnTo>
+                <a:close/>
+              </a:path>
+            </a:pathLst>
+          </a:custGeom>
+          <a:noFill/>
+          <a:ln w="12700" cap="flat" cmpd="sng">
+            <a:solidFill>
+              <a:srgbClr val="000000"/>
+            </a:solidFill>
+            <a:prstDash val="solid"/>
+            <a:round/>
+            <a:headEnd type="none" w="sm" len="sm"/>
+            <a:tailEnd type="none" w="sm" len="sm"/>
+          </a:ln>
+        </p:spPr>
+      </p:sp>
+      <p:sp>
+        <p:nvSpPr>
+          <p:cNvPr id="335" name="Google Shape;335;g21bc3c53028_0_129:notes"/>
+          <p:cNvSpPr txBox="1">
+            <a:spLocks noGrp="1"/>
+          </p:cNvSpPr>
+          <p:nvPr>
+            <p:ph type="body" idx="1"/>
+          </p:nvPr>
+        </p:nvSpPr>
+        <p:spPr>
+          <a:xfrm>
+            <a:off x="685800" y="4400550"/>
+            <a:ext cx="5486400" cy="3600600"/>
+          </a:xfrm>
+          <a:prstGeom prst="rect">
+            <a:avLst/>
+          </a:prstGeom>
+          <a:noFill/>
+          <a:ln>
+            <a:noFill/>
+          </a:ln>
+        </p:spPr>
+        <p:txBody>
+          <a:bodyPr spcFirstLastPara="1" wrap="square" lIns="91425" tIns="45700" rIns="91425" bIns="45700" anchor="t" anchorCtr="0">
+            <a:noAutofit/>
+          </a:bodyPr>
+          <a:lstStyle/>
+          <a:p>
+            <a:pPr marL="0" lvl="0" indent="0" algn="l" rtl="0">
+              <a:spcBef>
+                <a:spcPts val="0"/>
+              </a:spcBef>
+              <a:spcAft>
+                <a:spcPts val="0"/>
+              </a:spcAft>
+              <a:buNone/>
+            </a:pPr>
+            <a:endParaRPr/>
+          </a:p>
+        </p:txBody>
+      </p:sp>
+      <p:sp>
+        <p:nvSpPr>
+          <p:cNvPr id="336" name="Google Shape;336;g21bc3c53028_0_129:notes"/>
+          <p:cNvSpPr txBox="1">
+            <a:spLocks noGrp="1"/>
+          </p:cNvSpPr>
+          <p:nvPr>
+            <p:ph type="sldNum" idx="12"/>
+          </p:nvPr>
+        </p:nvSpPr>
+        <p:spPr>
+          <a:xfrm>
+            <a:off x="3884613" y="8685213"/>
+            <a:ext cx="2971800" cy="458700"/>
+          </a:xfrm>
+          <a:prstGeom prst="rect">
+            <a:avLst/>
+          </a:prstGeom>
+          <a:noFill/>
+          <a:ln>
+            <a:noFill/>
+          </a:ln>
+        </p:spPr>
+        <p:txBody>
+          <a:bodyPr spcFirstLastPara="1" wrap="square" lIns="91425" tIns="45700" rIns="91425" bIns="45700" anchor="b" anchorCtr="0">
+            <a:noAutofit/>
+          </a:bodyPr>
+          <a:lstStyle/>
+          <a:p>
+            <a:pPr marL="0" lvl="0" indent="0" algn="r" rtl="0">
+              <a:spcBef>
+                <a:spcPts val="0"/>
+              </a:spcBef>
+              <a:spcAft>
+                <a:spcPts val="0"/>
+              </a:spcAft>
+              <a:buNone/>
+            </a:pPr>
+            <a:fld id="{00000000-1234-1234-1234-123412341234}" type="slidenum">
+              <a:rPr lang="en-US"/>
+              <a:t>13</a:t>
+            </a:fld>
+            <a:endParaRPr/>
+          </a:p>
+        </p:txBody>
+      </p:sp>
+    </p:spTree>
+    <p:extLst>
+      <p:ext uri="{BB962C8B-B14F-4D97-AF65-F5344CB8AC3E}">
+        <p14:creationId xmlns:p14="http://schemas.microsoft.com/office/powerpoint/2010/main" val="1307487388"/>
       </p:ext>
     </p:extLst>
   </p:cSld>
@@ -2389,6 +2724,11 @@
         </p:txBody>
       </p:sp>
     </p:spTree>
+    <p:extLst>
+      <p:ext uri="{BB962C8B-B14F-4D97-AF65-F5344CB8AC3E}">
+        <p14:creationId xmlns:p14="http://schemas.microsoft.com/office/powerpoint/2010/main" val="648131023"/>
+      </p:ext>
+    </p:extLst>
   </p:cSld>
   <p:clrMapOvr>
     <a:masterClrMapping/>
@@ -3072,7 +3412,7 @@
   <p:cSld>
     <p:spTree>
       <p:nvGrpSpPr>
-        <p:cNvPr id="1" name="Shape 293"/>
+        <p:cNvPr id="1" name="Shape 164"/>
         <p:cNvGrpSpPr/>
         <p:nvPr/>
       </p:nvGrpSpPr>
@@ -3086,7 +3426,7 @@
       </p:grpSpPr>
       <p:sp>
         <p:nvSpPr>
-          <p:cNvPr id="294" name="Google Shape;294;g21bc3c53028_0_41:notes"/>
+          <p:cNvPr id="165" name="Google Shape;165;g21bc01ef45b_0_801:notes"/>
           <p:cNvSpPr>
             <a:spLocks noGrp="1" noRot="1" noChangeAspect="1"/>
           </p:cNvSpPr>
@@ -3137,7 +3477,7 @@
       </p:sp>
       <p:sp>
         <p:nvSpPr>
-          <p:cNvPr id="295" name="Google Shape;295;g21bc3c53028_0_41:notes"/>
+          <p:cNvPr id="166" name="Google Shape;166;g21bc01ef45b_0_801:notes"/>
           <p:cNvSpPr txBox="1">
             <a:spLocks noGrp="1"/>
           </p:cNvSpPr>
@@ -3173,13 +3513,13 @@
               </a:spcAft>
               <a:buNone/>
             </a:pPr>
-            <a:endParaRPr dirty="0"/>
+            <a:endParaRPr/>
           </a:p>
         </p:txBody>
       </p:sp>
       <p:sp>
         <p:nvSpPr>
-          <p:cNvPr id="296" name="Google Shape;296;g21bc3c53028_0_41:notes"/>
+          <p:cNvPr id="167" name="Google Shape;167;g21bc01ef45b_0_801:notes"/>
           <p:cNvSpPr txBox="1">
             <a:spLocks noGrp="1"/>
           </p:cNvSpPr>
@@ -3224,6 +3564,11 @@
         </p:txBody>
       </p:sp>
     </p:spTree>
+    <p:extLst>
+      <p:ext uri="{BB962C8B-B14F-4D97-AF65-F5344CB8AC3E}">
+        <p14:creationId xmlns:p14="http://schemas.microsoft.com/office/powerpoint/2010/main" val="399743711"/>
+      </p:ext>
+    </p:extLst>
   </p:cSld>
   <p:clrMapOvr>
     <a:masterClrMapping/>
@@ -13005,6 +13350,1672 @@
   <p:cSld>
     <p:spTree>
       <p:nvGrpSpPr>
+        <p:cNvPr id="1" name="Shape 297"/>
+        <p:cNvGrpSpPr/>
+        <p:nvPr/>
+      </p:nvGrpSpPr>
+      <p:grpSpPr>
+        <a:xfrm>
+          <a:off x="0" y="0"/>
+          <a:ext cx="0" cy="0"/>
+          <a:chOff x="0" y="0"/>
+          <a:chExt cx="0" cy="0"/>
+        </a:xfrm>
+      </p:grpSpPr>
+      <p:sp>
+        <p:nvSpPr>
+          <p:cNvPr id="299" name="Google Shape;299;g21bc3c53028_0_41"/>
+          <p:cNvSpPr/>
+          <p:nvPr/>
+        </p:nvSpPr>
+        <p:spPr>
+          <a:xfrm>
+            <a:off x="0" y="135722"/>
+            <a:ext cx="5400000" cy="720000"/>
+          </a:xfrm>
+          <a:prstGeom prst="homePlate">
+            <a:avLst>
+              <a:gd name="adj" fmla="val 50000"/>
+            </a:avLst>
+          </a:prstGeom>
+          <a:solidFill>
+            <a:schemeClr val="dk1"/>
+          </a:solidFill>
+          <a:ln>
+            <a:noFill/>
+          </a:ln>
+        </p:spPr>
+        <p:txBody>
+          <a:bodyPr spcFirstLastPara="1" wrap="square" lIns="91425" tIns="45700" rIns="91425" bIns="45700" anchor="ctr" anchorCtr="0">
+            <a:noAutofit/>
+          </a:bodyPr>
+          <a:lstStyle/>
+          <a:p>
+            <a:pPr marL="0" marR="0" lvl="0" indent="0" algn="ctr" rtl="0">
+              <a:spcBef>
+                <a:spcPts val="0"/>
+              </a:spcBef>
+              <a:spcAft>
+                <a:spcPts val="0"/>
+              </a:spcAft>
+              <a:buNone/>
+            </a:pPr>
+            <a:r>
+              <a:rPr lang="en-US" sz="4800" i="1">
+                <a:solidFill>
+                  <a:schemeClr val="lt1"/>
+                </a:solidFill>
+                <a:latin typeface="Arial"/>
+                <a:ea typeface="Arial"/>
+                <a:cs typeface="Arial"/>
+                <a:sym typeface="Arial"/>
+              </a:rPr>
+              <a:t>GAMEPLAY</a:t>
+            </a:r>
+            <a:endParaRPr sz="4800" i="1">
+              <a:solidFill>
+                <a:schemeClr val="lt1"/>
+              </a:solidFill>
+              <a:latin typeface="Arial"/>
+              <a:ea typeface="Arial"/>
+              <a:cs typeface="Arial"/>
+              <a:sym typeface="Arial"/>
+            </a:endParaRPr>
+          </a:p>
+        </p:txBody>
+      </p:sp>
+      <p:sp>
+        <p:nvSpPr>
+          <p:cNvPr id="300" name="Google Shape;300;g21bc3c53028_0_41"/>
+          <p:cNvSpPr txBox="1"/>
+          <p:nvPr/>
+        </p:nvSpPr>
+        <p:spPr>
+          <a:xfrm>
+            <a:off x="379915" y="918697"/>
+            <a:ext cx="6119400" cy="889500"/>
+          </a:xfrm>
+          <a:prstGeom prst="rect">
+            <a:avLst/>
+          </a:prstGeom>
+          <a:noFill/>
+          <a:ln>
+            <a:noFill/>
+          </a:ln>
+        </p:spPr>
+        <p:txBody>
+          <a:bodyPr spcFirstLastPara="1" wrap="square" lIns="91425" tIns="45700" rIns="91425" bIns="45700" anchor="t" anchorCtr="0">
+            <a:spAutoFit/>
+          </a:bodyPr>
+          <a:lstStyle/>
+          <a:p>
+            <a:pPr marL="0" marR="0" lvl="0" indent="0" algn="just" rtl="0">
+              <a:lnSpc>
+                <a:spcPct val="107000"/>
+              </a:lnSpc>
+              <a:spcBef>
+                <a:spcPts val="0"/>
+              </a:spcBef>
+              <a:spcAft>
+                <a:spcPts val="0"/>
+              </a:spcAft>
+              <a:buNone/>
+            </a:pPr>
+            <a:r>
+              <a:rPr lang="en-US" sz="1600" b="1" dirty="0">
+                <a:solidFill>
+                  <a:schemeClr val="dk1"/>
+                </a:solidFill>
+                <a:latin typeface="Arial"/>
+                <a:ea typeface="Arial"/>
+                <a:cs typeface="Arial"/>
+                <a:sym typeface="Arial"/>
+              </a:rPr>
+              <a:t>3.4. Basic Movement</a:t>
+            </a:r>
+            <a:endParaRPr sz="1400" dirty="0">
+              <a:solidFill>
+                <a:schemeClr val="dk1"/>
+              </a:solidFill>
+              <a:latin typeface="Arial"/>
+              <a:ea typeface="Arial"/>
+              <a:cs typeface="Arial"/>
+              <a:sym typeface="Arial"/>
+            </a:endParaRPr>
+          </a:p>
+          <a:p>
+            <a:pPr marL="457200" marR="0" lvl="1" indent="0" algn="just" rtl="0">
+              <a:spcBef>
+                <a:spcPts val="800"/>
+              </a:spcBef>
+              <a:spcAft>
+                <a:spcPts val="0"/>
+              </a:spcAft>
+              <a:buNone/>
+            </a:pPr>
+            <a:r>
+              <a:rPr lang="en-US" u="sng" dirty="0">
+                <a:solidFill>
+                  <a:schemeClr val="dk1"/>
+                </a:solidFill>
+              </a:rPr>
+              <a:t>Stage </a:t>
+            </a:r>
+            <a:r>
+              <a:rPr lang="en-US" sz="1400" b="0" i="0" u="sng" strike="noStrike" cap="none" dirty="0">
+                <a:solidFill>
+                  <a:schemeClr val="dk1"/>
+                </a:solidFill>
+                <a:latin typeface="Arial"/>
+                <a:ea typeface="Arial"/>
+                <a:cs typeface="Arial"/>
+                <a:sym typeface="Arial"/>
+              </a:rPr>
+              <a:t>States</a:t>
+            </a:r>
+            <a:r>
+              <a:rPr lang="en-US" sz="1400" b="0" i="0" u="none" strike="noStrike" cap="none" dirty="0">
+                <a:solidFill>
+                  <a:schemeClr val="dk1"/>
+                </a:solidFill>
+                <a:latin typeface="Arial"/>
+                <a:ea typeface="Arial"/>
+                <a:cs typeface="Arial"/>
+                <a:sym typeface="Arial"/>
+              </a:rPr>
+              <a:t>: Characters have two stage states, Grounded and </a:t>
+            </a:r>
+            <a:r>
+              <a:rPr lang="en-US" dirty="0">
+                <a:solidFill>
+                  <a:schemeClr val="dk1"/>
+                </a:solidFill>
+              </a:rPr>
+              <a:t>Airborne</a:t>
+            </a:r>
+            <a:r>
+              <a:rPr lang="en-US" sz="1400" b="0" i="0" u="none" strike="noStrike" cap="none" dirty="0">
+                <a:solidFill>
+                  <a:schemeClr val="dk1"/>
+                </a:solidFill>
+                <a:latin typeface="Arial"/>
+                <a:ea typeface="Arial"/>
+                <a:cs typeface="Arial"/>
+                <a:sym typeface="Arial"/>
+              </a:rPr>
+              <a:t>, depending on whether they are on the surface or not.</a:t>
+            </a:r>
+            <a:endParaRPr sz="1400" b="0" i="0" u="none" strike="noStrike" cap="none" dirty="0">
+              <a:solidFill>
+                <a:schemeClr val="dk1"/>
+              </a:solidFill>
+              <a:latin typeface="Calibri"/>
+              <a:ea typeface="Calibri"/>
+              <a:cs typeface="Calibri"/>
+              <a:sym typeface="Calibri"/>
+            </a:endParaRPr>
+          </a:p>
+        </p:txBody>
+      </p:sp>
+      <p:sp>
+        <p:nvSpPr>
+          <p:cNvPr id="301" name="Google Shape;301;g21bc3c53028_0_41"/>
+          <p:cNvSpPr txBox="1"/>
+          <p:nvPr/>
+        </p:nvSpPr>
+        <p:spPr>
+          <a:xfrm>
+            <a:off x="382219" y="3581604"/>
+            <a:ext cx="6119400" cy="1385400"/>
+          </a:xfrm>
+          <a:prstGeom prst="rect">
+            <a:avLst/>
+          </a:prstGeom>
+          <a:noFill/>
+          <a:ln>
+            <a:noFill/>
+          </a:ln>
+        </p:spPr>
+        <p:txBody>
+          <a:bodyPr spcFirstLastPara="1" wrap="square" lIns="91425" tIns="45700" rIns="91425" bIns="45700" anchor="t" anchorCtr="0">
+            <a:spAutoFit/>
+          </a:bodyPr>
+          <a:lstStyle/>
+          <a:p>
+            <a:pPr marL="457200" marR="0" lvl="1" indent="0" algn="just" rtl="0">
+              <a:spcBef>
+                <a:spcPts val="0"/>
+              </a:spcBef>
+              <a:spcAft>
+                <a:spcPts val="0"/>
+              </a:spcAft>
+              <a:buNone/>
+            </a:pPr>
+            <a:endParaRPr sz="1400" b="0" i="0" u="sng" strike="noStrike" cap="none" dirty="0">
+              <a:solidFill>
+                <a:schemeClr val="dk1"/>
+              </a:solidFill>
+              <a:latin typeface="Arial"/>
+              <a:ea typeface="Arial"/>
+              <a:cs typeface="Arial"/>
+              <a:sym typeface="Arial"/>
+            </a:endParaRPr>
+          </a:p>
+          <a:p>
+            <a:pPr marL="457200" marR="0" lvl="1" indent="0" algn="just" rtl="0">
+              <a:spcBef>
+                <a:spcPts val="0"/>
+              </a:spcBef>
+              <a:spcAft>
+                <a:spcPts val="0"/>
+              </a:spcAft>
+              <a:buNone/>
+            </a:pPr>
+            <a:r>
+              <a:rPr lang="en-US" sz="1400" b="0" i="0" u="sng" strike="noStrike" cap="none" dirty="0">
+                <a:solidFill>
+                  <a:schemeClr val="dk1"/>
+                </a:solidFill>
+                <a:latin typeface="Arial"/>
+                <a:ea typeface="Arial"/>
+                <a:cs typeface="Arial"/>
+                <a:sym typeface="Arial"/>
+              </a:rPr>
+              <a:t>Neutral:</a:t>
+            </a:r>
+            <a:r>
+              <a:rPr lang="en-US" sz="1400" b="0" i="0" u="none" strike="noStrike" cap="none" dirty="0">
+                <a:solidFill>
+                  <a:schemeClr val="dk1"/>
+                </a:solidFill>
+                <a:latin typeface="Arial"/>
+                <a:ea typeface="Arial"/>
+                <a:cs typeface="Arial"/>
+                <a:sym typeface="Arial"/>
+              </a:rPr>
+              <a:t> When Grounded, the characters are always facing the opponent and automatically turn in their direction.</a:t>
+            </a:r>
+            <a:endParaRPr dirty="0"/>
+          </a:p>
+          <a:p>
+            <a:pPr marL="457200" marR="0" lvl="1" indent="0" algn="just" rtl="0">
+              <a:spcBef>
+                <a:spcPts val="0"/>
+              </a:spcBef>
+              <a:spcAft>
+                <a:spcPts val="0"/>
+              </a:spcAft>
+              <a:buNone/>
+            </a:pPr>
+            <a:endParaRPr sz="1400" b="0" i="0" u="none" strike="noStrike" cap="none" dirty="0">
+              <a:solidFill>
+                <a:schemeClr val="dk1"/>
+              </a:solidFill>
+              <a:latin typeface="Arial"/>
+              <a:ea typeface="Arial"/>
+              <a:cs typeface="Arial"/>
+              <a:sym typeface="Arial"/>
+            </a:endParaRPr>
+          </a:p>
+          <a:p>
+            <a:pPr marL="457200" marR="0" lvl="1" indent="0" algn="just" rtl="0">
+              <a:spcBef>
+                <a:spcPts val="0"/>
+              </a:spcBef>
+              <a:spcAft>
+                <a:spcPts val="0"/>
+              </a:spcAft>
+              <a:buNone/>
+            </a:pPr>
+            <a:r>
+              <a:rPr lang="en-US" sz="1400" b="0" i="0" u="sng" strike="noStrike" cap="none" dirty="0">
+                <a:solidFill>
+                  <a:schemeClr val="dk1"/>
+                </a:solidFill>
+                <a:latin typeface="Arial"/>
+                <a:ea typeface="Arial"/>
+                <a:cs typeface="Arial"/>
+                <a:sym typeface="Arial"/>
+              </a:rPr>
+              <a:t>Horizontal Movement:</a:t>
+            </a:r>
+            <a:r>
+              <a:rPr lang="en-US" sz="1400" b="0" i="0" u="none" strike="noStrike" cap="none" dirty="0">
+                <a:solidFill>
+                  <a:schemeClr val="dk1"/>
+                </a:solidFill>
+                <a:latin typeface="Arial"/>
+                <a:ea typeface="Arial"/>
+                <a:cs typeface="Arial"/>
+                <a:sym typeface="Arial"/>
+              </a:rPr>
+              <a:t> Characters can move forward and backwards.</a:t>
+            </a:r>
+            <a:r>
+              <a:rPr lang="en-US" dirty="0">
+                <a:solidFill>
+                  <a:schemeClr val="dk1"/>
+                </a:solidFill>
+              </a:rPr>
+              <a:t> The velocity changes depending on the direction.</a:t>
+            </a:r>
+            <a:endParaRPr sz="1400" b="0" i="0" u="none" strike="noStrike" cap="none" dirty="0">
+              <a:solidFill>
+                <a:schemeClr val="dk1"/>
+              </a:solidFill>
+              <a:latin typeface="Calibri"/>
+              <a:ea typeface="Calibri"/>
+              <a:cs typeface="Calibri"/>
+              <a:sym typeface="Calibri"/>
+            </a:endParaRPr>
+          </a:p>
+        </p:txBody>
+      </p:sp>
+      <p:grpSp>
+        <p:nvGrpSpPr>
+          <p:cNvPr id="4" name="Grupo 3">
+            <a:extLst>
+              <a:ext uri="{FF2B5EF4-FFF2-40B4-BE49-F238E27FC236}">
+                <a16:creationId xmlns:a16="http://schemas.microsoft.com/office/drawing/2014/main" id="{1C3896E0-AE14-4D2E-B516-1BAD1840077D}"/>
+              </a:ext>
+            </a:extLst>
+          </p:cNvPr>
+          <p:cNvGrpSpPr/>
+          <p:nvPr/>
+        </p:nvGrpSpPr>
+        <p:grpSpPr>
+          <a:xfrm>
+            <a:off x="881229" y="1824906"/>
+            <a:ext cx="5097461" cy="1756723"/>
+            <a:chOff x="1138070" y="1824906"/>
+            <a:chExt cx="5097461" cy="1756723"/>
+          </a:xfrm>
+        </p:grpSpPr>
+        <p:sp>
+          <p:nvSpPr>
+            <p:cNvPr id="298" name="Google Shape;298;g21bc3c53028_0_41"/>
+            <p:cNvSpPr/>
+            <p:nvPr/>
+          </p:nvSpPr>
+          <p:spPr>
+            <a:xfrm>
+              <a:off x="3752314" y="3330604"/>
+              <a:ext cx="2483217" cy="251025"/>
+            </a:xfrm>
+            <a:prstGeom prst="rect">
+              <a:avLst/>
+            </a:prstGeom>
+            <a:solidFill>
+              <a:schemeClr val="accent2">
+                <a:alpha val="24710"/>
+              </a:schemeClr>
+            </a:solidFill>
+            <a:ln w="38100" cap="flat" cmpd="sng">
+              <a:solidFill>
+                <a:schemeClr val="accent2"/>
+              </a:solidFill>
+              <a:prstDash val="solid"/>
+              <a:miter lim="800000"/>
+              <a:headEnd type="none" w="sm" len="sm"/>
+              <a:tailEnd type="none" w="sm" len="sm"/>
+            </a:ln>
+          </p:spPr>
+          <p:txBody>
+            <a:bodyPr spcFirstLastPara="1" wrap="square" lIns="91425" tIns="45700" rIns="91425" bIns="45700" anchor="ctr" anchorCtr="0">
+              <a:noAutofit/>
+            </a:bodyPr>
+            <a:lstStyle/>
+            <a:p>
+              <a:pPr marL="0" marR="0" lvl="0" indent="0" algn="ctr" rtl="0">
+                <a:spcBef>
+                  <a:spcPts val="0"/>
+                </a:spcBef>
+                <a:spcAft>
+                  <a:spcPts val="0"/>
+                </a:spcAft>
+                <a:buNone/>
+              </a:pPr>
+              <a:endParaRPr sz="1600">
+                <a:solidFill>
+                  <a:schemeClr val="lt1"/>
+                </a:solidFill>
+                <a:latin typeface="Calibri"/>
+                <a:ea typeface="Calibri"/>
+                <a:cs typeface="Calibri"/>
+                <a:sym typeface="Calibri"/>
+              </a:endParaRPr>
+            </a:p>
+          </p:txBody>
+        </p:sp>
+        <p:grpSp>
+          <p:nvGrpSpPr>
+            <p:cNvPr id="302" name="Google Shape;302;g21bc3c53028_0_41"/>
+            <p:cNvGrpSpPr/>
+            <p:nvPr/>
+          </p:nvGrpSpPr>
+          <p:grpSpPr>
+            <a:xfrm rot="10800000" flipH="1">
+              <a:off x="3756588" y="1829275"/>
+              <a:ext cx="1462502" cy="306778"/>
+              <a:chOff x="379629" y="4144280"/>
+              <a:chExt cx="1760566" cy="369300"/>
+            </a:xfrm>
+          </p:grpSpPr>
+          <p:sp>
+            <p:nvSpPr>
+              <p:cNvPr id="303" name="Google Shape;303;g21bc3c53028_0_41"/>
+              <p:cNvSpPr/>
+              <p:nvPr/>
+            </p:nvSpPr>
+            <p:spPr>
+              <a:xfrm rot="10800000" flipH="1">
+                <a:off x="379629" y="4144280"/>
+                <a:ext cx="1229700" cy="369300"/>
+              </a:xfrm>
+              <a:prstGeom prst="rect">
+                <a:avLst/>
+              </a:prstGeom>
+              <a:solidFill>
+                <a:schemeClr val="dk1"/>
+              </a:solidFill>
+              <a:ln>
+                <a:noFill/>
+              </a:ln>
+            </p:spPr>
+            <p:txBody>
+              <a:bodyPr spcFirstLastPara="1" wrap="square" lIns="91425" tIns="45700" rIns="91425" bIns="45700" anchor="ctr" anchorCtr="0">
+                <a:noAutofit/>
+              </a:bodyPr>
+              <a:lstStyle/>
+              <a:p>
+                <a:pPr marL="0" marR="0" lvl="0" indent="0" algn="l" rtl="0">
+                  <a:spcBef>
+                    <a:spcPts val="0"/>
+                  </a:spcBef>
+                  <a:spcAft>
+                    <a:spcPts val="0"/>
+                  </a:spcAft>
+                  <a:buNone/>
+                </a:pPr>
+                <a:r>
+                  <a:rPr lang="en-US" sz="1600">
+                    <a:solidFill>
+                      <a:schemeClr val="lt1"/>
+                    </a:solidFill>
+                    <a:latin typeface="Arial"/>
+                    <a:ea typeface="Arial"/>
+                    <a:cs typeface="Arial"/>
+                    <a:sym typeface="Arial"/>
+                  </a:rPr>
+                  <a:t>Airborne</a:t>
+                </a:r>
+                <a:endParaRPr sz="1600">
+                  <a:solidFill>
+                    <a:schemeClr val="lt1"/>
+                  </a:solidFill>
+                  <a:latin typeface="Arial"/>
+                  <a:ea typeface="Arial"/>
+                  <a:cs typeface="Arial"/>
+                  <a:sym typeface="Arial"/>
+                </a:endParaRPr>
+              </a:p>
+            </p:txBody>
+          </p:sp>
+          <p:sp>
+            <p:nvSpPr>
+              <p:cNvPr id="304" name="Google Shape;304;g21bc3c53028_0_41"/>
+              <p:cNvSpPr/>
+              <p:nvPr/>
+            </p:nvSpPr>
+            <p:spPr>
+              <a:xfrm>
+                <a:off x="1600195" y="4148914"/>
+                <a:ext cx="540000" cy="360000"/>
+              </a:xfrm>
+              <a:prstGeom prst="triangle">
+                <a:avLst>
+                  <a:gd name="adj" fmla="val 0"/>
+                </a:avLst>
+              </a:prstGeom>
+              <a:solidFill>
+                <a:schemeClr val="dk1"/>
+              </a:solidFill>
+              <a:ln>
+                <a:noFill/>
+              </a:ln>
+            </p:spPr>
+            <p:txBody>
+              <a:bodyPr spcFirstLastPara="1" wrap="square" lIns="91425" tIns="45700" rIns="91425" bIns="45700" anchor="ctr" anchorCtr="0">
+                <a:noAutofit/>
+              </a:bodyPr>
+              <a:lstStyle/>
+              <a:p>
+                <a:pPr marL="0" marR="0" lvl="0" indent="0" algn="ctr" rtl="0">
+                  <a:spcBef>
+                    <a:spcPts val="0"/>
+                  </a:spcBef>
+                  <a:spcAft>
+                    <a:spcPts val="0"/>
+                  </a:spcAft>
+                  <a:buNone/>
+                </a:pPr>
+                <a:endParaRPr sz="1600">
+                  <a:solidFill>
+                    <a:schemeClr val="lt1"/>
+                  </a:solidFill>
+                  <a:latin typeface="Arial"/>
+                  <a:ea typeface="Arial"/>
+                  <a:cs typeface="Arial"/>
+                  <a:sym typeface="Arial"/>
+                </a:endParaRPr>
+              </a:p>
+            </p:txBody>
+          </p:sp>
+        </p:grpSp>
+        <p:sp>
+          <p:nvSpPr>
+            <p:cNvPr id="305" name="Google Shape;305;g21bc3c53028_0_41"/>
+            <p:cNvSpPr/>
+            <p:nvPr/>
+          </p:nvSpPr>
+          <p:spPr>
+            <a:xfrm>
+              <a:off x="1138070" y="3326754"/>
+              <a:ext cx="2478300" cy="242400"/>
+            </a:xfrm>
+            <a:prstGeom prst="rect">
+              <a:avLst/>
+            </a:prstGeom>
+            <a:solidFill>
+              <a:schemeClr val="accent2">
+                <a:alpha val="24710"/>
+              </a:schemeClr>
+            </a:solidFill>
+            <a:ln w="38100" cap="flat" cmpd="sng">
+              <a:solidFill>
+                <a:schemeClr val="accent2"/>
+              </a:solidFill>
+              <a:prstDash val="solid"/>
+              <a:miter lim="800000"/>
+              <a:headEnd type="none" w="sm" len="sm"/>
+              <a:tailEnd type="none" w="sm" len="sm"/>
+            </a:ln>
+          </p:spPr>
+          <p:txBody>
+            <a:bodyPr spcFirstLastPara="1" wrap="square" lIns="91425" tIns="45700" rIns="91425" bIns="45700" anchor="ctr" anchorCtr="0">
+              <a:noAutofit/>
+            </a:bodyPr>
+            <a:lstStyle/>
+            <a:p>
+              <a:pPr marL="0" marR="0" lvl="0" indent="0" algn="ctr" rtl="0">
+                <a:spcBef>
+                  <a:spcPts val="0"/>
+                </a:spcBef>
+                <a:spcAft>
+                  <a:spcPts val="0"/>
+                </a:spcAft>
+                <a:buNone/>
+              </a:pPr>
+              <a:endParaRPr sz="1600">
+                <a:solidFill>
+                  <a:schemeClr val="lt1"/>
+                </a:solidFill>
+                <a:latin typeface="Calibri"/>
+                <a:ea typeface="Calibri"/>
+                <a:cs typeface="Calibri"/>
+                <a:sym typeface="Calibri"/>
+              </a:endParaRPr>
+            </a:p>
+          </p:txBody>
+        </p:sp>
+        <p:sp>
+          <p:nvSpPr>
+            <p:cNvPr id="306" name="Google Shape;306;g21bc3c53028_0_41"/>
+            <p:cNvSpPr/>
+            <p:nvPr/>
+          </p:nvSpPr>
+          <p:spPr>
+            <a:xfrm>
+              <a:off x="1138070" y="1826866"/>
+              <a:ext cx="2481300" cy="1742100"/>
+            </a:xfrm>
+            <a:prstGeom prst="rect">
+              <a:avLst/>
+            </a:prstGeom>
+            <a:noFill/>
+            <a:ln w="38100" cap="flat" cmpd="sng">
+              <a:solidFill>
+                <a:schemeClr val="dk1"/>
+              </a:solidFill>
+              <a:prstDash val="solid"/>
+              <a:miter lim="800000"/>
+              <a:headEnd type="none" w="sm" len="sm"/>
+              <a:tailEnd type="none" w="sm" len="sm"/>
+            </a:ln>
+          </p:spPr>
+          <p:txBody>
+            <a:bodyPr spcFirstLastPara="1" wrap="square" lIns="91425" tIns="45700" rIns="91425" bIns="45700" anchor="ctr" anchorCtr="0">
+              <a:noAutofit/>
+            </a:bodyPr>
+            <a:lstStyle/>
+            <a:p>
+              <a:pPr marL="0" marR="0" lvl="0" indent="0" algn="ctr" rtl="0">
+                <a:spcBef>
+                  <a:spcPts val="0"/>
+                </a:spcBef>
+                <a:spcAft>
+                  <a:spcPts val="0"/>
+                </a:spcAft>
+                <a:buNone/>
+              </a:pPr>
+              <a:endParaRPr sz="1600">
+                <a:solidFill>
+                  <a:schemeClr val="lt1"/>
+                </a:solidFill>
+                <a:latin typeface="Calibri"/>
+                <a:ea typeface="Calibri"/>
+                <a:cs typeface="Calibri"/>
+                <a:sym typeface="Calibri"/>
+              </a:endParaRPr>
+            </a:p>
+          </p:txBody>
+        </p:sp>
+        <p:grpSp>
+          <p:nvGrpSpPr>
+            <p:cNvPr id="307" name="Google Shape;307;g21bc3c53028_0_41"/>
+            <p:cNvGrpSpPr/>
+            <p:nvPr/>
+          </p:nvGrpSpPr>
+          <p:grpSpPr>
+            <a:xfrm rot="10800000" flipH="1">
+              <a:off x="1145873" y="1829275"/>
+              <a:ext cx="1588207" cy="306778"/>
+              <a:chOff x="379629" y="4144280"/>
+              <a:chExt cx="1760566" cy="369300"/>
+            </a:xfrm>
+          </p:grpSpPr>
+          <p:sp>
+            <p:nvSpPr>
+              <p:cNvPr id="308" name="Google Shape;308;g21bc3c53028_0_41"/>
+              <p:cNvSpPr/>
+              <p:nvPr/>
+            </p:nvSpPr>
+            <p:spPr>
+              <a:xfrm rot="10800000" flipH="1">
+                <a:off x="379629" y="4144280"/>
+                <a:ext cx="1238700" cy="369300"/>
+              </a:xfrm>
+              <a:prstGeom prst="rect">
+                <a:avLst/>
+              </a:prstGeom>
+              <a:solidFill>
+                <a:schemeClr val="dk1"/>
+              </a:solidFill>
+              <a:ln>
+                <a:noFill/>
+              </a:ln>
+            </p:spPr>
+            <p:txBody>
+              <a:bodyPr spcFirstLastPara="1" wrap="square" lIns="91425" tIns="45700" rIns="91425" bIns="45700" anchor="ctr" anchorCtr="0">
+                <a:noAutofit/>
+              </a:bodyPr>
+              <a:lstStyle/>
+              <a:p>
+                <a:pPr marL="0" marR="0" lvl="0" indent="0" algn="l" rtl="0">
+                  <a:spcBef>
+                    <a:spcPts val="0"/>
+                  </a:spcBef>
+                  <a:spcAft>
+                    <a:spcPts val="0"/>
+                  </a:spcAft>
+                  <a:buNone/>
+                </a:pPr>
+                <a:r>
+                  <a:rPr lang="en-US" sz="1600" dirty="0">
+                    <a:solidFill>
+                      <a:schemeClr val="lt1"/>
+                    </a:solidFill>
+                    <a:latin typeface="Arial"/>
+                    <a:ea typeface="Arial"/>
+                    <a:cs typeface="Arial"/>
+                    <a:sym typeface="Arial"/>
+                  </a:rPr>
+                  <a:t>Grounded</a:t>
+                </a:r>
+                <a:endParaRPr sz="1600" dirty="0">
+                  <a:solidFill>
+                    <a:schemeClr val="lt1"/>
+                  </a:solidFill>
+                  <a:latin typeface="Arial"/>
+                  <a:ea typeface="Arial"/>
+                  <a:cs typeface="Arial"/>
+                  <a:sym typeface="Arial"/>
+                </a:endParaRPr>
+              </a:p>
+            </p:txBody>
+          </p:sp>
+          <p:sp>
+            <p:nvSpPr>
+              <p:cNvPr id="309" name="Google Shape;309;g21bc3c53028_0_41"/>
+              <p:cNvSpPr/>
+              <p:nvPr/>
+            </p:nvSpPr>
+            <p:spPr>
+              <a:xfrm>
+                <a:off x="1600195" y="4148914"/>
+                <a:ext cx="540000" cy="360000"/>
+              </a:xfrm>
+              <a:prstGeom prst="triangle">
+                <a:avLst>
+                  <a:gd name="adj" fmla="val 0"/>
+                </a:avLst>
+              </a:prstGeom>
+              <a:solidFill>
+                <a:schemeClr val="dk1"/>
+              </a:solidFill>
+              <a:ln>
+                <a:noFill/>
+              </a:ln>
+            </p:spPr>
+            <p:txBody>
+              <a:bodyPr spcFirstLastPara="1" wrap="square" lIns="91425" tIns="45700" rIns="91425" bIns="45700" anchor="ctr" anchorCtr="0">
+                <a:noAutofit/>
+              </a:bodyPr>
+              <a:lstStyle/>
+              <a:p>
+                <a:pPr marL="0" marR="0" lvl="0" indent="0" algn="ctr" rtl="0">
+                  <a:spcBef>
+                    <a:spcPts val="0"/>
+                  </a:spcBef>
+                  <a:spcAft>
+                    <a:spcPts val="0"/>
+                  </a:spcAft>
+                  <a:buNone/>
+                </a:pPr>
+                <a:endParaRPr sz="1600">
+                  <a:solidFill>
+                    <a:schemeClr val="lt1"/>
+                  </a:solidFill>
+                  <a:latin typeface="Arial"/>
+                  <a:ea typeface="Arial"/>
+                  <a:cs typeface="Arial"/>
+                  <a:sym typeface="Arial"/>
+                </a:endParaRPr>
+              </a:p>
+            </p:txBody>
+          </p:sp>
+        </p:grpSp>
+        <p:pic>
+          <p:nvPicPr>
+            <p:cNvPr id="310" name="Google Shape;310;g21bc3c53028_0_41"/>
+            <p:cNvPicPr preferRelativeResize="0"/>
+            <p:nvPr/>
+          </p:nvPicPr>
+          <p:blipFill rotWithShape="1">
+            <a:blip r:embed="rId3">
+              <a:alphaModFix/>
+            </a:blip>
+            <a:srcRect/>
+            <a:stretch/>
+          </p:blipFill>
+          <p:spPr>
+            <a:xfrm>
+              <a:off x="2032495" y="2403796"/>
+              <a:ext cx="703208" cy="1001538"/>
+            </a:xfrm>
+            <a:prstGeom prst="rect">
+              <a:avLst/>
+            </a:prstGeom>
+            <a:noFill/>
+            <a:ln>
+              <a:noFill/>
+            </a:ln>
+          </p:spPr>
+        </p:pic>
+        <p:pic>
+          <p:nvPicPr>
+            <p:cNvPr id="311" name="Google Shape;311;g21bc3c53028_0_41"/>
+            <p:cNvPicPr preferRelativeResize="0"/>
+            <p:nvPr/>
+          </p:nvPicPr>
+          <p:blipFill rotWithShape="1">
+            <a:blip r:embed="rId4">
+              <a:alphaModFix/>
+            </a:blip>
+            <a:srcRect/>
+            <a:stretch/>
+          </p:blipFill>
+          <p:spPr>
+            <a:xfrm>
+              <a:off x="4676964" y="2177791"/>
+              <a:ext cx="616497" cy="924745"/>
+            </a:xfrm>
+            <a:prstGeom prst="rect">
+              <a:avLst/>
+            </a:prstGeom>
+            <a:noFill/>
+            <a:ln>
+              <a:noFill/>
+            </a:ln>
+          </p:spPr>
+        </p:pic>
+        <p:sp>
+          <p:nvSpPr>
+            <p:cNvPr id="312" name="Google Shape;312;g21bc3c53028_0_41"/>
+            <p:cNvSpPr/>
+            <p:nvPr/>
+          </p:nvSpPr>
+          <p:spPr>
+            <a:xfrm>
+              <a:off x="3748441" y="1824906"/>
+              <a:ext cx="2481300" cy="1744200"/>
+            </a:xfrm>
+            <a:prstGeom prst="rect">
+              <a:avLst/>
+            </a:prstGeom>
+            <a:noFill/>
+            <a:ln w="38100" cap="flat" cmpd="sng">
+              <a:solidFill>
+                <a:schemeClr val="dk1"/>
+              </a:solidFill>
+              <a:prstDash val="solid"/>
+              <a:miter lim="800000"/>
+              <a:headEnd type="none" w="sm" len="sm"/>
+              <a:tailEnd type="none" w="sm" len="sm"/>
+            </a:ln>
+          </p:spPr>
+          <p:txBody>
+            <a:bodyPr spcFirstLastPara="1" wrap="square" lIns="91425" tIns="45700" rIns="91425" bIns="45700" anchor="ctr" anchorCtr="0">
+              <a:noAutofit/>
+            </a:bodyPr>
+            <a:lstStyle/>
+            <a:p>
+              <a:pPr marL="0" marR="0" lvl="0" indent="0" algn="ctr" rtl="0">
+                <a:spcBef>
+                  <a:spcPts val="0"/>
+                </a:spcBef>
+                <a:spcAft>
+                  <a:spcPts val="0"/>
+                </a:spcAft>
+                <a:buNone/>
+              </a:pPr>
+              <a:endParaRPr sz="1600">
+                <a:solidFill>
+                  <a:schemeClr val="lt1"/>
+                </a:solidFill>
+                <a:latin typeface="Calibri"/>
+                <a:ea typeface="Calibri"/>
+                <a:cs typeface="Calibri"/>
+                <a:sym typeface="Calibri"/>
+              </a:endParaRPr>
+            </a:p>
+          </p:txBody>
+        </p:sp>
+      </p:grpSp>
+      <p:grpSp>
+        <p:nvGrpSpPr>
+          <p:cNvPr id="313" name="Google Shape;313;g21bc3c53028_0_41"/>
+          <p:cNvGrpSpPr/>
+          <p:nvPr/>
+        </p:nvGrpSpPr>
+        <p:grpSpPr>
+          <a:xfrm>
+            <a:off x="893525" y="5059727"/>
+            <a:ext cx="5083589" cy="1618294"/>
+            <a:chOff x="939067" y="5747595"/>
+            <a:chExt cx="5541300" cy="1764000"/>
+          </a:xfrm>
+        </p:grpSpPr>
+        <p:cxnSp>
+          <p:nvCxnSpPr>
+            <p:cNvPr id="314" name="Google Shape;314;g21bc3c53028_0_41"/>
+            <p:cNvCxnSpPr/>
+            <p:nvPr/>
+          </p:nvCxnSpPr>
+          <p:spPr>
+            <a:xfrm>
+              <a:off x="2670632" y="6665588"/>
+              <a:ext cx="2216700" cy="0"/>
+            </a:xfrm>
+            <a:prstGeom prst="straightConnector1">
+              <a:avLst/>
+            </a:prstGeom>
+            <a:noFill/>
+            <a:ln w="28575" cap="flat" cmpd="sng">
+              <a:solidFill>
+                <a:schemeClr val="dk1"/>
+              </a:solidFill>
+              <a:prstDash val="solid"/>
+              <a:miter lim="800000"/>
+              <a:headEnd type="triangle" w="med" len="med"/>
+              <a:tailEnd type="triangle" w="med" len="med"/>
+            </a:ln>
+          </p:spPr>
+        </p:cxnSp>
+        <p:sp>
+          <p:nvSpPr>
+            <p:cNvPr id="315" name="Google Shape;315;g21bc3c53028_0_41"/>
+            <p:cNvSpPr/>
+            <p:nvPr/>
+          </p:nvSpPr>
+          <p:spPr>
+            <a:xfrm>
+              <a:off x="939067" y="7238562"/>
+              <a:ext cx="5541300" cy="268800"/>
+            </a:xfrm>
+            <a:prstGeom prst="rect">
+              <a:avLst/>
+            </a:prstGeom>
+            <a:solidFill>
+              <a:schemeClr val="accent2">
+                <a:alpha val="24710"/>
+              </a:schemeClr>
+            </a:solidFill>
+            <a:ln w="38100" cap="flat" cmpd="sng">
+              <a:solidFill>
+                <a:schemeClr val="accent2"/>
+              </a:solidFill>
+              <a:prstDash val="solid"/>
+              <a:miter lim="800000"/>
+              <a:headEnd type="none" w="sm" len="sm"/>
+              <a:tailEnd type="none" w="sm" len="sm"/>
+            </a:ln>
+          </p:spPr>
+          <p:txBody>
+            <a:bodyPr spcFirstLastPara="1" wrap="square" lIns="91425" tIns="45700" rIns="91425" bIns="45700" anchor="ctr" anchorCtr="0">
+              <a:noAutofit/>
+            </a:bodyPr>
+            <a:lstStyle/>
+            <a:p>
+              <a:pPr marL="0" marR="0" lvl="0" indent="0" algn="ctr" rtl="0">
+                <a:spcBef>
+                  <a:spcPts val="0"/>
+                </a:spcBef>
+                <a:spcAft>
+                  <a:spcPts val="0"/>
+                </a:spcAft>
+                <a:buNone/>
+              </a:pPr>
+              <a:endParaRPr sz="1600">
+                <a:solidFill>
+                  <a:schemeClr val="lt1"/>
+                </a:solidFill>
+                <a:latin typeface="Calibri"/>
+                <a:ea typeface="Calibri"/>
+                <a:cs typeface="Calibri"/>
+                <a:sym typeface="Calibri"/>
+              </a:endParaRPr>
+            </a:p>
+          </p:txBody>
+        </p:sp>
+        <p:sp>
+          <p:nvSpPr>
+            <p:cNvPr id="316" name="Google Shape;316;g21bc3c53028_0_41"/>
+            <p:cNvSpPr/>
+            <p:nvPr/>
+          </p:nvSpPr>
+          <p:spPr>
+            <a:xfrm>
+              <a:off x="939067" y="5747595"/>
+              <a:ext cx="5541300" cy="1764000"/>
+            </a:xfrm>
+            <a:prstGeom prst="rect">
+              <a:avLst/>
+            </a:prstGeom>
+            <a:noFill/>
+            <a:ln w="38100" cap="flat" cmpd="sng">
+              <a:solidFill>
+                <a:schemeClr val="dk1"/>
+              </a:solidFill>
+              <a:prstDash val="solid"/>
+              <a:miter lim="800000"/>
+              <a:headEnd type="none" w="sm" len="sm"/>
+              <a:tailEnd type="none" w="sm" len="sm"/>
+            </a:ln>
+          </p:spPr>
+          <p:txBody>
+            <a:bodyPr spcFirstLastPara="1" wrap="square" lIns="91425" tIns="45700" rIns="91425" bIns="45700" anchor="ctr" anchorCtr="0">
+              <a:noAutofit/>
+            </a:bodyPr>
+            <a:lstStyle/>
+            <a:p>
+              <a:pPr marL="0" marR="0" lvl="0" indent="0" algn="ctr" rtl="0">
+                <a:spcBef>
+                  <a:spcPts val="0"/>
+                </a:spcBef>
+                <a:spcAft>
+                  <a:spcPts val="0"/>
+                </a:spcAft>
+                <a:buNone/>
+              </a:pPr>
+              <a:endParaRPr sz="1600">
+                <a:solidFill>
+                  <a:schemeClr val="lt1"/>
+                </a:solidFill>
+                <a:latin typeface="Calibri"/>
+                <a:ea typeface="Calibri"/>
+                <a:cs typeface="Calibri"/>
+                <a:sym typeface="Calibri"/>
+              </a:endParaRPr>
+            </a:p>
+          </p:txBody>
+        </p:sp>
+        <p:grpSp>
+          <p:nvGrpSpPr>
+            <p:cNvPr id="317" name="Google Shape;317;g21bc3c53028_0_41"/>
+            <p:cNvGrpSpPr/>
+            <p:nvPr/>
+          </p:nvGrpSpPr>
+          <p:grpSpPr>
+            <a:xfrm rot="10800000" flipH="1">
+              <a:off x="947580" y="5750023"/>
+              <a:ext cx="1723066" cy="334401"/>
+              <a:chOff x="379629" y="4144280"/>
+              <a:chExt cx="1760566" cy="369300"/>
+            </a:xfrm>
+          </p:grpSpPr>
+          <p:sp>
+            <p:nvSpPr>
+              <p:cNvPr id="318" name="Google Shape;318;g21bc3c53028_0_41"/>
+              <p:cNvSpPr/>
+              <p:nvPr/>
+            </p:nvSpPr>
+            <p:spPr>
+              <a:xfrm rot="10800000" flipH="1">
+                <a:off x="379629" y="4144280"/>
+                <a:ext cx="1229700" cy="369300"/>
+              </a:xfrm>
+              <a:prstGeom prst="rect">
+                <a:avLst/>
+              </a:prstGeom>
+              <a:solidFill>
+                <a:schemeClr val="dk1"/>
+              </a:solidFill>
+              <a:ln>
+                <a:noFill/>
+              </a:ln>
+            </p:spPr>
+            <p:txBody>
+              <a:bodyPr spcFirstLastPara="1" wrap="square" lIns="91425" tIns="45700" rIns="91425" bIns="45700" anchor="ctr" anchorCtr="0">
+                <a:noAutofit/>
+              </a:bodyPr>
+              <a:lstStyle/>
+              <a:p>
+                <a:pPr marL="0" marR="0" lvl="0" indent="0" algn="l" rtl="0">
+                  <a:spcBef>
+                    <a:spcPts val="0"/>
+                  </a:spcBef>
+                  <a:spcAft>
+                    <a:spcPts val="0"/>
+                  </a:spcAft>
+                  <a:buNone/>
+                </a:pPr>
+                <a:r>
+                  <a:rPr lang="en-US" sz="1600" dirty="0">
+                    <a:solidFill>
+                      <a:schemeClr val="lt1"/>
+                    </a:solidFill>
+                    <a:latin typeface="Arial"/>
+                    <a:ea typeface="Arial"/>
+                    <a:cs typeface="Arial"/>
+                    <a:sym typeface="Arial"/>
+                  </a:rPr>
+                  <a:t>Grounded</a:t>
+                </a:r>
+                <a:endParaRPr sz="1600" dirty="0">
+                  <a:solidFill>
+                    <a:schemeClr val="lt1"/>
+                  </a:solidFill>
+                  <a:latin typeface="Arial"/>
+                  <a:ea typeface="Arial"/>
+                  <a:cs typeface="Arial"/>
+                  <a:sym typeface="Arial"/>
+                </a:endParaRPr>
+              </a:p>
+            </p:txBody>
+          </p:sp>
+          <p:sp>
+            <p:nvSpPr>
+              <p:cNvPr id="319" name="Google Shape;319;g21bc3c53028_0_41"/>
+              <p:cNvSpPr/>
+              <p:nvPr/>
+            </p:nvSpPr>
+            <p:spPr>
+              <a:xfrm>
+                <a:off x="1600195" y="4148914"/>
+                <a:ext cx="540000" cy="360000"/>
+              </a:xfrm>
+              <a:prstGeom prst="triangle">
+                <a:avLst>
+                  <a:gd name="adj" fmla="val 0"/>
+                </a:avLst>
+              </a:prstGeom>
+              <a:solidFill>
+                <a:schemeClr val="dk1"/>
+              </a:solidFill>
+              <a:ln>
+                <a:noFill/>
+              </a:ln>
+            </p:spPr>
+            <p:txBody>
+              <a:bodyPr spcFirstLastPara="1" wrap="square" lIns="91425" tIns="45700" rIns="91425" bIns="45700" anchor="ctr" anchorCtr="0">
+                <a:noAutofit/>
+              </a:bodyPr>
+              <a:lstStyle/>
+              <a:p>
+                <a:pPr marL="0" marR="0" lvl="0" indent="0" algn="ctr" rtl="0">
+                  <a:spcBef>
+                    <a:spcPts val="0"/>
+                  </a:spcBef>
+                  <a:spcAft>
+                    <a:spcPts val="0"/>
+                  </a:spcAft>
+                  <a:buNone/>
+                </a:pPr>
+                <a:endParaRPr sz="1600">
+                  <a:solidFill>
+                    <a:schemeClr val="lt1"/>
+                  </a:solidFill>
+                  <a:latin typeface="Arial"/>
+                  <a:ea typeface="Arial"/>
+                  <a:cs typeface="Arial"/>
+                  <a:sym typeface="Arial"/>
+                </a:endParaRPr>
+              </a:p>
+            </p:txBody>
+          </p:sp>
+        </p:grpSp>
+        <p:pic>
+          <p:nvPicPr>
+            <p:cNvPr id="320" name="Google Shape;320;g21bc3c53028_0_41"/>
+            <p:cNvPicPr preferRelativeResize="0"/>
+            <p:nvPr/>
+          </p:nvPicPr>
+          <p:blipFill rotWithShape="1">
+            <a:blip r:embed="rId3">
+              <a:alphaModFix/>
+            </a:blip>
+            <a:srcRect/>
+            <a:stretch/>
+          </p:blipFill>
+          <p:spPr>
+            <a:xfrm>
+              <a:off x="3321709" y="6195397"/>
+              <a:ext cx="766490" cy="1091668"/>
+            </a:xfrm>
+            <a:prstGeom prst="rect">
+              <a:avLst/>
+            </a:prstGeom>
+            <a:noFill/>
+            <a:ln>
+              <a:noFill/>
+            </a:ln>
+          </p:spPr>
+        </p:pic>
+        <p:pic>
+          <p:nvPicPr>
+            <p:cNvPr id="321" name="Google Shape;321;g21bc3c53028_0_41"/>
+            <p:cNvPicPr preferRelativeResize="0"/>
+            <p:nvPr/>
+          </p:nvPicPr>
+          <p:blipFill rotWithShape="1">
+            <a:blip r:embed="rId5">
+              <a:alphaModFix/>
+            </a:blip>
+            <a:srcRect/>
+            <a:stretch/>
+          </p:blipFill>
+          <p:spPr>
+            <a:xfrm>
+              <a:off x="4846951" y="6195396"/>
+              <a:ext cx="781405" cy="1091668"/>
+            </a:xfrm>
+            <a:prstGeom prst="rect">
+              <a:avLst/>
+            </a:prstGeom>
+            <a:noFill/>
+            <a:ln>
+              <a:noFill/>
+            </a:ln>
+          </p:spPr>
+        </p:pic>
+        <p:pic>
+          <p:nvPicPr>
+            <p:cNvPr id="322" name="Google Shape;322;g21bc3c53028_0_41"/>
+            <p:cNvPicPr preferRelativeResize="0"/>
+            <p:nvPr/>
+          </p:nvPicPr>
+          <p:blipFill rotWithShape="1">
+            <a:blip r:embed="rId6">
+              <a:alphaModFix/>
+            </a:blip>
+            <a:srcRect/>
+            <a:stretch/>
+          </p:blipFill>
+          <p:spPr>
+            <a:xfrm>
+              <a:off x="1980241" y="6198570"/>
+              <a:ext cx="705559" cy="1075688"/>
+            </a:xfrm>
+            <a:prstGeom prst="rect">
+              <a:avLst/>
+            </a:prstGeom>
+            <a:noFill/>
+            <a:ln>
+              <a:noFill/>
+            </a:ln>
+          </p:spPr>
+        </p:pic>
+      </p:grpSp>
+      <p:sp>
+        <p:nvSpPr>
+          <p:cNvPr id="323" name="Google Shape;323;g21bc3c53028_0_41"/>
+          <p:cNvSpPr txBox="1"/>
+          <p:nvPr/>
+        </p:nvSpPr>
+        <p:spPr>
+          <a:xfrm>
+            <a:off x="379915" y="6725081"/>
+            <a:ext cx="6119400" cy="738623"/>
+          </a:xfrm>
+          <a:prstGeom prst="rect">
+            <a:avLst/>
+          </a:prstGeom>
+          <a:noFill/>
+          <a:ln>
+            <a:noFill/>
+          </a:ln>
+        </p:spPr>
+        <p:txBody>
+          <a:bodyPr spcFirstLastPara="1" wrap="square" lIns="91425" tIns="45700" rIns="91425" bIns="45700" anchor="t" anchorCtr="0">
+            <a:spAutoFit/>
+          </a:bodyPr>
+          <a:lstStyle/>
+          <a:p>
+            <a:pPr marL="457200" marR="0" lvl="1" indent="0" algn="just" rtl="0">
+              <a:spcBef>
+                <a:spcPts val="0"/>
+              </a:spcBef>
+              <a:spcAft>
+                <a:spcPts val="0"/>
+              </a:spcAft>
+              <a:buNone/>
+            </a:pPr>
+            <a:endParaRPr u="sng" dirty="0">
+              <a:solidFill>
+                <a:schemeClr val="dk1"/>
+              </a:solidFill>
+            </a:endParaRPr>
+          </a:p>
+          <a:p>
+            <a:pPr marL="457200" lvl="1" indent="0" algn="just" rtl="0">
+              <a:spcBef>
+                <a:spcPts val="0"/>
+              </a:spcBef>
+              <a:spcAft>
+                <a:spcPts val="0"/>
+              </a:spcAft>
+              <a:buClr>
+                <a:schemeClr val="dk1"/>
+              </a:buClr>
+              <a:buFont typeface="Arial"/>
+              <a:buNone/>
+            </a:pPr>
+            <a:r>
+              <a:rPr lang="en-US" u="sng" dirty="0">
+                <a:solidFill>
+                  <a:schemeClr val="dk1"/>
+                </a:solidFill>
+              </a:rPr>
+              <a:t>Crouch:</a:t>
+            </a:r>
+            <a:r>
+              <a:rPr lang="en-US" dirty="0">
+                <a:solidFill>
+                  <a:schemeClr val="dk1"/>
+                </a:solidFill>
+              </a:rPr>
+              <a:t> Characters can crouch in the ground, stops his movement, reduces the hitbox and gives him access to other moves.</a:t>
+            </a:r>
+            <a:endParaRPr sz="1400" b="0" i="0" u="none" strike="noStrike" cap="none" dirty="0">
+              <a:solidFill>
+                <a:schemeClr val="dk1"/>
+              </a:solidFill>
+              <a:latin typeface="Calibri"/>
+              <a:ea typeface="Calibri"/>
+              <a:cs typeface="Calibri"/>
+              <a:sym typeface="Calibri"/>
+            </a:endParaRPr>
+          </a:p>
+        </p:txBody>
+      </p:sp>
+      <p:grpSp>
+        <p:nvGrpSpPr>
+          <p:cNvPr id="5" name="Grupo 4">
+            <a:extLst>
+              <a:ext uri="{FF2B5EF4-FFF2-40B4-BE49-F238E27FC236}">
+                <a16:creationId xmlns:a16="http://schemas.microsoft.com/office/drawing/2014/main" id="{44FC8F89-01E3-4FEA-833A-68846E12A7DE}"/>
+              </a:ext>
+            </a:extLst>
+          </p:cNvPr>
+          <p:cNvGrpSpPr/>
+          <p:nvPr/>
+        </p:nvGrpSpPr>
+        <p:grpSpPr>
+          <a:xfrm>
+            <a:off x="2193492" y="7547975"/>
+            <a:ext cx="2481300" cy="1742288"/>
+            <a:chOff x="2193492" y="7538247"/>
+            <a:chExt cx="2481300" cy="1742288"/>
+          </a:xfrm>
+        </p:grpSpPr>
+        <p:sp>
+          <p:nvSpPr>
+            <p:cNvPr id="47" name="Google Shape;305;g21bc3c53028_0_41">
+              <a:extLst>
+                <a:ext uri="{FF2B5EF4-FFF2-40B4-BE49-F238E27FC236}">
+                  <a16:creationId xmlns:a16="http://schemas.microsoft.com/office/drawing/2014/main" id="{0DA458D2-27D9-4066-95B0-F55F132CBD51}"/>
+                </a:ext>
+              </a:extLst>
+            </p:cNvPr>
+            <p:cNvSpPr/>
+            <p:nvPr/>
+          </p:nvSpPr>
+          <p:spPr>
+            <a:xfrm>
+              <a:off x="2193492" y="9038135"/>
+              <a:ext cx="2478300" cy="242400"/>
+            </a:xfrm>
+            <a:prstGeom prst="rect">
+              <a:avLst/>
+            </a:prstGeom>
+            <a:solidFill>
+              <a:schemeClr val="accent2">
+                <a:alpha val="24710"/>
+              </a:schemeClr>
+            </a:solidFill>
+            <a:ln w="38100" cap="flat" cmpd="sng">
+              <a:solidFill>
+                <a:schemeClr val="accent2"/>
+              </a:solidFill>
+              <a:prstDash val="solid"/>
+              <a:miter lim="800000"/>
+              <a:headEnd type="none" w="sm" len="sm"/>
+              <a:tailEnd type="none" w="sm" len="sm"/>
+            </a:ln>
+          </p:spPr>
+          <p:txBody>
+            <a:bodyPr spcFirstLastPara="1" wrap="square" lIns="91425" tIns="45700" rIns="91425" bIns="45700" anchor="ctr" anchorCtr="0">
+              <a:noAutofit/>
+            </a:bodyPr>
+            <a:lstStyle/>
+            <a:p>
+              <a:pPr marL="0" marR="0" lvl="0" indent="0" algn="ctr" rtl="0">
+                <a:spcBef>
+                  <a:spcPts val="0"/>
+                </a:spcBef>
+                <a:spcAft>
+                  <a:spcPts val="0"/>
+                </a:spcAft>
+                <a:buNone/>
+              </a:pPr>
+              <a:endParaRPr sz="1600">
+                <a:solidFill>
+                  <a:schemeClr val="lt1"/>
+                </a:solidFill>
+                <a:latin typeface="Calibri"/>
+                <a:ea typeface="Calibri"/>
+                <a:cs typeface="Calibri"/>
+                <a:sym typeface="Calibri"/>
+              </a:endParaRPr>
+            </a:p>
+          </p:txBody>
+        </p:sp>
+        <p:sp>
+          <p:nvSpPr>
+            <p:cNvPr id="48" name="Google Shape;306;g21bc3c53028_0_41">
+              <a:extLst>
+                <a:ext uri="{FF2B5EF4-FFF2-40B4-BE49-F238E27FC236}">
+                  <a16:creationId xmlns:a16="http://schemas.microsoft.com/office/drawing/2014/main" id="{247B2A99-A502-4E2E-ADC6-541428DE3E47}"/>
+                </a:ext>
+              </a:extLst>
+            </p:cNvPr>
+            <p:cNvSpPr/>
+            <p:nvPr/>
+          </p:nvSpPr>
+          <p:spPr>
+            <a:xfrm>
+              <a:off x="2193492" y="7538247"/>
+              <a:ext cx="2481300" cy="1742100"/>
+            </a:xfrm>
+            <a:prstGeom prst="rect">
+              <a:avLst/>
+            </a:prstGeom>
+            <a:noFill/>
+            <a:ln w="38100" cap="flat" cmpd="sng">
+              <a:solidFill>
+                <a:schemeClr val="dk1"/>
+              </a:solidFill>
+              <a:prstDash val="solid"/>
+              <a:miter lim="800000"/>
+              <a:headEnd type="none" w="sm" len="sm"/>
+              <a:tailEnd type="none" w="sm" len="sm"/>
+            </a:ln>
+          </p:spPr>
+          <p:txBody>
+            <a:bodyPr spcFirstLastPara="1" wrap="square" lIns="91425" tIns="45700" rIns="91425" bIns="45700" anchor="ctr" anchorCtr="0">
+              <a:noAutofit/>
+            </a:bodyPr>
+            <a:lstStyle/>
+            <a:p>
+              <a:pPr marL="0" marR="0" lvl="0" indent="0" algn="ctr" rtl="0">
+                <a:spcBef>
+                  <a:spcPts val="0"/>
+                </a:spcBef>
+                <a:spcAft>
+                  <a:spcPts val="0"/>
+                </a:spcAft>
+                <a:buNone/>
+              </a:pPr>
+              <a:endParaRPr sz="1600">
+                <a:solidFill>
+                  <a:schemeClr val="lt1"/>
+                </a:solidFill>
+                <a:latin typeface="Calibri"/>
+                <a:ea typeface="Calibri"/>
+                <a:cs typeface="Calibri"/>
+                <a:sym typeface="Calibri"/>
+              </a:endParaRPr>
+            </a:p>
+          </p:txBody>
+        </p:sp>
+        <p:grpSp>
+          <p:nvGrpSpPr>
+            <p:cNvPr id="49" name="Google Shape;307;g21bc3c53028_0_41">
+              <a:extLst>
+                <a:ext uri="{FF2B5EF4-FFF2-40B4-BE49-F238E27FC236}">
+                  <a16:creationId xmlns:a16="http://schemas.microsoft.com/office/drawing/2014/main" id="{DC9105B4-5796-4EA5-995F-FBBBACFEF096}"/>
+                </a:ext>
+              </a:extLst>
+            </p:cNvPr>
+            <p:cNvGrpSpPr/>
+            <p:nvPr/>
+          </p:nvGrpSpPr>
+          <p:grpSpPr>
+            <a:xfrm rot="10800000" flipH="1">
+              <a:off x="2201295" y="7540656"/>
+              <a:ext cx="1588207" cy="306778"/>
+              <a:chOff x="379629" y="4144280"/>
+              <a:chExt cx="1760566" cy="369300"/>
+            </a:xfrm>
+          </p:grpSpPr>
+          <p:sp>
+            <p:nvSpPr>
+              <p:cNvPr id="50" name="Google Shape;308;g21bc3c53028_0_41">
+                <a:extLst>
+                  <a:ext uri="{FF2B5EF4-FFF2-40B4-BE49-F238E27FC236}">
+                    <a16:creationId xmlns:a16="http://schemas.microsoft.com/office/drawing/2014/main" id="{667715F4-4035-47EF-AFF0-5C566C9D3B15}"/>
+                  </a:ext>
+                </a:extLst>
+              </p:cNvPr>
+              <p:cNvSpPr/>
+              <p:nvPr/>
+            </p:nvSpPr>
+            <p:spPr>
+              <a:xfrm rot="10800000" flipH="1">
+                <a:off x="379629" y="4144280"/>
+                <a:ext cx="1238700" cy="369300"/>
+              </a:xfrm>
+              <a:prstGeom prst="rect">
+                <a:avLst/>
+              </a:prstGeom>
+              <a:solidFill>
+                <a:schemeClr val="dk1"/>
+              </a:solidFill>
+              <a:ln>
+                <a:noFill/>
+              </a:ln>
+            </p:spPr>
+            <p:txBody>
+              <a:bodyPr spcFirstLastPara="1" wrap="square" lIns="91425" tIns="45700" rIns="91425" bIns="45700" anchor="ctr" anchorCtr="0">
+                <a:noAutofit/>
+              </a:bodyPr>
+              <a:lstStyle/>
+              <a:p>
+                <a:pPr marL="0" marR="0" lvl="0" indent="0" algn="l" rtl="0">
+                  <a:spcBef>
+                    <a:spcPts val="0"/>
+                  </a:spcBef>
+                  <a:spcAft>
+                    <a:spcPts val="0"/>
+                  </a:spcAft>
+                  <a:buNone/>
+                </a:pPr>
+                <a:r>
+                  <a:rPr lang="en-US" sz="1600" dirty="0">
+                    <a:solidFill>
+                      <a:schemeClr val="lt1"/>
+                    </a:solidFill>
+                    <a:latin typeface="Arial"/>
+                    <a:ea typeface="Arial"/>
+                    <a:cs typeface="Arial"/>
+                    <a:sym typeface="Arial"/>
+                  </a:rPr>
+                  <a:t>Grounded</a:t>
+                </a:r>
+                <a:endParaRPr sz="1600" dirty="0">
+                  <a:solidFill>
+                    <a:schemeClr val="lt1"/>
+                  </a:solidFill>
+                  <a:latin typeface="Arial"/>
+                  <a:ea typeface="Arial"/>
+                  <a:cs typeface="Arial"/>
+                  <a:sym typeface="Arial"/>
+                </a:endParaRPr>
+              </a:p>
+            </p:txBody>
+          </p:sp>
+          <p:sp>
+            <p:nvSpPr>
+              <p:cNvPr id="51" name="Google Shape;309;g21bc3c53028_0_41">
+                <a:extLst>
+                  <a:ext uri="{FF2B5EF4-FFF2-40B4-BE49-F238E27FC236}">
+                    <a16:creationId xmlns:a16="http://schemas.microsoft.com/office/drawing/2014/main" id="{9260FD7A-08FF-4388-9E2F-241017F197E0}"/>
+                  </a:ext>
+                </a:extLst>
+              </p:cNvPr>
+              <p:cNvSpPr/>
+              <p:nvPr/>
+            </p:nvSpPr>
+            <p:spPr>
+              <a:xfrm>
+                <a:off x="1600195" y="4148914"/>
+                <a:ext cx="540000" cy="360000"/>
+              </a:xfrm>
+              <a:prstGeom prst="triangle">
+                <a:avLst>
+                  <a:gd name="adj" fmla="val 0"/>
+                </a:avLst>
+              </a:prstGeom>
+              <a:solidFill>
+                <a:schemeClr val="dk1"/>
+              </a:solidFill>
+              <a:ln>
+                <a:noFill/>
+              </a:ln>
+            </p:spPr>
+            <p:txBody>
+              <a:bodyPr spcFirstLastPara="1" wrap="square" lIns="91425" tIns="45700" rIns="91425" bIns="45700" anchor="ctr" anchorCtr="0">
+                <a:noAutofit/>
+              </a:bodyPr>
+              <a:lstStyle/>
+              <a:p>
+                <a:pPr marL="0" marR="0" lvl="0" indent="0" algn="ctr" rtl="0">
+                  <a:spcBef>
+                    <a:spcPts val="0"/>
+                  </a:spcBef>
+                  <a:spcAft>
+                    <a:spcPts val="0"/>
+                  </a:spcAft>
+                  <a:buNone/>
+                </a:pPr>
+                <a:endParaRPr sz="1600">
+                  <a:solidFill>
+                    <a:schemeClr val="lt1"/>
+                  </a:solidFill>
+                  <a:latin typeface="Arial"/>
+                  <a:ea typeface="Arial"/>
+                  <a:cs typeface="Arial"/>
+                  <a:sym typeface="Arial"/>
+                </a:endParaRPr>
+              </a:p>
+            </p:txBody>
+          </p:sp>
+        </p:grpSp>
+        <p:pic>
+          <p:nvPicPr>
+            <p:cNvPr id="3" name="Imagen 2">
+              <a:extLst>
+                <a:ext uri="{FF2B5EF4-FFF2-40B4-BE49-F238E27FC236}">
+                  <a16:creationId xmlns:a16="http://schemas.microsoft.com/office/drawing/2014/main" id="{A8CA99F2-A5A8-45E6-9AA2-C96FA91745D5}"/>
+                </a:ext>
+              </a:extLst>
+            </p:cNvPr>
+            <p:cNvPicPr>
+              <a:picLocks noChangeAspect="1"/>
+            </p:cNvPicPr>
+            <p:nvPr/>
+          </p:nvPicPr>
+          <p:blipFill>
+            <a:blip r:embed="rId7"/>
+            <a:stretch>
+              <a:fillRect/>
+            </a:stretch>
+          </p:blipFill>
+          <p:spPr>
+            <a:xfrm>
+              <a:off x="3109061" y="8403362"/>
+              <a:ext cx="638623" cy="680500"/>
+            </a:xfrm>
+            <a:prstGeom prst="rect">
+              <a:avLst/>
+            </a:prstGeom>
+          </p:spPr>
+        </p:pic>
+      </p:grpSp>
+    </p:spTree>
+  </p:cSld>
+  <p:clrMapOvr>
+    <a:masterClrMapping/>
+  </p:clrMapOvr>
+</p:sld>
+</file>
+
+<file path=ppt/slides/slide11.xml><?xml version="1.0" encoding="utf-8"?>
+<p:sld xmlns:a="http://schemas.openxmlformats.org/drawingml/2006/main" xmlns:r="http://schemas.openxmlformats.org/officeDocument/2006/relationships" xmlns:p="http://schemas.openxmlformats.org/presentationml/2006/main">
+  <p:cSld>
+    <p:spTree>
+      <p:nvGrpSpPr>
         <p:cNvPr id="1" name="Shape 337"/>
         <p:cNvGrpSpPr/>
         <p:nvPr/>
@@ -13031,8 +15042,8 @@
         </p:nvSpPr>
         <p:spPr>
           <a:xfrm>
-            <a:off x="4518802" y="6272135"/>
-            <a:ext cx="2065648" cy="242400"/>
+            <a:off x="4518802" y="6259435"/>
+            <a:ext cx="2049207" cy="244237"/>
           </a:xfrm>
           <a:prstGeom prst="rect">
             <a:avLst/>
@@ -15661,7 +17672,7 @@
 </p:sld>
 </file>
 
-<file path=ppt/slides/slide11.xml><?xml version="1.0" encoding="utf-8"?>
+<file path=ppt/slides/slide12.xml><?xml version="1.0" encoding="utf-8"?>
 <p:sld xmlns:a="http://schemas.openxmlformats.org/drawingml/2006/main" xmlns:r="http://schemas.openxmlformats.org/officeDocument/2006/relationships" xmlns:p="http://schemas.openxmlformats.org/presentationml/2006/main">
   <p:cSld>
     <p:spTree>
@@ -16370,8 +18381,8 @@
         </p:nvSpPr>
         <p:spPr>
           <a:xfrm>
-            <a:off x="2177871" y="3867763"/>
-            <a:ext cx="2494846" cy="505288"/>
+            <a:off x="2194417" y="3867763"/>
+            <a:ext cx="2478300" cy="505288"/>
           </a:xfrm>
           <a:prstGeom prst="rect">
             <a:avLst/>
@@ -16429,9 +18440,9 @@
         <p:grpSpPr>
           <a:xfrm>
             <a:off x="267320" y="5614415"/>
-            <a:ext cx="6317130" cy="2359709"/>
+            <a:ext cx="6317130" cy="2347009"/>
             <a:chOff x="280968" y="5614415"/>
-            <a:chExt cx="6317130" cy="2359709"/>
+            <a:chExt cx="6317130" cy="2347009"/>
           </a:xfrm>
         </p:grpSpPr>
         <p:sp>
@@ -16510,8 +18521,8 @@
           </p:nvSpPr>
           <p:spPr>
             <a:xfrm>
-              <a:off x="2404305" y="7128994"/>
-              <a:ext cx="2052000" cy="242400"/>
+              <a:off x="2417005" y="7126209"/>
+              <a:ext cx="2040733" cy="245185"/>
             </a:xfrm>
             <a:prstGeom prst="rect">
               <a:avLst/>
@@ -17825,10 +19836,10 @@
           </p:nvGrpSpPr>
           <p:grpSpPr>
             <a:xfrm>
-              <a:off x="4527861" y="7447791"/>
-              <a:ext cx="2052569" cy="526333"/>
-              <a:chOff x="4514213" y="7447791"/>
-              <a:chExt cx="2052569" cy="526333"/>
+              <a:off x="4527861" y="7440502"/>
+              <a:ext cx="2070237" cy="520922"/>
+              <a:chOff x="4514213" y="7440502"/>
+              <a:chExt cx="2070237" cy="520922"/>
             </a:xfrm>
           </p:grpSpPr>
           <p:pic>
@@ -18011,7 +20022,7 @@
             <p:spPr>
               <a:xfrm>
                 <a:off x="4514213" y="7447791"/>
-                <a:ext cx="2052569" cy="505288"/>
+                <a:ext cx="2070237" cy="505288"/>
               </a:xfrm>
               <a:prstGeom prst="rect">
                 <a:avLst/>
@@ -18075,7 +20086,7 @@
             </p:blipFill>
             <p:spPr>
               <a:xfrm>
-                <a:off x="6048251" y="7453202"/>
+                <a:off x="6048251" y="7440502"/>
                 <a:ext cx="514411" cy="520922"/>
               </a:xfrm>
               <a:prstGeom prst="rect">
@@ -18379,7 +20390,1170 @@
 </p:sld>
 </file>
 
-<file path=ppt/slides/slide12.xml><?xml version="1.0" encoding="utf-8"?>
+<file path=ppt/slides/slide13.xml><?xml version="1.0" encoding="utf-8"?>
+<p:sld xmlns:a="http://schemas.openxmlformats.org/drawingml/2006/main" xmlns:r="http://schemas.openxmlformats.org/officeDocument/2006/relationships" xmlns:p="http://schemas.openxmlformats.org/presentationml/2006/main">
+  <p:cSld>
+    <p:spTree>
+      <p:nvGrpSpPr>
+        <p:cNvPr id="1" name="Shape 337"/>
+        <p:cNvGrpSpPr/>
+        <p:nvPr/>
+      </p:nvGrpSpPr>
+      <p:grpSpPr>
+        <a:xfrm>
+          <a:off x="0" y="0"/>
+          <a:ext cx="0" cy="0"/>
+          <a:chOff x="0" y="0"/>
+          <a:chExt cx="0" cy="0"/>
+        </a:xfrm>
+      </p:grpSpPr>
+      <p:sp>
+        <p:nvSpPr>
+          <p:cNvPr id="338" name="Google Shape;338;g21bc3c53028_0_129"/>
+          <p:cNvSpPr/>
+          <p:nvPr/>
+        </p:nvSpPr>
+        <p:spPr>
+          <a:xfrm>
+            <a:off x="0" y="135722"/>
+            <a:ext cx="5400000" cy="720000"/>
+          </a:xfrm>
+          <a:prstGeom prst="homePlate">
+            <a:avLst>
+              <a:gd name="adj" fmla="val 50000"/>
+            </a:avLst>
+          </a:prstGeom>
+          <a:solidFill>
+            <a:schemeClr val="dk1"/>
+          </a:solidFill>
+          <a:ln>
+            <a:noFill/>
+          </a:ln>
+        </p:spPr>
+        <p:txBody>
+          <a:bodyPr spcFirstLastPara="1" wrap="square" lIns="91425" tIns="45700" rIns="91425" bIns="45700" anchor="ctr" anchorCtr="0">
+            <a:noAutofit/>
+          </a:bodyPr>
+          <a:lstStyle/>
+          <a:p>
+            <a:pPr marL="0" marR="0" lvl="0" indent="0" algn="ctr" rtl="0">
+              <a:spcBef>
+                <a:spcPts val="0"/>
+              </a:spcBef>
+              <a:spcAft>
+                <a:spcPts val="0"/>
+              </a:spcAft>
+              <a:buNone/>
+            </a:pPr>
+            <a:r>
+              <a:rPr lang="en-US" sz="4800" i="1">
+                <a:solidFill>
+                  <a:schemeClr val="lt1"/>
+                </a:solidFill>
+                <a:latin typeface="Arial"/>
+                <a:ea typeface="Arial"/>
+                <a:cs typeface="Arial"/>
+                <a:sym typeface="Arial"/>
+              </a:rPr>
+              <a:t>GAMEPLAY</a:t>
+            </a:r>
+            <a:endParaRPr sz="4800" i="1">
+              <a:solidFill>
+                <a:schemeClr val="lt1"/>
+              </a:solidFill>
+              <a:latin typeface="Arial"/>
+              <a:ea typeface="Arial"/>
+              <a:cs typeface="Arial"/>
+              <a:sym typeface="Arial"/>
+            </a:endParaRPr>
+          </a:p>
+        </p:txBody>
+      </p:sp>
+      <p:sp>
+        <p:nvSpPr>
+          <p:cNvPr id="26" name="Google Shape;300;g21bc3c53028_0_41">
+            <a:extLst>
+              <a:ext uri="{FF2B5EF4-FFF2-40B4-BE49-F238E27FC236}">
+                <a16:creationId xmlns:a16="http://schemas.microsoft.com/office/drawing/2014/main" id="{837E0CEF-FD2A-4FF3-B2E4-8BACB82CE0AD}"/>
+              </a:ext>
+            </a:extLst>
+          </p:cNvPr>
+          <p:cNvSpPr txBox="1"/>
+          <p:nvPr/>
+        </p:nvSpPr>
+        <p:spPr>
+          <a:xfrm>
+            <a:off x="379915" y="918697"/>
+            <a:ext cx="6119400" cy="2807716"/>
+          </a:xfrm>
+          <a:prstGeom prst="rect">
+            <a:avLst/>
+          </a:prstGeom>
+          <a:noFill/>
+          <a:ln>
+            <a:noFill/>
+          </a:ln>
+        </p:spPr>
+        <p:txBody>
+          <a:bodyPr spcFirstLastPara="1" wrap="square" lIns="91425" tIns="45700" rIns="91425" bIns="45700" anchor="t" anchorCtr="0">
+            <a:spAutoFit/>
+          </a:bodyPr>
+          <a:lstStyle/>
+          <a:p>
+            <a:pPr marL="0" marR="0" lvl="0" indent="0" algn="just" rtl="0">
+              <a:lnSpc>
+                <a:spcPct val="107000"/>
+              </a:lnSpc>
+              <a:spcBef>
+                <a:spcPts val="0"/>
+              </a:spcBef>
+              <a:spcAft>
+                <a:spcPts val="0"/>
+              </a:spcAft>
+              <a:buNone/>
+            </a:pPr>
+            <a:r>
+              <a:rPr lang="en-US" sz="1600" b="1" dirty="0">
+                <a:solidFill>
+                  <a:schemeClr val="dk1"/>
+                </a:solidFill>
+                <a:latin typeface="Arial"/>
+                <a:ea typeface="Arial"/>
+                <a:cs typeface="Arial"/>
+                <a:sym typeface="Arial"/>
+              </a:rPr>
+              <a:t>3.6. </a:t>
+            </a:r>
+            <a:r>
+              <a:rPr lang="en-US" sz="1600" b="1" dirty="0">
+                <a:solidFill>
+                  <a:schemeClr val="dk1"/>
+                </a:solidFill>
+              </a:rPr>
+              <a:t>Defense</a:t>
+            </a:r>
+            <a:endParaRPr sz="1400" dirty="0">
+              <a:solidFill>
+                <a:schemeClr val="dk1"/>
+              </a:solidFill>
+              <a:latin typeface="Arial"/>
+              <a:ea typeface="Arial"/>
+              <a:cs typeface="Arial"/>
+              <a:sym typeface="Arial"/>
+            </a:endParaRPr>
+          </a:p>
+          <a:p>
+            <a:pPr marL="457200" lvl="2" algn="just">
+              <a:spcBef>
+                <a:spcPts val="800"/>
+              </a:spcBef>
+            </a:pPr>
+            <a:r>
+              <a:rPr lang="en-US" b="0" i="0" u="sng" strike="noStrike" cap="none" dirty="0">
+                <a:solidFill>
+                  <a:schemeClr val="dk1"/>
+                </a:solidFill>
+                <a:latin typeface="Arial"/>
+                <a:ea typeface="Arial"/>
+                <a:cs typeface="Arial"/>
+                <a:sym typeface="Arial"/>
+              </a:rPr>
+              <a:t>Blocking</a:t>
+            </a:r>
+            <a:r>
+              <a:rPr lang="en-US" u="sng" dirty="0">
+                <a:solidFill>
+                  <a:schemeClr val="dk1"/>
+                </a:solidFill>
+              </a:rPr>
+              <a:t>:</a:t>
+            </a:r>
+            <a:r>
+              <a:rPr lang="en-US" dirty="0">
+                <a:solidFill>
+                  <a:schemeClr val="dk1"/>
+                </a:solidFill>
+              </a:rPr>
+              <a:t> Characters block when they press the block button, .</a:t>
+            </a:r>
+          </a:p>
+          <a:p>
+            <a:pPr marL="457200" lvl="2" algn="just">
+              <a:spcBef>
+                <a:spcPts val="800"/>
+              </a:spcBef>
+            </a:pPr>
+            <a:r>
+              <a:rPr lang="en-US" dirty="0">
+                <a:solidFill>
+                  <a:schemeClr val="dk1"/>
+                </a:solidFill>
+              </a:rPr>
+              <a:t>This is a Mortal Kombat mechanic, in SF you hold back to block, in this case, we do it this way to not interfere with the direction inputs.</a:t>
+            </a:r>
+          </a:p>
+          <a:p>
+            <a:pPr marL="457200" lvl="2" algn="just">
+              <a:spcBef>
+                <a:spcPts val="800"/>
+              </a:spcBef>
+            </a:pPr>
+            <a:r>
+              <a:rPr lang="en-US" dirty="0">
+                <a:solidFill>
+                  <a:schemeClr val="dk1"/>
+                </a:solidFill>
+              </a:rPr>
+              <a:t>There are two types of blocks, each one covering two types of attacks. Each attack depending on where it hits has a designated height, low, mid, and high.</a:t>
+            </a:r>
+          </a:p>
+          <a:p>
+            <a:pPr marL="457200" lvl="2" algn="just">
+              <a:spcBef>
+                <a:spcPts val="800"/>
+              </a:spcBef>
+            </a:pPr>
+            <a:endParaRPr lang="en-US" dirty="0">
+              <a:solidFill>
+                <a:schemeClr val="dk1"/>
+              </a:solidFill>
+            </a:endParaRPr>
+          </a:p>
+          <a:p>
+            <a:pPr marL="457200" lvl="2" algn="just">
+              <a:spcBef>
+                <a:spcPts val="800"/>
+              </a:spcBef>
+            </a:pPr>
+            <a:r>
+              <a:rPr lang="en-US" b="0" i="0" u="sng" strike="noStrike" cap="none" dirty="0">
+                <a:solidFill>
+                  <a:schemeClr val="dk1"/>
+                </a:solidFill>
+                <a:latin typeface="Arial"/>
+                <a:ea typeface="Arial"/>
+                <a:cs typeface="Arial"/>
+                <a:sym typeface="Arial"/>
+              </a:rPr>
+              <a:t>Standing Blocking</a:t>
+            </a:r>
+            <a:r>
+              <a:rPr lang="en-US" u="sng" dirty="0">
+                <a:solidFill>
+                  <a:schemeClr val="dk1"/>
+                </a:solidFill>
+              </a:rPr>
+              <a:t>:</a:t>
+            </a:r>
+            <a:r>
+              <a:rPr lang="en-US" dirty="0">
+                <a:solidFill>
+                  <a:schemeClr val="dk1"/>
+                </a:solidFill>
+              </a:rPr>
+              <a:t> This is executed by pressing the block button, it blocks high and mid attacks, but not low ones.</a:t>
+            </a:r>
+          </a:p>
+        </p:txBody>
+      </p:sp>
+      <p:grpSp>
+        <p:nvGrpSpPr>
+          <p:cNvPr id="4" name="Grupo 3">
+            <a:extLst>
+              <a:ext uri="{FF2B5EF4-FFF2-40B4-BE49-F238E27FC236}">
+                <a16:creationId xmlns:a16="http://schemas.microsoft.com/office/drawing/2014/main" id="{915E9EC9-6A77-49D6-88A9-985EAE13EEE0}"/>
+              </a:ext>
+            </a:extLst>
+          </p:cNvPr>
+          <p:cNvGrpSpPr/>
+          <p:nvPr/>
+        </p:nvGrpSpPr>
+        <p:grpSpPr>
+          <a:xfrm>
+            <a:off x="2191417" y="3746433"/>
+            <a:ext cx="2481300" cy="1742288"/>
+            <a:chOff x="881229" y="2058877"/>
+            <a:chExt cx="2481300" cy="1742288"/>
+          </a:xfrm>
+        </p:grpSpPr>
+        <p:sp>
+          <p:nvSpPr>
+            <p:cNvPr id="5" name="Google Shape;305;g21bc3c53028_0_41">
+              <a:extLst>
+                <a:ext uri="{FF2B5EF4-FFF2-40B4-BE49-F238E27FC236}">
+                  <a16:creationId xmlns:a16="http://schemas.microsoft.com/office/drawing/2014/main" id="{1A37C679-D0C2-417B-8B89-CD0AE835D7C1}"/>
+                </a:ext>
+              </a:extLst>
+            </p:cNvPr>
+            <p:cNvSpPr/>
+            <p:nvPr/>
+          </p:nvSpPr>
+          <p:spPr>
+            <a:xfrm>
+              <a:off x="881229" y="3558765"/>
+              <a:ext cx="2478300" cy="242400"/>
+            </a:xfrm>
+            <a:prstGeom prst="rect">
+              <a:avLst/>
+            </a:prstGeom>
+            <a:solidFill>
+              <a:schemeClr val="accent2">
+                <a:alpha val="24710"/>
+              </a:schemeClr>
+            </a:solidFill>
+            <a:ln w="38100" cap="flat" cmpd="sng">
+              <a:solidFill>
+                <a:schemeClr val="accent2"/>
+              </a:solidFill>
+              <a:prstDash val="solid"/>
+              <a:miter lim="800000"/>
+              <a:headEnd type="none" w="sm" len="sm"/>
+              <a:tailEnd type="none" w="sm" len="sm"/>
+            </a:ln>
+          </p:spPr>
+          <p:txBody>
+            <a:bodyPr spcFirstLastPara="1" wrap="square" lIns="91425" tIns="45700" rIns="91425" bIns="45700" anchor="ctr" anchorCtr="0">
+              <a:noAutofit/>
+            </a:bodyPr>
+            <a:lstStyle/>
+            <a:p>
+              <a:pPr marL="0" marR="0" lvl="0" indent="0" algn="ctr" rtl="0">
+                <a:spcBef>
+                  <a:spcPts val="0"/>
+                </a:spcBef>
+                <a:spcAft>
+                  <a:spcPts val="0"/>
+                </a:spcAft>
+                <a:buNone/>
+              </a:pPr>
+              <a:endParaRPr sz="1600">
+                <a:solidFill>
+                  <a:schemeClr val="lt1"/>
+                </a:solidFill>
+                <a:latin typeface="Calibri"/>
+                <a:ea typeface="Calibri"/>
+                <a:cs typeface="Calibri"/>
+                <a:sym typeface="Calibri"/>
+              </a:endParaRPr>
+            </a:p>
+          </p:txBody>
+        </p:sp>
+        <p:sp>
+          <p:nvSpPr>
+            <p:cNvPr id="6" name="Google Shape;306;g21bc3c53028_0_41">
+              <a:extLst>
+                <a:ext uri="{FF2B5EF4-FFF2-40B4-BE49-F238E27FC236}">
+                  <a16:creationId xmlns:a16="http://schemas.microsoft.com/office/drawing/2014/main" id="{C89998EB-75DD-4E7F-BEDA-263FF35AB5D4}"/>
+                </a:ext>
+              </a:extLst>
+            </p:cNvPr>
+            <p:cNvSpPr/>
+            <p:nvPr/>
+          </p:nvSpPr>
+          <p:spPr>
+            <a:xfrm>
+              <a:off x="881229" y="2058877"/>
+              <a:ext cx="2481300" cy="1742100"/>
+            </a:xfrm>
+            <a:prstGeom prst="rect">
+              <a:avLst/>
+            </a:prstGeom>
+            <a:noFill/>
+            <a:ln w="38100" cap="flat" cmpd="sng">
+              <a:solidFill>
+                <a:schemeClr val="dk1"/>
+              </a:solidFill>
+              <a:prstDash val="solid"/>
+              <a:miter lim="800000"/>
+              <a:headEnd type="none" w="sm" len="sm"/>
+              <a:tailEnd type="none" w="sm" len="sm"/>
+            </a:ln>
+          </p:spPr>
+          <p:txBody>
+            <a:bodyPr spcFirstLastPara="1" wrap="square" lIns="91425" tIns="45700" rIns="91425" bIns="45700" anchor="ctr" anchorCtr="0">
+              <a:noAutofit/>
+            </a:bodyPr>
+            <a:lstStyle/>
+            <a:p>
+              <a:pPr marL="0" marR="0" lvl="0" indent="0" algn="ctr" rtl="0">
+                <a:spcBef>
+                  <a:spcPts val="0"/>
+                </a:spcBef>
+                <a:spcAft>
+                  <a:spcPts val="0"/>
+                </a:spcAft>
+                <a:buNone/>
+              </a:pPr>
+              <a:endParaRPr sz="1600">
+                <a:solidFill>
+                  <a:schemeClr val="lt1"/>
+                </a:solidFill>
+                <a:latin typeface="Calibri"/>
+                <a:ea typeface="Calibri"/>
+                <a:cs typeface="Calibri"/>
+                <a:sym typeface="Calibri"/>
+              </a:endParaRPr>
+            </a:p>
+          </p:txBody>
+        </p:sp>
+        <p:sp>
+          <p:nvSpPr>
+            <p:cNvPr id="7" name="Google Shape;308;g21bc3c53028_0_41">
+              <a:extLst>
+                <a:ext uri="{FF2B5EF4-FFF2-40B4-BE49-F238E27FC236}">
+                  <a16:creationId xmlns:a16="http://schemas.microsoft.com/office/drawing/2014/main" id="{BDE44417-F301-4FA4-9A88-A2C7A1A9FB85}"/>
+                </a:ext>
+              </a:extLst>
+            </p:cNvPr>
+            <p:cNvSpPr/>
+            <p:nvPr/>
+          </p:nvSpPr>
+          <p:spPr>
+            <a:xfrm>
+              <a:off x="889033" y="2061286"/>
+              <a:ext cx="1229779" cy="306778"/>
+            </a:xfrm>
+            <a:prstGeom prst="rect">
+              <a:avLst/>
+            </a:prstGeom>
+            <a:solidFill>
+              <a:schemeClr val="dk1"/>
+            </a:solidFill>
+            <a:ln>
+              <a:noFill/>
+            </a:ln>
+          </p:spPr>
+          <p:txBody>
+            <a:bodyPr spcFirstLastPara="1" wrap="square" lIns="91425" tIns="45700" rIns="91425" bIns="45700" anchor="ctr" anchorCtr="0">
+              <a:noAutofit/>
+            </a:bodyPr>
+            <a:lstStyle/>
+            <a:p>
+              <a:pPr marL="0" marR="0" lvl="0" indent="0" algn="l" rtl="0">
+                <a:spcBef>
+                  <a:spcPts val="0"/>
+                </a:spcBef>
+                <a:spcAft>
+                  <a:spcPts val="0"/>
+                </a:spcAft>
+                <a:buNone/>
+              </a:pPr>
+              <a:r>
+                <a:rPr lang="en-US" sz="1200" dirty="0">
+                  <a:solidFill>
+                    <a:schemeClr val="lt1"/>
+                  </a:solidFill>
+                  <a:latin typeface="Arial"/>
+                  <a:ea typeface="Arial"/>
+                  <a:cs typeface="Arial"/>
+                  <a:sym typeface="Arial"/>
+                </a:rPr>
+                <a:t>Standing Block</a:t>
+              </a:r>
+            </a:p>
+          </p:txBody>
+        </p:sp>
+        <p:sp>
+          <p:nvSpPr>
+            <p:cNvPr id="8" name="Google Shape;309;g21bc3c53028_0_41">
+              <a:extLst>
+                <a:ext uri="{FF2B5EF4-FFF2-40B4-BE49-F238E27FC236}">
+                  <a16:creationId xmlns:a16="http://schemas.microsoft.com/office/drawing/2014/main" id="{33306D01-9091-4DE5-BF40-4897F2F0EDCB}"/>
+                </a:ext>
+              </a:extLst>
+            </p:cNvPr>
+            <p:cNvSpPr/>
+            <p:nvPr/>
+          </p:nvSpPr>
+          <p:spPr>
+            <a:xfrm rot="10800000" flipH="1">
+              <a:off x="2118811" y="2066994"/>
+              <a:ext cx="360000" cy="311147"/>
+            </a:xfrm>
+            <a:prstGeom prst="triangle">
+              <a:avLst>
+                <a:gd name="adj" fmla="val 0"/>
+              </a:avLst>
+            </a:prstGeom>
+            <a:solidFill>
+              <a:schemeClr val="dk1"/>
+            </a:solidFill>
+            <a:ln>
+              <a:noFill/>
+            </a:ln>
+          </p:spPr>
+          <p:txBody>
+            <a:bodyPr spcFirstLastPara="1" wrap="square" lIns="91425" tIns="45700" rIns="91425" bIns="45700" anchor="ctr" anchorCtr="0">
+              <a:noAutofit/>
+            </a:bodyPr>
+            <a:lstStyle/>
+            <a:p>
+              <a:pPr marL="0" marR="0" lvl="0" indent="0" algn="ctr" rtl="0">
+                <a:spcBef>
+                  <a:spcPts val="0"/>
+                </a:spcBef>
+                <a:spcAft>
+                  <a:spcPts val="0"/>
+                </a:spcAft>
+                <a:buNone/>
+              </a:pPr>
+              <a:endParaRPr sz="1600">
+                <a:solidFill>
+                  <a:schemeClr val="lt1"/>
+                </a:solidFill>
+                <a:latin typeface="Arial"/>
+                <a:ea typeface="Arial"/>
+                <a:cs typeface="Arial"/>
+                <a:sym typeface="Arial"/>
+              </a:endParaRPr>
+            </a:p>
+          </p:txBody>
+        </p:sp>
+      </p:grpSp>
+      <p:sp>
+        <p:nvSpPr>
+          <p:cNvPr id="18" name="CuadroTexto 17">
+            <a:extLst>
+              <a:ext uri="{FF2B5EF4-FFF2-40B4-BE49-F238E27FC236}">
+                <a16:creationId xmlns:a16="http://schemas.microsoft.com/office/drawing/2014/main" id="{2EDCCABC-CA02-41EA-BD02-53B0616010AB}"/>
+              </a:ext>
+            </a:extLst>
+          </p:cNvPr>
+          <p:cNvSpPr txBox="1"/>
+          <p:nvPr/>
+        </p:nvSpPr>
+        <p:spPr>
+          <a:xfrm>
+            <a:off x="379914" y="5499544"/>
+            <a:ext cx="6119399" cy="841256"/>
+          </a:xfrm>
+          <a:prstGeom prst="rect">
+            <a:avLst/>
+          </a:prstGeom>
+          <a:noFill/>
+        </p:spPr>
+        <p:txBody>
+          <a:bodyPr wrap="square">
+            <a:spAutoFit/>
+          </a:bodyPr>
+          <a:lstStyle/>
+          <a:p>
+            <a:pPr marL="457200" lvl="2" algn="just">
+              <a:spcBef>
+                <a:spcPts val="800"/>
+              </a:spcBef>
+            </a:pPr>
+            <a:endParaRPr lang="en-US" b="0" i="0" u="sng" strike="noStrike" cap="none" dirty="0">
+              <a:solidFill>
+                <a:schemeClr val="dk1"/>
+              </a:solidFill>
+              <a:latin typeface="Arial"/>
+              <a:ea typeface="Arial"/>
+              <a:cs typeface="Arial"/>
+              <a:sym typeface="Arial"/>
+            </a:endParaRPr>
+          </a:p>
+          <a:p>
+            <a:pPr marL="457200" lvl="2" algn="just">
+              <a:spcBef>
+                <a:spcPts val="800"/>
+              </a:spcBef>
+            </a:pPr>
+            <a:r>
+              <a:rPr lang="en-US" b="0" i="0" u="sng" strike="noStrike" cap="none" dirty="0">
+                <a:solidFill>
+                  <a:schemeClr val="dk1"/>
+                </a:solidFill>
+                <a:latin typeface="Arial"/>
+                <a:ea typeface="Arial"/>
+                <a:cs typeface="Arial"/>
+                <a:sym typeface="Arial"/>
+              </a:rPr>
+              <a:t>Crouching Blocking</a:t>
+            </a:r>
+            <a:r>
+              <a:rPr lang="en-US" u="sng" dirty="0">
+                <a:solidFill>
+                  <a:schemeClr val="dk1"/>
+                </a:solidFill>
+              </a:rPr>
+              <a:t>:</a:t>
+            </a:r>
+            <a:r>
+              <a:rPr lang="en-US" dirty="0">
+                <a:solidFill>
+                  <a:schemeClr val="dk1"/>
+                </a:solidFill>
+              </a:rPr>
+              <a:t> This is executed by pressing the block button and the down input, it blocks mid and low attacks, but not high ones.</a:t>
+            </a:r>
+          </a:p>
+        </p:txBody>
+      </p:sp>
+      <p:grpSp>
+        <p:nvGrpSpPr>
+          <p:cNvPr id="37" name="Grupo 36">
+            <a:extLst>
+              <a:ext uri="{FF2B5EF4-FFF2-40B4-BE49-F238E27FC236}">
+                <a16:creationId xmlns:a16="http://schemas.microsoft.com/office/drawing/2014/main" id="{5404C04C-AB7D-48DF-9115-5D65172B5D4F}"/>
+              </a:ext>
+            </a:extLst>
+          </p:cNvPr>
+          <p:cNvGrpSpPr/>
+          <p:nvPr/>
+        </p:nvGrpSpPr>
+        <p:grpSpPr>
+          <a:xfrm>
+            <a:off x="2195768" y="6387526"/>
+            <a:ext cx="2481300" cy="1752958"/>
+            <a:chOff x="881229" y="2048207"/>
+            <a:chExt cx="2481300" cy="1752958"/>
+          </a:xfrm>
+        </p:grpSpPr>
+        <p:sp>
+          <p:nvSpPr>
+            <p:cNvPr id="41" name="Google Shape;305;g21bc3c53028_0_41">
+              <a:extLst>
+                <a:ext uri="{FF2B5EF4-FFF2-40B4-BE49-F238E27FC236}">
+                  <a16:creationId xmlns:a16="http://schemas.microsoft.com/office/drawing/2014/main" id="{AD87AF19-912E-4C51-8BE1-81D51A65661C}"/>
+                </a:ext>
+              </a:extLst>
+            </p:cNvPr>
+            <p:cNvSpPr/>
+            <p:nvPr/>
+          </p:nvSpPr>
+          <p:spPr>
+            <a:xfrm>
+              <a:off x="881229" y="3558765"/>
+              <a:ext cx="2478300" cy="242400"/>
+            </a:xfrm>
+            <a:prstGeom prst="rect">
+              <a:avLst/>
+            </a:prstGeom>
+            <a:solidFill>
+              <a:schemeClr val="accent2">
+                <a:alpha val="24710"/>
+              </a:schemeClr>
+            </a:solidFill>
+            <a:ln w="38100" cap="flat" cmpd="sng">
+              <a:solidFill>
+                <a:schemeClr val="accent2"/>
+              </a:solidFill>
+              <a:prstDash val="solid"/>
+              <a:miter lim="800000"/>
+              <a:headEnd type="none" w="sm" len="sm"/>
+              <a:tailEnd type="none" w="sm" len="sm"/>
+            </a:ln>
+          </p:spPr>
+          <p:txBody>
+            <a:bodyPr spcFirstLastPara="1" wrap="square" lIns="91425" tIns="45700" rIns="91425" bIns="45700" anchor="ctr" anchorCtr="0">
+              <a:noAutofit/>
+            </a:bodyPr>
+            <a:lstStyle/>
+            <a:p>
+              <a:pPr marL="0" marR="0" lvl="0" indent="0" algn="ctr" rtl="0">
+                <a:spcBef>
+                  <a:spcPts val="0"/>
+                </a:spcBef>
+                <a:spcAft>
+                  <a:spcPts val="0"/>
+                </a:spcAft>
+                <a:buNone/>
+              </a:pPr>
+              <a:endParaRPr sz="1600">
+                <a:solidFill>
+                  <a:schemeClr val="lt1"/>
+                </a:solidFill>
+                <a:latin typeface="Calibri"/>
+                <a:ea typeface="Calibri"/>
+                <a:cs typeface="Calibri"/>
+                <a:sym typeface="Calibri"/>
+              </a:endParaRPr>
+            </a:p>
+          </p:txBody>
+        </p:sp>
+        <p:sp>
+          <p:nvSpPr>
+            <p:cNvPr id="42" name="Google Shape;306;g21bc3c53028_0_41">
+              <a:extLst>
+                <a:ext uri="{FF2B5EF4-FFF2-40B4-BE49-F238E27FC236}">
+                  <a16:creationId xmlns:a16="http://schemas.microsoft.com/office/drawing/2014/main" id="{4191AF53-33BE-465C-B09B-021F682B5A84}"/>
+                </a:ext>
+              </a:extLst>
+            </p:cNvPr>
+            <p:cNvSpPr/>
+            <p:nvPr/>
+          </p:nvSpPr>
+          <p:spPr>
+            <a:xfrm>
+              <a:off x="881229" y="2058877"/>
+              <a:ext cx="2481300" cy="1742100"/>
+            </a:xfrm>
+            <a:prstGeom prst="rect">
+              <a:avLst/>
+            </a:prstGeom>
+            <a:noFill/>
+            <a:ln w="38100" cap="flat" cmpd="sng">
+              <a:solidFill>
+                <a:schemeClr val="dk1"/>
+              </a:solidFill>
+              <a:prstDash val="solid"/>
+              <a:miter lim="800000"/>
+              <a:headEnd type="none" w="sm" len="sm"/>
+              <a:tailEnd type="none" w="sm" len="sm"/>
+            </a:ln>
+          </p:spPr>
+          <p:txBody>
+            <a:bodyPr spcFirstLastPara="1" wrap="square" lIns="91425" tIns="45700" rIns="91425" bIns="45700" anchor="ctr" anchorCtr="0">
+              <a:noAutofit/>
+            </a:bodyPr>
+            <a:lstStyle/>
+            <a:p>
+              <a:pPr marL="0" marR="0" lvl="0" indent="0" algn="ctr" rtl="0">
+                <a:spcBef>
+                  <a:spcPts val="0"/>
+                </a:spcBef>
+                <a:spcAft>
+                  <a:spcPts val="0"/>
+                </a:spcAft>
+                <a:buNone/>
+              </a:pPr>
+              <a:endParaRPr sz="1600">
+                <a:solidFill>
+                  <a:schemeClr val="lt1"/>
+                </a:solidFill>
+                <a:latin typeface="Calibri"/>
+                <a:ea typeface="Calibri"/>
+                <a:cs typeface="Calibri"/>
+                <a:sym typeface="Calibri"/>
+              </a:endParaRPr>
+            </a:p>
+          </p:txBody>
+        </p:sp>
+        <p:sp>
+          <p:nvSpPr>
+            <p:cNvPr id="43" name="Google Shape;308;g21bc3c53028_0_41">
+              <a:extLst>
+                <a:ext uri="{FF2B5EF4-FFF2-40B4-BE49-F238E27FC236}">
+                  <a16:creationId xmlns:a16="http://schemas.microsoft.com/office/drawing/2014/main" id="{D423DFB9-9277-4B91-83CE-0822334DEA49}"/>
+                </a:ext>
+              </a:extLst>
+            </p:cNvPr>
+            <p:cNvSpPr/>
+            <p:nvPr/>
+          </p:nvSpPr>
+          <p:spPr>
+            <a:xfrm>
+              <a:off x="889033" y="2061286"/>
+              <a:ext cx="1332108" cy="306778"/>
+            </a:xfrm>
+            <a:prstGeom prst="rect">
+              <a:avLst/>
+            </a:prstGeom>
+            <a:solidFill>
+              <a:schemeClr val="dk1"/>
+            </a:solidFill>
+            <a:ln>
+              <a:noFill/>
+            </a:ln>
+          </p:spPr>
+          <p:txBody>
+            <a:bodyPr spcFirstLastPara="1" wrap="square" lIns="91425" tIns="45700" rIns="91425" bIns="45700" anchor="ctr" anchorCtr="0">
+              <a:noAutofit/>
+            </a:bodyPr>
+            <a:lstStyle/>
+            <a:p>
+              <a:pPr marL="0" marR="0" lvl="0" indent="0" algn="l" rtl="0">
+                <a:spcBef>
+                  <a:spcPts val="0"/>
+                </a:spcBef>
+                <a:spcAft>
+                  <a:spcPts val="0"/>
+                </a:spcAft>
+                <a:buNone/>
+              </a:pPr>
+              <a:r>
+                <a:rPr lang="en-US" sz="1200" dirty="0">
+                  <a:solidFill>
+                    <a:schemeClr val="lt1"/>
+                  </a:solidFill>
+                  <a:latin typeface="Arial"/>
+                  <a:ea typeface="Arial"/>
+                  <a:cs typeface="Arial"/>
+                  <a:sym typeface="Arial"/>
+                </a:rPr>
+                <a:t>Crouched Block</a:t>
+              </a:r>
+            </a:p>
+          </p:txBody>
+        </p:sp>
+        <p:sp>
+          <p:nvSpPr>
+            <p:cNvPr id="44" name="Google Shape;309;g21bc3c53028_0_41">
+              <a:extLst>
+                <a:ext uri="{FF2B5EF4-FFF2-40B4-BE49-F238E27FC236}">
+                  <a16:creationId xmlns:a16="http://schemas.microsoft.com/office/drawing/2014/main" id="{24BFA88C-5DA8-4813-BD6A-7C97C1CC468F}"/>
+                </a:ext>
+              </a:extLst>
+            </p:cNvPr>
+            <p:cNvSpPr/>
+            <p:nvPr/>
+          </p:nvSpPr>
+          <p:spPr>
+            <a:xfrm rot="10800000" flipH="1">
+              <a:off x="2221141" y="2048207"/>
+              <a:ext cx="360000" cy="311147"/>
+            </a:xfrm>
+            <a:prstGeom prst="triangle">
+              <a:avLst>
+                <a:gd name="adj" fmla="val 0"/>
+              </a:avLst>
+            </a:prstGeom>
+            <a:solidFill>
+              <a:schemeClr val="dk1"/>
+            </a:solidFill>
+            <a:ln>
+              <a:noFill/>
+            </a:ln>
+          </p:spPr>
+          <p:txBody>
+            <a:bodyPr spcFirstLastPara="1" wrap="square" lIns="91425" tIns="45700" rIns="91425" bIns="45700" anchor="ctr" anchorCtr="0">
+              <a:noAutofit/>
+            </a:bodyPr>
+            <a:lstStyle/>
+            <a:p>
+              <a:pPr marL="0" marR="0" lvl="0" indent="0" algn="ctr" rtl="0">
+                <a:spcBef>
+                  <a:spcPts val="0"/>
+                </a:spcBef>
+                <a:spcAft>
+                  <a:spcPts val="0"/>
+                </a:spcAft>
+                <a:buNone/>
+              </a:pPr>
+              <a:endParaRPr sz="1600">
+                <a:solidFill>
+                  <a:schemeClr val="lt1"/>
+                </a:solidFill>
+                <a:latin typeface="Arial"/>
+                <a:ea typeface="Arial"/>
+                <a:cs typeface="Arial"/>
+                <a:sym typeface="Arial"/>
+              </a:endParaRPr>
+            </a:p>
+          </p:txBody>
+        </p:sp>
+      </p:grpSp>
+      <p:grpSp>
+        <p:nvGrpSpPr>
+          <p:cNvPr id="46" name="Grupo 45">
+            <a:extLst>
+              <a:ext uri="{FF2B5EF4-FFF2-40B4-BE49-F238E27FC236}">
+                <a16:creationId xmlns:a16="http://schemas.microsoft.com/office/drawing/2014/main" id="{7489287F-E3D3-4F04-8D85-BBFC6EB14E8B}"/>
+              </a:ext>
+            </a:extLst>
+          </p:cNvPr>
+          <p:cNvGrpSpPr/>
+          <p:nvPr/>
+        </p:nvGrpSpPr>
+        <p:grpSpPr>
+          <a:xfrm>
+            <a:off x="2626054" y="6888924"/>
+            <a:ext cx="1684128" cy="1056026"/>
+            <a:chOff x="3127509" y="7019958"/>
+            <a:chExt cx="1511040" cy="947493"/>
+          </a:xfrm>
+        </p:grpSpPr>
+        <p:pic>
+          <p:nvPicPr>
+            <p:cNvPr id="45" name="Imagen 44">
+              <a:extLst>
+                <a:ext uri="{FF2B5EF4-FFF2-40B4-BE49-F238E27FC236}">
+                  <a16:creationId xmlns:a16="http://schemas.microsoft.com/office/drawing/2014/main" id="{6393BDD7-0EB8-4EA1-9B96-A7BDD5E97677}"/>
+                </a:ext>
+              </a:extLst>
+            </p:cNvPr>
+            <p:cNvPicPr>
+              <a:picLocks noChangeAspect="1"/>
+            </p:cNvPicPr>
+            <p:nvPr/>
+          </p:nvPicPr>
+          <p:blipFill>
+            <a:blip r:embed="rId3"/>
+            <a:stretch>
+              <a:fillRect/>
+            </a:stretch>
+          </p:blipFill>
+          <p:spPr>
+            <a:xfrm>
+              <a:off x="3127509" y="7339224"/>
+              <a:ext cx="619048" cy="600000"/>
+            </a:xfrm>
+            <a:prstGeom prst="rect">
+              <a:avLst/>
+            </a:prstGeom>
+          </p:spPr>
+        </p:pic>
+        <p:pic>
+          <p:nvPicPr>
+            <p:cNvPr id="48" name="Imagen 47">
+              <a:extLst>
+                <a:ext uri="{FF2B5EF4-FFF2-40B4-BE49-F238E27FC236}">
+                  <a16:creationId xmlns:a16="http://schemas.microsoft.com/office/drawing/2014/main" id="{35E639E8-119E-43C7-A721-6469FDB45DD9}"/>
+                </a:ext>
+              </a:extLst>
+            </p:cNvPr>
+            <p:cNvPicPr>
+              <a:picLocks noChangeAspect="1"/>
+            </p:cNvPicPr>
+            <p:nvPr/>
+          </p:nvPicPr>
+          <p:blipFill>
+            <a:blip r:embed="rId4">
+              <a:duotone>
+                <a:prstClr val="black"/>
+                <a:schemeClr val="accent1">
+                  <a:tint val="45000"/>
+                  <a:satMod val="400000"/>
+                </a:schemeClr>
+              </a:duotone>
+              <a:extLst>
+                <a:ext uri="{BEBA8EAE-BF5A-486C-A8C5-ECC9F3942E4B}">
+                  <a14:imgProps xmlns:a14="http://schemas.microsoft.com/office/drawing/2010/main">
+                    <a14:imgLayer r:embed="rId5">
+                      <a14:imgEffect>
+                        <a14:saturation sat="0"/>
+                      </a14:imgEffect>
+                    </a14:imgLayer>
+                  </a14:imgProps>
+                </a:ext>
+                <a:ext uri="{28A0092B-C50C-407E-A947-70E740481C1C}">
+                  <a14:useLocalDpi xmlns:a14="http://schemas.microsoft.com/office/drawing/2010/main" val="0"/>
+                </a:ext>
+              </a:extLst>
+            </a:blip>
+            <a:stretch>
+              <a:fillRect/>
+            </a:stretch>
+          </p:blipFill>
+          <p:spPr>
+            <a:xfrm flipH="1">
+              <a:off x="3608998" y="7019958"/>
+              <a:ext cx="975360" cy="908423"/>
+            </a:xfrm>
+            <a:prstGeom prst="rect">
+              <a:avLst/>
+            </a:prstGeom>
+          </p:spPr>
+        </p:pic>
+        <p:pic>
+          <p:nvPicPr>
+            <p:cNvPr id="49" name="Imagen 48">
+              <a:extLst>
+                <a:ext uri="{FF2B5EF4-FFF2-40B4-BE49-F238E27FC236}">
+                  <a16:creationId xmlns:a16="http://schemas.microsoft.com/office/drawing/2014/main" id="{130FF4A3-F0C7-4746-A8BB-6D35FBCC1D36}"/>
+                </a:ext>
+              </a:extLst>
+            </p:cNvPr>
+            <p:cNvPicPr>
+              <a:picLocks noChangeAspect="1"/>
+            </p:cNvPicPr>
+            <p:nvPr/>
+          </p:nvPicPr>
+          <p:blipFill>
+            <a:blip r:embed="rId6">
+              <a:duotone>
+                <a:prstClr val="black"/>
+                <a:schemeClr val="accent2">
+                  <a:tint val="45000"/>
+                  <a:satMod val="400000"/>
+                </a:schemeClr>
+              </a:duotone>
+              <a:extLst>
+                <a:ext uri="{BEBA8EAE-BF5A-486C-A8C5-ECC9F3942E4B}">
+                  <a14:imgProps xmlns:a14="http://schemas.microsoft.com/office/drawing/2010/main">
+                    <a14:imgLayer r:embed="rId7">
+                      <a14:imgEffect>
+                        <a14:saturation sat="0"/>
+                      </a14:imgEffect>
+                    </a14:imgLayer>
+                  </a14:imgProps>
+                </a:ext>
+                <a:ext uri="{28A0092B-C50C-407E-A947-70E740481C1C}">
+                  <a14:useLocalDpi xmlns:a14="http://schemas.microsoft.com/office/drawing/2010/main" val="0"/>
+                </a:ext>
+              </a:extLst>
+            </a:blip>
+            <a:stretch>
+              <a:fillRect/>
+            </a:stretch>
+          </p:blipFill>
+          <p:spPr>
+            <a:xfrm flipH="1">
+              <a:off x="3663189" y="7385813"/>
+              <a:ext cx="975360" cy="581638"/>
+            </a:xfrm>
+            <a:prstGeom prst="rect">
+              <a:avLst/>
+            </a:prstGeom>
+          </p:spPr>
+        </p:pic>
+      </p:grpSp>
+      <p:grpSp>
+        <p:nvGrpSpPr>
+          <p:cNvPr id="50" name="Grupo 49">
+            <a:extLst>
+              <a:ext uri="{FF2B5EF4-FFF2-40B4-BE49-F238E27FC236}">
+                <a16:creationId xmlns:a16="http://schemas.microsoft.com/office/drawing/2014/main" id="{3C38EE4F-404B-45FC-B6CD-0D8C6E6619DE}"/>
+              </a:ext>
+            </a:extLst>
+          </p:cNvPr>
+          <p:cNvGrpSpPr/>
+          <p:nvPr/>
+        </p:nvGrpSpPr>
+        <p:grpSpPr>
+          <a:xfrm>
+            <a:off x="2687176" y="3934938"/>
+            <a:ext cx="1494102" cy="1321461"/>
+            <a:chOff x="3113899" y="3934938"/>
+            <a:chExt cx="1494102" cy="1321461"/>
+          </a:xfrm>
+        </p:grpSpPr>
+        <p:pic>
+          <p:nvPicPr>
+            <p:cNvPr id="17" name="Imagen 16">
+              <a:extLst>
+                <a:ext uri="{FF2B5EF4-FFF2-40B4-BE49-F238E27FC236}">
+                  <a16:creationId xmlns:a16="http://schemas.microsoft.com/office/drawing/2014/main" id="{A03AE627-23D0-4476-BBA8-2114AAF6F025}"/>
+                </a:ext>
+              </a:extLst>
+            </p:cNvPr>
+            <p:cNvPicPr>
+              <a:picLocks noChangeAspect="1"/>
+            </p:cNvPicPr>
+            <p:nvPr/>
+          </p:nvPicPr>
+          <p:blipFill>
+            <a:blip r:embed="rId8"/>
+            <a:stretch>
+              <a:fillRect/>
+            </a:stretch>
+          </p:blipFill>
+          <p:spPr>
+            <a:xfrm>
+              <a:off x="3113899" y="4380160"/>
+              <a:ext cx="647619" cy="866667"/>
+            </a:xfrm>
+            <a:prstGeom prst="rect">
+              <a:avLst/>
+            </a:prstGeom>
+          </p:spPr>
+        </p:pic>
+        <p:pic>
+          <p:nvPicPr>
+            <p:cNvPr id="51" name="Imagen 50">
+              <a:extLst>
+                <a:ext uri="{FF2B5EF4-FFF2-40B4-BE49-F238E27FC236}">
+                  <a16:creationId xmlns:a16="http://schemas.microsoft.com/office/drawing/2014/main" id="{85A26654-3FA8-431F-977F-B392EAF680D0}"/>
+                </a:ext>
+              </a:extLst>
+            </p:cNvPr>
+            <p:cNvPicPr>
+              <a:picLocks noChangeAspect="1"/>
+            </p:cNvPicPr>
+            <p:nvPr/>
+          </p:nvPicPr>
+          <p:blipFill>
+            <a:blip r:embed="rId9">
+              <a:duotone>
+                <a:prstClr val="black"/>
+                <a:schemeClr val="accent4">
+                  <a:tint val="45000"/>
+                  <a:satMod val="400000"/>
+                </a:schemeClr>
+              </a:duotone>
+            </a:blip>
+            <a:stretch>
+              <a:fillRect/>
+            </a:stretch>
+          </p:blipFill>
+          <p:spPr>
+            <a:xfrm flipH="1">
+              <a:off x="3493715" y="3934938"/>
+              <a:ext cx="1114286" cy="647619"/>
+            </a:xfrm>
+            <a:prstGeom prst="rect">
+              <a:avLst/>
+            </a:prstGeom>
+          </p:spPr>
+        </p:pic>
+        <p:pic>
+          <p:nvPicPr>
+            <p:cNvPr id="47" name="Imagen 46">
+              <a:extLst>
+                <a:ext uri="{FF2B5EF4-FFF2-40B4-BE49-F238E27FC236}">
+                  <a16:creationId xmlns:a16="http://schemas.microsoft.com/office/drawing/2014/main" id="{474203A1-E0D2-4244-BCB5-EDE7C5C13D49}"/>
+                </a:ext>
+              </a:extLst>
+            </p:cNvPr>
+            <p:cNvPicPr>
+              <a:picLocks noChangeAspect="1"/>
+            </p:cNvPicPr>
+            <p:nvPr/>
+          </p:nvPicPr>
+          <p:blipFill>
+            <a:blip r:embed="rId4">
+              <a:duotone>
+                <a:prstClr val="black"/>
+                <a:schemeClr val="accent1">
+                  <a:tint val="45000"/>
+                  <a:satMod val="400000"/>
+                </a:schemeClr>
+              </a:duotone>
+              <a:extLst>
+                <a:ext uri="{BEBA8EAE-BF5A-486C-A8C5-ECC9F3942E4B}">
+                  <a14:imgProps xmlns:a14="http://schemas.microsoft.com/office/drawing/2010/main">
+                    <a14:imgLayer r:embed="rId5">
+                      <a14:imgEffect>
+                        <a14:saturation sat="0"/>
+                      </a14:imgEffect>
+                    </a14:imgLayer>
+                  </a14:imgProps>
+                </a:ext>
+                <a:ext uri="{28A0092B-C50C-407E-A947-70E740481C1C}">
+                  <a14:useLocalDpi xmlns:a14="http://schemas.microsoft.com/office/drawing/2010/main" val="0"/>
+                </a:ext>
+              </a:extLst>
+            </a:blip>
+            <a:stretch>
+              <a:fillRect/>
+            </a:stretch>
+          </p:blipFill>
+          <p:spPr>
+            <a:xfrm flipH="1">
+              <a:off x="3535680" y="4347976"/>
+              <a:ext cx="975360" cy="908423"/>
+            </a:xfrm>
+            <a:prstGeom prst="rect">
+              <a:avLst/>
+            </a:prstGeom>
+          </p:spPr>
+        </p:pic>
+      </p:grpSp>
+    </p:spTree>
+    <p:extLst>
+      <p:ext uri="{BB962C8B-B14F-4D97-AF65-F5344CB8AC3E}">
+        <p14:creationId xmlns:p14="http://schemas.microsoft.com/office/powerpoint/2010/main" val="2321414615"/>
+      </p:ext>
+    </p:extLst>
+  </p:cSld>
+  <p:clrMapOvr>
+    <a:masterClrMapping/>
+  </p:clrMapOvr>
+</p:sld>
+</file>
+
+<file path=ppt/slides/slide14.xml><?xml version="1.0" encoding="utf-8"?>
 <p:sld xmlns:a="http://schemas.openxmlformats.org/drawingml/2006/main" xmlns:r="http://schemas.openxmlformats.org/officeDocument/2006/relationships" xmlns:p="http://schemas.openxmlformats.org/presentationml/2006/main">
   <p:cSld>
     <p:spTree>
@@ -19567,45 +22741,24 @@
       </p:sp>
       <p:grpSp>
         <p:nvGrpSpPr>
-          <p:cNvPr id="111" name="Google Shape;111;p4"/>
+          <p:cNvPr id="5" name="Grupo 4">
+            <a:extLst>
+              <a:ext uri="{FF2B5EF4-FFF2-40B4-BE49-F238E27FC236}">
+                <a16:creationId xmlns:a16="http://schemas.microsoft.com/office/drawing/2014/main" id="{65949C2D-381B-4EEE-BF15-CCF49EE2C2C6}"/>
+              </a:ext>
+            </a:extLst>
+          </p:cNvPr>
           <p:cNvGrpSpPr/>
           <p:nvPr/>
         </p:nvGrpSpPr>
         <p:grpSpPr>
           <a:xfrm>
-            <a:off x="501549" y="2323181"/>
-            <a:ext cx="6356451" cy="2062063"/>
-            <a:chOff x="379629" y="2323181"/>
-            <a:chExt cx="6356451" cy="2062063"/>
+            <a:off x="158649" y="2323181"/>
+            <a:ext cx="6553398" cy="2053381"/>
+            <a:chOff x="158649" y="2323181"/>
+            <a:chExt cx="6553398" cy="2053381"/>
           </a:xfrm>
         </p:grpSpPr>
-        <p:pic>
-          <p:nvPicPr>
-            <p:cNvPr id="112" name="Google Shape;112;p4" descr="Street Fighter II: se cumplen 30 años del juego de lucha más influyente de  la historia | Computer Hoy"/>
-            <p:cNvPicPr preferRelativeResize="0"/>
-            <p:nvPr/>
-          </p:nvPicPr>
-          <p:blipFill rotWithShape="1">
-            <a:blip r:embed="rId3">
-              <a:alphaModFix/>
-            </a:blip>
-            <a:srcRect/>
-            <a:stretch/>
-          </p:blipFill>
-          <p:spPr>
-            <a:xfrm>
-              <a:off x="379633" y="2335337"/>
-              <a:ext cx="3628841" cy="2041225"/>
-            </a:xfrm>
-            <a:prstGeom prst="rect">
-              <a:avLst/>
-            </a:prstGeom>
-            <a:noFill/>
-            <a:ln>
-              <a:noFill/>
-            </a:ln>
-          </p:spPr>
-        </p:pic>
         <p:sp>
           <p:nvSpPr>
             <p:cNvPr id="113" name="Google Shape;113;p4"/>
@@ -19614,8 +22767,8 @@
           </p:nvSpPr>
           <p:spPr>
             <a:xfrm>
-              <a:off x="4008469" y="2323181"/>
-              <a:ext cx="2727611" cy="2062063"/>
+              <a:off x="3838289" y="2323181"/>
+              <a:ext cx="2873758" cy="1892785"/>
             </a:xfrm>
             <a:prstGeom prst="rect">
               <a:avLst/>
@@ -19631,7 +22784,7 @@
             </a:bodyPr>
             <a:lstStyle/>
             <a:p>
-              <a:pPr marL="285750" marR="0" lvl="0" indent="-285750" algn="just" rtl="0">
+              <a:pPr marL="285750" marR="0" lvl="0" indent="-285750" rtl="0">
                 <a:spcBef>
                   <a:spcPts val="0"/>
                 </a:spcBef>
@@ -19646,7 +22799,7 @@
                 <a:buChar char="⮚"/>
               </a:pPr>
               <a:r>
-                <a:rPr lang="en-US" sz="1600" b="0" i="0" u="none" strike="noStrike" cap="none" dirty="0">
+                <a:rPr lang="en-US" sz="1300" b="0" i="0" u="none" strike="noStrike" cap="none" dirty="0">
                   <a:solidFill>
                     <a:schemeClr val="dk1"/>
                   </a:solidFill>
@@ -19655,12 +22808,24 @@
                   <a:cs typeface="Arial"/>
                   <a:sym typeface="Arial"/>
                 </a:rPr>
-                <a:t>Six Button Attacks</a:t>
+                <a:t>Six Button Attacks </a:t>
               </a:r>
-              <a:endParaRPr dirty="0"/>
+              <a:r>
+                <a:rPr lang="en-US" sz="1300" b="0" i="0" u="none" strike="noStrike" cap="none" dirty="0">
+                  <a:solidFill>
+                    <a:schemeClr val="dk1"/>
+                  </a:solidFill>
+                  <a:latin typeface="Arial"/>
+                  <a:ea typeface="Arial"/>
+                  <a:cs typeface="Arial"/>
+                  <a:sym typeface="Wingdings 2" panose="05020102010507070707" pitchFamily="18" charset="2"/>
+                </a:rPr>
+                <a:t></a:t>
+              </a:r>
+              <a:endParaRPr sz="1300" dirty="0"/>
             </a:p>
             <a:p>
-              <a:pPr marL="285750" marR="0" lvl="0" indent="-285750" algn="just" rtl="0">
+              <a:pPr marL="285750" marR="0" lvl="0" indent="-285750" rtl="0">
                 <a:spcBef>
                   <a:spcPts val="0"/>
                 </a:spcBef>
@@ -19675,7 +22840,7 @@
                 <a:buChar char="⮚"/>
               </a:pPr>
               <a:r>
-                <a:rPr lang="en-US" sz="1600" b="0" i="0" u="none" strike="noStrike" cap="none" dirty="0">
+                <a:rPr lang="en-US" sz="1300" b="0" i="0" u="none" strike="noStrike" cap="none" dirty="0">
                   <a:solidFill>
                     <a:schemeClr val="dk1"/>
                   </a:solidFill>
@@ -19684,9 +22849,21 @@
                   <a:cs typeface="Arial"/>
                   <a:sym typeface="Arial"/>
                 </a:rPr>
-                <a:t>Command Normal</a:t>
+                <a:t>Command Normal </a:t>
               </a:r>
-              <a:endParaRPr sz="1600" b="0" i="0" u="none" strike="noStrike" cap="none" dirty="0">
+              <a:r>
+                <a:rPr lang="en-US" sz="1300" b="0" i="0" u="none" strike="noStrike" cap="none" dirty="0">
+                  <a:solidFill>
+                    <a:schemeClr val="dk1"/>
+                  </a:solidFill>
+                  <a:latin typeface="Arial"/>
+                  <a:ea typeface="Arial"/>
+                  <a:cs typeface="Arial"/>
+                  <a:sym typeface="Wingdings 2" panose="05020102010507070707" pitchFamily="18" charset="2"/>
+                </a:rPr>
+                <a:t></a:t>
+              </a:r>
+              <a:endParaRPr sz="1300" b="0" i="0" u="none" strike="noStrike" cap="none" dirty="0">
                 <a:solidFill>
                   <a:schemeClr val="dk1"/>
                 </a:solidFill>
@@ -19697,7 +22874,7 @@
               </a:endParaRPr>
             </a:p>
             <a:p>
-              <a:pPr marL="285750" marR="0" lvl="0" indent="-285750" algn="just" rtl="0">
+              <a:pPr marL="285750" marR="0" lvl="0" indent="-285750" rtl="0">
                 <a:spcBef>
                   <a:spcPts val="0"/>
                 </a:spcBef>
@@ -19712,7 +22889,7 @@
                 <a:buChar char="⮚"/>
               </a:pPr>
               <a:r>
-                <a:rPr lang="en-US" sz="1600" b="0" i="0" u="none" strike="noStrike" cap="none" dirty="0">
+                <a:rPr lang="en-US" sz="1300" b="0" i="0" u="none" strike="noStrike" cap="none" dirty="0">
                   <a:solidFill>
                     <a:schemeClr val="dk1"/>
                   </a:solidFill>
@@ -19721,7 +22898,147 @@
                   <a:cs typeface="Arial"/>
                   <a:sym typeface="Arial"/>
                 </a:rPr>
-                <a:t>Command Inputs</a:t>
+                <a:t>Command Inputs </a:t>
+              </a:r>
+              <a:r>
+                <a:rPr lang="en-US" sz="1300" b="0" i="0" u="none" strike="noStrike" cap="none" dirty="0">
+                  <a:solidFill>
+                    <a:schemeClr val="dk1"/>
+                  </a:solidFill>
+                  <a:latin typeface="Arial"/>
+                  <a:ea typeface="Arial"/>
+                  <a:cs typeface="Arial"/>
+                  <a:sym typeface="Wingdings 2" panose="05020102010507070707" pitchFamily="18" charset="2"/>
+                </a:rPr>
+                <a:t></a:t>
+              </a:r>
+              <a:endParaRPr lang="en-US" sz="1300" b="0" i="0" u="none" strike="noStrike" cap="none" dirty="0">
+                <a:solidFill>
+                  <a:schemeClr val="dk1"/>
+                </a:solidFill>
+                <a:latin typeface="Arial"/>
+                <a:ea typeface="Arial"/>
+                <a:cs typeface="Arial"/>
+                <a:sym typeface="Arial"/>
+              </a:endParaRPr>
+            </a:p>
+            <a:p>
+              <a:pPr marL="285750" marR="0" lvl="0" indent="-285750" rtl="0">
+                <a:spcBef>
+                  <a:spcPts val="0"/>
+                </a:spcBef>
+                <a:spcAft>
+                  <a:spcPts val="0"/>
+                </a:spcAft>
+                <a:buClr>
+                  <a:schemeClr val="dk1"/>
+                </a:buClr>
+                <a:buSzPts val="1600"/>
+                <a:buFont typeface="Noto Sans Symbols"/>
+                <a:buChar char="⮚"/>
+              </a:pPr>
+              <a:r>
+                <a:rPr lang="en-US" sz="1300" dirty="0">
+                  <a:solidFill>
+                    <a:schemeClr val="dk1"/>
+                  </a:solidFill>
+                </a:rPr>
+                <a:t>Special Button Variation</a:t>
+              </a:r>
+              <a:endParaRPr sz="1300" b="0" i="0" u="none" strike="noStrike" cap="none" dirty="0">
+                <a:solidFill>
+                  <a:schemeClr val="dk1"/>
+                </a:solidFill>
+                <a:latin typeface="Arial"/>
+                <a:ea typeface="Arial"/>
+                <a:cs typeface="Arial"/>
+                <a:sym typeface="Arial"/>
+              </a:endParaRPr>
+            </a:p>
+            <a:p>
+              <a:pPr marL="285750" marR="0" lvl="0" indent="-285750" rtl="0">
+                <a:spcBef>
+                  <a:spcPts val="0"/>
+                </a:spcBef>
+                <a:spcAft>
+                  <a:spcPts val="0"/>
+                </a:spcAft>
+                <a:buClr>
+                  <a:schemeClr val="dk1"/>
+                </a:buClr>
+                <a:buSzPts val="1600"/>
+                <a:buFont typeface="Noto Sans Symbols"/>
+                <a:buChar char="⮚"/>
+              </a:pPr>
+              <a:r>
+                <a:rPr lang="en-US" sz="1300" b="0" i="0" u="none" strike="noStrike" cap="none" dirty="0">
+                  <a:solidFill>
+                    <a:schemeClr val="dk1"/>
+                  </a:solidFill>
+                  <a:latin typeface="Arial"/>
+                  <a:ea typeface="Arial"/>
+                  <a:cs typeface="Arial"/>
+                  <a:sym typeface="Arial"/>
+                </a:rPr>
+                <a:t>Special Cancel</a:t>
+              </a:r>
+              <a:endParaRPr sz="1300" dirty="0"/>
+            </a:p>
+            <a:p>
+              <a:pPr marL="285750" marR="0" lvl="0" indent="-285750" rtl="0">
+                <a:spcBef>
+                  <a:spcPts val="0"/>
+                </a:spcBef>
+                <a:spcAft>
+                  <a:spcPts val="0"/>
+                </a:spcAft>
+                <a:buClr>
+                  <a:schemeClr val="dk1"/>
+                </a:buClr>
+                <a:buSzPts val="1600"/>
+                <a:buFont typeface="Noto Sans Symbols"/>
+                <a:buChar char="⮚"/>
+              </a:pPr>
+              <a:r>
+                <a:rPr lang="en-US" sz="1300" b="0" i="0" u="none" strike="noStrike" cap="none" dirty="0">
+                  <a:solidFill>
+                    <a:schemeClr val="dk1"/>
+                  </a:solidFill>
+                  <a:latin typeface="Arial"/>
+                  <a:ea typeface="Arial"/>
+                  <a:cs typeface="Arial"/>
+                  <a:sym typeface="Arial"/>
+                </a:rPr>
+                <a:t>Super and Meter</a:t>
+              </a:r>
+              <a:endParaRPr sz="1300" dirty="0"/>
+            </a:p>
+            <a:p>
+              <a:pPr marL="285750" marR="0" lvl="0" indent="-285750" rtl="0">
+                <a:spcBef>
+                  <a:spcPts val="0"/>
+                </a:spcBef>
+                <a:spcAft>
+                  <a:spcPts val="0"/>
+                </a:spcAft>
+                <a:buClr>
+                  <a:schemeClr val="dk1"/>
+                </a:buClr>
+                <a:buSzPts val="1600"/>
+                <a:buFont typeface="Noto Sans Symbols"/>
+                <a:buChar char="⮚"/>
+              </a:pPr>
+              <a:r>
+                <a:rPr lang="en-US" sz="1300" b="0" i="0" u="none" strike="noStrike" cap="none" dirty="0">
+                  <a:solidFill>
+                    <a:schemeClr val="dk1"/>
+                  </a:solidFill>
+                  <a:latin typeface="Arial"/>
+                  <a:ea typeface="Arial"/>
+                  <a:cs typeface="Arial"/>
+                  <a:sym typeface="Arial"/>
+                </a:rPr>
+                <a:t>Standing and Crouching Block </a:t>
               </a:r>
             </a:p>
             <a:p>
@@ -19740,25 +23057,21 @@
                 <a:buChar char="⮚"/>
               </a:pPr>
               <a:r>
-                <a:rPr lang="en-US" sz="1600" dirty="0">
+                <a:rPr lang="en-US" sz="1300" b="0" i="0" u="none" strike="noStrike" cap="none" dirty="0">
                   <a:solidFill>
                     <a:schemeClr val="dk1"/>
                   </a:solidFill>
+                  <a:latin typeface="Arial"/>
+                  <a:ea typeface="Arial"/>
+                  <a:cs typeface="Arial"/>
+                  <a:sym typeface="Arial"/>
                 </a:rPr>
-                <a:t>Special Button Variation</a:t>
+                <a:t>Stun, Blockstun and Knockback</a:t>
               </a:r>
-              <a:endParaRPr sz="1600" b="0" i="0" u="none" strike="noStrike" cap="none" dirty="0">
-                <a:solidFill>
-                  <a:schemeClr val="dk1"/>
-                </a:solidFill>
-                <a:latin typeface="Arial"/>
-                <a:ea typeface="Arial"/>
-                <a:cs typeface="Arial"/>
-                <a:sym typeface="Arial"/>
-              </a:endParaRPr>
+              <a:endParaRPr sz="1300" dirty="0"/>
             </a:p>
             <a:p>
-              <a:pPr marL="285750" marR="0" lvl="0" indent="-285750" algn="just" rtl="0">
+              <a:pPr marL="285750" marR="0" lvl="0" indent="-285750" rtl="0">
                 <a:spcBef>
                   <a:spcPts val="0"/>
                 </a:spcBef>
@@ -19773,94 +23086,7 @@
                 <a:buChar char="⮚"/>
               </a:pPr>
               <a:r>
-                <a:rPr lang="en-US" sz="1600" b="0" i="0" u="none" strike="noStrike" cap="none" dirty="0">
-                  <a:solidFill>
-                    <a:schemeClr val="dk1"/>
-                  </a:solidFill>
-                  <a:latin typeface="Arial"/>
-                  <a:ea typeface="Arial"/>
-                  <a:cs typeface="Arial"/>
-                  <a:sym typeface="Arial"/>
-                </a:rPr>
-                <a:t>Special Cancel</a:t>
-              </a:r>
-              <a:endParaRPr dirty="0"/>
-            </a:p>
-            <a:p>
-              <a:pPr marL="285750" marR="0" lvl="0" indent="-285750" algn="just" rtl="0">
-                <a:spcBef>
-                  <a:spcPts val="0"/>
-                </a:spcBef>
-                <a:spcAft>
-                  <a:spcPts val="0"/>
-                </a:spcAft>
-                <a:buClr>
-                  <a:schemeClr val="dk1"/>
-                </a:buClr>
-                <a:buSzPts val="1600"/>
-                <a:buFont typeface="Noto Sans Symbols"/>
-                <a:buChar char="⮚"/>
-              </a:pPr>
-              <a:r>
-                <a:rPr lang="en-US" sz="1600" b="0" i="0" u="none" strike="noStrike" cap="none" dirty="0">
-                  <a:solidFill>
-                    <a:schemeClr val="dk1"/>
-                  </a:solidFill>
-                  <a:latin typeface="Arial"/>
-                  <a:ea typeface="Arial"/>
-                  <a:cs typeface="Arial"/>
-                  <a:sym typeface="Arial"/>
-                </a:rPr>
-                <a:t>Super and Meter</a:t>
-              </a:r>
-              <a:endParaRPr dirty="0"/>
-            </a:p>
-            <a:p>
-              <a:pPr marL="285750" marR="0" lvl="0" indent="-285750" algn="just" rtl="0">
-                <a:spcBef>
-                  <a:spcPts val="0"/>
-                </a:spcBef>
-                <a:spcAft>
-                  <a:spcPts val="0"/>
-                </a:spcAft>
-                <a:buClr>
-                  <a:schemeClr val="dk1"/>
-                </a:buClr>
-                <a:buSzPts val="1600"/>
-                <a:buFont typeface="Noto Sans Symbols"/>
-                <a:buChar char="⮚"/>
-              </a:pPr>
-              <a:r>
-                <a:rPr lang="en-US" sz="1600" b="0" i="0" u="none" strike="noStrike" cap="none" dirty="0">
-                  <a:solidFill>
-                    <a:schemeClr val="dk1"/>
-                  </a:solidFill>
-                  <a:latin typeface="Arial"/>
-                  <a:ea typeface="Arial"/>
-                  <a:cs typeface="Arial"/>
-                  <a:sym typeface="Arial"/>
-                </a:rPr>
-                <a:t>Block and Stun</a:t>
-              </a:r>
-              <a:endParaRPr dirty="0"/>
-            </a:p>
-            <a:p>
-              <a:pPr marL="285750" marR="0" lvl="0" indent="-285750" algn="just" rtl="0">
-                <a:spcBef>
-                  <a:spcPts val="0"/>
-                </a:spcBef>
-                <a:spcAft>
-                  <a:spcPts val="0"/>
-                </a:spcAft>
-                <a:buClr>
-                  <a:schemeClr val="dk1"/>
-                </a:buClr>
-                <a:buSzPts val="1600"/>
-                <a:buFont typeface="Noto Sans Symbols"/>
-                <a:buChar char="⮚"/>
-              </a:pPr>
-              <a:r>
-                <a:rPr lang="en-US" sz="1600" b="0" i="0" u="none" strike="noStrike" cap="none" dirty="0">
+                <a:rPr lang="en-US" sz="1300" b="0" i="0" u="none" strike="noStrike" cap="none" dirty="0">
                   <a:solidFill>
                     <a:schemeClr val="dk1"/>
                   </a:solidFill>
@@ -19871,7 +23097,7 @@
                 </a:rPr>
                 <a:t>Throws</a:t>
               </a:r>
-              <a:endParaRPr sz="1600" b="0" i="0" u="none" strike="noStrike" cap="none" dirty="0">
+              <a:endParaRPr sz="1300" b="0" i="0" u="none" strike="noStrike" cap="none" dirty="0">
                 <a:solidFill>
                   <a:schemeClr val="dk1"/>
                 </a:solidFill>
@@ -19883,153 +23109,76 @@
             </a:p>
           </p:txBody>
         </p:sp>
-        <p:sp>
-          <p:nvSpPr>
-            <p:cNvPr id="114" name="Google Shape;114;p4"/>
-            <p:cNvSpPr/>
-            <p:nvPr/>
-          </p:nvSpPr>
-          <p:spPr>
-            <a:xfrm>
-              <a:off x="379631" y="2335336"/>
-              <a:ext cx="3628841" cy="2041225"/>
-            </a:xfrm>
-            <a:prstGeom prst="rect">
-              <a:avLst/>
-            </a:prstGeom>
-            <a:noFill/>
-            <a:ln w="38100" cap="flat" cmpd="sng">
-              <a:solidFill>
-                <a:schemeClr val="dk1"/>
-              </a:solidFill>
-              <a:prstDash val="solid"/>
-              <a:miter lim="800000"/>
-              <a:headEnd type="none" w="sm" len="sm"/>
-              <a:tailEnd type="none" w="sm" len="sm"/>
-            </a:ln>
-          </p:spPr>
-          <p:txBody>
-            <a:bodyPr spcFirstLastPara="1" wrap="square" lIns="91425" tIns="45700" rIns="91425" bIns="45700" anchor="ctr" anchorCtr="0">
-              <a:noAutofit/>
-            </a:bodyPr>
-            <a:lstStyle/>
-            <a:p>
-              <a:pPr marL="0" marR="0" lvl="0" indent="0" algn="ctr" rtl="0">
-                <a:spcBef>
-                  <a:spcPts val="0"/>
-                </a:spcBef>
-                <a:spcAft>
-                  <a:spcPts val="0"/>
-                </a:spcAft>
-                <a:buNone/>
-              </a:pPr>
-              <a:endParaRPr sz="1800" b="0" i="0" u="none" strike="noStrike" cap="none" dirty="0">
-                <a:solidFill>
-                  <a:schemeClr val="lt1"/>
-                </a:solidFill>
-                <a:latin typeface="Calibri"/>
-                <a:ea typeface="Calibri"/>
-                <a:cs typeface="Calibri"/>
-                <a:sym typeface="Calibri"/>
-              </a:endParaRPr>
-            </a:p>
-          </p:txBody>
-        </p:sp>
         <p:grpSp>
           <p:nvGrpSpPr>
-            <p:cNvPr id="115" name="Google Shape;115;p4"/>
+            <p:cNvPr id="3" name="Grupo 2">
+              <a:extLst>
+                <a:ext uri="{FF2B5EF4-FFF2-40B4-BE49-F238E27FC236}">
+                  <a16:creationId xmlns:a16="http://schemas.microsoft.com/office/drawing/2014/main" id="{53D54821-D10D-4944-897B-F4F718240B39}"/>
+                </a:ext>
+              </a:extLst>
+            </p:cNvPr>
             <p:cNvGrpSpPr/>
             <p:nvPr/>
           </p:nvGrpSpPr>
           <p:grpSpPr>
             <a:xfrm>
-              <a:off x="379629" y="4016561"/>
-              <a:ext cx="2336835" cy="360000"/>
-              <a:chOff x="379629" y="4148914"/>
-              <a:chExt cx="2336835" cy="360000"/>
+              <a:off x="158649" y="2335336"/>
+              <a:ext cx="3628845" cy="2041226"/>
+              <a:chOff x="260249" y="2335336"/>
+              <a:chExt cx="3628845" cy="2041226"/>
             </a:xfrm>
           </p:grpSpPr>
+          <p:pic>
+            <p:nvPicPr>
+              <p:cNvPr id="112" name="Google Shape;112;p4" descr="Street Fighter II: se cumplen 30 años del juego de lucha más influyente de  la historia | Computer Hoy"/>
+              <p:cNvPicPr preferRelativeResize="0"/>
+              <p:nvPr/>
+            </p:nvPicPr>
+            <p:blipFill rotWithShape="1">
+              <a:blip r:embed="rId3">
+                <a:alphaModFix/>
+              </a:blip>
+              <a:srcRect/>
+              <a:stretch/>
+            </p:blipFill>
+            <p:spPr>
+              <a:xfrm>
+                <a:off x="260253" y="2335337"/>
+                <a:ext cx="3628841" cy="2041225"/>
+              </a:xfrm>
+              <a:prstGeom prst="rect">
+                <a:avLst/>
+              </a:prstGeom>
+              <a:noFill/>
+              <a:ln>
+                <a:noFill/>
+              </a:ln>
+            </p:spPr>
+          </p:pic>
           <p:sp>
             <p:nvSpPr>
-              <p:cNvPr id="116" name="Google Shape;116;p4"/>
+              <p:cNvPr id="114" name="Google Shape;114;p4"/>
               <p:cNvSpPr/>
               <p:nvPr/>
             </p:nvSpPr>
             <p:spPr>
               <a:xfrm>
-                <a:off x="379629" y="4148914"/>
-                <a:ext cx="1803978" cy="360000"/>
+                <a:off x="260251" y="2335336"/>
+                <a:ext cx="3628841" cy="2041225"/>
               </a:xfrm>
               <a:prstGeom prst="rect">
                 <a:avLst/>
               </a:prstGeom>
-              <a:solidFill>
-                <a:schemeClr val="dk1"/>
-              </a:solidFill>
-              <a:ln>
-                <a:noFill/>
-              </a:ln>
-            </p:spPr>
-            <p:txBody>
-              <a:bodyPr spcFirstLastPara="1" wrap="square" lIns="91425" tIns="45700" rIns="91425" bIns="45700" anchor="ctr" anchorCtr="0">
-                <a:noAutofit/>
-              </a:bodyPr>
-              <a:lstStyle/>
-              <a:p>
-                <a:pPr marL="0" marR="0" lvl="0" indent="0" algn="l" rtl="0">
-                  <a:spcBef>
-                    <a:spcPts val="0"/>
-                  </a:spcBef>
-                  <a:spcAft>
-                    <a:spcPts val="0"/>
-                  </a:spcAft>
-                  <a:buNone/>
-                </a:pPr>
-                <a:r>
-                  <a:rPr lang="en-US" sz="1800" b="0" i="0" u="none" strike="noStrike" cap="none" dirty="0">
-                    <a:solidFill>
-                      <a:schemeClr val="lt1"/>
-                    </a:solidFill>
-                    <a:latin typeface="Arial"/>
-                    <a:ea typeface="Arial"/>
-                    <a:cs typeface="Arial"/>
-                    <a:sym typeface="Arial"/>
-                  </a:rPr>
-                  <a:t>Street Fighter II</a:t>
-                </a:r>
-                <a:endParaRPr sz="1800" dirty="0">
-                  <a:solidFill>
-                    <a:schemeClr val="lt1"/>
-                  </a:solidFill>
-                  <a:latin typeface="Arial"/>
-                  <a:ea typeface="Arial"/>
-                  <a:cs typeface="Arial"/>
-                  <a:sym typeface="Arial"/>
-                </a:endParaRPr>
-              </a:p>
-            </p:txBody>
-          </p:sp>
-          <p:sp>
-            <p:nvSpPr>
-              <p:cNvPr id="117" name="Google Shape;117;p4"/>
-              <p:cNvSpPr/>
-              <p:nvPr/>
-            </p:nvSpPr>
-            <p:spPr>
-              <a:xfrm>
-                <a:off x="2176464" y="4148914"/>
-                <a:ext cx="540000" cy="360000"/>
-              </a:xfrm>
-              <a:prstGeom prst="triangle">
-                <a:avLst>
-                  <a:gd name="adj" fmla="val 0"/>
-                </a:avLst>
-              </a:prstGeom>
-              <a:solidFill>
-                <a:schemeClr val="dk1"/>
-              </a:solidFill>
-              <a:ln>
-                <a:noFill/>
+              <a:noFill/>
+              <a:ln w="38100" cap="flat" cmpd="sng">
+                <a:solidFill>
+                  <a:schemeClr val="dk1"/>
+                </a:solidFill>
+                <a:prstDash val="solid"/>
+                <a:miter lim="800000"/>
+                <a:headEnd type="none" w="sm" len="sm"/>
+                <a:tailEnd type="none" w="sm" len="sm"/>
               </a:ln>
             </p:spPr>
             <p:txBody>
@@ -20047,26 +23196,269 @@
                   </a:spcAft>
                   <a:buNone/>
                 </a:pPr>
-                <a:endParaRPr sz="1800" dirty="0">
+                <a:endParaRPr sz="1800" b="0" i="0" u="none" strike="noStrike" cap="none" dirty="0">
                   <a:solidFill>
                     <a:schemeClr val="lt1"/>
                   </a:solidFill>
-                  <a:latin typeface="Arial"/>
-                  <a:ea typeface="Arial"/>
-                  <a:cs typeface="Arial"/>
-                  <a:sym typeface="Arial"/>
+                  <a:latin typeface="Calibri"/>
+                  <a:ea typeface="Calibri"/>
+                  <a:cs typeface="Calibri"/>
+                  <a:sym typeface="Calibri"/>
                 </a:endParaRPr>
               </a:p>
             </p:txBody>
           </p:sp>
+          <p:grpSp>
+            <p:nvGrpSpPr>
+              <p:cNvPr id="115" name="Google Shape;115;p4"/>
+              <p:cNvGrpSpPr/>
+              <p:nvPr/>
+            </p:nvGrpSpPr>
+            <p:grpSpPr>
+              <a:xfrm>
+                <a:off x="260249" y="4016561"/>
+                <a:ext cx="2336835" cy="360000"/>
+                <a:chOff x="379629" y="4148914"/>
+                <a:chExt cx="2336835" cy="360000"/>
+              </a:xfrm>
+            </p:grpSpPr>
+            <p:sp>
+              <p:nvSpPr>
+                <p:cNvPr id="116" name="Google Shape;116;p4"/>
+                <p:cNvSpPr/>
+                <p:nvPr/>
+              </p:nvSpPr>
+              <p:spPr>
+                <a:xfrm>
+                  <a:off x="379629" y="4148914"/>
+                  <a:ext cx="1803978" cy="360000"/>
+                </a:xfrm>
+                <a:prstGeom prst="rect">
+                  <a:avLst/>
+                </a:prstGeom>
+                <a:solidFill>
+                  <a:schemeClr val="dk1"/>
+                </a:solidFill>
+                <a:ln>
+                  <a:noFill/>
+                </a:ln>
+              </p:spPr>
+              <p:txBody>
+                <a:bodyPr spcFirstLastPara="1" wrap="square" lIns="91425" tIns="45700" rIns="91425" bIns="45700" anchor="ctr" anchorCtr="0">
+                  <a:noAutofit/>
+                </a:bodyPr>
+                <a:lstStyle/>
+                <a:p>
+                  <a:pPr marL="0" marR="0" lvl="0" indent="0" algn="l" rtl="0">
+                    <a:spcBef>
+                      <a:spcPts val="0"/>
+                    </a:spcBef>
+                    <a:spcAft>
+                      <a:spcPts val="0"/>
+                    </a:spcAft>
+                    <a:buNone/>
+                  </a:pPr>
+                  <a:r>
+                    <a:rPr lang="en-US" sz="1800" b="0" i="0" u="none" strike="noStrike" cap="none" dirty="0">
+                      <a:solidFill>
+                        <a:schemeClr val="lt1"/>
+                      </a:solidFill>
+                      <a:latin typeface="Arial"/>
+                      <a:ea typeface="Arial"/>
+                      <a:cs typeface="Arial"/>
+                      <a:sym typeface="Arial"/>
+                    </a:rPr>
+                    <a:t>Street Fighter II</a:t>
+                  </a:r>
+                  <a:endParaRPr sz="1800" dirty="0">
+                    <a:solidFill>
+                      <a:schemeClr val="lt1"/>
+                    </a:solidFill>
+                    <a:latin typeface="Arial"/>
+                    <a:ea typeface="Arial"/>
+                    <a:cs typeface="Arial"/>
+                    <a:sym typeface="Arial"/>
+                  </a:endParaRPr>
+                </a:p>
+              </p:txBody>
+            </p:sp>
+            <p:sp>
+              <p:nvSpPr>
+                <p:cNvPr id="117" name="Google Shape;117;p4"/>
+                <p:cNvSpPr/>
+                <p:nvPr/>
+              </p:nvSpPr>
+              <p:spPr>
+                <a:xfrm>
+                  <a:off x="2176464" y="4148914"/>
+                  <a:ext cx="540000" cy="360000"/>
+                </a:xfrm>
+                <a:prstGeom prst="triangle">
+                  <a:avLst>
+                    <a:gd name="adj" fmla="val 0"/>
+                  </a:avLst>
+                </a:prstGeom>
+                <a:solidFill>
+                  <a:schemeClr val="dk1"/>
+                </a:solidFill>
+                <a:ln>
+                  <a:noFill/>
+                </a:ln>
+              </p:spPr>
+              <p:txBody>
+                <a:bodyPr spcFirstLastPara="1" wrap="square" lIns="91425" tIns="45700" rIns="91425" bIns="45700" anchor="ctr" anchorCtr="0">
+                  <a:noAutofit/>
+                </a:bodyPr>
+                <a:lstStyle/>
+                <a:p>
+                  <a:pPr marL="0" marR="0" lvl="0" indent="0" algn="ctr" rtl="0">
+                    <a:spcBef>
+                      <a:spcPts val="0"/>
+                    </a:spcBef>
+                    <a:spcAft>
+                      <a:spcPts val="0"/>
+                    </a:spcAft>
+                    <a:buNone/>
+                  </a:pPr>
+                  <a:endParaRPr sz="1800" dirty="0">
+                    <a:solidFill>
+                      <a:schemeClr val="lt1"/>
+                    </a:solidFill>
+                    <a:latin typeface="Arial"/>
+                    <a:ea typeface="Arial"/>
+                    <a:cs typeface="Arial"/>
+                    <a:sym typeface="Arial"/>
+                  </a:endParaRPr>
+                </a:p>
+              </p:txBody>
+            </p:sp>
+          </p:grpSp>
         </p:grpSp>
       </p:grpSp>
+      <p:sp>
+        <p:nvSpPr>
+          <p:cNvPr id="29" name="Google Shape;113;p4">
+            <a:extLst>
+              <a:ext uri="{FF2B5EF4-FFF2-40B4-BE49-F238E27FC236}">
+                <a16:creationId xmlns:a16="http://schemas.microsoft.com/office/drawing/2014/main" id="{569F5DD9-22FA-4E82-9ED4-91CEF01BDE56}"/>
+              </a:ext>
+            </a:extLst>
+          </p:cNvPr>
+          <p:cNvSpPr txBox="1"/>
+          <p:nvPr/>
+        </p:nvSpPr>
+        <p:spPr>
+          <a:xfrm>
+            <a:off x="3838289" y="4520281"/>
+            <a:ext cx="2873758" cy="692457"/>
+          </a:xfrm>
+          <a:prstGeom prst="rect">
+            <a:avLst/>
+          </a:prstGeom>
+          <a:noFill/>
+          <a:ln>
+            <a:noFill/>
+          </a:ln>
+        </p:spPr>
+        <p:txBody>
+          <a:bodyPr spcFirstLastPara="1" wrap="square" lIns="91425" tIns="45700" rIns="91425" bIns="45700" anchor="t" anchorCtr="0">
+            <a:spAutoFit/>
+          </a:bodyPr>
+          <a:lstStyle/>
+          <a:p>
+            <a:pPr marL="285750" marR="0" lvl="0" indent="-285750" algn="just" rtl="0">
+              <a:spcBef>
+                <a:spcPts val="0"/>
+              </a:spcBef>
+              <a:spcAft>
+                <a:spcPts val="0"/>
+              </a:spcAft>
+              <a:buClr>
+                <a:schemeClr val="dk1"/>
+              </a:buClr>
+              <a:buSzPts val="1600"/>
+              <a:buFont typeface="Noto Sans Symbols"/>
+              <a:buChar char="⮚"/>
+            </a:pPr>
+            <a:r>
+              <a:rPr lang="en-US" sz="1300" dirty="0">
+                <a:solidFill>
+                  <a:schemeClr val="dk1"/>
+                </a:solidFill>
+                <a:latin typeface="Arial"/>
+                <a:ea typeface="Arial"/>
+                <a:cs typeface="Arial"/>
+                <a:sym typeface="Arial"/>
+              </a:rPr>
+              <a:t>Alpha Counter</a:t>
+            </a:r>
+            <a:endParaRPr lang="en-US" sz="1300" dirty="0"/>
+          </a:p>
+          <a:p>
+            <a:pPr marL="285750" marR="0" lvl="0" indent="-285750" algn="just" rtl="0">
+              <a:spcBef>
+                <a:spcPts val="0"/>
+              </a:spcBef>
+              <a:spcAft>
+                <a:spcPts val="0"/>
+              </a:spcAft>
+              <a:buClr>
+                <a:schemeClr val="dk1"/>
+              </a:buClr>
+              <a:buSzPts val="1600"/>
+              <a:buFont typeface="Noto Sans Symbols"/>
+              <a:buChar char="⮚"/>
+            </a:pPr>
+            <a:r>
+              <a:rPr lang="en-US" sz="1300" dirty="0">
+                <a:solidFill>
+                  <a:schemeClr val="dk1"/>
+                </a:solidFill>
+                <a:latin typeface="Arial"/>
+                <a:ea typeface="Arial"/>
+                <a:cs typeface="Arial"/>
+                <a:sym typeface="Arial"/>
+              </a:rPr>
+              <a:t>Throw Tech</a:t>
+            </a:r>
+            <a:endParaRPr lang="en-US" sz="1300" dirty="0"/>
+          </a:p>
+          <a:p>
+            <a:pPr marL="285750" marR="0" lvl="0" indent="-285750" algn="just" rtl="0">
+              <a:spcBef>
+                <a:spcPts val="0"/>
+              </a:spcBef>
+              <a:spcAft>
+                <a:spcPts val="0"/>
+              </a:spcAft>
+              <a:buClr>
+                <a:schemeClr val="dk1"/>
+              </a:buClr>
+              <a:buSzPts val="1600"/>
+              <a:buFont typeface="Noto Sans Symbols"/>
+              <a:buChar char="⮚"/>
+            </a:pPr>
+            <a:r>
+              <a:rPr lang="en-US" sz="1300" dirty="0">
+                <a:solidFill>
+                  <a:schemeClr val="dk1"/>
+                </a:solidFill>
+                <a:latin typeface="Arial"/>
+                <a:ea typeface="Arial"/>
+                <a:cs typeface="Arial"/>
+                <a:sym typeface="Arial"/>
+              </a:rPr>
+              <a:t>Quick Stand Tech</a:t>
+            </a:r>
+          </a:p>
+        </p:txBody>
+      </p:sp>
       <p:grpSp>
         <p:nvGrpSpPr>
-          <p:cNvPr id="2" name="Grupo 1">
+          <p:cNvPr id="6" name="Grupo 5">
             <a:extLst>
               <a:ext uri="{FF2B5EF4-FFF2-40B4-BE49-F238E27FC236}">
-                <a16:creationId xmlns:a16="http://schemas.microsoft.com/office/drawing/2014/main" id="{4F6C09E2-71A1-4BF7-9D57-1C41A2653C44}"/>
+                <a16:creationId xmlns:a16="http://schemas.microsoft.com/office/drawing/2014/main" id="{9E76A742-78A5-4D11-B0CC-BC335BBBED30}"/>
               </a:ext>
             </a:extLst>
           </p:cNvPr>
@@ -20075,15 +23467,21 @@
         </p:nvGrpSpPr>
         <p:grpSpPr>
           <a:xfrm>
-            <a:off x="501712" y="4526812"/>
-            <a:ext cx="5862512" cy="2053380"/>
-            <a:chOff x="501712" y="4502748"/>
-            <a:chExt cx="5862512" cy="2053380"/>
+            <a:off x="158649" y="4521118"/>
+            <a:ext cx="3628844" cy="2041227"/>
+            <a:chOff x="158814" y="4519894"/>
+            <a:chExt cx="3628844" cy="2041227"/>
           </a:xfrm>
         </p:grpSpPr>
         <p:pic>
           <p:nvPicPr>
-            <p:cNvPr id="108" name="Google Shape;108;p4"/>
+            <p:cNvPr id="36" name="Google Shape;108;p4">
+              <a:extLst>
+                <a:ext uri="{FF2B5EF4-FFF2-40B4-BE49-F238E27FC236}">
+                  <a16:creationId xmlns:a16="http://schemas.microsoft.com/office/drawing/2014/main" id="{68725C4B-6B23-4E1E-8C8E-7916525E9671}"/>
+                </a:ext>
+              </a:extLst>
+            </p:cNvPr>
             <p:cNvPicPr preferRelativeResize="0"/>
             <p:nvPr/>
           </p:nvPicPr>
@@ -20096,7 +23494,7 @@
           </p:blipFill>
           <p:spPr>
             <a:xfrm>
-              <a:off x="522089" y="4514901"/>
+              <a:off x="179191" y="4519894"/>
               <a:ext cx="3608301" cy="2019089"/>
             </a:xfrm>
             <a:prstGeom prst="rect">
@@ -20110,134 +23508,19 @@
         </p:pic>
         <p:sp>
           <p:nvSpPr>
-            <p:cNvPr id="118" name="Google Shape;118;p4"/>
-            <p:cNvSpPr txBox="1"/>
-            <p:nvPr/>
-          </p:nvSpPr>
-          <p:spPr>
-            <a:xfrm>
-              <a:off x="4130554" y="4502748"/>
-              <a:ext cx="2233670" cy="830956"/>
-            </a:xfrm>
-            <a:prstGeom prst="rect">
-              <a:avLst/>
-            </a:prstGeom>
-            <a:noFill/>
-            <a:ln>
-              <a:noFill/>
-            </a:ln>
-          </p:spPr>
-          <p:txBody>
-            <a:bodyPr spcFirstLastPara="1" wrap="square" lIns="91425" tIns="45700" rIns="91425" bIns="45700" anchor="t" anchorCtr="0">
-              <a:spAutoFit/>
-            </a:bodyPr>
-            <a:lstStyle/>
-            <a:p>
-              <a:pPr marL="285750" marR="0" lvl="0" indent="-285750" algn="just" rtl="0">
-                <a:spcBef>
-                  <a:spcPts val="0"/>
-                </a:spcBef>
-                <a:spcAft>
-                  <a:spcPts val="0"/>
-                </a:spcAft>
-                <a:buClr>
-                  <a:schemeClr val="dk1"/>
-                </a:buClr>
-                <a:buSzPts val="1600"/>
-                <a:buFont typeface="Noto Sans Symbols"/>
-                <a:buChar char="⮚"/>
-              </a:pPr>
-              <a:r>
-                <a:rPr lang="en-US" sz="1600" dirty="0">
-                  <a:solidFill>
-                    <a:schemeClr val="dk1"/>
-                  </a:solidFill>
-                  <a:latin typeface="Arial"/>
-                  <a:ea typeface="Arial"/>
-                  <a:cs typeface="Arial"/>
-                  <a:sym typeface="Arial"/>
-                </a:rPr>
-                <a:t>Alpha Counter</a:t>
-              </a:r>
-              <a:endParaRPr dirty="0"/>
-            </a:p>
-            <a:p>
-              <a:pPr marL="285750" marR="0" lvl="0" indent="-285750" algn="just" rtl="0">
-                <a:spcBef>
-                  <a:spcPts val="0"/>
-                </a:spcBef>
-                <a:spcAft>
-                  <a:spcPts val="0"/>
-                </a:spcAft>
-                <a:buClr>
-                  <a:schemeClr val="dk1"/>
-                </a:buClr>
-                <a:buSzPts val="1600"/>
-                <a:buFont typeface="Noto Sans Symbols"/>
-                <a:buChar char="⮚"/>
-              </a:pPr>
-              <a:r>
-                <a:rPr lang="en-US" sz="1600" dirty="0">
-                  <a:solidFill>
-                    <a:schemeClr val="dk1"/>
-                  </a:solidFill>
-                  <a:latin typeface="Arial"/>
-                  <a:ea typeface="Arial"/>
-                  <a:cs typeface="Arial"/>
-                  <a:sym typeface="Arial"/>
-                </a:rPr>
-                <a:t>Throw Tech</a:t>
-              </a:r>
-              <a:endParaRPr dirty="0"/>
-            </a:p>
-            <a:p>
-              <a:pPr marL="285750" marR="0" lvl="0" indent="-285750" algn="just" rtl="0">
-                <a:spcBef>
-                  <a:spcPts val="0"/>
-                </a:spcBef>
-                <a:spcAft>
-                  <a:spcPts val="0"/>
-                </a:spcAft>
-                <a:buClr>
-                  <a:schemeClr val="dk1"/>
-                </a:buClr>
-                <a:buSzPts val="1600"/>
-                <a:buFont typeface="Noto Sans Symbols"/>
-                <a:buChar char="⮚"/>
-              </a:pPr>
-              <a:r>
-                <a:rPr lang="en-US" sz="1600" dirty="0">
-                  <a:solidFill>
-                    <a:schemeClr val="dk1"/>
-                  </a:solidFill>
-                  <a:latin typeface="Arial"/>
-                  <a:ea typeface="Arial"/>
-                  <a:cs typeface="Arial"/>
-                  <a:sym typeface="Arial"/>
-                </a:rPr>
-                <a:t>Quick Stand Tech</a:t>
-              </a:r>
-              <a:endParaRPr sz="1600" dirty="0">
-                <a:solidFill>
-                  <a:schemeClr val="dk1"/>
-                </a:solidFill>
-                <a:latin typeface="Arial"/>
-                <a:ea typeface="Arial"/>
-                <a:cs typeface="Arial"/>
-                <a:sym typeface="Arial"/>
-              </a:endParaRPr>
-            </a:p>
-          </p:txBody>
-        </p:sp>
-        <p:sp>
-          <p:nvSpPr>
-            <p:cNvPr id="119" name="Google Shape;119;p4"/>
+            <p:cNvPr id="37" name="Google Shape;119;p4">
+              <a:extLst>
+                <a:ext uri="{FF2B5EF4-FFF2-40B4-BE49-F238E27FC236}">
+                  <a16:creationId xmlns:a16="http://schemas.microsoft.com/office/drawing/2014/main" id="{EE3FF205-7512-4416-B308-E8D3DE4F3B45}"/>
+                </a:ext>
+              </a:extLst>
+            </p:cNvPr>
             <p:cNvSpPr/>
             <p:nvPr/>
           </p:nvSpPr>
           <p:spPr>
             <a:xfrm>
-              <a:off x="501715" y="4514903"/>
+              <a:off x="158817" y="4519896"/>
               <a:ext cx="3628841" cy="2041225"/>
             </a:xfrm>
             <a:prstGeom prst="rect">
@@ -20283,13 +23566,19 @@
         </p:sp>
         <p:grpSp>
           <p:nvGrpSpPr>
-            <p:cNvPr id="120" name="Google Shape;120;p4"/>
+            <p:cNvPr id="38" name="Google Shape;120;p4">
+              <a:extLst>
+                <a:ext uri="{FF2B5EF4-FFF2-40B4-BE49-F238E27FC236}">
+                  <a16:creationId xmlns:a16="http://schemas.microsoft.com/office/drawing/2014/main" id="{54A64510-751B-480C-A149-D8EB714693D7}"/>
+                </a:ext>
+              </a:extLst>
+            </p:cNvPr>
             <p:cNvGrpSpPr/>
             <p:nvPr/>
           </p:nvGrpSpPr>
           <p:grpSpPr>
             <a:xfrm>
-              <a:off x="501712" y="6196128"/>
+              <a:off x="158814" y="6201121"/>
               <a:ext cx="2671759" cy="360000"/>
               <a:chOff x="379628" y="4148914"/>
               <a:chExt cx="2671759" cy="360000"/>
@@ -20297,7 +23586,13 @@
           </p:grpSpPr>
           <p:sp>
             <p:nvSpPr>
-              <p:cNvPr id="121" name="Google Shape;121;p4"/>
+              <p:cNvPr id="39" name="Google Shape;121;p4">
+                <a:extLst>
+                  <a:ext uri="{FF2B5EF4-FFF2-40B4-BE49-F238E27FC236}">
+                    <a16:creationId xmlns:a16="http://schemas.microsoft.com/office/drawing/2014/main" id="{55F0C438-B3CE-46A8-B5AD-9CCA1314C603}"/>
+                  </a:ext>
+                </a:extLst>
+              </p:cNvPr>
               <p:cNvSpPr/>
               <p:nvPr/>
             </p:nvSpPr>
@@ -20357,7 +23652,13 @@
           </p:sp>
           <p:sp>
             <p:nvSpPr>
-              <p:cNvPr id="122" name="Google Shape;122;p4"/>
+              <p:cNvPr id="40" name="Google Shape;122;p4">
+                <a:extLst>
+                  <a:ext uri="{FF2B5EF4-FFF2-40B4-BE49-F238E27FC236}">
+                    <a16:creationId xmlns:a16="http://schemas.microsoft.com/office/drawing/2014/main" id="{BE1E02F1-2271-4E84-B428-45438660450C}"/>
+                  </a:ext>
+                </a:extLst>
+              </p:cNvPr>
               <p:cNvSpPr/>
               <p:nvPr/>
             </p:nvSpPr>
@@ -20409,21 +23710,33 @@
       </p:grpSp>
       <p:grpSp>
         <p:nvGrpSpPr>
-          <p:cNvPr id="123" name="Google Shape;123;p4"/>
+          <p:cNvPr id="7" name="Grupo 6">
+            <a:extLst>
+              <a:ext uri="{FF2B5EF4-FFF2-40B4-BE49-F238E27FC236}">
+                <a16:creationId xmlns:a16="http://schemas.microsoft.com/office/drawing/2014/main" id="{773340FD-1E43-48CE-8969-8B62DACFC6F7}"/>
+              </a:ext>
+            </a:extLst>
+          </p:cNvPr>
           <p:cNvGrpSpPr/>
           <p:nvPr/>
         </p:nvGrpSpPr>
         <p:grpSpPr>
           <a:xfrm>
-            <a:off x="501549" y="6725633"/>
-            <a:ext cx="5862805" cy="2053380"/>
-            <a:chOff x="501549" y="4502748"/>
-            <a:chExt cx="5862805" cy="2053380"/>
+            <a:off x="158651" y="6706562"/>
+            <a:ext cx="3629007" cy="2053380"/>
+            <a:chOff x="158651" y="6706562"/>
+            <a:chExt cx="3629007" cy="2053380"/>
           </a:xfrm>
         </p:grpSpPr>
         <p:pic>
           <p:nvPicPr>
-            <p:cNvPr id="124" name="Google Shape;124;p4"/>
+            <p:cNvPr id="41" name="Google Shape;124;p4">
+              <a:extLst>
+                <a:ext uri="{FF2B5EF4-FFF2-40B4-BE49-F238E27FC236}">
+                  <a16:creationId xmlns:a16="http://schemas.microsoft.com/office/drawing/2014/main" id="{1755BBFC-BFFC-47E8-8954-2AFC9622AD41}"/>
+                </a:ext>
+              </a:extLst>
+            </p:cNvPr>
             <p:cNvPicPr preferRelativeResize="0"/>
             <p:nvPr/>
           </p:nvPicPr>
@@ -20436,7 +23749,7 @@
           </p:blipFill>
           <p:spPr>
             <a:xfrm>
-              <a:off x="501549" y="4502748"/>
+              <a:off x="158651" y="6706562"/>
               <a:ext cx="3628841" cy="2041225"/>
             </a:xfrm>
             <a:prstGeom prst="rect">
@@ -20450,134 +23763,19 @@
         </p:pic>
         <p:sp>
           <p:nvSpPr>
-            <p:cNvPr id="125" name="Google Shape;125;p4"/>
-            <p:cNvSpPr txBox="1"/>
-            <p:nvPr/>
-          </p:nvSpPr>
-          <p:spPr>
-            <a:xfrm>
-              <a:off x="4130554" y="4502748"/>
-              <a:ext cx="2233800" cy="830956"/>
-            </a:xfrm>
-            <a:prstGeom prst="rect">
-              <a:avLst/>
-            </a:prstGeom>
-            <a:noFill/>
-            <a:ln>
-              <a:noFill/>
-            </a:ln>
-          </p:spPr>
-          <p:txBody>
-            <a:bodyPr spcFirstLastPara="1" wrap="square" lIns="91425" tIns="45700" rIns="91425" bIns="45700" anchor="t" anchorCtr="0">
-              <a:spAutoFit/>
-            </a:bodyPr>
-            <a:lstStyle/>
-            <a:p>
-              <a:pPr marL="285750" marR="0" lvl="0" indent="-285750" algn="just" rtl="0">
-                <a:spcBef>
-                  <a:spcPts val="0"/>
-                </a:spcBef>
-                <a:spcAft>
-                  <a:spcPts val="0"/>
-                </a:spcAft>
-                <a:buClr>
-                  <a:schemeClr val="dk1"/>
-                </a:buClr>
-                <a:buSzPts val="1600"/>
-                <a:buFont typeface="Noto Sans Symbols"/>
-                <a:buChar char="⮚"/>
-              </a:pPr>
-              <a:r>
-                <a:rPr lang="en-US" sz="1600" dirty="0">
-                  <a:solidFill>
-                    <a:schemeClr val="dk1"/>
-                  </a:solidFill>
-                </a:rPr>
-                <a:t>Dash</a:t>
-              </a:r>
-              <a:endParaRPr sz="1600" dirty="0">
-                <a:solidFill>
-                  <a:schemeClr val="dk1"/>
-                </a:solidFill>
-              </a:endParaRPr>
-            </a:p>
-            <a:p>
-              <a:pPr marL="285750" marR="0" lvl="0" indent="-285750" algn="just" rtl="0">
-                <a:spcBef>
-                  <a:spcPts val="0"/>
-                </a:spcBef>
-                <a:spcAft>
-                  <a:spcPts val="0"/>
-                </a:spcAft>
-                <a:buClr>
-                  <a:schemeClr val="dk1"/>
-                </a:buClr>
-                <a:buSzPts val="1600"/>
-                <a:buFont typeface="Noto Sans Symbols"/>
-                <a:buChar char="⮚"/>
-              </a:pPr>
-              <a:r>
-                <a:rPr lang="en-US" sz="1600" dirty="0">
-                  <a:solidFill>
-                    <a:schemeClr val="dk1"/>
-                  </a:solidFill>
-                  <a:latin typeface="Arial"/>
-                  <a:ea typeface="Arial"/>
-                  <a:cs typeface="Arial"/>
-                  <a:sym typeface="Arial"/>
-                </a:rPr>
-                <a:t>EX Moves</a:t>
-              </a:r>
-              <a:endParaRPr dirty="0"/>
-            </a:p>
-            <a:p>
-              <a:pPr marL="285750" marR="0" lvl="0" indent="-285750" algn="just" rtl="0">
-                <a:spcBef>
-                  <a:spcPts val="0"/>
-                </a:spcBef>
-                <a:spcAft>
-                  <a:spcPts val="0"/>
-                </a:spcAft>
-                <a:buClr>
-                  <a:schemeClr val="dk1"/>
-                </a:buClr>
-                <a:buSzPts val="1600"/>
-                <a:buFont typeface="Noto Sans Symbols"/>
-                <a:buChar char="⮚"/>
-              </a:pPr>
-              <a:r>
-                <a:rPr lang="en-US" sz="1600" dirty="0">
-                  <a:solidFill>
-                    <a:schemeClr val="dk1"/>
-                  </a:solidFill>
-                  <a:latin typeface="Arial"/>
-                  <a:ea typeface="Arial"/>
-                  <a:cs typeface="Arial"/>
-                  <a:sym typeface="Arial"/>
-                </a:rPr>
-                <a:t>Parry</a:t>
-              </a:r>
-              <a:endParaRPr sz="1600" dirty="0">
-                <a:solidFill>
-                  <a:schemeClr val="dk1"/>
-                </a:solidFill>
-                <a:latin typeface="Arial"/>
-                <a:ea typeface="Arial"/>
-                <a:cs typeface="Arial"/>
-                <a:sym typeface="Arial"/>
-              </a:endParaRPr>
-            </a:p>
-          </p:txBody>
-        </p:sp>
-        <p:sp>
-          <p:nvSpPr>
-            <p:cNvPr id="126" name="Google Shape;126;p4"/>
+            <p:cNvPr id="42" name="Google Shape;126;p4">
+              <a:extLst>
+                <a:ext uri="{FF2B5EF4-FFF2-40B4-BE49-F238E27FC236}">
+                  <a16:creationId xmlns:a16="http://schemas.microsoft.com/office/drawing/2014/main" id="{90AA9FA4-686B-46B1-9D0B-12ED02F4FB28}"/>
+                </a:ext>
+              </a:extLst>
+            </p:cNvPr>
             <p:cNvSpPr/>
             <p:nvPr/>
           </p:nvSpPr>
           <p:spPr>
             <a:xfrm>
-              <a:off x="501715" y="4514903"/>
+              <a:off x="158817" y="6718717"/>
               <a:ext cx="3628841" cy="2041225"/>
             </a:xfrm>
             <a:prstGeom prst="rect">
@@ -20623,13 +23821,19 @@
         </p:sp>
         <p:grpSp>
           <p:nvGrpSpPr>
-            <p:cNvPr id="127" name="Google Shape;127;p4"/>
+            <p:cNvPr id="43" name="Google Shape;127;p4">
+              <a:extLst>
+                <a:ext uri="{FF2B5EF4-FFF2-40B4-BE49-F238E27FC236}">
+                  <a16:creationId xmlns:a16="http://schemas.microsoft.com/office/drawing/2014/main" id="{70B3E70E-2D3C-4E96-BC4F-F479C5B2FD93}"/>
+                </a:ext>
+              </a:extLst>
+            </p:cNvPr>
             <p:cNvGrpSpPr/>
             <p:nvPr/>
           </p:nvGrpSpPr>
           <p:grpSpPr>
             <a:xfrm>
-              <a:off x="501713" y="6196128"/>
+              <a:off x="158815" y="8399942"/>
               <a:ext cx="2336835" cy="360000"/>
               <a:chOff x="379629" y="4148914"/>
               <a:chExt cx="2336835" cy="360000"/>
@@ -20637,7 +23841,13 @@
           </p:grpSpPr>
           <p:sp>
             <p:nvSpPr>
-              <p:cNvPr id="128" name="Google Shape;128;p4"/>
+              <p:cNvPr id="44" name="Google Shape;128;p4">
+                <a:extLst>
+                  <a:ext uri="{FF2B5EF4-FFF2-40B4-BE49-F238E27FC236}">
+                    <a16:creationId xmlns:a16="http://schemas.microsoft.com/office/drawing/2014/main" id="{1ABDE7D8-1CD3-4349-80E0-914B7721BF3F}"/>
+                  </a:ext>
+                </a:extLst>
+              </p:cNvPr>
               <p:cNvSpPr/>
               <p:nvPr/>
             </p:nvSpPr>
@@ -20697,7 +23907,13 @@
           </p:sp>
           <p:sp>
             <p:nvSpPr>
-              <p:cNvPr id="129" name="Google Shape;129;p4"/>
+              <p:cNvPr id="45" name="Google Shape;129;p4">
+                <a:extLst>
+                  <a:ext uri="{FF2B5EF4-FFF2-40B4-BE49-F238E27FC236}">
+                    <a16:creationId xmlns:a16="http://schemas.microsoft.com/office/drawing/2014/main" id="{7BBCB356-CB42-4D56-AD53-461F34342EE8}"/>
+                  </a:ext>
+                </a:extLst>
+              </p:cNvPr>
               <p:cNvSpPr/>
               <p:nvPr/>
             </p:nvSpPr>
@@ -20747,7 +23963,175 @@
           </p:sp>
         </p:grpSp>
       </p:grpSp>
+      <p:sp>
+        <p:nvSpPr>
+          <p:cNvPr id="49" name="Google Shape;113;p4">
+            <a:extLst>
+              <a:ext uri="{FF2B5EF4-FFF2-40B4-BE49-F238E27FC236}">
+                <a16:creationId xmlns:a16="http://schemas.microsoft.com/office/drawing/2014/main" id="{9A35DE57-5D10-4A9A-8FE4-533A975EF783}"/>
+              </a:ext>
+            </a:extLst>
+          </p:cNvPr>
+          <p:cNvSpPr txBox="1"/>
+          <p:nvPr/>
+        </p:nvSpPr>
+        <p:spPr>
+          <a:xfrm>
+            <a:off x="3838289" y="6706562"/>
+            <a:ext cx="2873758" cy="892512"/>
+          </a:xfrm>
+          <a:prstGeom prst="rect">
+            <a:avLst/>
+          </a:prstGeom>
+          <a:noFill/>
+          <a:ln>
+            <a:noFill/>
+          </a:ln>
+        </p:spPr>
+        <p:txBody>
+          <a:bodyPr spcFirstLastPara="1" wrap="square" lIns="91425" tIns="45700" rIns="91425" bIns="45700" anchor="t" anchorCtr="0">
+            <a:spAutoFit/>
+          </a:bodyPr>
+          <a:lstStyle/>
+          <a:p>
+            <a:pPr marL="285750" marR="0" lvl="0" indent="-285750" algn="just" rtl="0">
+              <a:spcBef>
+                <a:spcPts val="0"/>
+              </a:spcBef>
+              <a:spcAft>
+                <a:spcPts val="0"/>
+              </a:spcAft>
+              <a:buClr>
+                <a:schemeClr val="dk1"/>
+              </a:buClr>
+              <a:buSzPts val="1600"/>
+              <a:buFont typeface="Noto Sans Symbols"/>
+              <a:buChar char="⮚"/>
+            </a:pPr>
+            <a:r>
+              <a:rPr lang="en-US" sz="1300" dirty="0">
+                <a:solidFill>
+                  <a:schemeClr val="dk1"/>
+                </a:solidFill>
+              </a:rPr>
+              <a:t>Dash </a:t>
+            </a:r>
+            <a:r>
+              <a:rPr lang="en-US" sz="1300" b="0" i="0" u="none" strike="noStrike" cap="none" dirty="0">
+                <a:solidFill>
+                  <a:schemeClr val="dk1"/>
+                </a:solidFill>
+                <a:latin typeface="Arial"/>
+                <a:ea typeface="Arial"/>
+                <a:cs typeface="Arial"/>
+                <a:sym typeface="Wingdings 2" panose="05020102010507070707" pitchFamily="18" charset="2"/>
+              </a:rPr>
+              <a:t></a:t>
+            </a:r>
+            <a:endParaRPr lang="en-US" sz="1300" dirty="0">
+              <a:solidFill>
+                <a:schemeClr val="dk1"/>
+              </a:solidFill>
+            </a:endParaRPr>
+          </a:p>
+          <a:p>
+            <a:pPr marL="285750" marR="0" lvl="0" indent="-285750" algn="just" rtl="0">
+              <a:spcBef>
+                <a:spcPts val="0"/>
+              </a:spcBef>
+              <a:spcAft>
+                <a:spcPts val="0"/>
+              </a:spcAft>
+              <a:buClr>
+                <a:schemeClr val="dk1"/>
+              </a:buClr>
+              <a:buSzPts val="1600"/>
+              <a:buFont typeface="Noto Sans Symbols"/>
+              <a:buChar char="⮚"/>
+            </a:pPr>
+            <a:r>
+              <a:rPr lang="en-US" sz="1300" dirty="0">
+                <a:solidFill>
+                  <a:schemeClr val="dk1"/>
+                </a:solidFill>
+                <a:latin typeface="Arial"/>
+                <a:ea typeface="Arial"/>
+                <a:cs typeface="Arial"/>
+                <a:sym typeface="Arial"/>
+              </a:rPr>
+              <a:t>EX Moves</a:t>
+            </a:r>
+            <a:endParaRPr lang="en-US" sz="1300" dirty="0"/>
+          </a:p>
+          <a:p>
+            <a:pPr marL="285750" marR="0" lvl="0" indent="-285750" algn="just" rtl="0">
+              <a:spcBef>
+                <a:spcPts val="0"/>
+              </a:spcBef>
+              <a:spcAft>
+                <a:spcPts val="0"/>
+              </a:spcAft>
+              <a:buClr>
+                <a:schemeClr val="dk1"/>
+              </a:buClr>
+              <a:buSzPts val="1600"/>
+              <a:buFont typeface="Noto Sans Symbols"/>
+              <a:buChar char="⮚"/>
+            </a:pPr>
+            <a:r>
+              <a:rPr lang="en-US" sz="1300" dirty="0">
+                <a:solidFill>
+                  <a:schemeClr val="dk1"/>
+                </a:solidFill>
+                <a:latin typeface="Arial"/>
+                <a:ea typeface="Arial"/>
+                <a:cs typeface="Arial"/>
+                <a:sym typeface="Arial"/>
+              </a:rPr>
+              <a:t>Parry</a:t>
+            </a:r>
+          </a:p>
+          <a:p>
+            <a:pPr marL="285750" marR="0" lvl="0" indent="-285750" algn="just" rtl="0">
+              <a:spcBef>
+                <a:spcPts val="0"/>
+              </a:spcBef>
+              <a:spcAft>
+                <a:spcPts val="0"/>
+              </a:spcAft>
+              <a:buClr>
+                <a:schemeClr val="dk1"/>
+              </a:buClr>
+              <a:buSzPts val="1600"/>
+              <a:buFont typeface="Noto Sans Symbols"/>
+              <a:buChar char="⮚"/>
+            </a:pPr>
+            <a:r>
+              <a:rPr lang="en-US" sz="1300" dirty="0">
+                <a:solidFill>
+                  <a:schemeClr val="dk1"/>
+                </a:solidFill>
+              </a:rPr>
+              <a:t>Target Combos</a:t>
+            </a:r>
+            <a:endParaRPr lang="en-US" sz="1300" dirty="0">
+              <a:solidFill>
+                <a:schemeClr val="dk1"/>
+              </a:solidFill>
+              <a:latin typeface="Arial"/>
+              <a:ea typeface="Arial"/>
+              <a:cs typeface="Arial"/>
+              <a:sym typeface="Arial"/>
+            </a:endParaRPr>
+          </a:p>
+        </p:txBody>
+      </p:sp>
     </p:spTree>
+    <p:extLst>
+      <p:ext uri="{BB962C8B-B14F-4D97-AF65-F5344CB8AC3E}">
+        <p14:creationId xmlns:p14="http://schemas.microsoft.com/office/powerpoint/2010/main" val="815101327"/>
+      </p:ext>
+    </p:extLst>
   </p:cSld>
   <p:clrMapOvr>
     <a:masterClrMapping/>
@@ -22284,6 +25668,353 @@
           </a:p>
         </p:txBody>
       </p:sp>
+      <p:sp>
+        <p:nvSpPr>
+          <p:cNvPr id="26" name="Google Shape;139;p5">
+            <a:extLst>
+              <a:ext uri="{FF2B5EF4-FFF2-40B4-BE49-F238E27FC236}">
+                <a16:creationId xmlns:a16="http://schemas.microsoft.com/office/drawing/2014/main" id="{C3C976FC-7AF5-40AE-84E5-792624789B4B}"/>
+              </a:ext>
+            </a:extLst>
+          </p:cNvPr>
+          <p:cNvSpPr/>
+          <p:nvPr/>
+        </p:nvSpPr>
+        <p:spPr>
+          <a:xfrm>
+            <a:off x="3169136" y="2598375"/>
+            <a:ext cx="281350" cy="286171"/>
+          </a:xfrm>
+          <a:custGeom>
+            <a:avLst/>
+            <a:gdLst/>
+            <a:ahLst/>
+            <a:cxnLst/>
+            <a:rect l="l" t="t" r="r" b="b"/>
+            <a:pathLst>
+              <a:path w="252000" h="256318" extrusionOk="0">
+                <a:moveTo>
+                  <a:pt x="42001" y="0"/>
+                </a:moveTo>
+                <a:lnTo>
+                  <a:pt x="209999" y="0"/>
+                </a:lnTo>
+                <a:cubicBezTo>
+                  <a:pt x="233196" y="0"/>
+                  <a:pt x="252000" y="18804"/>
+                  <a:pt x="252000" y="42001"/>
+                </a:cubicBezTo>
+                <a:lnTo>
+                  <a:pt x="252000" y="256318"/>
+                </a:lnTo>
+                <a:lnTo>
+                  <a:pt x="0" y="256318"/>
+                </a:lnTo>
+                <a:lnTo>
+                  <a:pt x="0" y="42001"/>
+                </a:lnTo>
+                <a:cubicBezTo>
+                  <a:pt x="0" y="18804"/>
+                  <a:pt x="18804" y="0"/>
+                  <a:pt x="42001" y="0"/>
+                </a:cubicBezTo>
+                <a:close/>
+              </a:path>
+            </a:pathLst>
+          </a:custGeom>
+          <a:solidFill>
+            <a:schemeClr val="accent5">
+              <a:alpha val="40000"/>
+            </a:schemeClr>
+          </a:solidFill>
+          <a:ln>
+            <a:noFill/>
+          </a:ln>
+        </p:spPr>
+        <p:txBody>
+          <a:bodyPr spcFirstLastPara="1" wrap="square" lIns="91425" tIns="45700" rIns="91425" bIns="45700" anchor="ctr" anchorCtr="0">
+            <a:noAutofit/>
+          </a:bodyPr>
+          <a:lstStyle/>
+          <a:p>
+            <a:pPr marL="0" marR="0" lvl="0" indent="0" algn="ctr" rtl="0">
+              <a:spcBef>
+                <a:spcPts val="0"/>
+              </a:spcBef>
+              <a:spcAft>
+                <a:spcPts val="0"/>
+              </a:spcAft>
+              <a:buNone/>
+            </a:pPr>
+            <a:endParaRPr sz="1800" dirty="0">
+              <a:solidFill>
+                <a:schemeClr val="lt1"/>
+              </a:solidFill>
+              <a:latin typeface="Calibri"/>
+              <a:ea typeface="Calibri"/>
+              <a:cs typeface="Calibri"/>
+              <a:sym typeface="Calibri"/>
+            </a:endParaRPr>
+          </a:p>
+        </p:txBody>
+      </p:sp>
+      <p:sp>
+        <p:nvSpPr>
+          <p:cNvPr id="28" name="Google Shape;139;p5">
+            <a:extLst>
+              <a:ext uri="{FF2B5EF4-FFF2-40B4-BE49-F238E27FC236}">
+                <a16:creationId xmlns:a16="http://schemas.microsoft.com/office/drawing/2014/main" id="{F57A2BAA-E947-440C-BCCC-ABDB53E1A74E}"/>
+              </a:ext>
+            </a:extLst>
+          </p:cNvPr>
+          <p:cNvSpPr/>
+          <p:nvPr/>
+        </p:nvSpPr>
+        <p:spPr>
+          <a:xfrm flipV="1">
+            <a:off x="3235961" y="2884546"/>
+            <a:ext cx="281350" cy="286171"/>
+          </a:xfrm>
+          <a:custGeom>
+            <a:avLst/>
+            <a:gdLst/>
+            <a:ahLst/>
+            <a:cxnLst/>
+            <a:rect l="l" t="t" r="r" b="b"/>
+            <a:pathLst>
+              <a:path w="252000" h="256318" extrusionOk="0">
+                <a:moveTo>
+                  <a:pt x="42001" y="0"/>
+                </a:moveTo>
+                <a:lnTo>
+                  <a:pt x="209999" y="0"/>
+                </a:lnTo>
+                <a:cubicBezTo>
+                  <a:pt x="233196" y="0"/>
+                  <a:pt x="252000" y="18804"/>
+                  <a:pt x="252000" y="42001"/>
+                </a:cubicBezTo>
+                <a:lnTo>
+                  <a:pt x="252000" y="256318"/>
+                </a:lnTo>
+                <a:lnTo>
+                  <a:pt x="0" y="256318"/>
+                </a:lnTo>
+                <a:lnTo>
+                  <a:pt x="0" y="42001"/>
+                </a:lnTo>
+                <a:cubicBezTo>
+                  <a:pt x="0" y="18804"/>
+                  <a:pt x="18804" y="0"/>
+                  <a:pt x="42001" y="0"/>
+                </a:cubicBezTo>
+                <a:close/>
+              </a:path>
+            </a:pathLst>
+          </a:custGeom>
+          <a:solidFill>
+            <a:schemeClr val="accent5">
+              <a:alpha val="40000"/>
+            </a:schemeClr>
+          </a:solidFill>
+          <a:ln>
+            <a:noFill/>
+          </a:ln>
+        </p:spPr>
+        <p:txBody>
+          <a:bodyPr spcFirstLastPara="1" wrap="square" lIns="91425" tIns="45700" rIns="91425" bIns="45700" anchor="ctr" anchorCtr="0">
+            <a:noAutofit/>
+          </a:bodyPr>
+          <a:lstStyle/>
+          <a:p>
+            <a:pPr marL="0" marR="0" lvl="0" indent="0" algn="ctr" rtl="0">
+              <a:spcBef>
+                <a:spcPts val="0"/>
+              </a:spcBef>
+              <a:spcAft>
+                <a:spcPts val="0"/>
+              </a:spcAft>
+              <a:buNone/>
+            </a:pPr>
+            <a:endParaRPr sz="1800" dirty="0">
+              <a:solidFill>
+                <a:schemeClr val="lt1"/>
+              </a:solidFill>
+              <a:latin typeface="Calibri"/>
+              <a:ea typeface="Calibri"/>
+              <a:cs typeface="Calibri"/>
+              <a:sym typeface="Calibri"/>
+            </a:endParaRPr>
+          </a:p>
+        </p:txBody>
+      </p:sp>
+      <p:sp>
+        <p:nvSpPr>
+          <p:cNvPr id="33" name="Google Shape;149;p5">
+            <a:extLst>
+              <a:ext uri="{FF2B5EF4-FFF2-40B4-BE49-F238E27FC236}">
+                <a16:creationId xmlns:a16="http://schemas.microsoft.com/office/drawing/2014/main" id="{CB672EA8-C723-436C-A4FF-5E5A4DB95ADA}"/>
+              </a:ext>
+            </a:extLst>
+          </p:cNvPr>
+          <p:cNvSpPr/>
+          <p:nvPr/>
+        </p:nvSpPr>
+        <p:spPr>
+          <a:xfrm>
+            <a:off x="2655725" y="5651845"/>
+            <a:ext cx="1354667" cy="180868"/>
+          </a:xfrm>
+          <a:prstGeom prst="roundRect">
+            <a:avLst>
+              <a:gd name="adj" fmla="val 0"/>
+            </a:avLst>
+          </a:prstGeom>
+          <a:solidFill>
+            <a:schemeClr val="lt1"/>
+          </a:solidFill>
+          <a:ln w="12700" cap="flat" cmpd="sng">
+            <a:solidFill>
+              <a:schemeClr val="dk1"/>
+            </a:solidFill>
+            <a:prstDash val="solid"/>
+            <a:miter lim="800000"/>
+            <a:headEnd type="none" w="sm" len="sm"/>
+            <a:tailEnd type="none" w="sm" len="sm"/>
+          </a:ln>
+        </p:spPr>
+        <p:txBody>
+          <a:bodyPr spcFirstLastPara="1" wrap="square" lIns="91425" tIns="45700" rIns="91425" bIns="45700" anchor="ctr" anchorCtr="0">
+            <a:noAutofit/>
+          </a:bodyPr>
+          <a:lstStyle/>
+          <a:p>
+            <a:pPr marL="0" marR="0" lvl="0" indent="0" algn="ctr" rtl="0">
+              <a:spcBef>
+                <a:spcPts val="0"/>
+              </a:spcBef>
+              <a:spcAft>
+                <a:spcPts val="0"/>
+              </a:spcAft>
+              <a:buNone/>
+            </a:pPr>
+            <a:r>
+              <a:rPr lang="en-US" sz="1200" dirty="0">
+                <a:solidFill>
+                  <a:schemeClr val="dk1"/>
+                </a:solidFill>
+                <a:latin typeface="Calibri"/>
+                <a:ea typeface="Calibri"/>
+                <a:cs typeface="Calibri"/>
+                <a:sym typeface="Calibri"/>
+              </a:rPr>
+              <a:t>P1 Triggers</a:t>
+            </a:r>
+            <a:endParaRPr dirty="0"/>
+          </a:p>
+        </p:txBody>
+      </p:sp>
+      <p:sp>
+        <p:nvSpPr>
+          <p:cNvPr id="34" name="Google Shape;151;p5">
+            <a:extLst>
+              <a:ext uri="{FF2B5EF4-FFF2-40B4-BE49-F238E27FC236}">
+                <a16:creationId xmlns:a16="http://schemas.microsoft.com/office/drawing/2014/main" id="{05DBBDD5-CE43-47CE-8445-D818CCAE39D4}"/>
+              </a:ext>
+            </a:extLst>
+          </p:cNvPr>
+          <p:cNvSpPr/>
+          <p:nvPr/>
+        </p:nvSpPr>
+        <p:spPr>
+          <a:xfrm>
+            <a:off x="2655725" y="5875599"/>
+            <a:ext cx="1354667" cy="180868"/>
+          </a:xfrm>
+          <a:prstGeom prst="roundRect">
+            <a:avLst>
+              <a:gd name="adj" fmla="val 0"/>
+            </a:avLst>
+          </a:prstGeom>
+          <a:solidFill>
+            <a:schemeClr val="lt1"/>
+          </a:solidFill>
+          <a:ln w="12700" cap="flat" cmpd="sng">
+            <a:solidFill>
+              <a:schemeClr val="dk1"/>
+            </a:solidFill>
+            <a:prstDash val="solid"/>
+            <a:miter lim="800000"/>
+            <a:headEnd type="none" w="sm" len="sm"/>
+            <a:tailEnd type="none" w="sm" len="sm"/>
+          </a:ln>
+        </p:spPr>
+        <p:txBody>
+          <a:bodyPr spcFirstLastPara="1" wrap="square" lIns="91425" tIns="45700" rIns="91425" bIns="45700" anchor="ctr" anchorCtr="0">
+            <a:noAutofit/>
+          </a:bodyPr>
+          <a:lstStyle/>
+          <a:p>
+            <a:pPr marL="0" marR="0" lvl="0" indent="0" algn="ctr" rtl="0">
+              <a:spcBef>
+                <a:spcPts val="0"/>
+              </a:spcBef>
+              <a:spcAft>
+                <a:spcPts val="0"/>
+              </a:spcAft>
+              <a:buNone/>
+            </a:pPr>
+            <a:r>
+              <a:rPr lang="en-US" sz="1200" dirty="0">
+                <a:solidFill>
+                  <a:schemeClr val="dk1"/>
+                </a:solidFill>
+                <a:latin typeface="Calibri"/>
+                <a:ea typeface="Calibri"/>
+                <a:cs typeface="Calibri"/>
+                <a:sym typeface="Calibri"/>
+              </a:rPr>
+              <a:t>Y – Block</a:t>
+            </a:r>
+            <a:endParaRPr dirty="0"/>
+          </a:p>
+        </p:txBody>
+      </p:sp>
+      <p:cxnSp>
+        <p:nvCxnSpPr>
+          <p:cNvPr id="35" name="Google Shape;150;p5">
+            <a:extLst>
+              <a:ext uri="{FF2B5EF4-FFF2-40B4-BE49-F238E27FC236}">
+                <a16:creationId xmlns:a16="http://schemas.microsoft.com/office/drawing/2014/main" id="{F49E0F04-5880-4426-91BC-2B2C77B33828}"/>
+              </a:ext>
+            </a:extLst>
+          </p:cNvPr>
+          <p:cNvCxnSpPr>
+            <a:cxnSpLocks/>
+            <a:stCxn id="33" idx="0"/>
+          </p:cNvCxnSpPr>
+          <p:nvPr/>
+        </p:nvCxnSpPr>
+        <p:spPr>
+          <a:xfrm flipH="1" flipV="1">
+            <a:off x="3328570" y="3150178"/>
+            <a:ext cx="4489" cy="2501667"/>
+          </a:xfrm>
+          <a:prstGeom prst="straightConnector1">
+            <a:avLst/>
+          </a:prstGeom>
+          <a:noFill/>
+          <a:ln w="19050" cap="flat" cmpd="sng">
+            <a:solidFill>
+              <a:schemeClr val="dk1"/>
+            </a:solidFill>
+            <a:prstDash val="solid"/>
+            <a:miter lim="800000"/>
+            <a:headEnd type="none" w="sm" len="sm"/>
+            <a:tailEnd type="triangle" w="med" len="med"/>
+          </a:ln>
+        </p:spPr>
+      </p:cxnSp>
     </p:spTree>
   </p:cSld>
   <p:clrMapOvr>
@@ -30825,7 +34556,7 @@
   <p:cSld>
     <p:spTree>
       <p:nvGrpSpPr>
-        <p:cNvPr id="1" name="Shape 297"/>
+        <p:cNvPr id="1" name="Shape 168"/>
         <p:cNvGrpSpPr/>
         <p:nvPr/>
       </p:nvGrpSpPr>
@@ -30839,7 +34570,7 @@
       </p:grpSpPr>
       <p:sp>
         <p:nvSpPr>
-          <p:cNvPr id="299" name="Google Shape;299;g21bc3c53028_0_41"/>
+          <p:cNvPr id="171" name="Google Shape;171;g21bc01ef45b_0_801"/>
           <p:cNvSpPr/>
           <p:nvPr/>
         </p:nvSpPr>
@@ -30876,7 +34607,7 @@
               <a:buNone/>
             </a:pPr>
             <a:r>
-              <a:rPr lang="en-US" sz="4800" i="1">
+              <a:rPr lang="en-US" sz="4800" i="1" dirty="0">
                 <a:solidFill>
                   <a:schemeClr val="lt1"/>
                 </a:solidFill>
@@ -30887,7 +34618,7 @@
               </a:rPr>
               <a:t>GAMEPLAY</a:t>
             </a:r>
-            <a:endParaRPr sz="4800" i="1">
+            <a:endParaRPr sz="4800" i="1" dirty="0">
               <a:solidFill>
                 <a:schemeClr val="lt1"/>
               </a:solidFill>
@@ -30901,14 +34632,14 @@
       </p:sp>
       <p:sp>
         <p:nvSpPr>
-          <p:cNvPr id="300" name="Google Shape;300;g21bc3c53028_0_41"/>
+          <p:cNvPr id="172" name="Google Shape;172;g21bc01ef45b_0_801"/>
           <p:cNvSpPr txBox="1"/>
           <p:nvPr/>
         </p:nvSpPr>
         <p:spPr>
           <a:xfrm>
-            <a:off x="379915" y="918697"/>
-            <a:ext cx="6119400" cy="889500"/>
+            <a:off x="369000" y="915183"/>
+            <a:ext cx="6120000" cy="754718"/>
           </a:xfrm>
           <a:prstGeom prst="rect">
             <a:avLst/>
@@ -30937,6 +34668,41 @@
               <a:buNone/>
             </a:pPr>
             <a:r>
+              <a:rPr lang="en-US" sz="1800" b="1" dirty="0">
+                <a:solidFill>
+                  <a:schemeClr val="dk1"/>
+                </a:solidFill>
+                <a:latin typeface="Arial"/>
+                <a:ea typeface="Arial"/>
+                <a:cs typeface="Arial"/>
+                <a:sym typeface="Arial"/>
+              </a:rPr>
+              <a:t>3.3. </a:t>
+            </a:r>
+            <a:r>
+              <a:rPr lang="en-US" sz="1800" b="1" dirty="0">
+                <a:solidFill>
+                  <a:schemeClr val="dk1"/>
+                </a:solidFill>
+              </a:rPr>
+              <a:t>Actions</a:t>
+            </a:r>
+            <a:endParaRPr dirty="0"/>
+          </a:p>
+          <a:p>
+            <a:pPr marL="0" marR="0" lvl="0" indent="0" algn="just" rtl="0">
+              <a:lnSpc>
+                <a:spcPct val="107000"/>
+              </a:lnSpc>
+              <a:spcBef>
+                <a:spcPts val="800"/>
+              </a:spcBef>
+              <a:spcAft>
+                <a:spcPts val="0"/>
+              </a:spcAft>
+              <a:buNone/>
+            </a:pPr>
+            <a:r>
               <a:rPr lang="en-US" sz="1600" b="1" dirty="0">
                 <a:solidFill>
                   <a:schemeClr val="dk1"/>
@@ -30946,9 +34712,17 @@
                 <a:cs typeface="Arial"/>
                 <a:sym typeface="Arial"/>
               </a:rPr>
-              <a:t>3.4. Basic Movement</a:t>
+              <a:t>	</a:t>
             </a:r>
-            <a:endParaRPr sz="1400" dirty="0">
+            <a:r>
+              <a:rPr lang="en-US" sz="1600" b="1" u="sng" dirty="0">
+                <a:solidFill>
+                  <a:schemeClr val="dk1"/>
+                </a:solidFill>
+              </a:rPr>
+              <a:t>Block</a:t>
+            </a:r>
+            <a:endParaRPr sz="1600" u="sng" dirty="0">
               <a:solidFill>
                 <a:schemeClr val="dk1"/>
               </a:solidFill>
@@ -30958,240 +34732,14 @@
               <a:sym typeface="Arial"/>
             </a:endParaRPr>
           </a:p>
-          <a:p>
-            <a:pPr marL="457200" marR="0" lvl="1" indent="0" algn="just" rtl="0">
-              <a:spcBef>
-                <a:spcPts val="800"/>
-              </a:spcBef>
-              <a:spcAft>
-                <a:spcPts val="0"/>
-              </a:spcAft>
-              <a:buNone/>
-            </a:pPr>
-            <a:r>
-              <a:rPr lang="en-US" u="sng" dirty="0">
-                <a:solidFill>
-                  <a:schemeClr val="dk1"/>
-                </a:solidFill>
-              </a:rPr>
-              <a:t>Stage </a:t>
-            </a:r>
-            <a:r>
-              <a:rPr lang="en-US" sz="1400" b="0" i="0" u="sng" strike="noStrike" cap="none" dirty="0">
-                <a:solidFill>
-                  <a:schemeClr val="dk1"/>
-                </a:solidFill>
-                <a:latin typeface="Arial"/>
-                <a:ea typeface="Arial"/>
-                <a:cs typeface="Arial"/>
-                <a:sym typeface="Arial"/>
-              </a:rPr>
-              <a:t>States</a:t>
-            </a:r>
-            <a:r>
-              <a:rPr lang="en-US" sz="1400" b="0" i="0" u="none" strike="noStrike" cap="none" dirty="0">
-                <a:solidFill>
-                  <a:schemeClr val="dk1"/>
-                </a:solidFill>
-                <a:latin typeface="Arial"/>
-                <a:ea typeface="Arial"/>
-                <a:cs typeface="Arial"/>
-                <a:sym typeface="Arial"/>
-              </a:rPr>
-              <a:t>: Characters have two stage states, Grounded and </a:t>
-            </a:r>
-            <a:r>
-              <a:rPr lang="en-US" dirty="0">
-                <a:solidFill>
-                  <a:schemeClr val="dk1"/>
-                </a:solidFill>
-              </a:rPr>
-              <a:t>Airborne</a:t>
-            </a:r>
-            <a:r>
-              <a:rPr lang="en-US" sz="1400" b="0" i="0" u="none" strike="noStrike" cap="none" dirty="0">
-                <a:solidFill>
-                  <a:schemeClr val="dk1"/>
-                </a:solidFill>
-                <a:latin typeface="Arial"/>
-                <a:ea typeface="Arial"/>
-                <a:cs typeface="Arial"/>
-                <a:sym typeface="Arial"/>
-              </a:rPr>
-              <a:t>, depending on whether they are on the surface or not.</a:t>
-            </a:r>
-            <a:endParaRPr sz="1400" b="0" i="0" u="none" strike="noStrike" cap="none" dirty="0">
-              <a:solidFill>
-                <a:schemeClr val="dk1"/>
-              </a:solidFill>
-              <a:latin typeface="Calibri"/>
-              <a:ea typeface="Calibri"/>
-              <a:cs typeface="Calibri"/>
-              <a:sym typeface="Calibri"/>
-            </a:endParaRPr>
-          </a:p>
-        </p:txBody>
-      </p:sp>
-      <p:sp>
-        <p:nvSpPr>
-          <p:cNvPr id="301" name="Google Shape;301;g21bc3c53028_0_41"/>
-          <p:cNvSpPr txBox="1"/>
-          <p:nvPr/>
-        </p:nvSpPr>
-        <p:spPr>
-          <a:xfrm>
-            <a:off x="382219" y="3581604"/>
-            <a:ext cx="6119400" cy="1385400"/>
-          </a:xfrm>
-          <a:prstGeom prst="rect">
-            <a:avLst/>
-          </a:prstGeom>
-          <a:noFill/>
-          <a:ln>
-            <a:noFill/>
-          </a:ln>
-        </p:spPr>
-        <p:txBody>
-          <a:bodyPr spcFirstLastPara="1" wrap="square" lIns="91425" tIns="45700" rIns="91425" bIns="45700" anchor="t" anchorCtr="0">
-            <a:spAutoFit/>
-          </a:bodyPr>
-          <a:lstStyle/>
-          <a:p>
-            <a:pPr marL="457200" marR="0" lvl="1" indent="0" algn="just" rtl="0">
-              <a:spcBef>
-                <a:spcPts val="0"/>
-              </a:spcBef>
-              <a:spcAft>
-                <a:spcPts val="0"/>
-              </a:spcAft>
-              <a:buNone/>
-            </a:pPr>
-            <a:endParaRPr sz="1400" b="0" i="0" u="sng" strike="noStrike" cap="none" dirty="0">
-              <a:solidFill>
-                <a:schemeClr val="dk1"/>
-              </a:solidFill>
-              <a:latin typeface="Arial"/>
-              <a:ea typeface="Arial"/>
-              <a:cs typeface="Arial"/>
-              <a:sym typeface="Arial"/>
-            </a:endParaRPr>
-          </a:p>
-          <a:p>
-            <a:pPr marL="457200" marR="0" lvl="1" indent="0" algn="just" rtl="0">
-              <a:spcBef>
-                <a:spcPts val="0"/>
-              </a:spcBef>
-              <a:spcAft>
-                <a:spcPts val="0"/>
-              </a:spcAft>
-              <a:buNone/>
-            </a:pPr>
-            <a:r>
-              <a:rPr lang="en-US" sz="1400" b="0" i="0" u="sng" strike="noStrike" cap="none" dirty="0">
-                <a:solidFill>
-                  <a:schemeClr val="dk1"/>
-                </a:solidFill>
-                <a:latin typeface="Arial"/>
-                <a:ea typeface="Arial"/>
-                <a:cs typeface="Arial"/>
-                <a:sym typeface="Arial"/>
-              </a:rPr>
-              <a:t>Neutral:</a:t>
-            </a:r>
-            <a:r>
-              <a:rPr lang="en-US" sz="1400" b="0" i="0" u="none" strike="noStrike" cap="none" dirty="0">
-                <a:solidFill>
-                  <a:schemeClr val="dk1"/>
-                </a:solidFill>
-                <a:latin typeface="Arial"/>
-                <a:ea typeface="Arial"/>
-                <a:cs typeface="Arial"/>
-                <a:sym typeface="Arial"/>
-              </a:rPr>
-              <a:t> When Grounded, the characters are always facing the opponent and automatically turn in their direction.</a:t>
-            </a:r>
-            <a:endParaRPr dirty="0"/>
-          </a:p>
-          <a:p>
-            <a:pPr marL="457200" marR="0" lvl="1" indent="0" algn="just" rtl="0">
-              <a:spcBef>
-                <a:spcPts val="0"/>
-              </a:spcBef>
-              <a:spcAft>
-                <a:spcPts val="0"/>
-              </a:spcAft>
-              <a:buNone/>
-            </a:pPr>
-            <a:endParaRPr sz="1400" b="0" i="0" u="none" strike="noStrike" cap="none" dirty="0">
-              <a:solidFill>
-                <a:schemeClr val="dk1"/>
-              </a:solidFill>
-              <a:latin typeface="Arial"/>
-              <a:ea typeface="Arial"/>
-              <a:cs typeface="Arial"/>
-              <a:sym typeface="Arial"/>
-            </a:endParaRPr>
-          </a:p>
-          <a:p>
-            <a:pPr marL="457200" marR="0" lvl="1" indent="0" algn="just" rtl="0">
-              <a:spcBef>
-                <a:spcPts val="0"/>
-              </a:spcBef>
-              <a:spcAft>
-                <a:spcPts val="0"/>
-              </a:spcAft>
-              <a:buNone/>
-            </a:pPr>
-            <a:r>
-              <a:rPr lang="en-US" sz="1400" b="0" i="0" u="sng" strike="noStrike" cap="none" dirty="0">
-                <a:solidFill>
-                  <a:schemeClr val="dk1"/>
-                </a:solidFill>
-                <a:latin typeface="Arial"/>
-                <a:ea typeface="Arial"/>
-                <a:cs typeface="Arial"/>
-                <a:sym typeface="Arial"/>
-              </a:rPr>
-              <a:t>Horizontal Movement:</a:t>
-            </a:r>
-            <a:r>
-              <a:rPr lang="en-US" sz="1400" b="0" i="0" u="none" strike="noStrike" cap="none" dirty="0">
-                <a:solidFill>
-                  <a:schemeClr val="dk1"/>
-                </a:solidFill>
-                <a:latin typeface="Arial"/>
-                <a:ea typeface="Arial"/>
-                <a:cs typeface="Arial"/>
-                <a:sym typeface="Arial"/>
-              </a:rPr>
-              <a:t> Characters can move forward and backwards.</a:t>
-            </a:r>
-            <a:r>
-              <a:rPr lang="en-US" dirty="0">
-                <a:solidFill>
-                  <a:schemeClr val="dk1"/>
-                </a:solidFill>
-              </a:rPr>
-              <a:t> The velocity changes depending on the direction.</a:t>
-            </a:r>
-            <a:endParaRPr sz="1400" b="0" i="0" u="none" strike="noStrike" cap="none" dirty="0">
-              <a:solidFill>
-                <a:schemeClr val="dk1"/>
-              </a:solidFill>
-              <a:latin typeface="Calibri"/>
-              <a:ea typeface="Calibri"/>
-              <a:cs typeface="Calibri"/>
-              <a:sym typeface="Calibri"/>
-            </a:endParaRPr>
-          </a:p>
         </p:txBody>
       </p:sp>
       <p:grpSp>
         <p:nvGrpSpPr>
-          <p:cNvPr id="4" name="Grupo 3">
+          <p:cNvPr id="98" name="Grupo 97">
             <a:extLst>
               <a:ext uri="{FF2B5EF4-FFF2-40B4-BE49-F238E27FC236}">
-                <a16:creationId xmlns:a16="http://schemas.microsoft.com/office/drawing/2014/main" id="{1C3896E0-AE14-4D2E-B516-1BAD1840077D}"/>
+                <a16:creationId xmlns:a16="http://schemas.microsoft.com/office/drawing/2014/main" id="{531F2FE9-0196-4193-A12A-9430112D6155}"/>
               </a:ext>
             </a:extLst>
           </p:cNvPr>
@@ -31200,39 +34748,95 @@
         </p:nvGrpSpPr>
         <p:grpSpPr>
           <a:xfrm>
-            <a:off x="881229" y="1824906"/>
-            <a:ext cx="5097461" cy="1756723"/>
-            <a:chOff x="1138070" y="1824906"/>
-            <a:chExt cx="5097461" cy="1756723"/>
+            <a:off x="1348119" y="1717518"/>
+            <a:ext cx="4183051" cy="1080000"/>
+            <a:chOff x="281673" y="4555610"/>
+            <a:chExt cx="4183051" cy="1080000"/>
           </a:xfrm>
         </p:grpSpPr>
         <p:sp>
           <p:nvSpPr>
-            <p:cNvPr id="298" name="Google Shape;298;g21bc3c53028_0_41"/>
+            <p:cNvPr id="99" name="Google Shape;185;g21bc01ef45b_0_801">
+              <a:extLst>
+                <a:ext uri="{FF2B5EF4-FFF2-40B4-BE49-F238E27FC236}">
+                  <a16:creationId xmlns:a16="http://schemas.microsoft.com/office/drawing/2014/main" id="{51D911A9-9F39-4D50-8695-1B5A0B95A2EE}"/>
+                </a:ext>
+              </a:extLst>
+            </p:cNvPr>
             <p:cNvSpPr/>
             <p:nvPr/>
           </p:nvSpPr>
           <p:spPr>
             <a:xfrm>
-              <a:off x="3752314" y="3330604"/>
-              <a:ext cx="2483217" cy="251025"/>
+              <a:off x="289404" y="4555610"/>
+              <a:ext cx="2052000" cy="1080000"/>
+            </a:xfrm>
+            <a:prstGeom prst="rect">
+              <a:avLst/>
+            </a:prstGeom>
+            <a:noFill/>
+            <a:ln w="28575" cap="flat" cmpd="sng">
+              <a:solidFill>
+                <a:schemeClr val="dk1"/>
+              </a:solidFill>
+              <a:prstDash val="solid"/>
+              <a:miter lim="800000"/>
+              <a:headEnd type="none" w="sm" len="sm"/>
+              <a:tailEnd type="none" w="sm" len="sm"/>
+            </a:ln>
+          </p:spPr>
+          <p:txBody>
+            <a:bodyPr spcFirstLastPara="1" wrap="square" lIns="91425" tIns="45700" rIns="91425" bIns="45700" anchor="ctr" anchorCtr="0">
+              <a:noAutofit/>
+            </a:bodyPr>
+            <a:lstStyle/>
+            <a:p>
+              <a:pPr marL="0" marR="0" lvl="0" indent="0" algn="just" rtl="0">
+                <a:spcBef>
+                  <a:spcPts val="0"/>
+                </a:spcBef>
+                <a:spcAft>
+                  <a:spcPts val="0"/>
+                </a:spcAft>
+                <a:buNone/>
+              </a:pPr>
+              <a:endParaRPr sz="1400" dirty="0">
+                <a:solidFill>
+                  <a:schemeClr val="dk1"/>
+                </a:solidFill>
+                <a:latin typeface="Arial"/>
+                <a:ea typeface="Arial"/>
+                <a:cs typeface="Arial"/>
+                <a:sym typeface="Arial"/>
+              </a:endParaRPr>
+            </a:p>
+          </p:txBody>
+        </p:sp>
+        <p:sp>
+          <p:nvSpPr>
+            <p:cNvPr id="100" name="Google Shape;186;g21bc01ef45b_0_801">
+              <a:extLst>
+                <a:ext uri="{FF2B5EF4-FFF2-40B4-BE49-F238E27FC236}">
+                  <a16:creationId xmlns:a16="http://schemas.microsoft.com/office/drawing/2014/main" id="{31353640-68E9-4701-A63B-8B4956C285FD}"/>
+                </a:ext>
+              </a:extLst>
+            </p:cNvPr>
+            <p:cNvSpPr/>
+            <p:nvPr/>
+          </p:nvSpPr>
+          <p:spPr>
+            <a:xfrm>
+              <a:off x="281673" y="4555611"/>
+              <a:ext cx="2059800" cy="266700"/>
             </a:xfrm>
             <a:prstGeom prst="rect">
               <a:avLst/>
             </a:prstGeom>
             <a:solidFill>
-              <a:schemeClr val="accent2">
-                <a:alpha val="24710"/>
-              </a:schemeClr>
+              <a:schemeClr val="dk1"/>
             </a:solidFill>
-            <a:ln w="38100" cap="flat" cmpd="sng">
-              <a:solidFill>
-                <a:schemeClr val="accent2"/>
-              </a:solidFill>
-              <a:prstDash val="solid"/>
-              <a:miter lim="800000"/>
-              <a:headEnd type="none" w="sm" len="sm"/>
-              <a:tailEnd type="none" w="sm" len="sm"/>
+            <a:ln>
+              <a:noFill/>
             </a:ln>
           </p:spPr>
           <p:txBody>
@@ -31250,7 +34854,19 @@
                 </a:spcAft>
                 <a:buNone/>
               </a:pPr>
-              <a:endParaRPr sz="1600">
+              <a:r>
+                <a:rPr lang="en-US" dirty="0">
+                  <a:solidFill>
+                    <a:schemeClr val="lt1"/>
+                  </a:solidFill>
+                  <a:latin typeface="Calibri"/>
+                  <a:ea typeface="Calibri"/>
+                  <a:cs typeface="Calibri"/>
+                  <a:sym typeface="Calibri"/>
+                </a:rPr>
+                <a:t>Standing Block</a:t>
+              </a:r>
+              <a:endParaRPr sz="1400" dirty="0">
                 <a:solidFill>
                   <a:schemeClr val="lt1"/>
                 </a:solidFill>
@@ -31262,158 +34878,89 @@
             </a:p>
           </p:txBody>
         </p:sp>
-        <p:grpSp>
-          <p:nvGrpSpPr>
-            <p:cNvPr id="302" name="Google Shape;302;g21bc3c53028_0_41"/>
-            <p:cNvGrpSpPr/>
-            <p:nvPr/>
-          </p:nvGrpSpPr>
-          <p:grpSpPr>
-            <a:xfrm rot="10800000" flipH="1">
-              <a:off x="3756588" y="1829275"/>
-              <a:ext cx="1462502" cy="306778"/>
-              <a:chOff x="379629" y="4144280"/>
-              <a:chExt cx="1760566" cy="369300"/>
-            </a:xfrm>
-          </p:grpSpPr>
-          <p:sp>
-            <p:nvSpPr>
-              <p:cNvPr id="303" name="Google Shape;303;g21bc3c53028_0_41"/>
-              <p:cNvSpPr/>
-              <p:nvPr/>
-            </p:nvSpPr>
-            <p:spPr>
-              <a:xfrm rot="10800000" flipH="1">
-                <a:off x="379629" y="4144280"/>
-                <a:ext cx="1229700" cy="369300"/>
-              </a:xfrm>
-              <a:prstGeom prst="rect">
-                <a:avLst/>
-              </a:prstGeom>
-              <a:solidFill>
-                <a:schemeClr val="dk1"/>
-              </a:solidFill>
-              <a:ln>
-                <a:noFill/>
-              </a:ln>
-            </p:spPr>
-            <p:txBody>
-              <a:bodyPr spcFirstLastPara="1" wrap="square" lIns="91425" tIns="45700" rIns="91425" bIns="45700" anchor="ctr" anchorCtr="0">
-                <a:noAutofit/>
-              </a:bodyPr>
-              <a:lstStyle/>
-              <a:p>
-                <a:pPr marL="0" marR="0" lvl="0" indent="0" algn="l" rtl="0">
-                  <a:spcBef>
-                    <a:spcPts val="0"/>
-                  </a:spcBef>
-                  <a:spcAft>
-                    <a:spcPts val="0"/>
-                  </a:spcAft>
-                  <a:buNone/>
-                </a:pPr>
-                <a:r>
-                  <a:rPr lang="en-US" sz="1600">
-                    <a:solidFill>
-                      <a:schemeClr val="lt1"/>
-                    </a:solidFill>
-                    <a:latin typeface="Arial"/>
-                    <a:ea typeface="Arial"/>
-                    <a:cs typeface="Arial"/>
-                    <a:sym typeface="Arial"/>
-                  </a:rPr>
-                  <a:t>Airborne</a:t>
-                </a:r>
-                <a:endParaRPr sz="1600">
-                  <a:solidFill>
-                    <a:schemeClr val="lt1"/>
-                  </a:solidFill>
-                  <a:latin typeface="Arial"/>
-                  <a:ea typeface="Arial"/>
-                  <a:cs typeface="Arial"/>
-                  <a:sym typeface="Arial"/>
-                </a:endParaRPr>
-              </a:p>
-            </p:txBody>
-          </p:sp>
-          <p:sp>
-            <p:nvSpPr>
-              <p:cNvPr id="304" name="Google Shape;304;g21bc3c53028_0_41"/>
-              <p:cNvSpPr/>
-              <p:nvPr/>
-            </p:nvSpPr>
-            <p:spPr>
-              <a:xfrm>
-                <a:off x="1600195" y="4148914"/>
-                <a:ext cx="540000" cy="360000"/>
-              </a:xfrm>
-              <a:prstGeom prst="triangle">
-                <a:avLst>
-                  <a:gd name="adj" fmla="val 0"/>
-                </a:avLst>
-              </a:prstGeom>
-              <a:solidFill>
-                <a:schemeClr val="dk1"/>
-              </a:solidFill>
-              <a:ln>
-                <a:noFill/>
-              </a:ln>
-            </p:spPr>
-            <p:txBody>
-              <a:bodyPr spcFirstLastPara="1" wrap="square" lIns="91425" tIns="45700" rIns="91425" bIns="45700" anchor="ctr" anchorCtr="0">
-                <a:noAutofit/>
-              </a:bodyPr>
-              <a:lstStyle/>
-              <a:p>
-                <a:pPr marL="0" marR="0" lvl="0" indent="0" algn="ctr" rtl="0">
-                  <a:spcBef>
-                    <a:spcPts val="0"/>
-                  </a:spcBef>
-                  <a:spcAft>
-                    <a:spcPts val="0"/>
-                  </a:spcAft>
-                  <a:buNone/>
-                </a:pPr>
-                <a:endParaRPr sz="1600">
-                  <a:solidFill>
-                    <a:schemeClr val="lt1"/>
-                  </a:solidFill>
-                  <a:latin typeface="Arial"/>
-                  <a:ea typeface="Arial"/>
-                  <a:cs typeface="Arial"/>
-                  <a:sym typeface="Arial"/>
-                </a:endParaRPr>
-              </a:p>
-            </p:txBody>
-          </p:sp>
-        </p:grpSp>
         <p:sp>
           <p:nvSpPr>
-            <p:cNvPr id="305" name="Google Shape;305;g21bc3c53028_0_41"/>
+            <p:cNvPr id="101" name="Google Shape;187;g21bc01ef45b_0_801">
+              <a:extLst>
+                <a:ext uri="{FF2B5EF4-FFF2-40B4-BE49-F238E27FC236}">
+                  <a16:creationId xmlns:a16="http://schemas.microsoft.com/office/drawing/2014/main" id="{B7F148E4-C9D3-4BEC-9E33-DB77A7FF2894}"/>
+                </a:ext>
+              </a:extLst>
+            </p:cNvPr>
             <p:cNvSpPr/>
             <p:nvPr/>
           </p:nvSpPr>
           <p:spPr>
             <a:xfrm>
-              <a:off x="1138070" y="3326754"/>
-              <a:ext cx="2478300" cy="242400"/>
+              <a:off x="2412655" y="4555610"/>
+              <a:ext cx="2052000" cy="1080000"/>
+            </a:xfrm>
+            <a:prstGeom prst="rect">
+              <a:avLst/>
+            </a:prstGeom>
+            <a:noFill/>
+            <a:ln w="28575" cap="flat" cmpd="sng">
+              <a:solidFill>
+                <a:schemeClr val="dk1"/>
+              </a:solidFill>
+              <a:prstDash val="solid"/>
+              <a:miter lim="800000"/>
+              <a:headEnd type="none" w="sm" len="sm"/>
+              <a:tailEnd type="none" w="sm" len="sm"/>
+            </a:ln>
+          </p:spPr>
+          <p:txBody>
+            <a:bodyPr spcFirstLastPara="1" wrap="square" lIns="91425" tIns="45700" rIns="91425" bIns="45700" anchor="ctr" anchorCtr="0">
+              <a:noAutofit/>
+            </a:bodyPr>
+            <a:lstStyle/>
+            <a:p>
+              <a:pPr marL="0" marR="0" lvl="0" indent="0" algn="just" rtl="0">
+                <a:spcBef>
+                  <a:spcPts val="0"/>
+                </a:spcBef>
+                <a:spcAft>
+                  <a:spcPts val="0"/>
+                </a:spcAft>
+                <a:buNone/>
+              </a:pPr>
+              <a:endParaRPr sz="1400" dirty="0">
+                <a:solidFill>
+                  <a:schemeClr val="dk1"/>
+                </a:solidFill>
+                <a:latin typeface="Arial"/>
+                <a:ea typeface="Arial"/>
+                <a:cs typeface="Arial"/>
+                <a:sym typeface="Arial"/>
+              </a:endParaRPr>
+            </a:p>
+          </p:txBody>
+        </p:sp>
+        <p:sp>
+          <p:nvSpPr>
+            <p:cNvPr id="102" name="Google Shape;188;g21bc01ef45b_0_801">
+              <a:extLst>
+                <a:ext uri="{FF2B5EF4-FFF2-40B4-BE49-F238E27FC236}">
+                  <a16:creationId xmlns:a16="http://schemas.microsoft.com/office/drawing/2014/main" id="{ED6C8B2D-834F-4361-9CA3-389D2ECF50D2}"/>
+                </a:ext>
+              </a:extLst>
+            </p:cNvPr>
+            <p:cNvSpPr/>
+            <p:nvPr/>
+          </p:nvSpPr>
+          <p:spPr>
+            <a:xfrm>
+              <a:off x="2404924" y="4555611"/>
+              <a:ext cx="2059800" cy="266700"/>
             </a:xfrm>
             <a:prstGeom prst="rect">
               <a:avLst/>
             </a:prstGeom>
             <a:solidFill>
-              <a:schemeClr val="accent2">
-                <a:alpha val="24710"/>
-              </a:schemeClr>
+              <a:schemeClr val="dk1"/>
             </a:solidFill>
-            <a:ln w="38100" cap="flat" cmpd="sng">
-              <a:solidFill>
-                <a:schemeClr val="accent2"/>
-              </a:solidFill>
-              <a:prstDash val="solid"/>
-              <a:miter lim="800000"/>
-              <a:headEnd type="none" w="sm" len="sm"/>
-              <a:tailEnd type="none" w="sm" len="sm"/>
+            <a:ln>
+              <a:noFill/>
             </a:ln>
           </p:spPr>
           <p:txBody>
@@ -31431,114 +34978,142 @@
                 </a:spcAft>
                 <a:buNone/>
               </a:pPr>
-              <a:endParaRPr sz="1600">
-                <a:solidFill>
-                  <a:schemeClr val="lt1"/>
-                </a:solidFill>
-                <a:latin typeface="Calibri"/>
-                <a:ea typeface="Calibri"/>
-                <a:cs typeface="Calibri"/>
-                <a:sym typeface="Calibri"/>
-              </a:endParaRPr>
+              <a:r>
+                <a:rPr lang="en-US" dirty="0">
+                  <a:solidFill>
+                    <a:schemeClr val="lt1"/>
+                  </a:solidFill>
+                  <a:latin typeface="Calibri"/>
+                  <a:ea typeface="Calibri"/>
+                  <a:cs typeface="Calibri"/>
+                  <a:sym typeface="Calibri"/>
+                </a:rPr>
+                <a:t>Crouch block</a:t>
+              </a:r>
+              <a:endParaRPr dirty="0"/>
             </a:p>
           </p:txBody>
         </p:sp>
-        <p:sp>
-          <p:nvSpPr>
-            <p:cNvPr id="306" name="Google Shape;306;g21bc3c53028_0_41"/>
-            <p:cNvSpPr/>
+        <p:pic>
+          <p:nvPicPr>
+            <p:cNvPr id="103" name="Imagen 102">
+              <a:extLst>
+                <a:ext uri="{FF2B5EF4-FFF2-40B4-BE49-F238E27FC236}">
+                  <a16:creationId xmlns:a16="http://schemas.microsoft.com/office/drawing/2014/main" id="{2B65D5A9-7E49-4F70-A50B-3456518874CC}"/>
+                </a:ext>
+              </a:extLst>
+            </p:cNvPr>
+            <p:cNvPicPr>
+              <a:picLocks noChangeAspect="1"/>
+            </p:cNvPicPr>
             <p:nvPr/>
-          </p:nvSpPr>
+          </p:nvPicPr>
+          <p:blipFill rotWithShape="1">
+            <a:blip r:embed="rId3"/>
+            <a:srcRect l="25140" t="49812" r="67595" b="34842"/>
+            <a:stretch/>
+          </p:blipFill>
           <p:spPr>
             <a:xfrm>
-              <a:off x="1138070" y="1826866"/>
-              <a:ext cx="2481300" cy="1742100"/>
+              <a:off x="957365" y="4842652"/>
+              <a:ext cx="704852" cy="744442"/>
             </a:xfrm>
             <a:prstGeom prst="rect">
               <a:avLst/>
             </a:prstGeom>
-            <a:noFill/>
-            <a:ln w="38100" cap="flat" cmpd="sng">
-              <a:solidFill>
-                <a:schemeClr val="dk1"/>
-              </a:solidFill>
-              <a:prstDash val="solid"/>
-              <a:miter lim="800000"/>
-              <a:headEnd type="none" w="sm" len="sm"/>
-              <a:tailEnd type="none" w="sm" len="sm"/>
-            </a:ln>
           </p:spPr>
-          <p:txBody>
-            <a:bodyPr spcFirstLastPara="1" wrap="square" lIns="91425" tIns="45700" rIns="91425" bIns="45700" anchor="ctr" anchorCtr="0">
-              <a:noAutofit/>
-            </a:bodyPr>
-            <a:lstStyle/>
-            <a:p>
-              <a:pPr marL="0" marR="0" lvl="0" indent="0" algn="ctr" rtl="0">
-                <a:spcBef>
-                  <a:spcPts val="0"/>
-                </a:spcBef>
-                <a:spcAft>
-                  <a:spcPts val="0"/>
-                </a:spcAft>
-                <a:buNone/>
-              </a:pPr>
-              <a:endParaRPr sz="1600">
-                <a:solidFill>
-                  <a:schemeClr val="lt1"/>
-                </a:solidFill>
-                <a:latin typeface="Calibri"/>
-                <a:ea typeface="Calibri"/>
-                <a:cs typeface="Calibri"/>
-                <a:sym typeface="Calibri"/>
-              </a:endParaRPr>
-            </a:p>
-          </p:txBody>
-        </p:sp>
+        </p:pic>
         <p:grpSp>
           <p:nvGrpSpPr>
-            <p:cNvPr id="307" name="Google Shape;307;g21bc3c53028_0_41"/>
+            <p:cNvPr id="104" name="Grupo 103">
+              <a:extLst>
+                <a:ext uri="{FF2B5EF4-FFF2-40B4-BE49-F238E27FC236}">
+                  <a16:creationId xmlns:a16="http://schemas.microsoft.com/office/drawing/2014/main" id="{396A1816-C514-4D26-B805-B725FC1FC7E5}"/>
+                </a:ext>
+              </a:extLst>
+            </p:cNvPr>
             <p:cNvGrpSpPr/>
             <p:nvPr/>
           </p:nvGrpSpPr>
           <p:grpSpPr>
-            <a:xfrm rot="10800000" flipH="1">
-              <a:off x="1145873" y="1829275"/>
-              <a:ext cx="1588207" cy="306778"/>
-              <a:chOff x="379629" y="4144280"/>
-              <a:chExt cx="1760566" cy="369300"/>
+            <a:xfrm>
+              <a:off x="2654905" y="4844980"/>
+              <a:ext cx="932629" cy="682568"/>
+              <a:chOff x="2724577" y="4818853"/>
+              <a:chExt cx="932629" cy="682568"/>
             </a:xfrm>
           </p:grpSpPr>
-          <p:sp>
-            <p:nvSpPr>
-              <p:cNvPr id="308" name="Google Shape;308;g21bc3c53028_0_41"/>
-              <p:cNvSpPr/>
+          <p:pic>
+            <p:nvPicPr>
+              <p:cNvPr id="106" name="Google Shape;207;g21bc01ef45b_0_801">
+                <a:extLst>
+                  <a:ext uri="{FF2B5EF4-FFF2-40B4-BE49-F238E27FC236}">
+                    <a16:creationId xmlns:a16="http://schemas.microsoft.com/office/drawing/2014/main" id="{EDFAE702-1190-41DE-9822-9A6030FED5B6}"/>
+                  </a:ext>
+                </a:extLst>
+              </p:cNvPr>
+              <p:cNvPicPr preferRelativeResize="0"/>
               <p:nvPr/>
-            </p:nvSpPr>
+            </p:nvPicPr>
+            <p:blipFill>
+              <a:blip r:embed="rId4">
+                <a:alphaModFix/>
+              </a:blip>
+              <a:stretch>
+                <a:fillRect/>
+              </a:stretch>
+            </p:blipFill>
             <p:spPr>
-              <a:xfrm rot="10800000" flipH="1">
-                <a:off x="379629" y="4144280"/>
-                <a:ext cx="1238700" cy="369300"/>
+              <a:xfrm rot="16200000">
+                <a:off x="2663709" y="4937374"/>
+                <a:ext cx="624915" cy="503180"/>
               </a:xfrm>
               <a:prstGeom prst="rect">
                 <a:avLst/>
               </a:prstGeom>
-              <a:solidFill>
-                <a:schemeClr val="dk1"/>
-              </a:solidFill>
+              <a:noFill/>
+              <a:ln>
+                <a:noFill/>
+              </a:ln>
+            </p:spPr>
+          </p:pic>
+          <p:sp>
+            <p:nvSpPr>
+              <p:cNvPr id="107" name="Google Shape;181;g21bc01ef45b_0_801">
+                <a:extLst>
+                  <a:ext uri="{FF2B5EF4-FFF2-40B4-BE49-F238E27FC236}">
+                    <a16:creationId xmlns:a16="http://schemas.microsoft.com/office/drawing/2014/main" id="{808BBEB6-469D-4435-8D92-BB963A111FD9}"/>
+                  </a:ext>
+                </a:extLst>
+              </p:cNvPr>
+              <p:cNvSpPr txBox="1"/>
+              <p:nvPr/>
+            </p:nvSpPr>
+            <p:spPr>
+              <a:xfrm>
+                <a:off x="3262749" y="4818853"/>
+                <a:ext cx="394457" cy="655908"/>
+              </a:xfrm>
+              <a:prstGeom prst="rect">
+                <a:avLst/>
+              </a:prstGeom>
+              <a:noFill/>
               <a:ln>
                 <a:noFill/>
               </a:ln>
             </p:spPr>
             <p:txBody>
-              <a:bodyPr spcFirstLastPara="1" wrap="square" lIns="91425" tIns="45700" rIns="91425" bIns="45700" anchor="ctr" anchorCtr="0">
-                <a:noAutofit/>
+              <a:bodyPr spcFirstLastPara="1" wrap="square" lIns="91425" tIns="45700" rIns="91425" bIns="45700" anchor="t" anchorCtr="0">
+                <a:spAutoFit/>
               </a:bodyPr>
               <a:lstStyle/>
               <a:p>
-                <a:pPr marL="0" marR="0" lvl="0" indent="0" algn="l" rtl="0">
+                <a:pPr marL="0" marR="0" lvl="0" indent="0" algn="ctr" rtl="0">
+                  <a:lnSpc>
+                    <a:spcPct val="107000"/>
+                  </a:lnSpc>
                   <a:spcBef>
-                    <a:spcPts val="0"/>
+                    <a:spcPts val="800"/>
                   </a:spcBef>
                   <a:spcAft>
                     <a:spcPts val="0"/>
@@ -31546,74 +35121,20 @@
                   <a:buNone/>
                 </a:pPr>
                 <a:r>
-                  <a:rPr lang="en-US" sz="1600" dirty="0">
+                  <a:rPr lang="en-US" sz="2800" b="1" dirty="0">
                     <a:solidFill>
-                      <a:schemeClr val="lt1"/>
+                      <a:schemeClr val="dk1"/>
                     </a:solidFill>
-                    <a:latin typeface="Arial"/>
-                    <a:ea typeface="Arial"/>
-                    <a:cs typeface="Arial"/>
+                    <a:latin typeface="Arial Black" panose="020B0A04020102020204" pitchFamily="34" charset="0"/>
                     <a:sym typeface="Arial"/>
                   </a:rPr>
-                  <a:t>Grounded</a:t>
+                  <a:t>+</a:t>
                 </a:r>
-                <a:endParaRPr sz="1600" dirty="0">
+                <a:endParaRPr sz="2800" u="sng" dirty="0">
                   <a:solidFill>
-                    <a:schemeClr val="lt1"/>
+                    <a:schemeClr val="dk1"/>
                   </a:solidFill>
-                  <a:latin typeface="Arial"/>
-                  <a:ea typeface="Arial"/>
-                  <a:cs typeface="Arial"/>
-                  <a:sym typeface="Arial"/>
-                </a:endParaRPr>
-              </a:p>
-            </p:txBody>
-          </p:sp>
-          <p:sp>
-            <p:nvSpPr>
-              <p:cNvPr id="309" name="Google Shape;309;g21bc3c53028_0_41"/>
-              <p:cNvSpPr/>
-              <p:nvPr/>
-            </p:nvSpPr>
-            <p:spPr>
-              <a:xfrm>
-                <a:off x="1600195" y="4148914"/>
-                <a:ext cx="540000" cy="360000"/>
-              </a:xfrm>
-              <a:prstGeom prst="triangle">
-                <a:avLst>
-                  <a:gd name="adj" fmla="val 0"/>
-                </a:avLst>
-              </a:prstGeom>
-              <a:solidFill>
-                <a:schemeClr val="dk1"/>
-              </a:solidFill>
-              <a:ln>
-                <a:noFill/>
-              </a:ln>
-            </p:spPr>
-            <p:txBody>
-              <a:bodyPr spcFirstLastPara="1" wrap="square" lIns="91425" tIns="45700" rIns="91425" bIns="45700" anchor="ctr" anchorCtr="0">
-                <a:noAutofit/>
-              </a:bodyPr>
-              <a:lstStyle/>
-              <a:p>
-                <a:pPr marL="0" marR="0" lvl="0" indent="0" algn="ctr" rtl="0">
-                  <a:spcBef>
-                    <a:spcPts val="0"/>
-                  </a:spcBef>
-                  <a:spcAft>
-                    <a:spcPts val="0"/>
-                  </a:spcAft>
-                  <a:buNone/>
-                </a:pPr>
-                <a:endParaRPr sz="1600">
-                  <a:solidFill>
-                    <a:schemeClr val="lt1"/>
-                  </a:solidFill>
-                  <a:latin typeface="Arial"/>
-                  <a:ea typeface="Arial"/>
-                  <a:cs typeface="Arial"/>
+                  <a:latin typeface="Arial Black" panose="020B0A04020102020204" pitchFamily="34" charset="0"/>
                   <a:sym typeface="Arial"/>
                 </a:endParaRPr>
               </a:p>
@@ -31622,837 +35143,10 @@
         </p:grpSp>
         <p:pic>
           <p:nvPicPr>
-            <p:cNvPr id="310" name="Google Shape;310;g21bc3c53028_0_41"/>
-            <p:cNvPicPr preferRelativeResize="0"/>
-            <p:nvPr/>
-          </p:nvPicPr>
-          <p:blipFill rotWithShape="1">
-            <a:blip r:embed="rId3">
-              <a:alphaModFix/>
-            </a:blip>
-            <a:srcRect/>
-            <a:stretch/>
-          </p:blipFill>
-          <p:spPr>
-            <a:xfrm>
-              <a:off x="2032495" y="2403796"/>
-              <a:ext cx="703208" cy="1001538"/>
-            </a:xfrm>
-            <a:prstGeom prst="rect">
-              <a:avLst/>
-            </a:prstGeom>
-            <a:noFill/>
-            <a:ln>
-              <a:noFill/>
-            </a:ln>
-          </p:spPr>
-        </p:pic>
-        <p:pic>
-          <p:nvPicPr>
-            <p:cNvPr id="311" name="Google Shape;311;g21bc3c53028_0_41"/>
-            <p:cNvPicPr preferRelativeResize="0"/>
-            <p:nvPr/>
-          </p:nvPicPr>
-          <p:blipFill rotWithShape="1">
-            <a:blip r:embed="rId4">
-              <a:alphaModFix/>
-            </a:blip>
-            <a:srcRect/>
-            <a:stretch/>
-          </p:blipFill>
-          <p:spPr>
-            <a:xfrm>
-              <a:off x="4676964" y="2177791"/>
-              <a:ext cx="616497" cy="924745"/>
-            </a:xfrm>
-            <a:prstGeom prst="rect">
-              <a:avLst/>
-            </a:prstGeom>
-            <a:noFill/>
-            <a:ln>
-              <a:noFill/>
-            </a:ln>
-          </p:spPr>
-        </p:pic>
-        <p:sp>
-          <p:nvSpPr>
-            <p:cNvPr id="312" name="Google Shape;312;g21bc3c53028_0_41"/>
-            <p:cNvSpPr/>
-            <p:nvPr/>
-          </p:nvSpPr>
-          <p:spPr>
-            <a:xfrm>
-              <a:off x="3748441" y="1824906"/>
-              <a:ext cx="2481300" cy="1744200"/>
-            </a:xfrm>
-            <a:prstGeom prst="rect">
-              <a:avLst/>
-            </a:prstGeom>
-            <a:noFill/>
-            <a:ln w="38100" cap="flat" cmpd="sng">
-              <a:solidFill>
-                <a:schemeClr val="dk1"/>
-              </a:solidFill>
-              <a:prstDash val="solid"/>
-              <a:miter lim="800000"/>
-              <a:headEnd type="none" w="sm" len="sm"/>
-              <a:tailEnd type="none" w="sm" len="sm"/>
-            </a:ln>
-          </p:spPr>
-          <p:txBody>
-            <a:bodyPr spcFirstLastPara="1" wrap="square" lIns="91425" tIns="45700" rIns="91425" bIns="45700" anchor="ctr" anchorCtr="0">
-              <a:noAutofit/>
-            </a:bodyPr>
-            <a:lstStyle/>
-            <a:p>
-              <a:pPr marL="0" marR="0" lvl="0" indent="0" algn="ctr" rtl="0">
-                <a:spcBef>
-                  <a:spcPts val="0"/>
-                </a:spcBef>
-                <a:spcAft>
-                  <a:spcPts val="0"/>
-                </a:spcAft>
-                <a:buNone/>
-              </a:pPr>
-              <a:endParaRPr sz="1600">
-                <a:solidFill>
-                  <a:schemeClr val="lt1"/>
-                </a:solidFill>
-                <a:latin typeface="Calibri"/>
-                <a:ea typeface="Calibri"/>
-                <a:cs typeface="Calibri"/>
-                <a:sym typeface="Calibri"/>
-              </a:endParaRPr>
-            </a:p>
-          </p:txBody>
-        </p:sp>
-      </p:grpSp>
-      <p:grpSp>
-        <p:nvGrpSpPr>
-          <p:cNvPr id="313" name="Google Shape;313;g21bc3c53028_0_41"/>
-          <p:cNvGrpSpPr/>
-          <p:nvPr/>
-        </p:nvGrpSpPr>
-        <p:grpSpPr>
-          <a:xfrm>
-            <a:off x="893525" y="5059727"/>
-            <a:ext cx="5083589" cy="1618294"/>
-            <a:chOff x="939067" y="5747595"/>
-            <a:chExt cx="5541300" cy="1764000"/>
-          </a:xfrm>
-        </p:grpSpPr>
-        <p:cxnSp>
-          <p:nvCxnSpPr>
-            <p:cNvPr id="314" name="Google Shape;314;g21bc3c53028_0_41"/>
-            <p:cNvCxnSpPr/>
-            <p:nvPr/>
-          </p:nvCxnSpPr>
-          <p:spPr>
-            <a:xfrm>
-              <a:off x="2670632" y="6665588"/>
-              <a:ext cx="2216700" cy="0"/>
-            </a:xfrm>
-            <a:prstGeom prst="straightConnector1">
-              <a:avLst/>
-            </a:prstGeom>
-            <a:noFill/>
-            <a:ln w="28575" cap="flat" cmpd="sng">
-              <a:solidFill>
-                <a:schemeClr val="dk1"/>
-              </a:solidFill>
-              <a:prstDash val="solid"/>
-              <a:miter lim="800000"/>
-              <a:headEnd type="triangle" w="med" len="med"/>
-              <a:tailEnd type="triangle" w="med" len="med"/>
-            </a:ln>
-          </p:spPr>
-        </p:cxnSp>
-        <p:sp>
-          <p:nvSpPr>
-            <p:cNvPr id="315" name="Google Shape;315;g21bc3c53028_0_41"/>
-            <p:cNvSpPr/>
-            <p:nvPr/>
-          </p:nvSpPr>
-          <p:spPr>
-            <a:xfrm>
-              <a:off x="939067" y="7238562"/>
-              <a:ext cx="5541300" cy="268800"/>
-            </a:xfrm>
-            <a:prstGeom prst="rect">
-              <a:avLst/>
-            </a:prstGeom>
-            <a:solidFill>
-              <a:schemeClr val="accent2">
-                <a:alpha val="24710"/>
-              </a:schemeClr>
-            </a:solidFill>
-            <a:ln w="38100" cap="flat" cmpd="sng">
-              <a:solidFill>
-                <a:schemeClr val="accent2"/>
-              </a:solidFill>
-              <a:prstDash val="solid"/>
-              <a:miter lim="800000"/>
-              <a:headEnd type="none" w="sm" len="sm"/>
-              <a:tailEnd type="none" w="sm" len="sm"/>
-            </a:ln>
-          </p:spPr>
-          <p:txBody>
-            <a:bodyPr spcFirstLastPara="1" wrap="square" lIns="91425" tIns="45700" rIns="91425" bIns="45700" anchor="ctr" anchorCtr="0">
-              <a:noAutofit/>
-            </a:bodyPr>
-            <a:lstStyle/>
-            <a:p>
-              <a:pPr marL="0" marR="0" lvl="0" indent="0" algn="ctr" rtl="0">
-                <a:spcBef>
-                  <a:spcPts val="0"/>
-                </a:spcBef>
-                <a:spcAft>
-                  <a:spcPts val="0"/>
-                </a:spcAft>
-                <a:buNone/>
-              </a:pPr>
-              <a:endParaRPr sz="1600">
-                <a:solidFill>
-                  <a:schemeClr val="lt1"/>
-                </a:solidFill>
-                <a:latin typeface="Calibri"/>
-                <a:ea typeface="Calibri"/>
-                <a:cs typeface="Calibri"/>
-                <a:sym typeface="Calibri"/>
-              </a:endParaRPr>
-            </a:p>
-          </p:txBody>
-        </p:sp>
-        <p:sp>
-          <p:nvSpPr>
-            <p:cNvPr id="316" name="Google Shape;316;g21bc3c53028_0_41"/>
-            <p:cNvSpPr/>
-            <p:nvPr/>
-          </p:nvSpPr>
-          <p:spPr>
-            <a:xfrm>
-              <a:off x="939067" y="5747595"/>
-              <a:ext cx="5541300" cy="1764000"/>
-            </a:xfrm>
-            <a:prstGeom prst="rect">
-              <a:avLst/>
-            </a:prstGeom>
-            <a:noFill/>
-            <a:ln w="38100" cap="flat" cmpd="sng">
-              <a:solidFill>
-                <a:schemeClr val="dk1"/>
-              </a:solidFill>
-              <a:prstDash val="solid"/>
-              <a:miter lim="800000"/>
-              <a:headEnd type="none" w="sm" len="sm"/>
-              <a:tailEnd type="none" w="sm" len="sm"/>
-            </a:ln>
-          </p:spPr>
-          <p:txBody>
-            <a:bodyPr spcFirstLastPara="1" wrap="square" lIns="91425" tIns="45700" rIns="91425" bIns="45700" anchor="ctr" anchorCtr="0">
-              <a:noAutofit/>
-            </a:bodyPr>
-            <a:lstStyle/>
-            <a:p>
-              <a:pPr marL="0" marR="0" lvl="0" indent="0" algn="ctr" rtl="0">
-                <a:spcBef>
-                  <a:spcPts val="0"/>
-                </a:spcBef>
-                <a:spcAft>
-                  <a:spcPts val="0"/>
-                </a:spcAft>
-                <a:buNone/>
-              </a:pPr>
-              <a:endParaRPr sz="1600">
-                <a:solidFill>
-                  <a:schemeClr val="lt1"/>
-                </a:solidFill>
-                <a:latin typeface="Calibri"/>
-                <a:ea typeface="Calibri"/>
-                <a:cs typeface="Calibri"/>
-                <a:sym typeface="Calibri"/>
-              </a:endParaRPr>
-            </a:p>
-          </p:txBody>
-        </p:sp>
-        <p:grpSp>
-          <p:nvGrpSpPr>
-            <p:cNvPr id="317" name="Google Shape;317;g21bc3c53028_0_41"/>
-            <p:cNvGrpSpPr/>
-            <p:nvPr/>
-          </p:nvGrpSpPr>
-          <p:grpSpPr>
-            <a:xfrm rot="10800000" flipH="1">
-              <a:off x="947580" y="5750023"/>
-              <a:ext cx="1723066" cy="334401"/>
-              <a:chOff x="379629" y="4144280"/>
-              <a:chExt cx="1760566" cy="369300"/>
-            </a:xfrm>
-          </p:grpSpPr>
-          <p:sp>
-            <p:nvSpPr>
-              <p:cNvPr id="318" name="Google Shape;318;g21bc3c53028_0_41"/>
-              <p:cNvSpPr/>
-              <p:nvPr/>
-            </p:nvSpPr>
-            <p:spPr>
-              <a:xfrm rot="10800000" flipH="1">
-                <a:off x="379629" y="4144280"/>
-                <a:ext cx="1229700" cy="369300"/>
-              </a:xfrm>
-              <a:prstGeom prst="rect">
-                <a:avLst/>
-              </a:prstGeom>
-              <a:solidFill>
-                <a:schemeClr val="dk1"/>
-              </a:solidFill>
-              <a:ln>
-                <a:noFill/>
-              </a:ln>
-            </p:spPr>
-            <p:txBody>
-              <a:bodyPr spcFirstLastPara="1" wrap="square" lIns="91425" tIns="45700" rIns="91425" bIns="45700" anchor="ctr" anchorCtr="0">
-                <a:noAutofit/>
-              </a:bodyPr>
-              <a:lstStyle/>
-              <a:p>
-                <a:pPr marL="0" marR="0" lvl="0" indent="0" algn="l" rtl="0">
-                  <a:spcBef>
-                    <a:spcPts val="0"/>
-                  </a:spcBef>
-                  <a:spcAft>
-                    <a:spcPts val="0"/>
-                  </a:spcAft>
-                  <a:buNone/>
-                </a:pPr>
-                <a:r>
-                  <a:rPr lang="en-US" sz="1600" dirty="0">
-                    <a:solidFill>
-                      <a:schemeClr val="lt1"/>
-                    </a:solidFill>
-                    <a:latin typeface="Arial"/>
-                    <a:ea typeface="Arial"/>
-                    <a:cs typeface="Arial"/>
-                    <a:sym typeface="Arial"/>
-                  </a:rPr>
-                  <a:t>Grounded</a:t>
-                </a:r>
-                <a:endParaRPr sz="1600" dirty="0">
-                  <a:solidFill>
-                    <a:schemeClr val="lt1"/>
-                  </a:solidFill>
-                  <a:latin typeface="Arial"/>
-                  <a:ea typeface="Arial"/>
-                  <a:cs typeface="Arial"/>
-                  <a:sym typeface="Arial"/>
-                </a:endParaRPr>
-              </a:p>
-            </p:txBody>
-          </p:sp>
-          <p:sp>
-            <p:nvSpPr>
-              <p:cNvPr id="319" name="Google Shape;319;g21bc3c53028_0_41"/>
-              <p:cNvSpPr/>
-              <p:nvPr/>
-            </p:nvSpPr>
-            <p:spPr>
-              <a:xfrm>
-                <a:off x="1600195" y="4148914"/>
-                <a:ext cx="540000" cy="360000"/>
-              </a:xfrm>
-              <a:prstGeom prst="triangle">
-                <a:avLst>
-                  <a:gd name="adj" fmla="val 0"/>
-                </a:avLst>
-              </a:prstGeom>
-              <a:solidFill>
-                <a:schemeClr val="dk1"/>
-              </a:solidFill>
-              <a:ln>
-                <a:noFill/>
-              </a:ln>
-            </p:spPr>
-            <p:txBody>
-              <a:bodyPr spcFirstLastPara="1" wrap="square" lIns="91425" tIns="45700" rIns="91425" bIns="45700" anchor="ctr" anchorCtr="0">
-                <a:noAutofit/>
-              </a:bodyPr>
-              <a:lstStyle/>
-              <a:p>
-                <a:pPr marL="0" marR="0" lvl="0" indent="0" algn="ctr" rtl="0">
-                  <a:spcBef>
-                    <a:spcPts val="0"/>
-                  </a:spcBef>
-                  <a:spcAft>
-                    <a:spcPts val="0"/>
-                  </a:spcAft>
-                  <a:buNone/>
-                </a:pPr>
-                <a:endParaRPr sz="1600">
-                  <a:solidFill>
-                    <a:schemeClr val="lt1"/>
-                  </a:solidFill>
-                  <a:latin typeface="Arial"/>
-                  <a:ea typeface="Arial"/>
-                  <a:cs typeface="Arial"/>
-                  <a:sym typeface="Arial"/>
-                </a:endParaRPr>
-              </a:p>
-            </p:txBody>
-          </p:sp>
-        </p:grpSp>
-        <p:pic>
-          <p:nvPicPr>
-            <p:cNvPr id="320" name="Google Shape;320;g21bc3c53028_0_41"/>
-            <p:cNvPicPr preferRelativeResize="0"/>
-            <p:nvPr/>
-          </p:nvPicPr>
-          <p:blipFill rotWithShape="1">
-            <a:blip r:embed="rId3">
-              <a:alphaModFix/>
-            </a:blip>
-            <a:srcRect/>
-            <a:stretch/>
-          </p:blipFill>
-          <p:spPr>
-            <a:xfrm>
-              <a:off x="3321709" y="6195397"/>
-              <a:ext cx="766490" cy="1091668"/>
-            </a:xfrm>
-            <a:prstGeom prst="rect">
-              <a:avLst/>
-            </a:prstGeom>
-            <a:noFill/>
-            <a:ln>
-              <a:noFill/>
-            </a:ln>
-          </p:spPr>
-        </p:pic>
-        <p:pic>
-          <p:nvPicPr>
-            <p:cNvPr id="321" name="Google Shape;321;g21bc3c53028_0_41"/>
-            <p:cNvPicPr preferRelativeResize="0"/>
-            <p:nvPr/>
-          </p:nvPicPr>
-          <p:blipFill rotWithShape="1">
-            <a:blip r:embed="rId5">
-              <a:alphaModFix/>
-            </a:blip>
-            <a:srcRect/>
-            <a:stretch/>
-          </p:blipFill>
-          <p:spPr>
-            <a:xfrm>
-              <a:off x="4846951" y="6195396"/>
-              <a:ext cx="781405" cy="1091668"/>
-            </a:xfrm>
-            <a:prstGeom prst="rect">
-              <a:avLst/>
-            </a:prstGeom>
-            <a:noFill/>
-            <a:ln>
-              <a:noFill/>
-            </a:ln>
-          </p:spPr>
-        </p:pic>
-        <p:pic>
-          <p:nvPicPr>
-            <p:cNvPr id="322" name="Google Shape;322;g21bc3c53028_0_41"/>
-            <p:cNvPicPr preferRelativeResize="0"/>
-            <p:nvPr/>
-          </p:nvPicPr>
-          <p:blipFill rotWithShape="1">
-            <a:blip r:embed="rId6">
-              <a:alphaModFix/>
-            </a:blip>
-            <a:srcRect/>
-            <a:stretch/>
-          </p:blipFill>
-          <p:spPr>
-            <a:xfrm>
-              <a:off x="1980241" y="6198570"/>
-              <a:ext cx="705559" cy="1075688"/>
-            </a:xfrm>
-            <a:prstGeom prst="rect">
-              <a:avLst/>
-            </a:prstGeom>
-            <a:noFill/>
-            <a:ln>
-              <a:noFill/>
-            </a:ln>
-          </p:spPr>
-        </p:pic>
-      </p:grpSp>
-      <p:sp>
-        <p:nvSpPr>
-          <p:cNvPr id="323" name="Google Shape;323;g21bc3c53028_0_41"/>
-          <p:cNvSpPr txBox="1"/>
-          <p:nvPr/>
-        </p:nvSpPr>
-        <p:spPr>
-          <a:xfrm>
-            <a:off x="379915" y="6725081"/>
-            <a:ext cx="6119400" cy="738623"/>
-          </a:xfrm>
-          <a:prstGeom prst="rect">
-            <a:avLst/>
-          </a:prstGeom>
-          <a:noFill/>
-          <a:ln>
-            <a:noFill/>
-          </a:ln>
-        </p:spPr>
-        <p:txBody>
-          <a:bodyPr spcFirstLastPara="1" wrap="square" lIns="91425" tIns="45700" rIns="91425" bIns="45700" anchor="t" anchorCtr="0">
-            <a:spAutoFit/>
-          </a:bodyPr>
-          <a:lstStyle/>
-          <a:p>
-            <a:pPr marL="457200" marR="0" lvl="1" indent="0" algn="just" rtl="0">
-              <a:spcBef>
-                <a:spcPts val="0"/>
-              </a:spcBef>
-              <a:spcAft>
-                <a:spcPts val="0"/>
-              </a:spcAft>
-              <a:buNone/>
-            </a:pPr>
-            <a:endParaRPr u="sng" dirty="0">
-              <a:solidFill>
-                <a:schemeClr val="dk1"/>
-              </a:solidFill>
-            </a:endParaRPr>
-          </a:p>
-          <a:p>
-            <a:pPr marL="457200" lvl="1" indent="0" algn="just" rtl="0">
-              <a:spcBef>
-                <a:spcPts val="0"/>
-              </a:spcBef>
-              <a:spcAft>
-                <a:spcPts val="0"/>
-              </a:spcAft>
-              <a:buClr>
-                <a:schemeClr val="dk1"/>
-              </a:buClr>
-              <a:buFont typeface="Arial"/>
-              <a:buNone/>
-            </a:pPr>
-            <a:r>
-              <a:rPr lang="en-US" u="sng" dirty="0">
-                <a:solidFill>
-                  <a:schemeClr val="dk1"/>
-                </a:solidFill>
-              </a:rPr>
-              <a:t>Crouch:</a:t>
-            </a:r>
-            <a:r>
-              <a:rPr lang="en-US" dirty="0">
-                <a:solidFill>
-                  <a:schemeClr val="dk1"/>
-                </a:solidFill>
-              </a:rPr>
-              <a:t> Characters can crouch in the ground, stops his movement, reduces the hitbox and gives him access to other moves.</a:t>
-            </a:r>
-            <a:endParaRPr sz="1400" b="0" i="0" u="none" strike="noStrike" cap="none" dirty="0">
-              <a:solidFill>
-                <a:schemeClr val="dk1"/>
-              </a:solidFill>
-              <a:latin typeface="Calibri"/>
-              <a:ea typeface="Calibri"/>
-              <a:cs typeface="Calibri"/>
-              <a:sym typeface="Calibri"/>
-            </a:endParaRPr>
-          </a:p>
-        </p:txBody>
-      </p:sp>
-      <p:grpSp>
-        <p:nvGrpSpPr>
-          <p:cNvPr id="5" name="Grupo 4">
-            <a:extLst>
-              <a:ext uri="{FF2B5EF4-FFF2-40B4-BE49-F238E27FC236}">
-                <a16:creationId xmlns:a16="http://schemas.microsoft.com/office/drawing/2014/main" id="{44FC8F89-01E3-4FEA-833A-68846E12A7DE}"/>
-              </a:ext>
-            </a:extLst>
-          </p:cNvPr>
-          <p:cNvGrpSpPr/>
-          <p:nvPr/>
-        </p:nvGrpSpPr>
-        <p:grpSpPr>
-          <a:xfrm>
-            <a:off x="2193492" y="7547975"/>
-            <a:ext cx="2481300" cy="1742288"/>
-            <a:chOff x="2193492" y="7538247"/>
-            <a:chExt cx="2481300" cy="1742288"/>
-          </a:xfrm>
-        </p:grpSpPr>
-        <p:sp>
-          <p:nvSpPr>
-            <p:cNvPr id="47" name="Google Shape;305;g21bc3c53028_0_41">
+            <p:cNvPr id="105" name="Imagen 104">
               <a:extLst>
                 <a:ext uri="{FF2B5EF4-FFF2-40B4-BE49-F238E27FC236}">
-                  <a16:creationId xmlns:a16="http://schemas.microsoft.com/office/drawing/2014/main" id="{0DA458D2-27D9-4066-95B0-F55F132CBD51}"/>
-                </a:ext>
-              </a:extLst>
-            </p:cNvPr>
-            <p:cNvSpPr/>
-            <p:nvPr/>
-          </p:nvSpPr>
-          <p:spPr>
-            <a:xfrm>
-              <a:off x="2193492" y="9038135"/>
-              <a:ext cx="2478300" cy="242400"/>
-            </a:xfrm>
-            <a:prstGeom prst="rect">
-              <a:avLst/>
-            </a:prstGeom>
-            <a:solidFill>
-              <a:schemeClr val="accent2">
-                <a:alpha val="24710"/>
-              </a:schemeClr>
-            </a:solidFill>
-            <a:ln w="38100" cap="flat" cmpd="sng">
-              <a:solidFill>
-                <a:schemeClr val="accent2"/>
-              </a:solidFill>
-              <a:prstDash val="solid"/>
-              <a:miter lim="800000"/>
-              <a:headEnd type="none" w="sm" len="sm"/>
-              <a:tailEnd type="none" w="sm" len="sm"/>
-            </a:ln>
-          </p:spPr>
-          <p:txBody>
-            <a:bodyPr spcFirstLastPara="1" wrap="square" lIns="91425" tIns="45700" rIns="91425" bIns="45700" anchor="ctr" anchorCtr="0">
-              <a:noAutofit/>
-            </a:bodyPr>
-            <a:lstStyle/>
-            <a:p>
-              <a:pPr marL="0" marR="0" lvl="0" indent="0" algn="ctr" rtl="0">
-                <a:spcBef>
-                  <a:spcPts val="0"/>
-                </a:spcBef>
-                <a:spcAft>
-                  <a:spcPts val="0"/>
-                </a:spcAft>
-                <a:buNone/>
-              </a:pPr>
-              <a:endParaRPr sz="1600">
-                <a:solidFill>
-                  <a:schemeClr val="lt1"/>
-                </a:solidFill>
-                <a:latin typeface="Calibri"/>
-                <a:ea typeface="Calibri"/>
-                <a:cs typeface="Calibri"/>
-                <a:sym typeface="Calibri"/>
-              </a:endParaRPr>
-            </a:p>
-          </p:txBody>
-        </p:sp>
-        <p:sp>
-          <p:nvSpPr>
-            <p:cNvPr id="48" name="Google Shape;306;g21bc3c53028_0_41">
-              <a:extLst>
-                <a:ext uri="{FF2B5EF4-FFF2-40B4-BE49-F238E27FC236}">
-                  <a16:creationId xmlns:a16="http://schemas.microsoft.com/office/drawing/2014/main" id="{247B2A99-A502-4E2E-ADC6-541428DE3E47}"/>
-                </a:ext>
-              </a:extLst>
-            </p:cNvPr>
-            <p:cNvSpPr/>
-            <p:nvPr/>
-          </p:nvSpPr>
-          <p:spPr>
-            <a:xfrm>
-              <a:off x="2193492" y="7538247"/>
-              <a:ext cx="2481300" cy="1742100"/>
-            </a:xfrm>
-            <a:prstGeom prst="rect">
-              <a:avLst/>
-            </a:prstGeom>
-            <a:noFill/>
-            <a:ln w="38100" cap="flat" cmpd="sng">
-              <a:solidFill>
-                <a:schemeClr val="dk1"/>
-              </a:solidFill>
-              <a:prstDash val="solid"/>
-              <a:miter lim="800000"/>
-              <a:headEnd type="none" w="sm" len="sm"/>
-              <a:tailEnd type="none" w="sm" len="sm"/>
-            </a:ln>
-          </p:spPr>
-          <p:txBody>
-            <a:bodyPr spcFirstLastPara="1" wrap="square" lIns="91425" tIns="45700" rIns="91425" bIns="45700" anchor="ctr" anchorCtr="0">
-              <a:noAutofit/>
-            </a:bodyPr>
-            <a:lstStyle/>
-            <a:p>
-              <a:pPr marL="0" marR="0" lvl="0" indent="0" algn="ctr" rtl="0">
-                <a:spcBef>
-                  <a:spcPts val="0"/>
-                </a:spcBef>
-                <a:spcAft>
-                  <a:spcPts val="0"/>
-                </a:spcAft>
-                <a:buNone/>
-              </a:pPr>
-              <a:endParaRPr sz="1600">
-                <a:solidFill>
-                  <a:schemeClr val="lt1"/>
-                </a:solidFill>
-                <a:latin typeface="Calibri"/>
-                <a:ea typeface="Calibri"/>
-                <a:cs typeface="Calibri"/>
-                <a:sym typeface="Calibri"/>
-              </a:endParaRPr>
-            </a:p>
-          </p:txBody>
-        </p:sp>
-        <p:grpSp>
-          <p:nvGrpSpPr>
-            <p:cNvPr id="49" name="Google Shape;307;g21bc3c53028_0_41">
-              <a:extLst>
-                <a:ext uri="{FF2B5EF4-FFF2-40B4-BE49-F238E27FC236}">
-                  <a16:creationId xmlns:a16="http://schemas.microsoft.com/office/drawing/2014/main" id="{DC9105B4-5796-4EA5-995F-FBBBACFEF096}"/>
-                </a:ext>
-              </a:extLst>
-            </p:cNvPr>
-            <p:cNvGrpSpPr/>
-            <p:nvPr/>
-          </p:nvGrpSpPr>
-          <p:grpSpPr>
-            <a:xfrm rot="10800000" flipH="1">
-              <a:off x="2201295" y="7540656"/>
-              <a:ext cx="1588207" cy="306778"/>
-              <a:chOff x="379629" y="4144280"/>
-              <a:chExt cx="1760566" cy="369300"/>
-            </a:xfrm>
-          </p:grpSpPr>
-          <p:sp>
-            <p:nvSpPr>
-              <p:cNvPr id="50" name="Google Shape;308;g21bc3c53028_0_41">
-                <a:extLst>
-                  <a:ext uri="{FF2B5EF4-FFF2-40B4-BE49-F238E27FC236}">
-                    <a16:creationId xmlns:a16="http://schemas.microsoft.com/office/drawing/2014/main" id="{667715F4-4035-47EF-AFF0-5C566C9D3B15}"/>
-                  </a:ext>
-                </a:extLst>
-              </p:cNvPr>
-              <p:cNvSpPr/>
-              <p:nvPr/>
-            </p:nvSpPr>
-            <p:spPr>
-              <a:xfrm rot="10800000" flipH="1">
-                <a:off x="379629" y="4144280"/>
-                <a:ext cx="1238700" cy="369300"/>
-              </a:xfrm>
-              <a:prstGeom prst="rect">
-                <a:avLst/>
-              </a:prstGeom>
-              <a:solidFill>
-                <a:schemeClr val="dk1"/>
-              </a:solidFill>
-              <a:ln>
-                <a:noFill/>
-              </a:ln>
-            </p:spPr>
-            <p:txBody>
-              <a:bodyPr spcFirstLastPara="1" wrap="square" lIns="91425" tIns="45700" rIns="91425" bIns="45700" anchor="ctr" anchorCtr="0">
-                <a:noAutofit/>
-              </a:bodyPr>
-              <a:lstStyle/>
-              <a:p>
-                <a:pPr marL="0" marR="0" lvl="0" indent="0" algn="l" rtl="0">
-                  <a:spcBef>
-                    <a:spcPts val="0"/>
-                  </a:spcBef>
-                  <a:spcAft>
-                    <a:spcPts val="0"/>
-                  </a:spcAft>
-                  <a:buNone/>
-                </a:pPr>
-                <a:r>
-                  <a:rPr lang="en-US" sz="1600" dirty="0">
-                    <a:solidFill>
-                      <a:schemeClr val="lt1"/>
-                    </a:solidFill>
-                    <a:latin typeface="Arial"/>
-                    <a:ea typeface="Arial"/>
-                    <a:cs typeface="Arial"/>
-                    <a:sym typeface="Arial"/>
-                  </a:rPr>
-                  <a:t>Grounded</a:t>
-                </a:r>
-                <a:endParaRPr sz="1600" dirty="0">
-                  <a:solidFill>
-                    <a:schemeClr val="lt1"/>
-                  </a:solidFill>
-                  <a:latin typeface="Arial"/>
-                  <a:ea typeface="Arial"/>
-                  <a:cs typeface="Arial"/>
-                  <a:sym typeface="Arial"/>
-                </a:endParaRPr>
-              </a:p>
-            </p:txBody>
-          </p:sp>
-          <p:sp>
-            <p:nvSpPr>
-              <p:cNvPr id="51" name="Google Shape;309;g21bc3c53028_0_41">
-                <a:extLst>
-                  <a:ext uri="{FF2B5EF4-FFF2-40B4-BE49-F238E27FC236}">
-                    <a16:creationId xmlns:a16="http://schemas.microsoft.com/office/drawing/2014/main" id="{9260FD7A-08FF-4388-9E2F-241017F197E0}"/>
-                  </a:ext>
-                </a:extLst>
-              </p:cNvPr>
-              <p:cNvSpPr/>
-              <p:nvPr/>
-            </p:nvSpPr>
-            <p:spPr>
-              <a:xfrm>
-                <a:off x="1600195" y="4148914"/>
-                <a:ext cx="540000" cy="360000"/>
-              </a:xfrm>
-              <a:prstGeom prst="triangle">
-                <a:avLst>
-                  <a:gd name="adj" fmla="val 0"/>
-                </a:avLst>
-              </a:prstGeom>
-              <a:solidFill>
-                <a:schemeClr val="dk1"/>
-              </a:solidFill>
-              <a:ln>
-                <a:noFill/>
-              </a:ln>
-            </p:spPr>
-            <p:txBody>
-              <a:bodyPr spcFirstLastPara="1" wrap="square" lIns="91425" tIns="45700" rIns="91425" bIns="45700" anchor="ctr" anchorCtr="0">
-                <a:noAutofit/>
-              </a:bodyPr>
-              <a:lstStyle/>
-              <a:p>
-                <a:pPr marL="0" marR="0" lvl="0" indent="0" algn="ctr" rtl="0">
-                  <a:spcBef>
-                    <a:spcPts val="0"/>
-                  </a:spcBef>
-                  <a:spcAft>
-                    <a:spcPts val="0"/>
-                  </a:spcAft>
-                  <a:buNone/>
-                </a:pPr>
-                <a:endParaRPr sz="1600">
-                  <a:solidFill>
-                    <a:schemeClr val="lt1"/>
-                  </a:solidFill>
-                  <a:latin typeface="Arial"/>
-                  <a:ea typeface="Arial"/>
-                  <a:cs typeface="Arial"/>
-                  <a:sym typeface="Arial"/>
-                </a:endParaRPr>
-              </a:p>
-            </p:txBody>
-          </p:sp>
-        </p:grpSp>
-        <p:pic>
-          <p:nvPicPr>
-            <p:cNvPr id="3" name="Imagen 2">
-              <a:extLst>
-                <a:ext uri="{FF2B5EF4-FFF2-40B4-BE49-F238E27FC236}">
-                  <a16:creationId xmlns:a16="http://schemas.microsoft.com/office/drawing/2014/main" id="{A8CA99F2-A5A8-45E6-9AA2-C96FA91745D5}"/>
+                  <a16:creationId xmlns:a16="http://schemas.microsoft.com/office/drawing/2014/main" id="{145A06D6-6064-41F9-84E8-6500D44457B5}"/>
                 </a:ext>
               </a:extLst>
             </p:cNvPr>
@@ -32461,16 +35155,15 @@
             </p:cNvPicPr>
             <p:nvPr/>
           </p:nvPicPr>
-          <p:blipFill>
-            <a:blip r:embed="rId7"/>
-            <a:stretch>
-              <a:fillRect/>
-            </a:stretch>
+          <p:blipFill rotWithShape="1">
+            <a:blip r:embed="rId3"/>
+            <a:srcRect l="25140" t="49812" r="67595" b="34842"/>
+            <a:stretch/>
           </p:blipFill>
           <p:spPr>
             <a:xfrm>
-              <a:off x="3109061" y="8403362"/>
-              <a:ext cx="638623" cy="680500"/>
+              <a:off x="3582890" y="4855651"/>
+              <a:ext cx="704852" cy="744442"/>
             </a:xfrm>
             <a:prstGeom prst="rect">
               <a:avLst/>
@@ -32479,6 +35172,11 @@
         </p:pic>
       </p:grpSp>
     </p:spTree>
+    <p:extLst>
+      <p:ext uri="{BB962C8B-B14F-4D97-AF65-F5344CB8AC3E}">
+        <p14:creationId xmlns:p14="http://schemas.microsoft.com/office/powerpoint/2010/main" val="627780458"/>
+      </p:ext>
+    </p:extLst>
   </p:cSld>
   <p:clrMapOvr>
     <a:masterClrMapping/>

--- a/Documentation/01 - Design Document.pptx
+++ b/Documentation/01 - Design Document.pptx
@@ -270,7 +270,7 @@
       </p15:sldGuideLst>
     </p:ext>
     <p:ext uri="GoogleSlidesCustomDataVersion2">
-      <go:slidesCustomData xmlns="" xmlns:mc="http://schemas.openxmlformats.org/markup-compatibility/2006" xmlns:mv="urn:schemas-microsoft-com:mac:vml" xmlns:c="http://schemas.openxmlformats.org/drawingml/2006/chart" xmlns:dgm="http://schemas.openxmlformats.org/drawingml/2006/diagram" xmlns:o="urn:schemas-microsoft-com:office:office" xmlns:v="urn:schemas-microsoft-com:vml" xmlns:pvml="urn:schemas-microsoft-com:office:powerpoint" xmlns:com="http://schemas.openxmlformats.org/drawingml/2006/compatibility" xmlns:p14="http://schemas.microsoft.com/office/powerpoint/2010/main" xmlns:p15="http://schemas.microsoft.com/office/powerpoint/2012/main" xmlns:ahyp="http://schemas.microsoft.com/office/drawing/2018/hyperlinkcolor" xmlns:go="http://customooxmlschemas.google.com/" r:id="rId19" roundtripDataSignature="AMtx7mhsZi6FLtTjXW9fiwvxuzOukkacyg=="/>
+      <go:slidesCustomData xmlns:go="http://customooxmlschemas.google.com/" xmlns:ahyp="http://schemas.microsoft.com/office/drawing/2018/hyperlinkcolor" xmlns:p15="http://schemas.microsoft.com/office/powerpoint/2012/main" xmlns:p14="http://schemas.microsoft.com/office/powerpoint/2010/main" xmlns:com="http://schemas.openxmlformats.org/drawingml/2006/compatibility" xmlns:pvml="urn:schemas-microsoft-com:office:powerpoint" xmlns:v="urn:schemas-microsoft-com:vml" xmlns:o="urn:schemas-microsoft-com:office:office" xmlns:dgm="http://schemas.openxmlformats.org/drawingml/2006/diagram" xmlns:c="http://schemas.openxmlformats.org/drawingml/2006/chart" xmlns:mv="urn:schemas-microsoft-com:mac:vml" xmlns:mc="http://schemas.openxmlformats.org/markup-compatibility/2006" xmlns="" r:id="rId19" roundtripDataSignature="AMtx7mhsZi6FLtTjXW9fiwvxuzOukkacyg=="/>
     </p:ext>
   </p:extLst>
 </p:presentation>
@@ -18439,7 +18439,7 @@
         </p:nvGrpSpPr>
         <p:grpSpPr>
           <a:xfrm>
-            <a:off x="267320" y="5614415"/>
+            <a:off x="280020" y="5614415"/>
             <a:ext cx="6317130" cy="2347009"/>
             <a:chOff x="280968" y="5614415"/>
             <a:chExt cx="6317130" cy="2347009"/>
@@ -20317,7 +20317,7 @@
         <p:spPr>
           <a:xfrm>
             <a:off x="370843" y="8013669"/>
-            <a:ext cx="6119400" cy="1169511"/>
+            <a:ext cx="6119400" cy="1272103"/>
           </a:xfrm>
           <a:prstGeom prst="rect">
             <a:avLst/>
@@ -20353,7 +20353,11 @@
             </a:endParaRPr>
           </a:p>
           <a:p>
-            <a:pPr marL="457200" lvl="1" algn="just"/>
+            <a:pPr marL="457200" lvl="2" algn="just">
+              <a:spcBef>
+                <a:spcPts val="800"/>
+              </a:spcBef>
+            </a:pPr>
             <a:r>
               <a:rPr lang="en-US" sz="1400" b="0" i="0" u="sng" strike="noStrike" cap="none" dirty="0">
                 <a:solidFill>
@@ -20364,7 +20368,15 @@
                 <a:cs typeface="Arial"/>
                 <a:sym typeface="Arial"/>
               </a:rPr>
-              <a:t>Differences:</a:t>
+              <a:t>Special Inputs Variation</a:t>
+            </a:r>
+            <a:r>
+              <a:rPr lang="en-US" u="sng" dirty="0">
+                <a:solidFill>
+                  <a:schemeClr val="dk1"/>
+                </a:solidFill>
+              </a:rPr>
+              <a:t>:</a:t>
             </a:r>
             <a:r>
               <a:rPr lang="en-US" dirty="0">
@@ -20372,7 +20384,7 @@
                   <a:schemeClr val="dk1"/>
                 </a:solidFill>
               </a:rPr>
-              <a:t> Both types of attacks are performed by a combination of inputs. The difference is that we can perform Command Normal as long as the correct combination is pressed, while Special Inputs have to be performed in a certain time and rhythm.</a:t>
+              <a:t> Movements can have different variations depending on the button you press. For example, if a special attack moves you and the command is down, left, and kick, the attack can go further depending on whether it is a light, medium, or heavy kick.</a:t>
             </a:r>
           </a:p>
         </p:txBody>
